--- a/slides/kube-demo.pptx
+++ b/slides/kube-demo.pptx
@@ -20,9 +20,9 @@
     <p:sldId id="268" r:id="rId14"/>
     <p:sldId id="269" r:id="rId15"/>
     <p:sldId id="270" r:id="rId16"/>
-    <p:sldId id="271" r:id="rId17"/>
-    <p:sldId id="272" r:id="rId18"/>
-    <p:sldId id="273" r:id="rId19"/>
+    <p:sldId id="272" r:id="rId17"/>
+    <p:sldId id="273" r:id="rId18"/>
+    <p:sldId id="271" r:id="rId19"/>
   </p:sldIdLst>
   <p:sldSz cx="12192000" cy="6858000"/>
   <p:notesSz cx="6858000" cy="9144000"/>
@@ -5967,31 +5967,33 @@
         </p:nvSpPr>
         <p:spPr/>
         <p:txBody>
-          <a:bodyPr/>
+          <a:bodyPr>
+            <a:normAutofit/>
+          </a:bodyPr>
           <a:lstStyle/>
           <a:p>
             <a:pPr fontAlgn="base"/>
             <a:r>
-              <a:rPr lang="en-US" dirty="0"/>
+              <a:rPr lang="en-US" sz="2000" dirty="0"/>
               <a:t>Declarative method of managing Pods via </a:t>
             </a:r>
             <a:r>
-              <a:rPr lang="en-US" b="1" dirty="0" err="1"/>
+              <a:rPr lang="en-US" sz="2000" b="1" dirty="0" err="1"/>
               <a:t>ReplicaSets</a:t>
             </a:r>
             <a:r>
-              <a:rPr lang="en-US" b="1" dirty="0"/>
+              <a:rPr lang="en-US" sz="2000" b="1" dirty="0"/>
               <a:t>.</a:t>
             </a:r>
           </a:p>
           <a:p>
             <a:pPr fontAlgn="base"/>
-            <a:endParaRPr lang="en-US" dirty="0"/>
+            <a:endParaRPr lang="en-US" sz="2000" dirty="0"/>
           </a:p>
           <a:p>
             <a:pPr fontAlgn="base"/>
             <a:r>
-              <a:rPr lang="en-US" dirty="0"/>
+              <a:rPr lang="en-US" sz="2000" dirty="0"/>
               <a:t>Provide rollback functionality and update control.</a:t>
             </a:r>
           </a:p>
@@ -6172,48 +6174,48 @@
           <a:p>
             <a:pPr fontAlgn="base"/>
             <a:r>
-              <a:rPr lang="en-US" dirty="0"/>
+              <a:rPr lang="en-US" sz="2000" dirty="0"/>
               <a:t>A set of routing rules that defines how to access the Pods. </a:t>
             </a:r>
           </a:p>
           <a:p>
             <a:pPr fontAlgn="base"/>
-            <a:endParaRPr lang="en-US" dirty="0"/>
+            <a:endParaRPr lang="en-US" sz="2000" b="1" dirty="0"/>
           </a:p>
           <a:p>
             <a:pPr lvl="1" fontAlgn="base"/>
             <a:r>
-              <a:rPr lang="it-IT" b="1" dirty="0" err="1"/>
+              <a:rPr lang="it-IT" sz="1800" b="1" dirty="0" err="1"/>
               <a:t>ClusterIP</a:t>
             </a:r>
             <a:r>
-              <a:rPr lang="it-IT" dirty="0"/>
+              <a:rPr lang="it-IT" sz="1800" b="1" dirty="0"/>
               <a:t> (default)</a:t>
             </a:r>
           </a:p>
           <a:p>
             <a:pPr lvl="1" fontAlgn="base"/>
             <a:r>
-              <a:rPr lang="it-IT" b="1" dirty="0" err="1"/>
+              <a:rPr lang="it-IT" sz="1800" b="1" dirty="0" err="1"/>
               <a:t>NodePort</a:t>
             </a:r>
-            <a:endParaRPr lang="it-IT" b="1" dirty="0"/>
+            <a:endParaRPr lang="it-IT" sz="1800" b="1" dirty="0"/>
           </a:p>
           <a:p>
             <a:pPr lvl="1" fontAlgn="base"/>
             <a:r>
-              <a:rPr lang="it-IT" b="1" dirty="0" err="1"/>
+              <a:rPr lang="it-IT" sz="1800" b="1" dirty="0" err="1"/>
               <a:t>LoadBalancer</a:t>
             </a:r>
-            <a:endParaRPr lang="it-IT" b="1" dirty="0"/>
+            <a:endParaRPr lang="it-IT" sz="1800" b="1" dirty="0"/>
           </a:p>
           <a:p>
             <a:pPr lvl="1" fontAlgn="base"/>
             <a:r>
-              <a:rPr lang="it-IT" b="1" dirty="0" err="1"/>
+              <a:rPr lang="it-IT" sz="1800" b="1" dirty="0" err="1"/>
               <a:t>ExternalName</a:t>
             </a:r>
-            <a:endParaRPr lang="it-IT" b="1" dirty="0"/>
+            <a:endParaRPr lang="it-IT" sz="1800" b="1" dirty="0"/>
           </a:p>
           <a:p>
             <a:pPr fontAlgn="base"/>
@@ -6354,26 +6356,26 @@
           <a:p>
             <a:pPr fontAlgn="base"/>
             <a:r>
-              <a:rPr lang="en-US" dirty="0"/>
+              <a:rPr lang="en-US" sz="2000" dirty="0"/>
               <a:t>Exposes a port on every node’s IP.</a:t>
             </a:r>
           </a:p>
           <a:p>
             <a:pPr fontAlgn="base"/>
-            <a:endParaRPr lang="en-US" dirty="0"/>
+            <a:endParaRPr lang="en-US" sz="2000" dirty="0"/>
           </a:p>
           <a:p>
             <a:pPr fontAlgn="base"/>
             <a:r>
-              <a:rPr lang="en-US" dirty="0"/>
+              <a:rPr lang="en-US" sz="2000" dirty="0"/>
               <a:t>Port can either be statically defined, or dynamically taken from a range between </a:t>
             </a:r>
             <a:r>
-              <a:rPr lang="en-US" b="1" dirty="0"/>
+              <a:rPr lang="en-US" sz="2000" b="1" dirty="0"/>
               <a:t>30000-32767</a:t>
             </a:r>
             <a:r>
-              <a:rPr lang="en-US" dirty="0"/>
+              <a:rPr lang="en-US" sz="2000" dirty="0"/>
               <a:t>.</a:t>
             </a:r>
           </a:p>
@@ -6640,7 +6642,7 @@
         </p:nvSpPr>
         <p:spPr>
           <a:xfrm>
-            <a:off x="4051818" y="4014456"/>
+            <a:off x="3405648" y="3973435"/>
             <a:ext cx="1234633" cy="276999"/>
           </a:xfrm>
           <a:prstGeom prst="rect">
@@ -6896,7 +6898,7 @@
         </p:nvSpPr>
         <p:spPr>
           <a:xfrm>
-            <a:off x="4118863" y="4014457"/>
+            <a:off x="3475957" y="4006625"/>
             <a:ext cx="1094014" cy="226212"/>
           </a:xfrm>
           <a:prstGeom prst="rect">
@@ -6948,7 +6950,7 @@
         </p:nvSpPr>
         <p:spPr>
           <a:xfrm>
-            <a:off x="6265980" y="4002652"/>
+            <a:off x="5587937" y="3994522"/>
             <a:ext cx="1234633" cy="276999"/>
           </a:xfrm>
           <a:prstGeom prst="rect">
@@ -6983,7 +6985,7 @@
         </p:nvSpPr>
         <p:spPr>
           <a:xfrm>
-            <a:off x="6336290" y="4019002"/>
+            <a:off x="5649601" y="4006625"/>
             <a:ext cx="1094014" cy="226212"/>
           </a:xfrm>
           <a:prstGeom prst="rect">
@@ -7285,7 +7287,8 @@
             </a:extLst>
           </p:cNvPr>
           <p:cNvCxnSpPr>
-            <a:stCxn id="37" idx="0"/>
+            <a:cxnSpLocks/>
+            <a:stCxn id="40" idx="0"/>
             <a:endCxn id="30" idx="2"/>
           </p:cNvCxnSpPr>
           <p:nvPr/>
@@ -7293,7 +7296,7 @@
         <p:spPr>
           <a:xfrm flipH="1" flipV="1">
             <a:off x="4203603" y="2564141"/>
-            <a:ext cx="2679694" cy="1454861"/>
+            <a:ext cx="3024039" cy="1717689"/>
           </a:xfrm>
           <a:prstGeom prst="straightConnector1">
             <a:avLst/>
@@ -7329,7 +7332,7 @@
           </p:cNvPr>
           <p:cNvCxnSpPr>
             <a:cxnSpLocks/>
-            <a:stCxn id="5" idx="0"/>
+            <a:stCxn id="7" idx="0"/>
             <a:endCxn id="30" idx="2"/>
           </p:cNvCxnSpPr>
           <p:nvPr/>
@@ -7337,7 +7340,7 @@
         <p:spPr>
           <a:xfrm flipH="1" flipV="1">
             <a:off x="4203603" y="2564141"/>
-            <a:ext cx="465532" cy="1450315"/>
+            <a:ext cx="805171" cy="1708378"/>
           </a:xfrm>
           <a:prstGeom prst="straightConnector1">
             <a:avLst/>
@@ -7554,7 +7557,7 @@
         </p:nvSpPr>
         <p:spPr>
           <a:xfrm>
-            <a:off x="1933836" y="4011516"/>
+            <a:off x="1237505" y="3992580"/>
             <a:ext cx="1234633" cy="276999"/>
           </a:xfrm>
           <a:prstGeom prst="rect">
@@ -7589,7 +7592,7 @@
         </p:nvSpPr>
         <p:spPr>
           <a:xfrm>
-            <a:off x="2000881" y="4011517"/>
+            <a:off x="1315160" y="4011745"/>
             <a:ext cx="1094014" cy="226212"/>
           </a:xfrm>
           <a:prstGeom prst="rect">
@@ -7724,15 +7727,15 @@
           </p:cNvPr>
           <p:cNvCxnSpPr>
             <a:cxnSpLocks/>
-            <a:stCxn id="59" idx="0"/>
+            <a:stCxn id="57" idx="0"/>
             <a:endCxn id="6" idx="2"/>
           </p:cNvCxnSpPr>
           <p:nvPr/>
         </p:nvCxnSpPr>
         <p:spPr>
           <a:xfrm flipV="1">
-            <a:off x="2551153" y="2522388"/>
-            <a:ext cx="1638823" cy="1489128"/>
+            <a:off x="2911202" y="2522388"/>
+            <a:ext cx="1278774" cy="1715569"/>
           </a:xfrm>
           <a:prstGeom prst="straightConnector1">
             <a:avLst/>
@@ -7928,38 +7931,40 @@
         </p:nvSpPr>
         <p:spPr/>
         <p:txBody>
-          <a:bodyPr/>
-          <a:lstStyle/>
-          <a:p>
-            <a:r>
-              <a:rPr lang="en-US" dirty="0"/>
+          <a:bodyPr>
+            <a:normAutofit/>
+          </a:bodyPr>
+          <a:lstStyle/>
+          <a:p>
+            <a:r>
+              <a:rPr lang="en-US" sz="2000" dirty="0"/>
               <a:t>Kubernetes has an integrated pattern for decoupling configuration from application or container.</a:t>
             </a:r>
           </a:p>
           <a:p>
-            <a:endParaRPr lang="en-US" dirty="0"/>
-          </a:p>
-          <a:p>
-            <a:endParaRPr lang="en-US" dirty="0"/>
-          </a:p>
-          <a:p>
-            <a:r>
-              <a:rPr lang="en-US" dirty="0"/>
+            <a:endParaRPr lang="en-US" sz="2000" dirty="0"/>
+          </a:p>
+          <a:p>
+            <a:endParaRPr lang="en-US" sz="2000" dirty="0"/>
+          </a:p>
+          <a:p>
+            <a:r>
+              <a:rPr lang="en-US" sz="2000" dirty="0"/>
               <a:t>This pattern makes use of two Kubernetes components: </a:t>
             </a:r>
             <a:r>
-              <a:rPr lang="en-US" b="1" dirty="0" err="1"/>
+              <a:rPr lang="en-US" sz="2000" b="1" dirty="0" err="1"/>
               <a:t>ConfigMaps</a:t>
             </a:r>
             <a:r>
-              <a:rPr lang="en-US" dirty="0"/>
+              <a:rPr lang="en-US" sz="2000" dirty="0"/>
               <a:t> and </a:t>
             </a:r>
             <a:r>
-              <a:rPr lang="en-US" b="1" dirty="0"/>
+              <a:rPr lang="en-US" sz="2000" b="1" dirty="0"/>
               <a:t>Secrets.</a:t>
             </a:r>
-            <a:endParaRPr lang="en-US" dirty="0"/>
+            <a:endParaRPr lang="en-US" sz="2000" dirty="0"/>
           </a:p>
         </p:txBody>
       </p:sp>
@@ -8092,58 +8097,58 @@
           <a:p>
             <a:pPr fontAlgn="base"/>
             <a:r>
-              <a:rPr lang="en-US" dirty="0"/>
+              <a:rPr lang="en-US" sz="2000" dirty="0"/>
               <a:t>Externalized data stored within </a:t>
             </a:r>
             <a:r>
-              <a:rPr lang="en-US" dirty="0" err="1"/>
+              <a:rPr lang="en-US" sz="2000" dirty="0" err="1"/>
               <a:t>kubernetes</a:t>
             </a:r>
             <a:r>
-              <a:rPr lang="en-US" dirty="0"/>
+              <a:rPr lang="en-US" sz="2000" dirty="0"/>
               <a:t>.</a:t>
             </a:r>
           </a:p>
           <a:p>
             <a:pPr fontAlgn="base"/>
-            <a:endParaRPr lang="en-US" dirty="0"/>
+            <a:endParaRPr lang="en-US" sz="2000" dirty="0"/>
           </a:p>
           <a:p>
             <a:pPr fontAlgn="base"/>
             <a:r>
-              <a:rPr lang="en-US" dirty="0"/>
+              <a:rPr lang="en-US" sz="2000" dirty="0"/>
               <a:t>Can be referenced through several different means:</a:t>
             </a:r>
           </a:p>
           <a:p>
             <a:pPr lvl="1" fontAlgn="base"/>
             <a:r>
-              <a:rPr lang="en-US" dirty="0"/>
+              <a:rPr lang="en-US" sz="1800" dirty="0"/>
               <a:t>environment variable</a:t>
             </a:r>
           </a:p>
           <a:p>
             <a:pPr lvl="1" fontAlgn="base"/>
             <a:r>
-              <a:rPr lang="en-US" dirty="0"/>
+              <a:rPr lang="en-US" sz="1800" dirty="0"/>
               <a:t>a command line argument (via env var)</a:t>
             </a:r>
           </a:p>
           <a:p>
             <a:pPr lvl="1" fontAlgn="base"/>
             <a:r>
-              <a:rPr lang="en-US" dirty="0"/>
+              <a:rPr lang="en-US" sz="1800" dirty="0"/>
               <a:t>injected as a file into a volume mount</a:t>
             </a:r>
           </a:p>
           <a:p>
             <a:pPr lvl="1" fontAlgn="base"/>
-            <a:endParaRPr lang="en-US" dirty="0"/>
+            <a:endParaRPr lang="en-US" sz="1800" dirty="0"/>
           </a:p>
           <a:p>
             <a:pPr fontAlgn="base"/>
             <a:r>
-              <a:rPr lang="en-US" dirty="0"/>
+              <a:rPr lang="en-US" sz="2000" dirty="0"/>
               <a:t>Can be created from a manifest, literals, directories, or files directly.</a:t>
             </a:r>
           </a:p>
@@ -8206,8 +8211,13 @@
           <a:p>
             <a:r>
               <a:rPr lang="it-IT" dirty="0"/>
-              <a:t>Secret</a:t>
-            </a:r>
+              <a:t>Service </a:t>
+            </a:r>
+            <a:r>
+              <a:rPr lang="it-IT" dirty="0" err="1"/>
+              <a:t>ClusterIP</a:t>
+            </a:r>
+            <a:endParaRPr lang="it-IT" dirty="0"/>
           </a:p>
         </p:txBody>
       </p:sp>
@@ -8276,71 +8286,27 @@
         </p:nvSpPr>
         <p:spPr/>
         <p:txBody>
-          <a:bodyPr/>
+          <a:bodyPr>
+            <a:normAutofit/>
+          </a:bodyPr>
           <a:lstStyle/>
           <a:p>
             <a:pPr fontAlgn="base"/>
             <a:r>
-              <a:rPr lang="en-US" dirty="0"/>
-              <a:t>Functionally identical to a </a:t>
-            </a:r>
-            <a:r>
-              <a:rPr lang="en-US" dirty="0" err="1"/>
-              <a:t>ConfigMap</a:t>
-            </a:r>
-            <a:r>
-              <a:rPr lang="en-US" dirty="0"/>
-              <a:t>.</a:t>
-            </a:r>
-          </a:p>
-          <a:p>
-            <a:pPr fontAlgn="base"/>
-            <a:endParaRPr lang="en-US" dirty="0"/>
-          </a:p>
-          <a:p>
-            <a:pPr fontAlgn="base"/>
-            <a:r>
-              <a:rPr lang="en-US" dirty="0"/>
-              <a:t>Stored as </a:t>
-            </a:r>
-            <a:r>
-              <a:rPr lang="en-US" b="1" dirty="0"/>
-              <a:t>base64 encoded content.</a:t>
-            </a:r>
-            <a:endParaRPr lang="en-US" dirty="0"/>
-          </a:p>
-          <a:p>
-            <a:pPr fontAlgn="base"/>
-            <a:endParaRPr lang="en-US" dirty="0"/>
-          </a:p>
-          <a:p>
-            <a:pPr fontAlgn="base"/>
-            <a:r>
-              <a:rPr lang="en-US" dirty="0"/>
-              <a:t>Ideal for username/passwords, certificates or other sensitive information that should not be stored in a container.</a:t>
-            </a:r>
-          </a:p>
-          <a:p>
-            <a:pPr fontAlgn="base"/>
-            <a:endParaRPr lang="en-US" dirty="0"/>
-          </a:p>
-          <a:p>
-            <a:pPr fontAlgn="base"/>
-            <a:r>
-              <a:rPr lang="en-US" dirty="0"/>
-              <a:t>Can be created from a manifest, literals, directories, or from files directly.</a:t>
-            </a:r>
-          </a:p>
-          <a:p>
-            <a:pPr fontAlgn="base"/>
-            <a:endParaRPr lang="en-US" dirty="0"/>
+              <a:rPr lang="en-US" sz="2000" b="1" dirty="0" err="1"/>
+              <a:t>ClusterIP</a:t>
+            </a:r>
+            <a:r>
+              <a:rPr lang="en-US" sz="2000" dirty="0"/>
+              <a:t> services exposes a service on a strictly cluster internal virtual IP.</a:t>
+            </a:r>
           </a:p>
         </p:txBody>
       </p:sp>
     </p:spTree>
     <p:extLst>
       <p:ext uri="{BB962C8B-B14F-4D97-AF65-F5344CB8AC3E}">
-        <p14:creationId xmlns:p14="http://schemas.microsoft.com/office/powerpoint/2010/main" val="2540725245"/>
+        <p14:creationId xmlns:p14="http://schemas.microsoft.com/office/powerpoint/2010/main" val="776424517"/>
       </p:ext>
     </p:extLst>
   </p:cSld>
@@ -8369,6 +8335,104 @@
       </p:grpSpPr>
       <p:sp>
         <p:nvSpPr>
+          <p:cNvPr id="4" name="Rettangolo 3">
+            <a:extLst>
+              <a:ext uri="{FF2B5EF4-FFF2-40B4-BE49-F238E27FC236}">
+                <a16:creationId xmlns:a16="http://schemas.microsoft.com/office/drawing/2014/main" id="{57CE466D-8C75-4E04-A2A2-687F80849927}"/>
+              </a:ext>
+            </a:extLst>
+          </p:cNvPr>
+          <p:cNvSpPr/>
+          <p:nvPr/>
+        </p:nvSpPr>
+        <p:spPr>
+          <a:xfrm>
+            <a:off x="3384080" y="1529319"/>
+            <a:ext cx="1845129" cy="2743200"/>
+          </a:xfrm>
+          <a:prstGeom prst="rect">
+            <a:avLst/>
+          </a:prstGeom>
+          <a:solidFill>
+            <a:schemeClr val="bg1"/>
+          </a:solidFill>
+        </p:spPr>
+        <p:style>
+          <a:lnRef idx="2">
+            <a:schemeClr val="accent1">
+              <a:shade val="50000"/>
+            </a:schemeClr>
+          </a:lnRef>
+          <a:fillRef idx="1">
+            <a:schemeClr val="accent1"/>
+          </a:fillRef>
+          <a:effectRef idx="0">
+            <a:schemeClr val="accent1"/>
+          </a:effectRef>
+          <a:fontRef idx="minor">
+            <a:schemeClr val="lt1"/>
+          </a:fontRef>
+        </p:style>
+        <p:txBody>
+          <a:bodyPr rtlCol="0" anchor="ctr"/>
+          <a:lstStyle/>
+          <a:p>
+            <a:pPr algn="ctr"/>
+            <a:endParaRPr lang="it-IT"/>
+          </a:p>
+        </p:txBody>
+      </p:sp>
+      <p:sp>
+        <p:nvSpPr>
+          <p:cNvPr id="26" name="Rettangolo 25">
+            <a:extLst>
+              <a:ext uri="{FF2B5EF4-FFF2-40B4-BE49-F238E27FC236}">
+                <a16:creationId xmlns:a16="http://schemas.microsoft.com/office/drawing/2014/main" id="{F66F6ED8-EAA6-4FDA-AFF5-FC3BD82DC792}"/>
+              </a:ext>
+            </a:extLst>
+          </p:cNvPr>
+          <p:cNvSpPr/>
+          <p:nvPr/>
+        </p:nvSpPr>
+        <p:spPr>
+          <a:xfrm>
+            <a:off x="5603404" y="1536451"/>
+            <a:ext cx="1845129" cy="2743200"/>
+          </a:xfrm>
+          <a:prstGeom prst="rect">
+            <a:avLst/>
+          </a:prstGeom>
+          <a:solidFill>
+            <a:schemeClr val="bg1"/>
+          </a:solidFill>
+        </p:spPr>
+        <p:style>
+          <a:lnRef idx="2">
+            <a:schemeClr val="accent1">
+              <a:shade val="50000"/>
+            </a:schemeClr>
+          </a:lnRef>
+          <a:fillRef idx="1">
+            <a:schemeClr val="accent1"/>
+          </a:fillRef>
+          <a:effectRef idx="0">
+            <a:schemeClr val="accent1"/>
+          </a:effectRef>
+          <a:fontRef idx="minor">
+            <a:schemeClr val="lt1"/>
+          </a:fontRef>
+        </p:style>
+        <p:txBody>
+          <a:bodyPr rtlCol="0" anchor="ctr"/>
+          <a:lstStyle/>
+          <a:p>
+            <a:pPr algn="ctr"/>
+            <a:endParaRPr lang="it-IT" dirty="0"/>
+          </a:p>
+        </p:txBody>
+      </p:sp>
+      <p:sp>
+        <p:nvSpPr>
           <p:cNvPr id="2" name="Titolo 1">
             <a:extLst>
               <a:ext uri="{FF2B5EF4-FFF2-40B4-BE49-F238E27FC236}">
@@ -8449,33 +8513,1131 @@
       </p:pic>
       <p:sp>
         <p:nvSpPr>
-          <p:cNvPr id="4" name="Segnaposto contenuto 3">
-            <a:extLst>
-              <a:ext uri="{FF2B5EF4-FFF2-40B4-BE49-F238E27FC236}">
-                <a16:creationId xmlns:a16="http://schemas.microsoft.com/office/drawing/2014/main" id="{725997EF-BA1F-48AA-9CD4-DB729382E2A8}"/>
-              </a:ext>
-            </a:extLst>
-          </p:cNvPr>
-          <p:cNvSpPr>
-            <a:spLocks noGrp="1"/>
-          </p:cNvSpPr>
-          <p:nvPr>
-            <p:ph idx="1"/>
-          </p:nvPr>
-        </p:nvSpPr>
-        <p:spPr/>
-        <p:txBody>
-          <a:bodyPr/>
-          <a:lstStyle/>
-          <a:p>
-            <a:pPr fontAlgn="base"/>
-            <a:r>
-              <a:rPr lang="en-US" b="1" dirty="0" err="1"/>
-              <a:t>ClusterIP</a:t>
-            </a:r>
-            <a:r>
-              <a:rPr lang="en-US" dirty="0"/>
-              <a:t> services exposes a service on a strictly cluster internal virtual IP.</a:t>
+          <p:cNvPr id="5" name="CasellaDiTesto 4">
+            <a:extLst>
+              <a:ext uri="{FF2B5EF4-FFF2-40B4-BE49-F238E27FC236}">
+                <a16:creationId xmlns:a16="http://schemas.microsoft.com/office/drawing/2014/main" id="{0790C00F-B3E7-4CF3-8AD1-EDB8D87A55FA}"/>
+              </a:ext>
+            </a:extLst>
+          </p:cNvPr>
+          <p:cNvSpPr txBox="1"/>
+          <p:nvPr/>
+        </p:nvSpPr>
+        <p:spPr>
+          <a:xfrm>
+            <a:off x="4051818" y="4014456"/>
+            <a:ext cx="1234633" cy="276999"/>
+          </a:xfrm>
+          <a:prstGeom prst="rect">
+            <a:avLst/>
+          </a:prstGeom>
+          <a:noFill/>
+        </p:spPr>
+        <p:txBody>
+          <a:bodyPr wrap="none" rtlCol="0">
+            <a:spAutoFit/>
+          </a:bodyPr>
+          <a:lstStyle/>
+          <a:p>
+            <a:r>
+              <a:rPr lang="it-IT" sz="1200" dirty="0"/>
+              <a:t>10.115.134.130</a:t>
+            </a:r>
+          </a:p>
+        </p:txBody>
+      </p:sp>
+      <p:pic>
+        <p:nvPicPr>
+          <p:cNvPr id="4098" name="Picture 2" descr="Risultati immagini per spring boot">
+            <a:extLst>
+              <a:ext uri="{FF2B5EF4-FFF2-40B4-BE49-F238E27FC236}">
+                <a16:creationId xmlns:a16="http://schemas.microsoft.com/office/drawing/2014/main" id="{2E058A85-1812-4D19-ABD4-8CA597CB7512}"/>
+              </a:ext>
+            </a:extLst>
+          </p:cNvPr>
+          <p:cNvPicPr>
+            <a:picLocks noChangeAspect="1" noChangeArrowheads="1"/>
+          </p:cNvPicPr>
+          <p:nvPr/>
+        </p:nvPicPr>
+        <p:blipFill>
+          <a:blip r:embed="rId3">
+            <a:extLst>
+              <a:ext uri="{28A0092B-C50C-407E-A947-70E740481C1C}">
+                <a14:useLocalDpi xmlns:a14="http://schemas.microsoft.com/office/drawing/2010/main" val="0"/>
+              </a:ext>
+            </a:extLst>
+          </a:blip>
+          <a:srcRect/>
+          <a:stretch>
+            <a:fillRect/>
+          </a:stretch>
+        </p:blipFill>
+        <p:spPr bwMode="auto">
+          <a:xfrm>
+            <a:off x="3483413" y="1554264"/>
+            <a:ext cx="595993" cy="595993"/>
+          </a:xfrm>
+          <a:prstGeom prst="rect">
+            <a:avLst/>
+          </a:prstGeom>
+          <a:noFill/>
+          <a:extLst>
+            <a:ext uri="{909E8E84-426E-40DD-AFC4-6F175D3DCCD1}">
+              <a14:hiddenFill xmlns:a14="http://schemas.microsoft.com/office/drawing/2010/main">
+                <a:solidFill>
+                  <a:srgbClr val="FFFFFF"/>
+                </a:solidFill>
+              </a14:hiddenFill>
+            </a:ext>
+          </a:extLst>
+        </p:spPr>
+      </p:pic>
+      <p:sp>
+        <p:nvSpPr>
+          <p:cNvPr id="3" name="Rettangolo 2">
+            <a:extLst>
+              <a:ext uri="{FF2B5EF4-FFF2-40B4-BE49-F238E27FC236}">
+                <a16:creationId xmlns:a16="http://schemas.microsoft.com/office/drawing/2014/main" id="{88C13140-B54C-4D69-842D-82019B886CC2}"/>
+              </a:ext>
+            </a:extLst>
+          </p:cNvPr>
+          <p:cNvSpPr/>
+          <p:nvPr/>
+        </p:nvSpPr>
+        <p:spPr>
+          <a:xfrm>
+            <a:off x="3449395" y="1566057"/>
+            <a:ext cx="914400" cy="740354"/>
+          </a:xfrm>
+          <a:prstGeom prst="rect">
+            <a:avLst/>
+          </a:prstGeom>
+          <a:noFill/>
+          <a:ln>
+            <a:solidFill>
+              <a:schemeClr val="accent1"/>
+            </a:solidFill>
+          </a:ln>
+        </p:spPr>
+        <p:style>
+          <a:lnRef idx="2">
+            <a:schemeClr val="accent1">
+              <a:shade val="50000"/>
+            </a:schemeClr>
+          </a:lnRef>
+          <a:fillRef idx="1">
+            <a:schemeClr val="accent1"/>
+          </a:fillRef>
+          <a:effectRef idx="0">
+            <a:schemeClr val="accent1"/>
+          </a:effectRef>
+          <a:fontRef idx="minor">
+            <a:schemeClr val="lt1"/>
+          </a:fontRef>
+        </p:style>
+        <p:txBody>
+          <a:bodyPr rtlCol="0" anchor="ctr"/>
+          <a:lstStyle/>
+          <a:p>
+            <a:pPr algn="ctr"/>
+            <a:endParaRPr lang="it-IT"/>
+          </a:p>
+        </p:txBody>
+      </p:sp>
+      <p:sp>
+        <p:nvSpPr>
+          <p:cNvPr id="29" name="CasellaDiTesto 28">
+            <a:extLst>
+              <a:ext uri="{FF2B5EF4-FFF2-40B4-BE49-F238E27FC236}">
+                <a16:creationId xmlns:a16="http://schemas.microsoft.com/office/drawing/2014/main" id="{0353218C-785A-4A4C-82B3-1CEE638D1071}"/>
+              </a:ext>
+            </a:extLst>
+          </p:cNvPr>
+          <p:cNvSpPr txBox="1"/>
+          <p:nvPr/>
+        </p:nvSpPr>
+        <p:spPr>
+          <a:xfrm>
+            <a:off x="3384080" y="2082674"/>
+            <a:ext cx="1002197" cy="261610"/>
+          </a:xfrm>
+          <a:prstGeom prst="rect">
+            <a:avLst/>
+          </a:prstGeom>
+          <a:noFill/>
+        </p:spPr>
+        <p:txBody>
+          <a:bodyPr wrap="none" rtlCol="0">
+            <a:spAutoFit/>
+          </a:bodyPr>
+          <a:lstStyle/>
+          <a:p>
+            <a:r>
+              <a:rPr lang="it-IT" sz="1100" dirty="0"/>
+              <a:t>192.168.0.56</a:t>
+            </a:r>
+          </a:p>
+        </p:txBody>
+      </p:sp>
+      <p:sp>
+        <p:nvSpPr>
+          <p:cNvPr id="30" name="CasellaDiTesto 29">
+            <a:extLst>
+              <a:ext uri="{FF2B5EF4-FFF2-40B4-BE49-F238E27FC236}">
+                <a16:creationId xmlns:a16="http://schemas.microsoft.com/office/drawing/2014/main" id="{AF272547-FDD8-4812-949C-5AA431433E36}"/>
+              </a:ext>
+            </a:extLst>
+          </p:cNvPr>
+          <p:cNvSpPr txBox="1"/>
+          <p:nvPr/>
+        </p:nvSpPr>
+        <p:spPr>
+          <a:xfrm>
+            <a:off x="3947417" y="2302531"/>
+            <a:ext cx="512371" cy="261610"/>
+          </a:xfrm>
+          <a:prstGeom prst="rect">
+            <a:avLst/>
+          </a:prstGeom>
+          <a:noFill/>
+        </p:spPr>
+        <p:txBody>
+          <a:bodyPr wrap="square" rtlCol="0">
+            <a:spAutoFit/>
+          </a:bodyPr>
+          <a:lstStyle/>
+          <a:p>
+            <a:r>
+              <a:rPr lang="it-IT" sz="1100" dirty="0"/>
+              <a:t>8080</a:t>
+            </a:r>
+          </a:p>
+        </p:txBody>
+      </p:sp>
+      <p:sp>
+        <p:nvSpPr>
+          <p:cNvPr id="6" name="Rettangolo 5">
+            <a:extLst>
+              <a:ext uri="{FF2B5EF4-FFF2-40B4-BE49-F238E27FC236}">
+                <a16:creationId xmlns:a16="http://schemas.microsoft.com/office/drawing/2014/main" id="{3A8F22D2-6ACC-4448-ADF5-3B51A97BAC64}"/>
+              </a:ext>
+            </a:extLst>
+          </p:cNvPr>
+          <p:cNvSpPr/>
+          <p:nvPr/>
+        </p:nvSpPr>
+        <p:spPr>
+          <a:xfrm>
+            <a:off x="4016157" y="2302531"/>
+            <a:ext cx="347638" cy="219857"/>
+          </a:xfrm>
+          <a:prstGeom prst="rect">
+            <a:avLst/>
+          </a:prstGeom>
+          <a:noFill/>
+          <a:ln>
+            <a:solidFill>
+              <a:schemeClr val="accent2"/>
+            </a:solidFill>
+          </a:ln>
+        </p:spPr>
+        <p:style>
+          <a:lnRef idx="2">
+            <a:schemeClr val="accent1">
+              <a:shade val="50000"/>
+            </a:schemeClr>
+          </a:lnRef>
+          <a:fillRef idx="1">
+            <a:schemeClr val="accent1"/>
+          </a:fillRef>
+          <a:effectRef idx="0">
+            <a:schemeClr val="accent1"/>
+          </a:effectRef>
+          <a:fontRef idx="minor">
+            <a:schemeClr val="lt1"/>
+          </a:fontRef>
+        </p:style>
+        <p:txBody>
+          <a:bodyPr rtlCol="0" anchor="ctr"/>
+          <a:lstStyle/>
+          <a:p>
+            <a:pPr algn="ctr"/>
+            <a:endParaRPr lang="it-IT"/>
+          </a:p>
+        </p:txBody>
+      </p:sp>
+      <p:sp>
+        <p:nvSpPr>
+          <p:cNvPr id="35" name="Rettangolo 34">
+            <a:extLst>
+              <a:ext uri="{FF2B5EF4-FFF2-40B4-BE49-F238E27FC236}">
+                <a16:creationId xmlns:a16="http://schemas.microsoft.com/office/drawing/2014/main" id="{7CCEB72C-6750-4008-A895-569489BEA3E3}"/>
+              </a:ext>
+            </a:extLst>
+          </p:cNvPr>
+          <p:cNvSpPr/>
+          <p:nvPr/>
+        </p:nvSpPr>
+        <p:spPr>
+          <a:xfrm>
+            <a:off x="4118863" y="4014457"/>
+            <a:ext cx="1094014" cy="226212"/>
+          </a:xfrm>
+          <a:prstGeom prst="rect">
+            <a:avLst/>
+          </a:prstGeom>
+          <a:noFill/>
+          <a:ln>
+            <a:solidFill>
+              <a:schemeClr val="accent2"/>
+            </a:solidFill>
+          </a:ln>
+        </p:spPr>
+        <p:style>
+          <a:lnRef idx="2">
+            <a:schemeClr val="accent1">
+              <a:shade val="50000"/>
+            </a:schemeClr>
+          </a:lnRef>
+          <a:fillRef idx="1">
+            <a:schemeClr val="accent1"/>
+          </a:fillRef>
+          <a:effectRef idx="0">
+            <a:schemeClr val="accent1"/>
+          </a:effectRef>
+          <a:fontRef idx="minor">
+            <a:schemeClr val="lt1"/>
+          </a:fontRef>
+        </p:style>
+        <p:txBody>
+          <a:bodyPr rtlCol="0" anchor="ctr"/>
+          <a:lstStyle/>
+          <a:p>
+            <a:pPr algn="ctr"/>
+            <a:endParaRPr lang="it-IT"/>
+          </a:p>
+        </p:txBody>
+      </p:sp>
+      <p:sp>
+        <p:nvSpPr>
+          <p:cNvPr id="36" name="CasellaDiTesto 35">
+            <a:extLst>
+              <a:ext uri="{FF2B5EF4-FFF2-40B4-BE49-F238E27FC236}">
+                <a16:creationId xmlns:a16="http://schemas.microsoft.com/office/drawing/2014/main" id="{20467A3D-E9E4-4A5F-9DD3-748FA204C854}"/>
+              </a:ext>
+            </a:extLst>
+          </p:cNvPr>
+          <p:cNvSpPr txBox="1"/>
+          <p:nvPr/>
+        </p:nvSpPr>
+        <p:spPr>
+          <a:xfrm>
+            <a:off x="6265980" y="4002652"/>
+            <a:ext cx="1234633" cy="276999"/>
+          </a:xfrm>
+          <a:prstGeom prst="rect">
+            <a:avLst/>
+          </a:prstGeom>
+          <a:noFill/>
+        </p:spPr>
+        <p:txBody>
+          <a:bodyPr wrap="none" rtlCol="0">
+            <a:spAutoFit/>
+          </a:bodyPr>
+          <a:lstStyle/>
+          <a:p>
+            <a:r>
+              <a:rPr lang="it-IT" sz="1200" dirty="0"/>
+              <a:t>10.115.134.131</a:t>
+            </a:r>
+          </a:p>
+        </p:txBody>
+      </p:sp>
+      <p:sp>
+        <p:nvSpPr>
+          <p:cNvPr id="37" name="Rettangolo 36">
+            <a:extLst>
+              <a:ext uri="{FF2B5EF4-FFF2-40B4-BE49-F238E27FC236}">
+                <a16:creationId xmlns:a16="http://schemas.microsoft.com/office/drawing/2014/main" id="{EDB0E59B-645A-4DEB-BAF7-F13C605CB67C}"/>
+              </a:ext>
+            </a:extLst>
+          </p:cNvPr>
+          <p:cNvSpPr/>
+          <p:nvPr/>
+        </p:nvSpPr>
+        <p:spPr>
+          <a:xfrm>
+            <a:off x="6336290" y="4019002"/>
+            <a:ext cx="1094014" cy="226212"/>
+          </a:xfrm>
+          <a:prstGeom prst="rect">
+            <a:avLst/>
+          </a:prstGeom>
+          <a:noFill/>
+          <a:ln>
+            <a:solidFill>
+              <a:schemeClr val="accent2"/>
+            </a:solidFill>
+          </a:ln>
+        </p:spPr>
+        <p:style>
+          <a:lnRef idx="2">
+            <a:schemeClr val="accent1">
+              <a:shade val="50000"/>
+            </a:schemeClr>
+          </a:lnRef>
+          <a:fillRef idx="1">
+            <a:schemeClr val="accent1"/>
+          </a:fillRef>
+          <a:effectRef idx="0">
+            <a:schemeClr val="accent1"/>
+          </a:effectRef>
+          <a:fontRef idx="minor">
+            <a:schemeClr val="lt1"/>
+          </a:fontRef>
+        </p:style>
+        <p:txBody>
+          <a:bodyPr rtlCol="0" anchor="ctr"/>
+          <a:lstStyle/>
+          <a:p>
+            <a:pPr algn="ctr"/>
+            <a:endParaRPr lang="it-IT"/>
+          </a:p>
+        </p:txBody>
+      </p:sp>
+      <p:sp>
+        <p:nvSpPr>
+          <p:cNvPr id="41" name="CasellaDiTesto 40">
+            <a:extLst>
+              <a:ext uri="{FF2B5EF4-FFF2-40B4-BE49-F238E27FC236}">
+                <a16:creationId xmlns:a16="http://schemas.microsoft.com/office/drawing/2014/main" id="{ACF3AC55-A49B-4DD9-8A96-D4F58D5808DF}"/>
+              </a:ext>
+            </a:extLst>
+          </p:cNvPr>
+          <p:cNvSpPr txBox="1"/>
+          <p:nvPr/>
+        </p:nvSpPr>
+        <p:spPr>
+          <a:xfrm>
+            <a:off x="3668258" y="4287837"/>
+            <a:ext cx="901209" cy="369332"/>
+          </a:xfrm>
+          <a:prstGeom prst="rect">
+            <a:avLst/>
+          </a:prstGeom>
+          <a:noFill/>
+        </p:spPr>
+        <p:txBody>
+          <a:bodyPr wrap="none" rtlCol="0">
+            <a:spAutoFit/>
+          </a:bodyPr>
+          <a:lstStyle/>
+          <a:p>
+            <a:r>
+              <a:rPr lang="it-IT" dirty="0" err="1"/>
+              <a:t>Node</a:t>
+            </a:r>
+            <a:r>
+              <a:rPr lang="it-IT" dirty="0"/>
+              <a:t> 2</a:t>
+            </a:r>
+          </a:p>
+        </p:txBody>
+      </p:sp>
+      <p:sp>
+        <p:nvSpPr>
+          <p:cNvPr id="42" name="CasellaDiTesto 41">
+            <a:extLst>
+              <a:ext uri="{FF2B5EF4-FFF2-40B4-BE49-F238E27FC236}">
+                <a16:creationId xmlns:a16="http://schemas.microsoft.com/office/drawing/2014/main" id="{F84DE41D-5B77-4C0A-AB4A-0C97F350BA7C}"/>
+              </a:ext>
+            </a:extLst>
+          </p:cNvPr>
+          <p:cNvSpPr txBox="1"/>
+          <p:nvPr/>
+        </p:nvSpPr>
+        <p:spPr>
+          <a:xfrm>
+            <a:off x="5925489" y="4272519"/>
+            <a:ext cx="901209" cy="369332"/>
+          </a:xfrm>
+          <a:prstGeom prst="rect">
+            <a:avLst/>
+          </a:prstGeom>
+          <a:noFill/>
+        </p:spPr>
+        <p:txBody>
+          <a:bodyPr wrap="none" rtlCol="0">
+            <a:spAutoFit/>
+          </a:bodyPr>
+          <a:lstStyle/>
+          <a:p>
+            <a:r>
+              <a:rPr lang="it-IT" dirty="0" err="1"/>
+              <a:t>Node</a:t>
+            </a:r>
+            <a:r>
+              <a:rPr lang="it-IT" dirty="0"/>
+              <a:t> 3</a:t>
+            </a:r>
+          </a:p>
+        </p:txBody>
+      </p:sp>
+      <p:sp>
+        <p:nvSpPr>
+          <p:cNvPr id="58" name="Rettangolo 57">
+            <a:extLst>
+              <a:ext uri="{FF2B5EF4-FFF2-40B4-BE49-F238E27FC236}">
+                <a16:creationId xmlns:a16="http://schemas.microsoft.com/office/drawing/2014/main" id="{D3860248-DCC0-423D-B761-FD21D19A8C3E}"/>
+              </a:ext>
+            </a:extLst>
+          </p:cNvPr>
+          <p:cNvSpPr/>
+          <p:nvPr/>
+        </p:nvSpPr>
+        <p:spPr>
+          <a:xfrm>
+            <a:off x="1266098" y="1526379"/>
+            <a:ext cx="1845129" cy="2743200"/>
+          </a:xfrm>
+          <a:prstGeom prst="rect">
+            <a:avLst/>
+          </a:prstGeom>
+          <a:solidFill>
+            <a:schemeClr val="bg1"/>
+          </a:solidFill>
+        </p:spPr>
+        <p:style>
+          <a:lnRef idx="2">
+            <a:schemeClr val="accent1">
+              <a:shade val="50000"/>
+            </a:schemeClr>
+          </a:lnRef>
+          <a:fillRef idx="1">
+            <a:schemeClr val="accent1"/>
+          </a:fillRef>
+          <a:effectRef idx="0">
+            <a:schemeClr val="accent1"/>
+          </a:effectRef>
+          <a:fontRef idx="minor">
+            <a:schemeClr val="lt1"/>
+          </a:fontRef>
+        </p:style>
+        <p:txBody>
+          <a:bodyPr rtlCol="0" anchor="ctr"/>
+          <a:lstStyle/>
+          <a:p>
+            <a:pPr algn="ctr"/>
+            <a:endParaRPr lang="it-IT"/>
+          </a:p>
+        </p:txBody>
+      </p:sp>
+      <p:sp>
+        <p:nvSpPr>
+          <p:cNvPr id="59" name="CasellaDiTesto 58">
+            <a:extLst>
+              <a:ext uri="{FF2B5EF4-FFF2-40B4-BE49-F238E27FC236}">
+                <a16:creationId xmlns:a16="http://schemas.microsoft.com/office/drawing/2014/main" id="{C10D9C76-FC4B-4DDA-9261-877E040933C3}"/>
+              </a:ext>
+            </a:extLst>
+          </p:cNvPr>
+          <p:cNvSpPr txBox="1"/>
+          <p:nvPr/>
+        </p:nvSpPr>
+        <p:spPr>
+          <a:xfrm>
+            <a:off x="1933836" y="4011516"/>
+            <a:ext cx="1234633" cy="276999"/>
+          </a:xfrm>
+          <a:prstGeom prst="rect">
+            <a:avLst/>
+          </a:prstGeom>
+          <a:noFill/>
+        </p:spPr>
+        <p:txBody>
+          <a:bodyPr wrap="none" rtlCol="0">
+            <a:spAutoFit/>
+          </a:bodyPr>
+          <a:lstStyle/>
+          <a:p>
+            <a:r>
+              <a:rPr lang="it-IT" sz="1200" dirty="0"/>
+              <a:t>10.115.134.129</a:t>
+            </a:r>
+          </a:p>
+        </p:txBody>
+      </p:sp>
+      <p:sp>
+        <p:nvSpPr>
+          <p:cNvPr id="65" name="Rettangolo 64">
+            <a:extLst>
+              <a:ext uri="{FF2B5EF4-FFF2-40B4-BE49-F238E27FC236}">
+                <a16:creationId xmlns:a16="http://schemas.microsoft.com/office/drawing/2014/main" id="{3D6DBF33-5B17-407E-9BAF-B03CEDA620E8}"/>
+              </a:ext>
+            </a:extLst>
+          </p:cNvPr>
+          <p:cNvSpPr/>
+          <p:nvPr/>
+        </p:nvSpPr>
+        <p:spPr>
+          <a:xfrm>
+            <a:off x="2000881" y="4011517"/>
+            <a:ext cx="1094014" cy="226212"/>
+          </a:xfrm>
+          <a:prstGeom prst="rect">
+            <a:avLst/>
+          </a:prstGeom>
+          <a:noFill/>
+          <a:ln>
+            <a:solidFill>
+              <a:schemeClr val="accent2"/>
+            </a:solidFill>
+          </a:ln>
+        </p:spPr>
+        <p:style>
+          <a:lnRef idx="2">
+            <a:schemeClr val="accent1">
+              <a:shade val="50000"/>
+            </a:schemeClr>
+          </a:lnRef>
+          <a:fillRef idx="1">
+            <a:schemeClr val="accent1"/>
+          </a:fillRef>
+          <a:effectRef idx="0">
+            <a:schemeClr val="accent1"/>
+          </a:effectRef>
+          <a:fontRef idx="minor">
+            <a:schemeClr val="lt1"/>
+          </a:fontRef>
+        </p:style>
+        <p:txBody>
+          <a:bodyPr rtlCol="0" anchor="ctr"/>
+          <a:lstStyle/>
+          <a:p>
+            <a:pPr algn="ctr"/>
+            <a:endParaRPr lang="it-IT"/>
+          </a:p>
+        </p:txBody>
+      </p:sp>
+      <p:sp>
+        <p:nvSpPr>
+          <p:cNvPr id="67" name="CasellaDiTesto 66">
+            <a:extLst>
+              <a:ext uri="{FF2B5EF4-FFF2-40B4-BE49-F238E27FC236}">
+                <a16:creationId xmlns:a16="http://schemas.microsoft.com/office/drawing/2014/main" id="{FE418E98-7248-4A7D-9079-2A7B8BC407FD}"/>
+              </a:ext>
+            </a:extLst>
+          </p:cNvPr>
+          <p:cNvSpPr txBox="1"/>
+          <p:nvPr/>
+        </p:nvSpPr>
+        <p:spPr>
+          <a:xfrm>
+            <a:off x="1550276" y="4284897"/>
+            <a:ext cx="901209" cy="369332"/>
+          </a:xfrm>
+          <a:prstGeom prst="rect">
+            <a:avLst/>
+          </a:prstGeom>
+          <a:noFill/>
+        </p:spPr>
+        <p:txBody>
+          <a:bodyPr wrap="none" rtlCol="0">
+            <a:spAutoFit/>
+          </a:bodyPr>
+          <a:lstStyle/>
+          <a:p>
+            <a:r>
+              <a:rPr lang="it-IT" dirty="0" err="1"/>
+              <a:t>Node</a:t>
+            </a:r>
+            <a:r>
+              <a:rPr lang="it-IT" dirty="0"/>
+              <a:t> 1</a:t>
+            </a:r>
+          </a:p>
+        </p:txBody>
+      </p:sp>
+      <p:sp>
+        <p:nvSpPr>
+          <p:cNvPr id="34" name="Rettangolo 33">
+            <a:extLst>
+              <a:ext uri="{FF2B5EF4-FFF2-40B4-BE49-F238E27FC236}">
+                <a16:creationId xmlns:a16="http://schemas.microsoft.com/office/drawing/2014/main" id="{79DF3C94-5841-47DE-9F37-1EF328C6DB6B}"/>
+              </a:ext>
+            </a:extLst>
+          </p:cNvPr>
+          <p:cNvSpPr/>
+          <p:nvPr/>
+        </p:nvSpPr>
+        <p:spPr>
+          <a:xfrm>
+            <a:off x="6489572" y="1566057"/>
+            <a:ext cx="914400" cy="740354"/>
+          </a:xfrm>
+          <a:prstGeom prst="rect">
+            <a:avLst/>
+          </a:prstGeom>
+          <a:noFill/>
+          <a:ln>
+            <a:solidFill>
+              <a:schemeClr val="accent1"/>
+            </a:solidFill>
+          </a:ln>
+        </p:spPr>
+        <p:style>
+          <a:lnRef idx="2">
+            <a:schemeClr val="accent1">
+              <a:shade val="50000"/>
+            </a:schemeClr>
+          </a:lnRef>
+          <a:fillRef idx="1">
+            <a:schemeClr val="accent1"/>
+          </a:fillRef>
+          <a:effectRef idx="0">
+            <a:schemeClr val="accent1"/>
+          </a:effectRef>
+          <a:fontRef idx="minor">
+            <a:schemeClr val="lt1"/>
+          </a:fontRef>
+        </p:style>
+        <p:txBody>
+          <a:bodyPr rtlCol="0" anchor="ctr"/>
+          <a:lstStyle/>
+          <a:p>
+            <a:pPr algn="ctr"/>
+            <a:endParaRPr lang="it-IT"/>
+          </a:p>
+        </p:txBody>
+      </p:sp>
+      <p:sp>
+        <p:nvSpPr>
+          <p:cNvPr id="38" name="Rettangolo 37">
+            <a:extLst>
+              <a:ext uri="{FF2B5EF4-FFF2-40B4-BE49-F238E27FC236}">
+                <a16:creationId xmlns:a16="http://schemas.microsoft.com/office/drawing/2014/main" id="{AFE7F8B5-A64F-4ED7-A707-994C7E822FC4}"/>
+              </a:ext>
+            </a:extLst>
+          </p:cNvPr>
+          <p:cNvSpPr/>
+          <p:nvPr/>
+        </p:nvSpPr>
+        <p:spPr>
+          <a:xfrm>
+            <a:off x="7056334" y="2302531"/>
+            <a:ext cx="347638" cy="219857"/>
+          </a:xfrm>
+          <a:prstGeom prst="rect">
+            <a:avLst/>
+          </a:prstGeom>
+          <a:noFill/>
+          <a:ln>
+            <a:solidFill>
+              <a:schemeClr val="accent2"/>
+            </a:solidFill>
+          </a:ln>
+        </p:spPr>
+        <p:style>
+          <a:lnRef idx="2">
+            <a:schemeClr val="accent1">
+              <a:shade val="50000"/>
+            </a:schemeClr>
+          </a:lnRef>
+          <a:fillRef idx="1">
+            <a:schemeClr val="accent1"/>
+          </a:fillRef>
+          <a:effectRef idx="0">
+            <a:schemeClr val="accent1"/>
+          </a:effectRef>
+          <a:fontRef idx="minor">
+            <a:schemeClr val="lt1"/>
+          </a:fontRef>
+        </p:style>
+        <p:txBody>
+          <a:bodyPr rtlCol="0" anchor="ctr"/>
+          <a:lstStyle/>
+          <a:p>
+            <a:pPr algn="ctr"/>
+            <a:endParaRPr lang="it-IT"/>
+          </a:p>
+        </p:txBody>
+      </p:sp>
+      <p:sp>
+        <p:nvSpPr>
+          <p:cNvPr id="9" name="CasellaDiTesto 8">
+            <a:extLst>
+              <a:ext uri="{FF2B5EF4-FFF2-40B4-BE49-F238E27FC236}">
+                <a16:creationId xmlns:a16="http://schemas.microsoft.com/office/drawing/2014/main" id="{15AF7782-0331-47E0-A7F8-A90BA6EDE2D9}"/>
+              </a:ext>
+            </a:extLst>
+          </p:cNvPr>
+          <p:cNvSpPr txBox="1"/>
+          <p:nvPr/>
+        </p:nvSpPr>
+        <p:spPr>
+          <a:xfrm>
+            <a:off x="6986282" y="2281654"/>
+            <a:ext cx="479618" cy="261610"/>
+          </a:xfrm>
+          <a:prstGeom prst="rect">
+            <a:avLst/>
+          </a:prstGeom>
+          <a:noFill/>
+        </p:spPr>
+        <p:txBody>
+          <a:bodyPr wrap="none" rtlCol="0">
+            <a:spAutoFit/>
+          </a:bodyPr>
+          <a:lstStyle/>
+          <a:p>
+            <a:r>
+              <a:rPr lang="it-IT" sz="1100" dirty="0"/>
+              <a:t>3306</a:t>
+            </a:r>
+          </a:p>
+        </p:txBody>
+      </p:sp>
+      <p:pic>
+        <p:nvPicPr>
+          <p:cNvPr id="1026" name="Picture 2" descr="Risultati immagini per mysql icon">
+            <a:extLst>
+              <a:ext uri="{FF2B5EF4-FFF2-40B4-BE49-F238E27FC236}">
+                <a16:creationId xmlns:a16="http://schemas.microsoft.com/office/drawing/2014/main" id="{72C42FF4-7BBD-4247-8E2B-FA24072836EC}"/>
+              </a:ext>
+            </a:extLst>
+          </p:cNvPr>
+          <p:cNvPicPr>
+            <a:picLocks noChangeAspect="1" noChangeArrowheads="1"/>
+          </p:cNvPicPr>
+          <p:nvPr/>
+        </p:nvPicPr>
+        <p:blipFill>
+          <a:blip r:embed="rId4">
+            <a:extLst>
+              <a:ext uri="{28A0092B-C50C-407E-A947-70E740481C1C}">
+                <a14:useLocalDpi xmlns:a14="http://schemas.microsoft.com/office/drawing/2010/main" val="0"/>
+              </a:ext>
+            </a:extLst>
+          </a:blip>
+          <a:srcRect/>
+          <a:stretch>
+            <a:fillRect/>
+          </a:stretch>
+        </p:blipFill>
+        <p:spPr bwMode="auto">
+          <a:xfrm>
+            <a:off x="6594446" y="1560612"/>
+            <a:ext cx="560703" cy="560703"/>
+          </a:xfrm>
+          <a:prstGeom prst="rect">
+            <a:avLst/>
+          </a:prstGeom>
+          <a:noFill/>
+          <a:extLst>
+            <a:ext uri="{909E8E84-426E-40DD-AFC4-6F175D3DCCD1}">
+              <a14:hiddenFill xmlns:a14="http://schemas.microsoft.com/office/drawing/2010/main">
+                <a:solidFill>
+                  <a:srgbClr val="FFFFFF"/>
+                </a:solidFill>
+              </a14:hiddenFill>
+            </a:ext>
+          </a:extLst>
+        </p:spPr>
+      </p:pic>
+      <p:sp>
+        <p:nvSpPr>
+          <p:cNvPr id="10" name="Rombo 9">
+            <a:extLst>
+              <a:ext uri="{FF2B5EF4-FFF2-40B4-BE49-F238E27FC236}">
+                <a16:creationId xmlns:a16="http://schemas.microsoft.com/office/drawing/2014/main" id="{E7632ADC-A03B-46ED-92FE-6F52E8DD9212}"/>
+              </a:ext>
+            </a:extLst>
+          </p:cNvPr>
+          <p:cNvSpPr/>
+          <p:nvPr/>
+        </p:nvSpPr>
+        <p:spPr>
+          <a:xfrm>
+            <a:off x="4740787" y="2153496"/>
+            <a:ext cx="1374852" cy="1320800"/>
+          </a:xfrm>
+          <a:prstGeom prst="diamond">
+            <a:avLst/>
+          </a:prstGeom>
+          <a:solidFill>
+            <a:schemeClr val="bg1"/>
+          </a:solidFill>
+          <a:ln>
+            <a:solidFill>
+              <a:schemeClr val="accent4"/>
+            </a:solidFill>
+          </a:ln>
+        </p:spPr>
+        <p:style>
+          <a:lnRef idx="2">
+            <a:schemeClr val="accent1">
+              <a:shade val="50000"/>
+            </a:schemeClr>
+          </a:lnRef>
+          <a:fillRef idx="1">
+            <a:schemeClr val="accent1"/>
+          </a:fillRef>
+          <a:effectRef idx="0">
+            <a:schemeClr val="accent1"/>
+          </a:effectRef>
+          <a:fontRef idx="minor">
+            <a:schemeClr val="lt1"/>
+          </a:fontRef>
+        </p:style>
+        <p:txBody>
+          <a:bodyPr rtlCol="0" anchor="ctr"/>
+          <a:lstStyle/>
+          <a:p>
+            <a:pPr algn="ctr"/>
+            <a:endParaRPr lang="it-IT" sz="700" dirty="0">
+              <a:solidFill>
+                <a:schemeClr val="tx1"/>
+              </a:solidFill>
+            </a:endParaRPr>
+          </a:p>
+        </p:txBody>
+      </p:sp>
+      <p:sp>
+        <p:nvSpPr>
+          <p:cNvPr id="11" name="CasellaDiTesto 10">
+            <a:extLst>
+              <a:ext uri="{FF2B5EF4-FFF2-40B4-BE49-F238E27FC236}">
+                <a16:creationId xmlns:a16="http://schemas.microsoft.com/office/drawing/2014/main" id="{C53FAD3B-004C-4DDB-ACBD-E844C868A19D}"/>
+              </a:ext>
+            </a:extLst>
+          </p:cNvPr>
+          <p:cNvSpPr txBox="1"/>
+          <p:nvPr/>
+        </p:nvSpPr>
+        <p:spPr>
+          <a:xfrm>
+            <a:off x="5075148" y="2592930"/>
+            <a:ext cx="679994" cy="461665"/>
+          </a:xfrm>
+          <a:prstGeom prst="rect">
+            <a:avLst/>
+          </a:prstGeom>
+          <a:noFill/>
+        </p:spPr>
+        <p:txBody>
+          <a:bodyPr wrap="none" rtlCol="0">
+            <a:spAutoFit/>
+          </a:bodyPr>
+          <a:lstStyle/>
+          <a:p>
+            <a:pPr algn="ctr"/>
+            <a:r>
+              <a:rPr lang="it-IT" sz="1200" dirty="0" err="1"/>
+              <a:t>mysql</a:t>
+            </a:r>
+            <a:endParaRPr lang="it-IT" sz="1200" dirty="0"/>
+          </a:p>
+          <a:p>
+            <a:pPr algn="ctr"/>
+            <a:r>
+              <a:rPr lang="it-IT" sz="1200" dirty="0"/>
+              <a:t>Service</a:t>
+            </a:r>
+          </a:p>
+        </p:txBody>
+      </p:sp>
+      <p:sp>
+        <p:nvSpPr>
+          <p:cNvPr id="12" name="Rettangolo 11">
+            <a:extLst>
+              <a:ext uri="{FF2B5EF4-FFF2-40B4-BE49-F238E27FC236}">
+                <a16:creationId xmlns:a16="http://schemas.microsoft.com/office/drawing/2014/main" id="{6CA0F7AD-9F55-4807-AEA8-A193570F7E66}"/>
+              </a:ext>
+            </a:extLst>
+          </p:cNvPr>
+          <p:cNvSpPr/>
+          <p:nvPr/>
+        </p:nvSpPr>
+        <p:spPr>
+          <a:xfrm>
+            <a:off x="4740787" y="3496130"/>
+            <a:ext cx="1525193" cy="441840"/>
+          </a:xfrm>
+          <a:prstGeom prst="rect">
+            <a:avLst/>
+          </a:prstGeom>
+          <a:solidFill>
+            <a:schemeClr val="bg1"/>
+          </a:solidFill>
+          <a:ln>
+            <a:solidFill>
+              <a:schemeClr val="accent4"/>
+            </a:solidFill>
+          </a:ln>
+        </p:spPr>
+        <p:style>
+          <a:lnRef idx="2">
+            <a:schemeClr val="accent1">
+              <a:shade val="50000"/>
+            </a:schemeClr>
+          </a:lnRef>
+          <a:fillRef idx="1">
+            <a:schemeClr val="accent1"/>
+          </a:fillRef>
+          <a:effectRef idx="0">
+            <a:schemeClr val="accent1"/>
+          </a:effectRef>
+          <a:fontRef idx="minor">
+            <a:schemeClr val="lt1"/>
+          </a:fontRef>
+        </p:style>
+        <p:txBody>
+          <a:bodyPr rtlCol="0" anchor="ctr"/>
+          <a:lstStyle/>
+          <a:p>
+            <a:pPr algn="ctr"/>
+            <a:r>
+              <a:rPr lang="it-IT" sz="1100" dirty="0">
+                <a:solidFill>
+                  <a:schemeClr val="tx1"/>
+                </a:solidFill>
+              </a:rPr>
+              <a:t>10.108.134.167:3306</a:t>
+            </a:r>
+          </a:p>
+          <a:p>
+            <a:pPr algn="ctr"/>
+            <a:r>
+              <a:rPr lang="it-IT" sz="1100" dirty="0">
+                <a:solidFill>
+                  <a:schemeClr val="tx1"/>
+                </a:solidFill>
+              </a:rPr>
+              <a:t>mysql:3306</a:t>
+            </a:r>
+          </a:p>
+        </p:txBody>
+      </p:sp>
+      <p:cxnSp>
+        <p:nvCxnSpPr>
+          <p:cNvPr id="17" name="Connettore a gomito 16">
+            <a:extLst>
+              <a:ext uri="{FF2B5EF4-FFF2-40B4-BE49-F238E27FC236}">
+                <a16:creationId xmlns:a16="http://schemas.microsoft.com/office/drawing/2014/main" id="{11EAA4BF-23D2-4139-8DF0-CFB9B3292B0F}"/>
+              </a:ext>
+            </a:extLst>
+          </p:cNvPr>
+          <p:cNvCxnSpPr>
+            <a:cxnSpLocks/>
+            <a:stCxn id="3" idx="3"/>
+            <a:endCxn id="12" idx="1"/>
+          </p:cNvCxnSpPr>
+          <p:nvPr/>
+        </p:nvCxnSpPr>
+        <p:spPr>
+          <a:xfrm>
+            <a:off x="4363795" y="1936234"/>
+            <a:ext cx="376992" cy="1780816"/>
+          </a:xfrm>
+          <a:prstGeom prst="bentConnector3">
+            <a:avLst>
+              <a:gd name="adj1" fmla="val 50000"/>
+            </a:avLst>
+          </a:prstGeom>
+          <a:ln>
+            <a:tailEnd type="triangle"/>
+          </a:ln>
+        </p:spPr>
+        <p:style>
+          <a:lnRef idx="2">
+            <a:schemeClr val="accent1"/>
+          </a:lnRef>
+          <a:fillRef idx="0">
+            <a:schemeClr val="accent1"/>
+          </a:fillRef>
+          <a:effectRef idx="1">
+            <a:schemeClr val="accent1"/>
+          </a:effectRef>
+          <a:fontRef idx="minor">
+            <a:schemeClr val="tx1"/>
+          </a:fontRef>
+        </p:style>
+      </p:cxnSp>
+      <p:cxnSp>
+        <p:nvCxnSpPr>
+          <p:cNvPr id="48" name="Connettore a gomito 47">
+            <a:extLst>
+              <a:ext uri="{FF2B5EF4-FFF2-40B4-BE49-F238E27FC236}">
+                <a16:creationId xmlns:a16="http://schemas.microsoft.com/office/drawing/2014/main" id="{A13EC107-0BCE-4935-8B39-A5A7DC12E8EB}"/>
+              </a:ext>
+            </a:extLst>
+          </p:cNvPr>
+          <p:cNvCxnSpPr>
+            <a:cxnSpLocks/>
+            <a:stCxn id="12" idx="3"/>
+            <a:endCxn id="9" idx="2"/>
+          </p:cNvCxnSpPr>
+          <p:nvPr/>
+        </p:nvCxnSpPr>
+        <p:spPr>
+          <a:xfrm flipV="1">
+            <a:off x="6265980" y="2543264"/>
+            <a:ext cx="960111" cy="1173786"/>
+          </a:xfrm>
+          <a:prstGeom prst="bentConnector2">
+            <a:avLst/>
+          </a:prstGeom>
+          <a:ln>
+            <a:tailEnd type="triangle"/>
+          </a:ln>
+        </p:spPr>
+        <p:style>
+          <a:lnRef idx="2">
+            <a:schemeClr val="accent1"/>
+          </a:lnRef>
+          <a:fillRef idx="0">
+            <a:schemeClr val="accent1"/>
+          </a:fillRef>
+          <a:effectRef idx="1">
+            <a:schemeClr val="accent1"/>
+          </a:effectRef>
+          <a:fontRef idx="minor">
+            <a:schemeClr val="tx1"/>
+          </a:fontRef>
+        </p:style>
+      </p:cxnSp>
+      <p:sp>
+        <p:nvSpPr>
+          <p:cNvPr id="31" name="CasellaDiTesto 30">
+            <a:extLst>
+              <a:ext uri="{FF2B5EF4-FFF2-40B4-BE49-F238E27FC236}">
+                <a16:creationId xmlns:a16="http://schemas.microsoft.com/office/drawing/2014/main" id="{42FADE19-07BA-4AC8-80C0-E2D84D838375}"/>
+              </a:ext>
+            </a:extLst>
+          </p:cNvPr>
+          <p:cNvSpPr txBox="1"/>
+          <p:nvPr/>
+        </p:nvSpPr>
+        <p:spPr>
+          <a:xfrm>
+            <a:off x="6432592" y="2030350"/>
+            <a:ext cx="1002197" cy="261610"/>
+          </a:xfrm>
+          <a:prstGeom prst="rect">
+            <a:avLst/>
+          </a:prstGeom>
+          <a:noFill/>
+        </p:spPr>
+        <p:txBody>
+          <a:bodyPr wrap="none" rtlCol="0">
+            <a:spAutoFit/>
+          </a:bodyPr>
+          <a:lstStyle/>
+          <a:p>
+            <a:r>
+              <a:rPr lang="it-IT" sz="1100" dirty="0"/>
+              <a:t>192.168.0.87</a:t>
             </a:r>
           </a:p>
         </p:txBody>
@@ -8483,7 +9645,7 @@
     </p:spTree>
     <p:extLst>
       <p:ext uri="{BB962C8B-B14F-4D97-AF65-F5344CB8AC3E}">
-        <p14:creationId xmlns:p14="http://schemas.microsoft.com/office/powerpoint/2010/main" val="776424517"/>
+        <p14:creationId xmlns:p14="http://schemas.microsoft.com/office/powerpoint/2010/main" val="1157570168"/>
       </p:ext>
     </p:extLst>
   </p:cSld>
@@ -8512,104 +9674,6 @@
       </p:grpSpPr>
       <p:sp>
         <p:nvSpPr>
-          <p:cNvPr id="4" name="Rettangolo 3">
-            <a:extLst>
-              <a:ext uri="{FF2B5EF4-FFF2-40B4-BE49-F238E27FC236}">
-                <a16:creationId xmlns:a16="http://schemas.microsoft.com/office/drawing/2014/main" id="{57CE466D-8C75-4E04-A2A2-687F80849927}"/>
-              </a:ext>
-            </a:extLst>
-          </p:cNvPr>
-          <p:cNvSpPr/>
-          <p:nvPr/>
-        </p:nvSpPr>
-        <p:spPr>
-          <a:xfrm>
-            <a:off x="3384080" y="1529319"/>
-            <a:ext cx="1845129" cy="2743200"/>
-          </a:xfrm>
-          <a:prstGeom prst="rect">
-            <a:avLst/>
-          </a:prstGeom>
-          <a:solidFill>
-            <a:schemeClr val="bg1"/>
-          </a:solidFill>
-        </p:spPr>
-        <p:style>
-          <a:lnRef idx="2">
-            <a:schemeClr val="accent1">
-              <a:shade val="50000"/>
-            </a:schemeClr>
-          </a:lnRef>
-          <a:fillRef idx="1">
-            <a:schemeClr val="accent1"/>
-          </a:fillRef>
-          <a:effectRef idx="0">
-            <a:schemeClr val="accent1"/>
-          </a:effectRef>
-          <a:fontRef idx="minor">
-            <a:schemeClr val="lt1"/>
-          </a:fontRef>
-        </p:style>
-        <p:txBody>
-          <a:bodyPr rtlCol="0" anchor="ctr"/>
-          <a:lstStyle/>
-          <a:p>
-            <a:pPr algn="ctr"/>
-            <a:endParaRPr lang="it-IT"/>
-          </a:p>
-        </p:txBody>
-      </p:sp>
-      <p:sp>
-        <p:nvSpPr>
-          <p:cNvPr id="26" name="Rettangolo 25">
-            <a:extLst>
-              <a:ext uri="{FF2B5EF4-FFF2-40B4-BE49-F238E27FC236}">
-                <a16:creationId xmlns:a16="http://schemas.microsoft.com/office/drawing/2014/main" id="{F66F6ED8-EAA6-4FDA-AFF5-FC3BD82DC792}"/>
-              </a:ext>
-            </a:extLst>
-          </p:cNvPr>
-          <p:cNvSpPr/>
-          <p:nvPr/>
-        </p:nvSpPr>
-        <p:spPr>
-          <a:xfrm>
-            <a:off x="5603404" y="1536451"/>
-            <a:ext cx="1845129" cy="2743200"/>
-          </a:xfrm>
-          <a:prstGeom prst="rect">
-            <a:avLst/>
-          </a:prstGeom>
-          <a:solidFill>
-            <a:schemeClr val="bg1"/>
-          </a:solidFill>
-        </p:spPr>
-        <p:style>
-          <a:lnRef idx="2">
-            <a:schemeClr val="accent1">
-              <a:shade val="50000"/>
-            </a:schemeClr>
-          </a:lnRef>
-          <a:fillRef idx="1">
-            <a:schemeClr val="accent1"/>
-          </a:fillRef>
-          <a:effectRef idx="0">
-            <a:schemeClr val="accent1"/>
-          </a:effectRef>
-          <a:fontRef idx="minor">
-            <a:schemeClr val="lt1"/>
-          </a:fontRef>
-        </p:style>
-        <p:txBody>
-          <a:bodyPr rtlCol="0" anchor="ctr"/>
-          <a:lstStyle/>
-          <a:p>
-            <a:pPr algn="ctr"/>
-            <a:endParaRPr lang="it-IT" dirty="0"/>
-          </a:p>
-        </p:txBody>
-      </p:sp>
-      <p:sp>
-        <p:nvSpPr>
           <p:cNvPr id="2" name="Titolo 1">
             <a:extLst>
               <a:ext uri="{FF2B5EF4-FFF2-40B4-BE49-F238E27FC236}">
@@ -8631,13 +9695,8 @@
           <a:p>
             <a:r>
               <a:rPr lang="it-IT" dirty="0"/>
-              <a:t>Service </a:t>
-            </a:r>
-            <a:r>
-              <a:rPr lang="it-IT" dirty="0" err="1"/>
-              <a:t>ClusterIP</a:t>
-            </a:r>
-            <a:endParaRPr lang="it-IT" dirty="0"/>
+              <a:t>Secret</a:t>
+            </a:r>
           </a:p>
         </p:txBody>
       </p:sp>
@@ -8690,1092 +9749,87 @@
       </p:pic>
       <p:sp>
         <p:nvSpPr>
-          <p:cNvPr id="5" name="CasellaDiTesto 4">
-            <a:extLst>
-              <a:ext uri="{FF2B5EF4-FFF2-40B4-BE49-F238E27FC236}">
-                <a16:creationId xmlns:a16="http://schemas.microsoft.com/office/drawing/2014/main" id="{0790C00F-B3E7-4CF3-8AD1-EDB8D87A55FA}"/>
-              </a:ext>
-            </a:extLst>
-          </p:cNvPr>
-          <p:cNvSpPr txBox="1"/>
-          <p:nvPr/>
-        </p:nvSpPr>
-        <p:spPr>
-          <a:xfrm>
-            <a:off x="4051818" y="4014456"/>
-            <a:ext cx="1234633" cy="276999"/>
-          </a:xfrm>
-          <a:prstGeom prst="rect">
-            <a:avLst/>
-          </a:prstGeom>
-          <a:noFill/>
-        </p:spPr>
-        <p:txBody>
-          <a:bodyPr wrap="none" rtlCol="0">
-            <a:spAutoFit/>
-          </a:bodyPr>
-          <a:lstStyle/>
-          <a:p>
-            <a:r>
-              <a:rPr lang="it-IT" sz="1200" dirty="0"/>
-              <a:t>10.115.134.130</a:t>
-            </a:r>
-          </a:p>
-        </p:txBody>
-      </p:sp>
-      <p:pic>
-        <p:nvPicPr>
-          <p:cNvPr id="4098" name="Picture 2" descr="Risultati immagini per spring boot">
-            <a:extLst>
-              <a:ext uri="{FF2B5EF4-FFF2-40B4-BE49-F238E27FC236}">
-                <a16:creationId xmlns:a16="http://schemas.microsoft.com/office/drawing/2014/main" id="{2E058A85-1812-4D19-ABD4-8CA597CB7512}"/>
-              </a:ext>
-            </a:extLst>
-          </p:cNvPr>
-          <p:cNvPicPr>
-            <a:picLocks noChangeAspect="1" noChangeArrowheads="1"/>
-          </p:cNvPicPr>
-          <p:nvPr/>
-        </p:nvPicPr>
-        <p:blipFill>
-          <a:blip r:embed="rId3">
-            <a:extLst>
-              <a:ext uri="{28A0092B-C50C-407E-A947-70E740481C1C}">
-                <a14:useLocalDpi xmlns:a14="http://schemas.microsoft.com/office/drawing/2010/main" val="0"/>
-              </a:ext>
-            </a:extLst>
-          </a:blip>
-          <a:srcRect/>
-          <a:stretch>
-            <a:fillRect/>
-          </a:stretch>
-        </p:blipFill>
-        <p:spPr bwMode="auto">
-          <a:xfrm>
-            <a:off x="3483413" y="1554264"/>
-            <a:ext cx="595993" cy="595993"/>
-          </a:xfrm>
-          <a:prstGeom prst="rect">
-            <a:avLst/>
-          </a:prstGeom>
-          <a:noFill/>
-          <a:extLst>
-            <a:ext uri="{909E8E84-426E-40DD-AFC4-6F175D3DCCD1}">
-              <a14:hiddenFill xmlns:a14="http://schemas.microsoft.com/office/drawing/2010/main">
-                <a:solidFill>
-                  <a:srgbClr val="FFFFFF"/>
-                </a:solidFill>
-              </a14:hiddenFill>
-            </a:ext>
-          </a:extLst>
-        </p:spPr>
-      </p:pic>
-      <p:sp>
-        <p:nvSpPr>
-          <p:cNvPr id="3" name="Rettangolo 2">
-            <a:extLst>
-              <a:ext uri="{FF2B5EF4-FFF2-40B4-BE49-F238E27FC236}">
-                <a16:creationId xmlns:a16="http://schemas.microsoft.com/office/drawing/2014/main" id="{88C13140-B54C-4D69-842D-82019B886CC2}"/>
-              </a:ext>
-            </a:extLst>
-          </p:cNvPr>
-          <p:cNvSpPr/>
-          <p:nvPr/>
-        </p:nvSpPr>
-        <p:spPr>
-          <a:xfrm>
-            <a:off x="3449395" y="1566057"/>
-            <a:ext cx="914400" cy="740354"/>
-          </a:xfrm>
-          <a:prstGeom prst="rect">
-            <a:avLst/>
-          </a:prstGeom>
-          <a:noFill/>
-          <a:ln>
-            <a:solidFill>
-              <a:schemeClr val="accent1"/>
-            </a:solidFill>
-          </a:ln>
-        </p:spPr>
-        <p:style>
-          <a:lnRef idx="2">
-            <a:schemeClr val="accent1">
-              <a:shade val="50000"/>
-            </a:schemeClr>
-          </a:lnRef>
-          <a:fillRef idx="1">
-            <a:schemeClr val="accent1"/>
-          </a:fillRef>
-          <a:effectRef idx="0">
-            <a:schemeClr val="accent1"/>
-          </a:effectRef>
-          <a:fontRef idx="minor">
-            <a:schemeClr val="lt1"/>
-          </a:fontRef>
-        </p:style>
-        <p:txBody>
-          <a:bodyPr rtlCol="0" anchor="ctr"/>
-          <a:lstStyle/>
-          <a:p>
-            <a:pPr algn="ctr"/>
-            <a:endParaRPr lang="it-IT"/>
-          </a:p>
-        </p:txBody>
-      </p:sp>
-      <p:sp>
-        <p:nvSpPr>
-          <p:cNvPr id="29" name="CasellaDiTesto 28">
-            <a:extLst>
-              <a:ext uri="{FF2B5EF4-FFF2-40B4-BE49-F238E27FC236}">
-                <a16:creationId xmlns:a16="http://schemas.microsoft.com/office/drawing/2014/main" id="{0353218C-785A-4A4C-82B3-1CEE638D1071}"/>
-              </a:ext>
-            </a:extLst>
-          </p:cNvPr>
-          <p:cNvSpPr txBox="1"/>
-          <p:nvPr/>
-        </p:nvSpPr>
-        <p:spPr>
-          <a:xfrm>
-            <a:off x="3384080" y="2082674"/>
-            <a:ext cx="1002197" cy="261610"/>
-          </a:xfrm>
-          <a:prstGeom prst="rect">
-            <a:avLst/>
-          </a:prstGeom>
-          <a:noFill/>
-        </p:spPr>
-        <p:txBody>
-          <a:bodyPr wrap="none" rtlCol="0">
-            <a:spAutoFit/>
-          </a:bodyPr>
-          <a:lstStyle/>
-          <a:p>
-            <a:r>
-              <a:rPr lang="it-IT" sz="1100" dirty="0"/>
-              <a:t>192.168.0.56</a:t>
-            </a:r>
-          </a:p>
-        </p:txBody>
-      </p:sp>
-      <p:sp>
-        <p:nvSpPr>
-          <p:cNvPr id="30" name="CasellaDiTesto 29">
-            <a:extLst>
-              <a:ext uri="{FF2B5EF4-FFF2-40B4-BE49-F238E27FC236}">
-                <a16:creationId xmlns:a16="http://schemas.microsoft.com/office/drawing/2014/main" id="{AF272547-FDD8-4812-949C-5AA431433E36}"/>
-              </a:ext>
-            </a:extLst>
-          </p:cNvPr>
-          <p:cNvSpPr txBox="1"/>
-          <p:nvPr/>
-        </p:nvSpPr>
-        <p:spPr>
-          <a:xfrm>
-            <a:off x="3947417" y="2302531"/>
-            <a:ext cx="512371" cy="261610"/>
-          </a:xfrm>
-          <a:prstGeom prst="rect">
-            <a:avLst/>
-          </a:prstGeom>
-          <a:noFill/>
-        </p:spPr>
-        <p:txBody>
-          <a:bodyPr wrap="square" rtlCol="0">
-            <a:spAutoFit/>
-          </a:bodyPr>
-          <a:lstStyle/>
-          <a:p>
-            <a:r>
-              <a:rPr lang="it-IT" sz="1100" dirty="0"/>
-              <a:t>8080</a:t>
-            </a:r>
-          </a:p>
-        </p:txBody>
-      </p:sp>
-      <p:sp>
-        <p:nvSpPr>
-          <p:cNvPr id="6" name="Rettangolo 5">
-            <a:extLst>
-              <a:ext uri="{FF2B5EF4-FFF2-40B4-BE49-F238E27FC236}">
-                <a16:creationId xmlns:a16="http://schemas.microsoft.com/office/drawing/2014/main" id="{3A8F22D2-6ACC-4448-ADF5-3B51A97BAC64}"/>
-              </a:ext>
-            </a:extLst>
-          </p:cNvPr>
-          <p:cNvSpPr/>
-          <p:nvPr/>
-        </p:nvSpPr>
-        <p:spPr>
-          <a:xfrm>
-            <a:off x="4016157" y="2302531"/>
-            <a:ext cx="347638" cy="219857"/>
-          </a:xfrm>
-          <a:prstGeom prst="rect">
-            <a:avLst/>
-          </a:prstGeom>
-          <a:noFill/>
-          <a:ln>
-            <a:solidFill>
-              <a:schemeClr val="accent2"/>
-            </a:solidFill>
-          </a:ln>
-        </p:spPr>
-        <p:style>
-          <a:lnRef idx="2">
-            <a:schemeClr val="accent1">
-              <a:shade val="50000"/>
-            </a:schemeClr>
-          </a:lnRef>
-          <a:fillRef idx="1">
-            <a:schemeClr val="accent1"/>
-          </a:fillRef>
-          <a:effectRef idx="0">
-            <a:schemeClr val="accent1"/>
-          </a:effectRef>
-          <a:fontRef idx="minor">
-            <a:schemeClr val="lt1"/>
-          </a:fontRef>
-        </p:style>
-        <p:txBody>
-          <a:bodyPr rtlCol="0" anchor="ctr"/>
-          <a:lstStyle/>
-          <a:p>
-            <a:pPr algn="ctr"/>
-            <a:endParaRPr lang="it-IT"/>
-          </a:p>
-        </p:txBody>
-      </p:sp>
-      <p:sp>
-        <p:nvSpPr>
-          <p:cNvPr id="35" name="Rettangolo 34">
-            <a:extLst>
-              <a:ext uri="{FF2B5EF4-FFF2-40B4-BE49-F238E27FC236}">
-                <a16:creationId xmlns:a16="http://schemas.microsoft.com/office/drawing/2014/main" id="{7CCEB72C-6750-4008-A895-569489BEA3E3}"/>
-              </a:ext>
-            </a:extLst>
-          </p:cNvPr>
-          <p:cNvSpPr/>
-          <p:nvPr/>
-        </p:nvSpPr>
-        <p:spPr>
-          <a:xfrm>
-            <a:off x="4118863" y="4014457"/>
-            <a:ext cx="1094014" cy="226212"/>
-          </a:xfrm>
-          <a:prstGeom prst="rect">
-            <a:avLst/>
-          </a:prstGeom>
-          <a:noFill/>
-          <a:ln>
-            <a:solidFill>
-              <a:schemeClr val="accent2"/>
-            </a:solidFill>
-          </a:ln>
-        </p:spPr>
-        <p:style>
-          <a:lnRef idx="2">
-            <a:schemeClr val="accent1">
-              <a:shade val="50000"/>
-            </a:schemeClr>
-          </a:lnRef>
-          <a:fillRef idx="1">
-            <a:schemeClr val="accent1"/>
-          </a:fillRef>
-          <a:effectRef idx="0">
-            <a:schemeClr val="accent1"/>
-          </a:effectRef>
-          <a:fontRef idx="minor">
-            <a:schemeClr val="lt1"/>
-          </a:fontRef>
-        </p:style>
-        <p:txBody>
-          <a:bodyPr rtlCol="0" anchor="ctr"/>
-          <a:lstStyle/>
-          <a:p>
-            <a:pPr algn="ctr"/>
-            <a:endParaRPr lang="it-IT"/>
-          </a:p>
-        </p:txBody>
-      </p:sp>
-      <p:sp>
-        <p:nvSpPr>
-          <p:cNvPr id="36" name="CasellaDiTesto 35">
-            <a:extLst>
-              <a:ext uri="{FF2B5EF4-FFF2-40B4-BE49-F238E27FC236}">
-                <a16:creationId xmlns:a16="http://schemas.microsoft.com/office/drawing/2014/main" id="{20467A3D-E9E4-4A5F-9DD3-748FA204C854}"/>
-              </a:ext>
-            </a:extLst>
-          </p:cNvPr>
-          <p:cNvSpPr txBox="1"/>
-          <p:nvPr/>
-        </p:nvSpPr>
-        <p:spPr>
-          <a:xfrm>
-            <a:off x="6265980" y="4002652"/>
-            <a:ext cx="1234633" cy="276999"/>
-          </a:xfrm>
-          <a:prstGeom prst="rect">
-            <a:avLst/>
-          </a:prstGeom>
-          <a:noFill/>
-        </p:spPr>
-        <p:txBody>
-          <a:bodyPr wrap="none" rtlCol="0">
-            <a:spAutoFit/>
-          </a:bodyPr>
-          <a:lstStyle/>
-          <a:p>
-            <a:r>
-              <a:rPr lang="it-IT" sz="1200" dirty="0"/>
-              <a:t>10.115.134.131</a:t>
-            </a:r>
-          </a:p>
-        </p:txBody>
-      </p:sp>
-      <p:sp>
-        <p:nvSpPr>
-          <p:cNvPr id="37" name="Rettangolo 36">
-            <a:extLst>
-              <a:ext uri="{FF2B5EF4-FFF2-40B4-BE49-F238E27FC236}">
-                <a16:creationId xmlns:a16="http://schemas.microsoft.com/office/drawing/2014/main" id="{EDB0E59B-645A-4DEB-BAF7-F13C605CB67C}"/>
-              </a:ext>
-            </a:extLst>
-          </p:cNvPr>
-          <p:cNvSpPr/>
-          <p:nvPr/>
-        </p:nvSpPr>
-        <p:spPr>
-          <a:xfrm>
-            <a:off x="6336290" y="4019002"/>
-            <a:ext cx="1094014" cy="226212"/>
-          </a:xfrm>
-          <a:prstGeom prst="rect">
-            <a:avLst/>
-          </a:prstGeom>
-          <a:noFill/>
-          <a:ln>
-            <a:solidFill>
-              <a:schemeClr val="accent2"/>
-            </a:solidFill>
-          </a:ln>
-        </p:spPr>
-        <p:style>
-          <a:lnRef idx="2">
-            <a:schemeClr val="accent1">
-              <a:shade val="50000"/>
-            </a:schemeClr>
-          </a:lnRef>
-          <a:fillRef idx="1">
-            <a:schemeClr val="accent1"/>
-          </a:fillRef>
-          <a:effectRef idx="0">
-            <a:schemeClr val="accent1"/>
-          </a:effectRef>
-          <a:fontRef idx="minor">
-            <a:schemeClr val="lt1"/>
-          </a:fontRef>
-        </p:style>
-        <p:txBody>
-          <a:bodyPr rtlCol="0" anchor="ctr"/>
-          <a:lstStyle/>
-          <a:p>
-            <a:pPr algn="ctr"/>
-            <a:endParaRPr lang="it-IT"/>
-          </a:p>
-        </p:txBody>
-      </p:sp>
-      <p:sp>
-        <p:nvSpPr>
-          <p:cNvPr id="41" name="CasellaDiTesto 40">
-            <a:extLst>
-              <a:ext uri="{FF2B5EF4-FFF2-40B4-BE49-F238E27FC236}">
-                <a16:creationId xmlns:a16="http://schemas.microsoft.com/office/drawing/2014/main" id="{ACF3AC55-A49B-4DD9-8A96-D4F58D5808DF}"/>
-              </a:ext>
-            </a:extLst>
-          </p:cNvPr>
-          <p:cNvSpPr txBox="1"/>
-          <p:nvPr/>
-        </p:nvSpPr>
-        <p:spPr>
-          <a:xfrm>
-            <a:off x="3668258" y="4287837"/>
-            <a:ext cx="901209" cy="369332"/>
-          </a:xfrm>
-          <a:prstGeom prst="rect">
-            <a:avLst/>
-          </a:prstGeom>
-          <a:noFill/>
-        </p:spPr>
-        <p:txBody>
-          <a:bodyPr wrap="none" rtlCol="0">
-            <a:spAutoFit/>
-          </a:bodyPr>
-          <a:lstStyle/>
-          <a:p>
-            <a:r>
-              <a:rPr lang="it-IT" dirty="0" err="1"/>
-              <a:t>Node</a:t>
-            </a:r>
-            <a:r>
-              <a:rPr lang="it-IT" dirty="0"/>
-              <a:t> 2</a:t>
-            </a:r>
-          </a:p>
-        </p:txBody>
-      </p:sp>
-      <p:sp>
-        <p:nvSpPr>
-          <p:cNvPr id="42" name="CasellaDiTesto 41">
-            <a:extLst>
-              <a:ext uri="{FF2B5EF4-FFF2-40B4-BE49-F238E27FC236}">
-                <a16:creationId xmlns:a16="http://schemas.microsoft.com/office/drawing/2014/main" id="{F84DE41D-5B77-4C0A-AB4A-0C97F350BA7C}"/>
-              </a:ext>
-            </a:extLst>
-          </p:cNvPr>
-          <p:cNvSpPr txBox="1"/>
-          <p:nvPr/>
-        </p:nvSpPr>
-        <p:spPr>
-          <a:xfrm>
-            <a:off x="5925489" y="4272519"/>
-            <a:ext cx="901209" cy="369332"/>
-          </a:xfrm>
-          <a:prstGeom prst="rect">
-            <a:avLst/>
-          </a:prstGeom>
-          <a:noFill/>
-        </p:spPr>
-        <p:txBody>
-          <a:bodyPr wrap="none" rtlCol="0">
-            <a:spAutoFit/>
-          </a:bodyPr>
-          <a:lstStyle/>
-          <a:p>
-            <a:r>
-              <a:rPr lang="it-IT" dirty="0" err="1"/>
-              <a:t>Node</a:t>
-            </a:r>
-            <a:r>
-              <a:rPr lang="it-IT" dirty="0"/>
-              <a:t> 3</a:t>
-            </a:r>
-          </a:p>
-        </p:txBody>
-      </p:sp>
-      <p:sp>
-        <p:nvSpPr>
-          <p:cNvPr id="58" name="Rettangolo 57">
-            <a:extLst>
-              <a:ext uri="{FF2B5EF4-FFF2-40B4-BE49-F238E27FC236}">
-                <a16:creationId xmlns:a16="http://schemas.microsoft.com/office/drawing/2014/main" id="{D3860248-DCC0-423D-B761-FD21D19A8C3E}"/>
-              </a:ext>
-            </a:extLst>
-          </p:cNvPr>
-          <p:cNvSpPr/>
-          <p:nvPr/>
-        </p:nvSpPr>
-        <p:spPr>
-          <a:xfrm>
-            <a:off x="1266098" y="1526379"/>
-            <a:ext cx="1845129" cy="2743200"/>
-          </a:xfrm>
-          <a:prstGeom prst="rect">
-            <a:avLst/>
-          </a:prstGeom>
-          <a:solidFill>
-            <a:schemeClr val="bg1"/>
-          </a:solidFill>
-        </p:spPr>
-        <p:style>
-          <a:lnRef idx="2">
-            <a:schemeClr val="accent1">
-              <a:shade val="50000"/>
-            </a:schemeClr>
-          </a:lnRef>
-          <a:fillRef idx="1">
-            <a:schemeClr val="accent1"/>
-          </a:fillRef>
-          <a:effectRef idx="0">
-            <a:schemeClr val="accent1"/>
-          </a:effectRef>
-          <a:fontRef idx="minor">
-            <a:schemeClr val="lt1"/>
-          </a:fontRef>
-        </p:style>
-        <p:txBody>
-          <a:bodyPr rtlCol="0" anchor="ctr"/>
-          <a:lstStyle/>
-          <a:p>
-            <a:pPr algn="ctr"/>
-            <a:endParaRPr lang="it-IT"/>
-          </a:p>
-        </p:txBody>
-      </p:sp>
-      <p:sp>
-        <p:nvSpPr>
-          <p:cNvPr id="59" name="CasellaDiTesto 58">
-            <a:extLst>
-              <a:ext uri="{FF2B5EF4-FFF2-40B4-BE49-F238E27FC236}">
-                <a16:creationId xmlns:a16="http://schemas.microsoft.com/office/drawing/2014/main" id="{C10D9C76-FC4B-4DDA-9261-877E040933C3}"/>
-              </a:ext>
-            </a:extLst>
-          </p:cNvPr>
-          <p:cNvSpPr txBox="1"/>
-          <p:nvPr/>
-        </p:nvSpPr>
-        <p:spPr>
-          <a:xfrm>
-            <a:off x="1933836" y="4011516"/>
-            <a:ext cx="1234633" cy="276999"/>
-          </a:xfrm>
-          <a:prstGeom prst="rect">
-            <a:avLst/>
-          </a:prstGeom>
-          <a:noFill/>
-        </p:spPr>
-        <p:txBody>
-          <a:bodyPr wrap="none" rtlCol="0">
-            <a:spAutoFit/>
-          </a:bodyPr>
-          <a:lstStyle/>
-          <a:p>
-            <a:r>
-              <a:rPr lang="it-IT" sz="1200" dirty="0"/>
-              <a:t>10.115.134.129</a:t>
-            </a:r>
-          </a:p>
-        </p:txBody>
-      </p:sp>
-      <p:sp>
-        <p:nvSpPr>
-          <p:cNvPr id="65" name="Rettangolo 64">
-            <a:extLst>
-              <a:ext uri="{FF2B5EF4-FFF2-40B4-BE49-F238E27FC236}">
-                <a16:creationId xmlns:a16="http://schemas.microsoft.com/office/drawing/2014/main" id="{3D6DBF33-5B17-407E-9BAF-B03CEDA620E8}"/>
-              </a:ext>
-            </a:extLst>
-          </p:cNvPr>
-          <p:cNvSpPr/>
-          <p:nvPr/>
-        </p:nvSpPr>
-        <p:spPr>
-          <a:xfrm>
-            <a:off x="2000881" y="4011517"/>
-            <a:ext cx="1094014" cy="226212"/>
-          </a:xfrm>
-          <a:prstGeom prst="rect">
-            <a:avLst/>
-          </a:prstGeom>
-          <a:noFill/>
-          <a:ln>
-            <a:solidFill>
-              <a:schemeClr val="accent2"/>
-            </a:solidFill>
-          </a:ln>
-        </p:spPr>
-        <p:style>
-          <a:lnRef idx="2">
-            <a:schemeClr val="accent1">
-              <a:shade val="50000"/>
-            </a:schemeClr>
-          </a:lnRef>
-          <a:fillRef idx="1">
-            <a:schemeClr val="accent1"/>
-          </a:fillRef>
-          <a:effectRef idx="0">
-            <a:schemeClr val="accent1"/>
-          </a:effectRef>
-          <a:fontRef idx="minor">
-            <a:schemeClr val="lt1"/>
-          </a:fontRef>
-        </p:style>
-        <p:txBody>
-          <a:bodyPr rtlCol="0" anchor="ctr"/>
-          <a:lstStyle/>
-          <a:p>
-            <a:pPr algn="ctr"/>
-            <a:endParaRPr lang="it-IT"/>
-          </a:p>
-        </p:txBody>
-      </p:sp>
-      <p:sp>
-        <p:nvSpPr>
-          <p:cNvPr id="67" name="CasellaDiTesto 66">
-            <a:extLst>
-              <a:ext uri="{FF2B5EF4-FFF2-40B4-BE49-F238E27FC236}">
-                <a16:creationId xmlns:a16="http://schemas.microsoft.com/office/drawing/2014/main" id="{FE418E98-7248-4A7D-9079-2A7B8BC407FD}"/>
-              </a:ext>
-            </a:extLst>
-          </p:cNvPr>
-          <p:cNvSpPr txBox="1"/>
-          <p:nvPr/>
-        </p:nvSpPr>
-        <p:spPr>
-          <a:xfrm>
-            <a:off x="1550276" y="4284897"/>
-            <a:ext cx="901209" cy="369332"/>
-          </a:xfrm>
-          <a:prstGeom prst="rect">
-            <a:avLst/>
-          </a:prstGeom>
-          <a:noFill/>
-        </p:spPr>
-        <p:txBody>
-          <a:bodyPr wrap="none" rtlCol="0">
-            <a:spAutoFit/>
-          </a:bodyPr>
-          <a:lstStyle/>
-          <a:p>
-            <a:r>
-              <a:rPr lang="it-IT" dirty="0" err="1"/>
-              <a:t>Node</a:t>
-            </a:r>
-            <a:r>
-              <a:rPr lang="it-IT" dirty="0"/>
-              <a:t> 1</a:t>
-            </a:r>
-          </a:p>
-        </p:txBody>
-      </p:sp>
-      <p:sp>
-        <p:nvSpPr>
-          <p:cNvPr id="34" name="Rettangolo 33">
-            <a:extLst>
-              <a:ext uri="{FF2B5EF4-FFF2-40B4-BE49-F238E27FC236}">
-                <a16:creationId xmlns:a16="http://schemas.microsoft.com/office/drawing/2014/main" id="{79DF3C94-5841-47DE-9F37-1EF328C6DB6B}"/>
-              </a:ext>
-            </a:extLst>
-          </p:cNvPr>
-          <p:cNvSpPr/>
-          <p:nvPr/>
-        </p:nvSpPr>
-        <p:spPr>
-          <a:xfrm>
-            <a:off x="6489572" y="1566057"/>
-            <a:ext cx="914400" cy="740354"/>
-          </a:xfrm>
-          <a:prstGeom prst="rect">
-            <a:avLst/>
-          </a:prstGeom>
-          <a:noFill/>
-          <a:ln>
-            <a:solidFill>
-              <a:schemeClr val="accent1"/>
-            </a:solidFill>
-          </a:ln>
-        </p:spPr>
-        <p:style>
-          <a:lnRef idx="2">
-            <a:schemeClr val="accent1">
-              <a:shade val="50000"/>
-            </a:schemeClr>
-          </a:lnRef>
-          <a:fillRef idx="1">
-            <a:schemeClr val="accent1"/>
-          </a:fillRef>
-          <a:effectRef idx="0">
-            <a:schemeClr val="accent1"/>
-          </a:effectRef>
-          <a:fontRef idx="minor">
-            <a:schemeClr val="lt1"/>
-          </a:fontRef>
-        </p:style>
-        <p:txBody>
-          <a:bodyPr rtlCol="0" anchor="ctr"/>
-          <a:lstStyle/>
-          <a:p>
-            <a:pPr algn="ctr"/>
-            <a:endParaRPr lang="it-IT"/>
-          </a:p>
-        </p:txBody>
-      </p:sp>
-      <p:sp>
-        <p:nvSpPr>
-          <p:cNvPr id="38" name="Rettangolo 37">
-            <a:extLst>
-              <a:ext uri="{FF2B5EF4-FFF2-40B4-BE49-F238E27FC236}">
-                <a16:creationId xmlns:a16="http://schemas.microsoft.com/office/drawing/2014/main" id="{AFE7F8B5-A64F-4ED7-A707-994C7E822FC4}"/>
-              </a:ext>
-            </a:extLst>
-          </p:cNvPr>
-          <p:cNvSpPr/>
-          <p:nvPr/>
-        </p:nvSpPr>
-        <p:spPr>
-          <a:xfrm>
-            <a:off x="7056334" y="2302531"/>
-            <a:ext cx="347638" cy="219857"/>
-          </a:xfrm>
-          <a:prstGeom prst="rect">
-            <a:avLst/>
-          </a:prstGeom>
-          <a:noFill/>
-          <a:ln>
-            <a:solidFill>
-              <a:schemeClr val="accent2"/>
-            </a:solidFill>
-          </a:ln>
-        </p:spPr>
-        <p:style>
-          <a:lnRef idx="2">
-            <a:schemeClr val="accent1">
-              <a:shade val="50000"/>
-            </a:schemeClr>
-          </a:lnRef>
-          <a:fillRef idx="1">
-            <a:schemeClr val="accent1"/>
-          </a:fillRef>
-          <a:effectRef idx="0">
-            <a:schemeClr val="accent1"/>
-          </a:effectRef>
-          <a:fontRef idx="minor">
-            <a:schemeClr val="lt1"/>
-          </a:fontRef>
-        </p:style>
-        <p:txBody>
-          <a:bodyPr rtlCol="0" anchor="ctr"/>
-          <a:lstStyle/>
-          <a:p>
-            <a:pPr algn="ctr"/>
-            <a:endParaRPr lang="it-IT"/>
-          </a:p>
-        </p:txBody>
-      </p:sp>
-      <p:sp>
-        <p:nvSpPr>
-          <p:cNvPr id="9" name="CasellaDiTesto 8">
-            <a:extLst>
-              <a:ext uri="{FF2B5EF4-FFF2-40B4-BE49-F238E27FC236}">
-                <a16:creationId xmlns:a16="http://schemas.microsoft.com/office/drawing/2014/main" id="{15AF7782-0331-47E0-A7F8-A90BA6EDE2D9}"/>
-              </a:ext>
-            </a:extLst>
-          </p:cNvPr>
-          <p:cNvSpPr txBox="1"/>
-          <p:nvPr/>
-        </p:nvSpPr>
-        <p:spPr>
-          <a:xfrm>
-            <a:off x="6986282" y="2281654"/>
-            <a:ext cx="479618" cy="261610"/>
-          </a:xfrm>
-          <a:prstGeom prst="rect">
-            <a:avLst/>
-          </a:prstGeom>
-          <a:noFill/>
-        </p:spPr>
-        <p:txBody>
-          <a:bodyPr wrap="none" rtlCol="0">
-            <a:spAutoFit/>
-          </a:bodyPr>
-          <a:lstStyle/>
-          <a:p>
-            <a:r>
-              <a:rPr lang="it-IT" sz="1100" dirty="0"/>
-              <a:t>3306</a:t>
-            </a:r>
-          </a:p>
-        </p:txBody>
-      </p:sp>
-      <p:pic>
-        <p:nvPicPr>
-          <p:cNvPr id="1026" name="Picture 2" descr="Risultati immagini per mysql icon">
-            <a:extLst>
-              <a:ext uri="{FF2B5EF4-FFF2-40B4-BE49-F238E27FC236}">
-                <a16:creationId xmlns:a16="http://schemas.microsoft.com/office/drawing/2014/main" id="{72C42FF4-7BBD-4247-8E2B-FA24072836EC}"/>
-              </a:ext>
-            </a:extLst>
-          </p:cNvPr>
-          <p:cNvPicPr>
-            <a:picLocks noChangeAspect="1" noChangeArrowheads="1"/>
-          </p:cNvPicPr>
-          <p:nvPr/>
-        </p:nvPicPr>
-        <p:blipFill>
-          <a:blip r:embed="rId4">
-            <a:extLst>
-              <a:ext uri="{28A0092B-C50C-407E-A947-70E740481C1C}">
-                <a14:useLocalDpi xmlns:a14="http://schemas.microsoft.com/office/drawing/2010/main" val="0"/>
-              </a:ext>
-            </a:extLst>
-          </a:blip>
-          <a:srcRect/>
-          <a:stretch>
-            <a:fillRect/>
-          </a:stretch>
-        </p:blipFill>
-        <p:spPr bwMode="auto">
-          <a:xfrm>
-            <a:off x="6594446" y="1560612"/>
-            <a:ext cx="783672" cy="783672"/>
-          </a:xfrm>
-          <a:prstGeom prst="rect">
-            <a:avLst/>
-          </a:prstGeom>
-          <a:noFill/>
-          <a:extLst>
-            <a:ext uri="{909E8E84-426E-40DD-AFC4-6F175D3DCCD1}">
-              <a14:hiddenFill xmlns:a14="http://schemas.microsoft.com/office/drawing/2010/main">
-                <a:solidFill>
-                  <a:srgbClr val="FFFFFF"/>
-                </a:solidFill>
-              </a14:hiddenFill>
-            </a:ext>
-          </a:extLst>
-        </p:spPr>
-      </p:pic>
-      <p:sp>
-        <p:nvSpPr>
-          <p:cNvPr id="10" name="Rombo 9">
-            <a:extLst>
-              <a:ext uri="{FF2B5EF4-FFF2-40B4-BE49-F238E27FC236}">
-                <a16:creationId xmlns:a16="http://schemas.microsoft.com/office/drawing/2014/main" id="{E7632ADC-A03B-46ED-92FE-6F52E8DD9212}"/>
-              </a:ext>
-            </a:extLst>
-          </p:cNvPr>
-          <p:cNvSpPr/>
-          <p:nvPr/>
-        </p:nvSpPr>
-        <p:spPr>
-          <a:xfrm>
-            <a:off x="4740787" y="2153496"/>
-            <a:ext cx="1374852" cy="1320800"/>
-          </a:xfrm>
-          <a:prstGeom prst="diamond">
-            <a:avLst/>
-          </a:prstGeom>
-          <a:solidFill>
-            <a:schemeClr val="bg1"/>
-          </a:solidFill>
-          <a:ln>
-            <a:solidFill>
-              <a:schemeClr val="accent4"/>
-            </a:solidFill>
-          </a:ln>
-        </p:spPr>
-        <p:style>
-          <a:lnRef idx="2">
-            <a:schemeClr val="accent1">
-              <a:shade val="50000"/>
-            </a:schemeClr>
-          </a:lnRef>
-          <a:fillRef idx="1">
-            <a:schemeClr val="accent1"/>
-          </a:fillRef>
-          <a:effectRef idx="0">
-            <a:schemeClr val="accent1"/>
-          </a:effectRef>
-          <a:fontRef idx="minor">
-            <a:schemeClr val="lt1"/>
-          </a:fontRef>
-        </p:style>
-        <p:txBody>
-          <a:bodyPr rtlCol="0" anchor="ctr"/>
-          <a:lstStyle/>
-          <a:p>
-            <a:pPr algn="ctr"/>
-            <a:endParaRPr lang="it-IT" sz="700" dirty="0">
-              <a:solidFill>
-                <a:schemeClr val="tx1"/>
-              </a:solidFill>
-            </a:endParaRPr>
-          </a:p>
-        </p:txBody>
-      </p:sp>
-      <p:sp>
-        <p:nvSpPr>
-          <p:cNvPr id="11" name="CasellaDiTesto 10">
-            <a:extLst>
-              <a:ext uri="{FF2B5EF4-FFF2-40B4-BE49-F238E27FC236}">
-                <a16:creationId xmlns:a16="http://schemas.microsoft.com/office/drawing/2014/main" id="{C53FAD3B-004C-4DDB-ACBD-E844C868A19D}"/>
-              </a:ext>
-            </a:extLst>
-          </p:cNvPr>
-          <p:cNvSpPr txBox="1"/>
-          <p:nvPr/>
-        </p:nvSpPr>
-        <p:spPr>
-          <a:xfrm>
-            <a:off x="5075148" y="2592930"/>
-            <a:ext cx="679994" cy="461665"/>
-          </a:xfrm>
-          <a:prstGeom prst="rect">
-            <a:avLst/>
-          </a:prstGeom>
-          <a:noFill/>
-        </p:spPr>
-        <p:txBody>
-          <a:bodyPr wrap="none" rtlCol="0">
-            <a:spAutoFit/>
-          </a:bodyPr>
-          <a:lstStyle/>
-          <a:p>
-            <a:pPr algn="ctr"/>
-            <a:r>
-              <a:rPr lang="it-IT" sz="1200" dirty="0"/>
-              <a:t>MySQL</a:t>
-            </a:r>
-          </a:p>
-          <a:p>
-            <a:pPr algn="ctr"/>
-            <a:r>
-              <a:rPr lang="it-IT" sz="1200" dirty="0"/>
-              <a:t>Service</a:t>
-            </a:r>
-          </a:p>
-        </p:txBody>
-      </p:sp>
-      <p:sp>
-        <p:nvSpPr>
-          <p:cNvPr id="12" name="Rettangolo 11">
-            <a:extLst>
-              <a:ext uri="{FF2B5EF4-FFF2-40B4-BE49-F238E27FC236}">
-                <a16:creationId xmlns:a16="http://schemas.microsoft.com/office/drawing/2014/main" id="{6CA0F7AD-9F55-4807-AEA8-A193570F7E66}"/>
-              </a:ext>
-            </a:extLst>
-          </p:cNvPr>
-          <p:cNvSpPr/>
-          <p:nvPr/>
-        </p:nvSpPr>
-        <p:spPr>
-          <a:xfrm>
-            <a:off x="4684342" y="3468479"/>
-            <a:ext cx="1917585" cy="373834"/>
-          </a:xfrm>
-          <a:prstGeom prst="rect">
-            <a:avLst/>
-          </a:prstGeom>
-          <a:solidFill>
-            <a:schemeClr val="bg1"/>
-          </a:solidFill>
-          <a:ln>
-            <a:solidFill>
-              <a:schemeClr val="accent4"/>
-            </a:solidFill>
-          </a:ln>
-        </p:spPr>
-        <p:style>
-          <a:lnRef idx="2">
-            <a:schemeClr val="accent1">
-              <a:shade val="50000"/>
-            </a:schemeClr>
-          </a:lnRef>
-          <a:fillRef idx="1">
-            <a:schemeClr val="accent1"/>
-          </a:fillRef>
-          <a:effectRef idx="0">
-            <a:schemeClr val="accent1"/>
-          </a:effectRef>
-          <a:fontRef idx="minor">
-            <a:schemeClr val="lt1"/>
-          </a:fontRef>
-        </p:style>
-        <p:txBody>
-          <a:bodyPr rtlCol="0" anchor="ctr"/>
-          <a:lstStyle/>
-          <a:p>
-            <a:pPr algn="ctr"/>
-            <a:r>
-              <a:rPr lang="it-IT" sz="1400" dirty="0">
-                <a:solidFill>
-                  <a:schemeClr val="tx1"/>
-                </a:solidFill>
-              </a:rPr>
-              <a:t>10.108.134.167:3306</a:t>
-            </a:r>
-          </a:p>
-        </p:txBody>
-      </p:sp>
-      <p:cxnSp>
-        <p:nvCxnSpPr>
-          <p:cNvPr id="17" name="Connettore a gomito 16">
-            <a:extLst>
-              <a:ext uri="{FF2B5EF4-FFF2-40B4-BE49-F238E27FC236}">
-                <a16:creationId xmlns:a16="http://schemas.microsoft.com/office/drawing/2014/main" id="{11EAA4BF-23D2-4139-8DF0-CFB9B3292B0F}"/>
-              </a:ext>
-            </a:extLst>
-          </p:cNvPr>
-          <p:cNvCxnSpPr>
-            <a:cxnSpLocks/>
-            <a:stCxn id="3" idx="3"/>
-            <a:endCxn id="12" idx="1"/>
-          </p:cNvCxnSpPr>
-          <p:nvPr/>
-        </p:nvCxnSpPr>
-        <p:spPr>
-          <a:xfrm>
-            <a:off x="4363795" y="1936234"/>
-            <a:ext cx="320547" cy="1719162"/>
-          </a:xfrm>
-          <a:prstGeom prst="bentConnector3">
-            <a:avLst>
-              <a:gd name="adj1" fmla="val 50000"/>
-            </a:avLst>
-          </a:prstGeom>
-          <a:ln>
-            <a:tailEnd type="triangle"/>
-          </a:ln>
-        </p:spPr>
-        <p:style>
-          <a:lnRef idx="3">
-            <a:schemeClr val="accent1"/>
-          </a:lnRef>
-          <a:fillRef idx="0">
-            <a:schemeClr val="accent1"/>
-          </a:fillRef>
-          <a:effectRef idx="2">
-            <a:schemeClr val="accent1"/>
-          </a:effectRef>
-          <a:fontRef idx="minor">
-            <a:schemeClr val="tx1"/>
-          </a:fontRef>
-        </p:style>
-      </p:cxnSp>
-      <p:cxnSp>
-        <p:nvCxnSpPr>
-          <p:cNvPr id="48" name="Connettore a gomito 47">
-            <a:extLst>
-              <a:ext uri="{FF2B5EF4-FFF2-40B4-BE49-F238E27FC236}">
-                <a16:creationId xmlns:a16="http://schemas.microsoft.com/office/drawing/2014/main" id="{A13EC107-0BCE-4935-8B39-A5A7DC12E8EB}"/>
-              </a:ext>
-            </a:extLst>
-          </p:cNvPr>
-          <p:cNvCxnSpPr>
-            <a:cxnSpLocks/>
-            <a:stCxn id="12" idx="3"/>
-            <a:endCxn id="9" idx="2"/>
-          </p:cNvCxnSpPr>
-          <p:nvPr/>
-        </p:nvCxnSpPr>
-        <p:spPr>
-          <a:xfrm flipV="1">
-            <a:off x="6601927" y="2543264"/>
-            <a:ext cx="624164" cy="1112132"/>
-          </a:xfrm>
-          <a:prstGeom prst="bentConnector2">
-            <a:avLst/>
-          </a:prstGeom>
-          <a:ln>
-            <a:tailEnd type="triangle"/>
-          </a:ln>
-        </p:spPr>
-        <p:style>
-          <a:lnRef idx="3">
-            <a:schemeClr val="accent1"/>
-          </a:lnRef>
-          <a:fillRef idx="0">
-            <a:schemeClr val="accent1"/>
-          </a:fillRef>
-          <a:effectRef idx="2">
-            <a:schemeClr val="accent1"/>
-          </a:effectRef>
-          <a:fontRef idx="minor">
-            <a:schemeClr val="tx1"/>
-          </a:fontRef>
-        </p:style>
-      </p:cxnSp>
+          <p:cNvPr id="4" name="Segnaposto contenuto 3">
+            <a:extLst>
+              <a:ext uri="{FF2B5EF4-FFF2-40B4-BE49-F238E27FC236}">
+                <a16:creationId xmlns:a16="http://schemas.microsoft.com/office/drawing/2014/main" id="{725997EF-BA1F-48AA-9CD4-DB729382E2A8}"/>
+              </a:ext>
+            </a:extLst>
+          </p:cNvPr>
+          <p:cNvSpPr>
+            <a:spLocks noGrp="1"/>
+          </p:cNvSpPr>
+          <p:nvPr>
+            <p:ph idx="1"/>
+          </p:nvPr>
+        </p:nvSpPr>
+        <p:spPr/>
+        <p:txBody>
+          <a:bodyPr/>
+          <a:lstStyle/>
+          <a:p>
+            <a:pPr fontAlgn="base"/>
+            <a:r>
+              <a:rPr lang="en-US" sz="2000" dirty="0"/>
+              <a:t>Functionally identical to a </a:t>
+            </a:r>
+            <a:r>
+              <a:rPr lang="en-US" sz="2000" dirty="0" err="1"/>
+              <a:t>ConfigMap</a:t>
+            </a:r>
+            <a:r>
+              <a:rPr lang="en-US" sz="2000" dirty="0"/>
+              <a:t>.</a:t>
+            </a:r>
+          </a:p>
+          <a:p>
+            <a:pPr fontAlgn="base"/>
+            <a:endParaRPr lang="en-US" sz="2000" dirty="0"/>
+          </a:p>
+          <a:p>
+            <a:pPr fontAlgn="base"/>
+            <a:r>
+              <a:rPr lang="en-US" sz="2000" dirty="0"/>
+              <a:t>Stored as </a:t>
+            </a:r>
+            <a:r>
+              <a:rPr lang="en-US" sz="2000" b="1" dirty="0"/>
+              <a:t>base64 encoded content.</a:t>
+            </a:r>
+            <a:endParaRPr lang="en-US" sz="2000" dirty="0"/>
+          </a:p>
+          <a:p>
+            <a:pPr fontAlgn="base"/>
+            <a:endParaRPr lang="en-US" sz="2000" dirty="0"/>
+          </a:p>
+          <a:p>
+            <a:pPr fontAlgn="base"/>
+            <a:r>
+              <a:rPr lang="en-US" sz="2000" dirty="0"/>
+              <a:t>Ideal for username/passwords, certificates or other sensitive information that should not be stored in a container.</a:t>
+            </a:r>
+          </a:p>
+          <a:p>
+            <a:pPr fontAlgn="base"/>
+            <a:endParaRPr lang="en-US" sz="2000" dirty="0"/>
+          </a:p>
+          <a:p>
+            <a:pPr fontAlgn="base"/>
+            <a:r>
+              <a:rPr lang="en-US" sz="2000" dirty="0"/>
+              <a:t>Can be created from a manifest, literals, directories, or from files directly.</a:t>
+            </a:r>
+          </a:p>
+          <a:p>
+            <a:pPr fontAlgn="base"/>
+            <a:endParaRPr lang="en-US" dirty="0"/>
+          </a:p>
+        </p:txBody>
+      </p:sp>
     </p:spTree>
     <p:extLst>
       <p:ext uri="{BB962C8B-B14F-4D97-AF65-F5344CB8AC3E}">
-        <p14:creationId xmlns:p14="http://schemas.microsoft.com/office/powerpoint/2010/main" val="1157570168"/>
+        <p14:creationId xmlns:p14="http://schemas.microsoft.com/office/powerpoint/2010/main" val="2540725245"/>
       </p:ext>
     </p:extLst>
   </p:cSld>
@@ -9870,7 +9924,15 @@
           <a:p>
             <a:r>
               <a:rPr lang="it-IT" dirty="0" err="1"/>
-              <a:t>Is</a:t>
+              <a:t>It</a:t>
+            </a:r>
+            <a:r>
+              <a:rPr lang="it-IT" dirty="0"/>
+              <a:t> </a:t>
+            </a:r>
+            <a:r>
+              <a:rPr lang="it-IT" dirty="0" err="1"/>
+              <a:t>is</a:t>
             </a:r>
             <a:r>
               <a:rPr lang="it-IT" dirty="0"/>
@@ -9902,7 +9964,7 @@
           <a:p>
             <a:r>
               <a:rPr lang="it-IT" dirty="0" err="1"/>
-              <a:t>Is</a:t>
+              <a:t>It</a:t>
             </a:r>
             <a:r>
               <a:rPr lang="it-IT" dirty="0"/>
@@ -9910,6 +9972,14 @@
             </a:r>
             <a:r>
               <a:rPr lang="it-IT" dirty="0" err="1"/>
+              <a:t>is</a:t>
+            </a:r>
+            <a:r>
+              <a:rPr lang="it-IT" dirty="0"/>
+              <a:t> </a:t>
+            </a:r>
+            <a:r>
+              <a:rPr lang="it-IT" dirty="0" err="1"/>
               <a:t>maintained</a:t>
             </a:r>
             <a:r>
@@ -9926,7 +9996,7 @@
           <a:p>
             <a:r>
               <a:rPr lang="it-IT" dirty="0" err="1"/>
-              <a:t>Is</a:t>
+              <a:t>It</a:t>
             </a:r>
             <a:r>
               <a:rPr lang="it-IT" dirty="0"/>
@@ -9934,11 +10004,19 @@
             </a:r>
             <a:r>
               <a:rPr lang="it-IT" dirty="0" err="1"/>
+              <a:t>is</a:t>
+            </a:r>
+            <a:r>
+              <a:rPr lang="it-IT" dirty="0"/>
+              <a:t> </a:t>
+            </a:r>
+            <a:r>
+              <a:rPr lang="it-IT" dirty="0" err="1"/>
               <a:t>born</a:t>
             </a:r>
             <a:r>
               <a:rPr lang="it-IT" dirty="0"/>
-              <a:t> to use Containers in a Real Production Environment</a:t>
+              <a:t> to use Containers in a Production Environment</a:t>
             </a:r>
           </a:p>
         </p:txBody>
@@ -12449,7 +12527,7 @@
           <a:p>
             <a:pPr fontAlgn="base"/>
             <a:r>
-              <a:rPr lang="en-US" dirty="0"/>
+              <a:rPr lang="en-US" sz="2000" dirty="0"/>
               <a:t>Namespaces are a logical cluster or environment, and are the primary method of partitioning a cluster or scoping access.</a:t>
             </a:r>
           </a:p>
@@ -12720,57 +12798,51 @@
           </a:xfrm>
         </p:spPr>
         <p:txBody>
-          <a:bodyPr/>
+          <a:bodyPr>
+            <a:normAutofit/>
+          </a:bodyPr>
           <a:lstStyle/>
           <a:p>
             <a:pPr fontAlgn="base"/>
             <a:r>
-              <a:rPr lang="en-US" b="1" dirty="0"/>
+              <a:rPr lang="en-US" sz="2000" b="1" dirty="0"/>
               <a:t>Atomic unit</a:t>
             </a:r>
             <a:r>
-              <a:rPr lang="en-US" dirty="0"/>
+              <a:rPr lang="en-US" sz="2000" dirty="0"/>
               <a:t> or smallest “</a:t>
             </a:r>
             <a:r>
-              <a:rPr lang="en-US" i="1" dirty="0"/>
-              <a:t>unit of </a:t>
-            </a:r>
-            <a:r>
-              <a:rPr lang="en-US" i="1" dirty="0" err="1"/>
-              <a:t>work</a:t>
-            </a:r>
-            <a:r>
-              <a:rPr lang="en-US" dirty="0" err="1"/>
-              <a:t>”of</a:t>
-            </a:r>
-            <a:r>
-              <a:rPr lang="en-US" dirty="0"/>
-              <a:t> Kubernetes.</a:t>
-            </a:r>
-          </a:p>
-          <a:p>
-            <a:r>
-              <a:rPr lang="en-US" dirty="0"/>
+              <a:rPr lang="en-US" sz="2000" i="1" dirty="0"/>
+              <a:t>unit of work</a:t>
+            </a:r>
+            <a:r>
+              <a:rPr lang="en-US" sz="2000" dirty="0"/>
+              <a:t>” of Kubernetes.</a:t>
+            </a:r>
+          </a:p>
+          <a:p>
+            <a:r>
+              <a:rPr lang="en-US" sz="2000" dirty="0"/>
               <a:t>Pods are </a:t>
             </a:r>
             <a:r>
-              <a:rPr lang="en-US" b="1" dirty="0"/>
+              <a:rPr lang="en-US" sz="2000" b="1" dirty="0"/>
               <a:t>one or MORE containers</a:t>
             </a:r>
             <a:r>
-              <a:rPr lang="en-US" dirty="0"/>
+              <a:rPr lang="en-US" sz="2000" dirty="0"/>
               <a:t> that share volumes, a network, and are a part of a </a:t>
             </a:r>
             <a:r>
-              <a:rPr lang="en-US" b="1" dirty="0"/>
+              <a:rPr lang="en-US" sz="2000" b="1" dirty="0"/>
               <a:t>single context</a:t>
             </a:r>
             <a:r>
-              <a:rPr lang="en-US" dirty="0"/>
+              <a:rPr lang="en-US" sz="2000" dirty="0"/>
               <a:t>.</a:t>
             </a:r>
-            <a:endParaRPr lang="it-IT" dirty="0"/>
+            <a:endParaRPr lang="it-IT" sz="2000" dirty="0"/>
           </a:p>
         </p:txBody>
       </p:sp>
@@ -12934,62 +13006,64 @@
         </p:nvSpPr>
         <p:spPr/>
         <p:txBody>
-          <a:bodyPr/>
-          <a:lstStyle/>
-          <a:p>
-            <a:r>
-              <a:rPr lang="en-US" dirty="0"/>
+          <a:bodyPr>
+            <a:normAutofit/>
+          </a:bodyPr>
+          <a:lstStyle/>
+          <a:p>
+            <a:r>
+              <a:rPr lang="en-US" sz="2000" dirty="0"/>
               <a:t>Workloads are higher level objects that manage Pods.</a:t>
             </a:r>
           </a:p>
           <a:p>
-            <a:endParaRPr lang="en-US" dirty="0"/>
+            <a:endParaRPr lang="en-US" sz="2000" dirty="0"/>
           </a:p>
           <a:p>
             <a:pPr lvl="1"/>
             <a:r>
-              <a:rPr lang="en-US" b="1" dirty="0" err="1"/>
+              <a:rPr lang="en-US" sz="1800" b="1" dirty="0" err="1"/>
               <a:t>ReplicaSet</a:t>
             </a:r>
-            <a:endParaRPr lang="en-US" b="1" dirty="0"/>
+            <a:endParaRPr lang="en-US" sz="1800" b="1" dirty="0"/>
           </a:p>
           <a:p>
             <a:pPr lvl="1"/>
             <a:r>
-              <a:rPr lang="en-US" b="1" dirty="0"/>
+              <a:rPr lang="en-US" sz="1800" b="1" dirty="0"/>
               <a:t>Deployment</a:t>
             </a:r>
           </a:p>
           <a:p>
             <a:pPr lvl="1"/>
             <a:r>
-              <a:rPr lang="en-US" b="1" dirty="0" err="1"/>
+              <a:rPr lang="en-US" sz="1800" b="1" dirty="0" err="1"/>
               <a:t>StatefulSet</a:t>
             </a:r>
-            <a:endParaRPr lang="en-US" b="1" dirty="0"/>
+            <a:endParaRPr lang="en-US" sz="1800" b="1" dirty="0"/>
           </a:p>
           <a:p>
             <a:pPr lvl="1"/>
             <a:r>
-              <a:rPr lang="en-US" b="1" dirty="0" err="1"/>
+              <a:rPr lang="en-US" sz="1800" b="1" dirty="0" err="1"/>
               <a:t>DaemonSet</a:t>
             </a:r>
-            <a:endParaRPr lang="en-US" b="1" dirty="0"/>
+            <a:endParaRPr lang="en-US" sz="1800" b="1" dirty="0"/>
           </a:p>
           <a:p>
             <a:pPr lvl="1"/>
             <a:r>
-              <a:rPr lang="en-US" b="1" dirty="0"/>
+              <a:rPr lang="en-US" sz="1800" b="1" dirty="0"/>
               <a:t>Job</a:t>
             </a:r>
           </a:p>
           <a:p>
             <a:pPr lvl="1"/>
             <a:r>
-              <a:rPr lang="en-US" b="1" dirty="0" err="1"/>
+              <a:rPr lang="en-US" sz="1800" b="1" dirty="0" err="1"/>
               <a:t>CronJob</a:t>
             </a:r>
-            <a:endParaRPr lang="it-IT" b="1" dirty="0"/>
+            <a:endParaRPr lang="it-IT" sz="1800" b="1" dirty="0"/>
           </a:p>
         </p:txBody>
       </p:sp>
@@ -13122,32 +13196,32 @@
           <a:p>
             <a:pPr fontAlgn="base"/>
             <a:r>
-              <a:rPr lang="en-US" dirty="0"/>
+              <a:rPr lang="en-US" sz="2000" dirty="0"/>
               <a:t>Primary method of managing pod replicas and their lifecycle.</a:t>
             </a:r>
           </a:p>
           <a:p>
             <a:pPr fontAlgn="base"/>
-            <a:endParaRPr lang="en-US" dirty="0"/>
+            <a:endParaRPr lang="en-US" sz="2000" dirty="0"/>
           </a:p>
           <a:p>
             <a:pPr fontAlgn="base"/>
             <a:r>
-              <a:rPr lang="en-US" dirty="0"/>
+              <a:rPr lang="en-US" sz="2000" dirty="0"/>
               <a:t>Includes their scheduling, scaling, and deletion.</a:t>
             </a:r>
           </a:p>
           <a:p>
             <a:pPr fontAlgn="base"/>
-            <a:endParaRPr lang="en-US" dirty="0"/>
-          </a:p>
-          <a:p>
-            <a:r>
-              <a:rPr lang="en-US" dirty="0"/>
+            <a:endParaRPr lang="en-US" sz="2000" dirty="0"/>
+          </a:p>
+          <a:p>
+            <a:r>
+              <a:rPr lang="en-US" sz="2000" dirty="0"/>
               <a:t>Their job is simple: </a:t>
             </a:r>
             <a:r>
-              <a:rPr lang="en-US" b="1" dirty="0"/>
+              <a:rPr lang="en-US" sz="2000" b="1" dirty="0"/>
               <a:t>Always ensure the desired number of pods are running.</a:t>
             </a:r>
           </a:p>

--- a/slides/kube-demo.pptx
+++ b/slides/kube-demo.pptx
@@ -7,22 +7,24 @@
   <p:sldIdLst>
     <p:sldId id="256" r:id="rId2"/>
     <p:sldId id="257" r:id="rId3"/>
-    <p:sldId id="258" r:id="rId4"/>
-    <p:sldId id="259" r:id="rId5"/>
-    <p:sldId id="260" r:id="rId6"/>
-    <p:sldId id="262" r:id="rId7"/>
-    <p:sldId id="261" r:id="rId8"/>
-    <p:sldId id="264" r:id="rId9"/>
-    <p:sldId id="263" r:id="rId10"/>
-    <p:sldId id="265" r:id="rId11"/>
-    <p:sldId id="266" r:id="rId12"/>
-    <p:sldId id="267" r:id="rId13"/>
-    <p:sldId id="268" r:id="rId14"/>
-    <p:sldId id="269" r:id="rId15"/>
-    <p:sldId id="270" r:id="rId16"/>
-    <p:sldId id="272" r:id="rId17"/>
-    <p:sldId id="273" r:id="rId18"/>
-    <p:sldId id="271" r:id="rId19"/>
+    <p:sldId id="275" r:id="rId4"/>
+    <p:sldId id="274" r:id="rId5"/>
+    <p:sldId id="258" r:id="rId6"/>
+    <p:sldId id="259" r:id="rId7"/>
+    <p:sldId id="260" r:id="rId8"/>
+    <p:sldId id="262" r:id="rId9"/>
+    <p:sldId id="261" r:id="rId10"/>
+    <p:sldId id="264" r:id="rId11"/>
+    <p:sldId id="263" r:id="rId12"/>
+    <p:sldId id="265" r:id="rId13"/>
+    <p:sldId id="266" r:id="rId14"/>
+    <p:sldId id="267" r:id="rId15"/>
+    <p:sldId id="268" r:id="rId16"/>
+    <p:sldId id="269" r:id="rId17"/>
+    <p:sldId id="270" r:id="rId18"/>
+    <p:sldId id="272" r:id="rId19"/>
+    <p:sldId id="273" r:id="rId20"/>
+    <p:sldId id="271" r:id="rId21"/>
   </p:sldIdLst>
   <p:sldSz cx="12192000" cy="6858000"/>
   <p:notesSz cx="6858000" cy="9144000"/>
@@ -875,7 +877,7 @@
             <a:fld id="{B61BEF0D-F0BB-DE4B-95CE-6DB70DBA9567}" type="datetimeFigureOut">
               <a:rPr lang="en-US" dirty="0"/>
               <a:pPr/>
-              <a:t>1/23/2019</a:t>
+              <a:t>4/9/2019</a:t>
             </a:fld>
             <a:endParaRPr lang="en-US" dirty="0"/>
           </a:p>
@@ -1123,7 +1125,7 @@
             <a:fld id="{B61BEF0D-F0BB-DE4B-95CE-6DB70DBA9567}" type="datetimeFigureOut">
               <a:rPr lang="en-US" dirty="0"/>
               <a:pPr/>
-              <a:t>1/23/2019</a:t>
+              <a:t>4/9/2019</a:t>
             </a:fld>
             <a:endParaRPr lang="en-US" dirty="0"/>
           </a:p>
@@ -1434,7 +1436,7 @@
             <a:fld id="{B61BEF0D-F0BB-DE4B-95CE-6DB70DBA9567}" type="datetimeFigureOut">
               <a:rPr lang="en-US" dirty="0"/>
               <a:pPr/>
-              <a:t>1/23/2019</a:t>
+              <a:t>4/9/2019</a:t>
             </a:fld>
             <a:endParaRPr lang="en-US" dirty="0"/>
           </a:p>
@@ -1764,7 +1766,7 @@
             <a:fld id="{B61BEF0D-F0BB-DE4B-95CE-6DB70DBA9567}" type="datetimeFigureOut">
               <a:rPr lang="en-US" dirty="0"/>
               <a:pPr/>
-              <a:t>1/23/2019</a:t>
+              <a:t>4/9/2019</a:t>
             </a:fld>
             <a:endParaRPr lang="en-US" dirty="0"/>
           </a:p>
@@ -2075,7 +2077,7 @@
             <a:fld id="{B61BEF0D-F0BB-DE4B-95CE-6DB70DBA9567}" type="datetimeFigureOut">
               <a:rPr lang="en-US" dirty="0"/>
               <a:pPr/>
-              <a:t>1/23/2019</a:t>
+              <a:t>4/9/2019</a:t>
             </a:fld>
             <a:endParaRPr lang="en-US" dirty="0"/>
           </a:p>
@@ -2465,7 +2467,7 @@
             <a:fld id="{B61BEF0D-F0BB-DE4B-95CE-6DB70DBA9567}" type="datetimeFigureOut">
               <a:rPr lang="en-US" dirty="0"/>
               <a:pPr/>
-              <a:t>1/23/2019</a:t>
+              <a:t>4/9/2019</a:t>
             </a:fld>
             <a:endParaRPr lang="en-US" dirty="0"/>
           </a:p>
@@ -2631,7 +2633,7 @@
           <a:p>
             <a:fld id="{55C6B4A9-1611-4792-9094-5F34BCA07E0B}" type="datetimeFigureOut">
               <a:rPr lang="en-US" dirty="0"/>
-              <a:t>1/23/2019</a:t>
+              <a:t>4/9/2019</a:t>
             </a:fld>
             <a:endParaRPr lang="en-US" dirty="0"/>
           </a:p>
@@ -2807,7 +2809,7 @@
             <a:fld id="{B61BEF0D-F0BB-DE4B-95CE-6DB70DBA9567}" type="datetimeFigureOut">
               <a:rPr lang="en-US" dirty="0"/>
               <a:pPr/>
-              <a:t>1/23/2019</a:t>
+              <a:t>4/9/2019</a:t>
             </a:fld>
             <a:endParaRPr lang="en-US" dirty="0"/>
           </a:p>
@@ -2973,7 +2975,7 @@
           <a:p>
             <a:fld id="{42A54C80-263E-416B-A8E0-580EDEADCBDC}" type="datetimeFigureOut">
               <a:rPr lang="en-US" dirty="0"/>
-              <a:t>1/23/2019</a:t>
+              <a:t>4/9/2019</a:t>
             </a:fld>
             <a:endParaRPr lang="en-US" dirty="0"/>
           </a:p>
@@ -3216,7 +3218,7 @@
             <a:fld id="{B61BEF0D-F0BB-DE4B-95CE-6DB70DBA9567}" type="datetimeFigureOut">
               <a:rPr lang="en-US" dirty="0"/>
               <a:pPr/>
-              <a:t>1/23/2019</a:t>
+              <a:t>4/9/2019</a:t>
             </a:fld>
             <a:endParaRPr lang="en-US" dirty="0"/>
           </a:p>
@@ -3444,7 +3446,7 @@
           <a:p>
             <a:fld id="{42A54C80-263E-416B-A8E0-580EDEADCBDC}" type="datetimeFigureOut">
               <a:rPr lang="en-US" dirty="0"/>
-              <a:t>1/23/2019</a:t>
+              <a:t>4/9/2019</a:t>
             </a:fld>
             <a:endParaRPr lang="en-US" dirty="0"/>
           </a:p>
@@ -3814,7 +3816,7 @@
             <a:fld id="{B61BEF0D-F0BB-DE4B-95CE-6DB70DBA9567}" type="datetimeFigureOut">
               <a:rPr lang="en-US" dirty="0"/>
               <a:pPr/>
-              <a:t>1/23/2019</a:t>
+              <a:t>4/9/2019</a:t>
             </a:fld>
             <a:endParaRPr lang="en-US" dirty="0"/>
           </a:p>
@@ -3934,7 +3936,7 @@
             <a:fld id="{B61BEF0D-F0BB-DE4B-95CE-6DB70DBA9567}" type="datetimeFigureOut">
               <a:rPr lang="en-US" dirty="0"/>
               <a:pPr/>
-              <a:t>1/23/2019</a:t>
+              <a:t>4/9/2019</a:t>
             </a:fld>
             <a:endParaRPr lang="en-US" dirty="0"/>
           </a:p>
@@ -4026,7 +4028,7 @@
             <a:fld id="{B61BEF0D-F0BB-DE4B-95CE-6DB70DBA9567}" type="datetimeFigureOut">
               <a:rPr lang="en-US" dirty="0"/>
               <a:pPr/>
-              <a:t>1/23/2019</a:t>
+              <a:t>4/9/2019</a:t>
             </a:fld>
             <a:endParaRPr lang="en-US" dirty="0"/>
           </a:p>
@@ -4277,7 +4279,7 @@
           <a:p>
             <a:fld id="{42A54C80-263E-416B-A8E0-580EDEADCBDC}" type="datetimeFigureOut">
               <a:rPr lang="en-US" dirty="0"/>
-              <a:t>1/23/2019</a:t>
+              <a:t>4/9/2019</a:t>
             </a:fld>
             <a:endParaRPr lang="en-US" dirty="0"/>
           </a:p>
@@ -4579,7 +4581,7 @@
             <a:fld id="{B61BEF0D-F0BB-DE4B-95CE-6DB70DBA9567}" type="datetimeFigureOut">
               <a:rPr lang="en-US" dirty="0"/>
               <a:pPr/>
-              <a:t>1/23/2019</a:t>
+              <a:t>4/9/2019</a:t>
             </a:fld>
             <a:endParaRPr lang="en-US" dirty="0"/>
           </a:p>
@@ -5277,7 +5279,7 @@
             <a:fld id="{B61BEF0D-F0BB-DE4B-95CE-6DB70DBA9567}" type="datetimeFigureOut">
               <a:rPr lang="en-US" dirty="0"/>
               <a:pPr/>
-              <a:t>1/23/2019</a:t>
+              <a:t>4/9/2019</a:t>
             </a:fld>
             <a:endParaRPr lang="en-US" dirty="0"/>
           </a:p>
@@ -5896,9 +5898,10 @@
           <a:lstStyle/>
           <a:p>
             <a:r>
-              <a:rPr lang="it-IT" dirty="0"/>
-              <a:t>Deployment</a:t>
-            </a:r>
+              <a:rPr lang="it-IT" dirty="0" err="1"/>
+              <a:t>Workloads</a:t>
+            </a:r>
+            <a:endParaRPr lang="it-IT" dirty="0"/>
           </a:p>
         </p:txBody>
       </p:sp>
@@ -5972,84 +5975,66 @@
           </a:bodyPr>
           <a:lstStyle/>
           <a:p>
-            <a:pPr fontAlgn="base"/>
             <a:r>
               <a:rPr lang="en-US" sz="2000" dirty="0"/>
-              <a:t>Declarative method of managing Pods via </a:t>
-            </a:r>
-            <a:r>
-              <a:rPr lang="en-US" sz="2000" b="1" dirty="0" err="1"/>
-              <a:t>ReplicaSets</a:t>
-            </a:r>
-            <a:r>
-              <a:rPr lang="en-US" sz="2000" b="1" dirty="0"/>
-              <a:t>.</a:t>
-            </a:r>
-          </a:p>
-          <a:p>
-            <a:pPr fontAlgn="base"/>
+              <a:t>Workloads are higher level objects that manage Pods.</a:t>
+            </a:r>
+          </a:p>
+          <a:p>
             <a:endParaRPr lang="en-US" sz="2000" dirty="0"/>
           </a:p>
           <a:p>
-            <a:pPr fontAlgn="base"/>
-            <a:r>
-              <a:rPr lang="en-US" sz="2000" dirty="0"/>
-              <a:t>Provide rollback functionality and update control.</a:t>
-            </a:r>
-          </a:p>
-        </p:txBody>
-      </p:sp>
-      <p:pic>
-        <p:nvPicPr>
-          <p:cNvPr id="9219" name="Picture 3" descr="https://lh4.googleusercontent.com/hUPlzMpphfgTjB3JwEpYWKrHFYY8KAr2YUwrW1E3CQHbLu1JwW0UYhf8wfFgQJYTM4H2noPlHowE0qBv0SQbQ7NEJgjgYT-p6MfqvzF0EkmAEVqhoo6cGCCUMkE15XAsRpkdr4sDscA">
-            <a:extLst>
-              <a:ext uri="{FF2B5EF4-FFF2-40B4-BE49-F238E27FC236}">
-                <a16:creationId xmlns:a16="http://schemas.microsoft.com/office/drawing/2014/main" id="{AB28CEEA-455D-4F02-8A71-D0ABC254CE2B}"/>
-              </a:ext>
-            </a:extLst>
-          </p:cNvPr>
-          <p:cNvPicPr>
-            <a:picLocks noChangeAspect="1" noChangeArrowheads="1"/>
-          </p:cNvPicPr>
-          <p:nvPr/>
-        </p:nvPicPr>
-        <p:blipFill>
-          <a:blip r:embed="rId3">
-            <a:extLst>
-              <a:ext uri="{28A0092B-C50C-407E-A947-70E740481C1C}">
-                <a14:useLocalDpi xmlns:a14="http://schemas.microsoft.com/office/drawing/2010/main" val="0"/>
-              </a:ext>
-            </a:extLst>
-          </a:blip>
-          <a:srcRect/>
-          <a:stretch>
-            <a:fillRect/>
-          </a:stretch>
-        </p:blipFill>
-        <p:spPr bwMode="auto">
-          <a:xfrm>
-            <a:off x="1816770" y="4913184"/>
-            <a:ext cx="6317796" cy="1128178"/>
-          </a:xfrm>
-          <a:prstGeom prst="rect">
-            <a:avLst/>
-          </a:prstGeom>
-          <a:noFill/>
-          <a:extLst>
-            <a:ext uri="{909E8E84-426E-40DD-AFC4-6F175D3DCCD1}">
-              <a14:hiddenFill xmlns:a14="http://schemas.microsoft.com/office/drawing/2010/main">
-                <a:solidFill>
-                  <a:srgbClr val="FFFFFF"/>
-                </a:solidFill>
-              </a14:hiddenFill>
-            </a:ext>
-          </a:extLst>
-        </p:spPr>
-      </p:pic>
+            <a:pPr lvl="1"/>
+            <a:r>
+              <a:rPr lang="en-US" sz="1800" b="1" dirty="0" err="1"/>
+              <a:t>ReplicaSet</a:t>
+            </a:r>
+            <a:endParaRPr lang="en-US" sz="1800" b="1" dirty="0"/>
+          </a:p>
+          <a:p>
+            <a:pPr lvl="1"/>
+            <a:r>
+              <a:rPr lang="en-US" sz="1800" b="1" dirty="0"/>
+              <a:t>Deployment</a:t>
+            </a:r>
+          </a:p>
+          <a:p>
+            <a:pPr lvl="1"/>
+            <a:r>
+              <a:rPr lang="en-US" sz="1800" b="1" dirty="0" err="1"/>
+              <a:t>StatefulSet</a:t>
+            </a:r>
+            <a:endParaRPr lang="en-US" sz="1800" b="1" dirty="0"/>
+          </a:p>
+          <a:p>
+            <a:pPr lvl="1"/>
+            <a:r>
+              <a:rPr lang="en-US" sz="1800" b="1" dirty="0" err="1"/>
+              <a:t>DaemonSet</a:t>
+            </a:r>
+            <a:endParaRPr lang="en-US" sz="1800" b="1" dirty="0"/>
+          </a:p>
+          <a:p>
+            <a:pPr lvl="1"/>
+            <a:r>
+              <a:rPr lang="en-US" sz="1800" b="1" dirty="0"/>
+              <a:t>Job</a:t>
+            </a:r>
+          </a:p>
+          <a:p>
+            <a:pPr lvl="1"/>
+            <a:r>
+              <a:rPr lang="en-US" sz="1800" b="1" dirty="0" err="1"/>
+              <a:t>CronJob</a:t>
+            </a:r>
+            <a:endParaRPr lang="it-IT" sz="1800" b="1" dirty="0"/>
+          </a:p>
+        </p:txBody>
+      </p:sp>
     </p:spTree>
     <p:extLst>
       <p:ext uri="{BB962C8B-B14F-4D97-AF65-F5344CB8AC3E}">
-        <p14:creationId xmlns:p14="http://schemas.microsoft.com/office/powerpoint/2010/main" val="3691850719"/>
+        <p14:creationId xmlns:p14="http://schemas.microsoft.com/office/powerpoint/2010/main" val="4129231217"/>
       </p:ext>
     </p:extLst>
   </p:cSld>
@@ -6098,9 +6083,10 @@
           <a:lstStyle/>
           <a:p>
             <a:r>
-              <a:rPr lang="it-IT" dirty="0"/>
-              <a:t>Service</a:t>
-            </a:r>
+              <a:rPr lang="it-IT" dirty="0" err="1"/>
+              <a:t>ReplicaSet</a:t>
+            </a:r>
+            <a:endParaRPr lang="it-IT" dirty="0"/>
           </a:p>
         </p:txBody>
       </p:sp>
@@ -6175,58 +6161,93 @@
             <a:pPr fontAlgn="base"/>
             <a:r>
               <a:rPr lang="en-US" sz="2000" dirty="0"/>
-              <a:t>A set of routing rules that defines how to access the Pods. </a:t>
+              <a:t>Primary method of managing pod replicas and their lifecycle.</a:t>
             </a:r>
           </a:p>
           <a:p>
             <a:pPr fontAlgn="base"/>
-            <a:endParaRPr lang="en-US" sz="2000" b="1" dirty="0"/>
-          </a:p>
-          <a:p>
-            <a:pPr lvl="1" fontAlgn="base"/>
-            <a:r>
-              <a:rPr lang="it-IT" sz="1800" b="1" dirty="0" err="1"/>
-              <a:t>ClusterIP</a:t>
-            </a:r>
-            <a:r>
-              <a:rPr lang="it-IT" sz="1800" b="1" dirty="0"/>
-              <a:t> (default)</a:t>
-            </a:r>
-          </a:p>
-          <a:p>
-            <a:pPr lvl="1" fontAlgn="base"/>
-            <a:r>
-              <a:rPr lang="it-IT" sz="1800" b="1" dirty="0" err="1"/>
-              <a:t>NodePort</a:t>
-            </a:r>
-            <a:endParaRPr lang="it-IT" sz="1800" b="1" dirty="0"/>
-          </a:p>
-          <a:p>
-            <a:pPr lvl="1" fontAlgn="base"/>
-            <a:r>
-              <a:rPr lang="it-IT" sz="1800" b="1" dirty="0" err="1"/>
-              <a:t>LoadBalancer</a:t>
-            </a:r>
-            <a:endParaRPr lang="it-IT" sz="1800" b="1" dirty="0"/>
-          </a:p>
-          <a:p>
-            <a:pPr lvl="1" fontAlgn="base"/>
-            <a:r>
-              <a:rPr lang="it-IT" sz="1800" b="1" dirty="0" err="1"/>
-              <a:t>ExternalName</a:t>
-            </a:r>
-            <a:endParaRPr lang="it-IT" sz="1800" b="1" dirty="0"/>
+            <a:endParaRPr lang="en-US" sz="2000" dirty="0"/>
           </a:p>
           <a:p>
             <a:pPr fontAlgn="base"/>
-            <a:endParaRPr lang="en-US" dirty="0"/>
-          </a:p>
-        </p:txBody>
-      </p:sp>
+            <a:r>
+              <a:rPr lang="en-US" sz="2000" dirty="0"/>
+              <a:t>Includes their scheduling, scaling, and deletion.</a:t>
+            </a:r>
+          </a:p>
+          <a:p>
+            <a:pPr fontAlgn="base"/>
+            <a:endParaRPr lang="en-US" sz="2000" dirty="0"/>
+          </a:p>
+          <a:p>
+            <a:r>
+              <a:rPr lang="en-US" sz="2000" dirty="0"/>
+              <a:t>Their job is simple: </a:t>
+            </a:r>
+            <a:r>
+              <a:rPr lang="en-US" sz="2000" b="1" dirty="0"/>
+              <a:t>Always ensure the desired number of pods are running.</a:t>
+            </a:r>
+          </a:p>
+          <a:p>
+            <a:endParaRPr lang="en-US" b="1" dirty="0"/>
+          </a:p>
+          <a:p>
+            <a:endParaRPr lang="it-IT" dirty="0"/>
+          </a:p>
+        </p:txBody>
+      </p:sp>
+      <p:pic>
+        <p:nvPicPr>
+          <p:cNvPr id="11267" name="Picture 3" descr="https://lh6.googleusercontent.com/Z5OZJBmzkkyDFocpT-al7jcHknpwq0-0DiqYcaVk82tMHeaCMdrr303r_mCu536COnsfFJBlJr_-A7lzrChhHDJgmbL796NzVY5fpohsxjrVyzAML1J30poR7B-lCzvhwOntpd57nUA">
+            <a:extLst>
+              <a:ext uri="{FF2B5EF4-FFF2-40B4-BE49-F238E27FC236}">
+                <a16:creationId xmlns:a16="http://schemas.microsoft.com/office/drawing/2014/main" id="{55C94646-1725-4D64-A58C-37F116E16DA8}"/>
+              </a:ext>
+            </a:extLst>
+          </p:cNvPr>
+          <p:cNvPicPr>
+            <a:picLocks noChangeAspect="1" noChangeArrowheads="1"/>
+          </p:cNvPicPr>
+          <p:nvPr/>
+        </p:nvPicPr>
+        <p:blipFill>
+          <a:blip r:embed="rId3">
+            <a:extLst>
+              <a:ext uri="{28A0092B-C50C-407E-A947-70E740481C1C}">
+                <a14:useLocalDpi xmlns:a14="http://schemas.microsoft.com/office/drawing/2010/main" val="0"/>
+              </a:ext>
+            </a:extLst>
+          </a:blip>
+          <a:srcRect/>
+          <a:stretch>
+            <a:fillRect/>
+          </a:stretch>
+        </p:blipFill>
+        <p:spPr bwMode="auto">
+          <a:xfrm>
+            <a:off x="2326017" y="5126825"/>
+            <a:ext cx="5299301" cy="914537"/>
+          </a:xfrm>
+          <a:prstGeom prst="rect">
+            <a:avLst/>
+          </a:prstGeom>
+          <a:noFill/>
+          <a:extLst>
+            <a:ext uri="{909E8E84-426E-40DD-AFC4-6F175D3DCCD1}">
+              <a14:hiddenFill xmlns:a14="http://schemas.microsoft.com/office/drawing/2010/main">
+                <a:solidFill>
+                  <a:srgbClr val="FFFFFF"/>
+                </a:solidFill>
+              </a14:hiddenFill>
+            </a:ext>
+          </a:extLst>
+        </p:spPr>
+      </p:pic>
     </p:spTree>
     <p:extLst>
       <p:ext uri="{BB962C8B-B14F-4D97-AF65-F5344CB8AC3E}">
-        <p14:creationId xmlns:p14="http://schemas.microsoft.com/office/powerpoint/2010/main" val="931565450"/>
+        <p14:creationId xmlns:p14="http://schemas.microsoft.com/office/powerpoint/2010/main" val="3742541671"/>
       </p:ext>
     </p:extLst>
   </p:cSld>
@@ -6276,13 +6297,8 @@
           <a:p>
             <a:r>
               <a:rPr lang="it-IT" dirty="0"/>
-              <a:t>Service </a:t>
-            </a:r>
-            <a:r>
-              <a:rPr lang="it-IT" dirty="0" err="1"/>
-              <a:t>NodePort</a:t>
-            </a:r>
-            <a:endParaRPr lang="it-IT" dirty="0"/>
+              <a:t>Deployment</a:t>
+            </a:r>
           </a:p>
         </p:txBody>
       </p:sp>
@@ -6351,6 +6367,390 @@
         </p:nvSpPr>
         <p:spPr/>
         <p:txBody>
+          <a:bodyPr>
+            <a:normAutofit/>
+          </a:bodyPr>
+          <a:lstStyle/>
+          <a:p>
+            <a:pPr fontAlgn="base"/>
+            <a:r>
+              <a:rPr lang="en-US" sz="2000" dirty="0"/>
+              <a:t>Declarative method of managing Pods via </a:t>
+            </a:r>
+            <a:r>
+              <a:rPr lang="en-US" sz="2000" b="1" dirty="0" err="1"/>
+              <a:t>ReplicaSets</a:t>
+            </a:r>
+            <a:r>
+              <a:rPr lang="en-US" sz="2000" b="1" dirty="0"/>
+              <a:t>.</a:t>
+            </a:r>
+          </a:p>
+          <a:p>
+            <a:pPr fontAlgn="base"/>
+            <a:endParaRPr lang="en-US" sz="2000" dirty="0"/>
+          </a:p>
+          <a:p>
+            <a:pPr fontAlgn="base"/>
+            <a:r>
+              <a:rPr lang="en-US" sz="2000" dirty="0"/>
+              <a:t>Provide rollback functionality and update control.</a:t>
+            </a:r>
+          </a:p>
+        </p:txBody>
+      </p:sp>
+      <p:pic>
+        <p:nvPicPr>
+          <p:cNvPr id="9219" name="Picture 3" descr="https://lh4.googleusercontent.com/hUPlzMpphfgTjB3JwEpYWKrHFYY8KAr2YUwrW1E3CQHbLu1JwW0UYhf8wfFgQJYTM4H2noPlHowE0qBv0SQbQ7NEJgjgYT-p6MfqvzF0EkmAEVqhoo6cGCCUMkE15XAsRpkdr4sDscA">
+            <a:extLst>
+              <a:ext uri="{FF2B5EF4-FFF2-40B4-BE49-F238E27FC236}">
+                <a16:creationId xmlns:a16="http://schemas.microsoft.com/office/drawing/2014/main" id="{AB28CEEA-455D-4F02-8A71-D0ABC254CE2B}"/>
+              </a:ext>
+            </a:extLst>
+          </p:cNvPr>
+          <p:cNvPicPr>
+            <a:picLocks noChangeAspect="1" noChangeArrowheads="1"/>
+          </p:cNvPicPr>
+          <p:nvPr/>
+        </p:nvPicPr>
+        <p:blipFill>
+          <a:blip r:embed="rId3">
+            <a:extLst>
+              <a:ext uri="{28A0092B-C50C-407E-A947-70E740481C1C}">
+                <a14:useLocalDpi xmlns:a14="http://schemas.microsoft.com/office/drawing/2010/main" val="0"/>
+              </a:ext>
+            </a:extLst>
+          </a:blip>
+          <a:srcRect/>
+          <a:stretch>
+            <a:fillRect/>
+          </a:stretch>
+        </p:blipFill>
+        <p:spPr bwMode="auto">
+          <a:xfrm>
+            <a:off x="1816770" y="4913184"/>
+            <a:ext cx="6317796" cy="1128178"/>
+          </a:xfrm>
+          <a:prstGeom prst="rect">
+            <a:avLst/>
+          </a:prstGeom>
+          <a:noFill/>
+          <a:extLst>
+            <a:ext uri="{909E8E84-426E-40DD-AFC4-6F175D3DCCD1}">
+              <a14:hiddenFill xmlns:a14="http://schemas.microsoft.com/office/drawing/2010/main">
+                <a:solidFill>
+                  <a:srgbClr val="FFFFFF"/>
+                </a:solidFill>
+              </a14:hiddenFill>
+            </a:ext>
+          </a:extLst>
+        </p:spPr>
+      </p:pic>
+    </p:spTree>
+    <p:extLst>
+      <p:ext uri="{BB962C8B-B14F-4D97-AF65-F5344CB8AC3E}">
+        <p14:creationId xmlns:p14="http://schemas.microsoft.com/office/powerpoint/2010/main" val="3691850719"/>
+      </p:ext>
+    </p:extLst>
+  </p:cSld>
+  <p:clrMapOvr>
+    <a:masterClrMapping/>
+  </p:clrMapOvr>
+</p:sld>
+</file>
+
+<file path=ppt/slides/slide13.xml><?xml version="1.0" encoding="utf-8"?>
+<p:sld xmlns:a="http://schemas.openxmlformats.org/drawingml/2006/main" xmlns:r="http://schemas.openxmlformats.org/officeDocument/2006/relationships" xmlns:p="http://schemas.openxmlformats.org/presentationml/2006/main">
+  <p:cSld>
+    <p:spTree>
+      <p:nvGrpSpPr>
+        <p:cNvPr id="1" name=""/>
+        <p:cNvGrpSpPr/>
+        <p:nvPr/>
+      </p:nvGrpSpPr>
+      <p:grpSpPr>
+        <a:xfrm>
+          <a:off x="0" y="0"/>
+          <a:ext cx="0" cy="0"/>
+          <a:chOff x="0" y="0"/>
+          <a:chExt cx="0" cy="0"/>
+        </a:xfrm>
+      </p:grpSpPr>
+      <p:sp>
+        <p:nvSpPr>
+          <p:cNvPr id="2" name="Titolo 1">
+            <a:extLst>
+              <a:ext uri="{FF2B5EF4-FFF2-40B4-BE49-F238E27FC236}">
+                <a16:creationId xmlns:a16="http://schemas.microsoft.com/office/drawing/2014/main" id="{390F3EB2-CCD3-4263-8C51-13A0788C3F71}"/>
+              </a:ext>
+            </a:extLst>
+          </p:cNvPr>
+          <p:cNvSpPr>
+            <a:spLocks noGrp="1"/>
+          </p:cNvSpPr>
+          <p:nvPr>
+            <p:ph type="title"/>
+          </p:nvPr>
+        </p:nvSpPr>
+        <p:spPr/>
+        <p:txBody>
+          <a:bodyPr/>
+          <a:lstStyle/>
+          <a:p>
+            <a:r>
+              <a:rPr lang="it-IT" dirty="0"/>
+              <a:t>Service</a:t>
+            </a:r>
+          </a:p>
+        </p:txBody>
+      </p:sp>
+      <p:pic>
+        <p:nvPicPr>
+          <p:cNvPr id="2052" name="Picture 4" descr="Risultati immagini per kubernetes logo">
+            <a:extLst>
+              <a:ext uri="{FF2B5EF4-FFF2-40B4-BE49-F238E27FC236}">
+                <a16:creationId xmlns:a16="http://schemas.microsoft.com/office/drawing/2014/main" id="{2EF0C7C2-B372-4C6C-8620-3476E8ABBDF5}"/>
+              </a:ext>
+            </a:extLst>
+          </p:cNvPr>
+          <p:cNvPicPr>
+            <a:picLocks noChangeAspect="1" noChangeArrowheads="1"/>
+          </p:cNvPicPr>
+          <p:nvPr/>
+        </p:nvPicPr>
+        <p:blipFill>
+          <a:blip r:embed="rId2">
+            <a:extLst>
+              <a:ext uri="{28A0092B-C50C-407E-A947-70E740481C1C}">
+                <a14:useLocalDpi xmlns:a14="http://schemas.microsoft.com/office/drawing/2010/main" val="0"/>
+              </a:ext>
+            </a:extLst>
+          </a:blip>
+          <a:srcRect/>
+          <a:stretch>
+            <a:fillRect/>
+          </a:stretch>
+        </p:blipFill>
+        <p:spPr bwMode="auto">
+          <a:xfrm>
+            <a:off x="7849959" y="379411"/>
+            <a:ext cx="3868511" cy="835659"/>
+          </a:xfrm>
+          <a:prstGeom prst="rect">
+            <a:avLst/>
+          </a:prstGeom>
+          <a:noFill/>
+          <a:extLst>
+            <a:ext uri="{909E8E84-426E-40DD-AFC4-6F175D3DCCD1}">
+              <a14:hiddenFill xmlns:a14="http://schemas.microsoft.com/office/drawing/2010/main">
+                <a:solidFill>
+                  <a:srgbClr val="FFFFFF"/>
+                </a:solidFill>
+              </a14:hiddenFill>
+            </a:ext>
+          </a:extLst>
+        </p:spPr>
+      </p:pic>
+      <p:sp>
+        <p:nvSpPr>
+          <p:cNvPr id="4" name="Segnaposto contenuto 3">
+            <a:extLst>
+              <a:ext uri="{FF2B5EF4-FFF2-40B4-BE49-F238E27FC236}">
+                <a16:creationId xmlns:a16="http://schemas.microsoft.com/office/drawing/2014/main" id="{725997EF-BA1F-48AA-9CD4-DB729382E2A8}"/>
+              </a:ext>
+            </a:extLst>
+          </p:cNvPr>
+          <p:cNvSpPr>
+            <a:spLocks noGrp="1"/>
+          </p:cNvSpPr>
+          <p:nvPr>
+            <p:ph idx="1"/>
+          </p:nvPr>
+        </p:nvSpPr>
+        <p:spPr/>
+        <p:txBody>
+          <a:bodyPr/>
+          <a:lstStyle/>
+          <a:p>
+            <a:pPr fontAlgn="base"/>
+            <a:r>
+              <a:rPr lang="en-US" sz="2000" dirty="0"/>
+              <a:t>A set of routing rules that defines how to access the Pods. </a:t>
+            </a:r>
+          </a:p>
+          <a:p>
+            <a:pPr fontAlgn="base"/>
+            <a:endParaRPr lang="en-US" sz="2000" b="1" dirty="0"/>
+          </a:p>
+          <a:p>
+            <a:pPr lvl="1" fontAlgn="base"/>
+            <a:r>
+              <a:rPr lang="it-IT" sz="1800" b="1" dirty="0" err="1"/>
+              <a:t>ClusterIP</a:t>
+            </a:r>
+            <a:r>
+              <a:rPr lang="it-IT" sz="1800" b="1" dirty="0"/>
+              <a:t> (default)</a:t>
+            </a:r>
+          </a:p>
+          <a:p>
+            <a:pPr lvl="1" fontAlgn="base"/>
+            <a:r>
+              <a:rPr lang="it-IT" sz="1800" b="1" dirty="0" err="1"/>
+              <a:t>NodePort</a:t>
+            </a:r>
+            <a:endParaRPr lang="it-IT" sz="1800" b="1" dirty="0"/>
+          </a:p>
+          <a:p>
+            <a:pPr lvl="1" fontAlgn="base"/>
+            <a:r>
+              <a:rPr lang="it-IT" sz="1800" b="1" dirty="0" err="1"/>
+              <a:t>LoadBalancer</a:t>
+            </a:r>
+            <a:endParaRPr lang="it-IT" sz="1800" b="1" dirty="0"/>
+          </a:p>
+          <a:p>
+            <a:pPr lvl="1" fontAlgn="base"/>
+            <a:r>
+              <a:rPr lang="it-IT" sz="1800" b="1" dirty="0" err="1"/>
+              <a:t>ExternalName</a:t>
+            </a:r>
+            <a:endParaRPr lang="it-IT" sz="1800" b="1" dirty="0"/>
+          </a:p>
+          <a:p>
+            <a:pPr fontAlgn="base"/>
+            <a:endParaRPr lang="en-US" dirty="0"/>
+          </a:p>
+        </p:txBody>
+      </p:sp>
+    </p:spTree>
+    <p:extLst>
+      <p:ext uri="{BB962C8B-B14F-4D97-AF65-F5344CB8AC3E}">
+        <p14:creationId xmlns:p14="http://schemas.microsoft.com/office/powerpoint/2010/main" val="931565450"/>
+      </p:ext>
+    </p:extLst>
+  </p:cSld>
+  <p:clrMapOvr>
+    <a:masterClrMapping/>
+  </p:clrMapOvr>
+</p:sld>
+</file>
+
+<file path=ppt/slides/slide14.xml><?xml version="1.0" encoding="utf-8"?>
+<p:sld xmlns:a="http://schemas.openxmlformats.org/drawingml/2006/main" xmlns:r="http://schemas.openxmlformats.org/officeDocument/2006/relationships" xmlns:p="http://schemas.openxmlformats.org/presentationml/2006/main">
+  <p:cSld>
+    <p:spTree>
+      <p:nvGrpSpPr>
+        <p:cNvPr id="1" name=""/>
+        <p:cNvGrpSpPr/>
+        <p:nvPr/>
+      </p:nvGrpSpPr>
+      <p:grpSpPr>
+        <a:xfrm>
+          <a:off x="0" y="0"/>
+          <a:ext cx="0" cy="0"/>
+          <a:chOff x="0" y="0"/>
+          <a:chExt cx="0" cy="0"/>
+        </a:xfrm>
+      </p:grpSpPr>
+      <p:sp>
+        <p:nvSpPr>
+          <p:cNvPr id="2" name="Titolo 1">
+            <a:extLst>
+              <a:ext uri="{FF2B5EF4-FFF2-40B4-BE49-F238E27FC236}">
+                <a16:creationId xmlns:a16="http://schemas.microsoft.com/office/drawing/2014/main" id="{390F3EB2-CCD3-4263-8C51-13A0788C3F71}"/>
+              </a:ext>
+            </a:extLst>
+          </p:cNvPr>
+          <p:cNvSpPr>
+            <a:spLocks noGrp="1"/>
+          </p:cNvSpPr>
+          <p:nvPr>
+            <p:ph type="title"/>
+          </p:nvPr>
+        </p:nvSpPr>
+        <p:spPr/>
+        <p:txBody>
+          <a:bodyPr/>
+          <a:lstStyle/>
+          <a:p>
+            <a:r>
+              <a:rPr lang="it-IT" dirty="0"/>
+              <a:t>Service </a:t>
+            </a:r>
+            <a:r>
+              <a:rPr lang="it-IT" dirty="0" err="1"/>
+              <a:t>NodePort</a:t>
+            </a:r>
+            <a:endParaRPr lang="it-IT" dirty="0"/>
+          </a:p>
+        </p:txBody>
+      </p:sp>
+      <p:pic>
+        <p:nvPicPr>
+          <p:cNvPr id="2052" name="Picture 4" descr="Risultati immagini per kubernetes logo">
+            <a:extLst>
+              <a:ext uri="{FF2B5EF4-FFF2-40B4-BE49-F238E27FC236}">
+                <a16:creationId xmlns:a16="http://schemas.microsoft.com/office/drawing/2014/main" id="{2EF0C7C2-B372-4C6C-8620-3476E8ABBDF5}"/>
+              </a:ext>
+            </a:extLst>
+          </p:cNvPr>
+          <p:cNvPicPr>
+            <a:picLocks noChangeAspect="1" noChangeArrowheads="1"/>
+          </p:cNvPicPr>
+          <p:nvPr/>
+        </p:nvPicPr>
+        <p:blipFill>
+          <a:blip r:embed="rId2">
+            <a:extLst>
+              <a:ext uri="{28A0092B-C50C-407E-A947-70E740481C1C}">
+                <a14:useLocalDpi xmlns:a14="http://schemas.microsoft.com/office/drawing/2010/main" val="0"/>
+              </a:ext>
+            </a:extLst>
+          </a:blip>
+          <a:srcRect/>
+          <a:stretch>
+            <a:fillRect/>
+          </a:stretch>
+        </p:blipFill>
+        <p:spPr bwMode="auto">
+          <a:xfrm>
+            <a:off x="7849959" y="379411"/>
+            <a:ext cx="3868511" cy="835659"/>
+          </a:xfrm>
+          <a:prstGeom prst="rect">
+            <a:avLst/>
+          </a:prstGeom>
+          <a:noFill/>
+          <a:extLst>
+            <a:ext uri="{909E8E84-426E-40DD-AFC4-6F175D3DCCD1}">
+              <a14:hiddenFill xmlns:a14="http://schemas.microsoft.com/office/drawing/2010/main">
+                <a:solidFill>
+                  <a:srgbClr val="FFFFFF"/>
+                </a:solidFill>
+              </a14:hiddenFill>
+            </a:ext>
+          </a:extLst>
+        </p:spPr>
+      </p:pic>
+      <p:sp>
+        <p:nvSpPr>
+          <p:cNvPr id="4" name="Segnaposto contenuto 3">
+            <a:extLst>
+              <a:ext uri="{FF2B5EF4-FFF2-40B4-BE49-F238E27FC236}">
+                <a16:creationId xmlns:a16="http://schemas.microsoft.com/office/drawing/2014/main" id="{725997EF-BA1F-48AA-9CD4-DB729382E2A8}"/>
+              </a:ext>
+            </a:extLst>
+          </p:cNvPr>
+          <p:cNvSpPr>
+            <a:spLocks noGrp="1"/>
+          </p:cNvSpPr>
+          <p:nvPr>
+            <p:ph idx="1"/>
+          </p:nvPr>
+        </p:nvSpPr>
+        <p:spPr/>
+        <p:txBody>
           <a:bodyPr/>
           <a:lstStyle/>
           <a:p>
@@ -6398,7 +6798,7 @@
 </p:sld>
 </file>
 
-<file path=ppt/slides/slide13.xml><?xml version="1.0" encoding="utf-8"?>
+<file path=ppt/slides/slide15.xml><?xml version="1.0" encoding="utf-8"?>
 <p:sld xmlns:a="http://schemas.openxmlformats.org/drawingml/2006/main" xmlns:r="http://schemas.openxmlformats.org/officeDocument/2006/relationships" xmlns:p="http://schemas.openxmlformats.org/presentationml/2006/main">
   <p:cSld>
     <p:spTree>
@@ -7820,357 +8220,6 @@
 </p:sld>
 </file>
 
-<file path=ppt/slides/slide14.xml><?xml version="1.0" encoding="utf-8"?>
-<p:sld xmlns:a="http://schemas.openxmlformats.org/drawingml/2006/main" xmlns:r="http://schemas.openxmlformats.org/officeDocument/2006/relationships" xmlns:p="http://schemas.openxmlformats.org/presentationml/2006/main">
-  <p:cSld>
-    <p:spTree>
-      <p:nvGrpSpPr>
-        <p:cNvPr id="1" name=""/>
-        <p:cNvGrpSpPr/>
-        <p:nvPr/>
-      </p:nvGrpSpPr>
-      <p:grpSpPr>
-        <a:xfrm>
-          <a:off x="0" y="0"/>
-          <a:ext cx="0" cy="0"/>
-          <a:chOff x="0" y="0"/>
-          <a:chExt cx="0" cy="0"/>
-        </a:xfrm>
-      </p:grpSpPr>
-      <p:sp>
-        <p:nvSpPr>
-          <p:cNvPr id="2" name="Titolo 1">
-            <a:extLst>
-              <a:ext uri="{FF2B5EF4-FFF2-40B4-BE49-F238E27FC236}">
-                <a16:creationId xmlns:a16="http://schemas.microsoft.com/office/drawing/2014/main" id="{390F3EB2-CCD3-4263-8C51-13A0788C3F71}"/>
-              </a:ext>
-            </a:extLst>
-          </p:cNvPr>
-          <p:cNvSpPr>
-            <a:spLocks noGrp="1"/>
-          </p:cNvSpPr>
-          <p:nvPr>
-            <p:ph type="title"/>
-          </p:nvPr>
-        </p:nvSpPr>
-        <p:spPr/>
-        <p:txBody>
-          <a:bodyPr/>
-          <a:lstStyle/>
-          <a:p>
-            <a:r>
-              <a:rPr lang="it-IT" dirty="0" err="1"/>
-              <a:t>Configuration</a:t>
-            </a:r>
-            <a:endParaRPr lang="it-IT" dirty="0"/>
-          </a:p>
-        </p:txBody>
-      </p:sp>
-      <p:pic>
-        <p:nvPicPr>
-          <p:cNvPr id="2052" name="Picture 4" descr="Risultati immagini per kubernetes logo">
-            <a:extLst>
-              <a:ext uri="{FF2B5EF4-FFF2-40B4-BE49-F238E27FC236}">
-                <a16:creationId xmlns:a16="http://schemas.microsoft.com/office/drawing/2014/main" id="{2EF0C7C2-B372-4C6C-8620-3476E8ABBDF5}"/>
-              </a:ext>
-            </a:extLst>
-          </p:cNvPr>
-          <p:cNvPicPr>
-            <a:picLocks noChangeAspect="1" noChangeArrowheads="1"/>
-          </p:cNvPicPr>
-          <p:nvPr/>
-        </p:nvPicPr>
-        <p:blipFill>
-          <a:blip r:embed="rId2">
-            <a:extLst>
-              <a:ext uri="{28A0092B-C50C-407E-A947-70E740481C1C}">
-                <a14:useLocalDpi xmlns:a14="http://schemas.microsoft.com/office/drawing/2010/main" val="0"/>
-              </a:ext>
-            </a:extLst>
-          </a:blip>
-          <a:srcRect/>
-          <a:stretch>
-            <a:fillRect/>
-          </a:stretch>
-        </p:blipFill>
-        <p:spPr bwMode="auto">
-          <a:xfrm>
-            <a:off x="7849959" y="379411"/>
-            <a:ext cx="3868511" cy="835659"/>
-          </a:xfrm>
-          <a:prstGeom prst="rect">
-            <a:avLst/>
-          </a:prstGeom>
-          <a:noFill/>
-          <a:extLst>
-            <a:ext uri="{909E8E84-426E-40DD-AFC4-6F175D3DCCD1}">
-              <a14:hiddenFill xmlns:a14="http://schemas.microsoft.com/office/drawing/2010/main">
-                <a:solidFill>
-                  <a:srgbClr val="FFFFFF"/>
-                </a:solidFill>
-              </a14:hiddenFill>
-            </a:ext>
-          </a:extLst>
-        </p:spPr>
-      </p:pic>
-      <p:sp>
-        <p:nvSpPr>
-          <p:cNvPr id="4" name="Segnaposto contenuto 3">
-            <a:extLst>
-              <a:ext uri="{FF2B5EF4-FFF2-40B4-BE49-F238E27FC236}">
-                <a16:creationId xmlns:a16="http://schemas.microsoft.com/office/drawing/2014/main" id="{725997EF-BA1F-48AA-9CD4-DB729382E2A8}"/>
-              </a:ext>
-            </a:extLst>
-          </p:cNvPr>
-          <p:cNvSpPr>
-            <a:spLocks noGrp="1"/>
-          </p:cNvSpPr>
-          <p:nvPr>
-            <p:ph idx="1"/>
-          </p:nvPr>
-        </p:nvSpPr>
-        <p:spPr/>
-        <p:txBody>
-          <a:bodyPr>
-            <a:normAutofit/>
-          </a:bodyPr>
-          <a:lstStyle/>
-          <a:p>
-            <a:r>
-              <a:rPr lang="en-US" sz="2000" dirty="0"/>
-              <a:t>Kubernetes has an integrated pattern for decoupling configuration from application or container.</a:t>
-            </a:r>
-          </a:p>
-          <a:p>
-            <a:endParaRPr lang="en-US" sz="2000" dirty="0"/>
-          </a:p>
-          <a:p>
-            <a:endParaRPr lang="en-US" sz="2000" dirty="0"/>
-          </a:p>
-          <a:p>
-            <a:r>
-              <a:rPr lang="en-US" sz="2000" dirty="0"/>
-              <a:t>This pattern makes use of two Kubernetes components: </a:t>
-            </a:r>
-            <a:r>
-              <a:rPr lang="en-US" sz="2000" b="1" dirty="0" err="1"/>
-              <a:t>ConfigMaps</a:t>
-            </a:r>
-            <a:r>
-              <a:rPr lang="en-US" sz="2000" dirty="0"/>
-              <a:t> and </a:t>
-            </a:r>
-            <a:r>
-              <a:rPr lang="en-US" sz="2000" b="1" dirty="0"/>
-              <a:t>Secrets.</a:t>
-            </a:r>
-            <a:endParaRPr lang="en-US" sz="2000" dirty="0"/>
-          </a:p>
-        </p:txBody>
-      </p:sp>
-    </p:spTree>
-    <p:extLst>
-      <p:ext uri="{BB962C8B-B14F-4D97-AF65-F5344CB8AC3E}">
-        <p14:creationId xmlns:p14="http://schemas.microsoft.com/office/powerpoint/2010/main" val="3366480905"/>
-      </p:ext>
-    </p:extLst>
-  </p:cSld>
-  <p:clrMapOvr>
-    <a:masterClrMapping/>
-  </p:clrMapOvr>
-</p:sld>
-</file>
-
-<file path=ppt/slides/slide15.xml><?xml version="1.0" encoding="utf-8"?>
-<p:sld xmlns:a="http://schemas.openxmlformats.org/drawingml/2006/main" xmlns:r="http://schemas.openxmlformats.org/officeDocument/2006/relationships" xmlns:p="http://schemas.openxmlformats.org/presentationml/2006/main">
-  <p:cSld>
-    <p:spTree>
-      <p:nvGrpSpPr>
-        <p:cNvPr id="1" name=""/>
-        <p:cNvGrpSpPr/>
-        <p:nvPr/>
-      </p:nvGrpSpPr>
-      <p:grpSpPr>
-        <a:xfrm>
-          <a:off x="0" y="0"/>
-          <a:ext cx="0" cy="0"/>
-          <a:chOff x="0" y="0"/>
-          <a:chExt cx="0" cy="0"/>
-        </a:xfrm>
-      </p:grpSpPr>
-      <p:sp>
-        <p:nvSpPr>
-          <p:cNvPr id="2" name="Titolo 1">
-            <a:extLst>
-              <a:ext uri="{FF2B5EF4-FFF2-40B4-BE49-F238E27FC236}">
-                <a16:creationId xmlns:a16="http://schemas.microsoft.com/office/drawing/2014/main" id="{390F3EB2-CCD3-4263-8C51-13A0788C3F71}"/>
-              </a:ext>
-            </a:extLst>
-          </p:cNvPr>
-          <p:cNvSpPr>
-            <a:spLocks noGrp="1"/>
-          </p:cNvSpPr>
-          <p:nvPr>
-            <p:ph type="title"/>
-          </p:nvPr>
-        </p:nvSpPr>
-        <p:spPr/>
-        <p:txBody>
-          <a:bodyPr/>
-          <a:lstStyle/>
-          <a:p>
-            <a:r>
-              <a:rPr lang="it-IT" dirty="0" err="1"/>
-              <a:t>ConfigMap</a:t>
-            </a:r>
-            <a:endParaRPr lang="it-IT" dirty="0"/>
-          </a:p>
-        </p:txBody>
-      </p:sp>
-      <p:pic>
-        <p:nvPicPr>
-          <p:cNvPr id="2052" name="Picture 4" descr="Risultati immagini per kubernetes logo">
-            <a:extLst>
-              <a:ext uri="{FF2B5EF4-FFF2-40B4-BE49-F238E27FC236}">
-                <a16:creationId xmlns:a16="http://schemas.microsoft.com/office/drawing/2014/main" id="{2EF0C7C2-B372-4C6C-8620-3476E8ABBDF5}"/>
-              </a:ext>
-            </a:extLst>
-          </p:cNvPr>
-          <p:cNvPicPr>
-            <a:picLocks noChangeAspect="1" noChangeArrowheads="1"/>
-          </p:cNvPicPr>
-          <p:nvPr/>
-        </p:nvPicPr>
-        <p:blipFill>
-          <a:blip r:embed="rId2">
-            <a:extLst>
-              <a:ext uri="{28A0092B-C50C-407E-A947-70E740481C1C}">
-                <a14:useLocalDpi xmlns:a14="http://schemas.microsoft.com/office/drawing/2010/main" val="0"/>
-              </a:ext>
-            </a:extLst>
-          </a:blip>
-          <a:srcRect/>
-          <a:stretch>
-            <a:fillRect/>
-          </a:stretch>
-        </p:blipFill>
-        <p:spPr bwMode="auto">
-          <a:xfrm>
-            <a:off x="7849959" y="379411"/>
-            <a:ext cx="3868511" cy="835659"/>
-          </a:xfrm>
-          <a:prstGeom prst="rect">
-            <a:avLst/>
-          </a:prstGeom>
-          <a:noFill/>
-          <a:extLst>
-            <a:ext uri="{909E8E84-426E-40DD-AFC4-6F175D3DCCD1}">
-              <a14:hiddenFill xmlns:a14="http://schemas.microsoft.com/office/drawing/2010/main">
-                <a:solidFill>
-                  <a:srgbClr val="FFFFFF"/>
-                </a:solidFill>
-              </a14:hiddenFill>
-            </a:ext>
-          </a:extLst>
-        </p:spPr>
-      </p:pic>
-      <p:sp>
-        <p:nvSpPr>
-          <p:cNvPr id="4" name="Segnaposto contenuto 3">
-            <a:extLst>
-              <a:ext uri="{FF2B5EF4-FFF2-40B4-BE49-F238E27FC236}">
-                <a16:creationId xmlns:a16="http://schemas.microsoft.com/office/drawing/2014/main" id="{725997EF-BA1F-48AA-9CD4-DB729382E2A8}"/>
-              </a:ext>
-            </a:extLst>
-          </p:cNvPr>
-          <p:cNvSpPr>
-            <a:spLocks noGrp="1"/>
-          </p:cNvSpPr>
-          <p:nvPr>
-            <p:ph idx="1"/>
-          </p:nvPr>
-        </p:nvSpPr>
-        <p:spPr/>
-        <p:txBody>
-          <a:bodyPr/>
-          <a:lstStyle/>
-          <a:p>
-            <a:pPr fontAlgn="base"/>
-            <a:r>
-              <a:rPr lang="en-US" sz="2000" dirty="0"/>
-              <a:t>Externalized data stored within </a:t>
-            </a:r>
-            <a:r>
-              <a:rPr lang="en-US" sz="2000" dirty="0" err="1"/>
-              <a:t>kubernetes</a:t>
-            </a:r>
-            <a:r>
-              <a:rPr lang="en-US" sz="2000" dirty="0"/>
-              <a:t>.</a:t>
-            </a:r>
-          </a:p>
-          <a:p>
-            <a:pPr fontAlgn="base"/>
-            <a:endParaRPr lang="en-US" sz="2000" dirty="0"/>
-          </a:p>
-          <a:p>
-            <a:pPr fontAlgn="base"/>
-            <a:r>
-              <a:rPr lang="en-US" sz="2000" dirty="0"/>
-              <a:t>Can be referenced through several different means:</a:t>
-            </a:r>
-          </a:p>
-          <a:p>
-            <a:pPr lvl="1" fontAlgn="base"/>
-            <a:r>
-              <a:rPr lang="en-US" sz="1800" dirty="0"/>
-              <a:t>environment variable</a:t>
-            </a:r>
-          </a:p>
-          <a:p>
-            <a:pPr lvl="1" fontAlgn="base"/>
-            <a:r>
-              <a:rPr lang="en-US" sz="1800" dirty="0"/>
-              <a:t>a command line argument (via env var)</a:t>
-            </a:r>
-          </a:p>
-          <a:p>
-            <a:pPr lvl="1" fontAlgn="base"/>
-            <a:r>
-              <a:rPr lang="en-US" sz="1800" dirty="0"/>
-              <a:t>injected as a file into a volume mount</a:t>
-            </a:r>
-          </a:p>
-          <a:p>
-            <a:pPr lvl="1" fontAlgn="base"/>
-            <a:endParaRPr lang="en-US" sz="1800" dirty="0"/>
-          </a:p>
-          <a:p>
-            <a:pPr fontAlgn="base"/>
-            <a:r>
-              <a:rPr lang="en-US" sz="2000" dirty="0"/>
-              <a:t>Can be created from a manifest, literals, directories, or files directly.</a:t>
-            </a:r>
-          </a:p>
-          <a:p>
-            <a:pPr fontAlgn="base"/>
-            <a:endParaRPr lang="en-US" dirty="0"/>
-          </a:p>
-        </p:txBody>
-      </p:sp>
-    </p:spTree>
-    <p:extLst>
-      <p:ext uri="{BB962C8B-B14F-4D97-AF65-F5344CB8AC3E}">
-        <p14:creationId xmlns:p14="http://schemas.microsoft.com/office/powerpoint/2010/main" val="3250543329"/>
-      </p:ext>
-    </p:extLst>
-  </p:cSld>
-  <p:clrMapOvr>
-    <a:masterClrMapping/>
-  </p:clrMapOvr>
-</p:sld>
-</file>
-
 <file path=ppt/slides/slide16.xml><?xml version="1.0" encoding="utf-8"?>
 <p:sld xmlns:a="http://schemas.openxmlformats.org/drawingml/2006/main" xmlns:r="http://schemas.openxmlformats.org/officeDocument/2006/relationships" xmlns:p="http://schemas.openxmlformats.org/presentationml/2006/main">
   <p:cSld>
@@ -8210,12 +8259,8 @@
           <a:lstStyle/>
           <a:p>
             <a:r>
-              <a:rPr lang="it-IT" dirty="0"/>
-              <a:t>Service </a:t>
-            </a:r>
-            <a:r>
               <a:rPr lang="it-IT" dirty="0" err="1"/>
-              <a:t>ClusterIP</a:t>
+              <a:t>Configuration</a:t>
             </a:r>
             <a:endParaRPr lang="it-IT" dirty="0"/>
           </a:p>
@@ -8291,22 +8336,42 @@
           </a:bodyPr>
           <a:lstStyle/>
           <a:p>
-            <a:pPr fontAlgn="base"/>
+            <a:r>
+              <a:rPr lang="en-US" sz="2000" dirty="0"/>
+              <a:t>Kubernetes has an integrated pattern for decoupling configuration from application or container.</a:t>
+            </a:r>
+          </a:p>
+          <a:p>
+            <a:endParaRPr lang="en-US" sz="2000" dirty="0"/>
+          </a:p>
+          <a:p>
+            <a:endParaRPr lang="en-US" sz="2000" dirty="0"/>
+          </a:p>
+          <a:p>
+            <a:r>
+              <a:rPr lang="en-US" sz="2000" dirty="0"/>
+              <a:t>This pattern makes use of two Kubernetes components: </a:t>
+            </a:r>
             <a:r>
               <a:rPr lang="en-US" sz="2000" b="1" dirty="0" err="1"/>
-              <a:t>ClusterIP</a:t>
+              <a:t>ConfigMaps</a:t>
             </a:r>
             <a:r>
               <a:rPr lang="en-US" sz="2000" dirty="0"/>
-              <a:t> services exposes a service on a strictly cluster internal virtual IP.</a:t>
-            </a:r>
+              <a:t> and </a:t>
+            </a:r>
+            <a:r>
+              <a:rPr lang="en-US" sz="2000" b="1" dirty="0"/>
+              <a:t>Secrets.</a:t>
+            </a:r>
+            <a:endParaRPr lang="en-US" sz="2000" dirty="0"/>
           </a:p>
         </p:txBody>
       </p:sp>
     </p:spTree>
     <p:extLst>
       <p:ext uri="{BB962C8B-B14F-4D97-AF65-F5344CB8AC3E}">
-        <p14:creationId xmlns:p14="http://schemas.microsoft.com/office/powerpoint/2010/main" val="776424517"/>
+        <p14:creationId xmlns:p14="http://schemas.microsoft.com/office/powerpoint/2010/main" val="3366480905"/>
       </p:ext>
     </p:extLst>
   </p:cSld>
@@ -8335,104 +8400,6 @@
       </p:grpSpPr>
       <p:sp>
         <p:nvSpPr>
-          <p:cNvPr id="4" name="Rettangolo 3">
-            <a:extLst>
-              <a:ext uri="{FF2B5EF4-FFF2-40B4-BE49-F238E27FC236}">
-                <a16:creationId xmlns:a16="http://schemas.microsoft.com/office/drawing/2014/main" id="{57CE466D-8C75-4E04-A2A2-687F80849927}"/>
-              </a:ext>
-            </a:extLst>
-          </p:cNvPr>
-          <p:cNvSpPr/>
-          <p:nvPr/>
-        </p:nvSpPr>
-        <p:spPr>
-          <a:xfrm>
-            <a:off x="3384080" y="1529319"/>
-            <a:ext cx="1845129" cy="2743200"/>
-          </a:xfrm>
-          <a:prstGeom prst="rect">
-            <a:avLst/>
-          </a:prstGeom>
-          <a:solidFill>
-            <a:schemeClr val="bg1"/>
-          </a:solidFill>
-        </p:spPr>
-        <p:style>
-          <a:lnRef idx="2">
-            <a:schemeClr val="accent1">
-              <a:shade val="50000"/>
-            </a:schemeClr>
-          </a:lnRef>
-          <a:fillRef idx="1">
-            <a:schemeClr val="accent1"/>
-          </a:fillRef>
-          <a:effectRef idx="0">
-            <a:schemeClr val="accent1"/>
-          </a:effectRef>
-          <a:fontRef idx="minor">
-            <a:schemeClr val="lt1"/>
-          </a:fontRef>
-        </p:style>
-        <p:txBody>
-          <a:bodyPr rtlCol="0" anchor="ctr"/>
-          <a:lstStyle/>
-          <a:p>
-            <a:pPr algn="ctr"/>
-            <a:endParaRPr lang="it-IT"/>
-          </a:p>
-        </p:txBody>
-      </p:sp>
-      <p:sp>
-        <p:nvSpPr>
-          <p:cNvPr id="26" name="Rettangolo 25">
-            <a:extLst>
-              <a:ext uri="{FF2B5EF4-FFF2-40B4-BE49-F238E27FC236}">
-                <a16:creationId xmlns:a16="http://schemas.microsoft.com/office/drawing/2014/main" id="{F66F6ED8-EAA6-4FDA-AFF5-FC3BD82DC792}"/>
-              </a:ext>
-            </a:extLst>
-          </p:cNvPr>
-          <p:cNvSpPr/>
-          <p:nvPr/>
-        </p:nvSpPr>
-        <p:spPr>
-          <a:xfrm>
-            <a:off x="5603404" y="1536451"/>
-            <a:ext cx="1845129" cy="2743200"/>
-          </a:xfrm>
-          <a:prstGeom prst="rect">
-            <a:avLst/>
-          </a:prstGeom>
-          <a:solidFill>
-            <a:schemeClr val="bg1"/>
-          </a:solidFill>
-        </p:spPr>
-        <p:style>
-          <a:lnRef idx="2">
-            <a:schemeClr val="accent1">
-              <a:shade val="50000"/>
-            </a:schemeClr>
-          </a:lnRef>
-          <a:fillRef idx="1">
-            <a:schemeClr val="accent1"/>
-          </a:fillRef>
-          <a:effectRef idx="0">
-            <a:schemeClr val="accent1"/>
-          </a:effectRef>
-          <a:fontRef idx="minor">
-            <a:schemeClr val="lt1"/>
-          </a:fontRef>
-        </p:style>
-        <p:txBody>
-          <a:bodyPr rtlCol="0" anchor="ctr"/>
-          <a:lstStyle/>
-          <a:p>
-            <a:pPr algn="ctr"/>
-            <a:endParaRPr lang="it-IT" dirty="0"/>
-          </a:p>
-        </p:txBody>
-      </p:sp>
-      <p:sp>
-        <p:nvSpPr>
           <p:cNvPr id="2" name="Titolo 1">
             <a:extLst>
               <a:ext uri="{FF2B5EF4-FFF2-40B4-BE49-F238E27FC236}">
@@ -8453,12 +8420,8 @@
           <a:lstStyle/>
           <a:p>
             <a:r>
-              <a:rPr lang="it-IT" dirty="0"/>
-              <a:t>Service </a:t>
-            </a:r>
-            <a:r>
               <a:rPr lang="it-IT" dirty="0" err="1"/>
-              <a:t>ClusterIP</a:t>
+              <a:t>ConfigMap</a:t>
             </a:r>
             <a:endParaRPr lang="it-IT" dirty="0"/>
           </a:p>
@@ -8513,1139 +8476,92 @@
       </p:pic>
       <p:sp>
         <p:nvSpPr>
-          <p:cNvPr id="5" name="CasellaDiTesto 4">
-            <a:extLst>
-              <a:ext uri="{FF2B5EF4-FFF2-40B4-BE49-F238E27FC236}">
-                <a16:creationId xmlns:a16="http://schemas.microsoft.com/office/drawing/2014/main" id="{0790C00F-B3E7-4CF3-8AD1-EDB8D87A55FA}"/>
-              </a:ext>
-            </a:extLst>
-          </p:cNvPr>
-          <p:cNvSpPr txBox="1"/>
-          <p:nvPr/>
-        </p:nvSpPr>
-        <p:spPr>
-          <a:xfrm>
-            <a:off x="4051818" y="4014456"/>
-            <a:ext cx="1234633" cy="276999"/>
-          </a:xfrm>
-          <a:prstGeom prst="rect">
-            <a:avLst/>
-          </a:prstGeom>
-          <a:noFill/>
-        </p:spPr>
-        <p:txBody>
-          <a:bodyPr wrap="none" rtlCol="0">
-            <a:spAutoFit/>
-          </a:bodyPr>
-          <a:lstStyle/>
-          <a:p>
-            <a:r>
-              <a:rPr lang="it-IT" sz="1200" dirty="0"/>
-              <a:t>10.115.134.130</a:t>
-            </a:r>
-          </a:p>
-        </p:txBody>
-      </p:sp>
-      <p:pic>
-        <p:nvPicPr>
-          <p:cNvPr id="4098" name="Picture 2" descr="Risultati immagini per spring boot">
-            <a:extLst>
-              <a:ext uri="{FF2B5EF4-FFF2-40B4-BE49-F238E27FC236}">
-                <a16:creationId xmlns:a16="http://schemas.microsoft.com/office/drawing/2014/main" id="{2E058A85-1812-4D19-ABD4-8CA597CB7512}"/>
-              </a:ext>
-            </a:extLst>
-          </p:cNvPr>
-          <p:cNvPicPr>
-            <a:picLocks noChangeAspect="1" noChangeArrowheads="1"/>
-          </p:cNvPicPr>
-          <p:nvPr/>
-        </p:nvPicPr>
-        <p:blipFill>
-          <a:blip r:embed="rId3">
-            <a:extLst>
-              <a:ext uri="{28A0092B-C50C-407E-A947-70E740481C1C}">
-                <a14:useLocalDpi xmlns:a14="http://schemas.microsoft.com/office/drawing/2010/main" val="0"/>
-              </a:ext>
-            </a:extLst>
-          </a:blip>
-          <a:srcRect/>
-          <a:stretch>
-            <a:fillRect/>
-          </a:stretch>
-        </p:blipFill>
-        <p:spPr bwMode="auto">
-          <a:xfrm>
-            <a:off x="3483413" y="1554264"/>
-            <a:ext cx="595993" cy="595993"/>
-          </a:xfrm>
-          <a:prstGeom prst="rect">
-            <a:avLst/>
-          </a:prstGeom>
-          <a:noFill/>
-          <a:extLst>
-            <a:ext uri="{909E8E84-426E-40DD-AFC4-6F175D3DCCD1}">
-              <a14:hiddenFill xmlns:a14="http://schemas.microsoft.com/office/drawing/2010/main">
-                <a:solidFill>
-                  <a:srgbClr val="FFFFFF"/>
-                </a:solidFill>
-              </a14:hiddenFill>
-            </a:ext>
-          </a:extLst>
-        </p:spPr>
-      </p:pic>
-      <p:sp>
-        <p:nvSpPr>
-          <p:cNvPr id="3" name="Rettangolo 2">
-            <a:extLst>
-              <a:ext uri="{FF2B5EF4-FFF2-40B4-BE49-F238E27FC236}">
-                <a16:creationId xmlns:a16="http://schemas.microsoft.com/office/drawing/2014/main" id="{88C13140-B54C-4D69-842D-82019B886CC2}"/>
-              </a:ext>
-            </a:extLst>
-          </p:cNvPr>
-          <p:cNvSpPr/>
-          <p:nvPr/>
-        </p:nvSpPr>
-        <p:spPr>
-          <a:xfrm>
-            <a:off x="3449395" y="1566057"/>
-            <a:ext cx="914400" cy="740354"/>
-          </a:xfrm>
-          <a:prstGeom prst="rect">
-            <a:avLst/>
-          </a:prstGeom>
-          <a:noFill/>
-          <a:ln>
-            <a:solidFill>
-              <a:schemeClr val="accent1"/>
-            </a:solidFill>
-          </a:ln>
-        </p:spPr>
-        <p:style>
-          <a:lnRef idx="2">
-            <a:schemeClr val="accent1">
-              <a:shade val="50000"/>
-            </a:schemeClr>
-          </a:lnRef>
-          <a:fillRef idx="1">
-            <a:schemeClr val="accent1"/>
-          </a:fillRef>
-          <a:effectRef idx="0">
-            <a:schemeClr val="accent1"/>
-          </a:effectRef>
-          <a:fontRef idx="minor">
-            <a:schemeClr val="lt1"/>
-          </a:fontRef>
-        </p:style>
-        <p:txBody>
-          <a:bodyPr rtlCol="0" anchor="ctr"/>
-          <a:lstStyle/>
-          <a:p>
-            <a:pPr algn="ctr"/>
-            <a:endParaRPr lang="it-IT"/>
-          </a:p>
-        </p:txBody>
-      </p:sp>
-      <p:sp>
-        <p:nvSpPr>
-          <p:cNvPr id="29" name="CasellaDiTesto 28">
-            <a:extLst>
-              <a:ext uri="{FF2B5EF4-FFF2-40B4-BE49-F238E27FC236}">
-                <a16:creationId xmlns:a16="http://schemas.microsoft.com/office/drawing/2014/main" id="{0353218C-785A-4A4C-82B3-1CEE638D1071}"/>
-              </a:ext>
-            </a:extLst>
-          </p:cNvPr>
-          <p:cNvSpPr txBox="1"/>
-          <p:nvPr/>
-        </p:nvSpPr>
-        <p:spPr>
-          <a:xfrm>
-            <a:off x="3384080" y="2082674"/>
-            <a:ext cx="1002197" cy="261610"/>
-          </a:xfrm>
-          <a:prstGeom prst="rect">
-            <a:avLst/>
-          </a:prstGeom>
-          <a:noFill/>
-        </p:spPr>
-        <p:txBody>
-          <a:bodyPr wrap="none" rtlCol="0">
-            <a:spAutoFit/>
-          </a:bodyPr>
-          <a:lstStyle/>
-          <a:p>
-            <a:r>
-              <a:rPr lang="it-IT" sz="1100" dirty="0"/>
-              <a:t>192.168.0.56</a:t>
-            </a:r>
-          </a:p>
-        </p:txBody>
-      </p:sp>
-      <p:sp>
-        <p:nvSpPr>
-          <p:cNvPr id="30" name="CasellaDiTesto 29">
-            <a:extLst>
-              <a:ext uri="{FF2B5EF4-FFF2-40B4-BE49-F238E27FC236}">
-                <a16:creationId xmlns:a16="http://schemas.microsoft.com/office/drawing/2014/main" id="{AF272547-FDD8-4812-949C-5AA431433E36}"/>
-              </a:ext>
-            </a:extLst>
-          </p:cNvPr>
-          <p:cNvSpPr txBox="1"/>
-          <p:nvPr/>
-        </p:nvSpPr>
-        <p:spPr>
-          <a:xfrm>
-            <a:off x="3947417" y="2302531"/>
-            <a:ext cx="512371" cy="261610"/>
-          </a:xfrm>
-          <a:prstGeom prst="rect">
-            <a:avLst/>
-          </a:prstGeom>
-          <a:noFill/>
-        </p:spPr>
-        <p:txBody>
-          <a:bodyPr wrap="square" rtlCol="0">
-            <a:spAutoFit/>
-          </a:bodyPr>
-          <a:lstStyle/>
-          <a:p>
-            <a:r>
-              <a:rPr lang="it-IT" sz="1100" dirty="0"/>
-              <a:t>8080</a:t>
-            </a:r>
-          </a:p>
-        </p:txBody>
-      </p:sp>
-      <p:sp>
-        <p:nvSpPr>
-          <p:cNvPr id="6" name="Rettangolo 5">
-            <a:extLst>
-              <a:ext uri="{FF2B5EF4-FFF2-40B4-BE49-F238E27FC236}">
-                <a16:creationId xmlns:a16="http://schemas.microsoft.com/office/drawing/2014/main" id="{3A8F22D2-6ACC-4448-ADF5-3B51A97BAC64}"/>
-              </a:ext>
-            </a:extLst>
-          </p:cNvPr>
-          <p:cNvSpPr/>
-          <p:nvPr/>
-        </p:nvSpPr>
-        <p:spPr>
-          <a:xfrm>
-            <a:off x="4016157" y="2302531"/>
-            <a:ext cx="347638" cy="219857"/>
-          </a:xfrm>
-          <a:prstGeom prst="rect">
-            <a:avLst/>
-          </a:prstGeom>
-          <a:noFill/>
-          <a:ln>
-            <a:solidFill>
-              <a:schemeClr val="accent2"/>
-            </a:solidFill>
-          </a:ln>
-        </p:spPr>
-        <p:style>
-          <a:lnRef idx="2">
-            <a:schemeClr val="accent1">
-              <a:shade val="50000"/>
-            </a:schemeClr>
-          </a:lnRef>
-          <a:fillRef idx="1">
-            <a:schemeClr val="accent1"/>
-          </a:fillRef>
-          <a:effectRef idx="0">
-            <a:schemeClr val="accent1"/>
-          </a:effectRef>
-          <a:fontRef idx="minor">
-            <a:schemeClr val="lt1"/>
-          </a:fontRef>
-        </p:style>
-        <p:txBody>
-          <a:bodyPr rtlCol="0" anchor="ctr"/>
-          <a:lstStyle/>
-          <a:p>
-            <a:pPr algn="ctr"/>
-            <a:endParaRPr lang="it-IT"/>
-          </a:p>
-        </p:txBody>
-      </p:sp>
-      <p:sp>
-        <p:nvSpPr>
-          <p:cNvPr id="35" name="Rettangolo 34">
-            <a:extLst>
-              <a:ext uri="{FF2B5EF4-FFF2-40B4-BE49-F238E27FC236}">
-                <a16:creationId xmlns:a16="http://schemas.microsoft.com/office/drawing/2014/main" id="{7CCEB72C-6750-4008-A895-569489BEA3E3}"/>
-              </a:ext>
-            </a:extLst>
-          </p:cNvPr>
-          <p:cNvSpPr/>
-          <p:nvPr/>
-        </p:nvSpPr>
-        <p:spPr>
-          <a:xfrm>
-            <a:off x="4118863" y="4014457"/>
-            <a:ext cx="1094014" cy="226212"/>
-          </a:xfrm>
-          <a:prstGeom prst="rect">
-            <a:avLst/>
-          </a:prstGeom>
-          <a:noFill/>
-          <a:ln>
-            <a:solidFill>
-              <a:schemeClr val="accent2"/>
-            </a:solidFill>
-          </a:ln>
-        </p:spPr>
-        <p:style>
-          <a:lnRef idx="2">
-            <a:schemeClr val="accent1">
-              <a:shade val="50000"/>
-            </a:schemeClr>
-          </a:lnRef>
-          <a:fillRef idx="1">
-            <a:schemeClr val="accent1"/>
-          </a:fillRef>
-          <a:effectRef idx="0">
-            <a:schemeClr val="accent1"/>
-          </a:effectRef>
-          <a:fontRef idx="minor">
-            <a:schemeClr val="lt1"/>
-          </a:fontRef>
-        </p:style>
-        <p:txBody>
-          <a:bodyPr rtlCol="0" anchor="ctr"/>
-          <a:lstStyle/>
-          <a:p>
-            <a:pPr algn="ctr"/>
-            <a:endParaRPr lang="it-IT"/>
-          </a:p>
-        </p:txBody>
-      </p:sp>
-      <p:sp>
-        <p:nvSpPr>
-          <p:cNvPr id="36" name="CasellaDiTesto 35">
-            <a:extLst>
-              <a:ext uri="{FF2B5EF4-FFF2-40B4-BE49-F238E27FC236}">
-                <a16:creationId xmlns:a16="http://schemas.microsoft.com/office/drawing/2014/main" id="{20467A3D-E9E4-4A5F-9DD3-748FA204C854}"/>
-              </a:ext>
-            </a:extLst>
-          </p:cNvPr>
-          <p:cNvSpPr txBox="1"/>
-          <p:nvPr/>
-        </p:nvSpPr>
-        <p:spPr>
-          <a:xfrm>
-            <a:off x="6265980" y="4002652"/>
-            <a:ext cx="1234633" cy="276999"/>
-          </a:xfrm>
-          <a:prstGeom prst="rect">
-            <a:avLst/>
-          </a:prstGeom>
-          <a:noFill/>
-        </p:spPr>
-        <p:txBody>
-          <a:bodyPr wrap="none" rtlCol="0">
-            <a:spAutoFit/>
-          </a:bodyPr>
-          <a:lstStyle/>
-          <a:p>
-            <a:r>
-              <a:rPr lang="it-IT" sz="1200" dirty="0"/>
-              <a:t>10.115.134.131</a:t>
-            </a:r>
-          </a:p>
-        </p:txBody>
-      </p:sp>
-      <p:sp>
-        <p:nvSpPr>
-          <p:cNvPr id="37" name="Rettangolo 36">
-            <a:extLst>
-              <a:ext uri="{FF2B5EF4-FFF2-40B4-BE49-F238E27FC236}">
-                <a16:creationId xmlns:a16="http://schemas.microsoft.com/office/drawing/2014/main" id="{EDB0E59B-645A-4DEB-BAF7-F13C605CB67C}"/>
-              </a:ext>
-            </a:extLst>
-          </p:cNvPr>
-          <p:cNvSpPr/>
-          <p:nvPr/>
-        </p:nvSpPr>
-        <p:spPr>
-          <a:xfrm>
-            <a:off x="6336290" y="4019002"/>
-            <a:ext cx="1094014" cy="226212"/>
-          </a:xfrm>
-          <a:prstGeom prst="rect">
-            <a:avLst/>
-          </a:prstGeom>
-          <a:noFill/>
-          <a:ln>
-            <a:solidFill>
-              <a:schemeClr val="accent2"/>
-            </a:solidFill>
-          </a:ln>
-        </p:spPr>
-        <p:style>
-          <a:lnRef idx="2">
-            <a:schemeClr val="accent1">
-              <a:shade val="50000"/>
-            </a:schemeClr>
-          </a:lnRef>
-          <a:fillRef idx="1">
-            <a:schemeClr val="accent1"/>
-          </a:fillRef>
-          <a:effectRef idx="0">
-            <a:schemeClr val="accent1"/>
-          </a:effectRef>
-          <a:fontRef idx="minor">
-            <a:schemeClr val="lt1"/>
-          </a:fontRef>
-        </p:style>
-        <p:txBody>
-          <a:bodyPr rtlCol="0" anchor="ctr"/>
-          <a:lstStyle/>
-          <a:p>
-            <a:pPr algn="ctr"/>
-            <a:endParaRPr lang="it-IT"/>
-          </a:p>
-        </p:txBody>
-      </p:sp>
-      <p:sp>
-        <p:nvSpPr>
-          <p:cNvPr id="41" name="CasellaDiTesto 40">
-            <a:extLst>
-              <a:ext uri="{FF2B5EF4-FFF2-40B4-BE49-F238E27FC236}">
-                <a16:creationId xmlns:a16="http://schemas.microsoft.com/office/drawing/2014/main" id="{ACF3AC55-A49B-4DD9-8A96-D4F58D5808DF}"/>
-              </a:ext>
-            </a:extLst>
-          </p:cNvPr>
-          <p:cNvSpPr txBox="1"/>
-          <p:nvPr/>
-        </p:nvSpPr>
-        <p:spPr>
-          <a:xfrm>
-            <a:off x="3668258" y="4287837"/>
-            <a:ext cx="901209" cy="369332"/>
-          </a:xfrm>
-          <a:prstGeom prst="rect">
-            <a:avLst/>
-          </a:prstGeom>
-          <a:noFill/>
-        </p:spPr>
-        <p:txBody>
-          <a:bodyPr wrap="none" rtlCol="0">
-            <a:spAutoFit/>
-          </a:bodyPr>
-          <a:lstStyle/>
-          <a:p>
-            <a:r>
-              <a:rPr lang="it-IT" dirty="0" err="1"/>
-              <a:t>Node</a:t>
-            </a:r>
-            <a:r>
-              <a:rPr lang="it-IT" dirty="0"/>
-              <a:t> 2</a:t>
-            </a:r>
-          </a:p>
-        </p:txBody>
-      </p:sp>
-      <p:sp>
-        <p:nvSpPr>
-          <p:cNvPr id="42" name="CasellaDiTesto 41">
-            <a:extLst>
-              <a:ext uri="{FF2B5EF4-FFF2-40B4-BE49-F238E27FC236}">
-                <a16:creationId xmlns:a16="http://schemas.microsoft.com/office/drawing/2014/main" id="{F84DE41D-5B77-4C0A-AB4A-0C97F350BA7C}"/>
-              </a:ext>
-            </a:extLst>
-          </p:cNvPr>
-          <p:cNvSpPr txBox="1"/>
-          <p:nvPr/>
-        </p:nvSpPr>
-        <p:spPr>
-          <a:xfrm>
-            <a:off x="5925489" y="4272519"/>
-            <a:ext cx="901209" cy="369332"/>
-          </a:xfrm>
-          <a:prstGeom prst="rect">
-            <a:avLst/>
-          </a:prstGeom>
-          <a:noFill/>
-        </p:spPr>
-        <p:txBody>
-          <a:bodyPr wrap="none" rtlCol="0">
-            <a:spAutoFit/>
-          </a:bodyPr>
-          <a:lstStyle/>
-          <a:p>
-            <a:r>
-              <a:rPr lang="it-IT" dirty="0" err="1"/>
-              <a:t>Node</a:t>
-            </a:r>
-            <a:r>
-              <a:rPr lang="it-IT" dirty="0"/>
-              <a:t> 3</a:t>
-            </a:r>
-          </a:p>
-        </p:txBody>
-      </p:sp>
-      <p:sp>
-        <p:nvSpPr>
-          <p:cNvPr id="58" name="Rettangolo 57">
-            <a:extLst>
-              <a:ext uri="{FF2B5EF4-FFF2-40B4-BE49-F238E27FC236}">
-                <a16:creationId xmlns:a16="http://schemas.microsoft.com/office/drawing/2014/main" id="{D3860248-DCC0-423D-B761-FD21D19A8C3E}"/>
-              </a:ext>
-            </a:extLst>
-          </p:cNvPr>
-          <p:cNvSpPr/>
-          <p:nvPr/>
-        </p:nvSpPr>
-        <p:spPr>
-          <a:xfrm>
-            <a:off x="1266098" y="1526379"/>
-            <a:ext cx="1845129" cy="2743200"/>
-          </a:xfrm>
-          <a:prstGeom prst="rect">
-            <a:avLst/>
-          </a:prstGeom>
-          <a:solidFill>
-            <a:schemeClr val="bg1"/>
-          </a:solidFill>
-        </p:spPr>
-        <p:style>
-          <a:lnRef idx="2">
-            <a:schemeClr val="accent1">
-              <a:shade val="50000"/>
-            </a:schemeClr>
-          </a:lnRef>
-          <a:fillRef idx="1">
-            <a:schemeClr val="accent1"/>
-          </a:fillRef>
-          <a:effectRef idx="0">
-            <a:schemeClr val="accent1"/>
-          </a:effectRef>
-          <a:fontRef idx="minor">
-            <a:schemeClr val="lt1"/>
-          </a:fontRef>
-        </p:style>
-        <p:txBody>
-          <a:bodyPr rtlCol="0" anchor="ctr"/>
-          <a:lstStyle/>
-          <a:p>
-            <a:pPr algn="ctr"/>
-            <a:endParaRPr lang="it-IT"/>
-          </a:p>
-        </p:txBody>
-      </p:sp>
-      <p:sp>
-        <p:nvSpPr>
-          <p:cNvPr id="59" name="CasellaDiTesto 58">
-            <a:extLst>
-              <a:ext uri="{FF2B5EF4-FFF2-40B4-BE49-F238E27FC236}">
-                <a16:creationId xmlns:a16="http://schemas.microsoft.com/office/drawing/2014/main" id="{C10D9C76-FC4B-4DDA-9261-877E040933C3}"/>
-              </a:ext>
-            </a:extLst>
-          </p:cNvPr>
-          <p:cNvSpPr txBox="1"/>
-          <p:nvPr/>
-        </p:nvSpPr>
-        <p:spPr>
-          <a:xfrm>
-            <a:off x="1933836" y="4011516"/>
-            <a:ext cx="1234633" cy="276999"/>
-          </a:xfrm>
-          <a:prstGeom prst="rect">
-            <a:avLst/>
-          </a:prstGeom>
-          <a:noFill/>
-        </p:spPr>
-        <p:txBody>
-          <a:bodyPr wrap="none" rtlCol="0">
-            <a:spAutoFit/>
-          </a:bodyPr>
-          <a:lstStyle/>
-          <a:p>
-            <a:r>
-              <a:rPr lang="it-IT" sz="1200" dirty="0"/>
-              <a:t>10.115.134.129</a:t>
-            </a:r>
-          </a:p>
-        </p:txBody>
-      </p:sp>
-      <p:sp>
-        <p:nvSpPr>
-          <p:cNvPr id="65" name="Rettangolo 64">
-            <a:extLst>
-              <a:ext uri="{FF2B5EF4-FFF2-40B4-BE49-F238E27FC236}">
-                <a16:creationId xmlns:a16="http://schemas.microsoft.com/office/drawing/2014/main" id="{3D6DBF33-5B17-407E-9BAF-B03CEDA620E8}"/>
-              </a:ext>
-            </a:extLst>
-          </p:cNvPr>
-          <p:cNvSpPr/>
-          <p:nvPr/>
-        </p:nvSpPr>
-        <p:spPr>
-          <a:xfrm>
-            <a:off x="2000881" y="4011517"/>
-            <a:ext cx="1094014" cy="226212"/>
-          </a:xfrm>
-          <a:prstGeom prst="rect">
-            <a:avLst/>
-          </a:prstGeom>
-          <a:noFill/>
-          <a:ln>
-            <a:solidFill>
-              <a:schemeClr val="accent2"/>
-            </a:solidFill>
-          </a:ln>
-        </p:spPr>
-        <p:style>
-          <a:lnRef idx="2">
-            <a:schemeClr val="accent1">
-              <a:shade val="50000"/>
-            </a:schemeClr>
-          </a:lnRef>
-          <a:fillRef idx="1">
-            <a:schemeClr val="accent1"/>
-          </a:fillRef>
-          <a:effectRef idx="0">
-            <a:schemeClr val="accent1"/>
-          </a:effectRef>
-          <a:fontRef idx="minor">
-            <a:schemeClr val="lt1"/>
-          </a:fontRef>
-        </p:style>
-        <p:txBody>
-          <a:bodyPr rtlCol="0" anchor="ctr"/>
-          <a:lstStyle/>
-          <a:p>
-            <a:pPr algn="ctr"/>
-            <a:endParaRPr lang="it-IT"/>
-          </a:p>
-        </p:txBody>
-      </p:sp>
-      <p:sp>
-        <p:nvSpPr>
-          <p:cNvPr id="67" name="CasellaDiTesto 66">
-            <a:extLst>
-              <a:ext uri="{FF2B5EF4-FFF2-40B4-BE49-F238E27FC236}">
-                <a16:creationId xmlns:a16="http://schemas.microsoft.com/office/drawing/2014/main" id="{FE418E98-7248-4A7D-9079-2A7B8BC407FD}"/>
-              </a:ext>
-            </a:extLst>
-          </p:cNvPr>
-          <p:cNvSpPr txBox="1"/>
-          <p:nvPr/>
-        </p:nvSpPr>
-        <p:spPr>
-          <a:xfrm>
-            <a:off x="1550276" y="4284897"/>
-            <a:ext cx="901209" cy="369332"/>
-          </a:xfrm>
-          <a:prstGeom prst="rect">
-            <a:avLst/>
-          </a:prstGeom>
-          <a:noFill/>
-        </p:spPr>
-        <p:txBody>
-          <a:bodyPr wrap="none" rtlCol="0">
-            <a:spAutoFit/>
-          </a:bodyPr>
-          <a:lstStyle/>
-          <a:p>
-            <a:r>
-              <a:rPr lang="it-IT" dirty="0" err="1"/>
-              <a:t>Node</a:t>
-            </a:r>
-            <a:r>
-              <a:rPr lang="it-IT" dirty="0"/>
-              <a:t> 1</a:t>
-            </a:r>
-          </a:p>
-        </p:txBody>
-      </p:sp>
-      <p:sp>
-        <p:nvSpPr>
-          <p:cNvPr id="34" name="Rettangolo 33">
-            <a:extLst>
-              <a:ext uri="{FF2B5EF4-FFF2-40B4-BE49-F238E27FC236}">
-                <a16:creationId xmlns:a16="http://schemas.microsoft.com/office/drawing/2014/main" id="{79DF3C94-5841-47DE-9F37-1EF328C6DB6B}"/>
-              </a:ext>
-            </a:extLst>
-          </p:cNvPr>
-          <p:cNvSpPr/>
-          <p:nvPr/>
-        </p:nvSpPr>
-        <p:spPr>
-          <a:xfrm>
-            <a:off x="6489572" y="1566057"/>
-            <a:ext cx="914400" cy="740354"/>
-          </a:xfrm>
-          <a:prstGeom prst="rect">
-            <a:avLst/>
-          </a:prstGeom>
-          <a:noFill/>
-          <a:ln>
-            <a:solidFill>
-              <a:schemeClr val="accent1"/>
-            </a:solidFill>
-          </a:ln>
-        </p:spPr>
-        <p:style>
-          <a:lnRef idx="2">
-            <a:schemeClr val="accent1">
-              <a:shade val="50000"/>
-            </a:schemeClr>
-          </a:lnRef>
-          <a:fillRef idx="1">
-            <a:schemeClr val="accent1"/>
-          </a:fillRef>
-          <a:effectRef idx="0">
-            <a:schemeClr val="accent1"/>
-          </a:effectRef>
-          <a:fontRef idx="minor">
-            <a:schemeClr val="lt1"/>
-          </a:fontRef>
-        </p:style>
-        <p:txBody>
-          <a:bodyPr rtlCol="0" anchor="ctr"/>
-          <a:lstStyle/>
-          <a:p>
-            <a:pPr algn="ctr"/>
-            <a:endParaRPr lang="it-IT"/>
-          </a:p>
-        </p:txBody>
-      </p:sp>
-      <p:sp>
-        <p:nvSpPr>
-          <p:cNvPr id="38" name="Rettangolo 37">
-            <a:extLst>
-              <a:ext uri="{FF2B5EF4-FFF2-40B4-BE49-F238E27FC236}">
-                <a16:creationId xmlns:a16="http://schemas.microsoft.com/office/drawing/2014/main" id="{AFE7F8B5-A64F-4ED7-A707-994C7E822FC4}"/>
-              </a:ext>
-            </a:extLst>
-          </p:cNvPr>
-          <p:cNvSpPr/>
-          <p:nvPr/>
-        </p:nvSpPr>
-        <p:spPr>
-          <a:xfrm>
-            <a:off x="7056334" y="2302531"/>
-            <a:ext cx="347638" cy="219857"/>
-          </a:xfrm>
-          <a:prstGeom prst="rect">
-            <a:avLst/>
-          </a:prstGeom>
-          <a:noFill/>
-          <a:ln>
-            <a:solidFill>
-              <a:schemeClr val="accent2"/>
-            </a:solidFill>
-          </a:ln>
-        </p:spPr>
-        <p:style>
-          <a:lnRef idx="2">
-            <a:schemeClr val="accent1">
-              <a:shade val="50000"/>
-            </a:schemeClr>
-          </a:lnRef>
-          <a:fillRef idx="1">
-            <a:schemeClr val="accent1"/>
-          </a:fillRef>
-          <a:effectRef idx="0">
-            <a:schemeClr val="accent1"/>
-          </a:effectRef>
-          <a:fontRef idx="minor">
-            <a:schemeClr val="lt1"/>
-          </a:fontRef>
-        </p:style>
-        <p:txBody>
-          <a:bodyPr rtlCol="0" anchor="ctr"/>
-          <a:lstStyle/>
-          <a:p>
-            <a:pPr algn="ctr"/>
-            <a:endParaRPr lang="it-IT"/>
-          </a:p>
-        </p:txBody>
-      </p:sp>
-      <p:sp>
-        <p:nvSpPr>
-          <p:cNvPr id="9" name="CasellaDiTesto 8">
-            <a:extLst>
-              <a:ext uri="{FF2B5EF4-FFF2-40B4-BE49-F238E27FC236}">
-                <a16:creationId xmlns:a16="http://schemas.microsoft.com/office/drawing/2014/main" id="{15AF7782-0331-47E0-A7F8-A90BA6EDE2D9}"/>
-              </a:ext>
-            </a:extLst>
-          </p:cNvPr>
-          <p:cNvSpPr txBox="1"/>
-          <p:nvPr/>
-        </p:nvSpPr>
-        <p:spPr>
-          <a:xfrm>
-            <a:off x="6986282" y="2281654"/>
-            <a:ext cx="479618" cy="261610"/>
-          </a:xfrm>
-          <a:prstGeom prst="rect">
-            <a:avLst/>
-          </a:prstGeom>
-          <a:noFill/>
-        </p:spPr>
-        <p:txBody>
-          <a:bodyPr wrap="none" rtlCol="0">
-            <a:spAutoFit/>
-          </a:bodyPr>
-          <a:lstStyle/>
-          <a:p>
-            <a:r>
-              <a:rPr lang="it-IT" sz="1100" dirty="0"/>
-              <a:t>3306</a:t>
-            </a:r>
-          </a:p>
-        </p:txBody>
-      </p:sp>
-      <p:pic>
-        <p:nvPicPr>
-          <p:cNvPr id="1026" name="Picture 2" descr="Risultati immagini per mysql icon">
-            <a:extLst>
-              <a:ext uri="{FF2B5EF4-FFF2-40B4-BE49-F238E27FC236}">
-                <a16:creationId xmlns:a16="http://schemas.microsoft.com/office/drawing/2014/main" id="{72C42FF4-7BBD-4247-8E2B-FA24072836EC}"/>
-              </a:ext>
-            </a:extLst>
-          </p:cNvPr>
-          <p:cNvPicPr>
-            <a:picLocks noChangeAspect="1" noChangeArrowheads="1"/>
-          </p:cNvPicPr>
-          <p:nvPr/>
-        </p:nvPicPr>
-        <p:blipFill>
-          <a:blip r:embed="rId4">
-            <a:extLst>
-              <a:ext uri="{28A0092B-C50C-407E-A947-70E740481C1C}">
-                <a14:useLocalDpi xmlns:a14="http://schemas.microsoft.com/office/drawing/2010/main" val="0"/>
-              </a:ext>
-            </a:extLst>
-          </a:blip>
-          <a:srcRect/>
-          <a:stretch>
-            <a:fillRect/>
-          </a:stretch>
-        </p:blipFill>
-        <p:spPr bwMode="auto">
-          <a:xfrm>
-            <a:off x="6594446" y="1560612"/>
-            <a:ext cx="560703" cy="560703"/>
-          </a:xfrm>
-          <a:prstGeom prst="rect">
-            <a:avLst/>
-          </a:prstGeom>
-          <a:noFill/>
-          <a:extLst>
-            <a:ext uri="{909E8E84-426E-40DD-AFC4-6F175D3DCCD1}">
-              <a14:hiddenFill xmlns:a14="http://schemas.microsoft.com/office/drawing/2010/main">
-                <a:solidFill>
-                  <a:srgbClr val="FFFFFF"/>
-                </a:solidFill>
-              </a14:hiddenFill>
-            </a:ext>
-          </a:extLst>
-        </p:spPr>
-      </p:pic>
-      <p:sp>
-        <p:nvSpPr>
-          <p:cNvPr id="10" name="Rombo 9">
-            <a:extLst>
-              <a:ext uri="{FF2B5EF4-FFF2-40B4-BE49-F238E27FC236}">
-                <a16:creationId xmlns:a16="http://schemas.microsoft.com/office/drawing/2014/main" id="{E7632ADC-A03B-46ED-92FE-6F52E8DD9212}"/>
-              </a:ext>
-            </a:extLst>
-          </p:cNvPr>
-          <p:cNvSpPr/>
-          <p:nvPr/>
-        </p:nvSpPr>
-        <p:spPr>
-          <a:xfrm>
-            <a:off x="4740787" y="2153496"/>
-            <a:ext cx="1374852" cy="1320800"/>
-          </a:xfrm>
-          <a:prstGeom prst="diamond">
-            <a:avLst/>
-          </a:prstGeom>
-          <a:solidFill>
-            <a:schemeClr val="bg1"/>
-          </a:solidFill>
-          <a:ln>
-            <a:solidFill>
-              <a:schemeClr val="accent4"/>
-            </a:solidFill>
-          </a:ln>
-        </p:spPr>
-        <p:style>
-          <a:lnRef idx="2">
-            <a:schemeClr val="accent1">
-              <a:shade val="50000"/>
-            </a:schemeClr>
-          </a:lnRef>
-          <a:fillRef idx="1">
-            <a:schemeClr val="accent1"/>
-          </a:fillRef>
-          <a:effectRef idx="0">
-            <a:schemeClr val="accent1"/>
-          </a:effectRef>
-          <a:fontRef idx="minor">
-            <a:schemeClr val="lt1"/>
-          </a:fontRef>
-        </p:style>
-        <p:txBody>
-          <a:bodyPr rtlCol="0" anchor="ctr"/>
-          <a:lstStyle/>
-          <a:p>
-            <a:pPr algn="ctr"/>
-            <a:endParaRPr lang="it-IT" sz="700" dirty="0">
-              <a:solidFill>
-                <a:schemeClr val="tx1"/>
-              </a:solidFill>
-            </a:endParaRPr>
-          </a:p>
-        </p:txBody>
-      </p:sp>
-      <p:sp>
-        <p:nvSpPr>
-          <p:cNvPr id="11" name="CasellaDiTesto 10">
-            <a:extLst>
-              <a:ext uri="{FF2B5EF4-FFF2-40B4-BE49-F238E27FC236}">
-                <a16:creationId xmlns:a16="http://schemas.microsoft.com/office/drawing/2014/main" id="{C53FAD3B-004C-4DDB-ACBD-E844C868A19D}"/>
-              </a:ext>
-            </a:extLst>
-          </p:cNvPr>
-          <p:cNvSpPr txBox="1"/>
-          <p:nvPr/>
-        </p:nvSpPr>
-        <p:spPr>
-          <a:xfrm>
-            <a:off x="5075148" y="2592930"/>
-            <a:ext cx="679994" cy="461665"/>
-          </a:xfrm>
-          <a:prstGeom prst="rect">
-            <a:avLst/>
-          </a:prstGeom>
-          <a:noFill/>
-        </p:spPr>
-        <p:txBody>
-          <a:bodyPr wrap="none" rtlCol="0">
-            <a:spAutoFit/>
-          </a:bodyPr>
-          <a:lstStyle/>
-          <a:p>
-            <a:pPr algn="ctr"/>
-            <a:r>
-              <a:rPr lang="it-IT" sz="1200" dirty="0" err="1"/>
-              <a:t>mysql</a:t>
-            </a:r>
-            <a:endParaRPr lang="it-IT" sz="1200" dirty="0"/>
-          </a:p>
-          <a:p>
-            <a:pPr algn="ctr"/>
-            <a:r>
-              <a:rPr lang="it-IT" sz="1200" dirty="0"/>
-              <a:t>Service</a:t>
-            </a:r>
-          </a:p>
-        </p:txBody>
-      </p:sp>
-      <p:sp>
-        <p:nvSpPr>
-          <p:cNvPr id="12" name="Rettangolo 11">
-            <a:extLst>
-              <a:ext uri="{FF2B5EF4-FFF2-40B4-BE49-F238E27FC236}">
-                <a16:creationId xmlns:a16="http://schemas.microsoft.com/office/drawing/2014/main" id="{6CA0F7AD-9F55-4807-AEA8-A193570F7E66}"/>
-              </a:ext>
-            </a:extLst>
-          </p:cNvPr>
-          <p:cNvSpPr/>
-          <p:nvPr/>
-        </p:nvSpPr>
-        <p:spPr>
-          <a:xfrm>
-            <a:off x="4740787" y="3496130"/>
-            <a:ext cx="1525193" cy="441840"/>
-          </a:xfrm>
-          <a:prstGeom prst="rect">
-            <a:avLst/>
-          </a:prstGeom>
-          <a:solidFill>
-            <a:schemeClr val="bg1"/>
-          </a:solidFill>
-          <a:ln>
-            <a:solidFill>
-              <a:schemeClr val="accent4"/>
-            </a:solidFill>
-          </a:ln>
-        </p:spPr>
-        <p:style>
-          <a:lnRef idx="2">
-            <a:schemeClr val="accent1">
-              <a:shade val="50000"/>
-            </a:schemeClr>
-          </a:lnRef>
-          <a:fillRef idx="1">
-            <a:schemeClr val="accent1"/>
-          </a:fillRef>
-          <a:effectRef idx="0">
-            <a:schemeClr val="accent1"/>
-          </a:effectRef>
-          <a:fontRef idx="minor">
-            <a:schemeClr val="lt1"/>
-          </a:fontRef>
-        </p:style>
-        <p:txBody>
-          <a:bodyPr rtlCol="0" anchor="ctr"/>
-          <a:lstStyle/>
-          <a:p>
-            <a:pPr algn="ctr"/>
-            <a:r>
-              <a:rPr lang="it-IT" sz="1100" dirty="0">
-                <a:solidFill>
-                  <a:schemeClr val="tx1"/>
-                </a:solidFill>
-              </a:rPr>
-              <a:t>10.108.134.167:3306</a:t>
-            </a:r>
-          </a:p>
-          <a:p>
-            <a:pPr algn="ctr"/>
-            <a:r>
-              <a:rPr lang="it-IT" sz="1100" dirty="0">
-                <a:solidFill>
-                  <a:schemeClr val="tx1"/>
-                </a:solidFill>
-              </a:rPr>
-              <a:t>mysql:3306</a:t>
-            </a:r>
-          </a:p>
-        </p:txBody>
-      </p:sp>
-      <p:cxnSp>
-        <p:nvCxnSpPr>
-          <p:cNvPr id="17" name="Connettore a gomito 16">
-            <a:extLst>
-              <a:ext uri="{FF2B5EF4-FFF2-40B4-BE49-F238E27FC236}">
-                <a16:creationId xmlns:a16="http://schemas.microsoft.com/office/drawing/2014/main" id="{11EAA4BF-23D2-4139-8DF0-CFB9B3292B0F}"/>
-              </a:ext>
-            </a:extLst>
-          </p:cNvPr>
-          <p:cNvCxnSpPr>
-            <a:cxnSpLocks/>
-            <a:stCxn id="3" idx="3"/>
-            <a:endCxn id="12" idx="1"/>
-          </p:cNvCxnSpPr>
-          <p:nvPr/>
-        </p:nvCxnSpPr>
-        <p:spPr>
-          <a:xfrm>
-            <a:off x="4363795" y="1936234"/>
-            <a:ext cx="376992" cy="1780816"/>
-          </a:xfrm>
-          <a:prstGeom prst="bentConnector3">
-            <a:avLst>
-              <a:gd name="adj1" fmla="val 50000"/>
-            </a:avLst>
-          </a:prstGeom>
-          <a:ln>
-            <a:tailEnd type="triangle"/>
-          </a:ln>
-        </p:spPr>
-        <p:style>
-          <a:lnRef idx="2">
-            <a:schemeClr val="accent1"/>
-          </a:lnRef>
-          <a:fillRef idx="0">
-            <a:schemeClr val="accent1"/>
-          </a:fillRef>
-          <a:effectRef idx="1">
-            <a:schemeClr val="accent1"/>
-          </a:effectRef>
-          <a:fontRef idx="minor">
-            <a:schemeClr val="tx1"/>
-          </a:fontRef>
-        </p:style>
-      </p:cxnSp>
-      <p:cxnSp>
-        <p:nvCxnSpPr>
-          <p:cNvPr id="48" name="Connettore a gomito 47">
-            <a:extLst>
-              <a:ext uri="{FF2B5EF4-FFF2-40B4-BE49-F238E27FC236}">
-                <a16:creationId xmlns:a16="http://schemas.microsoft.com/office/drawing/2014/main" id="{A13EC107-0BCE-4935-8B39-A5A7DC12E8EB}"/>
-              </a:ext>
-            </a:extLst>
-          </p:cNvPr>
-          <p:cNvCxnSpPr>
-            <a:cxnSpLocks/>
-            <a:stCxn id="12" idx="3"/>
-            <a:endCxn id="9" idx="2"/>
-          </p:cNvCxnSpPr>
-          <p:nvPr/>
-        </p:nvCxnSpPr>
-        <p:spPr>
-          <a:xfrm flipV="1">
-            <a:off x="6265980" y="2543264"/>
-            <a:ext cx="960111" cy="1173786"/>
-          </a:xfrm>
-          <a:prstGeom prst="bentConnector2">
-            <a:avLst/>
-          </a:prstGeom>
-          <a:ln>
-            <a:tailEnd type="triangle"/>
-          </a:ln>
-        </p:spPr>
-        <p:style>
-          <a:lnRef idx="2">
-            <a:schemeClr val="accent1"/>
-          </a:lnRef>
-          <a:fillRef idx="0">
-            <a:schemeClr val="accent1"/>
-          </a:fillRef>
-          <a:effectRef idx="1">
-            <a:schemeClr val="accent1"/>
-          </a:effectRef>
-          <a:fontRef idx="minor">
-            <a:schemeClr val="tx1"/>
-          </a:fontRef>
-        </p:style>
-      </p:cxnSp>
-      <p:sp>
-        <p:nvSpPr>
-          <p:cNvPr id="31" name="CasellaDiTesto 30">
-            <a:extLst>
-              <a:ext uri="{FF2B5EF4-FFF2-40B4-BE49-F238E27FC236}">
-                <a16:creationId xmlns:a16="http://schemas.microsoft.com/office/drawing/2014/main" id="{42FADE19-07BA-4AC8-80C0-E2D84D838375}"/>
-              </a:ext>
-            </a:extLst>
-          </p:cNvPr>
-          <p:cNvSpPr txBox="1"/>
-          <p:nvPr/>
-        </p:nvSpPr>
-        <p:spPr>
-          <a:xfrm>
-            <a:off x="6432592" y="2030350"/>
-            <a:ext cx="1002197" cy="261610"/>
-          </a:xfrm>
-          <a:prstGeom prst="rect">
-            <a:avLst/>
-          </a:prstGeom>
-          <a:noFill/>
-        </p:spPr>
-        <p:txBody>
-          <a:bodyPr wrap="none" rtlCol="0">
-            <a:spAutoFit/>
-          </a:bodyPr>
-          <a:lstStyle/>
-          <a:p>
-            <a:r>
-              <a:rPr lang="it-IT" sz="1100" dirty="0"/>
-              <a:t>192.168.0.87</a:t>
-            </a:r>
+          <p:cNvPr id="4" name="Segnaposto contenuto 3">
+            <a:extLst>
+              <a:ext uri="{FF2B5EF4-FFF2-40B4-BE49-F238E27FC236}">
+                <a16:creationId xmlns:a16="http://schemas.microsoft.com/office/drawing/2014/main" id="{725997EF-BA1F-48AA-9CD4-DB729382E2A8}"/>
+              </a:ext>
+            </a:extLst>
+          </p:cNvPr>
+          <p:cNvSpPr>
+            <a:spLocks noGrp="1"/>
+          </p:cNvSpPr>
+          <p:nvPr>
+            <p:ph idx="1"/>
+          </p:nvPr>
+        </p:nvSpPr>
+        <p:spPr/>
+        <p:txBody>
+          <a:bodyPr/>
+          <a:lstStyle/>
+          <a:p>
+            <a:pPr fontAlgn="base"/>
+            <a:r>
+              <a:rPr lang="en-US" sz="2000" dirty="0"/>
+              <a:t>Externalized data stored within </a:t>
+            </a:r>
+            <a:r>
+              <a:rPr lang="en-US" sz="2000" dirty="0" err="1"/>
+              <a:t>kubernetes</a:t>
+            </a:r>
+            <a:r>
+              <a:rPr lang="en-US" sz="2000" dirty="0"/>
+              <a:t>.</a:t>
+            </a:r>
+          </a:p>
+          <a:p>
+            <a:pPr fontAlgn="base"/>
+            <a:endParaRPr lang="en-US" sz="2000" dirty="0"/>
+          </a:p>
+          <a:p>
+            <a:pPr fontAlgn="base"/>
+            <a:r>
+              <a:rPr lang="en-US" sz="2000" dirty="0"/>
+              <a:t>Can be referenced through several different means:</a:t>
+            </a:r>
+          </a:p>
+          <a:p>
+            <a:pPr lvl="1" fontAlgn="base"/>
+            <a:r>
+              <a:rPr lang="en-US" sz="1800" dirty="0"/>
+              <a:t>environment variable</a:t>
+            </a:r>
+          </a:p>
+          <a:p>
+            <a:pPr lvl="1" fontAlgn="base"/>
+            <a:r>
+              <a:rPr lang="en-US" sz="1800" dirty="0"/>
+              <a:t>a command line argument (via env var)</a:t>
+            </a:r>
+          </a:p>
+          <a:p>
+            <a:pPr lvl="1" fontAlgn="base"/>
+            <a:r>
+              <a:rPr lang="en-US" sz="1800" dirty="0"/>
+              <a:t>injected as a file into a volume mount</a:t>
+            </a:r>
+          </a:p>
+          <a:p>
+            <a:pPr lvl="1" fontAlgn="base"/>
+            <a:endParaRPr lang="en-US" sz="1800" dirty="0"/>
+          </a:p>
+          <a:p>
+            <a:pPr fontAlgn="base"/>
+            <a:r>
+              <a:rPr lang="en-US" sz="2000" dirty="0"/>
+              <a:t>Can be created from a manifest, literals, directories, or files directly.</a:t>
+            </a:r>
+          </a:p>
+          <a:p>
+            <a:pPr fontAlgn="base"/>
+            <a:endParaRPr lang="en-US" dirty="0"/>
           </a:p>
         </p:txBody>
       </p:sp>
     </p:spTree>
     <p:extLst>
       <p:ext uri="{BB962C8B-B14F-4D97-AF65-F5344CB8AC3E}">
-        <p14:creationId xmlns:p14="http://schemas.microsoft.com/office/powerpoint/2010/main" val="1157570168"/>
+        <p14:creationId xmlns:p14="http://schemas.microsoft.com/office/powerpoint/2010/main" val="3250543329"/>
       </p:ext>
     </p:extLst>
   </p:cSld>
@@ -9695,8 +8611,13 @@
           <a:p>
             <a:r>
               <a:rPr lang="it-IT" dirty="0"/>
-              <a:t>Secret</a:t>
-            </a:r>
+              <a:t>Service </a:t>
+            </a:r>
+            <a:r>
+              <a:rPr lang="it-IT" dirty="0" err="1"/>
+              <a:t>ClusterIP</a:t>
+            </a:r>
+            <a:endParaRPr lang="it-IT" dirty="0"/>
           </a:p>
         </p:txBody>
       </p:sp>
@@ -9765,71 +8686,1366 @@
         </p:nvSpPr>
         <p:spPr/>
         <p:txBody>
-          <a:bodyPr/>
+          <a:bodyPr>
+            <a:normAutofit/>
+          </a:bodyPr>
           <a:lstStyle/>
           <a:p>
             <a:pPr fontAlgn="base"/>
             <a:r>
+              <a:rPr lang="en-US" sz="2000" b="1" dirty="0" err="1"/>
+              <a:t>ClusterIP</a:t>
+            </a:r>
+            <a:r>
               <a:rPr lang="en-US" sz="2000" dirty="0"/>
-              <a:t>Functionally identical to a </a:t>
-            </a:r>
-            <a:r>
-              <a:rPr lang="en-US" sz="2000" dirty="0" err="1"/>
-              <a:t>ConfigMap</a:t>
-            </a:r>
-            <a:r>
-              <a:rPr lang="en-US" sz="2000" dirty="0"/>
-              <a:t>.</a:t>
-            </a:r>
-          </a:p>
-          <a:p>
-            <a:pPr fontAlgn="base"/>
-            <a:endParaRPr lang="en-US" sz="2000" dirty="0"/>
-          </a:p>
-          <a:p>
-            <a:pPr fontAlgn="base"/>
-            <a:r>
-              <a:rPr lang="en-US" sz="2000" dirty="0"/>
-              <a:t>Stored as </a:t>
-            </a:r>
-            <a:r>
-              <a:rPr lang="en-US" sz="2000" b="1" dirty="0"/>
-              <a:t>base64 encoded content.</a:t>
-            </a:r>
-            <a:endParaRPr lang="en-US" sz="2000" dirty="0"/>
-          </a:p>
-          <a:p>
-            <a:pPr fontAlgn="base"/>
-            <a:endParaRPr lang="en-US" sz="2000" dirty="0"/>
-          </a:p>
-          <a:p>
-            <a:pPr fontAlgn="base"/>
-            <a:r>
-              <a:rPr lang="en-US" sz="2000" dirty="0"/>
-              <a:t>Ideal for username/passwords, certificates or other sensitive information that should not be stored in a container.</a:t>
-            </a:r>
-          </a:p>
-          <a:p>
-            <a:pPr fontAlgn="base"/>
-            <a:endParaRPr lang="en-US" sz="2000" dirty="0"/>
-          </a:p>
-          <a:p>
-            <a:pPr fontAlgn="base"/>
-            <a:r>
-              <a:rPr lang="en-US" sz="2000" dirty="0"/>
-              <a:t>Can be created from a manifest, literals, directories, or from files directly.</a:t>
-            </a:r>
-          </a:p>
-          <a:p>
-            <a:pPr fontAlgn="base"/>
-            <a:endParaRPr lang="en-US" dirty="0"/>
+              <a:t> services exposes a service on a strictly cluster internal virtual IP.</a:t>
+            </a:r>
           </a:p>
         </p:txBody>
       </p:sp>
     </p:spTree>
     <p:extLst>
       <p:ext uri="{BB962C8B-B14F-4D97-AF65-F5344CB8AC3E}">
-        <p14:creationId xmlns:p14="http://schemas.microsoft.com/office/powerpoint/2010/main" val="2540725245"/>
+        <p14:creationId xmlns:p14="http://schemas.microsoft.com/office/powerpoint/2010/main" val="776424517"/>
+      </p:ext>
+    </p:extLst>
+  </p:cSld>
+  <p:clrMapOvr>
+    <a:masterClrMapping/>
+  </p:clrMapOvr>
+</p:sld>
+</file>
+
+<file path=ppt/slides/slide19.xml><?xml version="1.0" encoding="utf-8"?>
+<p:sld xmlns:a="http://schemas.openxmlformats.org/drawingml/2006/main" xmlns:r="http://schemas.openxmlformats.org/officeDocument/2006/relationships" xmlns:p="http://schemas.openxmlformats.org/presentationml/2006/main">
+  <p:cSld>
+    <p:spTree>
+      <p:nvGrpSpPr>
+        <p:cNvPr id="1" name=""/>
+        <p:cNvGrpSpPr/>
+        <p:nvPr/>
+      </p:nvGrpSpPr>
+      <p:grpSpPr>
+        <a:xfrm>
+          <a:off x="0" y="0"/>
+          <a:ext cx="0" cy="0"/>
+          <a:chOff x="0" y="0"/>
+          <a:chExt cx="0" cy="0"/>
+        </a:xfrm>
+      </p:grpSpPr>
+      <p:sp>
+        <p:nvSpPr>
+          <p:cNvPr id="4" name="Rettangolo 3">
+            <a:extLst>
+              <a:ext uri="{FF2B5EF4-FFF2-40B4-BE49-F238E27FC236}">
+                <a16:creationId xmlns:a16="http://schemas.microsoft.com/office/drawing/2014/main" id="{57CE466D-8C75-4E04-A2A2-687F80849927}"/>
+              </a:ext>
+            </a:extLst>
+          </p:cNvPr>
+          <p:cNvSpPr/>
+          <p:nvPr/>
+        </p:nvSpPr>
+        <p:spPr>
+          <a:xfrm>
+            <a:off x="3384080" y="1529319"/>
+            <a:ext cx="1845129" cy="2743200"/>
+          </a:xfrm>
+          <a:prstGeom prst="rect">
+            <a:avLst/>
+          </a:prstGeom>
+          <a:solidFill>
+            <a:schemeClr val="bg1"/>
+          </a:solidFill>
+        </p:spPr>
+        <p:style>
+          <a:lnRef idx="2">
+            <a:schemeClr val="accent1">
+              <a:shade val="50000"/>
+            </a:schemeClr>
+          </a:lnRef>
+          <a:fillRef idx="1">
+            <a:schemeClr val="accent1"/>
+          </a:fillRef>
+          <a:effectRef idx="0">
+            <a:schemeClr val="accent1"/>
+          </a:effectRef>
+          <a:fontRef idx="minor">
+            <a:schemeClr val="lt1"/>
+          </a:fontRef>
+        </p:style>
+        <p:txBody>
+          <a:bodyPr rtlCol="0" anchor="ctr"/>
+          <a:lstStyle/>
+          <a:p>
+            <a:pPr algn="ctr"/>
+            <a:endParaRPr lang="it-IT"/>
+          </a:p>
+        </p:txBody>
+      </p:sp>
+      <p:sp>
+        <p:nvSpPr>
+          <p:cNvPr id="26" name="Rettangolo 25">
+            <a:extLst>
+              <a:ext uri="{FF2B5EF4-FFF2-40B4-BE49-F238E27FC236}">
+                <a16:creationId xmlns:a16="http://schemas.microsoft.com/office/drawing/2014/main" id="{F66F6ED8-EAA6-4FDA-AFF5-FC3BD82DC792}"/>
+              </a:ext>
+            </a:extLst>
+          </p:cNvPr>
+          <p:cNvSpPr/>
+          <p:nvPr/>
+        </p:nvSpPr>
+        <p:spPr>
+          <a:xfrm>
+            <a:off x="5603404" y="1536451"/>
+            <a:ext cx="1845129" cy="2743200"/>
+          </a:xfrm>
+          <a:prstGeom prst="rect">
+            <a:avLst/>
+          </a:prstGeom>
+          <a:solidFill>
+            <a:schemeClr val="bg1"/>
+          </a:solidFill>
+        </p:spPr>
+        <p:style>
+          <a:lnRef idx="2">
+            <a:schemeClr val="accent1">
+              <a:shade val="50000"/>
+            </a:schemeClr>
+          </a:lnRef>
+          <a:fillRef idx="1">
+            <a:schemeClr val="accent1"/>
+          </a:fillRef>
+          <a:effectRef idx="0">
+            <a:schemeClr val="accent1"/>
+          </a:effectRef>
+          <a:fontRef idx="minor">
+            <a:schemeClr val="lt1"/>
+          </a:fontRef>
+        </p:style>
+        <p:txBody>
+          <a:bodyPr rtlCol="0" anchor="ctr"/>
+          <a:lstStyle/>
+          <a:p>
+            <a:pPr algn="ctr"/>
+            <a:endParaRPr lang="it-IT" dirty="0"/>
+          </a:p>
+        </p:txBody>
+      </p:sp>
+      <p:sp>
+        <p:nvSpPr>
+          <p:cNvPr id="2" name="Titolo 1">
+            <a:extLst>
+              <a:ext uri="{FF2B5EF4-FFF2-40B4-BE49-F238E27FC236}">
+                <a16:creationId xmlns:a16="http://schemas.microsoft.com/office/drawing/2014/main" id="{390F3EB2-CCD3-4263-8C51-13A0788C3F71}"/>
+              </a:ext>
+            </a:extLst>
+          </p:cNvPr>
+          <p:cNvSpPr>
+            <a:spLocks noGrp="1"/>
+          </p:cNvSpPr>
+          <p:nvPr>
+            <p:ph type="title"/>
+          </p:nvPr>
+        </p:nvSpPr>
+        <p:spPr/>
+        <p:txBody>
+          <a:bodyPr/>
+          <a:lstStyle/>
+          <a:p>
+            <a:r>
+              <a:rPr lang="it-IT" dirty="0"/>
+              <a:t>Service </a:t>
+            </a:r>
+            <a:r>
+              <a:rPr lang="it-IT" dirty="0" err="1"/>
+              <a:t>ClusterIP</a:t>
+            </a:r>
+            <a:endParaRPr lang="it-IT" dirty="0"/>
+          </a:p>
+        </p:txBody>
+      </p:sp>
+      <p:pic>
+        <p:nvPicPr>
+          <p:cNvPr id="2052" name="Picture 4" descr="Risultati immagini per kubernetes logo">
+            <a:extLst>
+              <a:ext uri="{FF2B5EF4-FFF2-40B4-BE49-F238E27FC236}">
+                <a16:creationId xmlns:a16="http://schemas.microsoft.com/office/drawing/2014/main" id="{2EF0C7C2-B372-4C6C-8620-3476E8ABBDF5}"/>
+              </a:ext>
+            </a:extLst>
+          </p:cNvPr>
+          <p:cNvPicPr>
+            <a:picLocks noChangeAspect="1" noChangeArrowheads="1"/>
+          </p:cNvPicPr>
+          <p:nvPr/>
+        </p:nvPicPr>
+        <p:blipFill>
+          <a:blip r:embed="rId2">
+            <a:extLst>
+              <a:ext uri="{28A0092B-C50C-407E-A947-70E740481C1C}">
+                <a14:useLocalDpi xmlns:a14="http://schemas.microsoft.com/office/drawing/2010/main" val="0"/>
+              </a:ext>
+            </a:extLst>
+          </a:blip>
+          <a:srcRect/>
+          <a:stretch>
+            <a:fillRect/>
+          </a:stretch>
+        </p:blipFill>
+        <p:spPr bwMode="auto">
+          <a:xfrm>
+            <a:off x="7849959" y="379411"/>
+            <a:ext cx="3868511" cy="835659"/>
+          </a:xfrm>
+          <a:prstGeom prst="rect">
+            <a:avLst/>
+          </a:prstGeom>
+          <a:noFill/>
+          <a:extLst>
+            <a:ext uri="{909E8E84-426E-40DD-AFC4-6F175D3DCCD1}">
+              <a14:hiddenFill xmlns:a14="http://schemas.microsoft.com/office/drawing/2010/main">
+                <a:solidFill>
+                  <a:srgbClr val="FFFFFF"/>
+                </a:solidFill>
+              </a14:hiddenFill>
+            </a:ext>
+          </a:extLst>
+        </p:spPr>
+      </p:pic>
+      <p:sp>
+        <p:nvSpPr>
+          <p:cNvPr id="5" name="CasellaDiTesto 4">
+            <a:extLst>
+              <a:ext uri="{FF2B5EF4-FFF2-40B4-BE49-F238E27FC236}">
+                <a16:creationId xmlns:a16="http://schemas.microsoft.com/office/drawing/2014/main" id="{0790C00F-B3E7-4CF3-8AD1-EDB8D87A55FA}"/>
+              </a:ext>
+            </a:extLst>
+          </p:cNvPr>
+          <p:cNvSpPr txBox="1"/>
+          <p:nvPr/>
+        </p:nvSpPr>
+        <p:spPr>
+          <a:xfrm>
+            <a:off x="4051818" y="4014456"/>
+            <a:ext cx="1234633" cy="276999"/>
+          </a:xfrm>
+          <a:prstGeom prst="rect">
+            <a:avLst/>
+          </a:prstGeom>
+          <a:noFill/>
+        </p:spPr>
+        <p:txBody>
+          <a:bodyPr wrap="none" rtlCol="0">
+            <a:spAutoFit/>
+          </a:bodyPr>
+          <a:lstStyle/>
+          <a:p>
+            <a:r>
+              <a:rPr lang="it-IT" sz="1200" dirty="0"/>
+              <a:t>10.115.134.130</a:t>
+            </a:r>
+          </a:p>
+        </p:txBody>
+      </p:sp>
+      <p:pic>
+        <p:nvPicPr>
+          <p:cNvPr id="4098" name="Picture 2" descr="Risultati immagini per spring boot">
+            <a:extLst>
+              <a:ext uri="{FF2B5EF4-FFF2-40B4-BE49-F238E27FC236}">
+                <a16:creationId xmlns:a16="http://schemas.microsoft.com/office/drawing/2014/main" id="{2E058A85-1812-4D19-ABD4-8CA597CB7512}"/>
+              </a:ext>
+            </a:extLst>
+          </p:cNvPr>
+          <p:cNvPicPr>
+            <a:picLocks noChangeAspect="1" noChangeArrowheads="1"/>
+          </p:cNvPicPr>
+          <p:nvPr/>
+        </p:nvPicPr>
+        <p:blipFill>
+          <a:blip r:embed="rId3">
+            <a:extLst>
+              <a:ext uri="{28A0092B-C50C-407E-A947-70E740481C1C}">
+                <a14:useLocalDpi xmlns:a14="http://schemas.microsoft.com/office/drawing/2010/main" val="0"/>
+              </a:ext>
+            </a:extLst>
+          </a:blip>
+          <a:srcRect/>
+          <a:stretch>
+            <a:fillRect/>
+          </a:stretch>
+        </p:blipFill>
+        <p:spPr bwMode="auto">
+          <a:xfrm>
+            <a:off x="3483413" y="1554264"/>
+            <a:ext cx="595993" cy="595993"/>
+          </a:xfrm>
+          <a:prstGeom prst="rect">
+            <a:avLst/>
+          </a:prstGeom>
+          <a:noFill/>
+          <a:extLst>
+            <a:ext uri="{909E8E84-426E-40DD-AFC4-6F175D3DCCD1}">
+              <a14:hiddenFill xmlns:a14="http://schemas.microsoft.com/office/drawing/2010/main">
+                <a:solidFill>
+                  <a:srgbClr val="FFFFFF"/>
+                </a:solidFill>
+              </a14:hiddenFill>
+            </a:ext>
+          </a:extLst>
+        </p:spPr>
+      </p:pic>
+      <p:sp>
+        <p:nvSpPr>
+          <p:cNvPr id="3" name="Rettangolo 2">
+            <a:extLst>
+              <a:ext uri="{FF2B5EF4-FFF2-40B4-BE49-F238E27FC236}">
+                <a16:creationId xmlns:a16="http://schemas.microsoft.com/office/drawing/2014/main" id="{88C13140-B54C-4D69-842D-82019B886CC2}"/>
+              </a:ext>
+            </a:extLst>
+          </p:cNvPr>
+          <p:cNvSpPr/>
+          <p:nvPr/>
+        </p:nvSpPr>
+        <p:spPr>
+          <a:xfrm>
+            <a:off x="3449395" y="1566057"/>
+            <a:ext cx="914400" cy="740354"/>
+          </a:xfrm>
+          <a:prstGeom prst="rect">
+            <a:avLst/>
+          </a:prstGeom>
+          <a:noFill/>
+          <a:ln>
+            <a:solidFill>
+              <a:schemeClr val="accent1"/>
+            </a:solidFill>
+          </a:ln>
+        </p:spPr>
+        <p:style>
+          <a:lnRef idx="2">
+            <a:schemeClr val="accent1">
+              <a:shade val="50000"/>
+            </a:schemeClr>
+          </a:lnRef>
+          <a:fillRef idx="1">
+            <a:schemeClr val="accent1"/>
+          </a:fillRef>
+          <a:effectRef idx="0">
+            <a:schemeClr val="accent1"/>
+          </a:effectRef>
+          <a:fontRef idx="minor">
+            <a:schemeClr val="lt1"/>
+          </a:fontRef>
+        </p:style>
+        <p:txBody>
+          <a:bodyPr rtlCol="0" anchor="ctr"/>
+          <a:lstStyle/>
+          <a:p>
+            <a:pPr algn="ctr"/>
+            <a:endParaRPr lang="it-IT"/>
+          </a:p>
+        </p:txBody>
+      </p:sp>
+      <p:sp>
+        <p:nvSpPr>
+          <p:cNvPr id="29" name="CasellaDiTesto 28">
+            <a:extLst>
+              <a:ext uri="{FF2B5EF4-FFF2-40B4-BE49-F238E27FC236}">
+                <a16:creationId xmlns:a16="http://schemas.microsoft.com/office/drawing/2014/main" id="{0353218C-785A-4A4C-82B3-1CEE638D1071}"/>
+              </a:ext>
+            </a:extLst>
+          </p:cNvPr>
+          <p:cNvSpPr txBox="1"/>
+          <p:nvPr/>
+        </p:nvSpPr>
+        <p:spPr>
+          <a:xfrm>
+            <a:off x="3384080" y="2082674"/>
+            <a:ext cx="1002197" cy="261610"/>
+          </a:xfrm>
+          <a:prstGeom prst="rect">
+            <a:avLst/>
+          </a:prstGeom>
+          <a:noFill/>
+        </p:spPr>
+        <p:txBody>
+          <a:bodyPr wrap="none" rtlCol="0">
+            <a:spAutoFit/>
+          </a:bodyPr>
+          <a:lstStyle/>
+          <a:p>
+            <a:r>
+              <a:rPr lang="it-IT" sz="1100" dirty="0"/>
+              <a:t>192.168.0.56</a:t>
+            </a:r>
+          </a:p>
+        </p:txBody>
+      </p:sp>
+      <p:sp>
+        <p:nvSpPr>
+          <p:cNvPr id="30" name="CasellaDiTesto 29">
+            <a:extLst>
+              <a:ext uri="{FF2B5EF4-FFF2-40B4-BE49-F238E27FC236}">
+                <a16:creationId xmlns:a16="http://schemas.microsoft.com/office/drawing/2014/main" id="{AF272547-FDD8-4812-949C-5AA431433E36}"/>
+              </a:ext>
+            </a:extLst>
+          </p:cNvPr>
+          <p:cNvSpPr txBox="1"/>
+          <p:nvPr/>
+        </p:nvSpPr>
+        <p:spPr>
+          <a:xfrm>
+            <a:off x="3947417" y="2302531"/>
+            <a:ext cx="512371" cy="261610"/>
+          </a:xfrm>
+          <a:prstGeom prst="rect">
+            <a:avLst/>
+          </a:prstGeom>
+          <a:noFill/>
+        </p:spPr>
+        <p:txBody>
+          <a:bodyPr wrap="square" rtlCol="0">
+            <a:spAutoFit/>
+          </a:bodyPr>
+          <a:lstStyle/>
+          <a:p>
+            <a:r>
+              <a:rPr lang="it-IT" sz="1100" dirty="0"/>
+              <a:t>8080</a:t>
+            </a:r>
+          </a:p>
+        </p:txBody>
+      </p:sp>
+      <p:sp>
+        <p:nvSpPr>
+          <p:cNvPr id="6" name="Rettangolo 5">
+            <a:extLst>
+              <a:ext uri="{FF2B5EF4-FFF2-40B4-BE49-F238E27FC236}">
+                <a16:creationId xmlns:a16="http://schemas.microsoft.com/office/drawing/2014/main" id="{3A8F22D2-6ACC-4448-ADF5-3B51A97BAC64}"/>
+              </a:ext>
+            </a:extLst>
+          </p:cNvPr>
+          <p:cNvSpPr/>
+          <p:nvPr/>
+        </p:nvSpPr>
+        <p:spPr>
+          <a:xfrm>
+            <a:off x="4016157" y="2302531"/>
+            <a:ext cx="347638" cy="219857"/>
+          </a:xfrm>
+          <a:prstGeom prst="rect">
+            <a:avLst/>
+          </a:prstGeom>
+          <a:noFill/>
+          <a:ln>
+            <a:solidFill>
+              <a:schemeClr val="accent2"/>
+            </a:solidFill>
+          </a:ln>
+        </p:spPr>
+        <p:style>
+          <a:lnRef idx="2">
+            <a:schemeClr val="accent1">
+              <a:shade val="50000"/>
+            </a:schemeClr>
+          </a:lnRef>
+          <a:fillRef idx="1">
+            <a:schemeClr val="accent1"/>
+          </a:fillRef>
+          <a:effectRef idx="0">
+            <a:schemeClr val="accent1"/>
+          </a:effectRef>
+          <a:fontRef idx="minor">
+            <a:schemeClr val="lt1"/>
+          </a:fontRef>
+        </p:style>
+        <p:txBody>
+          <a:bodyPr rtlCol="0" anchor="ctr"/>
+          <a:lstStyle/>
+          <a:p>
+            <a:pPr algn="ctr"/>
+            <a:endParaRPr lang="it-IT"/>
+          </a:p>
+        </p:txBody>
+      </p:sp>
+      <p:sp>
+        <p:nvSpPr>
+          <p:cNvPr id="35" name="Rettangolo 34">
+            <a:extLst>
+              <a:ext uri="{FF2B5EF4-FFF2-40B4-BE49-F238E27FC236}">
+                <a16:creationId xmlns:a16="http://schemas.microsoft.com/office/drawing/2014/main" id="{7CCEB72C-6750-4008-A895-569489BEA3E3}"/>
+              </a:ext>
+            </a:extLst>
+          </p:cNvPr>
+          <p:cNvSpPr/>
+          <p:nvPr/>
+        </p:nvSpPr>
+        <p:spPr>
+          <a:xfrm>
+            <a:off x="4118863" y="4014457"/>
+            <a:ext cx="1094014" cy="226212"/>
+          </a:xfrm>
+          <a:prstGeom prst="rect">
+            <a:avLst/>
+          </a:prstGeom>
+          <a:noFill/>
+          <a:ln>
+            <a:solidFill>
+              <a:schemeClr val="accent2"/>
+            </a:solidFill>
+          </a:ln>
+        </p:spPr>
+        <p:style>
+          <a:lnRef idx="2">
+            <a:schemeClr val="accent1">
+              <a:shade val="50000"/>
+            </a:schemeClr>
+          </a:lnRef>
+          <a:fillRef idx="1">
+            <a:schemeClr val="accent1"/>
+          </a:fillRef>
+          <a:effectRef idx="0">
+            <a:schemeClr val="accent1"/>
+          </a:effectRef>
+          <a:fontRef idx="minor">
+            <a:schemeClr val="lt1"/>
+          </a:fontRef>
+        </p:style>
+        <p:txBody>
+          <a:bodyPr rtlCol="0" anchor="ctr"/>
+          <a:lstStyle/>
+          <a:p>
+            <a:pPr algn="ctr"/>
+            <a:endParaRPr lang="it-IT"/>
+          </a:p>
+        </p:txBody>
+      </p:sp>
+      <p:sp>
+        <p:nvSpPr>
+          <p:cNvPr id="36" name="CasellaDiTesto 35">
+            <a:extLst>
+              <a:ext uri="{FF2B5EF4-FFF2-40B4-BE49-F238E27FC236}">
+                <a16:creationId xmlns:a16="http://schemas.microsoft.com/office/drawing/2014/main" id="{20467A3D-E9E4-4A5F-9DD3-748FA204C854}"/>
+              </a:ext>
+            </a:extLst>
+          </p:cNvPr>
+          <p:cNvSpPr txBox="1"/>
+          <p:nvPr/>
+        </p:nvSpPr>
+        <p:spPr>
+          <a:xfrm>
+            <a:off x="6265980" y="4002652"/>
+            <a:ext cx="1234633" cy="276999"/>
+          </a:xfrm>
+          <a:prstGeom prst="rect">
+            <a:avLst/>
+          </a:prstGeom>
+          <a:noFill/>
+        </p:spPr>
+        <p:txBody>
+          <a:bodyPr wrap="none" rtlCol="0">
+            <a:spAutoFit/>
+          </a:bodyPr>
+          <a:lstStyle/>
+          <a:p>
+            <a:r>
+              <a:rPr lang="it-IT" sz="1200" dirty="0"/>
+              <a:t>10.115.134.131</a:t>
+            </a:r>
+          </a:p>
+        </p:txBody>
+      </p:sp>
+      <p:sp>
+        <p:nvSpPr>
+          <p:cNvPr id="37" name="Rettangolo 36">
+            <a:extLst>
+              <a:ext uri="{FF2B5EF4-FFF2-40B4-BE49-F238E27FC236}">
+                <a16:creationId xmlns:a16="http://schemas.microsoft.com/office/drawing/2014/main" id="{EDB0E59B-645A-4DEB-BAF7-F13C605CB67C}"/>
+              </a:ext>
+            </a:extLst>
+          </p:cNvPr>
+          <p:cNvSpPr/>
+          <p:nvPr/>
+        </p:nvSpPr>
+        <p:spPr>
+          <a:xfrm>
+            <a:off x="6336290" y="4019002"/>
+            <a:ext cx="1094014" cy="226212"/>
+          </a:xfrm>
+          <a:prstGeom prst="rect">
+            <a:avLst/>
+          </a:prstGeom>
+          <a:noFill/>
+          <a:ln>
+            <a:solidFill>
+              <a:schemeClr val="accent2"/>
+            </a:solidFill>
+          </a:ln>
+        </p:spPr>
+        <p:style>
+          <a:lnRef idx="2">
+            <a:schemeClr val="accent1">
+              <a:shade val="50000"/>
+            </a:schemeClr>
+          </a:lnRef>
+          <a:fillRef idx="1">
+            <a:schemeClr val="accent1"/>
+          </a:fillRef>
+          <a:effectRef idx="0">
+            <a:schemeClr val="accent1"/>
+          </a:effectRef>
+          <a:fontRef idx="minor">
+            <a:schemeClr val="lt1"/>
+          </a:fontRef>
+        </p:style>
+        <p:txBody>
+          <a:bodyPr rtlCol="0" anchor="ctr"/>
+          <a:lstStyle/>
+          <a:p>
+            <a:pPr algn="ctr"/>
+            <a:endParaRPr lang="it-IT"/>
+          </a:p>
+        </p:txBody>
+      </p:sp>
+      <p:sp>
+        <p:nvSpPr>
+          <p:cNvPr id="41" name="CasellaDiTesto 40">
+            <a:extLst>
+              <a:ext uri="{FF2B5EF4-FFF2-40B4-BE49-F238E27FC236}">
+                <a16:creationId xmlns:a16="http://schemas.microsoft.com/office/drawing/2014/main" id="{ACF3AC55-A49B-4DD9-8A96-D4F58D5808DF}"/>
+              </a:ext>
+            </a:extLst>
+          </p:cNvPr>
+          <p:cNvSpPr txBox="1"/>
+          <p:nvPr/>
+        </p:nvSpPr>
+        <p:spPr>
+          <a:xfrm>
+            <a:off x="3668258" y="4287837"/>
+            <a:ext cx="901209" cy="369332"/>
+          </a:xfrm>
+          <a:prstGeom prst="rect">
+            <a:avLst/>
+          </a:prstGeom>
+          <a:noFill/>
+        </p:spPr>
+        <p:txBody>
+          <a:bodyPr wrap="none" rtlCol="0">
+            <a:spAutoFit/>
+          </a:bodyPr>
+          <a:lstStyle/>
+          <a:p>
+            <a:r>
+              <a:rPr lang="it-IT" dirty="0" err="1"/>
+              <a:t>Node</a:t>
+            </a:r>
+            <a:r>
+              <a:rPr lang="it-IT" dirty="0"/>
+              <a:t> 2</a:t>
+            </a:r>
+          </a:p>
+        </p:txBody>
+      </p:sp>
+      <p:sp>
+        <p:nvSpPr>
+          <p:cNvPr id="42" name="CasellaDiTesto 41">
+            <a:extLst>
+              <a:ext uri="{FF2B5EF4-FFF2-40B4-BE49-F238E27FC236}">
+                <a16:creationId xmlns:a16="http://schemas.microsoft.com/office/drawing/2014/main" id="{F84DE41D-5B77-4C0A-AB4A-0C97F350BA7C}"/>
+              </a:ext>
+            </a:extLst>
+          </p:cNvPr>
+          <p:cNvSpPr txBox="1"/>
+          <p:nvPr/>
+        </p:nvSpPr>
+        <p:spPr>
+          <a:xfrm>
+            <a:off x="5925489" y="4272519"/>
+            <a:ext cx="901209" cy="369332"/>
+          </a:xfrm>
+          <a:prstGeom prst="rect">
+            <a:avLst/>
+          </a:prstGeom>
+          <a:noFill/>
+        </p:spPr>
+        <p:txBody>
+          <a:bodyPr wrap="none" rtlCol="0">
+            <a:spAutoFit/>
+          </a:bodyPr>
+          <a:lstStyle/>
+          <a:p>
+            <a:r>
+              <a:rPr lang="it-IT" dirty="0" err="1"/>
+              <a:t>Node</a:t>
+            </a:r>
+            <a:r>
+              <a:rPr lang="it-IT" dirty="0"/>
+              <a:t> 3</a:t>
+            </a:r>
+          </a:p>
+        </p:txBody>
+      </p:sp>
+      <p:sp>
+        <p:nvSpPr>
+          <p:cNvPr id="58" name="Rettangolo 57">
+            <a:extLst>
+              <a:ext uri="{FF2B5EF4-FFF2-40B4-BE49-F238E27FC236}">
+                <a16:creationId xmlns:a16="http://schemas.microsoft.com/office/drawing/2014/main" id="{D3860248-DCC0-423D-B761-FD21D19A8C3E}"/>
+              </a:ext>
+            </a:extLst>
+          </p:cNvPr>
+          <p:cNvSpPr/>
+          <p:nvPr/>
+        </p:nvSpPr>
+        <p:spPr>
+          <a:xfrm>
+            <a:off x="1266098" y="1526379"/>
+            <a:ext cx="1845129" cy="2743200"/>
+          </a:xfrm>
+          <a:prstGeom prst="rect">
+            <a:avLst/>
+          </a:prstGeom>
+          <a:solidFill>
+            <a:schemeClr val="bg1"/>
+          </a:solidFill>
+        </p:spPr>
+        <p:style>
+          <a:lnRef idx="2">
+            <a:schemeClr val="accent1">
+              <a:shade val="50000"/>
+            </a:schemeClr>
+          </a:lnRef>
+          <a:fillRef idx="1">
+            <a:schemeClr val="accent1"/>
+          </a:fillRef>
+          <a:effectRef idx="0">
+            <a:schemeClr val="accent1"/>
+          </a:effectRef>
+          <a:fontRef idx="minor">
+            <a:schemeClr val="lt1"/>
+          </a:fontRef>
+        </p:style>
+        <p:txBody>
+          <a:bodyPr rtlCol="0" anchor="ctr"/>
+          <a:lstStyle/>
+          <a:p>
+            <a:pPr algn="ctr"/>
+            <a:endParaRPr lang="it-IT"/>
+          </a:p>
+        </p:txBody>
+      </p:sp>
+      <p:sp>
+        <p:nvSpPr>
+          <p:cNvPr id="59" name="CasellaDiTesto 58">
+            <a:extLst>
+              <a:ext uri="{FF2B5EF4-FFF2-40B4-BE49-F238E27FC236}">
+                <a16:creationId xmlns:a16="http://schemas.microsoft.com/office/drawing/2014/main" id="{C10D9C76-FC4B-4DDA-9261-877E040933C3}"/>
+              </a:ext>
+            </a:extLst>
+          </p:cNvPr>
+          <p:cNvSpPr txBox="1"/>
+          <p:nvPr/>
+        </p:nvSpPr>
+        <p:spPr>
+          <a:xfrm>
+            <a:off x="1933836" y="4011516"/>
+            <a:ext cx="1234633" cy="276999"/>
+          </a:xfrm>
+          <a:prstGeom prst="rect">
+            <a:avLst/>
+          </a:prstGeom>
+          <a:noFill/>
+        </p:spPr>
+        <p:txBody>
+          <a:bodyPr wrap="none" rtlCol="0">
+            <a:spAutoFit/>
+          </a:bodyPr>
+          <a:lstStyle/>
+          <a:p>
+            <a:r>
+              <a:rPr lang="it-IT" sz="1200" dirty="0"/>
+              <a:t>10.115.134.129</a:t>
+            </a:r>
+          </a:p>
+        </p:txBody>
+      </p:sp>
+      <p:sp>
+        <p:nvSpPr>
+          <p:cNvPr id="65" name="Rettangolo 64">
+            <a:extLst>
+              <a:ext uri="{FF2B5EF4-FFF2-40B4-BE49-F238E27FC236}">
+                <a16:creationId xmlns:a16="http://schemas.microsoft.com/office/drawing/2014/main" id="{3D6DBF33-5B17-407E-9BAF-B03CEDA620E8}"/>
+              </a:ext>
+            </a:extLst>
+          </p:cNvPr>
+          <p:cNvSpPr/>
+          <p:nvPr/>
+        </p:nvSpPr>
+        <p:spPr>
+          <a:xfrm>
+            <a:off x="2000881" y="4011517"/>
+            <a:ext cx="1094014" cy="226212"/>
+          </a:xfrm>
+          <a:prstGeom prst="rect">
+            <a:avLst/>
+          </a:prstGeom>
+          <a:noFill/>
+          <a:ln>
+            <a:solidFill>
+              <a:schemeClr val="accent2"/>
+            </a:solidFill>
+          </a:ln>
+        </p:spPr>
+        <p:style>
+          <a:lnRef idx="2">
+            <a:schemeClr val="accent1">
+              <a:shade val="50000"/>
+            </a:schemeClr>
+          </a:lnRef>
+          <a:fillRef idx="1">
+            <a:schemeClr val="accent1"/>
+          </a:fillRef>
+          <a:effectRef idx="0">
+            <a:schemeClr val="accent1"/>
+          </a:effectRef>
+          <a:fontRef idx="minor">
+            <a:schemeClr val="lt1"/>
+          </a:fontRef>
+        </p:style>
+        <p:txBody>
+          <a:bodyPr rtlCol="0" anchor="ctr"/>
+          <a:lstStyle/>
+          <a:p>
+            <a:pPr algn="ctr"/>
+            <a:endParaRPr lang="it-IT"/>
+          </a:p>
+        </p:txBody>
+      </p:sp>
+      <p:sp>
+        <p:nvSpPr>
+          <p:cNvPr id="67" name="CasellaDiTesto 66">
+            <a:extLst>
+              <a:ext uri="{FF2B5EF4-FFF2-40B4-BE49-F238E27FC236}">
+                <a16:creationId xmlns:a16="http://schemas.microsoft.com/office/drawing/2014/main" id="{FE418E98-7248-4A7D-9079-2A7B8BC407FD}"/>
+              </a:ext>
+            </a:extLst>
+          </p:cNvPr>
+          <p:cNvSpPr txBox="1"/>
+          <p:nvPr/>
+        </p:nvSpPr>
+        <p:spPr>
+          <a:xfrm>
+            <a:off x="1550276" y="4284897"/>
+            <a:ext cx="901209" cy="369332"/>
+          </a:xfrm>
+          <a:prstGeom prst="rect">
+            <a:avLst/>
+          </a:prstGeom>
+          <a:noFill/>
+        </p:spPr>
+        <p:txBody>
+          <a:bodyPr wrap="none" rtlCol="0">
+            <a:spAutoFit/>
+          </a:bodyPr>
+          <a:lstStyle/>
+          <a:p>
+            <a:r>
+              <a:rPr lang="it-IT" dirty="0" err="1"/>
+              <a:t>Node</a:t>
+            </a:r>
+            <a:r>
+              <a:rPr lang="it-IT" dirty="0"/>
+              <a:t> 1</a:t>
+            </a:r>
+          </a:p>
+        </p:txBody>
+      </p:sp>
+      <p:sp>
+        <p:nvSpPr>
+          <p:cNvPr id="34" name="Rettangolo 33">
+            <a:extLst>
+              <a:ext uri="{FF2B5EF4-FFF2-40B4-BE49-F238E27FC236}">
+                <a16:creationId xmlns:a16="http://schemas.microsoft.com/office/drawing/2014/main" id="{79DF3C94-5841-47DE-9F37-1EF328C6DB6B}"/>
+              </a:ext>
+            </a:extLst>
+          </p:cNvPr>
+          <p:cNvSpPr/>
+          <p:nvPr/>
+        </p:nvSpPr>
+        <p:spPr>
+          <a:xfrm>
+            <a:off x="6489572" y="1566057"/>
+            <a:ext cx="914400" cy="740354"/>
+          </a:xfrm>
+          <a:prstGeom prst="rect">
+            <a:avLst/>
+          </a:prstGeom>
+          <a:noFill/>
+          <a:ln>
+            <a:solidFill>
+              <a:schemeClr val="accent1"/>
+            </a:solidFill>
+          </a:ln>
+        </p:spPr>
+        <p:style>
+          <a:lnRef idx="2">
+            <a:schemeClr val="accent1">
+              <a:shade val="50000"/>
+            </a:schemeClr>
+          </a:lnRef>
+          <a:fillRef idx="1">
+            <a:schemeClr val="accent1"/>
+          </a:fillRef>
+          <a:effectRef idx="0">
+            <a:schemeClr val="accent1"/>
+          </a:effectRef>
+          <a:fontRef idx="minor">
+            <a:schemeClr val="lt1"/>
+          </a:fontRef>
+        </p:style>
+        <p:txBody>
+          <a:bodyPr rtlCol="0" anchor="ctr"/>
+          <a:lstStyle/>
+          <a:p>
+            <a:pPr algn="ctr"/>
+            <a:endParaRPr lang="it-IT"/>
+          </a:p>
+        </p:txBody>
+      </p:sp>
+      <p:sp>
+        <p:nvSpPr>
+          <p:cNvPr id="38" name="Rettangolo 37">
+            <a:extLst>
+              <a:ext uri="{FF2B5EF4-FFF2-40B4-BE49-F238E27FC236}">
+                <a16:creationId xmlns:a16="http://schemas.microsoft.com/office/drawing/2014/main" id="{AFE7F8B5-A64F-4ED7-A707-994C7E822FC4}"/>
+              </a:ext>
+            </a:extLst>
+          </p:cNvPr>
+          <p:cNvSpPr/>
+          <p:nvPr/>
+        </p:nvSpPr>
+        <p:spPr>
+          <a:xfrm>
+            <a:off x="7056334" y="2302531"/>
+            <a:ext cx="347638" cy="219857"/>
+          </a:xfrm>
+          <a:prstGeom prst="rect">
+            <a:avLst/>
+          </a:prstGeom>
+          <a:noFill/>
+          <a:ln>
+            <a:solidFill>
+              <a:schemeClr val="accent2"/>
+            </a:solidFill>
+          </a:ln>
+        </p:spPr>
+        <p:style>
+          <a:lnRef idx="2">
+            <a:schemeClr val="accent1">
+              <a:shade val="50000"/>
+            </a:schemeClr>
+          </a:lnRef>
+          <a:fillRef idx="1">
+            <a:schemeClr val="accent1"/>
+          </a:fillRef>
+          <a:effectRef idx="0">
+            <a:schemeClr val="accent1"/>
+          </a:effectRef>
+          <a:fontRef idx="minor">
+            <a:schemeClr val="lt1"/>
+          </a:fontRef>
+        </p:style>
+        <p:txBody>
+          <a:bodyPr rtlCol="0" anchor="ctr"/>
+          <a:lstStyle/>
+          <a:p>
+            <a:pPr algn="ctr"/>
+            <a:endParaRPr lang="it-IT"/>
+          </a:p>
+        </p:txBody>
+      </p:sp>
+      <p:sp>
+        <p:nvSpPr>
+          <p:cNvPr id="9" name="CasellaDiTesto 8">
+            <a:extLst>
+              <a:ext uri="{FF2B5EF4-FFF2-40B4-BE49-F238E27FC236}">
+                <a16:creationId xmlns:a16="http://schemas.microsoft.com/office/drawing/2014/main" id="{15AF7782-0331-47E0-A7F8-A90BA6EDE2D9}"/>
+              </a:ext>
+            </a:extLst>
+          </p:cNvPr>
+          <p:cNvSpPr txBox="1"/>
+          <p:nvPr/>
+        </p:nvSpPr>
+        <p:spPr>
+          <a:xfrm>
+            <a:off x="6986282" y="2281654"/>
+            <a:ext cx="479618" cy="261610"/>
+          </a:xfrm>
+          <a:prstGeom prst="rect">
+            <a:avLst/>
+          </a:prstGeom>
+          <a:noFill/>
+        </p:spPr>
+        <p:txBody>
+          <a:bodyPr wrap="none" rtlCol="0">
+            <a:spAutoFit/>
+          </a:bodyPr>
+          <a:lstStyle/>
+          <a:p>
+            <a:r>
+              <a:rPr lang="it-IT" sz="1100" dirty="0"/>
+              <a:t>3306</a:t>
+            </a:r>
+          </a:p>
+        </p:txBody>
+      </p:sp>
+      <p:pic>
+        <p:nvPicPr>
+          <p:cNvPr id="1026" name="Picture 2" descr="Risultati immagini per mysql icon">
+            <a:extLst>
+              <a:ext uri="{FF2B5EF4-FFF2-40B4-BE49-F238E27FC236}">
+                <a16:creationId xmlns:a16="http://schemas.microsoft.com/office/drawing/2014/main" id="{72C42FF4-7BBD-4247-8E2B-FA24072836EC}"/>
+              </a:ext>
+            </a:extLst>
+          </p:cNvPr>
+          <p:cNvPicPr>
+            <a:picLocks noChangeAspect="1" noChangeArrowheads="1"/>
+          </p:cNvPicPr>
+          <p:nvPr/>
+        </p:nvPicPr>
+        <p:blipFill>
+          <a:blip r:embed="rId4">
+            <a:extLst>
+              <a:ext uri="{28A0092B-C50C-407E-A947-70E740481C1C}">
+                <a14:useLocalDpi xmlns:a14="http://schemas.microsoft.com/office/drawing/2010/main" val="0"/>
+              </a:ext>
+            </a:extLst>
+          </a:blip>
+          <a:srcRect/>
+          <a:stretch>
+            <a:fillRect/>
+          </a:stretch>
+        </p:blipFill>
+        <p:spPr bwMode="auto">
+          <a:xfrm>
+            <a:off x="6594446" y="1560612"/>
+            <a:ext cx="560703" cy="560703"/>
+          </a:xfrm>
+          <a:prstGeom prst="rect">
+            <a:avLst/>
+          </a:prstGeom>
+          <a:noFill/>
+          <a:extLst>
+            <a:ext uri="{909E8E84-426E-40DD-AFC4-6F175D3DCCD1}">
+              <a14:hiddenFill xmlns:a14="http://schemas.microsoft.com/office/drawing/2010/main">
+                <a:solidFill>
+                  <a:srgbClr val="FFFFFF"/>
+                </a:solidFill>
+              </a14:hiddenFill>
+            </a:ext>
+          </a:extLst>
+        </p:spPr>
+      </p:pic>
+      <p:sp>
+        <p:nvSpPr>
+          <p:cNvPr id="10" name="Rombo 9">
+            <a:extLst>
+              <a:ext uri="{FF2B5EF4-FFF2-40B4-BE49-F238E27FC236}">
+                <a16:creationId xmlns:a16="http://schemas.microsoft.com/office/drawing/2014/main" id="{E7632ADC-A03B-46ED-92FE-6F52E8DD9212}"/>
+              </a:ext>
+            </a:extLst>
+          </p:cNvPr>
+          <p:cNvSpPr/>
+          <p:nvPr/>
+        </p:nvSpPr>
+        <p:spPr>
+          <a:xfrm>
+            <a:off x="4740787" y="2153496"/>
+            <a:ext cx="1374852" cy="1320800"/>
+          </a:xfrm>
+          <a:prstGeom prst="diamond">
+            <a:avLst/>
+          </a:prstGeom>
+          <a:solidFill>
+            <a:schemeClr val="bg1"/>
+          </a:solidFill>
+          <a:ln>
+            <a:solidFill>
+              <a:schemeClr val="accent4"/>
+            </a:solidFill>
+          </a:ln>
+        </p:spPr>
+        <p:style>
+          <a:lnRef idx="2">
+            <a:schemeClr val="accent1">
+              <a:shade val="50000"/>
+            </a:schemeClr>
+          </a:lnRef>
+          <a:fillRef idx="1">
+            <a:schemeClr val="accent1"/>
+          </a:fillRef>
+          <a:effectRef idx="0">
+            <a:schemeClr val="accent1"/>
+          </a:effectRef>
+          <a:fontRef idx="minor">
+            <a:schemeClr val="lt1"/>
+          </a:fontRef>
+        </p:style>
+        <p:txBody>
+          <a:bodyPr rtlCol="0" anchor="ctr"/>
+          <a:lstStyle/>
+          <a:p>
+            <a:pPr algn="ctr"/>
+            <a:endParaRPr lang="it-IT" sz="700" dirty="0">
+              <a:solidFill>
+                <a:schemeClr val="tx1"/>
+              </a:solidFill>
+            </a:endParaRPr>
+          </a:p>
+        </p:txBody>
+      </p:sp>
+      <p:sp>
+        <p:nvSpPr>
+          <p:cNvPr id="11" name="CasellaDiTesto 10">
+            <a:extLst>
+              <a:ext uri="{FF2B5EF4-FFF2-40B4-BE49-F238E27FC236}">
+                <a16:creationId xmlns:a16="http://schemas.microsoft.com/office/drawing/2014/main" id="{C53FAD3B-004C-4DDB-ACBD-E844C868A19D}"/>
+              </a:ext>
+            </a:extLst>
+          </p:cNvPr>
+          <p:cNvSpPr txBox="1"/>
+          <p:nvPr/>
+        </p:nvSpPr>
+        <p:spPr>
+          <a:xfrm>
+            <a:off x="5075148" y="2592930"/>
+            <a:ext cx="679994" cy="461665"/>
+          </a:xfrm>
+          <a:prstGeom prst="rect">
+            <a:avLst/>
+          </a:prstGeom>
+          <a:noFill/>
+        </p:spPr>
+        <p:txBody>
+          <a:bodyPr wrap="none" rtlCol="0">
+            <a:spAutoFit/>
+          </a:bodyPr>
+          <a:lstStyle/>
+          <a:p>
+            <a:pPr algn="ctr"/>
+            <a:r>
+              <a:rPr lang="it-IT" sz="1200" dirty="0" err="1"/>
+              <a:t>mysql</a:t>
+            </a:r>
+            <a:endParaRPr lang="it-IT" sz="1200" dirty="0"/>
+          </a:p>
+          <a:p>
+            <a:pPr algn="ctr"/>
+            <a:r>
+              <a:rPr lang="it-IT" sz="1200" dirty="0"/>
+              <a:t>Service</a:t>
+            </a:r>
+          </a:p>
+        </p:txBody>
+      </p:sp>
+      <p:sp>
+        <p:nvSpPr>
+          <p:cNvPr id="12" name="Rettangolo 11">
+            <a:extLst>
+              <a:ext uri="{FF2B5EF4-FFF2-40B4-BE49-F238E27FC236}">
+                <a16:creationId xmlns:a16="http://schemas.microsoft.com/office/drawing/2014/main" id="{6CA0F7AD-9F55-4807-AEA8-A193570F7E66}"/>
+              </a:ext>
+            </a:extLst>
+          </p:cNvPr>
+          <p:cNvSpPr/>
+          <p:nvPr/>
+        </p:nvSpPr>
+        <p:spPr>
+          <a:xfrm>
+            <a:off x="4740787" y="3496130"/>
+            <a:ext cx="1525193" cy="441840"/>
+          </a:xfrm>
+          <a:prstGeom prst="rect">
+            <a:avLst/>
+          </a:prstGeom>
+          <a:solidFill>
+            <a:schemeClr val="bg1"/>
+          </a:solidFill>
+          <a:ln>
+            <a:solidFill>
+              <a:schemeClr val="accent4"/>
+            </a:solidFill>
+          </a:ln>
+        </p:spPr>
+        <p:style>
+          <a:lnRef idx="2">
+            <a:schemeClr val="accent1">
+              <a:shade val="50000"/>
+            </a:schemeClr>
+          </a:lnRef>
+          <a:fillRef idx="1">
+            <a:schemeClr val="accent1"/>
+          </a:fillRef>
+          <a:effectRef idx="0">
+            <a:schemeClr val="accent1"/>
+          </a:effectRef>
+          <a:fontRef idx="minor">
+            <a:schemeClr val="lt1"/>
+          </a:fontRef>
+        </p:style>
+        <p:txBody>
+          <a:bodyPr rtlCol="0" anchor="ctr"/>
+          <a:lstStyle/>
+          <a:p>
+            <a:pPr algn="ctr"/>
+            <a:r>
+              <a:rPr lang="it-IT" sz="1100" dirty="0">
+                <a:solidFill>
+                  <a:schemeClr val="tx1"/>
+                </a:solidFill>
+              </a:rPr>
+              <a:t>10.108.134.167:3306</a:t>
+            </a:r>
+          </a:p>
+          <a:p>
+            <a:pPr algn="ctr"/>
+            <a:r>
+              <a:rPr lang="it-IT" sz="1100" dirty="0">
+                <a:solidFill>
+                  <a:schemeClr val="tx1"/>
+                </a:solidFill>
+              </a:rPr>
+              <a:t>mysql:3306</a:t>
+            </a:r>
+          </a:p>
+        </p:txBody>
+      </p:sp>
+      <p:cxnSp>
+        <p:nvCxnSpPr>
+          <p:cNvPr id="17" name="Connettore a gomito 16">
+            <a:extLst>
+              <a:ext uri="{FF2B5EF4-FFF2-40B4-BE49-F238E27FC236}">
+                <a16:creationId xmlns:a16="http://schemas.microsoft.com/office/drawing/2014/main" id="{11EAA4BF-23D2-4139-8DF0-CFB9B3292B0F}"/>
+              </a:ext>
+            </a:extLst>
+          </p:cNvPr>
+          <p:cNvCxnSpPr>
+            <a:cxnSpLocks/>
+            <a:stCxn id="3" idx="3"/>
+            <a:endCxn id="12" idx="1"/>
+          </p:cNvCxnSpPr>
+          <p:nvPr/>
+        </p:nvCxnSpPr>
+        <p:spPr>
+          <a:xfrm>
+            <a:off x="4363795" y="1936234"/>
+            <a:ext cx="376992" cy="1780816"/>
+          </a:xfrm>
+          <a:prstGeom prst="bentConnector3">
+            <a:avLst>
+              <a:gd name="adj1" fmla="val 50000"/>
+            </a:avLst>
+          </a:prstGeom>
+          <a:ln>
+            <a:tailEnd type="triangle"/>
+          </a:ln>
+        </p:spPr>
+        <p:style>
+          <a:lnRef idx="2">
+            <a:schemeClr val="accent1"/>
+          </a:lnRef>
+          <a:fillRef idx="0">
+            <a:schemeClr val="accent1"/>
+          </a:fillRef>
+          <a:effectRef idx="1">
+            <a:schemeClr val="accent1"/>
+          </a:effectRef>
+          <a:fontRef idx="minor">
+            <a:schemeClr val="tx1"/>
+          </a:fontRef>
+        </p:style>
+      </p:cxnSp>
+      <p:cxnSp>
+        <p:nvCxnSpPr>
+          <p:cNvPr id="48" name="Connettore a gomito 47">
+            <a:extLst>
+              <a:ext uri="{FF2B5EF4-FFF2-40B4-BE49-F238E27FC236}">
+                <a16:creationId xmlns:a16="http://schemas.microsoft.com/office/drawing/2014/main" id="{A13EC107-0BCE-4935-8B39-A5A7DC12E8EB}"/>
+              </a:ext>
+            </a:extLst>
+          </p:cNvPr>
+          <p:cNvCxnSpPr>
+            <a:cxnSpLocks/>
+            <a:stCxn id="12" idx="3"/>
+            <a:endCxn id="9" idx="2"/>
+          </p:cNvCxnSpPr>
+          <p:nvPr/>
+        </p:nvCxnSpPr>
+        <p:spPr>
+          <a:xfrm flipV="1">
+            <a:off x="6265980" y="2543264"/>
+            <a:ext cx="960111" cy="1173786"/>
+          </a:xfrm>
+          <a:prstGeom prst="bentConnector2">
+            <a:avLst/>
+          </a:prstGeom>
+          <a:ln>
+            <a:tailEnd type="triangle"/>
+          </a:ln>
+        </p:spPr>
+        <p:style>
+          <a:lnRef idx="2">
+            <a:schemeClr val="accent1"/>
+          </a:lnRef>
+          <a:fillRef idx="0">
+            <a:schemeClr val="accent1"/>
+          </a:fillRef>
+          <a:effectRef idx="1">
+            <a:schemeClr val="accent1"/>
+          </a:effectRef>
+          <a:fontRef idx="minor">
+            <a:schemeClr val="tx1"/>
+          </a:fontRef>
+        </p:style>
+      </p:cxnSp>
+      <p:sp>
+        <p:nvSpPr>
+          <p:cNvPr id="31" name="CasellaDiTesto 30">
+            <a:extLst>
+              <a:ext uri="{FF2B5EF4-FFF2-40B4-BE49-F238E27FC236}">
+                <a16:creationId xmlns:a16="http://schemas.microsoft.com/office/drawing/2014/main" id="{42FADE19-07BA-4AC8-80C0-E2D84D838375}"/>
+              </a:ext>
+            </a:extLst>
+          </p:cNvPr>
+          <p:cNvSpPr txBox="1"/>
+          <p:nvPr/>
+        </p:nvSpPr>
+        <p:spPr>
+          <a:xfrm>
+            <a:off x="6432592" y="2030350"/>
+            <a:ext cx="1002197" cy="261610"/>
+          </a:xfrm>
+          <a:prstGeom prst="rect">
+            <a:avLst/>
+          </a:prstGeom>
+          <a:noFill/>
+        </p:spPr>
+        <p:txBody>
+          <a:bodyPr wrap="none" rtlCol="0">
+            <a:spAutoFit/>
+          </a:bodyPr>
+          <a:lstStyle/>
+          <a:p>
+            <a:r>
+              <a:rPr lang="it-IT" sz="1100" dirty="0"/>
+              <a:t>192.168.0.87</a:t>
+            </a:r>
+          </a:p>
+        </p:txBody>
+      </p:sp>
+    </p:spTree>
+    <p:extLst>
+      <p:ext uri="{BB962C8B-B14F-4D97-AF65-F5344CB8AC3E}">
+        <p14:creationId xmlns:p14="http://schemas.microsoft.com/office/powerpoint/2010/main" val="1157570168"/>
       </p:ext>
     </p:extLst>
   </p:cSld>
@@ -9878,20 +10094,8 @@
           <a:lstStyle/>
           <a:p>
             <a:r>
-              <a:rPr lang="it-IT" dirty="0" err="1"/>
-              <a:t>What</a:t>
-            </a:r>
-            <a:r>
               <a:rPr lang="it-IT" dirty="0"/>
-              <a:t> </a:t>
-            </a:r>
-            <a:r>
-              <a:rPr lang="it-IT" dirty="0" err="1"/>
-              <a:t>is</a:t>
-            </a:r>
-            <a:r>
-              <a:rPr lang="it-IT" dirty="0"/>
-              <a:t> Kubernetes?</a:t>
+              <a:t>Fabio Sforza</a:t>
             </a:r>
           </a:p>
         </p:txBody>
@@ -9919,12 +10123,27 @@
           </a:xfrm>
         </p:spPr>
         <p:txBody>
-          <a:bodyPr/>
-          <a:lstStyle/>
-          <a:p>
+          <a:bodyPr>
+            <a:normAutofit/>
+          </a:bodyPr>
+          <a:lstStyle/>
+          <a:p>
+            <a:r>
+              <a:rPr lang="it-IT" dirty="0"/>
+              <a:t>I Work in Relatech</a:t>
+            </a:r>
+          </a:p>
+          <a:p>
+            <a:endParaRPr lang="it-IT" dirty="0"/>
+          </a:p>
+          <a:p>
+            <a:r>
+              <a:rPr lang="it-IT" dirty="0"/>
+              <a:t>I </a:t>
+            </a:r>
             <a:r>
               <a:rPr lang="it-IT" dirty="0" err="1"/>
-              <a:t>It</a:t>
+              <a:t>am</a:t>
             </a:r>
             <a:r>
               <a:rPr lang="it-IT" dirty="0"/>
@@ -9932,15 +10151,7 @@
             </a:r>
             <a:r>
               <a:rPr lang="it-IT" dirty="0" err="1"/>
-              <a:t>is</a:t>
-            </a:r>
-            <a:r>
-              <a:rPr lang="it-IT" dirty="0"/>
-              <a:t> an Open Source Project, </a:t>
-            </a:r>
-            <a:r>
-              <a:rPr lang="it-IT" dirty="0" err="1"/>
-              <a:t>initially</a:t>
+              <a:t>DevOps</a:t>
             </a:r>
             <a:r>
               <a:rPr lang="it-IT" dirty="0"/>
@@ -9948,85 +10159,52 @@
             </a:r>
             <a:r>
               <a:rPr lang="it-IT" dirty="0" err="1"/>
-              <a:t>written</a:t>
+              <a:t>Engineer</a:t>
+            </a:r>
+            <a:endParaRPr lang="it-IT" b="1" dirty="0"/>
+          </a:p>
+          <a:p>
+            <a:pPr marL="0" indent="0">
+              <a:buNone/>
+            </a:pPr>
+            <a:endParaRPr lang="it-IT" dirty="0"/>
+          </a:p>
+          <a:p>
+            <a:r>
+              <a:rPr lang="it-IT" dirty="0" err="1"/>
+              <a:t>I'm</a:t>
             </a:r>
             <a:r>
               <a:rPr lang="it-IT" dirty="0"/>
-              <a:t> by Google</a:t>
+              <a:t> a </a:t>
+            </a:r>
+            <a:r>
+              <a:rPr lang="it-IT" dirty="0" err="1"/>
+              <a:t>sofa</a:t>
+            </a:r>
+            <a:r>
+              <a:rPr lang="it-IT" dirty="0"/>
+              <a:t> sportsman</a:t>
             </a:r>
           </a:p>
           <a:p>
             <a:endParaRPr lang="it-IT" dirty="0"/>
           </a:p>
           <a:p>
-            <a:endParaRPr lang="it-IT" dirty="0"/>
-          </a:p>
-          <a:p>
-            <a:r>
-              <a:rPr lang="it-IT" dirty="0" err="1"/>
-              <a:t>It</a:t>
-            </a:r>
-            <a:r>
-              <a:rPr lang="it-IT" dirty="0"/>
-              <a:t> </a:t>
-            </a:r>
-            <a:r>
-              <a:rPr lang="it-IT" dirty="0" err="1"/>
-              <a:t>is</a:t>
-            </a:r>
-            <a:r>
-              <a:rPr lang="it-IT" dirty="0"/>
-              <a:t> </a:t>
-            </a:r>
-            <a:r>
-              <a:rPr lang="it-IT" dirty="0" err="1"/>
-              <a:t>maintained</a:t>
-            </a:r>
-            <a:r>
-              <a:rPr lang="it-IT" dirty="0"/>
-              <a:t> by CNCF</a:t>
-            </a:r>
-          </a:p>
-          <a:p>
-            <a:endParaRPr lang="it-IT" dirty="0"/>
-          </a:p>
-          <a:p>
-            <a:endParaRPr lang="it-IT" dirty="0"/>
-          </a:p>
-          <a:p>
-            <a:r>
-              <a:rPr lang="it-IT" dirty="0" err="1"/>
-              <a:t>It</a:t>
-            </a:r>
-            <a:r>
-              <a:rPr lang="it-IT" dirty="0"/>
-              <a:t> </a:t>
-            </a:r>
-            <a:r>
-              <a:rPr lang="it-IT" dirty="0" err="1"/>
-              <a:t>is</a:t>
-            </a:r>
-            <a:r>
-              <a:rPr lang="it-IT" dirty="0"/>
-              <a:t> </a:t>
-            </a:r>
-            <a:r>
-              <a:rPr lang="it-IT" dirty="0" err="1"/>
-              <a:t>born</a:t>
-            </a:r>
-            <a:r>
-              <a:rPr lang="it-IT" dirty="0"/>
-              <a:t> to use Containers in a Production Environment</a:t>
-            </a:r>
+            <a:r>
+              <a:rPr lang="en-US" dirty="0"/>
+              <a:t>I'm a wasted talent in baking</a:t>
+            </a:r>
+            <a:endParaRPr lang="it-IT" b="1" dirty="0"/>
           </a:p>
         </p:txBody>
       </p:sp>
       <p:pic>
         <p:nvPicPr>
-          <p:cNvPr id="2050" name="Picture 2" descr="Risultati immagini per cncf">
-            <a:extLst>
-              <a:ext uri="{FF2B5EF4-FFF2-40B4-BE49-F238E27FC236}">
-                <a16:creationId xmlns:a16="http://schemas.microsoft.com/office/drawing/2014/main" id="{B54C7E16-7D96-4B36-B9E8-24A2218B8B2C}"/>
+          <p:cNvPr id="2052" name="Picture 4" descr="Risultati immagini per kubernetes logo">
+            <a:extLst>
+              <a:ext uri="{FF2B5EF4-FFF2-40B4-BE49-F238E27FC236}">
+                <a16:creationId xmlns:a16="http://schemas.microsoft.com/office/drawing/2014/main" id="{2EF0C7C2-B372-4C6C-8620-3476E8ABBDF5}"/>
               </a:ext>
             </a:extLst>
           </p:cNvPr>
@@ -10050,8 +10228,8 @@
         </p:blipFill>
         <p:spPr bwMode="auto">
           <a:xfrm>
-            <a:off x="7698922" y="2926897"/>
-            <a:ext cx="1511754" cy="1511754"/>
+            <a:off x="7849959" y="379411"/>
+            <a:ext cx="3868511" cy="835659"/>
           </a:xfrm>
           <a:prstGeom prst="rect">
             <a:avLst/>
@@ -10070,10 +10248,10 @@
       </p:pic>
       <p:pic>
         <p:nvPicPr>
-          <p:cNvPr id="2052" name="Picture 4" descr="Risultati immagini per kubernetes logo">
-            <a:extLst>
-              <a:ext uri="{FF2B5EF4-FFF2-40B4-BE49-F238E27FC236}">
-                <a16:creationId xmlns:a16="http://schemas.microsoft.com/office/drawing/2014/main" id="{2EF0C7C2-B372-4C6C-8620-3476E8ABBDF5}"/>
+          <p:cNvPr id="1026" name="Picture 2" descr="L'immagine puÃ² contenere: 2 persone, persone sedute e barba">
+            <a:extLst>
+              <a:ext uri="{FF2B5EF4-FFF2-40B4-BE49-F238E27FC236}">
+                <a16:creationId xmlns:a16="http://schemas.microsoft.com/office/drawing/2014/main" id="{EE4AC702-C8C6-4AA5-87E9-B18074C39864}"/>
               </a:ext>
             </a:extLst>
           </p:cNvPr>
@@ -10097,8 +10275,8 @@
         </p:blipFill>
         <p:spPr bwMode="auto">
           <a:xfrm>
-            <a:off x="7849959" y="379411"/>
-            <a:ext cx="3868511" cy="835659"/>
+            <a:off x="9042633" y="1335947"/>
+            <a:ext cx="2093053" cy="2093053"/>
           </a:xfrm>
           <a:prstGeom prst="rect">
             <a:avLst/>
@@ -10119,6 +10297,190 @@
     <p:extLst>
       <p:ext uri="{BB962C8B-B14F-4D97-AF65-F5344CB8AC3E}">
         <p14:creationId xmlns:p14="http://schemas.microsoft.com/office/powerpoint/2010/main" val="3066500070"/>
+      </p:ext>
+    </p:extLst>
+  </p:cSld>
+  <p:clrMapOvr>
+    <a:masterClrMapping/>
+  </p:clrMapOvr>
+</p:sld>
+</file>
+
+<file path=ppt/slides/slide20.xml><?xml version="1.0" encoding="utf-8"?>
+<p:sld xmlns:a="http://schemas.openxmlformats.org/drawingml/2006/main" xmlns:r="http://schemas.openxmlformats.org/officeDocument/2006/relationships" xmlns:p="http://schemas.openxmlformats.org/presentationml/2006/main">
+  <p:cSld>
+    <p:spTree>
+      <p:nvGrpSpPr>
+        <p:cNvPr id="1" name=""/>
+        <p:cNvGrpSpPr/>
+        <p:nvPr/>
+      </p:nvGrpSpPr>
+      <p:grpSpPr>
+        <a:xfrm>
+          <a:off x="0" y="0"/>
+          <a:ext cx="0" cy="0"/>
+          <a:chOff x="0" y="0"/>
+          <a:chExt cx="0" cy="0"/>
+        </a:xfrm>
+      </p:grpSpPr>
+      <p:sp>
+        <p:nvSpPr>
+          <p:cNvPr id="2" name="Titolo 1">
+            <a:extLst>
+              <a:ext uri="{FF2B5EF4-FFF2-40B4-BE49-F238E27FC236}">
+                <a16:creationId xmlns:a16="http://schemas.microsoft.com/office/drawing/2014/main" id="{390F3EB2-CCD3-4263-8C51-13A0788C3F71}"/>
+              </a:ext>
+            </a:extLst>
+          </p:cNvPr>
+          <p:cNvSpPr>
+            <a:spLocks noGrp="1"/>
+          </p:cNvSpPr>
+          <p:nvPr>
+            <p:ph type="title"/>
+          </p:nvPr>
+        </p:nvSpPr>
+        <p:spPr/>
+        <p:txBody>
+          <a:bodyPr/>
+          <a:lstStyle/>
+          <a:p>
+            <a:r>
+              <a:rPr lang="it-IT" dirty="0"/>
+              <a:t>Secret</a:t>
+            </a:r>
+          </a:p>
+        </p:txBody>
+      </p:sp>
+      <p:pic>
+        <p:nvPicPr>
+          <p:cNvPr id="2052" name="Picture 4" descr="Risultati immagini per kubernetes logo">
+            <a:extLst>
+              <a:ext uri="{FF2B5EF4-FFF2-40B4-BE49-F238E27FC236}">
+                <a16:creationId xmlns:a16="http://schemas.microsoft.com/office/drawing/2014/main" id="{2EF0C7C2-B372-4C6C-8620-3476E8ABBDF5}"/>
+              </a:ext>
+            </a:extLst>
+          </p:cNvPr>
+          <p:cNvPicPr>
+            <a:picLocks noChangeAspect="1" noChangeArrowheads="1"/>
+          </p:cNvPicPr>
+          <p:nvPr/>
+        </p:nvPicPr>
+        <p:blipFill>
+          <a:blip r:embed="rId2">
+            <a:extLst>
+              <a:ext uri="{28A0092B-C50C-407E-A947-70E740481C1C}">
+                <a14:useLocalDpi xmlns:a14="http://schemas.microsoft.com/office/drawing/2010/main" val="0"/>
+              </a:ext>
+            </a:extLst>
+          </a:blip>
+          <a:srcRect/>
+          <a:stretch>
+            <a:fillRect/>
+          </a:stretch>
+        </p:blipFill>
+        <p:spPr bwMode="auto">
+          <a:xfrm>
+            <a:off x="7849959" y="379411"/>
+            <a:ext cx="3868511" cy="835659"/>
+          </a:xfrm>
+          <a:prstGeom prst="rect">
+            <a:avLst/>
+          </a:prstGeom>
+          <a:noFill/>
+          <a:extLst>
+            <a:ext uri="{909E8E84-426E-40DD-AFC4-6F175D3DCCD1}">
+              <a14:hiddenFill xmlns:a14="http://schemas.microsoft.com/office/drawing/2010/main">
+                <a:solidFill>
+                  <a:srgbClr val="FFFFFF"/>
+                </a:solidFill>
+              </a14:hiddenFill>
+            </a:ext>
+          </a:extLst>
+        </p:spPr>
+      </p:pic>
+      <p:sp>
+        <p:nvSpPr>
+          <p:cNvPr id="4" name="Segnaposto contenuto 3">
+            <a:extLst>
+              <a:ext uri="{FF2B5EF4-FFF2-40B4-BE49-F238E27FC236}">
+                <a16:creationId xmlns:a16="http://schemas.microsoft.com/office/drawing/2014/main" id="{725997EF-BA1F-48AA-9CD4-DB729382E2A8}"/>
+              </a:ext>
+            </a:extLst>
+          </p:cNvPr>
+          <p:cNvSpPr>
+            <a:spLocks noGrp="1"/>
+          </p:cNvSpPr>
+          <p:nvPr>
+            <p:ph idx="1"/>
+          </p:nvPr>
+        </p:nvSpPr>
+        <p:spPr/>
+        <p:txBody>
+          <a:bodyPr/>
+          <a:lstStyle/>
+          <a:p>
+            <a:pPr fontAlgn="base"/>
+            <a:r>
+              <a:rPr lang="en-US" sz="2000" dirty="0"/>
+              <a:t>Functionally identical to a </a:t>
+            </a:r>
+            <a:r>
+              <a:rPr lang="en-US" sz="2000" dirty="0" err="1"/>
+              <a:t>ConfigMap</a:t>
+            </a:r>
+            <a:r>
+              <a:rPr lang="en-US" sz="2000" dirty="0"/>
+              <a:t>.</a:t>
+            </a:r>
+          </a:p>
+          <a:p>
+            <a:pPr fontAlgn="base"/>
+            <a:endParaRPr lang="en-US" sz="2000" dirty="0"/>
+          </a:p>
+          <a:p>
+            <a:pPr fontAlgn="base"/>
+            <a:r>
+              <a:rPr lang="en-US" sz="2000" dirty="0"/>
+              <a:t>Stored as </a:t>
+            </a:r>
+            <a:r>
+              <a:rPr lang="en-US" sz="2000" b="1" dirty="0"/>
+              <a:t>base64 encoded content.</a:t>
+            </a:r>
+            <a:endParaRPr lang="en-US" sz="2000" dirty="0"/>
+          </a:p>
+          <a:p>
+            <a:pPr fontAlgn="base"/>
+            <a:endParaRPr lang="en-US" sz="2000" dirty="0"/>
+          </a:p>
+          <a:p>
+            <a:pPr fontAlgn="base"/>
+            <a:r>
+              <a:rPr lang="en-US" sz="2000" dirty="0"/>
+              <a:t>Ideal for username/passwords, certificates or other sensitive information that should not be stored in a container.</a:t>
+            </a:r>
+          </a:p>
+          <a:p>
+            <a:pPr fontAlgn="base"/>
+            <a:endParaRPr lang="en-US" sz="2000" dirty="0"/>
+          </a:p>
+          <a:p>
+            <a:pPr fontAlgn="base"/>
+            <a:r>
+              <a:rPr lang="en-US" sz="2000" dirty="0"/>
+              <a:t>Can be created from a manifest, literals, directories, or from files directly.</a:t>
+            </a:r>
+          </a:p>
+          <a:p>
+            <a:pPr fontAlgn="base"/>
+            <a:endParaRPr lang="en-US" dirty="0"/>
+          </a:p>
+        </p:txBody>
+      </p:sp>
+    </p:spTree>
+    <p:extLst>
+      <p:ext uri="{BB962C8B-B14F-4D97-AF65-F5344CB8AC3E}">
+        <p14:creationId xmlns:p14="http://schemas.microsoft.com/office/powerpoint/2010/main" val="2540725245"/>
       </p:ext>
     </p:extLst>
   </p:cSld>
@@ -10145,40 +10507,12 @@
           <a:chExt cx="0" cy="0"/>
         </a:xfrm>
       </p:grpSpPr>
-      <p:sp>
-        <p:nvSpPr>
-          <p:cNvPr id="2" name="Titolo 1">
-            <a:extLst>
-              <a:ext uri="{FF2B5EF4-FFF2-40B4-BE49-F238E27FC236}">
-                <a16:creationId xmlns:a16="http://schemas.microsoft.com/office/drawing/2014/main" id="{390F3EB2-CCD3-4263-8C51-13A0788C3F71}"/>
-              </a:ext>
-            </a:extLst>
-          </p:cNvPr>
-          <p:cNvSpPr>
-            <a:spLocks noGrp="1"/>
-          </p:cNvSpPr>
-          <p:nvPr>
-            <p:ph type="title"/>
-          </p:nvPr>
-        </p:nvSpPr>
-        <p:spPr/>
-        <p:txBody>
-          <a:bodyPr/>
-          <a:lstStyle/>
-          <a:p>
-            <a:r>
-              <a:rPr lang="it-IT" dirty="0"/>
-              <a:t>Kubernetes Cluster</a:t>
-            </a:r>
-          </a:p>
-        </p:txBody>
-      </p:sp>
       <p:pic>
         <p:nvPicPr>
-          <p:cNvPr id="2052" name="Picture 4" descr="Risultati immagini per kubernetes logo">
-            <a:extLst>
-              <a:ext uri="{FF2B5EF4-FFF2-40B4-BE49-F238E27FC236}">
-                <a16:creationId xmlns:a16="http://schemas.microsoft.com/office/drawing/2014/main" id="{2EF0C7C2-B372-4C6C-8620-3476E8ABBDF5}"/>
+          <p:cNvPr id="2050" name="Picture 2" descr="https://lh3.googleusercontent.com/3AlJxaA4lVSUyvmb7i39jvhbgYa73IurAFRP9pfxYghQ9jb3XnyE6BciLnXBKWPHkfGWY9qZsVeCJDEQddfImegAu-faRIRB9wrjN7EwcCjXTcPJJ7qeu6kQAASfeonjnEmQyaJZmBRqXUCujszgmBBUt-jtsfeTWconIS7xzjmkvU8uSHcPq4Ya-qotrh6l9N4lHeDi7xtjYCeXpRdtPdqcufDNI4cdiF5yvZZVS0A55Dk0nnZxC610ybV5nuLgAPqSQkatlXXnp_ruMM25bLMVJ81857OJrbshgrnKFusVbsKNxddt9SwRHrWxDru2xiIsmX7KD2nUQJxkJveYDov5GzEU5FMW7nn0f101AkCZYuXzuMk1WvhpYdEBS-tZ3TG6zad20QcARaF6_n0Y8_Dbse5goAXuoq0Si98MPIUU5Mm6bQGkrlS-WtkYVM7aN0S6fvlAkiKYyp-S2tEYYkUuIM7R5WR_KJ8444JZ7gYPLpi_jfco1hJRT5q_0Aly0YdKIu9xP7XcH1xgYm8wlo2E88ghU3YdgMtTsgg_AaJycODruECx4LuHxyUPKRmSw9HV-0kKAYdZIEV8cqfFNIwbziqXq3EFZ1qGwj8acGtAws75Huuc2bXqY5UXjIZ9HILk5ZJEt798IwYEHLOfM8MyRNRnoWE=w1250-h937-no">
+            <a:extLst>
+              <a:ext uri="{FF2B5EF4-FFF2-40B4-BE49-F238E27FC236}">
+                <a16:creationId xmlns:a16="http://schemas.microsoft.com/office/drawing/2014/main" id="{AC483B3E-FAEC-4E57-8BD1-DA2DE0035508}"/>
               </a:ext>
             </a:extLst>
           </p:cNvPr>
@@ -10187,7 +10521,7 @@
           </p:cNvPicPr>
           <p:nvPr/>
         </p:nvPicPr>
-        <p:blipFill>
+        <p:blipFill rotWithShape="1">
           <a:blip r:embed="rId2">
             <a:extLst>
               <a:ext uri="{28A0092B-C50C-407E-A947-70E740481C1C}">
@@ -10195,15 +10529,13 @@
               </a:ext>
             </a:extLst>
           </a:blip>
-          <a:srcRect/>
-          <a:stretch>
-            <a:fillRect/>
-          </a:stretch>
+          <a:srcRect l="13080" t="4969" b="18230"/>
+          <a:stretch/>
         </p:blipFill>
         <p:spPr bwMode="auto">
           <a:xfrm>
-            <a:off x="7849959" y="379411"/>
-            <a:ext cx="3868511" cy="835659"/>
+            <a:off x="2676088" y="1593908"/>
+            <a:ext cx="5972963" cy="3959603"/>
           </a:xfrm>
           <a:prstGeom prst="rect">
             <a:avLst/>
@@ -10220,727 +10552,10 @@
           </a:extLst>
         </p:spPr>
       </p:pic>
-      <p:sp>
-        <p:nvSpPr>
-          <p:cNvPr id="4" name="Rettangolo 3">
-            <a:extLst>
-              <a:ext uri="{FF2B5EF4-FFF2-40B4-BE49-F238E27FC236}">
-                <a16:creationId xmlns:a16="http://schemas.microsoft.com/office/drawing/2014/main" id="{57CE466D-8C75-4E04-A2A2-687F80849927}"/>
-              </a:ext>
-            </a:extLst>
-          </p:cNvPr>
-          <p:cNvSpPr/>
-          <p:nvPr/>
-        </p:nvSpPr>
-        <p:spPr>
-          <a:xfrm>
-            <a:off x="951139" y="2686050"/>
-            <a:ext cx="1845129" cy="2743200"/>
-          </a:xfrm>
-          <a:prstGeom prst="rect">
-            <a:avLst/>
-          </a:prstGeom>
-          <a:solidFill>
-            <a:schemeClr val="bg1"/>
-          </a:solidFill>
-        </p:spPr>
-        <p:style>
-          <a:lnRef idx="2">
-            <a:schemeClr val="accent1">
-              <a:shade val="50000"/>
-            </a:schemeClr>
-          </a:lnRef>
-          <a:fillRef idx="1">
-            <a:schemeClr val="accent1"/>
-          </a:fillRef>
-          <a:effectRef idx="0">
-            <a:schemeClr val="accent1"/>
-          </a:effectRef>
-          <a:fontRef idx="minor">
-            <a:schemeClr val="lt1"/>
-          </a:fontRef>
-        </p:style>
-        <p:txBody>
-          <a:bodyPr rtlCol="0" anchor="ctr"/>
-          <a:lstStyle/>
-          <a:p>
-            <a:pPr algn="ctr"/>
-            <a:endParaRPr lang="it-IT"/>
-          </a:p>
-        </p:txBody>
-      </p:sp>
-      <p:pic>
-        <p:nvPicPr>
-          <p:cNvPr id="3074" name="Picture 2" descr="Risultati immagini per kubernetes logo">
-            <a:extLst>
-              <a:ext uri="{FF2B5EF4-FFF2-40B4-BE49-F238E27FC236}">
-                <a16:creationId xmlns:a16="http://schemas.microsoft.com/office/drawing/2014/main" id="{54B423B2-3C8D-4572-8D76-D6B7C8CACF0D}"/>
-              </a:ext>
-            </a:extLst>
-          </p:cNvPr>
-          <p:cNvPicPr>
-            <a:picLocks noChangeAspect="1" noChangeArrowheads="1"/>
-          </p:cNvPicPr>
-          <p:nvPr/>
-        </p:nvPicPr>
-        <p:blipFill>
-          <a:blip r:embed="rId3">
-            <a:extLst>
-              <a:ext uri="{28A0092B-C50C-407E-A947-70E740481C1C}">
-                <a14:useLocalDpi xmlns:a14="http://schemas.microsoft.com/office/drawing/2010/main" val="0"/>
-              </a:ext>
-            </a:extLst>
-          </a:blip>
-          <a:srcRect/>
-          <a:stretch>
-            <a:fillRect/>
-          </a:stretch>
-        </p:blipFill>
-        <p:spPr bwMode="auto">
-          <a:xfrm>
-            <a:off x="4098860" y="1160863"/>
-            <a:ext cx="1024229" cy="999726"/>
-          </a:xfrm>
-          <a:prstGeom prst="rect">
-            <a:avLst/>
-          </a:prstGeom>
-          <a:noFill/>
-          <a:extLst>
-            <a:ext uri="{909E8E84-426E-40DD-AFC4-6F175D3DCCD1}">
-              <a14:hiddenFill xmlns:a14="http://schemas.microsoft.com/office/drawing/2010/main">
-                <a:solidFill>
-                  <a:srgbClr val="FFFFFF"/>
-                </a:solidFill>
-              </a14:hiddenFill>
-            </a:ext>
-          </a:extLst>
-        </p:spPr>
-      </p:pic>
-      <p:sp>
-        <p:nvSpPr>
-          <p:cNvPr id="5" name="CasellaDiTesto 4">
-            <a:extLst>
-              <a:ext uri="{FF2B5EF4-FFF2-40B4-BE49-F238E27FC236}">
-                <a16:creationId xmlns:a16="http://schemas.microsoft.com/office/drawing/2014/main" id="{0790C00F-B3E7-4CF3-8AD1-EDB8D87A55FA}"/>
-              </a:ext>
-            </a:extLst>
-          </p:cNvPr>
-          <p:cNvSpPr txBox="1"/>
-          <p:nvPr/>
-        </p:nvSpPr>
-        <p:spPr>
-          <a:xfrm>
-            <a:off x="1423098" y="5715000"/>
-            <a:ext cx="901209" cy="369332"/>
-          </a:xfrm>
-          <a:prstGeom prst="rect">
-            <a:avLst/>
-          </a:prstGeom>
-          <a:noFill/>
-        </p:spPr>
-        <p:txBody>
-          <a:bodyPr wrap="none" rtlCol="0">
-            <a:spAutoFit/>
-          </a:bodyPr>
-          <a:lstStyle/>
-          <a:p>
-            <a:r>
-              <a:rPr lang="it-IT" dirty="0" err="1"/>
-              <a:t>Node</a:t>
-            </a:r>
-            <a:r>
-              <a:rPr lang="it-IT" dirty="0"/>
-              <a:t> 1</a:t>
-            </a:r>
-          </a:p>
-        </p:txBody>
-      </p:sp>
-      <p:sp>
-        <p:nvSpPr>
-          <p:cNvPr id="11" name="CasellaDiTesto 10">
-            <a:extLst>
-              <a:ext uri="{FF2B5EF4-FFF2-40B4-BE49-F238E27FC236}">
-                <a16:creationId xmlns:a16="http://schemas.microsoft.com/office/drawing/2014/main" id="{550BAA31-B2C5-4BB1-9A81-8DA427C0FE49}"/>
-              </a:ext>
-            </a:extLst>
-          </p:cNvPr>
-          <p:cNvSpPr txBox="1"/>
-          <p:nvPr/>
-        </p:nvSpPr>
-        <p:spPr>
-          <a:xfrm>
-            <a:off x="4163575" y="5715000"/>
-            <a:ext cx="870751" cy="369332"/>
-          </a:xfrm>
-          <a:prstGeom prst="rect">
-            <a:avLst/>
-          </a:prstGeom>
-          <a:noFill/>
-        </p:spPr>
-        <p:txBody>
-          <a:bodyPr wrap="none" rtlCol="0">
-            <a:spAutoFit/>
-          </a:bodyPr>
-          <a:lstStyle/>
-          <a:p>
-            <a:r>
-              <a:rPr lang="it-IT" dirty="0"/>
-              <a:t>Master</a:t>
-            </a:r>
-          </a:p>
-        </p:txBody>
-      </p:sp>
-      <p:sp>
-        <p:nvSpPr>
-          <p:cNvPr id="12" name="CasellaDiTesto 11">
-            <a:extLst>
-              <a:ext uri="{FF2B5EF4-FFF2-40B4-BE49-F238E27FC236}">
-                <a16:creationId xmlns:a16="http://schemas.microsoft.com/office/drawing/2014/main" id="{0A22E50A-C5B0-4287-B549-19EFD33656A7}"/>
-              </a:ext>
-            </a:extLst>
-          </p:cNvPr>
-          <p:cNvSpPr txBox="1"/>
-          <p:nvPr/>
-        </p:nvSpPr>
-        <p:spPr>
-          <a:xfrm>
-            <a:off x="6873594" y="5715000"/>
-            <a:ext cx="901209" cy="369332"/>
-          </a:xfrm>
-          <a:prstGeom prst="rect">
-            <a:avLst/>
-          </a:prstGeom>
-          <a:noFill/>
-        </p:spPr>
-        <p:txBody>
-          <a:bodyPr wrap="none" rtlCol="0">
-            <a:spAutoFit/>
-          </a:bodyPr>
-          <a:lstStyle/>
-          <a:p>
-            <a:r>
-              <a:rPr lang="it-IT" dirty="0" err="1"/>
-              <a:t>Node</a:t>
-            </a:r>
-            <a:r>
-              <a:rPr lang="it-IT" dirty="0"/>
-              <a:t> 2</a:t>
-            </a:r>
-          </a:p>
-        </p:txBody>
-      </p:sp>
-      <p:pic>
-        <p:nvPicPr>
-          <p:cNvPr id="3076" name="Picture 4" descr="Risultati immagini per docker icon">
-            <a:extLst>
-              <a:ext uri="{FF2B5EF4-FFF2-40B4-BE49-F238E27FC236}">
-                <a16:creationId xmlns:a16="http://schemas.microsoft.com/office/drawing/2014/main" id="{4A753ABF-0707-4543-83AE-8CEC359EC660}"/>
-              </a:ext>
-            </a:extLst>
-          </p:cNvPr>
-          <p:cNvPicPr>
-            <a:picLocks noChangeAspect="1" noChangeArrowheads="1"/>
-          </p:cNvPicPr>
-          <p:nvPr/>
-        </p:nvPicPr>
-        <p:blipFill>
-          <a:blip r:embed="rId4">
-            <a:extLst>
-              <a:ext uri="{28A0092B-C50C-407E-A947-70E740481C1C}">
-                <a14:useLocalDpi xmlns:a14="http://schemas.microsoft.com/office/drawing/2010/main" val="0"/>
-              </a:ext>
-            </a:extLst>
-          </a:blip>
-          <a:srcRect/>
-          <a:stretch>
-            <a:fillRect/>
-          </a:stretch>
-        </p:blipFill>
-        <p:spPr bwMode="auto">
-          <a:xfrm>
-            <a:off x="1482496" y="4686300"/>
-            <a:ext cx="782411" cy="782411"/>
-          </a:xfrm>
-          <a:prstGeom prst="rect">
-            <a:avLst/>
-          </a:prstGeom>
-          <a:noFill/>
-          <a:extLst>
-            <a:ext uri="{909E8E84-426E-40DD-AFC4-6F175D3DCCD1}">
-              <a14:hiddenFill xmlns:a14="http://schemas.microsoft.com/office/drawing/2010/main">
-                <a:solidFill>
-                  <a:srgbClr val="FFFFFF"/>
-                </a:solidFill>
-              </a14:hiddenFill>
-            </a:ext>
-          </a:extLst>
-        </p:spPr>
-      </p:pic>
-      <p:cxnSp>
-        <p:nvCxnSpPr>
-          <p:cNvPr id="9" name="Connettore 2 8">
-            <a:extLst>
-              <a:ext uri="{FF2B5EF4-FFF2-40B4-BE49-F238E27FC236}">
-                <a16:creationId xmlns:a16="http://schemas.microsoft.com/office/drawing/2014/main" id="{47FB5F53-13E8-4302-9E74-C7AB26525800}"/>
-              </a:ext>
-            </a:extLst>
-          </p:cNvPr>
-          <p:cNvCxnSpPr>
-            <a:stCxn id="4" idx="0"/>
-            <a:endCxn id="3074" idx="2"/>
-          </p:cNvCxnSpPr>
-          <p:nvPr/>
-        </p:nvCxnSpPr>
-        <p:spPr>
-          <a:xfrm flipV="1">
-            <a:off x="1873704" y="2160589"/>
-            <a:ext cx="2737271" cy="525461"/>
-          </a:xfrm>
-          <a:prstGeom prst="straightConnector1">
-            <a:avLst/>
-          </a:prstGeom>
-          <a:ln>
-            <a:tailEnd type="triangle"/>
-          </a:ln>
-        </p:spPr>
-        <p:style>
-          <a:lnRef idx="2">
-            <a:schemeClr val="accent1"/>
-          </a:lnRef>
-          <a:fillRef idx="0">
-            <a:schemeClr val="accent1"/>
-          </a:fillRef>
-          <a:effectRef idx="1">
-            <a:schemeClr val="accent1"/>
-          </a:effectRef>
-          <a:fontRef idx="minor">
-            <a:schemeClr val="tx1"/>
-          </a:fontRef>
-        </p:style>
-      </p:cxnSp>
-      <p:cxnSp>
-        <p:nvCxnSpPr>
-          <p:cNvPr id="13" name="Connettore 2 12">
-            <a:extLst>
-              <a:ext uri="{FF2B5EF4-FFF2-40B4-BE49-F238E27FC236}">
-                <a16:creationId xmlns:a16="http://schemas.microsoft.com/office/drawing/2014/main" id="{7AE9E489-A9B7-44FD-9375-8F3E9F006016}"/>
-              </a:ext>
-            </a:extLst>
-          </p:cNvPr>
-          <p:cNvCxnSpPr>
-            <a:cxnSpLocks/>
-            <a:stCxn id="23" idx="0"/>
-            <a:endCxn id="3074" idx="2"/>
-          </p:cNvCxnSpPr>
-          <p:nvPr/>
-        </p:nvCxnSpPr>
-        <p:spPr>
-          <a:xfrm flipV="1">
-            <a:off x="4610100" y="2160589"/>
-            <a:ext cx="875" cy="522738"/>
-          </a:xfrm>
-          <a:prstGeom prst="straightConnector1">
-            <a:avLst/>
-          </a:prstGeom>
-          <a:ln>
-            <a:tailEnd type="triangle"/>
-          </a:ln>
-        </p:spPr>
-        <p:style>
-          <a:lnRef idx="2">
-            <a:schemeClr val="accent1"/>
-          </a:lnRef>
-          <a:fillRef idx="0">
-            <a:schemeClr val="accent1"/>
-          </a:fillRef>
-          <a:effectRef idx="1">
-            <a:schemeClr val="accent1"/>
-          </a:effectRef>
-          <a:fontRef idx="minor">
-            <a:schemeClr val="tx1"/>
-          </a:fontRef>
-        </p:style>
-      </p:cxnSp>
-      <p:cxnSp>
-        <p:nvCxnSpPr>
-          <p:cNvPr id="17" name="Connettore 2 16">
-            <a:extLst>
-              <a:ext uri="{FF2B5EF4-FFF2-40B4-BE49-F238E27FC236}">
-                <a16:creationId xmlns:a16="http://schemas.microsoft.com/office/drawing/2014/main" id="{3BA37854-BA72-4669-86D4-1BB73A01F1C8}"/>
-              </a:ext>
-            </a:extLst>
-          </p:cNvPr>
-          <p:cNvCxnSpPr>
-            <a:cxnSpLocks/>
-            <a:stCxn id="26" idx="0"/>
-            <a:endCxn id="3074" idx="2"/>
-          </p:cNvCxnSpPr>
-          <p:nvPr/>
-        </p:nvCxnSpPr>
-        <p:spPr>
-          <a:xfrm flipH="1" flipV="1">
-            <a:off x="4610975" y="2160589"/>
-            <a:ext cx="2678369" cy="522738"/>
-          </a:xfrm>
-          <a:prstGeom prst="straightConnector1">
-            <a:avLst/>
-          </a:prstGeom>
-          <a:ln>
-            <a:tailEnd type="triangle"/>
-          </a:ln>
-        </p:spPr>
-        <p:style>
-          <a:lnRef idx="2">
-            <a:schemeClr val="accent1"/>
-          </a:lnRef>
-          <a:fillRef idx="0">
-            <a:schemeClr val="accent1"/>
-          </a:fillRef>
-          <a:effectRef idx="1">
-            <a:schemeClr val="accent1"/>
-          </a:effectRef>
-          <a:fontRef idx="minor">
-            <a:schemeClr val="tx1"/>
-          </a:fontRef>
-        </p:style>
-      </p:cxnSp>
-      <p:sp>
-        <p:nvSpPr>
-          <p:cNvPr id="18" name="Rettangolo 17">
-            <a:extLst>
-              <a:ext uri="{FF2B5EF4-FFF2-40B4-BE49-F238E27FC236}">
-                <a16:creationId xmlns:a16="http://schemas.microsoft.com/office/drawing/2014/main" id="{A5520558-33F2-4F7B-AD1E-81042612CC06}"/>
-              </a:ext>
-            </a:extLst>
-          </p:cNvPr>
-          <p:cNvSpPr/>
-          <p:nvPr/>
-        </p:nvSpPr>
-        <p:spPr>
-          <a:xfrm>
-            <a:off x="951138" y="4686300"/>
-            <a:ext cx="1845129" cy="740227"/>
-          </a:xfrm>
-          <a:prstGeom prst="rect">
-            <a:avLst/>
-          </a:prstGeom>
-          <a:noFill/>
-        </p:spPr>
-        <p:style>
-          <a:lnRef idx="2">
-            <a:schemeClr val="accent1">
-              <a:shade val="50000"/>
-            </a:schemeClr>
-          </a:lnRef>
-          <a:fillRef idx="1">
-            <a:schemeClr val="accent1"/>
-          </a:fillRef>
-          <a:effectRef idx="0">
-            <a:schemeClr val="accent1"/>
-          </a:effectRef>
-          <a:fontRef idx="minor">
-            <a:schemeClr val="lt1"/>
-          </a:fontRef>
-        </p:style>
-        <p:txBody>
-          <a:bodyPr rtlCol="0" anchor="ctr"/>
-          <a:lstStyle/>
-          <a:p>
-            <a:pPr algn="ctr"/>
-            <a:endParaRPr lang="it-IT"/>
-          </a:p>
-        </p:txBody>
-      </p:sp>
-      <p:sp>
-        <p:nvSpPr>
-          <p:cNvPr id="23" name="Rettangolo 22">
-            <a:extLst>
-              <a:ext uri="{FF2B5EF4-FFF2-40B4-BE49-F238E27FC236}">
-                <a16:creationId xmlns:a16="http://schemas.microsoft.com/office/drawing/2014/main" id="{574D55E9-54F6-4482-9EFC-66109223F7F0}"/>
-              </a:ext>
-            </a:extLst>
-          </p:cNvPr>
-          <p:cNvSpPr/>
-          <p:nvPr/>
-        </p:nvSpPr>
-        <p:spPr>
-          <a:xfrm>
-            <a:off x="3687535" y="2683327"/>
-            <a:ext cx="1845129" cy="2743200"/>
-          </a:xfrm>
-          <a:prstGeom prst="rect">
-            <a:avLst/>
-          </a:prstGeom>
-          <a:solidFill>
-            <a:schemeClr val="bg1"/>
-          </a:solidFill>
-        </p:spPr>
-        <p:style>
-          <a:lnRef idx="2">
-            <a:schemeClr val="accent1">
-              <a:shade val="50000"/>
-            </a:schemeClr>
-          </a:lnRef>
-          <a:fillRef idx="1">
-            <a:schemeClr val="accent1"/>
-          </a:fillRef>
-          <a:effectRef idx="0">
-            <a:schemeClr val="accent1"/>
-          </a:effectRef>
-          <a:fontRef idx="minor">
-            <a:schemeClr val="lt1"/>
-          </a:fontRef>
-        </p:style>
-        <p:txBody>
-          <a:bodyPr rtlCol="0" anchor="ctr"/>
-          <a:lstStyle/>
-          <a:p>
-            <a:pPr algn="ctr"/>
-            <a:endParaRPr lang="it-IT"/>
-          </a:p>
-        </p:txBody>
-      </p:sp>
-      <p:pic>
-        <p:nvPicPr>
-          <p:cNvPr id="24" name="Picture 4" descr="Risultati immagini per docker icon">
-            <a:extLst>
-              <a:ext uri="{FF2B5EF4-FFF2-40B4-BE49-F238E27FC236}">
-                <a16:creationId xmlns:a16="http://schemas.microsoft.com/office/drawing/2014/main" id="{73B56792-2A88-4086-AE54-03A3321C0B06}"/>
-              </a:ext>
-            </a:extLst>
-          </p:cNvPr>
-          <p:cNvPicPr>
-            <a:picLocks noChangeAspect="1" noChangeArrowheads="1"/>
-          </p:cNvPicPr>
-          <p:nvPr/>
-        </p:nvPicPr>
-        <p:blipFill>
-          <a:blip r:embed="rId4">
-            <a:extLst>
-              <a:ext uri="{28A0092B-C50C-407E-A947-70E740481C1C}">
-                <a14:useLocalDpi xmlns:a14="http://schemas.microsoft.com/office/drawing/2010/main" val="0"/>
-              </a:ext>
-            </a:extLst>
-          </a:blip>
-          <a:srcRect/>
-          <a:stretch>
-            <a:fillRect/>
-          </a:stretch>
-        </p:blipFill>
-        <p:spPr bwMode="auto">
-          <a:xfrm>
-            <a:off x="4218892" y="4683577"/>
-            <a:ext cx="782411" cy="782411"/>
-          </a:xfrm>
-          <a:prstGeom prst="rect">
-            <a:avLst/>
-          </a:prstGeom>
-          <a:noFill/>
-          <a:extLst>
-            <a:ext uri="{909E8E84-426E-40DD-AFC4-6F175D3DCCD1}">
-              <a14:hiddenFill xmlns:a14="http://schemas.microsoft.com/office/drawing/2010/main">
-                <a:solidFill>
-                  <a:srgbClr val="FFFFFF"/>
-                </a:solidFill>
-              </a14:hiddenFill>
-            </a:ext>
-          </a:extLst>
-        </p:spPr>
-      </p:pic>
-      <p:sp>
-        <p:nvSpPr>
-          <p:cNvPr id="25" name="Rettangolo 24">
-            <a:extLst>
-              <a:ext uri="{FF2B5EF4-FFF2-40B4-BE49-F238E27FC236}">
-                <a16:creationId xmlns:a16="http://schemas.microsoft.com/office/drawing/2014/main" id="{CFE3AA84-FEDA-48FF-8C30-455217F4D45D}"/>
-              </a:ext>
-            </a:extLst>
-          </p:cNvPr>
-          <p:cNvSpPr/>
-          <p:nvPr/>
-        </p:nvSpPr>
-        <p:spPr>
-          <a:xfrm>
-            <a:off x="3687534" y="4683577"/>
-            <a:ext cx="1845129" cy="740227"/>
-          </a:xfrm>
-          <a:prstGeom prst="rect">
-            <a:avLst/>
-          </a:prstGeom>
-          <a:noFill/>
-        </p:spPr>
-        <p:style>
-          <a:lnRef idx="2">
-            <a:schemeClr val="accent1">
-              <a:shade val="50000"/>
-            </a:schemeClr>
-          </a:lnRef>
-          <a:fillRef idx="1">
-            <a:schemeClr val="accent1"/>
-          </a:fillRef>
-          <a:effectRef idx="0">
-            <a:schemeClr val="accent1"/>
-          </a:effectRef>
-          <a:fontRef idx="minor">
-            <a:schemeClr val="lt1"/>
-          </a:fontRef>
-        </p:style>
-        <p:txBody>
-          <a:bodyPr rtlCol="0" anchor="ctr"/>
-          <a:lstStyle/>
-          <a:p>
-            <a:pPr algn="ctr"/>
-            <a:endParaRPr lang="it-IT"/>
-          </a:p>
-        </p:txBody>
-      </p:sp>
-      <p:sp>
-        <p:nvSpPr>
-          <p:cNvPr id="26" name="Rettangolo 25">
-            <a:extLst>
-              <a:ext uri="{FF2B5EF4-FFF2-40B4-BE49-F238E27FC236}">
-                <a16:creationId xmlns:a16="http://schemas.microsoft.com/office/drawing/2014/main" id="{F66F6ED8-EAA6-4FDA-AFF5-FC3BD82DC792}"/>
-              </a:ext>
-            </a:extLst>
-          </p:cNvPr>
-          <p:cNvSpPr/>
-          <p:nvPr/>
-        </p:nvSpPr>
-        <p:spPr>
-          <a:xfrm>
-            <a:off x="6366779" y="2683327"/>
-            <a:ext cx="1845129" cy="2743200"/>
-          </a:xfrm>
-          <a:prstGeom prst="rect">
-            <a:avLst/>
-          </a:prstGeom>
-          <a:solidFill>
-            <a:schemeClr val="bg1"/>
-          </a:solidFill>
-        </p:spPr>
-        <p:style>
-          <a:lnRef idx="2">
-            <a:schemeClr val="accent1">
-              <a:shade val="50000"/>
-            </a:schemeClr>
-          </a:lnRef>
-          <a:fillRef idx="1">
-            <a:schemeClr val="accent1"/>
-          </a:fillRef>
-          <a:effectRef idx="0">
-            <a:schemeClr val="accent1"/>
-          </a:effectRef>
-          <a:fontRef idx="minor">
-            <a:schemeClr val="lt1"/>
-          </a:fontRef>
-        </p:style>
-        <p:txBody>
-          <a:bodyPr rtlCol="0" anchor="ctr"/>
-          <a:lstStyle/>
-          <a:p>
-            <a:pPr algn="ctr"/>
-            <a:endParaRPr lang="it-IT"/>
-          </a:p>
-        </p:txBody>
-      </p:sp>
-      <p:pic>
-        <p:nvPicPr>
-          <p:cNvPr id="27" name="Picture 4" descr="Risultati immagini per docker icon">
-            <a:extLst>
-              <a:ext uri="{FF2B5EF4-FFF2-40B4-BE49-F238E27FC236}">
-                <a16:creationId xmlns:a16="http://schemas.microsoft.com/office/drawing/2014/main" id="{71BF34D4-B522-4075-BBB1-09355416EAAF}"/>
-              </a:ext>
-            </a:extLst>
-          </p:cNvPr>
-          <p:cNvPicPr>
-            <a:picLocks noChangeAspect="1" noChangeArrowheads="1"/>
-          </p:cNvPicPr>
-          <p:nvPr/>
-        </p:nvPicPr>
-        <p:blipFill>
-          <a:blip r:embed="rId4">
-            <a:extLst>
-              <a:ext uri="{28A0092B-C50C-407E-A947-70E740481C1C}">
-                <a14:useLocalDpi xmlns:a14="http://schemas.microsoft.com/office/drawing/2010/main" val="0"/>
-              </a:ext>
-            </a:extLst>
-          </a:blip>
-          <a:srcRect/>
-          <a:stretch>
-            <a:fillRect/>
-          </a:stretch>
-        </p:blipFill>
-        <p:spPr bwMode="auto">
-          <a:xfrm>
-            <a:off x="6898136" y="4683577"/>
-            <a:ext cx="782411" cy="782411"/>
-          </a:xfrm>
-          <a:prstGeom prst="rect">
-            <a:avLst/>
-          </a:prstGeom>
-          <a:noFill/>
-          <a:extLst>
-            <a:ext uri="{909E8E84-426E-40DD-AFC4-6F175D3DCCD1}">
-              <a14:hiddenFill xmlns:a14="http://schemas.microsoft.com/office/drawing/2010/main">
-                <a:solidFill>
-                  <a:srgbClr val="FFFFFF"/>
-                </a:solidFill>
-              </a14:hiddenFill>
-            </a:ext>
-          </a:extLst>
-        </p:spPr>
-      </p:pic>
-      <p:sp>
-        <p:nvSpPr>
-          <p:cNvPr id="28" name="Rettangolo 27">
-            <a:extLst>
-              <a:ext uri="{FF2B5EF4-FFF2-40B4-BE49-F238E27FC236}">
-                <a16:creationId xmlns:a16="http://schemas.microsoft.com/office/drawing/2014/main" id="{63AEA73C-E6B4-4AE8-9142-E88003E1B24A}"/>
-              </a:ext>
-            </a:extLst>
-          </p:cNvPr>
-          <p:cNvSpPr/>
-          <p:nvPr/>
-        </p:nvSpPr>
-        <p:spPr>
-          <a:xfrm>
-            <a:off x="6366778" y="4683577"/>
-            <a:ext cx="1845129" cy="740227"/>
-          </a:xfrm>
-          <a:prstGeom prst="rect">
-            <a:avLst/>
-          </a:prstGeom>
-          <a:noFill/>
-        </p:spPr>
-        <p:style>
-          <a:lnRef idx="2">
-            <a:schemeClr val="accent1">
-              <a:shade val="50000"/>
-            </a:schemeClr>
-          </a:lnRef>
-          <a:fillRef idx="1">
-            <a:schemeClr val="accent1"/>
-          </a:fillRef>
-          <a:effectRef idx="0">
-            <a:schemeClr val="accent1"/>
-          </a:effectRef>
-          <a:fontRef idx="minor">
-            <a:schemeClr val="lt1"/>
-          </a:fontRef>
-        </p:style>
-        <p:txBody>
-          <a:bodyPr rtlCol="0" anchor="ctr"/>
-          <a:lstStyle/>
-          <a:p>
-            <a:pPr algn="ctr"/>
-            <a:endParaRPr lang="it-IT"/>
-          </a:p>
-        </p:txBody>
-      </p:sp>
     </p:spTree>
     <p:extLst>
       <p:ext uri="{BB962C8B-B14F-4D97-AF65-F5344CB8AC3E}">
-        <p14:creationId xmlns:p14="http://schemas.microsoft.com/office/powerpoint/2010/main" val="161953518"/>
+        <p14:creationId xmlns:p14="http://schemas.microsoft.com/office/powerpoint/2010/main" val="932146705"/>
       </p:ext>
     </p:extLst>
   </p:cSld>
@@ -10989,18 +10604,192 @@
           <a:lstStyle/>
           <a:p>
             <a:r>
+              <a:rPr lang="it-IT" dirty="0" err="1"/>
+              <a:t>What</a:t>
+            </a:r>
+            <a:r>
               <a:rPr lang="it-IT" dirty="0"/>
-              <a:t>Kubernetes Cluster</a:t>
+              <a:t> </a:t>
+            </a:r>
+            <a:r>
+              <a:rPr lang="it-IT" dirty="0" err="1"/>
+              <a:t>is</a:t>
+            </a:r>
+            <a:r>
+              <a:rPr lang="it-IT" dirty="0"/>
+              <a:t> Kubernetes?</a:t>
+            </a:r>
+          </a:p>
+        </p:txBody>
+      </p:sp>
+      <p:sp>
+        <p:nvSpPr>
+          <p:cNvPr id="3" name="Segnaposto contenuto 2">
+            <a:extLst>
+              <a:ext uri="{FF2B5EF4-FFF2-40B4-BE49-F238E27FC236}">
+                <a16:creationId xmlns:a16="http://schemas.microsoft.com/office/drawing/2014/main" id="{772F0318-F736-4EAA-B8B9-836EB672EB4D}"/>
+              </a:ext>
+            </a:extLst>
+          </p:cNvPr>
+          <p:cNvSpPr>
+            <a:spLocks noGrp="1"/>
+          </p:cNvSpPr>
+          <p:nvPr>
+            <p:ph idx="1"/>
+          </p:nvPr>
+        </p:nvSpPr>
+        <p:spPr>
+          <a:xfrm>
+            <a:off x="677334" y="2160589"/>
+            <a:ext cx="8596668" cy="3880773"/>
+          </a:xfrm>
+        </p:spPr>
+        <p:txBody>
+          <a:bodyPr>
+            <a:normAutofit/>
+          </a:bodyPr>
+          <a:lstStyle/>
+          <a:p>
+            <a:r>
+              <a:rPr lang="it-IT" dirty="0" err="1"/>
+              <a:t>It</a:t>
+            </a:r>
+            <a:r>
+              <a:rPr lang="it-IT" dirty="0"/>
+              <a:t> </a:t>
+            </a:r>
+            <a:r>
+              <a:rPr lang="it-IT" dirty="0" err="1"/>
+              <a:t>is</a:t>
+            </a:r>
+            <a:r>
+              <a:rPr lang="it-IT" dirty="0"/>
+              <a:t> an Open Source Project</a:t>
+            </a:r>
+          </a:p>
+          <a:p>
+            <a:endParaRPr lang="it-IT" dirty="0"/>
+          </a:p>
+          <a:p>
+            <a:r>
+              <a:rPr lang="it-IT" dirty="0" err="1"/>
+              <a:t>Initially</a:t>
+            </a:r>
+            <a:r>
+              <a:rPr lang="it-IT" dirty="0"/>
+              <a:t> </a:t>
+            </a:r>
+            <a:r>
+              <a:rPr lang="it-IT" dirty="0" err="1"/>
+              <a:t>developed</a:t>
+            </a:r>
+            <a:r>
+              <a:rPr lang="it-IT" dirty="0"/>
+              <a:t> by Google, with name </a:t>
+            </a:r>
+            <a:r>
+              <a:rPr lang="it-IT" b="1" dirty="0"/>
+              <a:t>Borg</a:t>
+            </a:r>
+          </a:p>
+          <a:p>
+            <a:pPr marL="0" indent="0">
+              <a:buNone/>
+            </a:pPr>
+            <a:endParaRPr lang="it-IT" dirty="0"/>
+          </a:p>
+          <a:p>
+            <a:r>
+              <a:rPr lang="it-IT" dirty="0" err="1"/>
+              <a:t>It</a:t>
+            </a:r>
+            <a:r>
+              <a:rPr lang="it-IT" dirty="0"/>
+              <a:t> </a:t>
+            </a:r>
+            <a:r>
+              <a:rPr lang="it-IT" dirty="0" err="1"/>
+              <a:t>is</a:t>
+            </a:r>
+            <a:r>
+              <a:rPr lang="it-IT" dirty="0"/>
+              <a:t> </a:t>
+            </a:r>
+            <a:r>
+              <a:rPr lang="it-IT" dirty="0" err="1"/>
+              <a:t>maintained</a:t>
+            </a:r>
+            <a:r>
+              <a:rPr lang="it-IT" dirty="0"/>
+              <a:t> by </a:t>
+            </a:r>
+            <a:r>
+              <a:rPr lang="it-IT" b="1" dirty="0"/>
+              <a:t>CNCF</a:t>
+            </a:r>
+          </a:p>
+          <a:p>
+            <a:endParaRPr lang="it-IT" dirty="0"/>
+          </a:p>
+          <a:p>
+            <a:r>
+              <a:rPr lang="it-IT" dirty="0" err="1"/>
+              <a:t>It</a:t>
+            </a:r>
+            <a:r>
+              <a:rPr lang="it-IT" dirty="0"/>
+              <a:t> </a:t>
+            </a:r>
+            <a:r>
+              <a:rPr lang="it-IT" dirty="0" err="1"/>
+              <a:t>is</a:t>
+            </a:r>
+            <a:r>
+              <a:rPr lang="it-IT" dirty="0"/>
+              <a:t> </a:t>
+            </a:r>
+            <a:r>
+              <a:rPr lang="it-IT" dirty="0" err="1"/>
+              <a:t>written</a:t>
+            </a:r>
+            <a:r>
+              <a:rPr lang="it-IT" dirty="0"/>
+              <a:t> in </a:t>
+            </a:r>
+            <a:r>
+              <a:rPr lang="it-IT" b="1" dirty="0"/>
+              <a:t>Go</a:t>
+            </a:r>
+          </a:p>
+          <a:p>
+            <a:endParaRPr lang="it-IT" b="1" dirty="0"/>
+          </a:p>
+          <a:p>
+            <a:r>
+              <a:rPr lang="it-IT" dirty="0" err="1"/>
+              <a:t>It</a:t>
+            </a:r>
+            <a:r>
+              <a:rPr lang="it-IT" dirty="0"/>
+              <a:t> </a:t>
+            </a:r>
+            <a:r>
+              <a:rPr lang="it-IT" dirty="0" err="1"/>
+              <a:t>is</a:t>
+            </a:r>
+            <a:r>
+              <a:rPr lang="it-IT" dirty="0"/>
+              <a:t> a Container Orchestrator</a:t>
             </a:r>
           </a:p>
         </p:txBody>
       </p:sp>
       <p:pic>
         <p:nvPicPr>
-          <p:cNvPr id="2052" name="Picture 4" descr="Risultati immagini per kubernetes logo">
-            <a:extLst>
-              <a:ext uri="{FF2B5EF4-FFF2-40B4-BE49-F238E27FC236}">
-                <a16:creationId xmlns:a16="http://schemas.microsoft.com/office/drawing/2014/main" id="{2EF0C7C2-B372-4C6C-8620-3476E8ABBDF5}"/>
+          <p:cNvPr id="2050" name="Picture 2" descr="Risultati immagini per cncf">
+            <a:extLst>
+              <a:ext uri="{FF2B5EF4-FFF2-40B4-BE49-F238E27FC236}">
+                <a16:creationId xmlns:a16="http://schemas.microsoft.com/office/drawing/2014/main" id="{B54C7E16-7D96-4B36-B9E8-24A2218B8B2C}"/>
               </a:ext>
             </a:extLst>
           </p:cNvPr>
@@ -11024,8 +10813,8 @@
         </p:blipFill>
         <p:spPr bwMode="auto">
           <a:xfrm>
-            <a:off x="7849959" y="379411"/>
-            <a:ext cx="3868511" cy="835659"/>
+            <a:off x="7698922" y="2926897"/>
+            <a:ext cx="1511754" cy="1511754"/>
           </a:xfrm>
           <a:prstGeom prst="rect">
             <a:avLst/>
@@ -11042,61 +10831,12 @@
           </a:extLst>
         </p:spPr>
       </p:pic>
-      <p:sp>
-        <p:nvSpPr>
-          <p:cNvPr id="4" name="Rettangolo 3">
-            <a:extLst>
-              <a:ext uri="{FF2B5EF4-FFF2-40B4-BE49-F238E27FC236}">
-                <a16:creationId xmlns:a16="http://schemas.microsoft.com/office/drawing/2014/main" id="{57CE466D-8C75-4E04-A2A2-687F80849927}"/>
-              </a:ext>
-            </a:extLst>
-          </p:cNvPr>
-          <p:cNvSpPr/>
-          <p:nvPr/>
-        </p:nvSpPr>
-        <p:spPr>
-          <a:xfrm>
-            <a:off x="951139" y="2686050"/>
-            <a:ext cx="1845129" cy="2743200"/>
-          </a:xfrm>
-          <a:prstGeom prst="rect">
-            <a:avLst/>
-          </a:prstGeom>
-          <a:solidFill>
-            <a:schemeClr val="bg1"/>
-          </a:solidFill>
-        </p:spPr>
-        <p:style>
-          <a:lnRef idx="2">
-            <a:schemeClr val="accent1">
-              <a:shade val="50000"/>
-            </a:schemeClr>
-          </a:lnRef>
-          <a:fillRef idx="1">
-            <a:schemeClr val="accent1"/>
-          </a:fillRef>
-          <a:effectRef idx="0">
-            <a:schemeClr val="accent1"/>
-          </a:effectRef>
-          <a:fontRef idx="minor">
-            <a:schemeClr val="lt1"/>
-          </a:fontRef>
-        </p:style>
-        <p:txBody>
-          <a:bodyPr rtlCol="0" anchor="ctr"/>
-          <a:lstStyle/>
-          <a:p>
-            <a:pPr algn="ctr"/>
-            <a:endParaRPr lang="it-IT"/>
-          </a:p>
-        </p:txBody>
-      </p:sp>
       <p:pic>
         <p:nvPicPr>
-          <p:cNvPr id="3074" name="Picture 2" descr="Risultati immagini per kubernetes logo">
-            <a:extLst>
-              <a:ext uri="{FF2B5EF4-FFF2-40B4-BE49-F238E27FC236}">
-                <a16:creationId xmlns:a16="http://schemas.microsoft.com/office/drawing/2014/main" id="{54B423B2-3C8D-4572-8D76-D6B7C8CACF0D}"/>
+          <p:cNvPr id="2052" name="Picture 4" descr="Risultati immagini per kubernetes logo">
+            <a:extLst>
+              <a:ext uri="{FF2B5EF4-FFF2-40B4-BE49-F238E27FC236}">
+                <a16:creationId xmlns:a16="http://schemas.microsoft.com/office/drawing/2014/main" id="{2EF0C7C2-B372-4C6C-8620-3476E8ABBDF5}"/>
               </a:ext>
             </a:extLst>
           </p:cNvPr>
@@ -11120,8 +10860,8 @@
         </p:blipFill>
         <p:spPr bwMode="auto">
           <a:xfrm>
-            <a:off x="4098860" y="1160863"/>
-            <a:ext cx="1024229" cy="999726"/>
+            <a:off x="7849959" y="379411"/>
+            <a:ext cx="3868511" cy="835659"/>
           </a:xfrm>
           <a:prstGeom prst="rect">
             <a:avLst/>
@@ -11138,1027 +10878,10 @@
           </a:extLst>
         </p:spPr>
       </p:pic>
-      <p:sp>
-        <p:nvSpPr>
-          <p:cNvPr id="5" name="CasellaDiTesto 4">
-            <a:extLst>
-              <a:ext uri="{FF2B5EF4-FFF2-40B4-BE49-F238E27FC236}">
-                <a16:creationId xmlns:a16="http://schemas.microsoft.com/office/drawing/2014/main" id="{0790C00F-B3E7-4CF3-8AD1-EDB8D87A55FA}"/>
-              </a:ext>
-            </a:extLst>
-          </p:cNvPr>
-          <p:cNvSpPr txBox="1"/>
-          <p:nvPr/>
-        </p:nvSpPr>
-        <p:spPr>
-          <a:xfrm>
-            <a:off x="1423098" y="5715000"/>
-            <a:ext cx="901209" cy="369332"/>
-          </a:xfrm>
-          <a:prstGeom prst="rect">
-            <a:avLst/>
-          </a:prstGeom>
-          <a:noFill/>
-        </p:spPr>
-        <p:txBody>
-          <a:bodyPr wrap="none" rtlCol="0">
-            <a:spAutoFit/>
-          </a:bodyPr>
-          <a:lstStyle/>
-          <a:p>
-            <a:r>
-              <a:rPr lang="it-IT" dirty="0" err="1"/>
-              <a:t>Node</a:t>
-            </a:r>
-            <a:r>
-              <a:rPr lang="it-IT" dirty="0"/>
-              <a:t> 1</a:t>
-            </a:r>
-          </a:p>
-        </p:txBody>
-      </p:sp>
-      <p:sp>
-        <p:nvSpPr>
-          <p:cNvPr id="11" name="CasellaDiTesto 10">
-            <a:extLst>
-              <a:ext uri="{FF2B5EF4-FFF2-40B4-BE49-F238E27FC236}">
-                <a16:creationId xmlns:a16="http://schemas.microsoft.com/office/drawing/2014/main" id="{550BAA31-B2C5-4BB1-9A81-8DA427C0FE49}"/>
-              </a:ext>
-            </a:extLst>
-          </p:cNvPr>
-          <p:cNvSpPr txBox="1"/>
-          <p:nvPr/>
-        </p:nvSpPr>
-        <p:spPr>
-          <a:xfrm>
-            <a:off x="4163575" y="5715000"/>
-            <a:ext cx="870751" cy="369332"/>
-          </a:xfrm>
-          <a:prstGeom prst="rect">
-            <a:avLst/>
-          </a:prstGeom>
-          <a:noFill/>
-        </p:spPr>
-        <p:txBody>
-          <a:bodyPr wrap="none" rtlCol="0">
-            <a:spAutoFit/>
-          </a:bodyPr>
-          <a:lstStyle/>
-          <a:p>
-            <a:r>
-              <a:rPr lang="it-IT" dirty="0"/>
-              <a:t>Master</a:t>
-            </a:r>
-          </a:p>
-        </p:txBody>
-      </p:sp>
-      <p:sp>
-        <p:nvSpPr>
-          <p:cNvPr id="12" name="CasellaDiTesto 11">
-            <a:extLst>
-              <a:ext uri="{FF2B5EF4-FFF2-40B4-BE49-F238E27FC236}">
-                <a16:creationId xmlns:a16="http://schemas.microsoft.com/office/drawing/2014/main" id="{0A22E50A-C5B0-4287-B549-19EFD33656A7}"/>
-              </a:ext>
-            </a:extLst>
-          </p:cNvPr>
-          <p:cNvSpPr txBox="1"/>
-          <p:nvPr/>
-        </p:nvSpPr>
-        <p:spPr>
-          <a:xfrm>
-            <a:off x="6873594" y="5715000"/>
-            <a:ext cx="901209" cy="369332"/>
-          </a:xfrm>
-          <a:prstGeom prst="rect">
-            <a:avLst/>
-          </a:prstGeom>
-          <a:noFill/>
-        </p:spPr>
-        <p:txBody>
-          <a:bodyPr wrap="none" rtlCol="0">
-            <a:spAutoFit/>
-          </a:bodyPr>
-          <a:lstStyle/>
-          <a:p>
-            <a:r>
-              <a:rPr lang="it-IT" dirty="0" err="1"/>
-              <a:t>Node</a:t>
-            </a:r>
-            <a:r>
-              <a:rPr lang="it-IT" dirty="0"/>
-              <a:t> 2</a:t>
-            </a:r>
-          </a:p>
-        </p:txBody>
-      </p:sp>
-      <p:pic>
-        <p:nvPicPr>
-          <p:cNvPr id="3076" name="Picture 4" descr="Risultati immagini per docker icon">
-            <a:extLst>
-              <a:ext uri="{FF2B5EF4-FFF2-40B4-BE49-F238E27FC236}">
-                <a16:creationId xmlns:a16="http://schemas.microsoft.com/office/drawing/2014/main" id="{4A753ABF-0707-4543-83AE-8CEC359EC660}"/>
-              </a:ext>
-            </a:extLst>
-          </p:cNvPr>
-          <p:cNvPicPr>
-            <a:picLocks noChangeAspect="1" noChangeArrowheads="1"/>
-          </p:cNvPicPr>
-          <p:nvPr/>
-        </p:nvPicPr>
-        <p:blipFill>
-          <a:blip r:embed="rId4">
-            <a:extLst>
-              <a:ext uri="{28A0092B-C50C-407E-A947-70E740481C1C}">
-                <a14:useLocalDpi xmlns:a14="http://schemas.microsoft.com/office/drawing/2010/main" val="0"/>
-              </a:ext>
-            </a:extLst>
-          </a:blip>
-          <a:srcRect/>
-          <a:stretch>
-            <a:fillRect/>
-          </a:stretch>
-        </p:blipFill>
-        <p:spPr bwMode="auto">
-          <a:xfrm>
-            <a:off x="1482496" y="4686300"/>
-            <a:ext cx="782411" cy="782411"/>
-          </a:xfrm>
-          <a:prstGeom prst="rect">
-            <a:avLst/>
-          </a:prstGeom>
-          <a:noFill/>
-          <a:extLst>
-            <a:ext uri="{909E8E84-426E-40DD-AFC4-6F175D3DCCD1}">
-              <a14:hiddenFill xmlns:a14="http://schemas.microsoft.com/office/drawing/2010/main">
-                <a:solidFill>
-                  <a:srgbClr val="FFFFFF"/>
-                </a:solidFill>
-              </a14:hiddenFill>
-            </a:ext>
-          </a:extLst>
-        </p:spPr>
-      </p:pic>
-      <p:cxnSp>
-        <p:nvCxnSpPr>
-          <p:cNvPr id="9" name="Connettore 2 8">
-            <a:extLst>
-              <a:ext uri="{FF2B5EF4-FFF2-40B4-BE49-F238E27FC236}">
-                <a16:creationId xmlns:a16="http://schemas.microsoft.com/office/drawing/2014/main" id="{47FB5F53-13E8-4302-9E74-C7AB26525800}"/>
-              </a:ext>
-            </a:extLst>
-          </p:cNvPr>
-          <p:cNvCxnSpPr>
-            <a:stCxn id="4" idx="0"/>
-            <a:endCxn id="3074" idx="2"/>
-          </p:cNvCxnSpPr>
-          <p:nvPr/>
-        </p:nvCxnSpPr>
-        <p:spPr>
-          <a:xfrm flipV="1">
-            <a:off x="1873704" y="2160589"/>
-            <a:ext cx="2737271" cy="525461"/>
-          </a:xfrm>
-          <a:prstGeom prst="straightConnector1">
-            <a:avLst/>
-          </a:prstGeom>
-          <a:ln>
-            <a:tailEnd type="triangle"/>
-          </a:ln>
-        </p:spPr>
-        <p:style>
-          <a:lnRef idx="2">
-            <a:schemeClr val="accent1"/>
-          </a:lnRef>
-          <a:fillRef idx="0">
-            <a:schemeClr val="accent1"/>
-          </a:fillRef>
-          <a:effectRef idx="1">
-            <a:schemeClr val="accent1"/>
-          </a:effectRef>
-          <a:fontRef idx="minor">
-            <a:schemeClr val="tx1"/>
-          </a:fontRef>
-        </p:style>
-      </p:cxnSp>
-      <p:cxnSp>
-        <p:nvCxnSpPr>
-          <p:cNvPr id="13" name="Connettore 2 12">
-            <a:extLst>
-              <a:ext uri="{FF2B5EF4-FFF2-40B4-BE49-F238E27FC236}">
-                <a16:creationId xmlns:a16="http://schemas.microsoft.com/office/drawing/2014/main" id="{7AE9E489-A9B7-44FD-9375-8F3E9F006016}"/>
-              </a:ext>
-            </a:extLst>
-          </p:cNvPr>
-          <p:cNvCxnSpPr>
-            <a:cxnSpLocks/>
-            <a:stCxn id="23" idx="0"/>
-            <a:endCxn id="3074" idx="2"/>
-          </p:cNvCxnSpPr>
-          <p:nvPr/>
-        </p:nvCxnSpPr>
-        <p:spPr>
-          <a:xfrm flipV="1">
-            <a:off x="4610100" y="2160589"/>
-            <a:ext cx="875" cy="522738"/>
-          </a:xfrm>
-          <a:prstGeom prst="straightConnector1">
-            <a:avLst/>
-          </a:prstGeom>
-          <a:ln>
-            <a:tailEnd type="triangle"/>
-          </a:ln>
-        </p:spPr>
-        <p:style>
-          <a:lnRef idx="2">
-            <a:schemeClr val="accent1"/>
-          </a:lnRef>
-          <a:fillRef idx="0">
-            <a:schemeClr val="accent1"/>
-          </a:fillRef>
-          <a:effectRef idx="1">
-            <a:schemeClr val="accent1"/>
-          </a:effectRef>
-          <a:fontRef idx="minor">
-            <a:schemeClr val="tx1"/>
-          </a:fontRef>
-        </p:style>
-      </p:cxnSp>
-      <p:cxnSp>
-        <p:nvCxnSpPr>
-          <p:cNvPr id="17" name="Connettore 2 16">
-            <a:extLst>
-              <a:ext uri="{FF2B5EF4-FFF2-40B4-BE49-F238E27FC236}">
-                <a16:creationId xmlns:a16="http://schemas.microsoft.com/office/drawing/2014/main" id="{3BA37854-BA72-4669-86D4-1BB73A01F1C8}"/>
-              </a:ext>
-            </a:extLst>
-          </p:cNvPr>
-          <p:cNvCxnSpPr>
-            <a:cxnSpLocks/>
-            <a:stCxn id="26" idx="0"/>
-            <a:endCxn id="3074" idx="2"/>
-          </p:cNvCxnSpPr>
-          <p:nvPr/>
-        </p:nvCxnSpPr>
-        <p:spPr>
-          <a:xfrm flipH="1" flipV="1">
-            <a:off x="4610975" y="2160589"/>
-            <a:ext cx="2678369" cy="522738"/>
-          </a:xfrm>
-          <a:prstGeom prst="straightConnector1">
-            <a:avLst/>
-          </a:prstGeom>
-          <a:ln>
-            <a:tailEnd type="triangle"/>
-          </a:ln>
-        </p:spPr>
-        <p:style>
-          <a:lnRef idx="2">
-            <a:schemeClr val="accent1"/>
-          </a:lnRef>
-          <a:fillRef idx="0">
-            <a:schemeClr val="accent1"/>
-          </a:fillRef>
-          <a:effectRef idx="1">
-            <a:schemeClr val="accent1"/>
-          </a:effectRef>
-          <a:fontRef idx="minor">
-            <a:schemeClr val="tx1"/>
-          </a:fontRef>
-        </p:style>
-      </p:cxnSp>
-      <p:sp>
-        <p:nvSpPr>
-          <p:cNvPr id="18" name="Rettangolo 17">
-            <a:extLst>
-              <a:ext uri="{FF2B5EF4-FFF2-40B4-BE49-F238E27FC236}">
-                <a16:creationId xmlns:a16="http://schemas.microsoft.com/office/drawing/2014/main" id="{A5520558-33F2-4F7B-AD1E-81042612CC06}"/>
-              </a:ext>
-            </a:extLst>
-          </p:cNvPr>
-          <p:cNvSpPr/>
-          <p:nvPr/>
-        </p:nvSpPr>
-        <p:spPr>
-          <a:xfrm>
-            <a:off x="951138" y="4686300"/>
-            <a:ext cx="1845129" cy="740227"/>
-          </a:xfrm>
-          <a:prstGeom prst="rect">
-            <a:avLst/>
-          </a:prstGeom>
-          <a:noFill/>
-        </p:spPr>
-        <p:style>
-          <a:lnRef idx="2">
-            <a:schemeClr val="accent1">
-              <a:shade val="50000"/>
-            </a:schemeClr>
-          </a:lnRef>
-          <a:fillRef idx="1">
-            <a:schemeClr val="accent1"/>
-          </a:fillRef>
-          <a:effectRef idx="0">
-            <a:schemeClr val="accent1"/>
-          </a:effectRef>
-          <a:fontRef idx="minor">
-            <a:schemeClr val="lt1"/>
-          </a:fontRef>
-        </p:style>
-        <p:txBody>
-          <a:bodyPr rtlCol="0" anchor="ctr"/>
-          <a:lstStyle/>
-          <a:p>
-            <a:pPr algn="ctr"/>
-            <a:endParaRPr lang="it-IT"/>
-          </a:p>
-        </p:txBody>
-      </p:sp>
-      <p:sp>
-        <p:nvSpPr>
-          <p:cNvPr id="23" name="Rettangolo 22">
-            <a:extLst>
-              <a:ext uri="{FF2B5EF4-FFF2-40B4-BE49-F238E27FC236}">
-                <a16:creationId xmlns:a16="http://schemas.microsoft.com/office/drawing/2014/main" id="{574D55E9-54F6-4482-9EFC-66109223F7F0}"/>
-              </a:ext>
-            </a:extLst>
-          </p:cNvPr>
-          <p:cNvSpPr/>
-          <p:nvPr/>
-        </p:nvSpPr>
-        <p:spPr>
-          <a:xfrm>
-            <a:off x="3687535" y="2683327"/>
-            <a:ext cx="1845129" cy="2743200"/>
-          </a:xfrm>
-          <a:prstGeom prst="rect">
-            <a:avLst/>
-          </a:prstGeom>
-          <a:solidFill>
-            <a:schemeClr val="bg1"/>
-          </a:solidFill>
-        </p:spPr>
-        <p:style>
-          <a:lnRef idx="2">
-            <a:schemeClr val="accent1">
-              <a:shade val="50000"/>
-            </a:schemeClr>
-          </a:lnRef>
-          <a:fillRef idx="1">
-            <a:schemeClr val="accent1"/>
-          </a:fillRef>
-          <a:effectRef idx="0">
-            <a:schemeClr val="accent1"/>
-          </a:effectRef>
-          <a:fontRef idx="minor">
-            <a:schemeClr val="lt1"/>
-          </a:fontRef>
-        </p:style>
-        <p:txBody>
-          <a:bodyPr rtlCol="0" anchor="ctr"/>
-          <a:lstStyle/>
-          <a:p>
-            <a:pPr algn="ctr"/>
-            <a:endParaRPr lang="it-IT"/>
-          </a:p>
-        </p:txBody>
-      </p:sp>
-      <p:pic>
-        <p:nvPicPr>
-          <p:cNvPr id="24" name="Picture 4" descr="Risultati immagini per docker icon">
-            <a:extLst>
-              <a:ext uri="{FF2B5EF4-FFF2-40B4-BE49-F238E27FC236}">
-                <a16:creationId xmlns:a16="http://schemas.microsoft.com/office/drawing/2014/main" id="{73B56792-2A88-4086-AE54-03A3321C0B06}"/>
-              </a:ext>
-            </a:extLst>
-          </p:cNvPr>
-          <p:cNvPicPr>
-            <a:picLocks noChangeAspect="1" noChangeArrowheads="1"/>
-          </p:cNvPicPr>
-          <p:nvPr/>
-        </p:nvPicPr>
-        <p:blipFill>
-          <a:blip r:embed="rId4">
-            <a:extLst>
-              <a:ext uri="{28A0092B-C50C-407E-A947-70E740481C1C}">
-                <a14:useLocalDpi xmlns:a14="http://schemas.microsoft.com/office/drawing/2010/main" val="0"/>
-              </a:ext>
-            </a:extLst>
-          </a:blip>
-          <a:srcRect/>
-          <a:stretch>
-            <a:fillRect/>
-          </a:stretch>
-        </p:blipFill>
-        <p:spPr bwMode="auto">
-          <a:xfrm>
-            <a:off x="4218892" y="4683577"/>
-            <a:ext cx="782411" cy="782411"/>
-          </a:xfrm>
-          <a:prstGeom prst="rect">
-            <a:avLst/>
-          </a:prstGeom>
-          <a:noFill/>
-          <a:extLst>
-            <a:ext uri="{909E8E84-426E-40DD-AFC4-6F175D3DCCD1}">
-              <a14:hiddenFill xmlns:a14="http://schemas.microsoft.com/office/drawing/2010/main">
-                <a:solidFill>
-                  <a:srgbClr val="FFFFFF"/>
-                </a:solidFill>
-              </a14:hiddenFill>
-            </a:ext>
-          </a:extLst>
-        </p:spPr>
-      </p:pic>
-      <p:sp>
-        <p:nvSpPr>
-          <p:cNvPr id="25" name="Rettangolo 24">
-            <a:extLst>
-              <a:ext uri="{FF2B5EF4-FFF2-40B4-BE49-F238E27FC236}">
-                <a16:creationId xmlns:a16="http://schemas.microsoft.com/office/drawing/2014/main" id="{CFE3AA84-FEDA-48FF-8C30-455217F4D45D}"/>
-              </a:ext>
-            </a:extLst>
-          </p:cNvPr>
-          <p:cNvSpPr/>
-          <p:nvPr/>
-        </p:nvSpPr>
-        <p:spPr>
-          <a:xfrm>
-            <a:off x="3687534" y="4683577"/>
-            <a:ext cx="1845129" cy="740227"/>
-          </a:xfrm>
-          <a:prstGeom prst="rect">
-            <a:avLst/>
-          </a:prstGeom>
-          <a:noFill/>
-        </p:spPr>
-        <p:style>
-          <a:lnRef idx="2">
-            <a:schemeClr val="accent1">
-              <a:shade val="50000"/>
-            </a:schemeClr>
-          </a:lnRef>
-          <a:fillRef idx="1">
-            <a:schemeClr val="accent1"/>
-          </a:fillRef>
-          <a:effectRef idx="0">
-            <a:schemeClr val="accent1"/>
-          </a:effectRef>
-          <a:fontRef idx="minor">
-            <a:schemeClr val="lt1"/>
-          </a:fontRef>
-        </p:style>
-        <p:txBody>
-          <a:bodyPr rtlCol="0" anchor="ctr"/>
-          <a:lstStyle/>
-          <a:p>
-            <a:pPr algn="ctr"/>
-            <a:endParaRPr lang="it-IT"/>
-          </a:p>
-        </p:txBody>
-      </p:sp>
-      <p:sp>
-        <p:nvSpPr>
-          <p:cNvPr id="26" name="Rettangolo 25">
-            <a:extLst>
-              <a:ext uri="{FF2B5EF4-FFF2-40B4-BE49-F238E27FC236}">
-                <a16:creationId xmlns:a16="http://schemas.microsoft.com/office/drawing/2014/main" id="{F66F6ED8-EAA6-4FDA-AFF5-FC3BD82DC792}"/>
-              </a:ext>
-            </a:extLst>
-          </p:cNvPr>
-          <p:cNvSpPr/>
-          <p:nvPr/>
-        </p:nvSpPr>
-        <p:spPr>
-          <a:xfrm>
-            <a:off x="6366779" y="2683327"/>
-            <a:ext cx="1845129" cy="2743200"/>
-          </a:xfrm>
-          <a:prstGeom prst="rect">
-            <a:avLst/>
-          </a:prstGeom>
-          <a:solidFill>
-            <a:schemeClr val="bg1"/>
-          </a:solidFill>
-        </p:spPr>
-        <p:style>
-          <a:lnRef idx="2">
-            <a:schemeClr val="accent1">
-              <a:shade val="50000"/>
-            </a:schemeClr>
-          </a:lnRef>
-          <a:fillRef idx="1">
-            <a:schemeClr val="accent1"/>
-          </a:fillRef>
-          <a:effectRef idx="0">
-            <a:schemeClr val="accent1"/>
-          </a:effectRef>
-          <a:fontRef idx="minor">
-            <a:schemeClr val="lt1"/>
-          </a:fontRef>
-        </p:style>
-        <p:txBody>
-          <a:bodyPr rtlCol="0" anchor="ctr"/>
-          <a:lstStyle/>
-          <a:p>
-            <a:pPr algn="ctr"/>
-            <a:endParaRPr lang="it-IT"/>
-          </a:p>
-        </p:txBody>
-      </p:sp>
-      <p:pic>
-        <p:nvPicPr>
-          <p:cNvPr id="27" name="Picture 4" descr="Risultati immagini per docker icon">
-            <a:extLst>
-              <a:ext uri="{FF2B5EF4-FFF2-40B4-BE49-F238E27FC236}">
-                <a16:creationId xmlns:a16="http://schemas.microsoft.com/office/drawing/2014/main" id="{71BF34D4-B522-4075-BBB1-09355416EAAF}"/>
-              </a:ext>
-            </a:extLst>
-          </p:cNvPr>
-          <p:cNvPicPr>
-            <a:picLocks noChangeAspect="1" noChangeArrowheads="1"/>
-          </p:cNvPicPr>
-          <p:nvPr/>
-        </p:nvPicPr>
-        <p:blipFill>
-          <a:blip r:embed="rId4">
-            <a:extLst>
-              <a:ext uri="{28A0092B-C50C-407E-A947-70E740481C1C}">
-                <a14:useLocalDpi xmlns:a14="http://schemas.microsoft.com/office/drawing/2010/main" val="0"/>
-              </a:ext>
-            </a:extLst>
-          </a:blip>
-          <a:srcRect/>
-          <a:stretch>
-            <a:fillRect/>
-          </a:stretch>
-        </p:blipFill>
-        <p:spPr bwMode="auto">
-          <a:xfrm>
-            <a:off x="6898136" y="4683577"/>
-            <a:ext cx="782411" cy="782411"/>
-          </a:xfrm>
-          <a:prstGeom prst="rect">
-            <a:avLst/>
-          </a:prstGeom>
-          <a:noFill/>
-          <a:extLst>
-            <a:ext uri="{909E8E84-426E-40DD-AFC4-6F175D3DCCD1}">
-              <a14:hiddenFill xmlns:a14="http://schemas.microsoft.com/office/drawing/2010/main">
-                <a:solidFill>
-                  <a:srgbClr val="FFFFFF"/>
-                </a:solidFill>
-              </a14:hiddenFill>
-            </a:ext>
-          </a:extLst>
-        </p:spPr>
-      </p:pic>
-      <p:sp>
-        <p:nvSpPr>
-          <p:cNvPr id="28" name="Rettangolo 27">
-            <a:extLst>
-              <a:ext uri="{FF2B5EF4-FFF2-40B4-BE49-F238E27FC236}">
-                <a16:creationId xmlns:a16="http://schemas.microsoft.com/office/drawing/2014/main" id="{63AEA73C-E6B4-4AE8-9142-E88003E1B24A}"/>
-              </a:ext>
-            </a:extLst>
-          </p:cNvPr>
-          <p:cNvSpPr/>
-          <p:nvPr/>
-        </p:nvSpPr>
-        <p:spPr>
-          <a:xfrm>
-            <a:off x="6366778" y="4683577"/>
-            <a:ext cx="1845129" cy="740227"/>
-          </a:xfrm>
-          <a:prstGeom prst="rect">
-            <a:avLst/>
-          </a:prstGeom>
-          <a:noFill/>
-        </p:spPr>
-        <p:style>
-          <a:lnRef idx="2">
-            <a:schemeClr val="accent1">
-              <a:shade val="50000"/>
-            </a:schemeClr>
-          </a:lnRef>
-          <a:fillRef idx="1">
-            <a:schemeClr val="accent1"/>
-          </a:fillRef>
-          <a:effectRef idx="0">
-            <a:schemeClr val="accent1"/>
-          </a:effectRef>
-          <a:fontRef idx="minor">
-            <a:schemeClr val="lt1"/>
-          </a:fontRef>
-        </p:style>
-        <p:txBody>
-          <a:bodyPr rtlCol="0" anchor="ctr"/>
-          <a:lstStyle/>
-          <a:p>
-            <a:pPr algn="ctr"/>
-            <a:endParaRPr lang="it-IT"/>
-          </a:p>
-        </p:txBody>
-      </p:sp>
-      <p:pic>
-        <p:nvPicPr>
-          <p:cNvPr id="4098" name="Picture 2" descr="Risultati immagini per spring boot">
-            <a:extLst>
-              <a:ext uri="{FF2B5EF4-FFF2-40B4-BE49-F238E27FC236}">
-                <a16:creationId xmlns:a16="http://schemas.microsoft.com/office/drawing/2014/main" id="{2E058A85-1812-4D19-ABD4-8CA597CB7512}"/>
-              </a:ext>
-            </a:extLst>
-          </p:cNvPr>
-          <p:cNvPicPr>
-            <a:picLocks noChangeAspect="1" noChangeArrowheads="1"/>
-          </p:cNvPicPr>
-          <p:nvPr/>
-        </p:nvPicPr>
-        <p:blipFill>
-          <a:blip r:embed="rId5">
-            <a:extLst>
-              <a:ext uri="{28A0092B-C50C-407E-A947-70E740481C1C}">
-                <a14:useLocalDpi xmlns:a14="http://schemas.microsoft.com/office/drawing/2010/main" val="0"/>
-              </a:ext>
-            </a:extLst>
-          </a:blip>
-          <a:srcRect/>
-          <a:stretch>
-            <a:fillRect/>
-          </a:stretch>
-        </p:blipFill>
-        <p:spPr bwMode="auto">
-          <a:xfrm>
-            <a:off x="1050472" y="2710995"/>
-            <a:ext cx="595993" cy="595993"/>
-          </a:xfrm>
-          <a:prstGeom prst="rect">
-            <a:avLst/>
-          </a:prstGeom>
-          <a:noFill/>
-          <a:extLst>
-            <a:ext uri="{909E8E84-426E-40DD-AFC4-6F175D3DCCD1}">
-              <a14:hiddenFill xmlns:a14="http://schemas.microsoft.com/office/drawing/2010/main">
-                <a:solidFill>
-                  <a:srgbClr val="FFFFFF"/>
-                </a:solidFill>
-              </a14:hiddenFill>
-            </a:ext>
-          </a:extLst>
-        </p:spPr>
-      </p:pic>
-      <p:pic>
-        <p:nvPicPr>
-          <p:cNvPr id="4102" name="Picture 6" descr="Risultati immagini per mariadb icon">
-            <a:extLst>
-              <a:ext uri="{FF2B5EF4-FFF2-40B4-BE49-F238E27FC236}">
-                <a16:creationId xmlns:a16="http://schemas.microsoft.com/office/drawing/2014/main" id="{DAEE9C4D-809A-41B9-B5FA-E5AA50F5A2F4}"/>
-              </a:ext>
-            </a:extLst>
-          </p:cNvPr>
-          <p:cNvPicPr>
-            <a:picLocks noChangeAspect="1" noChangeArrowheads="1"/>
-          </p:cNvPicPr>
-          <p:nvPr/>
-        </p:nvPicPr>
-        <p:blipFill>
-          <a:blip r:embed="rId6">
-            <a:extLst>
-              <a:ext uri="{28A0092B-C50C-407E-A947-70E740481C1C}">
-                <a14:useLocalDpi xmlns:a14="http://schemas.microsoft.com/office/drawing/2010/main" val="0"/>
-              </a:ext>
-            </a:extLst>
-          </a:blip>
-          <a:srcRect/>
-          <a:stretch>
-            <a:fillRect/>
-          </a:stretch>
-        </p:blipFill>
-        <p:spPr bwMode="auto">
-          <a:xfrm>
-            <a:off x="6423931" y="2722788"/>
-            <a:ext cx="711620" cy="614365"/>
-          </a:xfrm>
-          <a:prstGeom prst="rect">
-            <a:avLst/>
-          </a:prstGeom>
-          <a:noFill/>
-          <a:extLst>
-            <a:ext uri="{909E8E84-426E-40DD-AFC4-6F175D3DCCD1}">
-              <a14:hiddenFill xmlns:a14="http://schemas.microsoft.com/office/drawing/2010/main">
-                <a:solidFill>
-                  <a:srgbClr val="FFFFFF"/>
-                </a:solidFill>
-              </a14:hiddenFill>
-            </a:ext>
-          </a:extLst>
-        </p:spPr>
-      </p:pic>
-      <p:sp>
-        <p:nvSpPr>
-          <p:cNvPr id="3" name="Rettangolo 2">
-            <a:extLst>
-              <a:ext uri="{FF2B5EF4-FFF2-40B4-BE49-F238E27FC236}">
-                <a16:creationId xmlns:a16="http://schemas.microsoft.com/office/drawing/2014/main" id="{88C13140-B54C-4D69-842D-82019B886CC2}"/>
-              </a:ext>
-            </a:extLst>
-          </p:cNvPr>
-          <p:cNvSpPr/>
-          <p:nvPr/>
-        </p:nvSpPr>
-        <p:spPr>
-          <a:xfrm>
-            <a:off x="1016454" y="2722788"/>
-            <a:ext cx="693964" cy="614365"/>
-          </a:xfrm>
-          <a:prstGeom prst="rect">
-            <a:avLst/>
-          </a:prstGeom>
-          <a:noFill/>
-          <a:ln>
-            <a:solidFill>
-              <a:schemeClr val="accent1"/>
-            </a:solidFill>
-          </a:ln>
-        </p:spPr>
-        <p:style>
-          <a:lnRef idx="2">
-            <a:schemeClr val="accent1">
-              <a:shade val="50000"/>
-            </a:schemeClr>
-          </a:lnRef>
-          <a:fillRef idx="1">
-            <a:schemeClr val="accent1"/>
-          </a:fillRef>
-          <a:effectRef idx="0">
-            <a:schemeClr val="accent1"/>
-          </a:effectRef>
-          <a:fontRef idx="minor">
-            <a:schemeClr val="lt1"/>
-          </a:fontRef>
-        </p:style>
-        <p:txBody>
-          <a:bodyPr rtlCol="0" anchor="ctr"/>
-          <a:lstStyle/>
-          <a:p>
-            <a:pPr algn="ctr"/>
-            <a:endParaRPr lang="it-IT"/>
-          </a:p>
-        </p:txBody>
-      </p:sp>
-      <p:sp>
-        <p:nvSpPr>
-          <p:cNvPr id="31" name="Rettangolo 30">
-            <a:extLst>
-              <a:ext uri="{FF2B5EF4-FFF2-40B4-BE49-F238E27FC236}">
-                <a16:creationId xmlns:a16="http://schemas.microsoft.com/office/drawing/2014/main" id="{30F57DB9-7153-4A67-8C24-BFB38CD174BF}"/>
-              </a:ext>
-            </a:extLst>
-          </p:cNvPr>
-          <p:cNvSpPr/>
-          <p:nvPr/>
-        </p:nvSpPr>
-        <p:spPr>
-          <a:xfrm>
-            <a:off x="7502976" y="4038936"/>
-            <a:ext cx="693964" cy="614365"/>
-          </a:xfrm>
-          <a:prstGeom prst="rect">
-            <a:avLst/>
-          </a:prstGeom>
-          <a:noFill/>
-          <a:ln>
-            <a:solidFill>
-              <a:schemeClr val="accent1"/>
-            </a:solidFill>
-          </a:ln>
-        </p:spPr>
-        <p:style>
-          <a:lnRef idx="2">
-            <a:schemeClr val="accent1">
-              <a:shade val="50000"/>
-            </a:schemeClr>
-          </a:lnRef>
-          <a:fillRef idx="1">
-            <a:schemeClr val="accent1"/>
-          </a:fillRef>
-          <a:effectRef idx="0">
-            <a:schemeClr val="accent1"/>
-          </a:effectRef>
-          <a:fontRef idx="minor">
-            <a:schemeClr val="lt1"/>
-          </a:fontRef>
-        </p:style>
-        <p:txBody>
-          <a:bodyPr rtlCol="0" anchor="ctr"/>
-          <a:lstStyle/>
-          <a:p>
-            <a:pPr algn="ctr"/>
-            <a:endParaRPr lang="it-IT"/>
-          </a:p>
-        </p:txBody>
-      </p:sp>
-      <p:sp>
-        <p:nvSpPr>
-          <p:cNvPr id="32" name="Rettangolo 31">
-            <a:extLst>
-              <a:ext uri="{FF2B5EF4-FFF2-40B4-BE49-F238E27FC236}">
-                <a16:creationId xmlns:a16="http://schemas.microsoft.com/office/drawing/2014/main" id="{18771C98-FE7F-4E75-BFBC-EB4303BAF31B}"/>
-              </a:ext>
-            </a:extLst>
-          </p:cNvPr>
-          <p:cNvSpPr/>
-          <p:nvPr/>
-        </p:nvSpPr>
-        <p:spPr>
-          <a:xfrm>
-            <a:off x="6388535" y="2696195"/>
-            <a:ext cx="782411" cy="667550"/>
-          </a:xfrm>
-          <a:prstGeom prst="rect">
-            <a:avLst/>
-          </a:prstGeom>
-          <a:noFill/>
-          <a:ln>
-            <a:solidFill>
-              <a:schemeClr val="accent1"/>
-            </a:solidFill>
-          </a:ln>
-        </p:spPr>
-        <p:style>
-          <a:lnRef idx="2">
-            <a:schemeClr val="accent1">
-              <a:shade val="50000"/>
-            </a:schemeClr>
-          </a:lnRef>
-          <a:fillRef idx="1">
-            <a:schemeClr val="accent1"/>
-          </a:fillRef>
-          <a:effectRef idx="0">
-            <a:schemeClr val="accent1"/>
-          </a:effectRef>
-          <a:fontRef idx="minor">
-            <a:schemeClr val="lt1"/>
-          </a:fontRef>
-        </p:style>
-        <p:txBody>
-          <a:bodyPr rtlCol="0" anchor="ctr"/>
-          <a:lstStyle/>
-          <a:p>
-            <a:pPr algn="ctr"/>
-            <a:endParaRPr lang="it-IT"/>
-          </a:p>
-        </p:txBody>
-      </p:sp>
-      <p:pic>
-        <p:nvPicPr>
-          <p:cNvPr id="4104" name="Picture 8" descr="Risultati immagini per redis icon">
-            <a:extLst>
-              <a:ext uri="{FF2B5EF4-FFF2-40B4-BE49-F238E27FC236}">
-                <a16:creationId xmlns:a16="http://schemas.microsoft.com/office/drawing/2014/main" id="{9EF8E671-56C4-4DE7-BC9B-F673E469A103}"/>
-              </a:ext>
-            </a:extLst>
-          </p:cNvPr>
-          <p:cNvPicPr>
-            <a:picLocks noChangeAspect="1" noChangeArrowheads="1"/>
-          </p:cNvPicPr>
-          <p:nvPr/>
-        </p:nvPicPr>
-        <p:blipFill>
-          <a:blip r:embed="rId7">
-            <a:extLst>
-              <a:ext uri="{28A0092B-C50C-407E-A947-70E740481C1C}">
-                <a14:useLocalDpi xmlns:a14="http://schemas.microsoft.com/office/drawing/2010/main" val="0"/>
-              </a:ext>
-            </a:extLst>
-          </a:blip>
-          <a:srcRect/>
-          <a:stretch>
-            <a:fillRect/>
-          </a:stretch>
-        </p:blipFill>
-        <p:spPr bwMode="auto">
-          <a:xfrm>
-            <a:off x="2183948" y="4054927"/>
-            <a:ext cx="539972" cy="539972"/>
-          </a:xfrm>
-          <a:prstGeom prst="rect">
-            <a:avLst/>
-          </a:prstGeom>
-          <a:noFill/>
-          <a:extLst>
-            <a:ext uri="{909E8E84-426E-40DD-AFC4-6F175D3DCCD1}">
-              <a14:hiddenFill xmlns:a14="http://schemas.microsoft.com/office/drawing/2010/main">
-                <a:solidFill>
-                  <a:srgbClr val="FFFFFF"/>
-                </a:solidFill>
-              </a14:hiddenFill>
-            </a:ext>
-          </a:extLst>
-        </p:spPr>
-      </p:pic>
-      <p:sp>
-        <p:nvSpPr>
-          <p:cNvPr id="34" name="Rettangolo 33">
-            <a:extLst>
-              <a:ext uri="{FF2B5EF4-FFF2-40B4-BE49-F238E27FC236}">
-                <a16:creationId xmlns:a16="http://schemas.microsoft.com/office/drawing/2014/main" id="{85FCB296-4439-4746-A168-FB355C25C9E8}"/>
-              </a:ext>
-            </a:extLst>
-          </p:cNvPr>
-          <p:cNvSpPr/>
-          <p:nvPr/>
-        </p:nvSpPr>
-        <p:spPr>
-          <a:xfrm>
-            <a:off x="2071006" y="4048123"/>
-            <a:ext cx="709613" cy="582556"/>
-          </a:xfrm>
-          <a:prstGeom prst="rect">
-            <a:avLst/>
-          </a:prstGeom>
-          <a:noFill/>
-          <a:ln>
-            <a:solidFill>
-              <a:schemeClr val="accent1"/>
-            </a:solidFill>
-          </a:ln>
-        </p:spPr>
-        <p:style>
-          <a:lnRef idx="2">
-            <a:schemeClr val="accent1">
-              <a:shade val="50000"/>
-            </a:schemeClr>
-          </a:lnRef>
-          <a:fillRef idx="1">
-            <a:schemeClr val="accent1"/>
-          </a:fillRef>
-          <a:effectRef idx="0">
-            <a:schemeClr val="accent1"/>
-          </a:effectRef>
-          <a:fontRef idx="minor">
-            <a:schemeClr val="lt1"/>
-          </a:fontRef>
-        </p:style>
-        <p:txBody>
-          <a:bodyPr rtlCol="0" anchor="ctr"/>
-          <a:lstStyle/>
-          <a:p>
-            <a:pPr algn="ctr"/>
-            <a:endParaRPr lang="it-IT"/>
-          </a:p>
-        </p:txBody>
-      </p:sp>
-      <p:pic>
-        <p:nvPicPr>
-          <p:cNvPr id="4106" name="Picture 10" descr="Risultati immagini per nodejs icon">
-            <a:extLst>
-              <a:ext uri="{FF2B5EF4-FFF2-40B4-BE49-F238E27FC236}">
-                <a16:creationId xmlns:a16="http://schemas.microsoft.com/office/drawing/2014/main" id="{C1BEF2E8-564D-4CFE-A773-2489DF334D49}"/>
-              </a:ext>
-            </a:extLst>
-          </p:cNvPr>
-          <p:cNvPicPr>
-            <a:picLocks noChangeAspect="1" noChangeArrowheads="1"/>
-          </p:cNvPicPr>
-          <p:nvPr/>
-        </p:nvPicPr>
-        <p:blipFill>
-          <a:blip r:embed="rId8">
-            <a:extLst>
-              <a:ext uri="{28A0092B-C50C-407E-A947-70E740481C1C}">
-                <a14:useLocalDpi xmlns:a14="http://schemas.microsoft.com/office/drawing/2010/main" val="0"/>
-              </a:ext>
-            </a:extLst>
-          </a:blip>
-          <a:srcRect/>
-          <a:stretch>
-            <a:fillRect/>
-          </a:stretch>
-        </p:blipFill>
-        <p:spPr bwMode="auto">
-          <a:xfrm>
-            <a:off x="7364863" y="4084167"/>
-            <a:ext cx="970189" cy="523902"/>
-          </a:xfrm>
-          <a:prstGeom prst="rect">
-            <a:avLst/>
-          </a:prstGeom>
-          <a:noFill/>
-          <a:extLst>
-            <a:ext uri="{909E8E84-426E-40DD-AFC4-6F175D3DCCD1}">
-              <a14:hiddenFill xmlns:a14="http://schemas.microsoft.com/office/drawing/2010/main">
-                <a:solidFill>
-                  <a:srgbClr val="FFFFFF"/>
-                </a:solidFill>
-              </a14:hiddenFill>
-            </a:ext>
-          </a:extLst>
-        </p:spPr>
-      </p:pic>
     </p:spTree>
     <p:extLst>
       <p:ext uri="{BB962C8B-B14F-4D97-AF65-F5344CB8AC3E}">
-        <p14:creationId xmlns:p14="http://schemas.microsoft.com/office/powerpoint/2010/main" val="275526830"/>
+        <p14:creationId xmlns:p14="http://schemas.microsoft.com/office/powerpoint/2010/main" val="129575635"/>
       </p:ext>
     </p:extLst>
   </p:cSld>
@@ -12208,142 +10931,8 @@
           <a:p>
             <a:r>
               <a:rPr lang="it-IT" dirty="0"/>
-              <a:t>Production Feature</a:t>
-            </a:r>
-          </a:p>
-        </p:txBody>
-      </p:sp>
-      <p:sp>
-        <p:nvSpPr>
-          <p:cNvPr id="3" name="Segnaposto contenuto 2">
-            <a:extLst>
-              <a:ext uri="{FF2B5EF4-FFF2-40B4-BE49-F238E27FC236}">
-                <a16:creationId xmlns:a16="http://schemas.microsoft.com/office/drawing/2014/main" id="{772F0318-F736-4EAA-B8B9-836EB672EB4D}"/>
-              </a:ext>
-            </a:extLst>
-          </p:cNvPr>
-          <p:cNvSpPr>
-            <a:spLocks noGrp="1"/>
-          </p:cNvSpPr>
-          <p:nvPr>
-            <p:ph idx="1"/>
-          </p:nvPr>
-        </p:nvSpPr>
-        <p:spPr>
-          <a:xfrm>
-            <a:off x="677334" y="2160589"/>
-            <a:ext cx="8596668" cy="3880773"/>
-          </a:xfrm>
-        </p:spPr>
-        <p:txBody>
-          <a:bodyPr>
-            <a:normAutofit lnSpcReduction="10000"/>
-          </a:bodyPr>
-          <a:lstStyle/>
-          <a:p>
-            <a:r>
-              <a:rPr lang="it-IT" dirty="0" err="1"/>
-              <a:t>Horizontal</a:t>
-            </a:r>
-            <a:r>
-              <a:rPr lang="it-IT" dirty="0"/>
-              <a:t> </a:t>
-            </a:r>
-            <a:r>
-              <a:rPr lang="it-IT" dirty="0" err="1"/>
-              <a:t>Autoscaling</a:t>
-            </a:r>
-            <a:endParaRPr lang="it-IT" dirty="0"/>
-          </a:p>
-          <a:p>
-            <a:r>
-              <a:rPr lang="it-IT" dirty="0" err="1"/>
-              <a:t>HealthChecks</a:t>
-            </a:r>
-            <a:endParaRPr lang="it-IT" dirty="0"/>
-          </a:p>
-          <a:p>
-            <a:r>
-              <a:rPr lang="it-IT" dirty="0"/>
-              <a:t>Resource </a:t>
-            </a:r>
-            <a:r>
-              <a:rPr lang="it-IT" dirty="0" err="1"/>
-              <a:t>Quotas</a:t>
-            </a:r>
-            <a:endParaRPr lang="it-IT" dirty="0"/>
-          </a:p>
-          <a:p>
-            <a:r>
-              <a:rPr lang="it-IT" dirty="0"/>
-              <a:t>Rolling Update</a:t>
-            </a:r>
-          </a:p>
-          <a:p>
-            <a:r>
-              <a:rPr lang="it-IT" dirty="0" err="1"/>
-              <a:t>Externalized</a:t>
-            </a:r>
-            <a:r>
-              <a:rPr lang="it-IT" dirty="0"/>
-              <a:t> </a:t>
-            </a:r>
-            <a:r>
-              <a:rPr lang="it-IT" dirty="0" err="1"/>
-              <a:t>Configuration</a:t>
-            </a:r>
-            <a:endParaRPr lang="it-IT" dirty="0"/>
-          </a:p>
-          <a:p>
-            <a:r>
-              <a:rPr lang="it-IT" dirty="0" err="1"/>
-              <a:t>Secrets</a:t>
-            </a:r>
-            <a:r>
-              <a:rPr lang="it-IT" dirty="0"/>
-              <a:t> Handling</a:t>
-            </a:r>
-          </a:p>
-          <a:p>
-            <a:r>
-              <a:rPr lang="it-IT" dirty="0" err="1"/>
-              <a:t>Persistent</a:t>
-            </a:r>
-            <a:r>
-              <a:rPr lang="it-IT" dirty="0"/>
-              <a:t> </a:t>
-            </a:r>
-            <a:r>
-              <a:rPr lang="it-IT" dirty="0" err="1"/>
-              <a:t>Volumes</a:t>
-            </a:r>
-            <a:endParaRPr lang="it-IT" dirty="0"/>
-          </a:p>
-          <a:p>
-            <a:r>
-              <a:rPr lang="it-IT" dirty="0"/>
-              <a:t>Network </a:t>
-            </a:r>
-            <a:r>
-              <a:rPr lang="it-IT" dirty="0" err="1"/>
-              <a:t>Segmentation</a:t>
-            </a:r>
-            <a:endParaRPr lang="it-IT" dirty="0"/>
-          </a:p>
-          <a:p>
-            <a:r>
-              <a:rPr lang="it-IT" dirty="0"/>
-              <a:t>RBAC</a:t>
-            </a:r>
-          </a:p>
-          <a:p>
-            <a:r>
-              <a:rPr lang="it-IT" dirty="0"/>
-              <a:t>…</a:t>
-            </a:r>
-          </a:p>
-          <a:p>
-            <a:endParaRPr lang="it-IT" dirty="0"/>
+              <a:t>Kubernetes Cluster</a:t>
+            </a:r>
           </a:p>
         </p:txBody>
       </p:sp>
@@ -12394,10 +10983,727 @@
           </a:extLst>
         </p:spPr>
       </p:pic>
+      <p:sp>
+        <p:nvSpPr>
+          <p:cNvPr id="4" name="Rettangolo 3">
+            <a:extLst>
+              <a:ext uri="{FF2B5EF4-FFF2-40B4-BE49-F238E27FC236}">
+                <a16:creationId xmlns:a16="http://schemas.microsoft.com/office/drawing/2014/main" id="{57CE466D-8C75-4E04-A2A2-687F80849927}"/>
+              </a:ext>
+            </a:extLst>
+          </p:cNvPr>
+          <p:cNvSpPr/>
+          <p:nvPr/>
+        </p:nvSpPr>
+        <p:spPr>
+          <a:xfrm>
+            <a:off x="951139" y="2686050"/>
+            <a:ext cx="1845129" cy="2743200"/>
+          </a:xfrm>
+          <a:prstGeom prst="rect">
+            <a:avLst/>
+          </a:prstGeom>
+          <a:solidFill>
+            <a:schemeClr val="bg1"/>
+          </a:solidFill>
+        </p:spPr>
+        <p:style>
+          <a:lnRef idx="2">
+            <a:schemeClr val="accent1">
+              <a:shade val="50000"/>
+            </a:schemeClr>
+          </a:lnRef>
+          <a:fillRef idx="1">
+            <a:schemeClr val="accent1"/>
+          </a:fillRef>
+          <a:effectRef idx="0">
+            <a:schemeClr val="accent1"/>
+          </a:effectRef>
+          <a:fontRef idx="minor">
+            <a:schemeClr val="lt1"/>
+          </a:fontRef>
+        </p:style>
+        <p:txBody>
+          <a:bodyPr rtlCol="0" anchor="ctr"/>
+          <a:lstStyle/>
+          <a:p>
+            <a:pPr algn="ctr"/>
+            <a:endParaRPr lang="it-IT"/>
+          </a:p>
+        </p:txBody>
+      </p:sp>
+      <p:pic>
+        <p:nvPicPr>
+          <p:cNvPr id="3074" name="Picture 2" descr="Risultati immagini per kubernetes logo">
+            <a:extLst>
+              <a:ext uri="{FF2B5EF4-FFF2-40B4-BE49-F238E27FC236}">
+                <a16:creationId xmlns:a16="http://schemas.microsoft.com/office/drawing/2014/main" id="{54B423B2-3C8D-4572-8D76-D6B7C8CACF0D}"/>
+              </a:ext>
+            </a:extLst>
+          </p:cNvPr>
+          <p:cNvPicPr>
+            <a:picLocks noChangeAspect="1" noChangeArrowheads="1"/>
+          </p:cNvPicPr>
+          <p:nvPr/>
+        </p:nvPicPr>
+        <p:blipFill>
+          <a:blip r:embed="rId3">
+            <a:extLst>
+              <a:ext uri="{28A0092B-C50C-407E-A947-70E740481C1C}">
+                <a14:useLocalDpi xmlns:a14="http://schemas.microsoft.com/office/drawing/2010/main" val="0"/>
+              </a:ext>
+            </a:extLst>
+          </a:blip>
+          <a:srcRect/>
+          <a:stretch>
+            <a:fillRect/>
+          </a:stretch>
+        </p:blipFill>
+        <p:spPr bwMode="auto">
+          <a:xfrm>
+            <a:off x="4098860" y="1160863"/>
+            <a:ext cx="1024229" cy="999726"/>
+          </a:xfrm>
+          <a:prstGeom prst="rect">
+            <a:avLst/>
+          </a:prstGeom>
+          <a:noFill/>
+          <a:extLst>
+            <a:ext uri="{909E8E84-426E-40DD-AFC4-6F175D3DCCD1}">
+              <a14:hiddenFill xmlns:a14="http://schemas.microsoft.com/office/drawing/2010/main">
+                <a:solidFill>
+                  <a:srgbClr val="FFFFFF"/>
+                </a:solidFill>
+              </a14:hiddenFill>
+            </a:ext>
+          </a:extLst>
+        </p:spPr>
+      </p:pic>
+      <p:sp>
+        <p:nvSpPr>
+          <p:cNvPr id="5" name="CasellaDiTesto 4">
+            <a:extLst>
+              <a:ext uri="{FF2B5EF4-FFF2-40B4-BE49-F238E27FC236}">
+                <a16:creationId xmlns:a16="http://schemas.microsoft.com/office/drawing/2014/main" id="{0790C00F-B3E7-4CF3-8AD1-EDB8D87A55FA}"/>
+              </a:ext>
+            </a:extLst>
+          </p:cNvPr>
+          <p:cNvSpPr txBox="1"/>
+          <p:nvPr/>
+        </p:nvSpPr>
+        <p:spPr>
+          <a:xfrm>
+            <a:off x="1423098" y="5715000"/>
+            <a:ext cx="901209" cy="369332"/>
+          </a:xfrm>
+          <a:prstGeom prst="rect">
+            <a:avLst/>
+          </a:prstGeom>
+          <a:noFill/>
+        </p:spPr>
+        <p:txBody>
+          <a:bodyPr wrap="none" rtlCol="0">
+            <a:spAutoFit/>
+          </a:bodyPr>
+          <a:lstStyle/>
+          <a:p>
+            <a:r>
+              <a:rPr lang="it-IT" dirty="0" err="1"/>
+              <a:t>Node</a:t>
+            </a:r>
+            <a:r>
+              <a:rPr lang="it-IT" dirty="0"/>
+              <a:t> 1</a:t>
+            </a:r>
+          </a:p>
+        </p:txBody>
+      </p:sp>
+      <p:sp>
+        <p:nvSpPr>
+          <p:cNvPr id="11" name="CasellaDiTesto 10">
+            <a:extLst>
+              <a:ext uri="{FF2B5EF4-FFF2-40B4-BE49-F238E27FC236}">
+                <a16:creationId xmlns:a16="http://schemas.microsoft.com/office/drawing/2014/main" id="{550BAA31-B2C5-4BB1-9A81-8DA427C0FE49}"/>
+              </a:ext>
+            </a:extLst>
+          </p:cNvPr>
+          <p:cNvSpPr txBox="1"/>
+          <p:nvPr/>
+        </p:nvSpPr>
+        <p:spPr>
+          <a:xfrm>
+            <a:off x="4163575" y="5715000"/>
+            <a:ext cx="870751" cy="369332"/>
+          </a:xfrm>
+          <a:prstGeom prst="rect">
+            <a:avLst/>
+          </a:prstGeom>
+          <a:noFill/>
+        </p:spPr>
+        <p:txBody>
+          <a:bodyPr wrap="none" rtlCol="0">
+            <a:spAutoFit/>
+          </a:bodyPr>
+          <a:lstStyle/>
+          <a:p>
+            <a:r>
+              <a:rPr lang="it-IT" dirty="0"/>
+              <a:t>Master</a:t>
+            </a:r>
+          </a:p>
+        </p:txBody>
+      </p:sp>
+      <p:sp>
+        <p:nvSpPr>
+          <p:cNvPr id="12" name="CasellaDiTesto 11">
+            <a:extLst>
+              <a:ext uri="{FF2B5EF4-FFF2-40B4-BE49-F238E27FC236}">
+                <a16:creationId xmlns:a16="http://schemas.microsoft.com/office/drawing/2014/main" id="{0A22E50A-C5B0-4287-B549-19EFD33656A7}"/>
+              </a:ext>
+            </a:extLst>
+          </p:cNvPr>
+          <p:cNvSpPr txBox="1"/>
+          <p:nvPr/>
+        </p:nvSpPr>
+        <p:spPr>
+          <a:xfrm>
+            <a:off x="6873594" y="5715000"/>
+            <a:ext cx="901209" cy="369332"/>
+          </a:xfrm>
+          <a:prstGeom prst="rect">
+            <a:avLst/>
+          </a:prstGeom>
+          <a:noFill/>
+        </p:spPr>
+        <p:txBody>
+          <a:bodyPr wrap="none" rtlCol="0">
+            <a:spAutoFit/>
+          </a:bodyPr>
+          <a:lstStyle/>
+          <a:p>
+            <a:r>
+              <a:rPr lang="it-IT" dirty="0" err="1"/>
+              <a:t>Node</a:t>
+            </a:r>
+            <a:r>
+              <a:rPr lang="it-IT" dirty="0"/>
+              <a:t> 2</a:t>
+            </a:r>
+          </a:p>
+        </p:txBody>
+      </p:sp>
+      <p:pic>
+        <p:nvPicPr>
+          <p:cNvPr id="3076" name="Picture 4" descr="Risultati immagini per docker icon">
+            <a:extLst>
+              <a:ext uri="{FF2B5EF4-FFF2-40B4-BE49-F238E27FC236}">
+                <a16:creationId xmlns:a16="http://schemas.microsoft.com/office/drawing/2014/main" id="{4A753ABF-0707-4543-83AE-8CEC359EC660}"/>
+              </a:ext>
+            </a:extLst>
+          </p:cNvPr>
+          <p:cNvPicPr>
+            <a:picLocks noChangeAspect="1" noChangeArrowheads="1"/>
+          </p:cNvPicPr>
+          <p:nvPr/>
+        </p:nvPicPr>
+        <p:blipFill>
+          <a:blip r:embed="rId4">
+            <a:extLst>
+              <a:ext uri="{28A0092B-C50C-407E-A947-70E740481C1C}">
+                <a14:useLocalDpi xmlns:a14="http://schemas.microsoft.com/office/drawing/2010/main" val="0"/>
+              </a:ext>
+            </a:extLst>
+          </a:blip>
+          <a:srcRect/>
+          <a:stretch>
+            <a:fillRect/>
+          </a:stretch>
+        </p:blipFill>
+        <p:spPr bwMode="auto">
+          <a:xfrm>
+            <a:off x="1482496" y="4686300"/>
+            <a:ext cx="782411" cy="782411"/>
+          </a:xfrm>
+          <a:prstGeom prst="rect">
+            <a:avLst/>
+          </a:prstGeom>
+          <a:noFill/>
+          <a:extLst>
+            <a:ext uri="{909E8E84-426E-40DD-AFC4-6F175D3DCCD1}">
+              <a14:hiddenFill xmlns:a14="http://schemas.microsoft.com/office/drawing/2010/main">
+                <a:solidFill>
+                  <a:srgbClr val="FFFFFF"/>
+                </a:solidFill>
+              </a14:hiddenFill>
+            </a:ext>
+          </a:extLst>
+        </p:spPr>
+      </p:pic>
+      <p:cxnSp>
+        <p:nvCxnSpPr>
+          <p:cNvPr id="9" name="Connettore 2 8">
+            <a:extLst>
+              <a:ext uri="{FF2B5EF4-FFF2-40B4-BE49-F238E27FC236}">
+                <a16:creationId xmlns:a16="http://schemas.microsoft.com/office/drawing/2014/main" id="{47FB5F53-13E8-4302-9E74-C7AB26525800}"/>
+              </a:ext>
+            </a:extLst>
+          </p:cNvPr>
+          <p:cNvCxnSpPr>
+            <a:stCxn id="4" idx="0"/>
+            <a:endCxn id="3074" idx="2"/>
+          </p:cNvCxnSpPr>
+          <p:nvPr/>
+        </p:nvCxnSpPr>
+        <p:spPr>
+          <a:xfrm flipV="1">
+            <a:off x="1873704" y="2160589"/>
+            <a:ext cx="2737271" cy="525461"/>
+          </a:xfrm>
+          <a:prstGeom prst="straightConnector1">
+            <a:avLst/>
+          </a:prstGeom>
+          <a:ln>
+            <a:tailEnd type="triangle"/>
+          </a:ln>
+        </p:spPr>
+        <p:style>
+          <a:lnRef idx="2">
+            <a:schemeClr val="accent1"/>
+          </a:lnRef>
+          <a:fillRef idx="0">
+            <a:schemeClr val="accent1"/>
+          </a:fillRef>
+          <a:effectRef idx="1">
+            <a:schemeClr val="accent1"/>
+          </a:effectRef>
+          <a:fontRef idx="minor">
+            <a:schemeClr val="tx1"/>
+          </a:fontRef>
+        </p:style>
+      </p:cxnSp>
+      <p:cxnSp>
+        <p:nvCxnSpPr>
+          <p:cNvPr id="13" name="Connettore 2 12">
+            <a:extLst>
+              <a:ext uri="{FF2B5EF4-FFF2-40B4-BE49-F238E27FC236}">
+                <a16:creationId xmlns:a16="http://schemas.microsoft.com/office/drawing/2014/main" id="{7AE9E489-A9B7-44FD-9375-8F3E9F006016}"/>
+              </a:ext>
+            </a:extLst>
+          </p:cNvPr>
+          <p:cNvCxnSpPr>
+            <a:cxnSpLocks/>
+            <a:stCxn id="23" idx="0"/>
+            <a:endCxn id="3074" idx="2"/>
+          </p:cNvCxnSpPr>
+          <p:nvPr/>
+        </p:nvCxnSpPr>
+        <p:spPr>
+          <a:xfrm flipV="1">
+            <a:off x="4610100" y="2160589"/>
+            <a:ext cx="875" cy="522738"/>
+          </a:xfrm>
+          <a:prstGeom prst="straightConnector1">
+            <a:avLst/>
+          </a:prstGeom>
+          <a:ln>
+            <a:tailEnd type="triangle"/>
+          </a:ln>
+        </p:spPr>
+        <p:style>
+          <a:lnRef idx="2">
+            <a:schemeClr val="accent1"/>
+          </a:lnRef>
+          <a:fillRef idx="0">
+            <a:schemeClr val="accent1"/>
+          </a:fillRef>
+          <a:effectRef idx="1">
+            <a:schemeClr val="accent1"/>
+          </a:effectRef>
+          <a:fontRef idx="minor">
+            <a:schemeClr val="tx1"/>
+          </a:fontRef>
+        </p:style>
+      </p:cxnSp>
+      <p:cxnSp>
+        <p:nvCxnSpPr>
+          <p:cNvPr id="17" name="Connettore 2 16">
+            <a:extLst>
+              <a:ext uri="{FF2B5EF4-FFF2-40B4-BE49-F238E27FC236}">
+                <a16:creationId xmlns:a16="http://schemas.microsoft.com/office/drawing/2014/main" id="{3BA37854-BA72-4669-86D4-1BB73A01F1C8}"/>
+              </a:ext>
+            </a:extLst>
+          </p:cNvPr>
+          <p:cNvCxnSpPr>
+            <a:cxnSpLocks/>
+            <a:stCxn id="26" idx="0"/>
+            <a:endCxn id="3074" idx="2"/>
+          </p:cNvCxnSpPr>
+          <p:nvPr/>
+        </p:nvCxnSpPr>
+        <p:spPr>
+          <a:xfrm flipH="1" flipV="1">
+            <a:off x="4610975" y="2160589"/>
+            <a:ext cx="2678369" cy="522738"/>
+          </a:xfrm>
+          <a:prstGeom prst="straightConnector1">
+            <a:avLst/>
+          </a:prstGeom>
+          <a:ln>
+            <a:tailEnd type="triangle"/>
+          </a:ln>
+        </p:spPr>
+        <p:style>
+          <a:lnRef idx="2">
+            <a:schemeClr val="accent1"/>
+          </a:lnRef>
+          <a:fillRef idx="0">
+            <a:schemeClr val="accent1"/>
+          </a:fillRef>
+          <a:effectRef idx="1">
+            <a:schemeClr val="accent1"/>
+          </a:effectRef>
+          <a:fontRef idx="minor">
+            <a:schemeClr val="tx1"/>
+          </a:fontRef>
+        </p:style>
+      </p:cxnSp>
+      <p:sp>
+        <p:nvSpPr>
+          <p:cNvPr id="18" name="Rettangolo 17">
+            <a:extLst>
+              <a:ext uri="{FF2B5EF4-FFF2-40B4-BE49-F238E27FC236}">
+                <a16:creationId xmlns:a16="http://schemas.microsoft.com/office/drawing/2014/main" id="{A5520558-33F2-4F7B-AD1E-81042612CC06}"/>
+              </a:ext>
+            </a:extLst>
+          </p:cNvPr>
+          <p:cNvSpPr/>
+          <p:nvPr/>
+        </p:nvSpPr>
+        <p:spPr>
+          <a:xfrm>
+            <a:off x="951138" y="4686300"/>
+            <a:ext cx="1845129" cy="740227"/>
+          </a:xfrm>
+          <a:prstGeom prst="rect">
+            <a:avLst/>
+          </a:prstGeom>
+          <a:noFill/>
+        </p:spPr>
+        <p:style>
+          <a:lnRef idx="2">
+            <a:schemeClr val="accent1">
+              <a:shade val="50000"/>
+            </a:schemeClr>
+          </a:lnRef>
+          <a:fillRef idx="1">
+            <a:schemeClr val="accent1"/>
+          </a:fillRef>
+          <a:effectRef idx="0">
+            <a:schemeClr val="accent1"/>
+          </a:effectRef>
+          <a:fontRef idx="minor">
+            <a:schemeClr val="lt1"/>
+          </a:fontRef>
+        </p:style>
+        <p:txBody>
+          <a:bodyPr rtlCol="0" anchor="ctr"/>
+          <a:lstStyle/>
+          <a:p>
+            <a:pPr algn="ctr"/>
+            <a:endParaRPr lang="it-IT"/>
+          </a:p>
+        </p:txBody>
+      </p:sp>
+      <p:sp>
+        <p:nvSpPr>
+          <p:cNvPr id="23" name="Rettangolo 22">
+            <a:extLst>
+              <a:ext uri="{FF2B5EF4-FFF2-40B4-BE49-F238E27FC236}">
+                <a16:creationId xmlns:a16="http://schemas.microsoft.com/office/drawing/2014/main" id="{574D55E9-54F6-4482-9EFC-66109223F7F0}"/>
+              </a:ext>
+            </a:extLst>
+          </p:cNvPr>
+          <p:cNvSpPr/>
+          <p:nvPr/>
+        </p:nvSpPr>
+        <p:spPr>
+          <a:xfrm>
+            <a:off x="3687535" y="2683327"/>
+            <a:ext cx="1845129" cy="2743200"/>
+          </a:xfrm>
+          <a:prstGeom prst="rect">
+            <a:avLst/>
+          </a:prstGeom>
+          <a:solidFill>
+            <a:schemeClr val="bg1"/>
+          </a:solidFill>
+        </p:spPr>
+        <p:style>
+          <a:lnRef idx="2">
+            <a:schemeClr val="accent1">
+              <a:shade val="50000"/>
+            </a:schemeClr>
+          </a:lnRef>
+          <a:fillRef idx="1">
+            <a:schemeClr val="accent1"/>
+          </a:fillRef>
+          <a:effectRef idx="0">
+            <a:schemeClr val="accent1"/>
+          </a:effectRef>
+          <a:fontRef idx="minor">
+            <a:schemeClr val="lt1"/>
+          </a:fontRef>
+        </p:style>
+        <p:txBody>
+          <a:bodyPr rtlCol="0" anchor="ctr"/>
+          <a:lstStyle/>
+          <a:p>
+            <a:pPr algn="ctr"/>
+            <a:endParaRPr lang="it-IT"/>
+          </a:p>
+        </p:txBody>
+      </p:sp>
+      <p:pic>
+        <p:nvPicPr>
+          <p:cNvPr id="24" name="Picture 4" descr="Risultati immagini per docker icon">
+            <a:extLst>
+              <a:ext uri="{FF2B5EF4-FFF2-40B4-BE49-F238E27FC236}">
+                <a16:creationId xmlns:a16="http://schemas.microsoft.com/office/drawing/2014/main" id="{73B56792-2A88-4086-AE54-03A3321C0B06}"/>
+              </a:ext>
+            </a:extLst>
+          </p:cNvPr>
+          <p:cNvPicPr>
+            <a:picLocks noChangeAspect="1" noChangeArrowheads="1"/>
+          </p:cNvPicPr>
+          <p:nvPr/>
+        </p:nvPicPr>
+        <p:blipFill>
+          <a:blip r:embed="rId4">
+            <a:extLst>
+              <a:ext uri="{28A0092B-C50C-407E-A947-70E740481C1C}">
+                <a14:useLocalDpi xmlns:a14="http://schemas.microsoft.com/office/drawing/2010/main" val="0"/>
+              </a:ext>
+            </a:extLst>
+          </a:blip>
+          <a:srcRect/>
+          <a:stretch>
+            <a:fillRect/>
+          </a:stretch>
+        </p:blipFill>
+        <p:spPr bwMode="auto">
+          <a:xfrm>
+            <a:off x="4218892" y="4683577"/>
+            <a:ext cx="782411" cy="782411"/>
+          </a:xfrm>
+          <a:prstGeom prst="rect">
+            <a:avLst/>
+          </a:prstGeom>
+          <a:noFill/>
+          <a:extLst>
+            <a:ext uri="{909E8E84-426E-40DD-AFC4-6F175D3DCCD1}">
+              <a14:hiddenFill xmlns:a14="http://schemas.microsoft.com/office/drawing/2010/main">
+                <a:solidFill>
+                  <a:srgbClr val="FFFFFF"/>
+                </a:solidFill>
+              </a14:hiddenFill>
+            </a:ext>
+          </a:extLst>
+        </p:spPr>
+      </p:pic>
+      <p:sp>
+        <p:nvSpPr>
+          <p:cNvPr id="25" name="Rettangolo 24">
+            <a:extLst>
+              <a:ext uri="{FF2B5EF4-FFF2-40B4-BE49-F238E27FC236}">
+                <a16:creationId xmlns:a16="http://schemas.microsoft.com/office/drawing/2014/main" id="{CFE3AA84-FEDA-48FF-8C30-455217F4D45D}"/>
+              </a:ext>
+            </a:extLst>
+          </p:cNvPr>
+          <p:cNvSpPr/>
+          <p:nvPr/>
+        </p:nvSpPr>
+        <p:spPr>
+          <a:xfrm>
+            <a:off x="3687534" y="4683577"/>
+            <a:ext cx="1845129" cy="740227"/>
+          </a:xfrm>
+          <a:prstGeom prst="rect">
+            <a:avLst/>
+          </a:prstGeom>
+          <a:noFill/>
+        </p:spPr>
+        <p:style>
+          <a:lnRef idx="2">
+            <a:schemeClr val="accent1">
+              <a:shade val="50000"/>
+            </a:schemeClr>
+          </a:lnRef>
+          <a:fillRef idx="1">
+            <a:schemeClr val="accent1"/>
+          </a:fillRef>
+          <a:effectRef idx="0">
+            <a:schemeClr val="accent1"/>
+          </a:effectRef>
+          <a:fontRef idx="minor">
+            <a:schemeClr val="lt1"/>
+          </a:fontRef>
+        </p:style>
+        <p:txBody>
+          <a:bodyPr rtlCol="0" anchor="ctr"/>
+          <a:lstStyle/>
+          <a:p>
+            <a:pPr algn="ctr"/>
+            <a:endParaRPr lang="it-IT"/>
+          </a:p>
+        </p:txBody>
+      </p:sp>
+      <p:sp>
+        <p:nvSpPr>
+          <p:cNvPr id="26" name="Rettangolo 25">
+            <a:extLst>
+              <a:ext uri="{FF2B5EF4-FFF2-40B4-BE49-F238E27FC236}">
+                <a16:creationId xmlns:a16="http://schemas.microsoft.com/office/drawing/2014/main" id="{F66F6ED8-EAA6-4FDA-AFF5-FC3BD82DC792}"/>
+              </a:ext>
+            </a:extLst>
+          </p:cNvPr>
+          <p:cNvSpPr/>
+          <p:nvPr/>
+        </p:nvSpPr>
+        <p:spPr>
+          <a:xfrm>
+            <a:off x="6366779" y="2683327"/>
+            <a:ext cx="1845129" cy="2743200"/>
+          </a:xfrm>
+          <a:prstGeom prst="rect">
+            <a:avLst/>
+          </a:prstGeom>
+          <a:solidFill>
+            <a:schemeClr val="bg1"/>
+          </a:solidFill>
+        </p:spPr>
+        <p:style>
+          <a:lnRef idx="2">
+            <a:schemeClr val="accent1">
+              <a:shade val="50000"/>
+            </a:schemeClr>
+          </a:lnRef>
+          <a:fillRef idx="1">
+            <a:schemeClr val="accent1"/>
+          </a:fillRef>
+          <a:effectRef idx="0">
+            <a:schemeClr val="accent1"/>
+          </a:effectRef>
+          <a:fontRef idx="minor">
+            <a:schemeClr val="lt1"/>
+          </a:fontRef>
+        </p:style>
+        <p:txBody>
+          <a:bodyPr rtlCol="0" anchor="ctr"/>
+          <a:lstStyle/>
+          <a:p>
+            <a:pPr algn="ctr"/>
+            <a:endParaRPr lang="it-IT"/>
+          </a:p>
+        </p:txBody>
+      </p:sp>
+      <p:pic>
+        <p:nvPicPr>
+          <p:cNvPr id="27" name="Picture 4" descr="Risultati immagini per docker icon">
+            <a:extLst>
+              <a:ext uri="{FF2B5EF4-FFF2-40B4-BE49-F238E27FC236}">
+                <a16:creationId xmlns:a16="http://schemas.microsoft.com/office/drawing/2014/main" id="{71BF34D4-B522-4075-BBB1-09355416EAAF}"/>
+              </a:ext>
+            </a:extLst>
+          </p:cNvPr>
+          <p:cNvPicPr>
+            <a:picLocks noChangeAspect="1" noChangeArrowheads="1"/>
+          </p:cNvPicPr>
+          <p:nvPr/>
+        </p:nvPicPr>
+        <p:blipFill>
+          <a:blip r:embed="rId4">
+            <a:extLst>
+              <a:ext uri="{28A0092B-C50C-407E-A947-70E740481C1C}">
+                <a14:useLocalDpi xmlns:a14="http://schemas.microsoft.com/office/drawing/2010/main" val="0"/>
+              </a:ext>
+            </a:extLst>
+          </a:blip>
+          <a:srcRect/>
+          <a:stretch>
+            <a:fillRect/>
+          </a:stretch>
+        </p:blipFill>
+        <p:spPr bwMode="auto">
+          <a:xfrm>
+            <a:off x="6898136" y="4683577"/>
+            <a:ext cx="782411" cy="782411"/>
+          </a:xfrm>
+          <a:prstGeom prst="rect">
+            <a:avLst/>
+          </a:prstGeom>
+          <a:noFill/>
+          <a:extLst>
+            <a:ext uri="{909E8E84-426E-40DD-AFC4-6F175D3DCCD1}">
+              <a14:hiddenFill xmlns:a14="http://schemas.microsoft.com/office/drawing/2010/main">
+                <a:solidFill>
+                  <a:srgbClr val="FFFFFF"/>
+                </a:solidFill>
+              </a14:hiddenFill>
+            </a:ext>
+          </a:extLst>
+        </p:spPr>
+      </p:pic>
+      <p:sp>
+        <p:nvSpPr>
+          <p:cNvPr id="28" name="Rettangolo 27">
+            <a:extLst>
+              <a:ext uri="{FF2B5EF4-FFF2-40B4-BE49-F238E27FC236}">
+                <a16:creationId xmlns:a16="http://schemas.microsoft.com/office/drawing/2014/main" id="{63AEA73C-E6B4-4AE8-9142-E88003E1B24A}"/>
+              </a:ext>
+            </a:extLst>
+          </p:cNvPr>
+          <p:cNvSpPr/>
+          <p:nvPr/>
+        </p:nvSpPr>
+        <p:spPr>
+          <a:xfrm>
+            <a:off x="6366778" y="4683577"/>
+            <a:ext cx="1845129" cy="740227"/>
+          </a:xfrm>
+          <a:prstGeom prst="rect">
+            <a:avLst/>
+          </a:prstGeom>
+          <a:noFill/>
+        </p:spPr>
+        <p:style>
+          <a:lnRef idx="2">
+            <a:schemeClr val="accent1">
+              <a:shade val="50000"/>
+            </a:schemeClr>
+          </a:lnRef>
+          <a:fillRef idx="1">
+            <a:schemeClr val="accent1"/>
+          </a:fillRef>
+          <a:effectRef idx="0">
+            <a:schemeClr val="accent1"/>
+          </a:effectRef>
+          <a:fontRef idx="minor">
+            <a:schemeClr val="lt1"/>
+          </a:fontRef>
+        </p:style>
+        <p:txBody>
+          <a:bodyPr rtlCol="0" anchor="ctr"/>
+          <a:lstStyle/>
+          <a:p>
+            <a:pPr algn="ctr"/>
+            <a:endParaRPr lang="it-IT"/>
+          </a:p>
+        </p:txBody>
+      </p:sp>
     </p:spTree>
     <p:extLst>
       <p:ext uri="{BB962C8B-B14F-4D97-AF65-F5344CB8AC3E}">
-        <p14:creationId xmlns:p14="http://schemas.microsoft.com/office/powerpoint/2010/main" val="2320916609"/>
+        <p14:creationId xmlns:p14="http://schemas.microsoft.com/office/powerpoint/2010/main" val="161953518"/>
       </p:ext>
     </p:extLst>
   </p:cSld>
@@ -12447,7 +11753,7 @@
           <a:p>
             <a:r>
               <a:rPr lang="it-IT" dirty="0"/>
-              <a:t>Namespace</a:t>
+              <a:t>Kubernetes Cluster</a:t>
             </a:r>
           </a:p>
         </p:txBody>
@@ -12501,134 +11807,10 @@
       </p:pic>
       <p:sp>
         <p:nvSpPr>
-          <p:cNvPr id="7" name="Segnaposto contenuto 6">
-            <a:extLst>
-              <a:ext uri="{FF2B5EF4-FFF2-40B4-BE49-F238E27FC236}">
-                <a16:creationId xmlns:a16="http://schemas.microsoft.com/office/drawing/2014/main" id="{CC9B20DA-1797-4AAC-A9FE-0AB03362EB64}"/>
-              </a:ext>
-            </a:extLst>
-          </p:cNvPr>
-          <p:cNvSpPr>
-            <a:spLocks noGrp="1"/>
-          </p:cNvSpPr>
-          <p:nvPr>
-            <p:ph idx="1"/>
-          </p:nvPr>
-        </p:nvSpPr>
-        <p:spPr>
-          <a:xfrm>
-            <a:off x="677334" y="1343025"/>
-            <a:ext cx="8596668" cy="4698337"/>
-          </a:xfrm>
-        </p:spPr>
-        <p:txBody>
-          <a:bodyPr/>
-          <a:lstStyle/>
-          <a:p>
-            <a:pPr fontAlgn="base"/>
-            <a:r>
-              <a:rPr lang="en-US" sz="2000" dirty="0"/>
-              <a:t>Namespaces are a logical cluster or environment, and are the primary method of partitioning a cluster or scoping access.</a:t>
-            </a:r>
-          </a:p>
-          <a:p>
-            <a:pPr fontAlgn="base"/>
-            <a:endParaRPr lang="en-US" dirty="0"/>
-          </a:p>
-          <a:p>
-            <a:pPr fontAlgn="base"/>
-            <a:endParaRPr lang="it-IT" dirty="0"/>
-          </a:p>
-          <a:p>
-            <a:pPr marL="0" indent="0" fontAlgn="base">
-              <a:buNone/>
-            </a:pPr>
-            <a:r>
-              <a:rPr lang="en-US" dirty="0">
-                <a:latin typeface="Consolas" panose="020B0609020204030204" pitchFamily="49" charset="0"/>
-              </a:rPr>
-              <a:t>$ </a:t>
-            </a:r>
-            <a:r>
-              <a:rPr lang="en-US" dirty="0" err="1">
-                <a:latin typeface="Consolas" panose="020B0609020204030204" pitchFamily="49" charset="0"/>
-              </a:rPr>
-              <a:t>kubectl</a:t>
-            </a:r>
-            <a:r>
-              <a:rPr lang="en-US" dirty="0">
-                <a:latin typeface="Consolas" panose="020B0609020204030204" pitchFamily="49" charset="0"/>
-              </a:rPr>
-              <a:t> get namespaces</a:t>
-            </a:r>
-          </a:p>
-          <a:p>
-            <a:pPr marL="0" indent="0" fontAlgn="base">
-              <a:buNone/>
-            </a:pPr>
-            <a:r>
-              <a:rPr lang="en-US" dirty="0">
-                <a:latin typeface="Consolas" panose="020B0609020204030204" pitchFamily="49" charset="0"/>
-              </a:rPr>
-              <a:t>NAME          STATUS    AGE</a:t>
-            </a:r>
-          </a:p>
-          <a:p>
-            <a:pPr marL="0" indent="0" fontAlgn="base">
-              <a:buNone/>
-            </a:pPr>
-            <a:r>
-              <a:rPr lang="en-US" dirty="0">
-                <a:latin typeface="Consolas" panose="020B0609020204030204" pitchFamily="49" charset="0"/>
-              </a:rPr>
-              <a:t>default       Active    1d</a:t>
-            </a:r>
-          </a:p>
-          <a:p>
-            <a:pPr marL="0" indent="0" fontAlgn="base">
-              <a:buNone/>
-            </a:pPr>
-            <a:r>
-              <a:rPr lang="en-US" dirty="0" err="1">
-                <a:latin typeface="Consolas" panose="020B0609020204030204" pitchFamily="49" charset="0"/>
-              </a:rPr>
-              <a:t>kube</a:t>
-            </a:r>
-            <a:r>
-              <a:rPr lang="en-US" dirty="0">
-                <a:latin typeface="Consolas" panose="020B0609020204030204" pitchFamily="49" charset="0"/>
-              </a:rPr>
-              <a:t>-system   Active    1d</a:t>
-            </a:r>
-          </a:p>
-          <a:p>
-            <a:pPr marL="0" indent="0" fontAlgn="base">
-              <a:buNone/>
-            </a:pPr>
-            <a:r>
-              <a:rPr lang="en-US" dirty="0" err="1">
-                <a:latin typeface="Consolas" panose="020B0609020204030204" pitchFamily="49" charset="0"/>
-              </a:rPr>
-              <a:t>kube</a:t>
-            </a:r>
-            <a:r>
-              <a:rPr lang="en-US" dirty="0">
-                <a:latin typeface="Consolas" panose="020B0609020204030204" pitchFamily="49" charset="0"/>
-              </a:rPr>
-              <a:t>-public   Active    1d</a:t>
-            </a:r>
-            <a:endParaRPr lang="it-IT" dirty="0">
-              <a:latin typeface="Consolas" panose="020B0609020204030204" pitchFamily="49" charset="0"/>
-            </a:endParaRPr>
-          </a:p>
-        </p:txBody>
-      </p:sp>
-      <p:sp>
-        <p:nvSpPr>
-          <p:cNvPr id="5" name="Rettangolo 4">
-            <a:extLst>
-              <a:ext uri="{FF2B5EF4-FFF2-40B4-BE49-F238E27FC236}">
-                <a16:creationId xmlns:a16="http://schemas.microsoft.com/office/drawing/2014/main" id="{A422E60A-606E-4548-91B7-CD050F53392F}"/>
+          <p:cNvPr id="4" name="Rettangolo 3">
+            <a:extLst>
+              <a:ext uri="{FF2B5EF4-FFF2-40B4-BE49-F238E27FC236}">
+                <a16:creationId xmlns:a16="http://schemas.microsoft.com/office/drawing/2014/main" id="{57CE466D-8C75-4E04-A2A2-687F80849927}"/>
               </a:ext>
             </a:extLst>
           </p:cNvPr>
@@ -12637,13 +11819,15 @@
         </p:nvSpPr>
         <p:spPr>
           <a:xfrm>
-            <a:off x="706211" y="2808514"/>
-            <a:ext cx="3788228" cy="2049236"/>
+            <a:off x="951139" y="2686050"/>
+            <a:ext cx="1845129" cy="2743200"/>
           </a:xfrm>
           <a:prstGeom prst="rect">
             <a:avLst/>
           </a:prstGeom>
-          <a:noFill/>
+          <a:solidFill>
+            <a:schemeClr val="bg1"/>
+          </a:solidFill>
         </p:spPr>
         <p:style>
           <a:lnRef idx="2">
@@ -12670,10 +11854,1074 @@
           </a:p>
         </p:txBody>
       </p:sp>
+      <p:pic>
+        <p:nvPicPr>
+          <p:cNvPr id="3074" name="Picture 2" descr="Risultati immagini per kubernetes logo">
+            <a:extLst>
+              <a:ext uri="{FF2B5EF4-FFF2-40B4-BE49-F238E27FC236}">
+                <a16:creationId xmlns:a16="http://schemas.microsoft.com/office/drawing/2014/main" id="{54B423B2-3C8D-4572-8D76-D6B7C8CACF0D}"/>
+              </a:ext>
+            </a:extLst>
+          </p:cNvPr>
+          <p:cNvPicPr>
+            <a:picLocks noChangeAspect="1" noChangeArrowheads="1"/>
+          </p:cNvPicPr>
+          <p:nvPr/>
+        </p:nvPicPr>
+        <p:blipFill>
+          <a:blip r:embed="rId3">
+            <a:extLst>
+              <a:ext uri="{28A0092B-C50C-407E-A947-70E740481C1C}">
+                <a14:useLocalDpi xmlns:a14="http://schemas.microsoft.com/office/drawing/2010/main" val="0"/>
+              </a:ext>
+            </a:extLst>
+          </a:blip>
+          <a:srcRect/>
+          <a:stretch>
+            <a:fillRect/>
+          </a:stretch>
+        </p:blipFill>
+        <p:spPr bwMode="auto">
+          <a:xfrm>
+            <a:off x="4098860" y="1160863"/>
+            <a:ext cx="1024229" cy="999726"/>
+          </a:xfrm>
+          <a:prstGeom prst="rect">
+            <a:avLst/>
+          </a:prstGeom>
+          <a:noFill/>
+          <a:extLst>
+            <a:ext uri="{909E8E84-426E-40DD-AFC4-6F175D3DCCD1}">
+              <a14:hiddenFill xmlns:a14="http://schemas.microsoft.com/office/drawing/2010/main">
+                <a:solidFill>
+                  <a:srgbClr val="FFFFFF"/>
+                </a:solidFill>
+              </a14:hiddenFill>
+            </a:ext>
+          </a:extLst>
+        </p:spPr>
+      </p:pic>
+      <p:sp>
+        <p:nvSpPr>
+          <p:cNvPr id="5" name="CasellaDiTesto 4">
+            <a:extLst>
+              <a:ext uri="{FF2B5EF4-FFF2-40B4-BE49-F238E27FC236}">
+                <a16:creationId xmlns:a16="http://schemas.microsoft.com/office/drawing/2014/main" id="{0790C00F-B3E7-4CF3-8AD1-EDB8D87A55FA}"/>
+              </a:ext>
+            </a:extLst>
+          </p:cNvPr>
+          <p:cNvSpPr txBox="1"/>
+          <p:nvPr/>
+        </p:nvSpPr>
+        <p:spPr>
+          <a:xfrm>
+            <a:off x="1423098" y="5715000"/>
+            <a:ext cx="901209" cy="369332"/>
+          </a:xfrm>
+          <a:prstGeom prst="rect">
+            <a:avLst/>
+          </a:prstGeom>
+          <a:noFill/>
+        </p:spPr>
+        <p:txBody>
+          <a:bodyPr wrap="none" rtlCol="0">
+            <a:spAutoFit/>
+          </a:bodyPr>
+          <a:lstStyle/>
+          <a:p>
+            <a:r>
+              <a:rPr lang="it-IT" dirty="0" err="1"/>
+              <a:t>Node</a:t>
+            </a:r>
+            <a:r>
+              <a:rPr lang="it-IT" dirty="0"/>
+              <a:t> 1</a:t>
+            </a:r>
+          </a:p>
+        </p:txBody>
+      </p:sp>
+      <p:sp>
+        <p:nvSpPr>
+          <p:cNvPr id="11" name="CasellaDiTesto 10">
+            <a:extLst>
+              <a:ext uri="{FF2B5EF4-FFF2-40B4-BE49-F238E27FC236}">
+                <a16:creationId xmlns:a16="http://schemas.microsoft.com/office/drawing/2014/main" id="{550BAA31-B2C5-4BB1-9A81-8DA427C0FE49}"/>
+              </a:ext>
+            </a:extLst>
+          </p:cNvPr>
+          <p:cNvSpPr txBox="1"/>
+          <p:nvPr/>
+        </p:nvSpPr>
+        <p:spPr>
+          <a:xfrm>
+            <a:off x="4163575" y="5715000"/>
+            <a:ext cx="870751" cy="369332"/>
+          </a:xfrm>
+          <a:prstGeom prst="rect">
+            <a:avLst/>
+          </a:prstGeom>
+          <a:noFill/>
+        </p:spPr>
+        <p:txBody>
+          <a:bodyPr wrap="none" rtlCol="0">
+            <a:spAutoFit/>
+          </a:bodyPr>
+          <a:lstStyle/>
+          <a:p>
+            <a:r>
+              <a:rPr lang="it-IT" dirty="0"/>
+              <a:t>Master</a:t>
+            </a:r>
+          </a:p>
+        </p:txBody>
+      </p:sp>
+      <p:sp>
+        <p:nvSpPr>
+          <p:cNvPr id="12" name="CasellaDiTesto 11">
+            <a:extLst>
+              <a:ext uri="{FF2B5EF4-FFF2-40B4-BE49-F238E27FC236}">
+                <a16:creationId xmlns:a16="http://schemas.microsoft.com/office/drawing/2014/main" id="{0A22E50A-C5B0-4287-B549-19EFD33656A7}"/>
+              </a:ext>
+            </a:extLst>
+          </p:cNvPr>
+          <p:cNvSpPr txBox="1"/>
+          <p:nvPr/>
+        </p:nvSpPr>
+        <p:spPr>
+          <a:xfrm>
+            <a:off x="6873594" y="5715000"/>
+            <a:ext cx="901209" cy="369332"/>
+          </a:xfrm>
+          <a:prstGeom prst="rect">
+            <a:avLst/>
+          </a:prstGeom>
+          <a:noFill/>
+        </p:spPr>
+        <p:txBody>
+          <a:bodyPr wrap="none" rtlCol="0">
+            <a:spAutoFit/>
+          </a:bodyPr>
+          <a:lstStyle/>
+          <a:p>
+            <a:r>
+              <a:rPr lang="it-IT" dirty="0" err="1"/>
+              <a:t>Node</a:t>
+            </a:r>
+            <a:r>
+              <a:rPr lang="it-IT" dirty="0"/>
+              <a:t> 2</a:t>
+            </a:r>
+          </a:p>
+        </p:txBody>
+      </p:sp>
+      <p:pic>
+        <p:nvPicPr>
+          <p:cNvPr id="3076" name="Picture 4" descr="Risultati immagini per docker icon">
+            <a:extLst>
+              <a:ext uri="{FF2B5EF4-FFF2-40B4-BE49-F238E27FC236}">
+                <a16:creationId xmlns:a16="http://schemas.microsoft.com/office/drawing/2014/main" id="{4A753ABF-0707-4543-83AE-8CEC359EC660}"/>
+              </a:ext>
+            </a:extLst>
+          </p:cNvPr>
+          <p:cNvPicPr>
+            <a:picLocks noChangeAspect="1" noChangeArrowheads="1"/>
+          </p:cNvPicPr>
+          <p:nvPr/>
+        </p:nvPicPr>
+        <p:blipFill>
+          <a:blip r:embed="rId4">
+            <a:extLst>
+              <a:ext uri="{28A0092B-C50C-407E-A947-70E740481C1C}">
+                <a14:useLocalDpi xmlns:a14="http://schemas.microsoft.com/office/drawing/2010/main" val="0"/>
+              </a:ext>
+            </a:extLst>
+          </a:blip>
+          <a:srcRect/>
+          <a:stretch>
+            <a:fillRect/>
+          </a:stretch>
+        </p:blipFill>
+        <p:spPr bwMode="auto">
+          <a:xfrm>
+            <a:off x="1482496" y="4686300"/>
+            <a:ext cx="782411" cy="782411"/>
+          </a:xfrm>
+          <a:prstGeom prst="rect">
+            <a:avLst/>
+          </a:prstGeom>
+          <a:noFill/>
+          <a:extLst>
+            <a:ext uri="{909E8E84-426E-40DD-AFC4-6F175D3DCCD1}">
+              <a14:hiddenFill xmlns:a14="http://schemas.microsoft.com/office/drawing/2010/main">
+                <a:solidFill>
+                  <a:srgbClr val="FFFFFF"/>
+                </a:solidFill>
+              </a14:hiddenFill>
+            </a:ext>
+          </a:extLst>
+        </p:spPr>
+      </p:pic>
+      <p:cxnSp>
+        <p:nvCxnSpPr>
+          <p:cNvPr id="9" name="Connettore 2 8">
+            <a:extLst>
+              <a:ext uri="{FF2B5EF4-FFF2-40B4-BE49-F238E27FC236}">
+                <a16:creationId xmlns:a16="http://schemas.microsoft.com/office/drawing/2014/main" id="{47FB5F53-13E8-4302-9E74-C7AB26525800}"/>
+              </a:ext>
+            </a:extLst>
+          </p:cNvPr>
+          <p:cNvCxnSpPr>
+            <a:stCxn id="4" idx="0"/>
+            <a:endCxn id="3074" idx="2"/>
+          </p:cNvCxnSpPr>
+          <p:nvPr/>
+        </p:nvCxnSpPr>
+        <p:spPr>
+          <a:xfrm flipV="1">
+            <a:off x="1873704" y="2160589"/>
+            <a:ext cx="2737271" cy="525461"/>
+          </a:xfrm>
+          <a:prstGeom prst="straightConnector1">
+            <a:avLst/>
+          </a:prstGeom>
+          <a:ln>
+            <a:tailEnd type="triangle"/>
+          </a:ln>
+        </p:spPr>
+        <p:style>
+          <a:lnRef idx="2">
+            <a:schemeClr val="accent1"/>
+          </a:lnRef>
+          <a:fillRef idx="0">
+            <a:schemeClr val="accent1"/>
+          </a:fillRef>
+          <a:effectRef idx="1">
+            <a:schemeClr val="accent1"/>
+          </a:effectRef>
+          <a:fontRef idx="minor">
+            <a:schemeClr val="tx1"/>
+          </a:fontRef>
+        </p:style>
+      </p:cxnSp>
+      <p:cxnSp>
+        <p:nvCxnSpPr>
+          <p:cNvPr id="13" name="Connettore 2 12">
+            <a:extLst>
+              <a:ext uri="{FF2B5EF4-FFF2-40B4-BE49-F238E27FC236}">
+                <a16:creationId xmlns:a16="http://schemas.microsoft.com/office/drawing/2014/main" id="{7AE9E489-A9B7-44FD-9375-8F3E9F006016}"/>
+              </a:ext>
+            </a:extLst>
+          </p:cNvPr>
+          <p:cNvCxnSpPr>
+            <a:cxnSpLocks/>
+            <a:stCxn id="23" idx="0"/>
+            <a:endCxn id="3074" idx="2"/>
+          </p:cNvCxnSpPr>
+          <p:nvPr/>
+        </p:nvCxnSpPr>
+        <p:spPr>
+          <a:xfrm flipV="1">
+            <a:off x="4610100" y="2160589"/>
+            <a:ext cx="875" cy="522738"/>
+          </a:xfrm>
+          <a:prstGeom prst="straightConnector1">
+            <a:avLst/>
+          </a:prstGeom>
+          <a:ln>
+            <a:tailEnd type="triangle"/>
+          </a:ln>
+        </p:spPr>
+        <p:style>
+          <a:lnRef idx="2">
+            <a:schemeClr val="accent1"/>
+          </a:lnRef>
+          <a:fillRef idx="0">
+            <a:schemeClr val="accent1"/>
+          </a:fillRef>
+          <a:effectRef idx="1">
+            <a:schemeClr val="accent1"/>
+          </a:effectRef>
+          <a:fontRef idx="minor">
+            <a:schemeClr val="tx1"/>
+          </a:fontRef>
+        </p:style>
+      </p:cxnSp>
+      <p:cxnSp>
+        <p:nvCxnSpPr>
+          <p:cNvPr id="17" name="Connettore 2 16">
+            <a:extLst>
+              <a:ext uri="{FF2B5EF4-FFF2-40B4-BE49-F238E27FC236}">
+                <a16:creationId xmlns:a16="http://schemas.microsoft.com/office/drawing/2014/main" id="{3BA37854-BA72-4669-86D4-1BB73A01F1C8}"/>
+              </a:ext>
+            </a:extLst>
+          </p:cNvPr>
+          <p:cNvCxnSpPr>
+            <a:cxnSpLocks/>
+            <a:stCxn id="26" idx="0"/>
+            <a:endCxn id="3074" idx="2"/>
+          </p:cNvCxnSpPr>
+          <p:nvPr/>
+        </p:nvCxnSpPr>
+        <p:spPr>
+          <a:xfrm flipH="1" flipV="1">
+            <a:off x="4610975" y="2160589"/>
+            <a:ext cx="2678369" cy="522738"/>
+          </a:xfrm>
+          <a:prstGeom prst="straightConnector1">
+            <a:avLst/>
+          </a:prstGeom>
+          <a:ln>
+            <a:tailEnd type="triangle"/>
+          </a:ln>
+        </p:spPr>
+        <p:style>
+          <a:lnRef idx="2">
+            <a:schemeClr val="accent1"/>
+          </a:lnRef>
+          <a:fillRef idx="0">
+            <a:schemeClr val="accent1"/>
+          </a:fillRef>
+          <a:effectRef idx="1">
+            <a:schemeClr val="accent1"/>
+          </a:effectRef>
+          <a:fontRef idx="minor">
+            <a:schemeClr val="tx1"/>
+          </a:fontRef>
+        </p:style>
+      </p:cxnSp>
+      <p:sp>
+        <p:nvSpPr>
+          <p:cNvPr id="18" name="Rettangolo 17">
+            <a:extLst>
+              <a:ext uri="{FF2B5EF4-FFF2-40B4-BE49-F238E27FC236}">
+                <a16:creationId xmlns:a16="http://schemas.microsoft.com/office/drawing/2014/main" id="{A5520558-33F2-4F7B-AD1E-81042612CC06}"/>
+              </a:ext>
+            </a:extLst>
+          </p:cNvPr>
+          <p:cNvSpPr/>
+          <p:nvPr/>
+        </p:nvSpPr>
+        <p:spPr>
+          <a:xfrm>
+            <a:off x="951138" y="4686300"/>
+            <a:ext cx="1845129" cy="740227"/>
+          </a:xfrm>
+          <a:prstGeom prst="rect">
+            <a:avLst/>
+          </a:prstGeom>
+          <a:noFill/>
+        </p:spPr>
+        <p:style>
+          <a:lnRef idx="2">
+            <a:schemeClr val="accent1">
+              <a:shade val="50000"/>
+            </a:schemeClr>
+          </a:lnRef>
+          <a:fillRef idx="1">
+            <a:schemeClr val="accent1"/>
+          </a:fillRef>
+          <a:effectRef idx="0">
+            <a:schemeClr val="accent1"/>
+          </a:effectRef>
+          <a:fontRef idx="minor">
+            <a:schemeClr val="lt1"/>
+          </a:fontRef>
+        </p:style>
+        <p:txBody>
+          <a:bodyPr rtlCol="0" anchor="ctr"/>
+          <a:lstStyle/>
+          <a:p>
+            <a:pPr algn="ctr"/>
+            <a:endParaRPr lang="it-IT"/>
+          </a:p>
+        </p:txBody>
+      </p:sp>
+      <p:sp>
+        <p:nvSpPr>
+          <p:cNvPr id="23" name="Rettangolo 22">
+            <a:extLst>
+              <a:ext uri="{FF2B5EF4-FFF2-40B4-BE49-F238E27FC236}">
+                <a16:creationId xmlns:a16="http://schemas.microsoft.com/office/drawing/2014/main" id="{574D55E9-54F6-4482-9EFC-66109223F7F0}"/>
+              </a:ext>
+            </a:extLst>
+          </p:cNvPr>
+          <p:cNvSpPr/>
+          <p:nvPr/>
+        </p:nvSpPr>
+        <p:spPr>
+          <a:xfrm>
+            <a:off x="3687535" y="2683327"/>
+            <a:ext cx="1845129" cy="2743200"/>
+          </a:xfrm>
+          <a:prstGeom prst="rect">
+            <a:avLst/>
+          </a:prstGeom>
+          <a:solidFill>
+            <a:schemeClr val="bg1"/>
+          </a:solidFill>
+        </p:spPr>
+        <p:style>
+          <a:lnRef idx="2">
+            <a:schemeClr val="accent1">
+              <a:shade val="50000"/>
+            </a:schemeClr>
+          </a:lnRef>
+          <a:fillRef idx="1">
+            <a:schemeClr val="accent1"/>
+          </a:fillRef>
+          <a:effectRef idx="0">
+            <a:schemeClr val="accent1"/>
+          </a:effectRef>
+          <a:fontRef idx="minor">
+            <a:schemeClr val="lt1"/>
+          </a:fontRef>
+        </p:style>
+        <p:txBody>
+          <a:bodyPr rtlCol="0" anchor="ctr"/>
+          <a:lstStyle/>
+          <a:p>
+            <a:pPr algn="ctr"/>
+            <a:endParaRPr lang="it-IT"/>
+          </a:p>
+        </p:txBody>
+      </p:sp>
+      <p:pic>
+        <p:nvPicPr>
+          <p:cNvPr id="24" name="Picture 4" descr="Risultati immagini per docker icon">
+            <a:extLst>
+              <a:ext uri="{FF2B5EF4-FFF2-40B4-BE49-F238E27FC236}">
+                <a16:creationId xmlns:a16="http://schemas.microsoft.com/office/drawing/2014/main" id="{73B56792-2A88-4086-AE54-03A3321C0B06}"/>
+              </a:ext>
+            </a:extLst>
+          </p:cNvPr>
+          <p:cNvPicPr>
+            <a:picLocks noChangeAspect="1" noChangeArrowheads="1"/>
+          </p:cNvPicPr>
+          <p:nvPr/>
+        </p:nvPicPr>
+        <p:blipFill>
+          <a:blip r:embed="rId4">
+            <a:extLst>
+              <a:ext uri="{28A0092B-C50C-407E-A947-70E740481C1C}">
+                <a14:useLocalDpi xmlns:a14="http://schemas.microsoft.com/office/drawing/2010/main" val="0"/>
+              </a:ext>
+            </a:extLst>
+          </a:blip>
+          <a:srcRect/>
+          <a:stretch>
+            <a:fillRect/>
+          </a:stretch>
+        </p:blipFill>
+        <p:spPr bwMode="auto">
+          <a:xfrm>
+            <a:off x="4218892" y="4683577"/>
+            <a:ext cx="782411" cy="782411"/>
+          </a:xfrm>
+          <a:prstGeom prst="rect">
+            <a:avLst/>
+          </a:prstGeom>
+          <a:noFill/>
+          <a:extLst>
+            <a:ext uri="{909E8E84-426E-40DD-AFC4-6F175D3DCCD1}">
+              <a14:hiddenFill xmlns:a14="http://schemas.microsoft.com/office/drawing/2010/main">
+                <a:solidFill>
+                  <a:srgbClr val="FFFFFF"/>
+                </a:solidFill>
+              </a14:hiddenFill>
+            </a:ext>
+          </a:extLst>
+        </p:spPr>
+      </p:pic>
+      <p:sp>
+        <p:nvSpPr>
+          <p:cNvPr id="25" name="Rettangolo 24">
+            <a:extLst>
+              <a:ext uri="{FF2B5EF4-FFF2-40B4-BE49-F238E27FC236}">
+                <a16:creationId xmlns:a16="http://schemas.microsoft.com/office/drawing/2014/main" id="{CFE3AA84-FEDA-48FF-8C30-455217F4D45D}"/>
+              </a:ext>
+            </a:extLst>
+          </p:cNvPr>
+          <p:cNvSpPr/>
+          <p:nvPr/>
+        </p:nvSpPr>
+        <p:spPr>
+          <a:xfrm>
+            <a:off x="3687534" y="4683577"/>
+            <a:ext cx="1845129" cy="740227"/>
+          </a:xfrm>
+          <a:prstGeom prst="rect">
+            <a:avLst/>
+          </a:prstGeom>
+          <a:noFill/>
+        </p:spPr>
+        <p:style>
+          <a:lnRef idx="2">
+            <a:schemeClr val="accent1">
+              <a:shade val="50000"/>
+            </a:schemeClr>
+          </a:lnRef>
+          <a:fillRef idx="1">
+            <a:schemeClr val="accent1"/>
+          </a:fillRef>
+          <a:effectRef idx="0">
+            <a:schemeClr val="accent1"/>
+          </a:effectRef>
+          <a:fontRef idx="minor">
+            <a:schemeClr val="lt1"/>
+          </a:fontRef>
+        </p:style>
+        <p:txBody>
+          <a:bodyPr rtlCol="0" anchor="ctr"/>
+          <a:lstStyle/>
+          <a:p>
+            <a:pPr algn="ctr"/>
+            <a:endParaRPr lang="it-IT"/>
+          </a:p>
+        </p:txBody>
+      </p:sp>
+      <p:sp>
+        <p:nvSpPr>
+          <p:cNvPr id="26" name="Rettangolo 25">
+            <a:extLst>
+              <a:ext uri="{FF2B5EF4-FFF2-40B4-BE49-F238E27FC236}">
+                <a16:creationId xmlns:a16="http://schemas.microsoft.com/office/drawing/2014/main" id="{F66F6ED8-EAA6-4FDA-AFF5-FC3BD82DC792}"/>
+              </a:ext>
+            </a:extLst>
+          </p:cNvPr>
+          <p:cNvSpPr/>
+          <p:nvPr/>
+        </p:nvSpPr>
+        <p:spPr>
+          <a:xfrm>
+            <a:off x="6366779" y="2683327"/>
+            <a:ext cx="1845129" cy="2743200"/>
+          </a:xfrm>
+          <a:prstGeom prst="rect">
+            <a:avLst/>
+          </a:prstGeom>
+          <a:solidFill>
+            <a:schemeClr val="bg1"/>
+          </a:solidFill>
+        </p:spPr>
+        <p:style>
+          <a:lnRef idx="2">
+            <a:schemeClr val="accent1">
+              <a:shade val="50000"/>
+            </a:schemeClr>
+          </a:lnRef>
+          <a:fillRef idx="1">
+            <a:schemeClr val="accent1"/>
+          </a:fillRef>
+          <a:effectRef idx="0">
+            <a:schemeClr val="accent1"/>
+          </a:effectRef>
+          <a:fontRef idx="minor">
+            <a:schemeClr val="lt1"/>
+          </a:fontRef>
+        </p:style>
+        <p:txBody>
+          <a:bodyPr rtlCol="0" anchor="ctr"/>
+          <a:lstStyle/>
+          <a:p>
+            <a:pPr algn="ctr"/>
+            <a:endParaRPr lang="it-IT"/>
+          </a:p>
+        </p:txBody>
+      </p:sp>
+      <p:pic>
+        <p:nvPicPr>
+          <p:cNvPr id="27" name="Picture 4" descr="Risultati immagini per docker icon">
+            <a:extLst>
+              <a:ext uri="{FF2B5EF4-FFF2-40B4-BE49-F238E27FC236}">
+                <a16:creationId xmlns:a16="http://schemas.microsoft.com/office/drawing/2014/main" id="{71BF34D4-B522-4075-BBB1-09355416EAAF}"/>
+              </a:ext>
+            </a:extLst>
+          </p:cNvPr>
+          <p:cNvPicPr>
+            <a:picLocks noChangeAspect="1" noChangeArrowheads="1"/>
+          </p:cNvPicPr>
+          <p:nvPr/>
+        </p:nvPicPr>
+        <p:blipFill>
+          <a:blip r:embed="rId4">
+            <a:extLst>
+              <a:ext uri="{28A0092B-C50C-407E-A947-70E740481C1C}">
+                <a14:useLocalDpi xmlns:a14="http://schemas.microsoft.com/office/drawing/2010/main" val="0"/>
+              </a:ext>
+            </a:extLst>
+          </a:blip>
+          <a:srcRect/>
+          <a:stretch>
+            <a:fillRect/>
+          </a:stretch>
+        </p:blipFill>
+        <p:spPr bwMode="auto">
+          <a:xfrm>
+            <a:off x="6898136" y="4683577"/>
+            <a:ext cx="782411" cy="782411"/>
+          </a:xfrm>
+          <a:prstGeom prst="rect">
+            <a:avLst/>
+          </a:prstGeom>
+          <a:noFill/>
+          <a:extLst>
+            <a:ext uri="{909E8E84-426E-40DD-AFC4-6F175D3DCCD1}">
+              <a14:hiddenFill xmlns:a14="http://schemas.microsoft.com/office/drawing/2010/main">
+                <a:solidFill>
+                  <a:srgbClr val="FFFFFF"/>
+                </a:solidFill>
+              </a14:hiddenFill>
+            </a:ext>
+          </a:extLst>
+        </p:spPr>
+      </p:pic>
+      <p:sp>
+        <p:nvSpPr>
+          <p:cNvPr id="28" name="Rettangolo 27">
+            <a:extLst>
+              <a:ext uri="{FF2B5EF4-FFF2-40B4-BE49-F238E27FC236}">
+                <a16:creationId xmlns:a16="http://schemas.microsoft.com/office/drawing/2014/main" id="{63AEA73C-E6B4-4AE8-9142-E88003E1B24A}"/>
+              </a:ext>
+            </a:extLst>
+          </p:cNvPr>
+          <p:cNvSpPr/>
+          <p:nvPr/>
+        </p:nvSpPr>
+        <p:spPr>
+          <a:xfrm>
+            <a:off x="6366778" y="4683577"/>
+            <a:ext cx="1845129" cy="740227"/>
+          </a:xfrm>
+          <a:prstGeom prst="rect">
+            <a:avLst/>
+          </a:prstGeom>
+          <a:noFill/>
+        </p:spPr>
+        <p:style>
+          <a:lnRef idx="2">
+            <a:schemeClr val="accent1">
+              <a:shade val="50000"/>
+            </a:schemeClr>
+          </a:lnRef>
+          <a:fillRef idx="1">
+            <a:schemeClr val="accent1"/>
+          </a:fillRef>
+          <a:effectRef idx="0">
+            <a:schemeClr val="accent1"/>
+          </a:effectRef>
+          <a:fontRef idx="minor">
+            <a:schemeClr val="lt1"/>
+          </a:fontRef>
+        </p:style>
+        <p:txBody>
+          <a:bodyPr rtlCol="0" anchor="ctr"/>
+          <a:lstStyle/>
+          <a:p>
+            <a:pPr algn="ctr"/>
+            <a:endParaRPr lang="it-IT"/>
+          </a:p>
+        </p:txBody>
+      </p:sp>
+      <p:pic>
+        <p:nvPicPr>
+          <p:cNvPr id="4098" name="Picture 2" descr="Risultati immagini per spring boot">
+            <a:extLst>
+              <a:ext uri="{FF2B5EF4-FFF2-40B4-BE49-F238E27FC236}">
+                <a16:creationId xmlns:a16="http://schemas.microsoft.com/office/drawing/2014/main" id="{2E058A85-1812-4D19-ABD4-8CA597CB7512}"/>
+              </a:ext>
+            </a:extLst>
+          </p:cNvPr>
+          <p:cNvPicPr>
+            <a:picLocks noChangeAspect="1" noChangeArrowheads="1"/>
+          </p:cNvPicPr>
+          <p:nvPr/>
+        </p:nvPicPr>
+        <p:blipFill>
+          <a:blip r:embed="rId5">
+            <a:extLst>
+              <a:ext uri="{28A0092B-C50C-407E-A947-70E740481C1C}">
+                <a14:useLocalDpi xmlns:a14="http://schemas.microsoft.com/office/drawing/2010/main" val="0"/>
+              </a:ext>
+            </a:extLst>
+          </a:blip>
+          <a:srcRect/>
+          <a:stretch>
+            <a:fillRect/>
+          </a:stretch>
+        </p:blipFill>
+        <p:spPr bwMode="auto">
+          <a:xfrm>
+            <a:off x="1050472" y="2710995"/>
+            <a:ext cx="595993" cy="595993"/>
+          </a:xfrm>
+          <a:prstGeom prst="rect">
+            <a:avLst/>
+          </a:prstGeom>
+          <a:noFill/>
+          <a:extLst>
+            <a:ext uri="{909E8E84-426E-40DD-AFC4-6F175D3DCCD1}">
+              <a14:hiddenFill xmlns:a14="http://schemas.microsoft.com/office/drawing/2010/main">
+                <a:solidFill>
+                  <a:srgbClr val="FFFFFF"/>
+                </a:solidFill>
+              </a14:hiddenFill>
+            </a:ext>
+          </a:extLst>
+        </p:spPr>
+      </p:pic>
+      <p:pic>
+        <p:nvPicPr>
+          <p:cNvPr id="4102" name="Picture 6" descr="Risultati immagini per mariadb icon">
+            <a:extLst>
+              <a:ext uri="{FF2B5EF4-FFF2-40B4-BE49-F238E27FC236}">
+                <a16:creationId xmlns:a16="http://schemas.microsoft.com/office/drawing/2014/main" id="{DAEE9C4D-809A-41B9-B5FA-E5AA50F5A2F4}"/>
+              </a:ext>
+            </a:extLst>
+          </p:cNvPr>
+          <p:cNvPicPr>
+            <a:picLocks noChangeAspect="1" noChangeArrowheads="1"/>
+          </p:cNvPicPr>
+          <p:nvPr/>
+        </p:nvPicPr>
+        <p:blipFill>
+          <a:blip r:embed="rId6">
+            <a:extLst>
+              <a:ext uri="{28A0092B-C50C-407E-A947-70E740481C1C}">
+                <a14:useLocalDpi xmlns:a14="http://schemas.microsoft.com/office/drawing/2010/main" val="0"/>
+              </a:ext>
+            </a:extLst>
+          </a:blip>
+          <a:srcRect/>
+          <a:stretch>
+            <a:fillRect/>
+          </a:stretch>
+        </p:blipFill>
+        <p:spPr bwMode="auto">
+          <a:xfrm>
+            <a:off x="6423931" y="2722788"/>
+            <a:ext cx="711620" cy="614365"/>
+          </a:xfrm>
+          <a:prstGeom prst="rect">
+            <a:avLst/>
+          </a:prstGeom>
+          <a:noFill/>
+          <a:extLst>
+            <a:ext uri="{909E8E84-426E-40DD-AFC4-6F175D3DCCD1}">
+              <a14:hiddenFill xmlns:a14="http://schemas.microsoft.com/office/drawing/2010/main">
+                <a:solidFill>
+                  <a:srgbClr val="FFFFFF"/>
+                </a:solidFill>
+              </a14:hiddenFill>
+            </a:ext>
+          </a:extLst>
+        </p:spPr>
+      </p:pic>
+      <p:sp>
+        <p:nvSpPr>
+          <p:cNvPr id="3" name="Rettangolo 2">
+            <a:extLst>
+              <a:ext uri="{FF2B5EF4-FFF2-40B4-BE49-F238E27FC236}">
+                <a16:creationId xmlns:a16="http://schemas.microsoft.com/office/drawing/2014/main" id="{88C13140-B54C-4D69-842D-82019B886CC2}"/>
+              </a:ext>
+            </a:extLst>
+          </p:cNvPr>
+          <p:cNvSpPr/>
+          <p:nvPr/>
+        </p:nvSpPr>
+        <p:spPr>
+          <a:xfrm>
+            <a:off x="1016454" y="2722788"/>
+            <a:ext cx="693964" cy="614365"/>
+          </a:xfrm>
+          <a:prstGeom prst="rect">
+            <a:avLst/>
+          </a:prstGeom>
+          <a:noFill/>
+          <a:ln>
+            <a:solidFill>
+              <a:schemeClr val="accent1"/>
+            </a:solidFill>
+          </a:ln>
+        </p:spPr>
+        <p:style>
+          <a:lnRef idx="2">
+            <a:schemeClr val="accent1">
+              <a:shade val="50000"/>
+            </a:schemeClr>
+          </a:lnRef>
+          <a:fillRef idx="1">
+            <a:schemeClr val="accent1"/>
+          </a:fillRef>
+          <a:effectRef idx="0">
+            <a:schemeClr val="accent1"/>
+          </a:effectRef>
+          <a:fontRef idx="minor">
+            <a:schemeClr val="lt1"/>
+          </a:fontRef>
+        </p:style>
+        <p:txBody>
+          <a:bodyPr rtlCol="0" anchor="ctr"/>
+          <a:lstStyle/>
+          <a:p>
+            <a:pPr algn="ctr"/>
+            <a:endParaRPr lang="it-IT"/>
+          </a:p>
+        </p:txBody>
+      </p:sp>
+      <p:sp>
+        <p:nvSpPr>
+          <p:cNvPr id="31" name="Rettangolo 30">
+            <a:extLst>
+              <a:ext uri="{FF2B5EF4-FFF2-40B4-BE49-F238E27FC236}">
+                <a16:creationId xmlns:a16="http://schemas.microsoft.com/office/drawing/2014/main" id="{30F57DB9-7153-4A67-8C24-BFB38CD174BF}"/>
+              </a:ext>
+            </a:extLst>
+          </p:cNvPr>
+          <p:cNvSpPr/>
+          <p:nvPr/>
+        </p:nvSpPr>
+        <p:spPr>
+          <a:xfrm>
+            <a:off x="7502976" y="4038936"/>
+            <a:ext cx="693964" cy="614365"/>
+          </a:xfrm>
+          <a:prstGeom prst="rect">
+            <a:avLst/>
+          </a:prstGeom>
+          <a:noFill/>
+          <a:ln>
+            <a:solidFill>
+              <a:schemeClr val="accent1"/>
+            </a:solidFill>
+          </a:ln>
+        </p:spPr>
+        <p:style>
+          <a:lnRef idx="2">
+            <a:schemeClr val="accent1">
+              <a:shade val="50000"/>
+            </a:schemeClr>
+          </a:lnRef>
+          <a:fillRef idx="1">
+            <a:schemeClr val="accent1"/>
+          </a:fillRef>
+          <a:effectRef idx="0">
+            <a:schemeClr val="accent1"/>
+          </a:effectRef>
+          <a:fontRef idx="minor">
+            <a:schemeClr val="lt1"/>
+          </a:fontRef>
+        </p:style>
+        <p:txBody>
+          <a:bodyPr rtlCol="0" anchor="ctr"/>
+          <a:lstStyle/>
+          <a:p>
+            <a:pPr algn="ctr"/>
+            <a:endParaRPr lang="it-IT"/>
+          </a:p>
+        </p:txBody>
+      </p:sp>
+      <p:sp>
+        <p:nvSpPr>
+          <p:cNvPr id="32" name="Rettangolo 31">
+            <a:extLst>
+              <a:ext uri="{FF2B5EF4-FFF2-40B4-BE49-F238E27FC236}">
+                <a16:creationId xmlns:a16="http://schemas.microsoft.com/office/drawing/2014/main" id="{18771C98-FE7F-4E75-BFBC-EB4303BAF31B}"/>
+              </a:ext>
+            </a:extLst>
+          </p:cNvPr>
+          <p:cNvSpPr/>
+          <p:nvPr/>
+        </p:nvSpPr>
+        <p:spPr>
+          <a:xfrm>
+            <a:off x="6388535" y="2696195"/>
+            <a:ext cx="782411" cy="667550"/>
+          </a:xfrm>
+          <a:prstGeom prst="rect">
+            <a:avLst/>
+          </a:prstGeom>
+          <a:noFill/>
+          <a:ln>
+            <a:solidFill>
+              <a:schemeClr val="accent1"/>
+            </a:solidFill>
+          </a:ln>
+        </p:spPr>
+        <p:style>
+          <a:lnRef idx="2">
+            <a:schemeClr val="accent1">
+              <a:shade val="50000"/>
+            </a:schemeClr>
+          </a:lnRef>
+          <a:fillRef idx="1">
+            <a:schemeClr val="accent1"/>
+          </a:fillRef>
+          <a:effectRef idx="0">
+            <a:schemeClr val="accent1"/>
+          </a:effectRef>
+          <a:fontRef idx="minor">
+            <a:schemeClr val="lt1"/>
+          </a:fontRef>
+        </p:style>
+        <p:txBody>
+          <a:bodyPr rtlCol="0" anchor="ctr"/>
+          <a:lstStyle/>
+          <a:p>
+            <a:pPr algn="ctr"/>
+            <a:endParaRPr lang="it-IT"/>
+          </a:p>
+        </p:txBody>
+      </p:sp>
+      <p:pic>
+        <p:nvPicPr>
+          <p:cNvPr id="4104" name="Picture 8" descr="Risultati immagini per redis icon">
+            <a:extLst>
+              <a:ext uri="{FF2B5EF4-FFF2-40B4-BE49-F238E27FC236}">
+                <a16:creationId xmlns:a16="http://schemas.microsoft.com/office/drawing/2014/main" id="{9EF8E671-56C4-4DE7-BC9B-F673E469A103}"/>
+              </a:ext>
+            </a:extLst>
+          </p:cNvPr>
+          <p:cNvPicPr>
+            <a:picLocks noChangeAspect="1" noChangeArrowheads="1"/>
+          </p:cNvPicPr>
+          <p:nvPr/>
+        </p:nvPicPr>
+        <p:blipFill>
+          <a:blip r:embed="rId7">
+            <a:extLst>
+              <a:ext uri="{28A0092B-C50C-407E-A947-70E740481C1C}">
+                <a14:useLocalDpi xmlns:a14="http://schemas.microsoft.com/office/drawing/2010/main" val="0"/>
+              </a:ext>
+            </a:extLst>
+          </a:blip>
+          <a:srcRect/>
+          <a:stretch>
+            <a:fillRect/>
+          </a:stretch>
+        </p:blipFill>
+        <p:spPr bwMode="auto">
+          <a:xfrm>
+            <a:off x="2183948" y="4054927"/>
+            <a:ext cx="539972" cy="539972"/>
+          </a:xfrm>
+          <a:prstGeom prst="rect">
+            <a:avLst/>
+          </a:prstGeom>
+          <a:noFill/>
+          <a:extLst>
+            <a:ext uri="{909E8E84-426E-40DD-AFC4-6F175D3DCCD1}">
+              <a14:hiddenFill xmlns:a14="http://schemas.microsoft.com/office/drawing/2010/main">
+                <a:solidFill>
+                  <a:srgbClr val="FFFFFF"/>
+                </a:solidFill>
+              </a14:hiddenFill>
+            </a:ext>
+          </a:extLst>
+        </p:spPr>
+      </p:pic>
+      <p:sp>
+        <p:nvSpPr>
+          <p:cNvPr id="34" name="Rettangolo 33">
+            <a:extLst>
+              <a:ext uri="{FF2B5EF4-FFF2-40B4-BE49-F238E27FC236}">
+                <a16:creationId xmlns:a16="http://schemas.microsoft.com/office/drawing/2014/main" id="{85FCB296-4439-4746-A168-FB355C25C9E8}"/>
+              </a:ext>
+            </a:extLst>
+          </p:cNvPr>
+          <p:cNvSpPr/>
+          <p:nvPr/>
+        </p:nvSpPr>
+        <p:spPr>
+          <a:xfrm>
+            <a:off x="2071006" y="4048123"/>
+            <a:ext cx="709613" cy="582556"/>
+          </a:xfrm>
+          <a:prstGeom prst="rect">
+            <a:avLst/>
+          </a:prstGeom>
+          <a:noFill/>
+          <a:ln>
+            <a:solidFill>
+              <a:schemeClr val="accent1"/>
+            </a:solidFill>
+          </a:ln>
+        </p:spPr>
+        <p:style>
+          <a:lnRef idx="2">
+            <a:schemeClr val="accent1">
+              <a:shade val="50000"/>
+            </a:schemeClr>
+          </a:lnRef>
+          <a:fillRef idx="1">
+            <a:schemeClr val="accent1"/>
+          </a:fillRef>
+          <a:effectRef idx="0">
+            <a:schemeClr val="accent1"/>
+          </a:effectRef>
+          <a:fontRef idx="minor">
+            <a:schemeClr val="lt1"/>
+          </a:fontRef>
+        </p:style>
+        <p:txBody>
+          <a:bodyPr rtlCol="0" anchor="ctr"/>
+          <a:lstStyle/>
+          <a:p>
+            <a:pPr algn="ctr"/>
+            <a:endParaRPr lang="it-IT"/>
+          </a:p>
+        </p:txBody>
+      </p:sp>
+      <p:pic>
+        <p:nvPicPr>
+          <p:cNvPr id="4106" name="Picture 10" descr="Risultati immagini per nodejs icon">
+            <a:extLst>
+              <a:ext uri="{FF2B5EF4-FFF2-40B4-BE49-F238E27FC236}">
+                <a16:creationId xmlns:a16="http://schemas.microsoft.com/office/drawing/2014/main" id="{C1BEF2E8-564D-4CFE-A773-2489DF334D49}"/>
+              </a:ext>
+            </a:extLst>
+          </p:cNvPr>
+          <p:cNvPicPr>
+            <a:picLocks noChangeAspect="1" noChangeArrowheads="1"/>
+          </p:cNvPicPr>
+          <p:nvPr/>
+        </p:nvPicPr>
+        <p:blipFill>
+          <a:blip r:embed="rId8">
+            <a:extLst>
+              <a:ext uri="{28A0092B-C50C-407E-A947-70E740481C1C}">
+                <a14:useLocalDpi xmlns:a14="http://schemas.microsoft.com/office/drawing/2010/main" val="0"/>
+              </a:ext>
+            </a:extLst>
+          </a:blip>
+          <a:srcRect/>
+          <a:stretch>
+            <a:fillRect/>
+          </a:stretch>
+        </p:blipFill>
+        <p:spPr bwMode="auto">
+          <a:xfrm>
+            <a:off x="7364863" y="4084167"/>
+            <a:ext cx="970189" cy="523902"/>
+          </a:xfrm>
+          <a:prstGeom prst="rect">
+            <a:avLst/>
+          </a:prstGeom>
+          <a:noFill/>
+          <a:extLst>
+            <a:ext uri="{909E8E84-426E-40DD-AFC4-6F175D3DCCD1}">
+              <a14:hiddenFill xmlns:a14="http://schemas.microsoft.com/office/drawing/2010/main">
+                <a:solidFill>
+                  <a:srgbClr val="FFFFFF"/>
+                </a:solidFill>
+              </a14:hiddenFill>
+            </a:ext>
+          </a:extLst>
+        </p:spPr>
+      </p:pic>
     </p:spTree>
     <p:extLst>
       <p:ext uri="{BB962C8B-B14F-4D97-AF65-F5344CB8AC3E}">
-        <p14:creationId xmlns:p14="http://schemas.microsoft.com/office/powerpoint/2010/main" val="820951937"/>
+        <p14:creationId xmlns:p14="http://schemas.microsoft.com/office/powerpoint/2010/main" val="275526830"/>
       </p:ext>
     </p:extLst>
   </p:cSld>
@@ -12723,8 +12971,142 @@
           <a:p>
             <a:r>
               <a:rPr lang="it-IT" dirty="0"/>
-              <a:t>Pod</a:t>
-            </a:r>
+              <a:t>Production Features</a:t>
+            </a:r>
+          </a:p>
+        </p:txBody>
+      </p:sp>
+      <p:sp>
+        <p:nvSpPr>
+          <p:cNvPr id="3" name="Segnaposto contenuto 2">
+            <a:extLst>
+              <a:ext uri="{FF2B5EF4-FFF2-40B4-BE49-F238E27FC236}">
+                <a16:creationId xmlns:a16="http://schemas.microsoft.com/office/drawing/2014/main" id="{772F0318-F736-4EAA-B8B9-836EB672EB4D}"/>
+              </a:ext>
+            </a:extLst>
+          </p:cNvPr>
+          <p:cNvSpPr>
+            <a:spLocks noGrp="1"/>
+          </p:cNvSpPr>
+          <p:nvPr>
+            <p:ph idx="1"/>
+          </p:nvPr>
+        </p:nvSpPr>
+        <p:spPr>
+          <a:xfrm>
+            <a:off x="677334" y="2160589"/>
+            <a:ext cx="8596668" cy="3880773"/>
+          </a:xfrm>
+        </p:spPr>
+        <p:txBody>
+          <a:bodyPr>
+            <a:normAutofit lnSpcReduction="10000"/>
+          </a:bodyPr>
+          <a:lstStyle/>
+          <a:p>
+            <a:r>
+              <a:rPr lang="it-IT" dirty="0" err="1"/>
+              <a:t>Horizontal</a:t>
+            </a:r>
+            <a:r>
+              <a:rPr lang="it-IT" dirty="0"/>
+              <a:t> </a:t>
+            </a:r>
+            <a:r>
+              <a:rPr lang="it-IT" dirty="0" err="1"/>
+              <a:t>Autoscaling</a:t>
+            </a:r>
+            <a:endParaRPr lang="it-IT" dirty="0"/>
+          </a:p>
+          <a:p>
+            <a:r>
+              <a:rPr lang="it-IT" dirty="0" err="1"/>
+              <a:t>HealthChecks</a:t>
+            </a:r>
+            <a:endParaRPr lang="it-IT" dirty="0"/>
+          </a:p>
+          <a:p>
+            <a:r>
+              <a:rPr lang="it-IT" dirty="0"/>
+              <a:t>Resource </a:t>
+            </a:r>
+            <a:r>
+              <a:rPr lang="it-IT" dirty="0" err="1"/>
+              <a:t>Quotas</a:t>
+            </a:r>
+            <a:endParaRPr lang="it-IT" dirty="0"/>
+          </a:p>
+          <a:p>
+            <a:r>
+              <a:rPr lang="it-IT" dirty="0"/>
+              <a:t>Rolling Update</a:t>
+            </a:r>
+          </a:p>
+          <a:p>
+            <a:r>
+              <a:rPr lang="it-IT" dirty="0" err="1"/>
+              <a:t>Externalized</a:t>
+            </a:r>
+            <a:r>
+              <a:rPr lang="it-IT" dirty="0"/>
+              <a:t> </a:t>
+            </a:r>
+            <a:r>
+              <a:rPr lang="it-IT" dirty="0" err="1"/>
+              <a:t>Configuration</a:t>
+            </a:r>
+            <a:endParaRPr lang="it-IT" dirty="0"/>
+          </a:p>
+          <a:p>
+            <a:r>
+              <a:rPr lang="it-IT" dirty="0" err="1"/>
+              <a:t>Secrets</a:t>
+            </a:r>
+            <a:r>
+              <a:rPr lang="it-IT" dirty="0"/>
+              <a:t> Handling</a:t>
+            </a:r>
+          </a:p>
+          <a:p>
+            <a:r>
+              <a:rPr lang="it-IT" dirty="0" err="1"/>
+              <a:t>Persistent</a:t>
+            </a:r>
+            <a:r>
+              <a:rPr lang="it-IT" dirty="0"/>
+              <a:t> </a:t>
+            </a:r>
+            <a:r>
+              <a:rPr lang="it-IT" dirty="0" err="1"/>
+              <a:t>Volumes</a:t>
+            </a:r>
+            <a:endParaRPr lang="it-IT" dirty="0"/>
+          </a:p>
+          <a:p>
+            <a:r>
+              <a:rPr lang="it-IT" dirty="0"/>
+              <a:t>Network </a:t>
+            </a:r>
+            <a:r>
+              <a:rPr lang="it-IT" dirty="0" err="1"/>
+              <a:t>Segmentation</a:t>
+            </a:r>
+            <a:endParaRPr lang="it-IT" dirty="0"/>
+          </a:p>
+          <a:p>
+            <a:r>
+              <a:rPr lang="it-IT" dirty="0"/>
+              <a:t>RBAC</a:t>
+            </a:r>
+          </a:p>
+          <a:p>
+            <a:r>
+              <a:rPr lang="it-IT" dirty="0"/>
+              <a:t>…</a:t>
+            </a:r>
+          </a:p>
+          <a:p>
+            <a:endParaRPr lang="it-IT" dirty="0"/>
           </a:p>
         </p:txBody>
       </p:sp>
@@ -12775,117 +13157,10 @@
           </a:extLst>
         </p:spPr>
       </p:pic>
-      <p:sp>
-        <p:nvSpPr>
-          <p:cNvPr id="7" name="Segnaposto contenuto 6">
-            <a:extLst>
-              <a:ext uri="{FF2B5EF4-FFF2-40B4-BE49-F238E27FC236}">
-                <a16:creationId xmlns:a16="http://schemas.microsoft.com/office/drawing/2014/main" id="{CC9B20DA-1797-4AAC-A9FE-0AB03362EB64}"/>
-              </a:ext>
-            </a:extLst>
-          </p:cNvPr>
-          <p:cNvSpPr>
-            <a:spLocks noGrp="1"/>
-          </p:cNvSpPr>
-          <p:nvPr>
-            <p:ph idx="1"/>
-          </p:nvPr>
-        </p:nvSpPr>
-        <p:spPr>
-          <a:xfrm>
-            <a:off x="677334" y="1343025"/>
-            <a:ext cx="8596668" cy="4698337"/>
-          </a:xfrm>
-        </p:spPr>
-        <p:txBody>
-          <a:bodyPr>
-            <a:normAutofit/>
-          </a:bodyPr>
-          <a:lstStyle/>
-          <a:p>
-            <a:pPr fontAlgn="base"/>
-            <a:r>
-              <a:rPr lang="en-US" sz="2000" b="1" dirty="0"/>
-              <a:t>Atomic unit</a:t>
-            </a:r>
-            <a:r>
-              <a:rPr lang="en-US" sz="2000" dirty="0"/>
-              <a:t> or smallest “</a:t>
-            </a:r>
-            <a:r>
-              <a:rPr lang="en-US" sz="2000" i="1" dirty="0"/>
-              <a:t>unit of work</a:t>
-            </a:r>
-            <a:r>
-              <a:rPr lang="en-US" sz="2000" dirty="0"/>
-              <a:t>” of Kubernetes.</a:t>
-            </a:r>
-          </a:p>
-          <a:p>
-            <a:r>
-              <a:rPr lang="en-US" sz="2000" dirty="0"/>
-              <a:t>Pods are </a:t>
-            </a:r>
-            <a:r>
-              <a:rPr lang="en-US" sz="2000" b="1" dirty="0"/>
-              <a:t>one or MORE containers</a:t>
-            </a:r>
-            <a:r>
-              <a:rPr lang="en-US" sz="2000" dirty="0"/>
-              <a:t> that share volumes, a network, and are a part of a </a:t>
-            </a:r>
-            <a:r>
-              <a:rPr lang="en-US" sz="2000" b="1" dirty="0"/>
-              <a:t>single context</a:t>
-            </a:r>
-            <a:r>
-              <a:rPr lang="en-US" sz="2000" dirty="0"/>
-              <a:t>.</a:t>
-            </a:r>
-            <a:endParaRPr lang="it-IT" sz="2000" dirty="0"/>
-          </a:p>
-        </p:txBody>
-      </p:sp>
-      <p:pic>
-        <p:nvPicPr>
-          <p:cNvPr id="9" name="Segnaposto contenuto 4">
-            <a:extLst>
-              <a:ext uri="{FF2B5EF4-FFF2-40B4-BE49-F238E27FC236}">
-                <a16:creationId xmlns:a16="http://schemas.microsoft.com/office/drawing/2014/main" id="{1618934A-2507-4F68-AEBD-DF22DCD43AF7}"/>
-              </a:ext>
-            </a:extLst>
-          </p:cNvPr>
-          <p:cNvPicPr>
-            <a:picLocks noChangeAspect="1"/>
-          </p:cNvPicPr>
-          <p:nvPr/>
-        </p:nvPicPr>
-        <p:blipFill>
-          <a:blip r:embed="rId3">
-            <a:extLst>
-              <a:ext uri="{96DAC541-7B7A-43D3-8B79-37D633B846F1}">
-                <asvg:svgBlip xmlns:asvg="http://schemas.microsoft.com/office/drawing/2016/SVG/main" r:embed="rId4"/>
-              </a:ext>
-            </a:extLst>
-          </a:blip>
-          <a:stretch>
-            <a:fillRect/>
-          </a:stretch>
-        </p:blipFill>
-        <p:spPr>
-          <a:xfrm>
-            <a:off x="2711496" y="2366963"/>
-            <a:ext cx="4528343" cy="3881437"/>
-          </a:xfrm>
-          <a:prstGeom prst="rect">
-            <a:avLst/>
-          </a:prstGeom>
-        </p:spPr>
-      </p:pic>
     </p:spTree>
     <p:extLst>
       <p:ext uri="{BB962C8B-B14F-4D97-AF65-F5344CB8AC3E}">
-        <p14:creationId xmlns:p14="http://schemas.microsoft.com/office/powerpoint/2010/main" val="1056318814"/>
+        <p14:creationId xmlns:p14="http://schemas.microsoft.com/office/powerpoint/2010/main" val="2320916609"/>
       </p:ext>
     </p:extLst>
   </p:cSld>
@@ -12934,10 +13209,9 @@
           <a:lstStyle/>
           <a:p>
             <a:r>
-              <a:rPr lang="it-IT" dirty="0" err="1"/>
-              <a:t>Workloads</a:t>
-            </a:r>
-            <a:endParaRPr lang="it-IT" dirty="0"/>
+              <a:rPr lang="it-IT" dirty="0"/>
+              <a:t>Namespace</a:t>
+            </a:r>
           </a:p>
         </p:txBody>
       </p:sp>
@@ -12990,10 +13264,10 @@
       </p:pic>
       <p:sp>
         <p:nvSpPr>
-          <p:cNvPr id="4" name="Segnaposto contenuto 3">
-            <a:extLst>
-              <a:ext uri="{FF2B5EF4-FFF2-40B4-BE49-F238E27FC236}">
-                <a16:creationId xmlns:a16="http://schemas.microsoft.com/office/drawing/2014/main" id="{725997EF-BA1F-48AA-9CD4-DB729382E2A8}"/>
+          <p:cNvPr id="7" name="Segnaposto contenuto 6">
+            <a:extLst>
+              <a:ext uri="{FF2B5EF4-FFF2-40B4-BE49-F238E27FC236}">
+                <a16:creationId xmlns:a16="http://schemas.microsoft.com/office/drawing/2014/main" id="{CC9B20DA-1797-4AAC-A9FE-0AB03362EB64}"/>
               </a:ext>
             </a:extLst>
           </p:cNvPr>
@@ -13004,73 +13278,165 @@
             <p:ph idx="1"/>
           </p:nvPr>
         </p:nvSpPr>
-        <p:spPr/>
-        <p:txBody>
-          <a:bodyPr>
-            <a:normAutofit/>
-          </a:bodyPr>
-          <a:lstStyle/>
-          <a:p>
+        <p:spPr>
+          <a:xfrm>
+            <a:off x="677334" y="1343025"/>
+            <a:ext cx="8596668" cy="4698337"/>
+          </a:xfrm>
+        </p:spPr>
+        <p:txBody>
+          <a:bodyPr/>
+          <a:lstStyle/>
+          <a:p>
+            <a:pPr fontAlgn="base"/>
             <a:r>
               <a:rPr lang="en-US" sz="2000" dirty="0"/>
-              <a:t>Workloads are higher level objects that manage Pods.</a:t>
-            </a:r>
-          </a:p>
-          <a:p>
-            <a:endParaRPr lang="en-US" sz="2000" dirty="0"/>
-          </a:p>
-          <a:p>
-            <a:pPr lvl="1"/>
-            <a:r>
-              <a:rPr lang="en-US" sz="1800" b="1" dirty="0" err="1"/>
-              <a:t>ReplicaSet</a:t>
-            </a:r>
-            <a:endParaRPr lang="en-US" sz="1800" b="1" dirty="0"/>
-          </a:p>
-          <a:p>
-            <a:pPr lvl="1"/>
-            <a:r>
-              <a:rPr lang="en-US" sz="1800" b="1" dirty="0"/>
-              <a:t>Deployment</a:t>
-            </a:r>
-          </a:p>
-          <a:p>
-            <a:pPr lvl="1"/>
-            <a:r>
-              <a:rPr lang="en-US" sz="1800" b="1" dirty="0" err="1"/>
-              <a:t>StatefulSet</a:t>
-            </a:r>
-            <a:endParaRPr lang="en-US" sz="1800" b="1" dirty="0"/>
-          </a:p>
-          <a:p>
-            <a:pPr lvl="1"/>
-            <a:r>
-              <a:rPr lang="en-US" sz="1800" b="1" dirty="0" err="1"/>
-              <a:t>DaemonSet</a:t>
-            </a:r>
-            <a:endParaRPr lang="en-US" sz="1800" b="1" dirty="0"/>
-          </a:p>
-          <a:p>
-            <a:pPr lvl="1"/>
-            <a:r>
-              <a:rPr lang="en-US" sz="1800" b="1" dirty="0"/>
-              <a:t>Job</a:t>
-            </a:r>
-          </a:p>
-          <a:p>
-            <a:pPr lvl="1"/>
-            <a:r>
-              <a:rPr lang="en-US" sz="1800" b="1" dirty="0" err="1"/>
-              <a:t>CronJob</a:t>
-            </a:r>
-            <a:endParaRPr lang="it-IT" sz="1800" b="1" dirty="0"/>
+              <a:t>Namespaces are a logical cluster or environment, and are the primary method of partitioning a cluster or scoping access.</a:t>
+            </a:r>
+          </a:p>
+          <a:p>
+            <a:pPr fontAlgn="base"/>
+            <a:endParaRPr lang="en-US" dirty="0"/>
+          </a:p>
+          <a:p>
+            <a:pPr fontAlgn="base"/>
+            <a:endParaRPr lang="it-IT" dirty="0"/>
+          </a:p>
+          <a:p>
+            <a:pPr marL="0" indent="0" fontAlgn="base">
+              <a:buNone/>
+            </a:pPr>
+            <a:r>
+              <a:rPr lang="en-US" dirty="0">
+                <a:latin typeface="Consolas" panose="020B0609020204030204" pitchFamily="49" charset="0"/>
+              </a:rPr>
+              <a:t>$ </a:t>
+            </a:r>
+            <a:r>
+              <a:rPr lang="en-US" dirty="0" err="1">
+                <a:latin typeface="Consolas" panose="020B0609020204030204" pitchFamily="49" charset="0"/>
+              </a:rPr>
+              <a:t>kubectl</a:t>
+            </a:r>
+            <a:r>
+              <a:rPr lang="en-US" dirty="0">
+                <a:latin typeface="Consolas" panose="020B0609020204030204" pitchFamily="49" charset="0"/>
+              </a:rPr>
+              <a:t> get namespaces</a:t>
+            </a:r>
+          </a:p>
+          <a:p>
+            <a:pPr marL="0" indent="0" fontAlgn="base">
+              <a:buNone/>
+            </a:pPr>
+            <a:r>
+              <a:rPr lang="en-US" dirty="0">
+                <a:latin typeface="Consolas" panose="020B0609020204030204" pitchFamily="49" charset="0"/>
+              </a:rPr>
+              <a:t>NAME          STATUS    AGE</a:t>
+            </a:r>
+          </a:p>
+          <a:p>
+            <a:pPr marL="0" indent="0" fontAlgn="base">
+              <a:buNone/>
+            </a:pPr>
+            <a:r>
+              <a:rPr lang="en-US" dirty="0">
+                <a:latin typeface="Consolas" panose="020B0609020204030204" pitchFamily="49" charset="0"/>
+              </a:rPr>
+              <a:t>default       Active    1d</a:t>
+            </a:r>
+          </a:p>
+          <a:p>
+            <a:pPr marL="0" indent="0" fontAlgn="base">
+              <a:buNone/>
+            </a:pPr>
+            <a:r>
+              <a:rPr lang="en-US" dirty="0" err="1">
+                <a:latin typeface="Consolas" panose="020B0609020204030204" pitchFamily="49" charset="0"/>
+              </a:rPr>
+              <a:t>kube</a:t>
+            </a:r>
+            <a:r>
+              <a:rPr lang="en-US" dirty="0">
+                <a:latin typeface="Consolas" panose="020B0609020204030204" pitchFamily="49" charset="0"/>
+              </a:rPr>
+              <a:t>-system   Active    1d</a:t>
+            </a:r>
+          </a:p>
+          <a:p>
+            <a:pPr marL="0" indent="0" fontAlgn="base">
+              <a:buNone/>
+            </a:pPr>
+            <a:r>
+              <a:rPr lang="en-US" dirty="0" err="1">
+                <a:latin typeface="Consolas" panose="020B0609020204030204" pitchFamily="49" charset="0"/>
+              </a:rPr>
+              <a:t>kube</a:t>
+            </a:r>
+            <a:r>
+              <a:rPr lang="en-US" dirty="0">
+                <a:latin typeface="Consolas" panose="020B0609020204030204" pitchFamily="49" charset="0"/>
+              </a:rPr>
+              <a:t>-public   Active    1d</a:t>
+            </a:r>
+            <a:endParaRPr lang="it-IT" dirty="0">
+              <a:latin typeface="Consolas" panose="020B0609020204030204" pitchFamily="49" charset="0"/>
+            </a:endParaRPr>
+          </a:p>
+        </p:txBody>
+      </p:sp>
+      <p:sp>
+        <p:nvSpPr>
+          <p:cNvPr id="5" name="Rettangolo 4">
+            <a:extLst>
+              <a:ext uri="{FF2B5EF4-FFF2-40B4-BE49-F238E27FC236}">
+                <a16:creationId xmlns:a16="http://schemas.microsoft.com/office/drawing/2014/main" id="{A422E60A-606E-4548-91B7-CD050F53392F}"/>
+              </a:ext>
+            </a:extLst>
+          </p:cNvPr>
+          <p:cNvSpPr/>
+          <p:nvPr/>
+        </p:nvSpPr>
+        <p:spPr>
+          <a:xfrm>
+            <a:off x="706211" y="2808514"/>
+            <a:ext cx="3788228" cy="2049236"/>
+          </a:xfrm>
+          <a:prstGeom prst="rect">
+            <a:avLst/>
+          </a:prstGeom>
+          <a:noFill/>
+        </p:spPr>
+        <p:style>
+          <a:lnRef idx="2">
+            <a:schemeClr val="accent1">
+              <a:shade val="50000"/>
+            </a:schemeClr>
+          </a:lnRef>
+          <a:fillRef idx="1">
+            <a:schemeClr val="accent1"/>
+          </a:fillRef>
+          <a:effectRef idx="0">
+            <a:schemeClr val="accent1"/>
+          </a:effectRef>
+          <a:fontRef idx="minor">
+            <a:schemeClr val="lt1"/>
+          </a:fontRef>
+        </p:style>
+        <p:txBody>
+          <a:bodyPr rtlCol="0" anchor="ctr"/>
+          <a:lstStyle/>
+          <a:p>
+            <a:pPr algn="ctr"/>
+            <a:endParaRPr lang="it-IT"/>
           </a:p>
         </p:txBody>
       </p:sp>
     </p:spTree>
     <p:extLst>
       <p:ext uri="{BB962C8B-B14F-4D97-AF65-F5344CB8AC3E}">
-        <p14:creationId xmlns:p14="http://schemas.microsoft.com/office/powerpoint/2010/main" val="4129231217"/>
+        <p14:creationId xmlns:p14="http://schemas.microsoft.com/office/powerpoint/2010/main" val="820951937"/>
       </p:ext>
     </p:extLst>
   </p:cSld>
@@ -13119,10 +13485,9 @@
           <a:lstStyle/>
           <a:p>
             <a:r>
-              <a:rPr lang="it-IT" dirty="0" err="1"/>
-              <a:t>ReplicaSet</a:t>
-            </a:r>
-            <a:endParaRPr lang="it-IT" dirty="0"/>
+              <a:rPr lang="it-IT" dirty="0"/>
+              <a:t>Pod</a:t>
+            </a:r>
           </a:p>
         </p:txBody>
       </p:sp>
@@ -13175,10 +13540,10 @@
       </p:pic>
       <p:sp>
         <p:nvSpPr>
-          <p:cNvPr id="4" name="Segnaposto contenuto 3">
-            <a:extLst>
-              <a:ext uri="{FF2B5EF4-FFF2-40B4-BE49-F238E27FC236}">
-                <a16:creationId xmlns:a16="http://schemas.microsoft.com/office/drawing/2014/main" id="{725997EF-BA1F-48AA-9CD4-DB729382E2A8}"/>
+          <p:cNvPr id="7" name="Segnaposto contenuto 6">
+            <a:extLst>
+              <a:ext uri="{FF2B5EF4-FFF2-40B4-BE49-F238E27FC236}">
+                <a16:creationId xmlns:a16="http://schemas.microsoft.com/office/drawing/2014/main" id="{CC9B20DA-1797-4AAC-A9FE-0AB03362EB64}"/>
               </a:ext>
             </a:extLst>
           </p:cNvPr>
@@ -13189,101 +13554,101 @@
             <p:ph idx="1"/>
           </p:nvPr>
         </p:nvSpPr>
-        <p:spPr/>
-        <p:txBody>
-          <a:bodyPr/>
+        <p:spPr>
+          <a:xfrm>
+            <a:off x="677334" y="1343025"/>
+            <a:ext cx="8596668" cy="4698337"/>
+          </a:xfrm>
+        </p:spPr>
+        <p:txBody>
+          <a:bodyPr>
+            <a:normAutofit/>
+          </a:bodyPr>
           <a:lstStyle/>
           <a:p>
             <a:pPr fontAlgn="base"/>
             <a:r>
+              <a:rPr lang="en-US" sz="2000" b="1" dirty="0"/>
+              <a:t>Atomic unit</a:t>
+            </a:r>
+            <a:r>
               <a:rPr lang="en-US" sz="2000" dirty="0"/>
-              <a:t>Primary method of managing pod replicas and their lifecycle.</a:t>
-            </a:r>
-          </a:p>
-          <a:p>
-            <a:pPr fontAlgn="base"/>
-            <a:endParaRPr lang="en-US" sz="2000" dirty="0"/>
-          </a:p>
-          <a:p>
-            <a:pPr fontAlgn="base"/>
+              <a:t> or smallest “</a:t>
+            </a:r>
+            <a:r>
+              <a:rPr lang="en-US" sz="2000" i="1" dirty="0"/>
+              <a:t>unit of work</a:t>
+            </a:r>
             <a:r>
               <a:rPr lang="en-US" sz="2000" dirty="0"/>
-              <a:t>Includes their scheduling, scaling, and deletion.</a:t>
-            </a:r>
-          </a:p>
-          <a:p>
-            <a:pPr fontAlgn="base"/>
-            <a:endParaRPr lang="en-US" sz="2000" dirty="0"/>
+              <a:t>” of Kubernetes.</a:t>
+            </a:r>
           </a:p>
           <a:p>
             <a:r>
               <a:rPr lang="en-US" sz="2000" dirty="0"/>
-              <a:t>Their job is simple: </a:t>
+              <a:t>Pods are </a:t>
             </a:r>
             <a:r>
               <a:rPr lang="en-US" sz="2000" b="1" dirty="0"/>
-              <a:t>Always ensure the desired number of pods are running.</a:t>
-            </a:r>
-          </a:p>
-          <a:p>
-            <a:endParaRPr lang="en-US" b="1" dirty="0"/>
-          </a:p>
-          <a:p>
-            <a:endParaRPr lang="it-IT" dirty="0"/>
+              <a:t>one or MORE containers</a:t>
+            </a:r>
+            <a:r>
+              <a:rPr lang="en-US" sz="2000" dirty="0"/>
+              <a:t> that share volumes, a network, and are a part of a </a:t>
+            </a:r>
+            <a:r>
+              <a:rPr lang="en-US" sz="2000" b="1" dirty="0"/>
+              <a:t>single context</a:t>
+            </a:r>
+            <a:r>
+              <a:rPr lang="en-US" sz="2000" dirty="0"/>
+              <a:t>.</a:t>
+            </a:r>
+            <a:endParaRPr lang="it-IT" sz="2000" dirty="0"/>
           </a:p>
         </p:txBody>
       </p:sp>
       <p:pic>
         <p:nvPicPr>
-          <p:cNvPr id="11267" name="Picture 3" descr="https://lh6.googleusercontent.com/Z5OZJBmzkkyDFocpT-al7jcHknpwq0-0DiqYcaVk82tMHeaCMdrr303r_mCu536COnsfFJBlJr_-A7lzrChhHDJgmbL796NzVY5fpohsxjrVyzAML1J30poR7B-lCzvhwOntpd57nUA">
-            <a:extLst>
-              <a:ext uri="{FF2B5EF4-FFF2-40B4-BE49-F238E27FC236}">
-                <a16:creationId xmlns:a16="http://schemas.microsoft.com/office/drawing/2014/main" id="{55C94646-1725-4D64-A58C-37F116E16DA8}"/>
+          <p:cNvPr id="9" name="Segnaposto contenuto 4">
+            <a:extLst>
+              <a:ext uri="{FF2B5EF4-FFF2-40B4-BE49-F238E27FC236}">
+                <a16:creationId xmlns:a16="http://schemas.microsoft.com/office/drawing/2014/main" id="{1618934A-2507-4F68-AEBD-DF22DCD43AF7}"/>
               </a:ext>
             </a:extLst>
           </p:cNvPr>
           <p:cNvPicPr>
-            <a:picLocks noChangeAspect="1" noChangeArrowheads="1"/>
+            <a:picLocks noChangeAspect="1"/>
           </p:cNvPicPr>
           <p:nvPr/>
         </p:nvPicPr>
         <p:blipFill>
           <a:blip r:embed="rId3">
             <a:extLst>
-              <a:ext uri="{28A0092B-C50C-407E-A947-70E740481C1C}">
-                <a14:useLocalDpi xmlns:a14="http://schemas.microsoft.com/office/drawing/2010/main" val="0"/>
+              <a:ext uri="{96DAC541-7B7A-43D3-8B79-37D633B846F1}">
+                <asvg:svgBlip xmlns:asvg="http://schemas.microsoft.com/office/drawing/2016/SVG/main" r:embed="rId4"/>
               </a:ext>
             </a:extLst>
           </a:blip>
-          <a:srcRect/>
           <a:stretch>
             <a:fillRect/>
           </a:stretch>
         </p:blipFill>
-        <p:spPr bwMode="auto">
-          <a:xfrm>
-            <a:off x="2326017" y="5126825"/>
-            <a:ext cx="5299301" cy="914537"/>
+        <p:spPr>
+          <a:xfrm>
+            <a:off x="2711496" y="2366963"/>
+            <a:ext cx="4528343" cy="3881437"/>
           </a:xfrm>
           <a:prstGeom prst="rect">
             <a:avLst/>
           </a:prstGeom>
-          <a:noFill/>
-          <a:extLst>
-            <a:ext uri="{909E8E84-426E-40DD-AFC4-6F175D3DCCD1}">
-              <a14:hiddenFill xmlns:a14="http://schemas.microsoft.com/office/drawing/2010/main">
-                <a:solidFill>
-                  <a:srgbClr val="FFFFFF"/>
-                </a:solidFill>
-              </a14:hiddenFill>
-            </a:ext>
-          </a:extLst>
         </p:spPr>
       </p:pic>
     </p:spTree>
     <p:extLst>
       <p:ext uri="{BB962C8B-B14F-4D97-AF65-F5344CB8AC3E}">
-        <p14:creationId xmlns:p14="http://schemas.microsoft.com/office/powerpoint/2010/main" val="3742541671"/>
+        <p14:creationId xmlns:p14="http://schemas.microsoft.com/office/powerpoint/2010/main" val="1056318814"/>
       </p:ext>
     </p:extLst>
   </p:cSld>

--- a/slides/kube-demo.pptx
+++ b/slides/kube-demo.pptx
@@ -12,19 +12,20 @@
     <p:sldId id="258" r:id="rId6"/>
     <p:sldId id="259" r:id="rId7"/>
     <p:sldId id="260" r:id="rId8"/>
-    <p:sldId id="262" r:id="rId9"/>
-    <p:sldId id="261" r:id="rId10"/>
-    <p:sldId id="264" r:id="rId11"/>
-    <p:sldId id="263" r:id="rId12"/>
-    <p:sldId id="265" r:id="rId13"/>
-    <p:sldId id="266" r:id="rId14"/>
-    <p:sldId id="267" r:id="rId15"/>
-    <p:sldId id="268" r:id="rId16"/>
+    <p:sldId id="276" r:id="rId9"/>
+    <p:sldId id="262" r:id="rId10"/>
+    <p:sldId id="261" r:id="rId11"/>
+    <p:sldId id="264" r:id="rId12"/>
+    <p:sldId id="263" r:id="rId13"/>
+    <p:sldId id="265" r:id="rId14"/>
+    <p:sldId id="266" r:id="rId15"/>
+    <p:sldId id="272" r:id="rId16"/>
     <p:sldId id="269" r:id="rId17"/>
     <p:sldId id="270" r:id="rId18"/>
-    <p:sldId id="272" r:id="rId19"/>
-    <p:sldId id="273" r:id="rId20"/>
-    <p:sldId id="271" r:id="rId21"/>
+    <p:sldId id="271" r:id="rId19"/>
+    <p:sldId id="277" r:id="rId20"/>
+    <p:sldId id="267" r:id="rId21"/>
+    <p:sldId id="268" r:id="rId22"/>
   </p:sldIdLst>
   <p:sldSz cx="12192000" cy="6858000"/>
   <p:notesSz cx="6858000" cy="9144000"/>
@@ -5898,10 +5899,9 @@
           <a:lstStyle/>
           <a:p>
             <a:r>
-              <a:rPr lang="it-IT" dirty="0" err="1"/>
-              <a:t>Workloads</a:t>
-            </a:r>
-            <a:endParaRPr lang="it-IT" dirty="0"/>
+              <a:rPr lang="it-IT" dirty="0"/>
+              <a:t>Pod</a:t>
+            </a:r>
           </a:p>
         </p:txBody>
       </p:sp>
@@ -5954,10 +5954,10 @@
       </p:pic>
       <p:sp>
         <p:nvSpPr>
-          <p:cNvPr id="4" name="Segnaposto contenuto 3">
-            <a:extLst>
-              <a:ext uri="{FF2B5EF4-FFF2-40B4-BE49-F238E27FC236}">
-                <a16:creationId xmlns:a16="http://schemas.microsoft.com/office/drawing/2014/main" id="{725997EF-BA1F-48AA-9CD4-DB729382E2A8}"/>
+          <p:cNvPr id="7" name="Segnaposto contenuto 6">
+            <a:extLst>
+              <a:ext uri="{FF2B5EF4-FFF2-40B4-BE49-F238E27FC236}">
+                <a16:creationId xmlns:a16="http://schemas.microsoft.com/office/drawing/2014/main" id="{CC9B20DA-1797-4AAC-A9FE-0AB03362EB64}"/>
               </a:ext>
             </a:extLst>
           </p:cNvPr>
@@ -5968,73 +5968,101 @@
             <p:ph idx="1"/>
           </p:nvPr>
         </p:nvSpPr>
-        <p:spPr/>
+        <p:spPr>
+          <a:xfrm>
+            <a:off x="677334" y="1343025"/>
+            <a:ext cx="8596668" cy="4698337"/>
+          </a:xfrm>
+        </p:spPr>
         <p:txBody>
           <a:bodyPr>
             <a:normAutofit/>
           </a:bodyPr>
           <a:lstStyle/>
           <a:p>
+            <a:pPr fontAlgn="base"/>
+            <a:r>
+              <a:rPr lang="en-US" sz="2000" b="1" dirty="0"/>
+              <a:t>Atomic unit</a:t>
+            </a:r>
             <a:r>
               <a:rPr lang="en-US" sz="2000" dirty="0"/>
-              <a:t>Workloads are higher level objects that manage Pods.</a:t>
-            </a:r>
-          </a:p>
-          <a:p>
-            <a:endParaRPr lang="en-US" sz="2000" dirty="0"/>
-          </a:p>
-          <a:p>
-            <a:pPr lvl="1"/>
-            <a:r>
-              <a:rPr lang="en-US" sz="1800" b="1" dirty="0" err="1"/>
-              <a:t>ReplicaSet</a:t>
-            </a:r>
-            <a:endParaRPr lang="en-US" sz="1800" b="1" dirty="0"/>
-          </a:p>
-          <a:p>
-            <a:pPr lvl="1"/>
-            <a:r>
-              <a:rPr lang="en-US" sz="1800" b="1" dirty="0"/>
-              <a:t>Deployment</a:t>
-            </a:r>
-          </a:p>
-          <a:p>
-            <a:pPr lvl="1"/>
-            <a:r>
-              <a:rPr lang="en-US" sz="1800" b="1" dirty="0" err="1"/>
-              <a:t>StatefulSet</a:t>
-            </a:r>
-            <a:endParaRPr lang="en-US" sz="1800" b="1" dirty="0"/>
-          </a:p>
-          <a:p>
-            <a:pPr lvl="1"/>
-            <a:r>
-              <a:rPr lang="en-US" sz="1800" b="1" dirty="0" err="1"/>
-              <a:t>DaemonSet</a:t>
-            </a:r>
-            <a:endParaRPr lang="en-US" sz="1800" b="1" dirty="0"/>
-          </a:p>
-          <a:p>
-            <a:pPr lvl="1"/>
-            <a:r>
-              <a:rPr lang="en-US" sz="1800" b="1" dirty="0"/>
-              <a:t>Job</a:t>
-            </a:r>
-          </a:p>
-          <a:p>
-            <a:pPr lvl="1"/>
-            <a:r>
-              <a:rPr lang="en-US" sz="1800" b="1" dirty="0" err="1"/>
-              <a:t>CronJob</a:t>
-            </a:r>
-            <a:endParaRPr lang="it-IT" sz="1800" b="1" dirty="0"/>
-          </a:p>
-        </p:txBody>
-      </p:sp>
+              <a:t> or smallest “</a:t>
+            </a:r>
+            <a:r>
+              <a:rPr lang="en-US" sz="2000" i="1" dirty="0"/>
+              <a:t>unit of work</a:t>
+            </a:r>
+            <a:r>
+              <a:rPr lang="en-US" sz="2000" dirty="0"/>
+              <a:t>” of Kubernetes.</a:t>
+            </a:r>
+          </a:p>
+          <a:p>
+            <a:r>
+              <a:rPr lang="en-US" sz="2000" dirty="0"/>
+              <a:t>Pods are </a:t>
+            </a:r>
+            <a:r>
+              <a:rPr lang="en-US" sz="2000" b="1" dirty="0"/>
+              <a:t>one or MORE containers</a:t>
+            </a:r>
+            <a:r>
+              <a:rPr lang="en-US" sz="2000" dirty="0"/>
+              <a:t> that share volumes, a network, and are a part of a </a:t>
+            </a:r>
+            <a:r>
+              <a:rPr lang="en-US" sz="2000" b="1" dirty="0"/>
+              <a:t>single context</a:t>
+            </a:r>
+            <a:r>
+              <a:rPr lang="en-US" sz="2000" dirty="0"/>
+              <a:t>.</a:t>
+            </a:r>
+            <a:endParaRPr lang="it-IT" sz="2000" dirty="0"/>
+          </a:p>
+        </p:txBody>
+      </p:sp>
+      <p:pic>
+        <p:nvPicPr>
+          <p:cNvPr id="9" name="Segnaposto contenuto 4">
+            <a:extLst>
+              <a:ext uri="{FF2B5EF4-FFF2-40B4-BE49-F238E27FC236}">
+                <a16:creationId xmlns:a16="http://schemas.microsoft.com/office/drawing/2014/main" id="{1618934A-2507-4F68-AEBD-DF22DCD43AF7}"/>
+              </a:ext>
+            </a:extLst>
+          </p:cNvPr>
+          <p:cNvPicPr>
+            <a:picLocks noChangeAspect="1"/>
+          </p:cNvPicPr>
+          <p:nvPr/>
+        </p:nvPicPr>
+        <p:blipFill>
+          <a:blip r:embed="rId3">
+            <a:extLst>
+              <a:ext uri="{96DAC541-7B7A-43D3-8B79-37D633B846F1}">
+                <asvg:svgBlip xmlns:asvg="http://schemas.microsoft.com/office/drawing/2016/SVG/main" r:embed="rId4"/>
+              </a:ext>
+            </a:extLst>
+          </a:blip>
+          <a:stretch>
+            <a:fillRect/>
+          </a:stretch>
+        </p:blipFill>
+        <p:spPr>
+          <a:xfrm>
+            <a:off x="2711496" y="2366963"/>
+            <a:ext cx="4528343" cy="3881437"/>
+          </a:xfrm>
+          <a:prstGeom prst="rect">
+            <a:avLst/>
+          </a:prstGeom>
+        </p:spPr>
+      </p:pic>
     </p:spTree>
     <p:extLst>
       <p:ext uri="{BB962C8B-B14F-4D97-AF65-F5344CB8AC3E}">
-        <p14:creationId xmlns:p14="http://schemas.microsoft.com/office/powerpoint/2010/main" val="4129231217"/>
+        <p14:creationId xmlns:p14="http://schemas.microsoft.com/office/powerpoint/2010/main" val="1056318814"/>
       </p:ext>
     </p:extLst>
   </p:cSld>
@@ -6084,7 +6112,7 @@
           <a:p>
             <a:r>
               <a:rPr lang="it-IT" dirty="0" err="1"/>
-              <a:t>ReplicaSet</a:t>
+              <a:t>Workloads</a:t>
             </a:r>
             <a:endParaRPr lang="it-IT" dirty="0"/>
           </a:p>
@@ -6155,99 +6183,71 @@
         </p:nvSpPr>
         <p:spPr/>
         <p:txBody>
-          <a:bodyPr/>
-          <a:lstStyle/>
-          <a:p>
-            <a:pPr fontAlgn="base"/>
+          <a:bodyPr>
+            <a:normAutofit/>
+          </a:bodyPr>
+          <a:lstStyle/>
+          <a:p>
             <a:r>
               <a:rPr lang="en-US" sz="2000" dirty="0"/>
-              <a:t>Primary method of managing pod replicas and their lifecycle.</a:t>
-            </a:r>
-          </a:p>
-          <a:p>
-            <a:pPr fontAlgn="base"/>
+              <a:t>Workloads are higher level objects that manage Pods.</a:t>
+            </a:r>
+          </a:p>
+          <a:p>
             <a:endParaRPr lang="en-US" sz="2000" dirty="0"/>
           </a:p>
           <a:p>
-            <a:pPr fontAlgn="base"/>
-            <a:r>
-              <a:rPr lang="en-US" sz="2000" dirty="0"/>
-              <a:t>Includes their scheduling, scaling, and deletion.</a:t>
-            </a:r>
-          </a:p>
-          <a:p>
-            <a:pPr fontAlgn="base"/>
-            <a:endParaRPr lang="en-US" sz="2000" dirty="0"/>
-          </a:p>
-          <a:p>
-            <a:r>
-              <a:rPr lang="en-US" sz="2000" dirty="0"/>
-              <a:t>Their job is simple: </a:t>
-            </a:r>
-            <a:r>
-              <a:rPr lang="en-US" sz="2000" b="1" dirty="0"/>
-              <a:t>Always ensure the desired number of pods are running.</a:t>
-            </a:r>
-          </a:p>
-          <a:p>
-            <a:endParaRPr lang="en-US" b="1" dirty="0"/>
-          </a:p>
-          <a:p>
-            <a:endParaRPr lang="it-IT" dirty="0"/>
-          </a:p>
-        </p:txBody>
-      </p:sp>
-      <p:pic>
-        <p:nvPicPr>
-          <p:cNvPr id="11267" name="Picture 3" descr="https://lh6.googleusercontent.com/Z5OZJBmzkkyDFocpT-al7jcHknpwq0-0DiqYcaVk82tMHeaCMdrr303r_mCu536COnsfFJBlJr_-A7lzrChhHDJgmbL796NzVY5fpohsxjrVyzAML1J30poR7B-lCzvhwOntpd57nUA">
-            <a:extLst>
-              <a:ext uri="{FF2B5EF4-FFF2-40B4-BE49-F238E27FC236}">
-                <a16:creationId xmlns:a16="http://schemas.microsoft.com/office/drawing/2014/main" id="{55C94646-1725-4D64-A58C-37F116E16DA8}"/>
-              </a:ext>
-            </a:extLst>
-          </p:cNvPr>
-          <p:cNvPicPr>
-            <a:picLocks noChangeAspect="1" noChangeArrowheads="1"/>
-          </p:cNvPicPr>
-          <p:nvPr/>
-        </p:nvPicPr>
-        <p:blipFill>
-          <a:blip r:embed="rId3">
-            <a:extLst>
-              <a:ext uri="{28A0092B-C50C-407E-A947-70E740481C1C}">
-                <a14:useLocalDpi xmlns:a14="http://schemas.microsoft.com/office/drawing/2010/main" val="0"/>
-              </a:ext>
-            </a:extLst>
-          </a:blip>
-          <a:srcRect/>
-          <a:stretch>
-            <a:fillRect/>
-          </a:stretch>
-        </p:blipFill>
-        <p:spPr bwMode="auto">
-          <a:xfrm>
-            <a:off x="2326017" y="5126825"/>
-            <a:ext cx="5299301" cy="914537"/>
-          </a:xfrm>
-          <a:prstGeom prst="rect">
-            <a:avLst/>
-          </a:prstGeom>
-          <a:noFill/>
-          <a:extLst>
-            <a:ext uri="{909E8E84-426E-40DD-AFC4-6F175D3DCCD1}">
-              <a14:hiddenFill xmlns:a14="http://schemas.microsoft.com/office/drawing/2010/main">
-                <a:solidFill>
-                  <a:srgbClr val="FFFFFF"/>
-                </a:solidFill>
-              </a14:hiddenFill>
-            </a:ext>
-          </a:extLst>
-        </p:spPr>
-      </p:pic>
+            <a:pPr lvl="1"/>
+            <a:r>
+              <a:rPr lang="en-US" sz="1800" b="1" dirty="0" err="1"/>
+              <a:t>ReplicaSet</a:t>
+            </a:r>
+            <a:endParaRPr lang="en-US" sz="1800" b="1" dirty="0"/>
+          </a:p>
+          <a:p>
+            <a:pPr lvl="1"/>
+            <a:r>
+              <a:rPr lang="en-US" sz="1800" b="1" dirty="0"/>
+              <a:t>Deployment</a:t>
+            </a:r>
+          </a:p>
+          <a:p>
+            <a:pPr lvl="1"/>
+            <a:r>
+              <a:rPr lang="en-US" sz="1800" b="1" dirty="0" err="1"/>
+              <a:t>StatefulSet</a:t>
+            </a:r>
+            <a:endParaRPr lang="en-US" sz="1800" b="1" dirty="0"/>
+          </a:p>
+          <a:p>
+            <a:pPr lvl="1"/>
+            <a:r>
+              <a:rPr lang="en-US" sz="1800" b="1" dirty="0" err="1"/>
+              <a:t>DaemonSet</a:t>
+            </a:r>
+            <a:endParaRPr lang="en-US" sz="1800" b="1" dirty="0"/>
+          </a:p>
+          <a:p>
+            <a:pPr lvl="1"/>
+            <a:r>
+              <a:rPr lang="en-US" sz="1800" b="1" dirty="0"/>
+              <a:t>Job</a:t>
+            </a:r>
+          </a:p>
+          <a:p>
+            <a:pPr lvl="1"/>
+            <a:r>
+              <a:rPr lang="en-US" sz="1800" b="1" dirty="0" err="1"/>
+              <a:t>CronJob</a:t>
+            </a:r>
+            <a:endParaRPr lang="it-IT" sz="1800" b="1" dirty="0"/>
+          </a:p>
+        </p:txBody>
+      </p:sp>
     </p:spTree>
     <p:extLst>
       <p:ext uri="{BB962C8B-B14F-4D97-AF65-F5344CB8AC3E}">
-        <p14:creationId xmlns:p14="http://schemas.microsoft.com/office/powerpoint/2010/main" val="3742541671"/>
+        <p14:creationId xmlns:p14="http://schemas.microsoft.com/office/powerpoint/2010/main" val="4129231217"/>
       </p:ext>
     </p:extLst>
   </p:cSld>
@@ -6296,9 +6296,10 @@
           <a:lstStyle/>
           <a:p>
             <a:r>
-              <a:rPr lang="it-IT" dirty="0"/>
-              <a:t>Deployment</a:t>
-            </a:r>
+              <a:rPr lang="it-IT" dirty="0" err="1"/>
+              <a:t>ReplicaSet</a:t>
+            </a:r>
+            <a:endParaRPr lang="it-IT" dirty="0"/>
           </a:p>
         </p:txBody>
       </p:sp>
@@ -6367,23 +6368,13 @@
         </p:nvSpPr>
         <p:spPr/>
         <p:txBody>
-          <a:bodyPr>
-            <a:normAutofit/>
-          </a:bodyPr>
+          <a:bodyPr/>
           <a:lstStyle/>
           <a:p>
             <a:pPr fontAlgn="base"/>
             <a:r>
               <a:rPr lang="en-US" sz="2000" dirty="0"/>
-              <a:t>Declarative method of managing Pods via </a:t>
-            </a:r>
-            <a:r>
-              <a:rPr lang="en-US" sz="2000" b="1" dirty="0" err="1"/>
-              <a:t>ReplicaSets</a:t>
-            </a:r>
-            <a:r>
-              <a:rPr lang="en-US" sz="2000" b="1" dirty="0"/>
-              <a:t>.</a:t>
+              <a:t>Primary method of managing pod replicas and their lifecycle.</a:t>
             </a:r>
           </a:p>
           <a:p>
@@ -6394,17 +6385,37 @@
             <a:pPr fontAlgn="base"/>
             <a:r>
               <a:rPr lang="en-US" sz="2000" dirty="0"/>
-              <a:t>Provide rollback functionality and update control.</a:t>
-            </a:r>
+              <a:t>Includes their scheduling, scaling, and deletion.</a:t>
+            </a:r>
+          </a:p>
+          <a:p>
+            <a:pPr fontAlgn="base"/>
+            <a:endParaRPr lang="en-US" sz="2000" dirty="0"/>
+          </a:p>
+          <a:p>
+            <a:r>
+              <a:rPr lang="en-US" sz="2000" dirty="0"/>
+              <a:t>Their job is simple: </a:t>
+            </a:r>
+            <a:r>
+              <a:rPr lang="en-US" sz="2000" b="1" dirty="0"/>
+              <a:t>Always ensure the desired number of pods are running.</a:t>
+            </a:r>
+          </a:p>
+          <a:p>
+            <a:endParaRPr lang="en-US" b="1" dirty="0"/>
+          </a:p>
+          <a:p>
+            <a:endParaRPr lang="it-IT" dirty="0"/>
           </a:p>
         </p:txBody>
       </p:sp>
       <p:pic>
         <p:nvPicPr>
-          <p:cNvPr id="9219" name="Picture 3" descr="https://lh4.googleusercontent.com/hUPlzMpphfgTjB3JwEpYWKrHFYY8KAr2YUwrW1E3CQHbLu1JwW0UYhf8wfFgQJYTM4H2noPlHowE0qBv0SQbQ7NEJgjgYT-p6MfqvzF0EkmAEVqhoo6cGCCUMkE15XAsRpkdr4sDscA">
-            <a:extLst>
-              <a:ext uri="{FF2B5EF4-FFF2-40B4-BE49-F238E27FC236}">
-                <a16:creationId xmlns:a16="http://schemas.microsoft.com/office/drawing/2014/main" id="{AB28CEEA-455D-4F02-8A71-D0ABC254CE2B}"/>
+          <p:cNvPr id="11267" name="Picture 3" descr="https://lh6.googleusercontent.com/Z5OZJBmzkkyDFocpT-al7jcHknpwq0-0DiqYcaVk82tMHeaCMdrr303r_mCu536COnsfFJBlJr_-A7lzrChhHDJgmbL796NzVY5fpohsxjrVyzAML1J30poR7B-lCzvhwOntpd57nUA">
+            <a:extLst>
+              <a:ext uri="{FF2B5EF4-FFF2-40B4-BE49-F238E27FC236}">
+                <a16:creationId xmlns:a16="http://schemas.microsoft.com/office/drawing/2014/main" id="{55C94646-1725-4D64-A58C-37F116E16DA8}"/>
               </a:ext>
             </a:extLst>
           </p:cNvPr>
@@ -6428,8 +6439,8 @@
         </p:blipFill>
         <p:spPr bwMode="auto">
           <a:xfrm>
-            <a:off x="1816770" y="4913184"/>
-            <a:ext cx="6317796" cy="1128178"/>
+            <a:off x="2326017" y="5126825"/>
+            <a:ext cx="5299301" cy="914537"/>
           </a:xfrm>
           <a:prstGeom prst="rect">
             <a:avLst/>
@@ -6449,7 +6460,7 @@
     </p:spTree>
     <p:extLst>
       <p:ext uri="{BB962C8B-B14F-4D97-AF65-F5344CB8AC3E}">
-        <p14:creationId xmlns:p14="http://schemas.microsoft.com/office/powerpoint/2010/main" val="3691850719"/>
+        <p14:creationId xmlns:p14="http://schemas.microsoft.com/office/powerpoint/2010/main" val="3742541671"/>
       </p:ext>
     </p:extLst>
   </p:cSld>
@@ -6499,7 +6510,7 @@
           <a:p>
             <a:r>
               <a:rPr lang="it-IT" dirty="0"/>
-              <a:t>Service</a:t>
+              <a:t>Deployment</a:t>
             </a:r>
           </a:p>
         </p:txBody>
@@ -6569,64 +6580,89 @@
         </p:nvSpPr>
         <p:spPr/>
         <p:txBody>
-          <a:bodyPr/>
+          <a:bodyPr>
+            <a:normAutofit/>
+          </a:bodyPr>
           <a:lstStyle/>
           <a:p>
             <a:pPr fontAlgn="base"/>
             <a:r>
               <a:rPr lang="en-US" sz="2000" dirty="0"/>
-              <a:t>A set of routing rules that defines how to access the Pods. </a:t>
+              <a:t>Declarative method of managing Pods via </a:t>
+            </a:r>
+            <a:r>
+              <a:rPr lang="en-US" sz="2000" b="1" dirty="0" err="1"/>
+              <a:t>ReplicaSets</a:t>
+            </a:r>
+            <a:r>
+              <a:rPr lang="en-US" sz="2000" b="1" dirty="0"/>
+              <a:t>.</a:t>
             </a:r>
           </a:p>
           <a:p>
             <a:pPr fontAlgn="base"/>
-            <a:endParaRPr lang="en-US" sz="2000" b="1" dirty="0"/>
-          </a:p>
-          <a:p>
-            <a:pPr lvl="1" fontAlgn="base"/>
-            <a:r>
-              <a:rPr lang="it-IT" sz="1800" b="1" dirty="0" err="1"/>
-              <a:t>ClusterIP</a:t>
-            </a:r>
-            <a:r>
-              <a:rPr lang="it-IT" sz="1800" b="1" dirty="0"/>
-              <a:t> (default)</a:t>
-            </a:r>
-          </a:p>
-          <a:p>
-            <a:pPr lvl="1" fontAlgn="base"/>
-            <a:r>
-              <a:rPr lang="it-IT" sz="1800" b="1" dirty="0" err="1"/>
-              <a:t>NodePort</a:t>
-            </a:r>
-            <a:endParaRPr lang="it-IT" sz="1800" b="1" dirty="0"/>
-          </a:p>
-          <a:p>
-            <a:pPr lvl="1" fontAlgn="base"/>
-            <a:r>
-              <a:rPr lang="it-IT" sz="1800" b="1" dirty="0" err="1"/>
-              <a:t>LoadBalancer</a:t>
-            </a:r>
-            <a:endParaRPr lang="it-IT" sz="1800" b="1" dirty="0"/>
-          </a:p>
-          <a:p>
-            <a:pPr lvl="1" fontAlgn="base"/>
-            <a:r>
-              <a:rPr lang="it-IT" sz="1800" b="1" dirty="0" err="1"/>
-              <a:t>ExternalName</a:t>
-            </a:r>
-            <a:endParaRPr lang="it-IT" sz="1800" b="1" dirty="0"/>
+            <a:endParaRPr lang="en-US" sz="2000" dirty="0"/>
           </a:p>
           <a:p>
             <a:pPr fontAlgn="base"/>
-            <a:endParaRPr lang="en-US" dirty="0"/>
-          </a:p>
-        </p:txBody>
-      </p:sp>
+            <a:r>
+              <a:rPr lang="en-US" sz="2000" dirty="0"/>
+              <a:t>Provide rollback functionality and update control.</a:t>
+            </a:r>
+          </a:p>
+        </p:txBody>
+      </p:sp>
+      <p:pic>
+        <p:nvPicPr>
+          <p:cNvPr id="9219" name="Picture 3" descr="https://lh4.googleusercontent.com/hUPlzMpphfgTjB3JwEpYWKrHFYY8KAr2YUwrW1E3CQHbLu1JwW0UYhf8wfFgQJYTM4H2noPlHowE0qBv0SQbQ7NEJgjgYT-p6MfqvzF0EkmAEVqhoo6cGCCUMkE15XAsRpkdr4sDscA">
+            <a:extLst>
+              <a:ext uri="{FF2B5EF4-FFF2-40B4-BE49-F238E27FC236}">
+                <a16:creationId xmlns:a16="http://schemas.microsoft.com/office/drawing/2014/main" id="{AB28CEEA-455D-4F02-8A71-D0ABC254CE2B}"/>
+              </a:ext>
+            </a:extLst>
+          </p:cNvPr>
+          <p:cNvPicPr>
+            <a:picLocks noChangeAspect="1" noChangeArrowheads="1"/>
+          </p:cNvPicPr>
+          <p:nvPr/>
+        </p:nvPicPr>
+        <p:blipFill>
+          <a:blip r:embed="rId3">
+            <a:extLst>
+              <a:ext uri="{28A0092B-C50C-407E-A947-70E740481C1C}">
+                <a14:useLocalDpi xmlns:a14="http://schemas.microsoft.com/office/drawing/2010/main" val="0"/>
+              </a:ext>
+            </a:extLst>
+          </a:blip>
+          <a:srcRect/>
+          <a:stretch>
+            <a:fillRect/>
+          </a:stretch>
+        </p:blipFill>
+        <p:spPr bwMode="auto">
+          <a:xfrm>
+            <a:off x="1816770" y="4913184"/>
+            <a:ext cx="6317796" cy="1128178"/>
+          </a:xfrm>
+          <a:prstGeom prst="rect">
+            <a:avLst/>
+          </a:prstGeom>
+          <a:noFill/>
+          <a:extLst>
+            <a:ext uri="{909E8E84-426E-40DD-AFC4-6F175D3DCCD1}">
+              <a14:hiddenFill xmlns:a14="http://schemas.microsoft.com/office/drawing/2010/main">
+                <a:solidFill>
+                  <a:srgbClr val="FFFFFF"/>
+                </a:solidFill>
+              </a14:hiddenFill>
+            </a:ext>
+          </a:extLst>
+        </p:spPr>
+      </p:pic>
     </p:spTree>
     <p:extLst>
       <p:ext uri="{BB962C8B-B14F-4D97-AF65-F5344CB8AC3E}">
-        <p14:creationId xmlns:p14="http://schemas.microsoft.com/office/powerpoint/2010/main" val="931565450"/>
+        <p14:creationId xmlns:p14="http://schemas.microsoft.com/office/powerpoint/2010/main" val="3691850719"/>
       </p:ext>
     </p:extLst>
   </p:cSld>
@@ -6676,13 +6712,8 @@
           <a:p>
             <a:r>
               <a:rPr lang="it-IT" dirty="0"/>
-              <a:t>Service </a:t>
-            </a:r>
-            <a:r>
-              <a:rPr lang="it-IT" dirty="0" err="1"/>
-              <a:t>NodePort</a:t>
-            </a:r>
-            <a:endParaRPr lang="it-IT" dirty="0"/>
+              <a:t>Service</a:t>
+            </a:r>
           </a:p>
         </p:txBody>
       </p:sp>
@@ -6757,27 +6788,47 @@
             <a:pPr fontAlgn="base"/>
             <a:r>
               <a:rPr lang="en-US" sz="2000" dirty="0"/>
-              <a:t>Exposes a port on every node’s IP.</a:t>
+              <a:t>A set of routing rules that defines how to access the Pods. </a:t>
             </a:r>
           </a:p>
           <a:p>
             <a:pPr fontAlgn="base"/>
-            <a:endParaRPr lang="en-US" sz="2000" dirty="0"/>
-          </a:p>
-          <a:p>
-            <a:pPr fontAlgn="base"/>
-            <a:r>
-              <a:rPr lang="en-US" sz="2000" dirty="0"/>
-              <a:t>Port can either be statically defined, or dynamically taken from a range between </a:t>
-            </a:r>
-            <a:r>
-              <a:rPr lang="en-US" sz="2000" b="1" dirty="0"/>
-              <a:t>30000-32767</a:t>
-            </a:r>
-            <a:r>
-              <a:rPr lang="en-US" sz="2000" dirty="0"/>
-              <a:t>.</a:t>
-            </a:r>
+            <a:endParaRPr lang="en-US" sz="2000" b="1" dirty="0"/>
+          </a:p>
+          <a:p>
+            <a:pPr lvl="1" fontAlgn="base"/>
+            <a:r>
+              <a:rPr lang="it-IT" sz="1800" b="1" dirty="0" err="1"/>
+              <a:t>ClusterIP</a:t>
+            </a:r>
+            <a:r>
+              <a:rPr lang="it-IT" sz="1800" b="1" dirty="0"/>
+              <a:t> (default)</a:t>
+            </a:r>
+          </a:p>
+          <a:p>
+            <a:pPr lvl="1" fontAlgn="base"/>
+            <a:r>
+              <a:rPr lang="it-IT" sz="1800" b="1" dirty="0" err="1"/>
+              <a:t>NodePort</a:t>
+            </a:r>
+            <a:endParaRPr lang="it-IT" sz="1800" b="1" dirty="0"/>
+          </a:p>
+          <a:p>
+            <a:pPr lvl="1" fontAlgn="base"/>
+            <a:r>
+              <a:rPr lang="it-IT" sz="1800" b="1" dirty="0" err="1"/>
+              <a:t>LoadBalancer</a:t>
+            </a:r>
+            <a:endParaRPr lang="it-IT" sz="1800" b="1" dirty="0"/>
+          </a:p>
+          <a:p>
+            <a:pPr lvl="1" fontAlgn="base"/>
+            <a:r>
+              <a:rPr lang="it-IT" sz="1800" b="1" dirty="0" err="1"/>
+              <a:t>ExternalName</a:t>
+            </a:r>
+            <a:endParaRPr lang="it-IT" sz="1800" b="1" dirty="0"/>
           </a:p>
           <a:p>
             <a:pPr fontAlgn="base"/>
@@ -6788,7 +6839,7 @@
     </p:spTree>
     <p:extLst>
       <p:ext uri="{BB962C8B-B14F-4D97-AF65-F5344CB8AC3E}">
-        <p14:creationId xmlns:p14="http://schemas.microsoft.com/office/powerpoint/2010/main" val="1275423980"/>
+        <p14:creationId xmlns:p14="http://schemas.microsoft.com/office/powerpoint/2010/main" val="931565450"/>
       </p:ext>
     </p:extLst>
   </p:cSld>
@@ -6817,45 +6868,138 @@
       </p:grpSpPr>
       <p:sp>
         <p:nvSpPr>
-          <p:cNvPr id="8" name="CasellaDiTesto 7">
-            <a:extLst>
-              <a:ext uri="{FF2B5EF4-FFF2-40B4-BE49-F238E27FC236}">
-                <a16:creationId xmlns:a16="http://schemas.microsoft.com/office/drawing/2014/main" id="{88D21653-F419-43D7-A75B-10012B405911}"/>
-              </a:ext>
-            </a:extLst>
-          </p:cNvPr>
-          <p:cNvSpPr txBox="1"/>
+          <p:cNvPr id="2" name="Titolo 1">
+            <a:extLst>
+              <a:ext uri="{FF2B5EF4-FFF2-40B4-BE49-F238E27FC236}">
+                <a16:creationId xmlns:a16="http://schemas.microsoft.com/office/drawing/2014/main" id="{390F3EB2-CCD3-4263-8C51-13A0788C3F71}"/>
+              </a:ext>
+            </a:extLst>
+          </p:cNvPr>
+          <p:cNvSpPr>
+            <a:spLocks noGrp="1"/>
+          </p:cNvSpPr>
+          <p:nvPr>
+            <p:ph type="title"/>
+          </p:nvPr>
+        </p:nvSpPr>
+        <p:spPr/>
+        <p:txBody>
+          <a:bodyPr/>
+          <a:lstStyle/>
+          <a:p>
+            <a:r>
+              <a:rPr lang="it-IT" dirty="0"/>
+              <a:t>Service </a:t>
+            </a:r>
+            <a:r>
+              <a:rPr lang="it-IT" dirty="0" err="1"/>
+              <a:t>ClusterIP</a:t>
+            </a:r>
+            <a:endParaRPr lang="it-IT" dirty="0"/>
+          </a:p>
+        </p:txBody>
+      </p:sp>
+      <p:pic>
+        <p:nvPicPr>
+          <p:cNvPr id="2052" name="Picture 4" descr="Risultati immagini per kubernetes logo">
+            <a:extLst>
+              <a:ext uri="{FF2B5EF4-FFF2-40B4-BE49-F238E27FC236}">
+                <a16:creationId xmlns:a16="http://schemas.microsoft.com/office/drawing/2014/main" id="{2EF0C7C2-B372-4C6C-8620-3476E8ABBDF5}"/>
+              </a:ext>
+            </a:extLst>
+          </p:cNvPr>
+          <p:cNvPicPr>
+            <a:picLocks noChangeAspect="1" noChangeArrowheads="1"/>
+          </p:cNvPicPr>
           <p:nvPr/>
-        </p:nvSpPr>
-        <p:spPr>
-          <a:xfrm>
-            <a:off x="4736475" y="4240897"/>
-            <a:ext cx="585417" cy="276999"/>
+        </p:nvPicPr>
+        <p:blipFill>
+          <a:blip r:embed="rId2">
+            <a:extLst>
+              <a:ext uri="{28A0092B-C50C-407E-A947-70E740481C1C}">
+                <a14:useLocalDpi xmlns:a14="http://schemas.microsoft.com/office/drawing/2010/main" val="0"/>
+              </a:ext>
+            </a:extLst>
+          </a:blip>
+          <a:srcRect/>
+          <a:stretch>
+            <a:fillRect/>
+          </a:stretch>
+        </p:blipFill>
+        <p:spPr bwMode="auto">
+          <a:xfrm>
+            <a:off x="7849959" y="379411"/>
+            <a:ext cx="3868511" cy="835659"/>
           </a:xfrm>
           <a:prstGeom prst="rect">
             <a:avLst/>
           </a:prstGeom>
           <a:noFill/>
-        </p:spPr>
-        <p:txBody>
-          <a:bodyPr wrap="none" rtlCol="0">
-            <a:spAutoFit/>
+          <a:extLst>
+            <a:ext uri="{909E8E84-426E-40DD-AFC4-6F175D3DCCD1}">
+              <a14:hiddenFill xmlns:a14="http://schemas.microsoft.com/office/drawing/2010/main">
+                <a:solidFill>
+                  <a:srgbClr val="FFFFFF"/>
+                </a:solidFill>
+              </a14:hiddenFill>
+            </a:ext>
+          </a:extLst>
+        </p:spPr>
+      </p:pic>
+      <p:sp>
+        <p:nvSpPr>
+          <p:cNvPr id="4" name="Segnaposto contenuto 3">
+            <a:extLst>
+              <a:ext uri="{FF2B5EF4-FFF2-40B4-BE49-F238E27FC236}">
+                <a16:creationId xmlns:a16="http://schemas.microsoft.com/office/drawing/2014/main" id="{725997EF-BA1F-48AA-9CD4-DB729382E2A8}"/>
+              </a:ext>
+            </a:extLst>
+          </p:cNvPr>
+          <p:cNvSpPr>
+            <a:spLocks noGrp="1"/>
+          </p:cNvSpPr>
+          <p:nvPr>
+            <p:ph idx="1"/>
+          </p:nvPr>
+        </p:nvSpPr>
+        <p:spPr>
+          <a:xfrm>
+            <a:off x="677334" y="1680085"/>
+            <a:ext cx="8596668" cy="3880773"/>
+          </a:xfrm>
+        </p:spPr>
+        <p:txBody>
+          <a:bodyPr>
+            <a:normAutofit/>
           </a:bodyPr>
           <a:lstStyle/>
           <a:p>
-            <a:r>
-              <a:rPr lang="it-IT" sz="1200" dirty="0"/>
-              <a:t>32465</a:t>
-            </a:r>
-          </a:p>
-        </p:txBody>
-      </p:sp>
-      <p:sp>
-        <p:nvSpPr>
-          <p:cNvPr id="4" name="Rettangolo 3">
-            <a:extLst>
-              <a:ext uri="{FF2B5EF4-FFF2-40B4-BE49-F238E27FC236}">
-                <a16:creationId xmlns:a16="http://schemas.microsoft.com/office/drawing/2014/main" id="{57CE466D-8C75-4E04-A2A2-687F80849927}"/>
+            <a:pPr fontAlgn="base"/>
+            <a:r>
+              <a:rPr lang="en-US" sz="2000" b="1" dirty="0" err="1"/>
+              <a:t>ClusterIP</a:t>
+            </a:r>
+            <a:r>
+              <a:rPr lang="en-US" sz="2000" dirty="0"/>
+              <a:t> services exposes a service on a strictly cluster internal virtual IP.</a:t>
+            </a:r>
+          </a:p>
+          <a:p>
+            <a:pPr fontAlgn="base"/>
+            <a:endParaRPr lang="en-US" sz="2000" dirty="0"/>
+          </a:p>
+          <a:p>
+            <a:pPr fontAlgn="base"/>
+            <a:endParaRPr lang="en-US" sz="2000" dirty="0"/>
+          </a:p>
+        </p:txBody>
+      </p:sp>
+      <p:sp>
+        <p:nvSpPr>
+          <p:cNvPr id="5" name="Rettangolo 4">
+            <a:extLst>
+              <a:ext uri="{FF2B5EF4-FFF2-40B4-BE49-F238E27FC236}">
+                <a16:creationId xmlns:a16="http://schemas.microsoft.com/office/drawing/2014/main" id="{99A58080-64A7-4773-8733-68B0A735FB22}"/>
               </a:ext>
             </a:extLst>
           </p:cNvPr>
@@ -6864,7 +7008,7 @@
         </p:nvSpPr>
         <p:spPr>
           <a:xfrm>
-            <a:off x="3384080" y="1529319"/>
+            <a:off x="3531037" y="2958069"/>
             <a:ext cx="1845129" cy="2743200"/>
           </a:xfrm>
           <a:prstGeom prst="rect">
@@ -6901,10 +7045,10 @@
       </p:sp>
       <p:sp>
         <p:nvSpPr>
-          <p:cNvPr id="26" name="Rettangolo 25">
-            <a:extLst>
-              <a:ext uri="{FF2B5EF4-FFF2-40B4-BE49-F238E27FC236}">
-                <a16:creationId xmlns:a16="http://schemas.microsoft.com/office/drawing/2014/main" id="{F66F6ED8-EAA6-4FDA-AFF5-FC3BD82DC792}"/>
+          <p:cNvPr id="6" name="Rettangolo 5">
+            <a:extLst>
+              <a:ext uri="{FF2B5EF4-FFF2-40B4-BE49-F238E27FC236}">
+                <a16:creationId xmlns:a16="http://schemas.microsoft.com/office/drawing/2014/main" id="{3D908CC7-E079-485D-8DF2-769CE77E6B17}"/>
               </a:ext>
             </a:extLst>
           </p:cNvPr>
@@ -6913,7 +7057,7 @@
         </p:nvSpPr>
         <p:spPr>
           <a:xfrm>
-            <a:off x="5603404" y="1536451"/>
+            <a:off x="5750361" y="2965201"/>
             <a:ext cx="1845129" cy="2743200"/>
           </a:xfrm>
           <a:prstGeom prst="rect">
@@ -6950,43 +7094,45 @@
       </p:sp>
       <p:sp>
         <p:nvSpPr>
-          <p:cNvPr id="2" name="Titolo 1">
-            <a:extLst>
-              <a:ext uri="{FF2B5EF4-FFF2-40B4-BE49-F238E27FC236}">
-                <a16:creationId xmlns:a16="http://schemas.microsoft.com/office/drawing/2014/main" id="{390F3EB2-CCD3-4263-8C51-13A0788C3F71}"/>
-              </a:ext>
-            </a:extLst>
-          </p:cNvPr>
-          <p:cNvSpPr>
-            <a:spLocks noGrp="1"/>
-          </p:cNvSpPr>
-          <p:nvPr>
-            <p:ph type="title"/>
-          </p:nvPr>
-        </p:nvSpPr>
-        <p:spPr/>
-        <p:txBody>
-          <a:bodyPr/>
-          <a:lstStyle/>
-          <a:p>
-            <a:r>
-              <a:rPr lang="it-IT" dirty="0"/>
-              <a:t>Service </a:t>
-            </a:r>
-            <a:r>
-              <a:rPr lang="it-IT" dirty="0" err="1"/>
-              <a:t>NodePort</a:t>
-            </a:r>
-            <a:endParaRPr lang="it-IT" dirty="0"/>
+          <p:cNvPr id="7" name="CasellaDiTesto 6">
+            <a:extLst>
+              <a:ext uri="{FF2B5EF4-FFF2-40B4-BE49-F238E27FC236}">
+                <a16:creationId xmlns:a16="http://schemas.microsoft.com/office/drawing/2014/main" id="{53B66F28-19FF-40E6-8E79-B81E16A30D58}"/>
+              </a:ext>
+            </a:extLst>
+          </p:cNvPr>
+          <p:cNvSpPr txBox="1"/>
+          <p:nvPr/>
+        </p:nvSpPr>
+        <p:spPr>
+          <a:xfrm>
+            <a:off x="4198775" y="5443206"/>
+            <a:ext cx="1234633" cy="276999"/>
+          </a:xfrm>
+          <a:prstGeom prst="rect">
+            <a:avLst/>
+          </a:prstGeom>
+          <a:noFill/>
+        </p:spPr>
+        <p:txBody>
+          <a:bodyPr wrap="none" rtlCol="0">
+            <a:spAutoFit/>
+          </a:bodyPr>
+          <a:lstStyle/>
+          <a:p>
+            <a:r>
+              <a:rPr lang="it-IT" sz="1200" dirty="0"/>
+              <a:t>10.115.134.130</a:t>
+            </a:r>
           </a:p>
         </p:txBody>
       </p:sp>
       <p:pic>
         <p:nvPicPr>
-          <p:cNvPr id="2052" name="Picture 4" descr="Risultati immagini per kubernetes logo">
-            <a:extLst>
-              <a:ext uri="{FF2B5EF4-FFF2-40B4-BE49-F238E27FC236}">
-                <a16:creationId xmlns:a16="http://schemas.microsoft.com/office/drawing/2014/main" id="{2EF0C7C2-B372-4C6C-8620-3476E8ABBDF5}"/>
+          <p:cNvPr id="8" name="Picture 2" descr="Risultati immagini per spring boot">
+            <a:extLst>
+              <a:ext uri="{FF2B5EF4-FFF2-40B4-BE49-F238E27FC236}">
+                <a16:creationId xmlns:a16="http://schemas.microsoft.com/office/drawing/2014/main" id="{02326D37-0351-445A-AAE9-6E46A66D711A}"/>
               </a:ext>
             </a:extLst>
           </p:cNvPr>
@@ -6996,7 +7142,7 @@
           <p:nvPr/>
         </p:nvPicPr>
         <p:blipFill>
-          <a:blip r:embed="rId2">
+          <a:blip r:embed="rId3">
             <a:extLst>
               <a:ext uri="{28A0092B-C50C-407E-A947-70E740481C1C}">
                 <a14:useLocalDpi xmlns:a14="http://schemas.microsoft.com/office/drawing/2010/main" val="0"/>
@@ -7010,8 +7156,8 @@
         </p:blipFill>
         <p:spPr bwMode="auto">
           <a:xfrm>
-            <a:off x="7849959" y="379411"/>
-            <a:ext cx="3868511" cy="835659"/>
+            <a:off x="3630370" y="2983014"/>
+            <a:ext cx="595993" cy="595993"/>
           </a:xfrm>
           <a:prstGeom prst="rect">
             <a:avLst/>
@@ -7030,92 +7176,10 @@
       </p:pic>
       <p:sp>
         <p:nvSpPr>
-          <p:cNvPr id="5" name="CasellaDiTesto 4">
-            <a:extLst>
-              <a:ext uri="{FF2B5EF4-FFF2-40B4-BE49-F238E27FC236}">
-                <a16:creationId xmlns:a16="http://schemas.microsoft.com/office/drawing/2014/main" id="{0790C00F-B3E7-4CF3-8AD1-EDB8D87A55FA}"/>
-              </a:ext>
-            </a:extLst>
-          </p:cNvPr>
-          <p:cNvSpPr txBox="1"/>
-          <p:nvPr/>
-        </p:nvSpPr>
-        <p:spPr>
-          <a:xfrm>
-            <a:off x="3405648" y="3973435"/>
-            <a:ext cx="1234633" cy="276999"/>
-          </a:xfrm>
-          <a:prstGeom prst="rect">
-            <a:avLst/>
-          </a:prstGeom>
-          <a:noFill/>
-        </p:spPr>
-        <p:txBody>
-          <a:bodyPr wrap="none" rtlCol="0">
-            <a:spAutoFit/>
-          </a:bodyPr>
-          <a:lstStyle/>
-          <a:p>
-            <a:r>
-              <a:rPr lang="it-IT" sz="1200" dirty="0"/>
-              <a:t>10.115.134.130</a:t>
-            </a:r>
-          </a:p>
-        </p:txBody>
-      </p:sp>
-      <p:pic>
-        <p:nvPicPr>
-          <p:cNvPr id="4098" name="Picture 2" descr="Risultati immagini per spring boot">
-            <a:extLst>
-              <a:ext uri="{FF2B5EF4-FFF2-40B4-BE49-F238E27FC236}">
-                <a16:creationId xmlns:a16="http://schemas.microsoft.com/office/drawing/2014/main" id="{2E058A85-1812-4D19-ABD4-8CA597CB7512}"/>
-              </a:ext>
-            </a:extLst>
-          </p:cNvPr>
-          <p:cNvPicPr>
-            <a:picLocks noChangeAspect="1" noChangeArrowheads="1"/>
-          </p:cNvPicPr>
-          <p:nvPr/>
-        </p:nvPicPr>
-        <p:blipFill>
-          <a:blip r:embed="rId3">
-            <a:extLst>
-              <a:ext uri="{28A0092B-C50C-407E-A947-70E740481C1C}">
-                <a14:useLocalDpi xmlns:a14="http://schemas.microsoft.com/office/drawing/2010/main" val="0"/>
-              </a:ext>
-            </a:extLst>
-          </a:blip>
-          <a:srcRect/>
-          <a:stretch>
-            <a:fillRect/>
-          </a:stretch>
-        </p:blipFill>
-        <p:spPr bwMode="auto">
-          <a:xfrm>
-            <a:off x="3483413" y="1554264"/>
-            <a:ext cx="595993" cy="595993"/>
-          </a:xfrm>
-          <a:prstGeom prst="rect">
-            <a:avLst/>
-          </a:prstGeom>
-          <a:noFill/>
-          <a:extLst>
-            <a:ext uri="{909E8E84-426E-40DD-AFC4-6F175D3DCCD1}">
-              <a14:hiddenFill xmlns:a14="http://schemas.microsoft.com/office/drawing/2010/main">
-                <a:solidFill>
-                  <a:srgbClr val="FFFFFF"/>
-                </a:solidFill>
-              </a14:hiddenFill>
-            </a:ext>
-          </a:extLst>
-        </p:spPr>
-      </p:pic>
-      <p:sp>
-        <p:nvSpPr>
-          <p:cNvPr id="3" name="Rettangolo 2">
-            <a:extLst>
-              <a:ext uri="{FF2B5EF4-FFF2-40B4-BE49-F238E27FC236}">
-                <a16:creationId xmlns:a16="http://schemas.microsoft.com/office/drawing/2014/main" id="{88C13140-B54C-4D69-842D-82019B886CC2}"/>
+          <p:cNvPr id="9" name="Rettangolo 8">
+            <a:extLst>
+              <a:ext uri="{FF2B5EF4-FFF2-40B4-BE49-F238E27FC236}">
+                <a16:creationId xmlns:a16="http://schemas.microsoft.com/office/drawing/2014/main" id="{DF5FC335-6C55-4CDB-99B6-503FDB26C047}"/>
               </a:ext>
             </a:extLst>
           </p:cNvPr>
@@ -7124,7 +7188,7 @@
         </p:nvSpPr>
         <p:spPr>
           <a:xfrm>
-            <a:off x="3449395" y="1566057"/>
+            <a:off x="3596352" y="2994807"/>
             <a:ext cx="914400" cy="740354"/>
           </a:xfrm>
           <a:prstGeom prst="rect">
@@ -7164,10 +7228,10 @@
       </p:sp>
       <p:sp>
         <p:nvSpPr>
-          <p:cNvPr id="29" name="CasellaDiTesto 28">
-            <a:extLst>
-              <a:ext uri="{FF2B5EF4-FFF2-40B4-BE49-F238E27FC236}">
-                <a16:creationId xmlns:a16="http://schemas.microsoft.com/office/drawing/2014/main" id="{0353218C-785A-4A4C-82B3-1CEE638D1071}"/>
+          <p:cNvPr id="10" name="CasellaDiTesto 9">
+            <a:extLst>
+              <a:ext uri="{FF2B5EF4-FFF2-40B4-BE49-F238E27FC236}">
+                <a16:creationId xmlns:a16="http://schemas.microsoft.com/office/drawing/2014/main" id="{64E1B21B-0BA9-4A18-9925-0CAD7FBB27D0}"/>
               </a:ext>
             </a:extLst>
           </p:cNvPr>
@@ -7176,7 +7240,7 @@
         </p:nvSpPr>
         <p:spPr>
           <a:xfrm>
-            <a:off x="3384080" y="2082674"/>
+            <a:off x="3531037" y="3511424"/>
             <a:ext cx="1002197" cy="261610"/>
           </a:xfrm>
           <a:prstGeom prst="rect">
@@ -7199,10 +7263,10 @@
       </p:sp>
       <p:sp>
         <p:nvSpPr>
-          <p:cNvPr id="30" name="CasellaDiTesto 29">
-            <a:extLst>
-              <a:ext uri="{FF2B5EF4-FFF2-40B4-BE49-F238E27FC236}">
-                <a16:creationId xmlns:a16="http://schemas.microsoft.com/office/drawing/2014/main" id="{AF272547-FDD8-4812-949C-5AA431433E36}"/>
+          <p:cNvPr id="11" name="CasellaDiTesto 10">
+            <a:extLst>
+              <a:ext uri="{FF2B5EF4-FFF2-40B4-BE49-F238E27FC236}">
+                <a16:creationId xmlns:a16="http://schemas.microsoft.com/office/drawing/2014/main" id="{E2F35CB6-D228-40DF-A8ED-ADAF75E2126A}"/>
               </a:ext>
             </a:extLst>
           </p:cNvPr>
@@ -7211,7 +7275,7 @@
         </p:nvSpPr>
         <p:spPr>
           <a:xfrm>
-            <a:off x="3947417" y="2302531"/>
+            <a:off x="4094374" y="3731281"/>
             <a:ext cx="512371" cy="261610"/>
           </a:xfrm>
           <a:prstGeom prst="rect">
@@ -7234,10 +7298,10 @@
       </p:sp>
       <p:sp>
         <p:nvSpPr>
-          <p:cNvPr id="6" name="Rettangolo 5">
-            <a:extLst>
-              <a:ext uri="{FF2B5EF4-FFF2-40B4-BE49-F238E27FC236}">
-                <a16:creationId xmlns:a16="http://schemas.microsoft.com/office/drawing/2014/main" id="{3A8F22D2-6ACC-4448-ADF5-3B51A97BAC64}"/>
+          <p:cNvPr id="12" name="Rettangolo 11">
+            <a:extLst>
+              <a:ext uri="{FF2B5EF4-FFF2-40B4-BE49-F238E27FC236}">
+                <a16:creationId xmlns:a16="http://schemas.microsoft.com/office/drawing/2014/main" id="{B412216A-C046-4D8D-B680-7AE3EF78BCC0}"/>
               </a:ext>
             </a:extLst>
           </p:cNvPr>
@@ -7246,7 +7310,7 @@
         </p:nvSpPr>
         <p:spPr>
           <a:xfrm>
-            <a:off x="4016157" y="2302531"/>
+            <a:off x="4163114" y="3731281"/>
             <a:ext cx="347638" cy="219857"/>
           </a:xfrm>
           <a:prstGeom prst="rect">
@@ -7286,10 +7350,10 @@
       </p:sp>
       <p:sp>
         <p:nvSpPr>
-          <p:cNvPr id="35" name="Rettangolo 34">
-            <a:extLst>
-              <a:ext uri="{FF2B5EF4-FFF2-40B4-BE49-F238E27FC236}">
-                <a16:creationId xmlns:a16="http://schemas.microsoft.com/office/drawing/2014/main" id="{7CCEB72C-6750-4008-A895-569489BEA3E3}"/>
+          <p:cNvPr id="13" name="Rettangolo 12">
+            <a:extLst>
+              <a:ext uri="{FF2B5EF4-FFF2-40B4-BE49-F238E27FC236}">
+                <a16:creationId xmlns:a16="http://schemas.microsoft.com/office/drawing/2014/main" id="{DED0E022-3909-4835-928A-5D926765846D}"/>
               </a:ext>
             </a:extLst>
           </p:cNvPr>
@@ -7298,7 +7362,7 @@
         </p:nvSpPr>
         <p:spPr>
           <a:xfrm>
-            <a:off x="3475957" y="4006625"/>
+            <a:off x="4265820" y="5443207"/>
             <a:ext cx="1094014" cy="226212"/>
           </a:xfrm>
           <a:prstGeom prst="rect">
@@ -7338,10 +7402,10 @@
       </p:sp>
       <p:sp>
         <p:nvSpPr>
-          <p:cNvPr id="36" name="CasellaDiTesto 35">
-            <a:extLst>
-              <a:ext uri="{FF2B5EF4-FFF2-40B4-BE49-F238E27FC236}">
-                <a16:creationId xmlns:a16="http://schemas.microsoft.com/office/drawing/2014/main" id="{20467A3D-E9E4-4A5F-9DD3-748FA204C854}"/>
+          <p:cNvPr id="14" name="CasellaDiTesto 13">
+            <a:extLst>
+              <a:ext uri="{FF2B5EF4-FFF2-40B4-BE49-F238E27FC236}">
+                <a16:creationId xmlns:a16="http://schemas.microsoft.com/office/drawing/2014/main" id="{AB759D24-2802-4798-B34E-936E97BD9A35}"/>
               </a:ext>
             </a:extLst>
           </p:cNvPr>
@@ -7350,7 +7414,7 @@
         </p:nvSpPr>
         <p:spPr>
           <a:xfrm>
-            <a:off x="5587937" y="3994522"/>
+            <a:off x="6412937" y="5431402"/>
             <a:ext cx="1234633" cy="276999"/>
           </a:xfrm>
           <a:prstGeom prst="rect">
@@ -7373,10 +7437,10 @@
       </p:sp>
       <p:sp>
         <p:nvSpPr>
-          <p:cNvPr id="37" name="Rettangolo 36">
-            <a:extLst>
-              <a:ext uri="{FF2B5EF4-FFF2-40B4-BE49-F238E27FC236}">
-                <a16:creationId xmlns:a16="http://schemas.microsoft.com/office/drawing/2014/main" id="{EDB0E59B-645A-4DEB-BAF7-F13C605CB67C}"/>
+          <p:cNvPr id="15" name="Rettangolo 14">
+            <a:extLst>
+              <a:ext uri="{FF2B5EF4-FFF2-40B4-BE49-F238E27FC236}">
+                <a16:creationId xmlns:a16="http://schemas.microsoft.com/office/drawing/2014/main" id="{54BBC1F4-794C-4DA3-94A7-CD8CDE60651D}"/>
               </a:ext>
             </a:extLst>
           </p:cNvPr>
@@ -7385,7 +7449,7 @@
         </p:nvSpPr>
         <p:spPr>
           <a:xfrm>
-            <a:off x="5649601" y="4006625"/>
+            <a:off x="6483247" y="5447752"/>
             <a:ext cx="1094014" cy="226212"/>
           </a:xfrm>
           <a:prstGeom prst="rect">
@@ -7425,25 +7489,105 @@
       </p:sp>
       <p:sp>
         <p:nvSpPr>
-          <p:cNvPr id="7" name="Rettangolo 6">
-            <a:extLst>
-              <a:ext uri="{FF2B5EF4-FFF2-40B4-BE49-F238E27FC236}">
-                <a16:creationId xmlns:a16="http://schemas.microsoft.com/office/drawing/2014/main" id="{A5C158BE-CDBF-4B21-A757-F0545FEE91F3}"/>
-              </a:ext>
-            </a:extLst>
-          </p:cNvPr>
-          <p:cNvSpPr/>
+          <p:cNvPr id="16" name="CasellaDiTesto 15">
+            <a:extLst>
+              <a:ext uri="{FF2B5EF4-FFF2-40B4-BE49-F238E27FC236}">
+                <a16:creationId xmlns:a16="http://schemas.microsoft.com/office/drawing/2014/main" id="{14AE1E71-2765-4AAF-9809-675834783068}"/>
+              </a:ext>
+            </a:extLst>
+          </p:cNvPr>
+          <p:cNvSpPr txBox="1"/>
           <p:nvPr/>
         </p:nvSpPr>
         <p:spPr>
           <a:xfrm>
-            <a:off x="4788338" y="4272519"/>
-            <a:ext cx="440871" cy="213756"/>
+            <a:off x="3815215" y="5716587"/>
+            <a:ext cx="901209" cy="369332"/>
           </a:xfrm>
           <a:prstGeom prst="rect">
             <a:avLst/>
           </a:prstGeom>
           <a:noFill/>
+        </p:spPr>
+        <p:txBody>
+          <a:bodyPr wrap="none" rtlCol="0">
+            <a:spAutoFit/>
+          </a:bodyPr>
+          <a:lstStyle/>
+          <a:p>
+            <a:r>
+              <a:rPr lang="it-IT" dirty="0" err="1"/>
+              <a:t>Node</a:t>
+            </a:r>
+            <a:r>
+              <a:rPr lang="it-IT" dirty="0"/>
+              <a:t> 2</a:t>
+            </a:r>
+          </a:p>
+        </p:txBody>
+      </p:sp>
+      <p:sp>
+        <p:nvSpPr>
+          <p:cNvPr id="17" name="CasellaDiTesto 16">
+            <a:extLst>
+              <a:ext uri="{FF2B5EF4-FFF2-40B4-BE49-F238E27FC236}">
+                <a16:creationId xmlns:a16="http://schemas.microsoft.com/office/drawing/2014/main" id="{6CD8DCA5-8CFB-4109-B49A-2C1CFC2B4CB4}"/>
+              </a:ext>
+            </a:extLst>
+          </p:cNvPr>
+          <p:cNvSpPr txBox="1"/>
+          <p:nvPr/>
+        </p:nvSpPr>
+        <p:spPr>
+          <a:xfrm>
+            <a:off x="6072446" y="5701269"/>
+            <a:ext cx="901209" cy="369332"/>
+          </a:xfrm>
+          <a:prstGeom prst="rect">
+            <a:avLst/>
+          </a:prstGeom>
+          <a:noFill/>
+        </p:spPr>
+        <p:txBody>
+          <a:bodyPr wrap="none" rtlCol="0">
+            <a:spAutoFit/>
+          </a:bodyPr>
+          <a:lstStyle/>
+          <a:p>
+            <a:r>
+              <a:rPr lang="it-IT" dirty="0" err="1"/>
+              <a:t>Node</a:t>
+            </a:r>
+            <a:r>
+              <a:rPr lang="it-IT" dirty="0"/>
+              <a:t> 3</a:t>
+            </a:r>
+          </a:p>
+        </p:txBody>
+      </p:sp>
+      <p:sp>
+        <p:nvSpPr>
+          <p:cNvPr id="18" name="Rettangolo 17">
+            <a:extLst>
+              <a:ext uri="{FF2B5EF4-FFF2-40B4-BE49-F238E27FC236}">
+                <a16:creationId xmlns:a16="http://schemas.microsoft.com/office/drawing/2014/main" id="{7AA017AB-8891-4CBD-AD32-D3C7242A76F9}"/>
+              </a:ext>
+            </a:extLst>
+          </p:cNvPr>
+          <p:cNvSpPr/>
+          <p:nvPr/>
+        </p:nvSpPr>
+        <p:spPr>
+          <a:xfrm>
+            <a:off x="1413055" y="2955129"/>
+            <a:ext cx="1845129" cy="2743200"/>
+          </a:xfrm>
+          <a:prstGeom prst="rect">
+            <a:avLst/>
+          </a:prstGeom>
+          <a:solidFill>
+            <a:schemeClr val="bg1"/>
+          </a:solidFill>
         </p:spPr>
         <p:style>
           <a:lnRef idx="2">
@@ -7472,10 +7616,10 @@
       </p:sp>
       <p:sp>
         <p:nvSpPr>
-          <p:cNvPr id="39" name="CasellaDiTesto 38">
-            <a:extLst>
-              <a:ext uri="{FF2B5EF4-FFF2-40B4-BE49-F238E27FC236}">
-                <a16:creationId xmlns:a16="http://schemas.microsoft.com/office/drawing/2014/main" id="{4350B496-FD2B-4876-BC3A-9F2F5DE3681C}"/>
+          <p:cNvPr id="19" name="CasellaDiTesto 18">
+            <a:extLst>
+              <a:ext uri="{FF2B5EF4-FFF2-40B4-BE49-F238E27FC236}">
+                <a16:creationId xmlns:a16="http://schemas.microsoft.com/office/drawing/2014/main" id="{1181386A-980C-44F4-8476-9E22945C22D5}"/>
               </a:ext>
             </a:extLst>
           </p:cNvPr>
@@ -7484,8 +7628,8 @@
         </p:nvSpPr>
         <p:spPr>
           <a:xfrm>
-            <a:off x="6951261" y="4250208"/>
-            <a:ext cx="585417" cy="276999"/>
+            <a:off x="2080793" y="5440266"/>
+            <a:ext cx="1234633" cy="276999"/>
           </a:xfrm>
           <a:prstGeom prst="rect">
             <a:avLst/>
@@ -7500,17 +7644,17 @@
           <a:p>
             <a:r>
               <a:rPr lang="it-IT" sz="1200" dirty="0"/>
-              <a:t>32465</a:t>
-            </a:r>
-          </a:p>
-        </p:txBody>
-      </p:sp>
-      <p:sp>
-        <p:nvSpPr>
-          <p:cNvPr id="40" name="Rettangolo 39">
-            <a:extLst>
-              <a:ext uri="{FF2B5EF4-FFF2-40B4-BE49-F238E27FC236}">
-                <a16:creationId xmlns:a16="http://schemas.microsoft.com/office/drawing/2014/main" id="{7B0EE67B-9E70-4BCE-860C-0A74DFB47985}"/>
+              <a:t>10.115.134.129</a:t>
+            </a:r>
+          </a:p>
+        </p:txBody>
+      </p:sp>
+      <p:sp>
+        <p:nvSpPr>
+          <p:cNvPr id="20" name="Rettangolo 19">
+            <a:extLst>
+              <a:ext uri="{FF2B5EF4-FFF2-40B4-BE49-F238E27FC236}">
+                <a16:creationId xmlns:a16="http://schemas.microsoft.com/office/drawing/2014/main" id="{589E7FB1-D296-4AA2-9911-D89CEBBA0CC3}"/>
               </a:ext>
             </a:extLst>
           </p:cNvPr>
@@ -7519,13 +7663,18 @@
         </p:nvSpPr>
         <p:spPr>
           <a:xfrm>
-            <a:off x="7007206" y="4281830"/>
-            <a:ext cx="440871" cy="213756"/>
+            <a:off x="2147838" y="5440267"/>
+            <a:ext cx="1094014" cy="226212"/>
           </a:xfrm>
           <a:prstGeom prst="rect">
             <a:avLst/>
           </a:prstGeom>
           <a:noFill/>
+          <a:ln>
+            <a:solidFill>
+              <a:schemeClr val="accent2"/>
+            </a:solidFill>
+          </a:ln>
         </p:spPr>
         <p:style>
           <a:lnRef idx="2">
@@ -7554,10 +7703,10 @@
       </p:sp>
       <p:sp>
         <p:nvSpPr>
-          <p:cNvPr id="41" name="CasellaDiTesto 40">
-            <a:extLst>
-              <a:ext uri="{FF2B5EF4-FFF2-40B4-BE49-F238E27FC236}">
-                <a16:creationId xmlns:a16="http://schemas.microsoft.com/office/drawing/2014/main" id="{ACF3AC55-A49B-4DD9-8A96-D4F58D5808DF}"/>
+          <p:cNvPr id="21" name="CasellaDiTesto 20">
+            <a:extLst>
+              <a:ext uri="{FF2B5EF4-FFF2-40B4-BE49-F238E27FC236}">
+                <a16:creationId xmlns:a16="http://schemas.microsoft.com/office/drawing/2014/main" id="{BFA4D794-02CC-488D-9958-33428CC653EA}"/>
               </a:ext>
             </a:extLst>
           </p:cNvPr>
@@ -7566,7 +7715,7 @@
         </p:nvSpPr>
         <p:spPr>
           <a:xfrm>
-            <a:off x="3668258" y="4287837"/>
+            <a:off x="1697233" y="5713647"/>
             <a:ext cx="901209" cy="369332"/>
           </a:xfrm>
           <a:prstGeom prst="rect">
@@ -7586,337 +7735,37 @@
             </a:r>
             <a:r>
               <a:rPr lang="it-IT" dirty="0"/>
-              <a:t> 2</a:t>
-            </a:r>
-          </a:p>
-        </p:txBody>
-      </p:sp>
-      <p:sp>
-        <p:nvSpPr>
-          <p:cNvPr id="42" name="CasellaDiTesto 41">
-            <a:extLst>
-              <a:ext uri="{FF2B5EF4-FFF2-40B4-BE49-F238E27FC236}">
-                <a16:creationId xmlns:a16="http://schemas.microsoft.com/office/drawing/2014/main" id="{F84DE41D-5B77-4C0A-AB4A-0C97F350BA7C}"/>
-              </a:ext>
-            </a:extLst>
-          </p:cNvPr>
-          <p:cNvSpPr txBox="1"/>
+              <a:t> 1</a:t>
+            </a:r>
+          </a:p>
+        </p:txBody>
+      </p:sp>
+      <p:sp>
+        <p:nvSpPr>
+          <p:cNvPr id="22" name="Rettangolo 21">
+            <a:extLst>
+              <a:ext uri="{FF2B5EF4-FFF2-40B4-BE49-F238E27FC236}">
+                <a16:creationId xmlns:a16="http://schemas.microsoft.com/office/drawing/2014/main" id="{4E13C350-07B1-4FE3-A3C0-DA7DFDD2613D}"/>
+              </a:ext>
+            </a:extLst>
+          </p:cNvPr>
+          <p:cNvSpPr/>
           <p:nvPr/>
         </p:nvSpPr>
         <p:spPr>
           <a:xfrm>
-            <a:off x="5925489" y="4272519"/>
-            <a:ext cx="901209" cy="369332"/>
+            <a:off x="6636529" y="2994807"/>
+            <a:ext cx="914400" cy="740354"/>
           </a:xfrm>
           <a:prstGeom prst="rect">
             <a:avLst/>
           </a:prstGeom>
           <a:noFill/>
-        </p:spPr>
-        <p:txBody>
-          <a:bodyPr wrap="none" rtlCol="0">
-            <a:spAutoFit/>
-          </a:bodyPr>
-          <a:lstStyle/>
-          <a:p>
-            <a:r>
-              <a:rPr lang="it-IT" dirty="0" err="1"/>
-              <a:t>Node</a:t>
-            </a:r>
-            <a:r>
-              <a:rPr lang="it-IT" dirty="0"/>
-              <a:t> 3</a:t>
-            </a:r>
-          </a:p>
-        </p:txBody>
-      </p:sp>
-      <p:pic>
-        <p:nvPicPr>
-          <p:cNvPr id="12292" name="Picture 4" descr="Risultati immagini per users icon">
-            <a:extLst>
-              <a:ext uri="{FF2B5EF4-FFF2-40B4-BE49-F238E27FC236}">
-                <a16:creationId xmlns:a16="http://schemas.microsoft.com/office/drawing/2014/main" id="{7639D425-8E4E-447F-891F-BDF5B4F74C75}"/>
-              </a:ext>
-            </a:extLst>
-          </p:cNvPr>
-          <p:cNvPicPr>
-            <a:picLocks noChangeAspect="1" noChangeArrowheads="1"/>
-          </p:cNvPicPr>
-          <p:nvPr/>
-        </p:nvPicPr>
-        <p:blipFill>
-          <a:blip r:embed="rId4">
-            <a:extLst>
-              <a:ext uri="{28A0092B-C50C-407E-A947-70E740481C1C}">
-                <a14:useLocalDpi xmlns:a14="http://schemas.microsoft.com/office/drawing/2010/main" val="0"/>
-              </a:ext>
-            </a:extLst>
-          </a:blip>
-          <a:srcRect/>
-          <a:stretch>
-            <a:fillRect/>
-          </a:stretch>
-        </p:blipFill>
-        <p:spPr bwMode="auto">
-          <a:xfrm>
-            <a:off x="4375361" y="5403069"/>
-            <a:ext cx="1266825" cy="1266825"/>
-          </a:xfrm>
-          <a:prstGeom prst="rect">
-            <a:avLst/>
-          </a:prstGeom>
-          <a:noFill/>
-          <a:extLst>
-            <a:ext uri="{909E8E84-426E-40DD-AFC4-6F175D3DCCD1}">
-              <a14:hiddenFill xmlns:a14="http://schemas.microsoft.com/office/drawing/2010/main">
-                <a:solidFill>
-                  <a:srgbClr val="FFFFFF"/>
-                </a:solidFill>
-              </a14:hiddenFill>
-            </a:ext>
-          </a:extLst>
-        </p:spPr>
-      </p:pic>
-      <p:cxnSp>
-        <p:nvCxnSpPr>
-          <p:cNvPr id="14" name="Connettore 2 13">
-            <a:extLst>
-              <a:ext uri="{FF2B5EF4-FFF2-40B4-BE49-F238E27FC236}">
-                <a16:creationId xmlns:a16="http://schemas.microsoft.com/office/drawing/2014/main" id="{3932260B-199D-4324-A0F5-3B2640AEE2A9}"/>
-              </a:ext>
-            </a:extLst>
-          </p:cNvPr>
-          <p:cNvCxnSpPr>
-            <a:cxnSpLocks/>
-            <a:stCxn id="40" idx="0"/>
-            <a:endCxn id="30" idx="2"/>
-          </p:cNvCxnSpPr>
-          <p:nvPr/>
-        </p:nvCxnSpPr>
-        <p:spPr>
-          <a:xfrm flipH="1" flipV="1">
-            <a:off x="4203603" y="2564141"/>
-            <a:ext cx="3024039" cy="1717689"/>
-          </a:xfrm>
-          <a:prstGeom prst="straightConnector1">
-            <a:avLst/>
-          </a:prstGeom>
-          <a:ln w="19050">
-            <a:prstDash val="dash"/>
-            <a:tailEnd type="triangle"/>
+          <a:ln>
+            <a:solidFill>
+              <a:schemeClr val="accent1"/>
+            </a:solidFill>
           </a:ln>
-        </p:spPr>
-        <p:style>
-          <a:lnRef idx="1">
-            <a:schemeClr val="accent1"/>
-          </a:lnRef>
-          <a:fillRef idx="0">
-            <a:schemeClr val="accent1"/>
-          </a:fillRef>
-          <a:effectRef idx="0">
-            <a:schemeClr val="accent1"/>
-          </a:effectRef>
-          <a:fontRef idx="minor">
-            <a:schemeClr val="tx1"/>
-          </a:fontRef>
-        </p:style>
-      </p:cxnSp>
-      <p:cxnSp>
-        <p:nvCxnSpPr>
-          <p:cNvPr id="46" name="Connettore 2 45">
-            <a:extLst>
-              <a:ext uri="{FF2B5EF4-FFF2-40B4-BE49-F238E27FC236}">
-                <a16:creationId xmlns:a16="http://schemas.microsoft.com/office/drawing/2014/main" id="{3CA76A23-B5AC-4AE9-948C-9FCFCA1ACC6C}"/>
-              </a:ext>
-            </a:extLst>
-          </p:cNvPr>
-          <p:cNvCxnSpPr>
-            <a:cxnSpLocks/>
-            <a:stCxn id="7" idx="0"/>
-            <a:endCxn id="30" idx="2"/>
-          </p:cNvCxnSpPr>
-          <p:nvPr/>
-        </p:nvCxnSpPr>
-        <p:spPr>
-          <a:xfrm flipH="1" flipV="1">
-            <a:off x="4203603" y="2564141"/>
-            <a:ext cx="805171" cy="1708378"/>
-          </a:xfrm>
-          <a:prstGeom prst="straightConnector1">
-            <a:avLst/>
-          </a:prstGeom>
-          <a:ln w="19050">
-            <a:prstDash val="dash"/>
-            <a:tailEnd type="triangle"/>
-          </a:ln>
-        </p:spPr>
-        <p:style>
-          <a:lnRef idx="1">
-            <a:schemeClr val="accent1"/>
-          </a:lnRef>
-          <a:fillRef idx="0">
-            <a:schemeClr val="accent1"/>
-          </a:fillRef>
-          <a:effectRef idx="0">
-            <a:schemeClr val="accent1"/>
-          </a:effectRef>
-          <a:fontRef idx="minor">
-            <a:schemeClr val="tx1"/>
-          </a:fontRef>
-        </p:style>
-      </p:cxnSp>
-      <p:cxnSp>
-        <p:nvCxnSpPr>
-          <p:cNvPr id="49" name="Connettore 2 48">
-            <a:extLst>
-              <a:ext uri="{FF2B5EF4-FFF2-40B4-BE49-F238E27FC236}">
-                <a16:creationId xmlns:a16="http://schemas.microsoft.com/office/drawing/2014/main" id="{506CB3B6-BAFC-4943-B4E7-9E9DFE287041}"/>
-              </a:ext>
-            </a:extLst>
-          </p:cNvPr>
-          <p:cNvCxnSpPr>
-            <a:cxnSpLocks/>
-            <a:stCxn id="12292" idx="0"/>
-            <a:endCxn id="40" idx="2"/>
-          </p:cNvCxnSpPr>
-          <p:nvPr/>
-        </p:nvCxnSpPr>
-        <p:spPr>
-          <a:xfrm flipV="1">
-            <a:off x="5008774" y="4495586"/>
-            <a:ext cx="2218868" cy="907483"/>
-          </a:xfrm>
-          <a:prstGeom prst="straightConnector1">
-            <a:avLst/>
-          </a:prstGeom>
-          <a:ln w="19050">
-            <a:solidFill>
-              <a:schemeClr val="accent2"/>
-            </a:solidFill>
-            <a:prstDash val="solid"/>
-            <a:tailEnd type="triangle"/>
-          </a:ln>
-        </p:spPr>
-        <p:style>
-          <a:lnRef idx="1">
-            <a:schemeClr val="accent1"/>
-          </a:lnRef>
-          <a:fillRef idx="0">
-            <a:schemeClr val="accent1"/>
-          </a:fillRef>
-          <a:effectRef idx="0">
-            <a:schemeClr val="accent1"/>
-          </a:effectRef>
-          <a:fontRef idx="minor">
-            <a:schemeClr val="tx1"/>
-          </a:fontRef>
-        </p:style>
-      </p:cxnSp>
-      <p:cxnSp>
-        <p:nvCxnSpPr>
-          <p:cNvPr id="52" name="Connettore 2 51">
-            <a:extLst>
-              <a:ext uri="{FF2B5EF4-FFF2-40B4-BE49-F238E27FC236}">
-                <a16:creationId xmlns:a16="http://schemas.microsoft.com/office/drawing/2014/main" id="{DAC8679D-01E4-4196-AABC-C1763B1292F9}"/>
-              </a:ext>
-            </a:extLst>
-          </p:cNvPr>
-          <p:cNvCxnSpPr>
-            <a:cxnSpLocks/>
-            <a:stCxn id="12292" idx="0"/>
-            <a:endCxn id="7" idx="2"/>
-          </p:cNvCxnSpPr>
-          <p:nvPr/>
-        </p:nvCxnSpPr>
-        <p:spPr>
-          <a:xfrm flipV="1">
-            <a:off x="5008774" y="4486275"/>
-            <a:ext cx="0" cy="916794"/>
-          </a:xfrm>
-          <a:prstGeom prst="straightConnector1">
-            <a:avLst/>
-          </a:prstGeom>
-          <a:ln w="19050">
-            <a:solidFill>
-              <a:schemeClr val="accent2"/>
-            </a:solidFill>
-            <a:prstDash val="solid"/>
-            <a:tailEnd type="triangle"/>
-          </a:ln>
-        </p:spPr>
-        <p:style>
-          <a:lnRef idx="1">
-            <a:schemeClr val="accent1"/>
-          </a:lnRef>
-          <a:fillRef idx="0">
-            <a:schemeClr val="accent1"/>
-          </a:fillRef>
-          <a:effectRef idx="0">
-            <a:schemeClr val="accent1"/>
-          </a:effectRef>
-          <a:fontRef idx="minor">
-            <a:schemeClr val="tx1"/>
-          </a:fontRef>
-        </p:style>
-      </p:cxnSp>
-      <p:sp>
-        <p:nvSpPr>
-          <p:cNvPr id="57" name="CasellaDiTesto 56">
-            <a:extLst>
-              <a:ext uri="{FF2B5EF4-FFF2-40B4-BE49-F238E27FC236}">
-                <a16:creationId xmlns:a16="http://schemas.microsoft.com/office/drawing/2014/main" id="{44FC1145-D13A-4F46-A992-C445AA26BA74}"/>
-              </a:ext>
-            </a:extLst>
-          </p:cNvPr>
-          <p:cNvSpPr txBox="1"/>
-          <p:nvPr/>
-        </p:nvSpPr>
-        <p:spPr>
-          <a:xfrm>
-            <a:off x="2618493" y="4237957"/>
-            <a:ext cx="585417" cy="276999"/>
-          </a:xfrm>
-          <a:prstGeom prst="rect">
-            <a:avLst/>
-          </a:prstGeom>
-          <a:noFill/>
-        </p:spPr>
-        <p:txBody>
-          <a:bodyPr wrap="none" rtlCol="0">
-            <a:spAutoFit/>
-          </a:bodyPr>
-          <a:lstStyle/>
-          <a:p>
-            <a:r>
-              <a:rPr lang="it-IT" sz="1200" dirty="0"/>
-              <a:t>32465</a:t>
-            </a:r>
-          </a:p>
-        </p:txBody>
-      </p:sp>
-      <p:sp>
-        <p:nvSpPr>
-          <p:cNvPr id="58" name="Rettangolo 57">
-            <a:extLst>
-              <a:ext uri="{FF2B5EF4-FFF2-40B4-BE49-F238E27FC236}">
-                <a16:creationId xmlns:a16="http://schemas.microsoft.com/office/drawing/2014/main" id="{D3860248-DCC0-423D-B761-FD21D19A8C3E}"/>
-              </a:ext>
-            </a:extLst>
-          </p:cNvPr>
-          <p:cNvSpPr/>
-          <p:nvPr/>
-        </p:nvSpPr>
-        <p:spPr>
-          <a:xfrm>
-            <a:off x="1266098" y="1526379"/>
-            <a:ext cx="1845129" cy="2743200"/>
-          </a:xfrm>
-          <a:prstGeom prst="rect">
-            <a:avLst/>
-          </a:prstGeom>
-          <a:solidFill>
-            <a:schemeClr val="bg1"/>
-          </a:solidFill>
         </p:spPr>
         <p:style>
           <a:lnRef idx="2">
@@ -7945,45 +7794,10 @@
       </p:sp>
       <p:sp>
         <p:nvSpPr>
-          <p:cNvPr id="59" name="CasellaDiTesto 58">
-            <a:extLst>
-              <a:ext uri="{FF2B5EF4-FFF2-40B4-BE49-F238E27FC236}">
-                <a16:creationId xmlns:a16="http://schemas.microsoft.com/office/drawing/2014/main" id="{C10D9C76-FC4B-4DDA-9261-877E040933C3}"/>
-              </a:ext>
-            </a:extLst>
-          </p:cNvPr>
-          <p:cNvSpPr txBox="1"/>
-          <p:nvPr/>
-        </p:nvSpPr>
-        <p:spPr>
-          <a:xfrm>
-            <a:off x="1237505" y="3992580"/>
-            <a:ext cx="1234633" cy="276999"/>
-          </a:xfrm>
-          <a:prstGeom prst="rect">
-            <a:avLst/>
-          </a:prstGeom>
-          <a:noFill/>
-        </p:spPr>
-        <p:txBody>
-          <a:bodyPr wrap="none" rtlCol="0">
-            <a:spAutoFit/>
-          </a:bodyPr>
-          <a:lstStyle/>
-          <a:p>
-            <a:r>
-              <a:rPr lang="it-IT" sz="1200" dirty="0"/>
-              <a:t>10.115.134.129</a:t>
-            </a:r>
-          </a:p>
-        </p:txBody>
-      </p:sp>
-      <p:sp>
-        <p:nvSpPr>
-          <p:cNvPr id="65" name="Rettangolo 64">
-            <a:extLst>
-              <a:ext uri="{FF2B5EF4-FFF2-40B4-BE49-F238E27FC236}">
-                <a16:creationId xmlns:a16="http://schemas.microsoft.com/office/drawing/2014/main" id="{3D6DBF33-5B17-407E-9BAF-B03CEDA620E8}"/>
+          <p:cNvPr id="23" name="Rettangolo 22">
+            <a:extLst>
+              <a:ext uri="{FF2B5EF4-FFF2-40B4-BE49-F238E27FC236}">
+                <a16:creationId xmlns:a16="http://schemas.microsoft.com/office/drawing/2014/main" id="{06176A9A-BF6F-4D67-8D66-084BF76CA670}"/>
               </a:ext>
             </a:extLst>
           </p:cNvPr>
@@ -7992,8 +7806,8 @@
         </p:nvSpPr>
         <p:spPr>
           <a:xfrm>
-            <a:off x="1315160" y="4011745"/>
-            <a:ext cx="1094014" cy="226212"/>
+            <a:off x="7203291" y="3731281"/>
+            <a:ext cx="347638" cy="219857"/>
           </a:xfrm>
           <a:prstGeom prst="rect">
             <a:avLst/>
@@ -8032,25 +7846,114 @@
       </p:sp>
       <p:sp>
         <p:nvSpPr>
-          <p:cNvPr id="66" name="Rettangolo 65">
-            <a:extLst>
-              <a:ext uri="{FF2B5EF4-FFF2-40B4-BE49-F238E27FC236}">
-                <a16:creationId xmlns:a16="http://schemas.microsoft.com/office/drawing/2014/main" id="{DCC1EE32-A055-4184-9929-1DCAB3D65E51}"/>
-              </a:ext>
-            </a:extLst>
-          </p:cNvPr>
-          <p:cNvSpPr/>
+          <p:cNvPr id="24" name="CasellaDiTesto 23">
+            <a:extLst>
+              <a:ext uri="{FF2B5EF4-FFF2-40B4-BE49-F238E27FC236}">
+                <a16:creationId xmlns:a16="http://schemas.microsoft.com/office/drawing/2014/main" id="{C49248FD-BED3-4BF2-8F04-5D9197C9E78B}"/>
+              </a:ext>
+            </a:extLst>
+          </p:cNvPr>
+          <p:cNvSpPr txBox="1"/>
           <p:nvPr/>
         </p:nvSpPr>
         <p:spPr>
           <a:xfrm>
-            <a:off x="2670356" y="4269579"/>
-            <a:ext cx="440871" cy="213756"/>
+            <a:off x="7133239" y="3710404"/>
+            <a:ext cx="479618" cy="261610"/>
           </a:xfrm>
           <a:prstGeom prst="rect">
             <a:avLst/>
           </a:prstGeom>
           <a:noFill/>
+        </p:spPr>
+        <p:txBody>
+          <a:bodyPr wrap="none" rtlCol="0">
+            <a:spAutoFit/>
+          </a:bodyPr>
+          <a:lstStyle/>
+          <a:p>
+            <a:r>
+              <a:rPr lang="it-IT" sz="1100" dirty="0"/>
+              <a:t>3306</a:t>
+            </a:r>
+          </a:p>
+        </p:txBody>
+      </p:sp>
+      <p:pic>
+        <p:nvPicPr>
+          <p:cNvPr id="25" name="Picture 2" descr="Risultati immagini per mysql icon">
+            <a:extLst>
+              <a:ext uri="{FF2B5EF4-FFF2-40B4-BE49-F238E27FC236}">
+                <a16:creationId xmlns:a16="http://schemas.microsoft.com/office/drawing/2014/main" id="{C4118678-27ED-48AE-9249-51755851DCA7}"/>
+              </a:ext>
+            </a:extLst>
+          </p:cNvPr>
+          <p:cNvPicPr>
+            <a:picLocks noChangeAspect="1" noChangeArrowheads="1"/>
+          </p:cNvPicPr>
+          <p:nvPr/>
+        </p:nvPicPr>
+        <p:blipFill>
+          <a:blip r:embed="rId4">
+            <a:extLst>
+              <a:ext uri="{28A0092B-C50C-407E-A947-70E740481C1C}">
+                <a14:useLocalDpi xmlns:a14="http://schemas.microsoft.com/office/drawing/2010/main" val="0"/>
+              </a:ext>
+            </a:extLst>
+          </a:blip>
+          <a:srcRect/>
+          <a:stretch>
+            <a:fillRect/>
+          </a:stretch>
+        </p:blipFill>
+        <p:spPr bwMode="auto">
+          <a:xfrm>
+            <a:off x="6741403" y="2989362"/>
+            <a:ext cx="560703" cy="560703"/>
+          </a:xfrm>
+          <a:prstGeom prst="rect">
+            <a:avLst/>
+          </a:prstGeom>
+          <a:noFill/>
+          <a:extLst>
+            <a:ext uri="{909E8E84-426E-40DD-AFC4-6F175D3DCCD1}">
+              <a14:hiddenFill xmlns:a14="http://schemas.microsoft.com/office/drawing/2010/main">
+                <a:solidFill>
+                  <a:srgbClr val="FFFFFF"/>
+                </a:solidFill>
+              </a14:hiddenFill>
+            </a:ext>
+          </a:extLst>
+        </p:spPr>
+      </p:pic>
+      <p:sp>
+        <p:nvSpPr>
+          <p:cNvPr id="26" name="Rombo 25">
+            <a:extLst>
+              <a:ext uri="{FF2B5EF4-FFF2-40B4-BE49-F238E27FC236}">
+                <a16:creationId xmlns:a16="http://schemas.microsoft.com/office/drawing/2014/main" id="{32CD862F-1C78-4C4F-9F94-163102AFAC00}"/>
+              </a:ext>
+            </a:extLst>
+          </p:cNvPr>
+          <p:cNvSpPr/>
+          <p:nvPr/>
+        </p:nvSpPr>
+        <p:spPr>
+          <a:xfrm>
+            <a:off x="4887744" y="3582246"/>
+            <a:ext cx="1374852" cy="1320800"/>
+          </a:xfrm>
+          <a:prstGeom prst="diamond">
+            <a:avLst/>
+          </a:prstGeom>
+          <a:solidFill>
+            <a:schemeClr val="bg1"/>
+          </a:solidFill>
+          <a:ln>
+            <a:solidFill>
+              <a:schemeClr val="accent4"/>
+            </a:solidFill>
+          </a:ln>
         </p:spPr>
         <p:style>
           <a:lnRef idx="2">
@@ -8073,16 +7976,20 @@
           <a:lstStyle/>
           <a:p>
             <a:pPr algn="ctr"/>
-            <a:endParaRPr lang="it-IT"/>
-          </a:p>
-        </p:txBody>
-      </p:sp>
-      <p:sp>
-        <p:nvSpPr>
-          <p:cNvPr id="67" name="CasellaDiTesto 66">
-            <a:extLst>
-              <a:ext uri="{FF2B5EF4-FFF2-40B4-BE49-F238E27FC236}">
-                <a16:creationId xmlns:a16="http://schemas.microsoft.com/office/drawing/2014/main" id="{FE418E98-7248-4A7D-9079-2A7B8BC407FD}"/>
+            <a:endParaRPr lang="it-IT" sz="700" dirty="0">
+              <a:solidFill>
+                <a:schemeClr val="tx1"/>
+              </a:solidFill>
+            </a:endParaRPr>
+          </a:p>
+        </p:txBody>
+      </p:sp>
+      <p:sp>
+        <p:nvSpPr>
+          <p:cNvPr id="27" name="CasellaDiTesto 26">
+            <a:extLst>
+              <a:ext uri="{FF2B5EF4-FFF2-40B4-BE49-F238E27FC236}">
+                <a16:creationId xmlns:a16="http://schemas.microsoft.com/office/drawing/2014/main" id="{5BE79887-D0B3-4495-8E08-63CB1618AEE9}"/>
               </a:ext>
             </a:extLst>
           </p:cNvPr>
@@ -8091,8 +7998,8 @@
         </p:nvSpPr>
         <p:spPr>
           <a:xfrm>
-            <a:off x="1550276" y="4284897"/>
-            <a:ext cx="901209" cy="369332"/>
+            <a:off x="5222105" y="4021680"/>
+            <a:ext cx="679994" cy="461665"/>
           </a:xfrm>
           <a:prstGeom prst="rect">
             <a:avLst/>
@@ -8105,54 +8012,132 @@
           </a:bodyPr>
           <a:lstStyle/>
           <a:p>
-            <a:r>
-              <a:rPr lang="it-IT" dirty="0" err="1"/>
-              <a:t>Node</a:t>
-            </a:r>
-            <a:r>
-              <a:rPr lang="it-IT" dirty="0"/>
-              <a:t> 1</a:t>
+            <a:pPr algn="ctr"/>
+            <a:r>
+              <a:rPr lang="it-IT" sz="1200" dirty="0" err="1"/>
+              <a:t>mysql</a:t>
+            </a:r>
+            <a:endParaRPr lang="it-IT" sz="1200" dirty="0"/>
+          </a:p>
+          <a:p>
+            <a:pPr algn="ctr"/>
+            <a:r>
+              <a:rPr lang="it-IT" sz="1200" dirty="0"/>
+              <a:t>Service</a:t>
+            </a:r>
+          </a:p>
+        </p:txBody>
+      </p:sp>
+      <p:sp>
+        <p:nvSpPr>
+          <p:cNvPr id="28" name="Rettangolo 27">
+            <a:extLst>
+              <a:ext uri="{FF2B5EF4-FFF2-40B4-BE49-F238E27FC236}">
+                <a16:creationId xmlns:a16="http://schemas.microsoft.com/office/drawing/2014/main" id="{AF12F91A-6A7D-474F-A1D9-22A9BAAD26D4}"/>
+              </a:ext>
+            </a:extLst>
+          </p:cNvPr>
+          <p:cNvSpPr/>
+          <p:nvPr/>
+        </p:nvSpPr>
+        <p:spPr>
+          <a:xfrm>
+            <a:off x="4887744" y="4924880"/>
+            <a:ext cx="1525193" cy="441840"/>
+          </a:xfrm>
+          <a:prstGeom prst="rect">
+            <a:avLst/>
+          </a:prstGeom>
+          <a:solidFill>
+            <a:schemeClr val="bg1"/>
+          </a:solidFill>
+          <a:ln>
+            <a:solidFill>
+              <a:schemeClr val="accent4"/>
+            </a:solidFill>
+          </a:ln>
+        </p:spPr>
+        <p:style>
+          <a:lnRef idx="2">
+            <a:schemeClr val="accent1">
+              <a:shade val="50000"/>
+            </a:schemeClr>
+          </a:lnRef>
+          <a:fillRef idx="1">
+            <a:schemeClr val="accent1"/>
+          </a:fillRef>
+          <a:effectRef idx="0">
+            <a:schemeClr val="accent1"/>
+          </a:effectRef>
+          <a:fontRef idx="minor">
+            <a:schemeClr val="lt1"/>
+          </a:fontRef>
+        </p:style>
+        <p:txBody>
+          <a:bodyPr rtlCol="0" anchor="ctr"/>
+          <a:lstStyle/>
+          <a:p>
+            <a:pPr algn="ctr"/>
+            <a:r>
+              <a:rPr lang="it-IT" sz="1100" dirty="0">
+                <a:solidFill>
+                  <a:schemeClr val="tx1"/>
+                </a:solidFill>
+              </a:rPr>
+              <a:t>10.108.134.167:3306</a:t>
+            </a:r>
+          </a:p>
+          <a:p>
+            <a:pPr algn="ctr"/>
+            <a:r>
+              <a:rPr lang="it-IT" sz="1100" dirty="0">
+                <a:solidFill>
+                  <a:schemeClr val="tx1"/>
+                </a:solidFill>
+              </a:rPr>
+              <a:t>mysql:3306</a:t>
             </a:r>
           </a:p>
         </p:txBody>
       </p:sp>
       <p:cxnSp>
         <p:nvCxnSpPr>
-          <p:cNvPr id="68" name="Connettore 2 67">
-            <a:extLst>
-              <a:ext uri="{FF2B5EF4-FFF2-40B4-BE49-F238E27FC236}">
-                <a16:creationId xmlns:a16="http://schemas.microsoft.com/office/drawing/2014/main" id="{ABBC4CF5-01D5-40C0-972B-55ABBD8BB997}"/>
+          <p:cNvPr id="29" name="Connettore a gomito 28">
+            <a:extLst>
+              <a:ext uri="{FF2B5EF4-FFF2-40B4-BE49-F238E27FC236}">
+                <a16:creationId xmlns:a16="http://schemas.microsoft.com/office/drawing/2014/main" id="{F7D5192B-2CF4-4743-ABEE-03D6239B02E4}"/>
               </a:ext>
             </a:extLst>
           </p:cNvPr>
           <p:cNvCxnSpPr>
             <a:cxnSpLocks/>
-            <a:stCxn id="57" idx="0"/>
-            <a:endCxn id="6" idx="2"/>
+            <a:stCxn id="9" idx="3"/>
+            <a:endCxn id="28" idx="1"/>
           </p:cNvCxnSpPr>
           <p:nvPr/>
         </p:nvCxnSpPr>
         <p:spPr>
-          <a:xfrm flipV="1">
-            <a:off x="2911202" y="2522388"/>
-            <a:ext cx="1278774" cy="1715569"/>
-          </a:xfrm>
-          <a:prstGeom prst="straightConnector1">
-            <a:avLst/>
+          <a:xfrm>
+            <a:off x="4510752" y="3364984"/>
+            <a:ext cx="376992" cy="1780816"/>
+          </a:xfrm>
+          <a:prstGeom prst="bentConnector3">
+            <a:avLst>
+              <a:gd name="adj1" fmla="val 50000"/>
+            </a:avLst>
           </a:prstGeom>
-          <a:ln w="19050">
-            <a:prstDash val="dash"/>
+          <a:ln>
             <a:tailEnd type="triangle"/>
           </a:ln>
         </p:spPr>
         <p:style>
-          <a:lnRef idx="1">
+          <a:lnRef idx="2">
             <a:schemeClr val="accent1"/>
           </a:lnRef>
           <a:fillRef idx="0">
             <a:schemeClr val="accent1"/>
           </a:fillRef>
-          <a:effectRef idx="0">
+          <a:effectRef idx="1">
             <a:schemeClr val="accent1"/>
           </a:effectRef>
           <a:fontRef idx="minor">
@@ -8162,44 +8147,40 @@
       </p:cxnSp>
       <p:cxnSp>
         <p:nvCxnSpPr>
-          <p:cNvPr id="71" name="Connettore 2 70">
-            <a:extLst>
-              <a:ext uri="{FF2B5EF4-FFF2-40B4-BE49-F238E27FC236}">
-                <a16:creationId xmlns:a16="http://schemas.microsoft.com/office/drawing/2014/main" id="{0918F15D-6D92-4CA9-9513-A64FC886FCDC}"/>
+          <p:cNvPr id="30" name="Connettore a gomito 29">
+            <a:extLst>
+              <a:ext uri="{FF2B5EF4-FFF2-40B4-BE49-F238E27FC236}">
+                <a16:creationId xmlns:a16="http://schemas.microsoft.com/office/drawing/2014/main" id="{5DF551C5-FE9F-4FD9-9B2C-53F5F3EE16A9}"/>
               </a:ext>
             </a:extLst>
           </p:cNvPr>
           <p:cNvCxnSpPr>
             <a:cxnSpLocks/>
-            <a:stCxn id="12292" idx="0"/>
-            <a:endCxn id="66" idx="2"/>
+            <a:stCxn id="28" idx="3"/>
+            <a:endCxn id="24" idx="2"/>
           </p:cNvCxnSpPr>
           <p:nvPr/>
         </p:nvCxnSpPr>
         <p:spPr>
-          <a:xfrm flipH="1" flipV="1">
-            <a:off x="2890792" y="4483335"/>
-            <a:ext cx="2117982" cy="919734"/>
-          </a:xfrm>
-          <a:prstGeom prst="straightConnector1">
+          <a:xfrm flipV="1">
+            <a:off x="6412937" y="3972014"/>
+            <a:ext cx="960111" cy="1173786"/>
+          </a:xfrm>
+          <a:prstGeom prst="bentConnector2">
             <a:avLst/>
           </a:prstGeom>
-          <a:ln w="19050">
-            <a:solidFill>
-              <a:schemeClr val="accent2"/>
-            </a:solidFill>
-            <a:prstDash val="solid"/>
+          <a:ln>
             <a:tailEnd type="triangle"/>
           </a:ln>
         </p:spPr>
         <p:style>
-          <a:lnRef idx="1">
+          <a:lnRef idx="2">
             <a:schemeClr val="accent1"/>
           </a:lnRef>
           <a:fillRef idx="0">
             <a:schemeClr val="accent1"/>
           </a:fillRef>
-          <a:effectRef idx="0">
+          <a:effectRef idx="1">
             <a:schemeClr val="accent1"/>
           </a:effectRef>
           <a:fontRef idx="minor">
@@ -8207,10 +8188,45 @@
           </a:fontRef>
         </p:style>
       </p:cxnSp>
+      <p:sp>
+        <p:nvSpPr>
+          <p:cNvPr id="31" name="CasellaDiTesto 30">
+            <a:extLst>
+              <a:ext uri="{FF2B5EF4-FFF2-40B4-BE49-F238E27FC236}">
+                <a16:creationId xmlns:a16="http://schemas.microsoft.com/office/drawing/2014/main" id="{00D84A4C-5F2D-40C0-BF21-8526C6FED0E5}"/>
+              </a:ext>
+            </a:extLst>
+          </p:cNvPr>
+          <p:cNvSpPr txBox="1"/>
+          <p:nvPr/>
+        </p:nvSpPr>
+        <p:spPr>
+          <a:xfrm>
+            <a:off x="6579549" y="3459100"/>
+            <a:ext cx="1002197" cy="261610"/>
+          </a:xfrm>
+          <a:prstGeom prst="rect">
+            <a:avLst/>
+          </a:prstGeom>
+          <a:noFill/>
+        </p:spPr>
+        <p:txBody>
+          <a:bodyPr wrap="none" rtlCol="0">
+            <a:spAutoFit/>
+          </a:bodyPr>
+          <a:lstStyle/>
+          <a:p>
+            <a:r>
+              <a:rPr lang="it-IT" sz="1100" dirty="0"/>
+              <a:t>192.168.0.87</a:t>
+            </a:r>
+          </a:p>
+        </p:txBody>
+      </p:sp>
     </p:spTree>
     <p:extLst>
       <p:ext uri="{BB962C8B-B14F-4D97-AF65-F5344CB8AC3E}">
-        <p14:creationId xmlns:p14="http://schemas.microsoft.com/office/powerpoint/2010/main" val="2864086672"/>
+        <p14:creationId xmlns:p14="http://schemas.microsoft.com/office/powerpoint/2010/main" val="776424517"/>
       </p:ext>
     </p:extLst>
   </p:cSld>
@@ -8611,13 +8627,8 @@
           <a:p>
             <a:r>
               <a:rPr lang="it-IT" dirty="0"/>
-              <a:t>Service </a:t>
-            </a:r>
-            <a:r>
-              <a:rPr lang="it-IT" dirty="0" err="1"/>
-              <a:t>ClusterIP</a:t>
-            </a:r>
-            <a:endParaRPr lang="it-IT" dirty="0"/>
+              <a:t>Secret</a:t>
+            </a:r>
           </a:p>
         </p:txBody>
       </p:sp>
@@ -8686,27 +8697,71 @@
         </p:nvSpPr>
         <p:spPr/>
         <p:txBody>
-          <a:bodyPr>
-            <a:normAutofit/>
-          </a:bodyPr>
+          <a:bodyPr/>
           <a:lstStyle/>
           <a:p>
             <a:pPr fontAlgn="base"/>
             <a:r>
-              <a:rPr lang="en-US" sz="2000" b="1" dirty="0" err="1"/>
-              <a:t>ClusterIP</a:t>
-            </a:r>
-            <a:r>
               <a:rPr lang="en-US" sz="2000" dirty="0"/>
-              <a:t> services exposes a service on a strictly cluster internal virtual IP.</a:t>
-            </a:r>
+              <a:t>Functionally identical to a </a:t>
+            </a:r>
+            <a:r>
+              <a:rPr lang="en-US" sz="2000" dirty="0" err="1"/>
+              <a:t>ConfigMap</a:t>
+            </a:r>
+            <a:r>
+              <a:rPr lang="en-US" sz="2000" dirty="0"/>
+              <a:t>.</a:t>
+            </a:r>
+          </a:p>
+          <a:p>
+            <a:pPr fontAlgn="base"/>
+            <a:endParaRPr lang="en-US" sz="2000" dirty="0"/>
+          </a:p>
+          <a:p>
+            <a:pPr fontAlgn="base"/>
+            <a:r>
+              <a:rPr lang="en-US" sz="2000" dirty="0"/>
+              <a:t>Stored as </a:t>
+            </a:r>
+            <a:r>
+              <a:rPr lang="en-US" sz="2000" b="1" dirty="0"/>
+              <a:t>base64 encoded content.</a:t>
+            </a:r>
+            <a:endParaRPr lang="en-US" sz="2000" dirty="0"/>
+          </a:p>
+          <a:p>
+            <a:pPr fontAlgn="base"/>
+            <a:endParaRPr lang="en-US" sz="2000" dirty="0"/>
+          </a:p>
+          <a:p>
+            <a:pPr fontAlgn="base"/>
+            <a:r>
+              <a:rPr lang="en-US" sz="2000" dirty="0"/>
+              <a:t>Ideal for username/passwords, certificates or other sensitive information that should not be stored in a container.</a:t>
+            </a:r>
+          </a:p>
+          <a:p>
+            <a:pPr fontAlgn="base"/>
+            <a:endParaRPr lang="en-US" sz="2000" dirty="0"/>
+          </a:p>
+          <a:p>
+            <a:pPr fontAlgn="base"/>
+            <a:r>
+              <a:rPr lang="en-US" sz="2000" dirty="0"/>
+              <a:t>Can be created from a manifest, literals, directories, or from files directly.</a:t>
+            </a:r>
+          </a:p>
+          <a:p>
+            <a:pPr fontAlgn="base"/>
+            <a:endParaRPr lang="en-US" dirty="0"/>
           </a:p>
         </p:txBody>
       </p:sp>
     </p:spTree>
     <p:extLst>
       <p:ext uri="{BB962C8B-B14F-4D97-AF65-F5344CB8AC3E}">
-        <p14:creationId xmlns:p14="http://schemas.microsoft.com/office/powerpoint/2010/main" val="776424517"/>
+        <p14:creationId xmlns:p14="http://schemas.microsoft.com/office/powerpoint/2010/main" val="2540725245"/>
       </p:ext>
     </p:extLst>
   </p:cSld>
@@ -8735,108 +8790,10 @@
       </p:grpSpPr>
       <p:sp>
         <p:nvSpPr>
-          <p:cNvPr id="4" name="Rettangolo 3">
-            <a:extLst>
-              <a:ext uri="{FF2B5EF4-FFF2-40B4-BE49-F238E27FC236}">
-                <a16:creationId xmlns:a16="http://schemas.microsoft.com/office/drawing/2014/main" id="{57CE466D-8C75-4E04-A2A2-687F80849927}"/>
-              </a:ext>
-            </a:extLst>
-          </p:cNvPr>
-          <p:cNvSpPr/>
-          <p:nvPr/>
-        </p:nvSpPr>
-        <p:spPr>
-          <a:xfrm>
-            <a:off x="3384080" y="1529319"/>
-            <a:ext cx="1845129" cy="2743200"/>
-          </a:xfrm>
-          <a:prstGeom prst="rect">
-            <a:avLst/>
-          </a:prstGeom>
-          <a:solidFill>
-            <a:schemeClr val="bg1"/>
-          </a:solidFill>
-        </p:spPr>
-        <p:style>
-          <a:lnRef idx="2">
-            <a:schemeClr val="accent1">
-              <a:shade val="50000"/>
-            </a:schemeClr>
-          </a:lnRef>
-          <a:fillRef idx="1">
-            <a:schemeClr val="accent1"/>
-          </a:fillRef>
-          <a:effectRef idx="0">
-            <a:schemeClr val="accent1"/>
-          </a:effectRef>
-          <a:fontRef idx="minor">
-            <a:schemeClr val="lt1"/>
-          </a:fontRef>
-        </p:style>
-        <p:txBody>
-          <a:bodyPr rtlCol="0" anchor="ctr"/>
-          <a:lstStyle/>
-          <a:p>
-            <a:pPr algn="ctr"/>
-            <a:endParaRPr lang="it-IT"/>
-          </a:p>
-        </p:txBody>
-      </p:sp>
-      <p:sp>
-        <p:nvSpPr>
-          <p:cNvPr id="26" name="Rettangolo 25">
-            <a:extLst>
-              <a:ext uri="{FF2B5EF4-FFF2-40B4-BE49-F238E27FC236}">
-                <a16:creationId xmlns:a16="http://schemas.microsoft.com/office/drawing/2014/main" id="{F66F6ED8-EAA6-4FDA-AFF5-FC3BD82DC792}"/>
-              </a:ext>
-            </a:extLst>
-          </p:cNvPr>
-          <p:cNvSpPr/>
-          <p:nvPr/>
-        </p:nvSpPr>
-        <p:spPr>
-          <a:xfrm>
-            <a:off x="5603404" y="1536451"/>
-            <a:ext cx="1845129" cy="2743200"/>
-          </a:xfrm>
-          <a:prstGeom prst="rect">
-            <a:avLst/>
-          </a:prstGeom>
-          <a:solidFill>
-            <a:schemeClr val="bg1"/>
-          </a:solidFill>
-        </p:spPr>
-        <p:style>
-          <a:lnRef idx="2">
-            <a:schemeClr val="accent1">
-              <a:shade val="50000"/>
-            </a:schemeClr>
-          </a:lnRef>
-          <a:fillRef idx="1">
-            <a:schemeClr val="accent1"/>
-          </a:fillRef>
-          <a:effectRef idx="0">
-            <a:schemeClr val="accent1"/>
-          </a:effectRef>
-          <a:fontRef idx="minor">
-            <a:schemeClr val="lt1"/>
-          </a:fontRef>
-        </p:style>
-        <p:txBody>
-          <a:bodyPr rtlCol="0" anchor="ctr"/>
-          <a:lstStyle/>
-          <a:p>
-            <a:pPr algn="ctr"/>
-            <a:endParaRPr lang="it-IT" dirty="0"/>
-          </a:p>
-        </p:txBody>
-      </p:sp>
-      <p:sp>
-        <p:nvSpPr>
           <p:cNvPr id="2" name="Titolo 1">
             <a:extLst>
               <a:ext uri="{FF2B5EF4-FFF2-40B4-BE49-F238E27FC236}">
-                <a16:creationId xmlns:a16="http://schemas.microsoft.com/office/drawing/2014/main" id="{390F3EB2-CCD3-4263-8C51-13A0788C3F71}"/>
+                <a16:creationId xmlns:a16="http://schemas.microsoft.com/office/drawing/2014/main" id="{23BC9074-18A7-45BD-8893-27579CE5DA19}"/>
               </a:ext>
             </a:extLst>
           </p:cNvPr>
@@ -8854,1198 +8811,40 @@
           <a:p>
             <a:r>
               <a:rPr lang="it-IT" dirty="0"/>
-              <a:t>Service </a:t>
-            </a:r>
-            <a:r>
-              <a:rPr lang="it-IT" dirty="0" err="1"/>
-              <a:t>ClusterIP</a:t>
-            </a:r>
-            <a:endParaRPr lang="it-IT" dirty="0"/>
-          </a:p>
-        </p:txBody>
-      </p:sp>
-      <p:pic>
-        <p:nvPicPr>
-          <p:cNvPr id="2052" name="Picture 4" descr="Risultati immagini per kubernetes logo">
-            <a:extLst>
-              <a:ext uri="{FF2B5EF4-FFF2-40B4-BE49-F238E27FC236}">
-                <a16:creationId xmlns:a16="http://schemas.microsoft.com/office/drawing/2014/main" id="{2EF0C7C2-B372-4C6C-8620-3476E8ABBDF5}"/>
-              </a:ext>
-            </a:extLst>
-          </p:cNvPr>
-          <p:cNvPicPr>
-            <a:picLocks noChangeAspect="1" noChangeArrowheads="1"/>
-          </p:cNvPicPr>
-          <p:nvPr/>
-        </p:nvPicPr>
-        <p:blipFill>
-          <a:blip r:embed="rId2">
-            <a:extLst>
-              <a:ext uri="{28A0092B-C50C-407E-A947-70E740481C1C}">
-                <a14:useLocalDpi xmlns:a14="http://schemas.microsoft.com/office/drawing/2010/main" val="0"/>
-              </a:ext>
-            </a:extLst>
-          </a:blip>
-          <a:srcRect/>
-          <a:stretch>
-            <a:fillRect/>
-          </a:stretch>
-        </p:blipFill>
-        <p:spPr bwMode="auto">
-          <a:xfrm>
-            <a:off x="7849959" y="379411"/>
-            <a:ext cx="3868511" cy="835659"/>
-          </a:xfrm>
-          <a:prstGeom prst="rect">
-            <a:avLst/>
-          </a:prstGeom>
-          <a:noFill/>
-          <a:extLst>
-            <a:ext uri="{909E8E84-426E-40DD-AFC4-6F175D3DCCD1}">
-              <a14:hiddenFill xmlns:a14="http://schemas.microsoft.com/office/drawing/2010/main">
-                <a:solidFill>
-                  <a:srgbClr val="FFFFFF"/>
-                </a:solidFill>
-              </a14:hiddenFill>
-            </a:ext>
-          </a:extLst>
-        </p:spPr>
-      </p:pic>
-      <p:sp>
-        <p:nvSpPr>
-          <p:cNvPr id="5" name="CasellaDiTesto 4">
-            <a:extLst>
-              <a:ext uri="{FF2B5EF4-FFF2-40B4-BE49-F238E27FC236}">
-                <a16:creationId xmlns:a16="http://schemas.microsoft.com/office/drawing/2014/main" id="{0790C00F-B3E7-4CF3-8AD1-EDB8D87A55FA}"/>
-              </a:ext>
-            </a:extLst>
-          </p:cNvPr>
-          <p:cNvSpPr txBox="1"/>
-          <p:nvPr/>
-        </p:nvSpPr>
-        <p:spPr>
-          <a:xfrm>
-            <a:off x="4051818" y="4014456"/>
-            <a:ext cx="1234633" cy="276999"/>
-          </a:xfrm>
-          <a:prstGeom prst="rect">
-            <a:avLst/>
-          </a:prstGeom>
-          <a:noFill/>
-        </p:spPr>
-        <p:txBody>
-          <a:bodyPr wrap="none" rtlCol="0">
-            <a:spAutoFit/>
-          </a:bodyPr>
-          <a:lstStyle/>
-          <a:p>
-            <a:r>
-              <a:rPr lang="it-IT" sz="1200" dirty="0"/>
-              <a:t>10.115.134.130</a:t>
-            </a:r>
-          </a:p>
-        </p:txBody>
-      </p:sp>
-      <p:pic>
-        <p:nvPicPr>
-          <p:cNvPr id="4098" name="Picture 2" descr="Risultati immagini per spring boot">
-            <a:extLst>
-              <a:ext uri="{FF2B5EF4-FFF2-40B4-BE49-F238E27FC236}">
-                <a16:creationId xmlns:a16="http://schemas.microsoft.com/office/drawing/2014/main" id="{2E058A85-1812-4D19-ABD4-8CA597CB7512}"/>
-              </a:ext>
-            </a:extLst>
-          </p:cNvPr>
-          <p:cNvPicPr>
-            <a:picLocks noChangeAspect="1" noChangeArrowheads="1"/>
-          </p:cNvPicPr>
-          <p:nvPr/>
-        </p:nvPicPr>
-        <p:blipFill>
-          <a:blip r:embed="rId3">
-            <a:extLst>
-              <a:ext uri="{28A0092B-C50C-407E-A947-70E740481C1C}">
-                <a14:useLocalDpi xmlns:a14="http://schemas.microsoft.com/office/drawing/2010/main" val="0"/>
-              </a:ext>
-            </a:extLst>
-          </a:blip>
-          <a:srcRect/>
-          <a:stretch>
-            <a:fillRect/>
-          </a:stretch>
-        </p:blipFill>
-        <p:spPr bwMode="auto">
-          <a:xfrm>
-            <a:off x="3483413" y="1554264"/>
-            <a:ext cx="595993" cy="595993"/>
-          </a:xfrm>
-          <a:prstGeom prst="rect">
-            <a:avLst/>
-          </a:prstGeom>
-          <a:noFill/>
-          <a:extLst>
-            <a:ext uri="{909E8E84-426E-40DD-AFC4-6F175D3DCCD1}">
-              <a14:hiddenFill xmlns:a14="http://schemas.microsoft.com/office/drawing/2010/main">
-                <a:solidFill>
-                  <a:srgbClr val="FFFFFF"/>
-                </a:solidFill>
-              </a14:hiddenFill>
-            </a:ext>
-          </a:extLst>
-        </p:spPr>
-      </p:pic>
-      <p:sp>
-        <p:nvSpPr>
-          <p:cNvPr id="3" name="Rettangolo 2">
-            <a:extLst>
-              <a:ext uri="{FF2B5EF4-FFF2-40B4-BE49-F238E27FC236}">
-                <a16:creationId xmlns:a16="http://schemas.microsoft.com/office/drawing/2014/main" id="{88C13140-B54C-4D69-842D-82019B886CC2}"/>
-              </a:ext>
-            </a:extLst>
-          </p:cNvPr>
-          <p:cNvSpPr/>
-          <p:nvPr/>
-        </p:nvSpPr>
-        <p:spPr>
-          <a:xfrm>
-            <a:off x="3449395" y="1566057"/>
-            <a:ext cx="914400" cy="740354"/>
-          </a:xfrm>
-          <a:prstGeom prst="rect">
-            <a:avLst/>
-          </a:prstGeom>
-          <a:noFill/>
-          <a:ln>
-            <a:solidFill>
-              <a:schemeClr val="accent1"/>
-            </a:solidFill>
-          </a:ln>
-        </p:spPr>
-        <p:style>
-          <a:lnRef idx="2">
-            <a:schemeClr val="accent1">
-              <a:shade val="50000"/>
-            </a:schemeClr>
-          </a:lnRef>
-          <a:fillRef idx="1">
-            <a:schemeClr val="accent1"/>
-          </a:fillRef>
-          <a:effectRef idx="0">
-            <a:schemeClr val="accent1"/>
-          </a:effectRef>
-          <a:fontRef idx="minor">
-            <a:schemeClr val="lt1"/>
-          </a:fontRef>
-        </p:style>
-        <p:txBody>
-          <a:bodyPr rtlCol="0" anchor="ctr"/>
-          <a:lstStyle/>
-          <a:p>
-            <a:pPr algn="ctr"/>
+              <a:t>Backup</a:t>
+            </a:r>
+          </a:p>
+        </p:txBody>
+      </p:sp>
+      <p:sp>
+        <p:nvSpPr>
+          <p:cNvPr id="3" name="Segnaposto contenuto 2">
+            <a:extLst>
+              <a:ext uri="{FF2B5EF4-FFF2-40B4-BE49-F238E27FC236}">
+                <a16:creationId xmlns:a16="http://schemas.microsoft.com/office/drawing/2014/main" id="{0B741058-154A-4912-B219-3EFCF1109346}"/>
+              </a:ext>
+            </a:extLst>
+          </p:cNvPr>
+          <p:cNvSpPr>
+            <a:spLocks noGrp="1"/>
+          </p:cNvSpPr>
+          <p:nvPr>
+            <p:ph idx="1"/>
+          </p:nvPr>
+        </p:nvSpPr>
+        <p:spPr/>
+        <p:txBody>
+          <a:bodyPr/>
+          <a:lstStyle/>
+          <a:p>
             <a:endParaRPr lang="it-IT"/>
-          </a:p>
-        </p:txBody>
-      </p:sp>
-      <p:sp>
-        <p:nvSpPr>
-          <p:cNvPr id="29" name="CasellaDiTesto 28">
-            <a:extLst>
-              <a:ext uri="{FF2B5EF4-FFF2-40B4-BE49-F238E27FC236}">
-                <a16:creationId xmlns:a16="http://schemas.microsoft.com/office/drawing/2014/main" id="{0353218C-785A-4A4C-82B3-1CEE638D1071}"/>
-              </a:ext>
-            </a:extLst>
-          </p:cNvPr>
-          <p:cNvSpPr txBox="1"/>
-          <p:nvPr/>
-        </p:nvSpPr>
-        <p:spPr>
-          <a:xfrm>
-            <a:off x="3384080" y="2082674"/>
-            <a:ext cx="1002197" cy="261610"/>
-          </a:xfrm>
-          <a:prstGeom prst="rect">
-            <a:avLst/>
-          </a:prstGeom>
-          <a:noFill/>
-        </p:spPr>
-        <p:txBody>
-          <a:bodyPr wrap="none" rtlCol="0">
-            <a:spAutoFit/>
-          </a:bodyPr>
-          <a:lstStyle/>
-          <a:p>
-            <a:r>
-              <a:rPr lang="it-IT" sz="1100" dirty="0"/>
-              <a:t>192.168.0.56</a:t>
-            </a:r>
-          </a:p>
-        </p:txBody>
-      </p:sp>
-      <p:sp>
-        <p:nvSpPr>
-          <p:cNvPr id="30" name="CasellaDiTesto 29">
-            <a:extLst>
-              <a:ext uri="{FF2B5EF4-FFF2-40B4-BE49-F238E27FC236}">
-                <a16:creationId xmlns:a16="http://schemas.microsoft.com/office/drawing/2014/main" id="{AF272547-FDD8-4812-949C-5AA431433E36}"/>
-              </a:ext>
-            </a:extLst>
-          </p:cNvPr>
-          <p:cNvSpPr txBox="1"/>
-          <p:nvPr/>
-        </p:nvSpPr>
-        <p:spPr>
-          <a:xfrm>
-            <a:off x="3947417" y="2302531"/>
-            <a:ext cx="512371" cy="261610"/>
-          </a:xfrm>
-          <a:prstGeom prst="rect">
-            <a:avLst/>
-          </a:prstGeom>
-          <a:noFill/>
-        </p:spPr>
-        <p:txBody>
-          <a:bodyPr wrap="square" rtlCol="0">
-            <a:spAutoFit/>
-          </a:bodyPr>
-          <a:lstStyle/>
-          <a:p>
-            <a:r>
-              <a:rPr lang="it-IT" sz="1100" dirty="0"/>
-              <a:t>8080</a:t>
-            </a:r>
-          </a:p>
-        </p:txBody>
-      </p:sp>
-      <p:sp>
-        <p:nvSpPr>
-          <p:cNvPr id="6" name="Rettangolo 5">
-            <a:extLst>
-              <a:ext uri="{FF2B5EF4-FFF2-40B4-BE49-F238E27FC236}">
-                <a16:creationId xmlns:a16="http://schemas.microsoft.com/office/drawing/2014/main" id="{3A8F22D2-6ACC-4448-ADF5-3B51A97BAC64}"/>
-              </a:ext>
-            </a:extLst>
-          </p:cNvPr>
-          <p:cNvSpPr/>
-          <p:nvPr/>
-        </p:nvSpPr>
-        <p:spPr>
-          <a:xfrm>
-            <a:off x="4016157" y="2302531"/>
-            <a:ext cx="347638" cy="219857"/>
-          </a:xfrm>
-          <a:prstGeom prst="rect">
-            <a:avLst/>
-          </a:prstGeom>
-          <a:noFill/>
-          <a:ln>
-            <a:solidFill>
-              <a:schemeClr val="accent2"/>
-            </a:solidFill>
-          </a:ln>
-        </p:spPr>
-        <p:style>
-          <a:lnRef idx="2">
-            <a:schemeClr val="accent1">
-              <a:shade val="50000"/>
-            </a:schemeClr>
-          </a:lnRef>
-          <a:fillRef idx="1">
-            <a:schemeClr val="accent1"/>
-          </a:fillRef>
-          <a:effectRef idx="0">
-            <a:schemeClr val="accent1"/>
-          </a:effectRef>
-          <a:fontRef idx="minor">
-            <a:schemeClr val="lt1"/>
-          </a:fontRef>
-        </p:style>
-        <p:txBody>
-          <a:bodyPr rtlCol="0" anchor="ctr"/>
-          <a:lstStyle/>
-          <a:p>
-            <a:pPr algn="ctr"/>
-            <a:endParaRPr lang="it-IT"/>
-          </a:p>
-        </p:txBody>
-      </p:sp>
-      <p:sp>
-        <p:nvSpPr>
-          <p:cNvPr id="35" name="Rettangolo 34">
-            <a:extLst>
-              <a:ext uri="{FF2B5EF4-FFF2-40B4-BE49-F238E27FC236}">
-                <a16:creationId xmlns:a16="http://schemas.microsoft.com/office/drawing/2014/main" id="{7CCEB72C-6750-4008-A895-569489BEA3E3}"/>
-              </a:ext>
-            </a:extLst>
-          </p:cNvPr>
-          <p:cNvSpPr/>
-          <p:nvPr/>
-        </p:nvSpPr>
-        <p:spPr>
-          <a:xfrm>
-            <a:off x="4118863" y="4014457"/>
-            <a:ext cx="1094014" cy="226212"/>
-          </a:xfrm>
-          <a:prstGeom prst="rect">
-            <a:avLst/>
-          </a:prstGeom>
-          <a:noFill/>
-          <a:ln>
-            <a:solidFill>
-              <a:schemeClr val="accent2"/>
-            </a:solidFill>
-          </a:ln>
-        </p:spPr>
-        <p:style>
-          <a:lnRef idx="2">
-            <a:schemeClr val="accent1">
-              <a:shade val="50000"/>
-            </a:schemeClr>
-          </a:lnRef>
-          <a:fillRef idx="1">
-            <a:schemeClr val="accent1"/>
-          </a:fillRef>
-          <a:effectRef idx="0">
-            <a:schemeClr val="accent1"/>
-          </a:effectRef>
-          <a:fontRef idx="minor">
-            <a:schemeClr val="lt1"/>
-          </a:fontRef>
-        </p:style>
-        <p:txBody>
-          <a:bodyPr rtlCol="0" anchor="ctr"/>
-          <a:lstStyle/>
-          <a:p>
-            <a:pPr algn="ctr"/>
-            <a:endParaRPr lang="it-IT"/>
-          </a:p>
-        </p:txBody>
-      </p:sp>
-      <p:sp>
-        <p:nvSpPr>
-          <p:cNvPr id="36" name="CasellaDiTesto 35">
-            <a:extLst>
-              <a:ext uri="{FF2B5EF4-FFF2-40B4-BE49-F238E27FC236}">
-                <a16:creationId xmlns:a16="http://schemas.microsoft.com/office/drawing/2014/main" id="{20467A3D-E9E4-4A5F-9DD3-748FA204C854}"/>
-              </a:ext>
-            </a:extLst>
-          </p:cNvPr>
-          <p:cNvSpPr txBox="1"/>
-          <p:nvPr/>
-        </p:nvSpPr>
-        <p:spPr>
-          <a:xfrm>
-            <a:off x="6265980" y="4002652"/>
-            <a:ext cx="1234633" cy="276999"/>
-          </a:xfrm>
-          <a:prstGeom prst="rect">
-            <a:avLst/>
-          </a:prstGeom>
-          <a:noFill/>
-        </p:spPr>
-        <p:txBody>
-          <a:bodyPr wrap="none" rtlCol="0">
-            <a:spAutoFit/>
-          </a:bodyPr>
-          <a:lstStyle/>
-          <a:p>
-            <a:r>
-              <a:rPr lang="it-IT" sz="1200" dirty="0"/>
-              <a:t>10.115.134.131</a:t>
-            </a:r>
-          </a:p>
-        </p:txBody>
-      </p:sp>
-      <p:sp>
-        <p:nvSpPr>
-          <p:cNvPr id="37" name="Rettangolo 36">
-            <a:extLst>
-              <a:ext uri="{FF2B5EF4-FFF2-40B4-BE49-F238E27FC236}">
-                <a16:creationId xmlns:a16="http://schemas.microsoft.com/office/drawing/2014/main" id="{EDB0E59B-645A-4DEB-BAF7-F13C605CB67C}"/>
-              </a:ext>
-            </a:extLst>
-          </p:cNvPr>
-          <p:cNvSpPr/>
-          <p:nvPr/>
-        </p:nvSpPr>
-        <p:spPr>
-          <a:xfrm>
-            <a:off x="6336290" y="4019002"/>
-            <a:ext cx="1094014" cy="226212"/>
-          </a:xfrm>
-          <a:prstGeom prst="rect">
-            <a:avLst/>
-          </a:prstGeom>
-          <a:noFill/>
-          <a:ln>
-            <a:solidFill>
-              <a:schemeClr val="accent2"/>
-            </a:solidFill>
-          </a:ln>
-        </p:spPr>
-        <p:style>
-          <a:lnRef idx="2">
-            <a:schemeClr val="accent1">
-              <a:shade val="50000"/>
-            </a:schemeClr>
-          </a:lnRef>
-          <a:fillRef idx="1">
-            <a:schemeClr val="accent1"/>
-          </a:fillRef>
-          <a:effectRef idx="0">
-            <a:schemeClr val="accent1"/>
-          </a:effectRef>
-          <a:fontRef idx="minor">
-            <a:schemeClr val="lt1"/>
-          </a:fontRef>
-        </p:style>
-        <p:txBody>
-          <a:bodyPr rtlCol="0" anchor="ctr"/>
-          <a:lstStyle/>
-          <a:p>
-            <a:pPr algn="ctr"/>
-            <a:endParaRPr lang="it-IT"/>
-          </a:p>
-        </p:txBody>
-      </p:sp>
-      <p:sp>
-        <p:nvSpPr>
-          <p:cNvPr id="41" name="CasellaDiTesto 40">
-            <a:extLst>
-              <a:ext uri="{FF2B5EF4-FFF2-40B4-BE49-F238E27FC236}">
-                <a16:creationId xmlns:a16="http://schemas.microsoft.com/office/drawing/2014/main" id="{ACF3AC55-A49B-4DD9-8A96-D4F58D5808DF}"/>
-              </a:ext>
-            </a:extLst>
-          </p:cNvPr>
-          <p:cNvSpPr txBox="1"/>
-          <p:nvPr/>
-        </p:nvSpPr>
-        <p:spPr>
-          <a:xfrm>
-            <a:off x="3668258" y="4287837"/>
-            <a:ext cx="901209" cy="369332"/>
-          </a:xfrm>
-          <a:prstGeom prst="rect">
-            <a:avLst/>
-          </a:prstGeom>
-          <a:noFill/>
-        </p:spPr>
-        <p:txBody>
-          <a:bodyPr wrap="none" rtlCol="0">
-            <a:spAutoFit/>
-          </a:bodyPr>
-          <a:lstStyle/>
-          <a:p>
-            <a:r>
-              <a:rPr lang="it-IT" dirty="0" err="1"/>
-              <a:t>Node</a:t>
-            </a:r>
-            <a:r>
-              <a:rPr lang="it-IT" dirty="0"/>
-              <a:t> 2</a:t>
-            </a:r>
-          </a:p>
-        </p:txBody>
-      </p:sp>
-      <p:sp>
-        <p:nvSpPr>
-          <p:cNvPr id="42" name="CasellaDiTesto 41">
-            <a:extLst>
-              <a:ext uri="{FF2B5EF4-FFF2-40B4-BE49-F238E27FC236}">
-                <a16:creationId xmlns:a16="http://schemas.microsoft.com/office/drawing/2014/main" id="{F84DE41D-5B77-4C0A-AB4A-0C97F350BA7C}"/>
-              </a:ext>
-            </a:extLst>
-          </p:cNvPr>
-          <p:cNvSpPr txBox="1"/>
-          <p:nvPr/>
-        </p:nvSpPr>
-        <p:spPr>
-          <a:xfrm>
-            <a:off x="5925489" y="4272519"/>
-            <a:ext cx="901209" cy="369332"/>
-          </a:xfrm>
-          <a:prstGeom prst="rect">
-            <a:avLst/>
-          </a:prstGeom>
-          <a:noFill/>
-        </p:spPr>
-        <p:txBody>
-          <a:bodyPr wrap="none" rtlCol="0">
-            <a:spAutoFit/>
-          </a:bodyPr>
-          <a:lstStyle/>
-          <a:p>
-            <a:r>
-              <a:rPr lang="it-IT" dirty="0" err="1"/>
-              <a:t>Node</a:t>
-            </a:r>
-            <a:r>
-              <a:rPr lang="it-IT" dirty="0"/>
-              <a:t> 3</a:t>
-            </a:r>
-          </a:p>
-        </p:txBody>
-      </p:sp>
-      <p:sp>
-        <p:nvSpPr>
-          <p:cNvPr id="58" name="Rettangolo 57">
-            <a:extLst>
-              <a:ext uri="{FF2B5EF4-FFF2-40B4-BE49-F238E27FC236}">
-                <a16:creationId xmlns:a16="http://schemas.microsoft.com/office/drawing/2014/main" id="{D3860248-DCC0-423D-B761-FD21D19A8C3E}"/>
-              </a:ext>
-            </a:extLst>
-          </p:cNvPr>
-          <p:cNvSpPr/>
-          <p:nvPr/>
-        </p:nvSpPr>
-        <p:spPr>
-          <a:xfrm>
-            <a:off x="1266098" y="1526379"/>
-            <a:ext cx="1845129" cy="2743200"/>
-          </a:xfrm>
-          <a:prstGeom prst="rect">
-            <a:avLst/>
-          </a:prstGeom>
-          <a:solidFill>
-            <a:schemeClr val="bg1"/>
-          </a:solidFill>
-        </p:spPr>
-        <p:style>
-          <a:lnRef idx="2">
-            <a:schemeClr val="accent1">
-              <a:shade val="50000"/>
-            </a:schemeClr>
-          </a:lnRef>
-          <a:fillRef idx="1">
-            <a:schemeClr val="accent1"/>
-          </a:fillRef>
-          <a:effectRef idx="0">
-            <a:schemeClr val="accent1"/>
-          </a:effectRef>
-          <a:fontRef idx="minor">
-            <a:schemeClr val="lt1"/>
-          </a:fontRef>
-        </p:style>
-        <p:txBody>
-          <a:bodyPr rtlCol="0" anchor="ctr"/>
-          <a:lstStyle/>
-          <a:p>
-            <a:pPr algn="ctr"/>
-            <a:endParaRPr lang="it-IT"/>
-          </a:p>
-        </p:txBody>
-      </p:sp>
-      <p:sp>
-        <p:nvSpPr>
-          <p:cNvPr id="59" name="CasellaDiTesto 58">
-            <a:extLst>
-              <a:ext uri="{FF2B5EF4-FFF2-40B4-BE49-F238E27FC236}">
-                <a16:creationId xmlns:a16="http://schemas.microsoft.com/office/drawing/2014/main" id="{C10D9C76-FC4B-4DDA-9261-877E040933C3}"/>
-              </a:ext>
-            </a:extLst>
-          </p:cNvPr>
-          <p:cNvSpPr txBox="1"/>
-          <p:nvPr/>
-        </p:nvSpPr>
-        <p:spPr>
-          <a:xfrm>
-            <a:off x="1933836" y="4011516"/>
-            <a:ext cx="1234633" cy="276999"/>
-          </a:xfrm>
-          <a:prstGeom prst="rect">
-            <a:avLst/>
-          </a:prstGeom>
-          <a:noFill/>
-        </p:spPr>
-        <p:txBody>
-          <a:bodyPr wrap="none" rtlCol="0">
-            <a:spAutoFit/>
-          </a:bodyPr>
-          <a:lstStyle/>
-          <a:p>
-            <a:r>
-              <a:rPr lang="it-IT" sz="1200" dirty="0"/>
-              <a:t>10.115.134.129</a:t>
-            </a:r>
-          </a:p>
-        </p:txBody>
-      </p:sp>
-      <p:sp>
-        <p:nvSpPr>
-          <p:cNvPr id="65" name="Rettangolo 64">
-            <a:extLst>
-              <a:ext uri="{FF2B5EF4-FFF2-40B4-BE49-F238E27FC236}">
-                <a16:creationId xmlns:a16="http://schemas.microsoft.com/office/drawing/2014/main" id="{3D6DBF33-5B17-407E-9BAF-B03CEDA620E8}"/>
-              </a:ext>
-            </a:extLst>
-          </p:cNvPr>
-          <p:cNvSpPr/>
-          <p:nvPr/>
-        </p:nvSpPr>
-        <p:spPr>
-          <a:xfrm>
-            <a:off x="2000881" y="4011517"/>
-            <a:ext cx="1094014" cy="226212"/>
-          </a:xfrm>
-          <a:prstGeom prst="rect">
-            <a:avLst/>
-          </a:prstGeom>
-          <a:noFill/>
-          <a:ln>
-            <a:solidFill>
-              <a:schemeClr val="accent2"/>
-            </a:solidFill>
-          </a:ln>
-        </p:spPr>
-        <p:style>
-          <a:lnRef idx="2">
-            <a:schemeClr val="accent1">
-              <a:shade val="50000"/>
-            </a:schemeClr>
-          </a:lnRef>
-          <a:fillRef idx="1">
-            <a:schemeClr val="accent1"/>
-          </a:fillRef>
-          <a:effectRef idx="0">
-            <a:schemeClr val="accent1"/>
-          </a:effectRef>
-          <a:fontRef idx="minor">
-            <a:schemeClr val="lt1"/>
-          </a:fontRef>
-        </p:style>
-        <p:txBody>
-          <a:bodyPr rtlCol="0" anchor="ctr"/>
-          <a:lstStyle/>
-          <a:p>
-            <a:pPr algn="ctr"/>
-            <a:endParaRPr lang="it-IT"/>
-          </a:p>
-        </p:txBody>
-      </p:sp>
-      <p:sp>
-        <p:nvSpPr>
-          <p:cNvPr id="67" name="CasellaDiTesto 66">
-            <a:extLst>
-              <a:ext uri="{FF2B5EF4-FFF2-40B4-BE49-F238E27FC236}">
-                <a16:creationId xmlns:a16="http://schemas.microsoft.com/office/drawing/2014/main" id="{FE418E98-7248-4A7D-9079-2A7B8BC407FD}"/>
-              </a:ext>
-            </a:extLst>
-          </p:cNvPr>
-          <p:cNvSpPr txBox="1"/>
-          <p:nvPr/>
-        </p:nvSpPr>
-        <p:spPr>
-          <a:xfrm>
-            <a:off x="1550276" y="4284897"/>
-            <a:ext cx="901209" cy="369332"/>
-          </a:xfrm>
-          <a:prstGeom prst="rect">
-            <a:avLst/>
-          </a:prstGeom>
-          <a:noFill/>
-        </p:spPr>
-        <p:txBody>
-          <a:bodyPr wrap="none" rtlCol="0">
-            <a:spAutoFit/>
-          </a:bodyPr>
-          <a:lstStyle/>
-          <a:p>
-            <a:r>
-              <a:rPr lang="it-IT" dirty="0" err="1"/>
-              <a:t>Node</a:t>
-            </a:r>
-            <a:r>
-              <a:rPr lang="it-IT" dirty="0"/>
-              <a:t> 1</a:t>
-            </a:r>
-          </a:p>
-        </p:txBody>
-      </p:sp>
-      <p:sp>
-        <p:nvSpPr>
-          <p:cNvPr id="34" name="Rettangolo 33">
-            <a:extLst>
-              <a:ext uri="{FF2B5EF4-FFF2-40B4-BE49-F238E27FC236}">
-                <a16:creationId xmlns:a16="http://schemas.microsoft.com/office/drawing/2014/main" id="{79DF3C94-5841-47DE-9F37-1EF328C6DB6B}"/>
-              </a:ext>
-            </a:extLst>
-          </p:cNvPr>
-          <p:cNvSpPr/>
-          <p:nvPr/>
-        </p:nvSpPr>
-        <p:spPr>
-          <a:xfrm>
-            <a:off x="6489572" y="1566057"/>
-            <a:ext cx="914400" cy="740354"/>
-          </a:xfrm>
-          <a:prstGeom prst="rect">
-            <a:avLst/>
-          </a:prstGeom>
-          <a:noFill/>
-          <a:ln>
-            <a:solidFill>
-              <a:schemeClr val="accent1"/>
-            </a:solidFill>
-          </a:ln>
-        </p:spPr>
-        <p:style>
-          <a:lnRef idx="2">
-            <a:schemeClr val="accent1">
-              <a:shade val="50000"/>
-            </a:schemeClr>
-          </a:lnRef>
-          <a:fillRef idx="1">
-            <a:schemeClr val="accent1"/>
-          </a:fillRef>
-          <a:effectRef idx="0">
-            <a:schemeClr val="accent1"/>
-          </a:effectRef>
-          <a:fontRef idx="minor">
-            <a:schemeClr val="lt1"/>
-          </a:fontRef>
-        </p:style>
-        <p:txBody>
-          <a:bodyPr rtlCol="0" anchor="ctr"/>
-          <a:lstStyle/>
-          <a:p>
-            <a:pPr algn="ctr"/>
-            <a:endParaRPr lang="it-IT"/>
-          </a:p>
-        </p:txBody>
-      </p:sp>
-      <p:sp>
-        <p:nvSpPr>
-          <p:cNvPr id="38" name="Rettangolo 37">
-            <a:extLst>
-              <a:ext uri="{FF2B5EF4-FFF2-40B4-BE49-F238E27FC236}">
-                <a16:creationId xmlns:a16="http://schemas.microsoft.com/office/drawing/2014/main" id="{AFE7F8B5-A64F-4ED7-A707-994C7E822FC4}"/>
-              </a:ext>
-            </a:extLst>
-          </p:cNvPr>
-          <p:cNvSpPr/>
-          <p:nvPr/>
-        </p:nvSpPr>
-        <p:spPr>
-          <a:xfrm>
-            <a:off x="7056334" y="2302531"/>
-            <a:ext cx="347638" cy="219857"/>
-          </a:xfrm>
-          <a:prstGeom prst="rect">
-            <a:avLst/>
-          </a:prstGeom>
-          <a:noFill/>
-          <a:ln>
-            <a:solidFill>
-              <a:schemeClr val="accent2"/>
-            </a:solidFill>
-          </a:ln>
-        </p:spPr>
-        <p:style>
-          <a:lnRef idx="2">
-            <a:schemeClr val="accent1">
-              <a:shade val="50000"/>
-            </a:schemeClr>
-          </a:lnRef>
-          <a:fillRef idx="1">
-            <a:schemeClr val="accent1"/>
-          </a:fillRef>
-          <a:effectRef idx="0">
-            <a:schemeClr val="accent1"/>
-          </a:effectRef>
-          <a:fontRef idx="minor">
-            <a:schemeClr val="lt1"/>
-          </a:fontRef>
-        </p:style>
-        <p:txBody>
-          <a:bodyPr rtlCol="0" anchor="ctr"/>
-          <a:lstStyle/>
-          <a:p>
-            <a:pPr algn="ctr"/>
-            <a:endParaRPr lang="it-IT"/>
-          </a:p>
-        </p:txBody>
-      </p:sp>
-      <p:sp>
-        <p:nvSpPr>
-          <p:cNvPr id="9" name="CasellaDiTesto 8">
-            <a:extLst>
-              <a:ext uri="{FF2B5EF4-FFF2-40B4-BE49-F238E27FC236}">
-                <a16:creationId xmlns:a16="http://schemas.microsoft.com/office/drawing/2014/main" id="{15AF7782-0331-47E0-A7F8-A90BA6EDE2D9}"/>
-              </a:ext>
-            </a:extLst>
-          </p:cNvPr>
-          <p:cNvSpPr txBox="1"/>
-          <p:nvPr/>
-        </p:nvSpPr>
-        <p:spPr>
-          <a:xfrm>
-            <a:off x="6986282" y="2281654"/>
-            <a:ext cx="479618" cy="261610"/>
-          </a:xfrm>
-          <a:prstGeom prst="rect">
-            <a:avLst/>
-          </a:prstGeom>
-          <a:noFill/>
-        </p:spPr>
-        <p:txBody>
-          <a:bodyPr wrap="none" rtlCol="0">
-            <a:spAutoFit/>
-          </a:bodyPr>
-          <a:lstStyle/>
-          <a:p>
-            <a:r>
-              <a:rPr lang="it-IT" sz="1100" dirty="0"/>
-              <a:t>3306</a:t>
-            </a:r>
-          </a:p>
-        </p:txBody>
-      </p:sp>
-      <p:pic>
-        <p:nvPicPr>
-          <p:cNvPr id="1026" name="Picture 2" descr="Risultati immagini per mysql icon">
-            <a:extLst>
-              <a:ext uri="{FF2B5EF4-FFF2-40B4-BE49-F238E27FC236}">
-                <a16:creationId xmlns:a16="http://schemas.microsoft.com/office/drawing/2014/main" id="{72C42FF4-7BBD-4247-8E2B-FA24072836EC}"/>
-              </a:ext>
-            </a:extLst>
-          </p:cNvPr>
-          <p:cNvPicPr>
-            <a:picLocks noChangeAspect="1" noChangeArrowheads="1"/>
-          </p:cNvPicPr>
-          <p:nvPr/>
-        </p:nvPicPr>
-        <p:blipFill>
-          <a:blip r:embed="rId4">
-            <a:extLst>
-              <a:ext uri="{28A0092B-C50C-407E-A947-70E740481C1C}">
-                <a14:useLocalDpi xmlns:a14="http://schemas.microsoft.com/office/drawing/2010/main" val="0"/>
-              </a:ext>
-            </a:extLst>
-          </a:blip>
-          <a:srcRect/>
-          <a:stretch>
-            <a:fillRect/>
-          </a:stretch>
-        </p:blipFill>
-        <p:spPr bwMode="auto">
-          <a:xfrm>
-            <a:off x="6594446" y="1560612"/>
-            <a:ext cx="560703" cy="560703"/>
-          </a:xfrm>
-          <a:prstGeom prst="rect">
-            <a:avLst/>
-          </a:prstGeom>
-          <a:noFill/>
-          <a:extLst>
-            <a:ext uri="{909E8E84-426E-40DD-AFC4-6F175D3DCCD1}">
-              <a14:hiddenFill xmlns:a14="http://schemas.microsoft.com/office/drawing/2010/main">
-                <a:solidFill>
-                  <a:srgbClr val="FFFFFF"/>
-                </a:solidFill>
-              </a14:hiddenFill>
-            </a:ext>
-          </a:extLst>
-        </p:spPr>
-      </p:pic>
-      <p:sp>
-        <p:nvSpPr>
-          <p:cNvPr id="10" name="Rombo 9">
-            <a:extLst>
-              <a:ext uri="{FF2B5EF4-FFF2-40B4-BE49-F238E27FC236}">
-                <a16:creationId xmlns:a16="http://schemas.microsoft.com/office/drawing/2014/main" id="{E7632ADC-A03B-46ED-92FE-6F52E8DD9212}"/>
-              </a:ext>
-            </a:extLst>
-          </p:cNvPr>
-          <p:cNvSpPr/>
-          <p:nvPr/>
-        </p:nvSpPr>
-        <p:spPr>
-          <a:xfrm>
-            <a:off x="4740787" y="2153496"/>
-            <a:ext cx="1374852" cy="1320800"/>
-          </a:xfrm>
-          <a:prstGeom prst="diamond">
-            <a:avLst/>
-          </a:prstGeom>
-          <a:solidFill>
-            <a:schemeClr val="bg1"/>
-          </a:solidFill>
-          <a:ln>
-            <a:solidFill>
-              <a:schemeClr val="accent4"/>
-            </a:solidFill>
-          </a:ln>
-        </p:spPr>
-        <p:style>
-          <a:lnRef idx="2">
-            <a:schemeClr val="accent1">
-              <a:shade val="50000"/>
-            </a:schemeClr>
-          </a:lnRef>
-          <a:fillRef idx="1">
-            <a:schemeClr val="accent1"/>
-          </a:fillRef>
-          <a:effectRef idx="0">
-            <a:schemeClr val="accent1"/>
-          </a:effectRef>
-          <a:fontRef idx="minor">
-            <a:schemeClr val="lt1"/>
-          </a:fontRef>
-        </p:style>
-        <p:txBody>
-          <a:bodyPr rtlCol="0" anchor="ctr"/>
-          <a:lstStyle/>
-          <a:p>
-            <a:pPr algn="ctr"/>
-            <a:endParaRPr lang="it-IT" sz="700" dirty="0">
-              <a:solidFill>
-                <a:schemeClr val="tx1"/>
-              </a:solidFill>
-            </a:endParaRPr>
-          </a:p>
-        </p:txBody>
-      </p:sp>
-      <p:sp>
-        <p:nvSpPr>
-          <p:cNvPr id="11" name="CasellaDiTesto 10">
-            <a:extLst>
-              <a:ext uri="{FF2B5EF4-FFF2-40B4-BE49-F238E27FC236}">
-                <a16:creationId xmlns:a16="http://schemas.microsoft.com/office/drawing/2014/main" id="{C53FAD3B-004C-4DDB-ACBD-E844C868A19D}"/>
-              </a:ext>
-            </a:extLst>
-          </p:cNvPr>
-          <p:cNvSpPr txBox="1"/>
-          <p:nvPr/>
-        </p:nvSpPr>
-        <p:spPr>
-          <a:xfrm>
-            <a:off x="5075148" y="2592930"/>
-            <a:ext cx="679994" cy="461665"/>
-          </a:xfrm>
-          <a:prstGeom prst="rect">
-            <a:avLst/>
-          </a:prstGeom>
-          <a:noFill/>
-        </p:spPr>
-        <p:txBody>
-          <a:bodyPr wrap="none" rtlCol="0">
-            <a:spAutoFit/>
-          </a:bodyPr>
-          <a:lstStyle/>
-          <a:p>
-            <a:pPr algn="ctr"/>
-            <a:r>
-              <a:rPr lang="it-IT" sz="1200" dirty="0" err="1"/>
-              <a:t>mysql</a:t>
-            </a:r>
-            <a:endParaRPr lang="it-IT" sz="1200" dirty="0"/>
-          </a:p>
-          <a:p>
-            <a:pPr algn="ctr"/>
-            <a:r>
-              <a:rPr lang="it-IT" sz="1200" dirty="0"/>
-              <a:t>Service</a:t>
-            </a:r>
-          </a:p>
-        </p:txBody>
-      </p:sp>
-      <p:sp>
-        <p:nvSpPr>
-          <p:cNvPr id="12" name="Rettangolo 11">
-            <a:extLst>
-              <a:ext uri="{FF2B5EF4-FFF2-40B4-BE49-F238E27FC236}">
-                <a16:creationId xmlns:a16="http://schemas.microsoft.com/office/drawing/2014/main" id="{6CA0F7AD-9F55-4807-AEA8-A193570F7E66}"/>
-              </a:ext>
-            </a:extLst>
-          </p:cNvPr>
-          <p:cNvSpPr/>
-          <p:nvPr/>
-        </p:nvSpPr>
-        <p:spPr>
-          <a:xfrm>
-            <a:off x="4740787" y="3496130"/>
-            <a:ext cx="1525193" cy="441840"/>
-          </a:xfrm>
-          <a:prstGeom prst="rect">
-            <a:avLst/>
-          </a:prstGeom>
-          <a:solidFill>
-            <a:schemeClr val="bg1"/>
-          </a:solidFill>
-          <a:ln>
-            <a:solidFill>
-              <a:schemeClr val="accent4"/>
-            </a:solidFill>
-          </a:ln>
-        </p:spPr>
-        <p:style>
-          <a:lnRef idx="2">
-            <a:schemeClr val="accent1">
-              <a:shade val="50000"/>
-            </a:schemeClr>
-          </a:lnRef>
-          <a:fillRef idx="1">
-            <a:schemeClr val="accent1"/>
-          </a:fillRef>
-          <a:effectRef idx="0">
-            <a:schemeClr val="accent1"/>
-          </a:effectRef>
-          <a:fontRef idx="minor">
-            <a:schemeClr val="lt1"/>
-          </a:fontRef>
-        </p:style>
-        <p:txBody>
-          <a:bodyPr rtlCol="0" anchor="ctr"/>
-          <a:lstStyle/>
-          <a:p>
-            <a:pPr algn="ctr"/>
-            <a:r>
-              <a:rPr lang="it-IT" sz="1100" dirty="0">
-                <a:solidFill>
-                  <a:schemeClr val="tx1"/>
-                </a:solidFill>
-              </a:rPr>
-              <a:t>10.108.134.167:3306</a:t>
-            </a:r>
-          </a:p>
-          <a:p>
-            <a:pPr algn="ctr"/>
-            <a:r>
-              <a:rPr lang="it-IT" sz="1100" dirty="0">
-                <a:solidFill>
-                  <a:schemeClr val="tx1"/>
-                </a:solidFill>
-              </a:rPr>
-              <a:t>mysql:3306</a:t>
-            </a:r>
-          </a:p>
-        </p:txBody>
-      </p:sp>
-      <p:cxnSp>
-        <p:nvCxnSpPr>
-          <p:cNvPr id="17" name="Connettore a gomito 16">
-            <a:extLst>
-              <a:ext uri="{FF2B5EF4-FFF2-40B4-BE49-F238E27FC236}">
-                <a16:creationId xmlns:a16="http://schemas.microsoft.com/office/drawing/2014/main" id="{11EAA4BF-23D2-4139-8DF0-CFB9B3292B0F}"/>
-              </a:ext>
-            </a:extLst>
-          </p:cNvPr>
-          <p:cNvCxnSpPr>
-            <a:cxnSpLocks/>
-            <a:stCxn id="3" idx="3"/>
-            <a:endCxn id="12" idx="1"/>
-          </p:cNvCxnSpPr>
-          <p:nvPr/>
-        </p:nvCxnSpPr>
-        <p:spPr>
-          <a:xfrm>
-            <a:off x="4363795" y="1936234"/>
-            <a:ext cx="376992" cy="1780816"/>
-          </a:xfrm>
-          <a:prstGeom prst="bentConnector3">
-            <a:avLst>
-              <a:gd name="adj1" fmla="val 50000"/>
-            </a:avLst>
-          </a:prstGeom>
-          <a:ln>
-            <a:tailEnd type="triangle"/>
-          </a:ln>
-        </p:spPr>
-        <p:style>
-          <a:lnRef idx="2">
-            <a:schemeClr val="accent1"/>
-          </a:lnRef>
-          <a:fillRef idx="0">
-            <a:schemeClr val="accent1"/>
-          </a:fillRef>
-          <a:effectRef idx="1">
-            <a:schemeClr val="accent1"/>
-          </a:effectRef>
-          <a:fontRef idx="minor">
-            <a:schemeClr val="tx1"/>
-          </a:fontRef>
-        </p:style>
-      </p:cxnSp>
-      <p:cxnSp>
-        <p:nvCxnSpPr>
-          <p:cNvPr id="48" name="Connettore a gomito 47">
-            <a:extLst>
-              <a:ext uri="{FF2B5EF4-FFF2-40B4-BE49-F238E27FC236}">
-                <a16:creationId xmlns:a16="http://schemas.microsoft.com/office/drawing/2014/main" id="{A13EC107-0BCE-4935-8B39-A5A7DC12E8EB}"/>
-              </a:ext>
-            </a:extLst>
-          </p:cNvPr>
-          <p:cNvCxnSpPr>
-            <a:cxnSpLocks/>
-            <a:stCxn id="12" idx="3"/>
-            <a:endCxn id="9" idx="2"/>
-          </p:cNvCxnSpPr>
-          <p:nvPr/>
-        </p:nvCxnSpPr>
-        <p:spPr>
-          <a:xfrm flipV="1">
-            <a:off x="6265980" y="2543264"/>
-            <a:ext cx="960111" cy="1173786"/>
-          </a:xfrm>
-          <a:prstGeom prst="bentConnector2">
-            <a:avLst/>
-          </a:prstGeom>
-          <a:ln>
-            <a:tailEnd type="triangle"/>
-          </a:ln>
-        </p:spPr>
-        <p:style>
-          <a:lnRef idx="2">
-            <a:schemeClr val="accent1"/>
-          </a:lnRef>
-          <a:fillRef idx="0">
-            <a:schemeClr val="accent1"/>
-          </a:fillRef>
-          <a:effectRef idx="1">
-            <a:schemeClr val="accent1"/>
-          </a:effectRef>
-          <a:fontRef idx="minor">
-            <a:schemeClr val="tx1"/>
-          </a:fontRef>
-        </p:style>
-      </p:cxnSp>
-      <p:sp>
-        <p:nvSpPr>
-          <p:cNvPr id="31" name="CasellaDiTesto 30">
-            <a:extLst>
-              <a:ext uri="{FF2B5EF4-FFF2-40B4-BE49-F238E27FC236}">
-                <a16:creationId xmlns:a16="http://schemas.microsoft.com/office/drawing/2014/main" id="{42FADE19-07BA-4AC8-80C0-E2D84D838375}"/>
-              </a:ext>
-            </a:extLst>
-          </p:cNvPr>
-          <p:cNvSpPr txBox="1"/>
-          <p:nvPr/>
-        </p:nvSpPr>
-        <p:spPr>
-          <a:xfrm>
-            <a:off x="6432592" y="2030350"/>
-            <a:ext cx="1002197" cy="261610"/>
-          </a:xfrm>
-          <a:prstGeom prst="rect">
-            <a:avLst/>
-          </a:prstGeom>
-          <a:noFill/>
-        </p:spPr>
-        <p:txBody>
-          <a:bodyPr wrap="none" rtlCol="0">
-            <a:spAutoFit/>
-          </a:bodyPr>
-          <a:lstStyle/>
-          <a:p>
-            <a:r>
-              <a:rPr lang="it-IT" sz="1100" dirty="0"/>
-              <a:t>192.168.0.87</a:t>
-            </a:r>
           </a:p>
         </p:txBody>
       </p:sp>
     </p:spTree>
     <p:extLst>
       <p:ext uri="{BB962C8B-B14F-4D97-AF65-F5344CB8AC3E}">
-        <p14:creationId xmlns:p14="http://schemas.microsoft.com/office/powerpoint/2010/main" val="1157570168"/>
+        <p14:creationId xmlns:p14="http://schemas.microsoft.com/office/powerpoint/2010/main" val="1039918908"/>
       </p:ext>
     </p:extLst>
   </p:cSld>
@@ -10275,8 +9074,8 @@
         </p:blipFill>
         <p:spPr bwMode="auto">
           <a:xfrm>
-            <a:off x="9042633" y="1335947"/>
-            <a:ext cx="2093053" cy="2093053"/>
+            <a:off x="7441319" y="1401262"/>
+            <a:ext cx="3665365" cy="3665365"/>
           </a:xfrm>
           <a:prstGeom prst="rect">
             <a:avLst/>
@@ -10346,8 +9145,13 @@
           <a:p>
             <a:r>
               <a:rPr lang="it-IT" dirty="0"/>
-              <a:t>Secret</a:t>
-            </a:r>
+              <a:t>Service </a:t>
+            </a:r>
+            <a:r>
+              <a:rPr lang="it-IT" dirty="0" err="1"/>
+              <a:t>NodePort</a:t>
+            </a:r>
+            <a:endParaRPr lang="it-IT" dirty="0"/>
           </a:p>
         </p:txBody>
       </p:sp>
@@ -10422,53 +9226,26 @@
             <a:pPr fontAlgn="base"/>
             <a:r>
               <a:rPr lang="en-US" sz="2000" dirty="0"/>
-              <a:t>Functionally identical to a </a:t>
-            </a:r>
-            <a:r>
-              <a:rPr lang="en-US" sz="2000" dirty="0" err="1"/>
-              <a:t>ConfigMap</a:t>
+              <a:t>Exposes a port on every node’s IP.</a:t>
+            </a:r>
+          </a:p>
+          <a:p>
+            <a:pPr fontAlgn="base"/>
+            <a:endParaRPr lang="en-US" sz="2000" dirty="0"/>
+          </a:p>
+          <a:p>
+            <a:pPr fontAlgn="base"/>
+            <a:r>
+              <a:rPr lang="en-US" sz="2000" dirty="0"/>
+              <a:t>Port can either be statically defined, or dynamically taken from a range between </a:t>
+            </a:r>
+            <a:r>
+              <a:rPr lang="en-US" sz="2000" b="1" dirty="0"/>
+              <a:t>30000-32767</a:t>
             </a:r>
             <a:r>
               <a:rPr lang="en-US" sz="2000" dirty="0"/>
               <a:t>.</a:t>
-            </a:r>
-          </a:p>
-          <a:p>
-            <a:pPr fontAlgn="base"/>
-            <a:endParaRPr lang="en-US" sz="2000" dirty="0"/>
-          </a:p>
-          <a:p>
-            <a:pPr fontAlgn="base"/>
-            <a:r>
-              <a:rPr lang="en-US" sz="2000" dirty="0"/>
-              <a:t>Stored as </a:t>
-            </a:r>
-            <a:r>
-              <a:rPr lang="en-US" sz="2000" b="1" dirty="0"/>
-              <a:t>base64 encoded content.</a:t>
-            </a:r>
-            <a:endParaRPr lang="en-US" sz="2000" dirty="0"/>
-          </a:p>
-          <a:p>
-            <a:pPr fontAlgn="base"/>
-            <a:endParaRPr lang="en-US" sz="2000" dirty="0"/>
-          </a:p>
-          <a:p>
-            <a:pPr fontAlgn="base"/>
-            <a:r>
-              <a:rPr lang="en-US" sz="2000" dirty="0"/>
-              <a:t>Ideal for username/passwords, certificates or other sensitive information that should not be stored in a container.</a:t>
-            </a:r>
-          </a:p>
-          <a:p>
-            <a:pPr fontAlgn="base"/>
-            <a:endParaRPr lang="en-US" sz="2000" dirty="0"/>
-          </a:p>
-          <a:p>
-            <a:pPr fontAlgn="base"/>
-            <a:r>
-              <a:rPr lang="en-US" sz="2000" dirty="0"/>
-              <a:t>Can be created from a manifest, literals, directories, or from files directly.</a:t>
             </a:r>
           </a:p>
           <a:p>
@@ -10480,7 +9257,1429 @@
     </p:spTree>
     <p:extLst>
       <p:ext uri="{BB962C8B-B14F-4D97-AF65-F5344CB8AC3E}">
-        <p14:creationId xmlns:p14="http://schemas.microsoft.com/office/powerpoint/2010/main" val="2540725245"/>
+        <p14:creationId xmlns:p14="http://schemas.microsoft.com/office/powerpoint/2010/main" val="1275423980"/>
+      </p:ext>
+    </p:extLst>
+  </p:cSld>
+  <p:clrMapOvr>
+    <a:masterClrMapping/>
+  </p:clrMapOvr>
+</p:sld>
+</file>
+
+<file path=ppt/slides/slide21.xml><?xml version="1.0" encoding="utf-8"?>
+<p:sld xmlns:a="http://schemas.openxmlformats.org/drawingml/2006/main" xmlns:r="http://schemas.openxmlformats.org/officeDocument/2006/relationships" xmlns:p="http://schemas.openxmlformats.org/presentationml/2006/main">
+  <p:cSld>
+    <p:spTree>
+      <p:nvGrpSpPr>
+        <p:cNvPr id="1" name=""/>
+        <p:cNvGrpSpPr/>
+        <p:nvPr/>
+      </p:nvGrpSpPr>
+      <p:grpSpPr>
+        <a:xfrm>
+          <a:off x="0" y="0"/>
+          <a:ext cx="0" cy="0"/>
+          <a:chOff x="0" y="0"/>
+          <a:chExt cx="0" cy="0"/>
+        </a:xfrm>
+      </p:grpSpPr>
+      <p:sp>
+        <p:nvSpPr>
+          <p:cNvPr id="8" name="CasellaDiTesto 7">
+            <a:extLst>
+              <a:ext uri="{FF2B5EF4-FFF2-40B4-BE49-F238E27FC236}">
+                <a16:creationId xmlns:a16="http://schemas.microsoft.com/office/drawing/2014/main" id="{88D21653-F419-43D7-A75B-10012B405911}"/>
+              </a:ext>
+            </a:extLst>
+          </p:cNvPr>
+          <p:cNvSpPr txBox="1"/>
+          <p:nvPr/>
+        </p:nvSpPr>
+        <p:spPr>
+          <a:xfrm>
+            <a:off x="4736475" y="4240897"/>
+            <a:ext cx="585417" cy="276999"/>
+          </a:xfrm>
+          <a:prstGeom prst="rect">
+            <a:avLst/>
+          </a:prstGeom>
+          <a:noFill/>
+        </p:spPr>
+        <p:txBody>
+          <a:bodyPr wrap="none" rtlCol="0">
+            <a:spAutoFit/>
+          </a:bodyPr>
+          <a:lstStyle/>
+          <a:p>
+            <a:r>
+              <a:rPr lang="it-IT" sz="1200" dirty="0"/>
+              <a:t>32465</a:t>
+            </a:r>
+          </a:p>
+        </p:txBody>
+      </p:sp>
+      <p:sp>
+        <p:nvSpPr>
+          <p:cNvPr id="4" name="Rettangolo 3">
+            <a:extLst>
+              <a:ext uri="{FF2B5EF4-FFF2-40B4-BE49-F238E27FC236}">
+                <a16:creationId xmlns:a16="http://schemas.microsoft.com/office/drawing/2014/main" id="{57CE466D-8C75-4E04-A2A2-687F80849927}"/>
+              </a:ext>
+            </a:extLst>
+          </p:cNvPr>
+          <p:cNvSpPr/>
+          <p:nvPr/>
+        </p:nvSpPr>
+        <p:spPr>
+          <a:xfrm>
+            <a:off x="3384080" y="1529319"/>
+            <a:ext cx="1845129" cy="2743200"/>
+          </a:xfrm>
+          <a:prstGeom prst="rect">
+            <a:avLst/>
+          </a:prstGeom>
+          <a:solidFill>
+            <a:schemeClr val="bg1"/>
+          </a:solidFill>
+        </p:spPr>
+        <p:style>
+          <a:lnRef idx="2">
+            <a:schemeClr val="accent1">
+              <a:shade val="50000"/>
+            </a:schemeClr>
+          </a:lnRef>
+          <a:fillRef idx="1">
+            <a:schemeClr val="accent1"/>
+          </a:fillRef>
+          <a:effectRef idx="0">
+            <a:schemeClr val="accent1"/>
+          </a:effectRef>
+          <a:fontRef idx="minor">
+            <a:schemeClr val="lt1"/>
+          </a:fontRef>
+        </p:style>
+        <p:txBody>
+          <a:bodyPr rtlCol="0" anchor="ctr"/>
+          <a:lstStyle/>
+          <a:p>
+            <a:pPr algn="ctr"/>
+            <a:endParaRPr lang="it-IT"/>
+          </a:p>
+        </p:txBody>
+      </p:sp>
+      <p:sp>
+        <p:nvSpPr>
+          <p:cNvPr id="26" name="Rettangolo 25">
+            <a:extLst>
+              <a:ext uri="{FF2B5EF4-FFF2-40B4-BE49-F238E27FC236}">
+                <a16:creationId xmlns:a16="http://schemas.microsoft.com/office/drawing/2014/main" id="{F66F6ED8-EAA6-4FDA-AFF5-FC3BD82DC792}"/>
+              </a:ext>
+            </a:extLst>
+          </p:cNvPr>
+          <p:cNvSpPr/>
+          <p:nvPr/>
+        </p:nvSpPr>
+        <p:spPr>
+          <a:xfrm>
+            <a:off x="5603404" y="1536451"/>
+            <a:ext cx="1845129" cy="2743200"/>
+          </a:xfrm>
+          <a:prstGeom prst="rect">
+            <a:avLst/>
+          </a:prstGeom>
+          <a:solidFill>
+            <a:schemeClr val="bg1"/>
+          </a:solidFill>
+        </p:spPr>
+        <p:style>
+          <a:lnRef idx="2">
+            <a:schemeClr val="accent1">
+              <a:shade val="50000"/>
+            </a:schemeClr>
+          </a:lnRef>
+          <a:fillRef idx="1">
+            <a:schemeClr val="accent1"/>
+          </a:fillRef>
+          <a:effectRef idx="0">
+            <a:schemeClr val="accent1"/>
+          </a:effectRef>
+          <a:fontRef idx="minor">
+            <a:schemeClr val="lt1"/>
+          </a:fontRef>
+        </p:style>
+        <p:txBody>
+          <a:bodyPr rtlCol="0" anchor="ctr"/>
+          <a:lstStyle/>
+          <a:p>
+            <a:pPr algn="ctr"/>
+            <a:endParaRPr lang="it-IT" dirty="0"/>
+          </a:p>
+        </p:txBody>
+      </p:sp>
+      <p:sp>
+        <p:nvSpPr>
+          <p:cNvPr id="2" name="Titolo 1">
+            <a:extLst>
+              <a:ext uri="{FF2B5EF4-FFF2-40B4-BE49-F238E27FC236}">
+                <a16:creationId xmlns:a16="http://schemas.microsoft.com/office/drawing/2014/main" id="{390F3EB2-CCD3-4263-8C51-13A0788C3F71}"/>
+              </a:ext>
+            </a:extLst>
+          </p:cNvPr>
+          <p:cNvSpPr>
+            <a:spLocks noGrp="1"/>
+          </p:cNvSpPr>
+          <p:nvPr>
+            <p:ph type="title"/>
+          </p:nvPr>
+        </p:nvSpPr>
+        <p:spPr/>
+        <p:txBody>
+          <a:bodyPr/>
+          <a:lstStyle/>
+          <a:p>
+            <a:r>
+              <a:rPr lang="it-IT" dirty="0"/>
+              <a:t>Service </a:t>
+            </a:r>
+            <a:r>
+              <a:rPr lang="it-IT" dirty="0" err="1"/>
+              <a:t>NodePort</a:t>
+            </a:r>
+            <a:endParaRPr lang="it-IT" dirty="0"/>
+          </a:p>
+        </p:txBody>
+      </p:sp>
+      <p:pic>
+        <p:nvPicPr>
+          <p:cNvPr id="2052" name="Picture 4" descr="Risultati immagini per kubernetes logo">
+            <a:extLst>
+              <a:ext uri="{FF2B5EF4-FFF2-40B4-BE49-F238E27FC236}">
+                <a16:creationId xmlns:a16="http://schemas.microsoft.com/office/drawing/2014/main" id="{2EF0C7C2-B372-4C6C-8620-3476E8ABBDF5}"/>
+              </a:ext>
+            </a:extLst>
+          </p:cNvPr>
+          <p:cNvPicPr>
+            <a:picLocks noChangeAspect="1" noChangeArrowheads="1"/>
+          </p:cNvPicPr>
+          <p:nvPr/>
+        </p:nvPicPr>
+        <p:blipFill>
+          <a:blip r:embed="rId2">
+            <a:extLst>
+              <a:ext uri="{28A0092B-C50C-407E-A947-70E740481C1C}">
+                <a14:useLocalDpi xmlns:a14="http://schemas.microsoft.com/office/drawing/2010/main" val="0"/>
+              </a:ext>
+            </a:extLst>
+          </a:blip>
+          <a:srcRect/>
+          <a:stretch>
+            <a:fillRect/>
+          </a:stretch>
+        </p:blipFill>
+        <p:spPr bwMode="auto">
+          <a:xfrm>
+            <a:off x="7849959" y="379411"/>
+            <a:ext cx="3868511" cy="835659"/>
+          </a:xfrm>
+          <a:prstGeom prst="rect">
+            <a:avLst/>
+          </a:prstGeom>
+          <a:noFill/>
+          <a:extLst>
+            <a:ext uri="{909E8E84-426E-40DD-AFC4-6F175D3DCCD1}">
+              <a14:hiddenFill xmlns:a14="http://schemas.microsoft.com/office/drawing/2010/main">
+                <a:solidFill>
+                  <a:srgbClr val="FFFFFF"/>
+                </a:solidFill>
+              </a14:hiddenFill>
+            </a:ext>
+          </a:extLst>
+        </p:spPr>
+      </p:pic>
+      <p:sp>
+        <p:nvSpPr>
+          <p:cNvPr id="5" name="CasellaDiTesto 4">
+            <a:extLst>
+              <a:ext uri="{FF2B5EF4-FFF2-40B4-BE49-F238E27FC236}">
+                <a16:creationId xmlns:a16="http://schemas.microsoft.com/office/drawing/2014/main" id="{0790C00F-B3E7-4CF3-8AD1-EDB8D87A55FA}"/>
+              </a:ext>
+            </a:extLst>
+          </p:cNvPr>
+          <p:cNvSpPr txBox="1"/>
+          <p:nvPr/>
+        </p:nvSpPr>
+        <p:spPr>
+          <a:xfrm>
+            <a:off x="3405648" y="3973435"/>
+            <a:ext cx="1234633" cy="276999"/>
+          </a:xfrm>
+          <a:prstGeom prst="rect">
+            <a:avLst/>
+          </a:prstGeom>
+          <a:noFill/>
+        </p:spPr>
+        <p:txBody>
+          <a:bodyPr wrap="none" rtlCol="0">
+            <a:spAutoFit/>
+          </a:bodyPr>
+          <a:lstStyle/>
+          <a:p>
+            <a:r>
+              <a:rPr lang="it-IT" sz="1200" dirty="0"/>
+              <a:t>10.115.134.130</a:t>
+            </a:r>
+          </a:p>
+        </p:txBody>
+      </p:sp>
+      <p:pic>
+        <p:nvPicPr>
+          <p:cNvPr id="4098" name="Picture 2" descr="Risultati immagini per spring boot">
+            <a:extLst>
+              <a:ext uri="{FF2B5EF4-FFF2-40B4-BE49-F238E27FC236}">
+                <a16:creationId xmlns:a16="http://schemas.microsoft.com/office/drawing/2014/main" id="{2E058A85-1812-4D19-ABD4-8CA597CB7512}"/>
+              </a:ext>
+            </a:extLst>
+          </p:cNvPr>
+          <p:cNvPicPr>
+            <a:picLocks noChangeAspect="1" noChangeArrowheads="1"/>
+          </p:cNvPicPr>
+          <p:nvPr/>
+        </p:nvPicPr>
+        <p:blipFill>
+          <a:blip r:embed="rId3">
+            <a:extLst>
+              <a:ext uri="{28A0092B-C50C-407E-A947-70E740481C1C}">
+                <a14:useLocalDpi xmlns:a14="http://schemas.microsoft.com/office/drawing/2010/main" val="0"/>
+              </a:ext>
+            </a:extLst>
+          </a:blip>
+          <a:srcRect/>
+          <a:stretch>
+            <a:fillRect/>
+          </a:stretch>
+        </p:blipFill>
+        <p:spPr bwMode="auto">
+          <a:xfrm>
+            <a:off x="3483413" y="1554264"/>
+            <a:ext cx="595993" cy="595993"/>
+          </a:xfrm>
+          <a:prstGeom prst="rect">
+            <a:avLst/>
+          </a:prstGeom>
+          <a:noFill/>
+          <a:extLst>
+            <a:ext uri="{909E8E84-426E-40DD-AFC4-6F175D3DCCD1}">
+              <a14:hiddenFill xmlns:a14="http://schemas.microsoft.com/office/drawing/2010/main">
+                <a:solidFill>
+                  <a:srgbClr val="FFFFFF"/>
+                </a:solidFill>
+              </a14:hiddenFill>
+            </a:ext>
+          </a:extLst>
+        </p:spPr>
+      </p:pic>
+      <p:sp>
+        <p:nvSpPr>
+          <p:cNvPr id="3" name="Rettangolo 2">
+            <a:extLst>
+              <a:ext uri="{FF2B5EF4-FFF2-40B4-BE49-F238E27FC236}">
+                <a16:creationId xmlns:a16="http://schemas.microsoft.com/office/drawing/2014/main" id="{88C13140-B54C-4D69-842D-82019B886CC2}"/>
+              </a:ext>
+            </a:extLst>
+          </p:cNvPr>
+          <p:cNvSpPr/>
+          <p:nvPr/>
+        </p:nvSpPr>
+        <p:spPr>
+          <a:xfrm>
+            <a:off x="3449395" y="1566057"/>
+            <a:ext cx="914400" cy="740354"/>
+          </a:xfrm>
+          <a:prstGeom prst="rect">
+            <a:avLst/>
+          </a:prstGeom>
+          <a:noFill/>
+          <a:ln>
+            <a:solidFill>
+              <a:schemeClr val="accent1"/>
+            </a:solidFill>
+          </a:ln>
+        </p:spPr>
+        <p:style>
+          <a:lnRef idx="2">
+            <a:schemeClr val="accent1">
+              <a:shade val="50000"/>
+            </a:schemeClr>
+          </a:lnRef>
+          <a:fillRef idx="1">
+            <a:schemeClr val="accent1"/>
+          </a:fillRef>
+          <a:effectRef idx="0">
+            <a:schemeClr val="accent1"/>
+          </a:effectRef>
+          <a:fontRef idx="minor">
+            <a:schemeClr val="lt1"/>
+          </a:fontRef>
+        </p:style>
+        <p:txBody>
+          <a:bodyPr rtlCol="0" anchor="ctr"/>
+          <a:lstStyle/>
+          <a:p>
+            <a:pPr algn="ctr"/>
+            <a:endParaRPr lang="it-IT"/>
+          </a:p>
+        </p:txBody>
+      </p:sp>
+      <p:sp>
+        <p:nvSpPr>
+          <p:cNvPr id="29" name="CasellaDiTesto 28">
+            <a:extLst>
+              <a:ext uri="{FF2B5EF4-FFF2-40B4-BE49-F238E27FC236}">
+                <a16:creationId xmlns:a16="http://schemas.microsoft.com/office/drawing/2014/main" id="{0353218C-785A-4A4C-82B3-1CEE638D1071}"/>
+              </a:ext>
+            </a:extLst>
+          </p:cNvPr>
+          <p:cNvSpPr txBox="1"/>
+          <p:nvPr/>
+        </p:nvSpPr>
+        <p:spPr>
+          <a:xfrm>
+            <a:off x="3384080" y="2082674"/>
+            <a:ext cx="1002197" cy="261610"/>
+          </a:xfrm>
+          <a:prstGeom prst="rect">
+            <a:avLst/>
+          </a:prstGeom>
+          <a:noFill/>
+        </p:spPr>
+        <p:txBody>
+          <a:bodyPr wrap="none" rtlCol="0">
+            <a:spAutoFit/>
+          </a:bodyPr>
+          <a:lstStyle/>
+          <a:p>
+            <a:r>
+              <a:rPr lang="it-IT" sz="1100" dirty="0"/>
+              <a:t>192.168.0.56</a:t>
+            </a:r>
+          </a:p>
+        </p:txBody>
+      </p:sp>
+      <p:sp>
+        <p:nvSpPr>
+          <p:cNvPr id="30" name="CasellaDiTesto 29">
+            <a:extLst>
+              <a:ext uri="{FF2B5EF4-FFF2-40B4-BE49-F238E27FC236}">
+                <a16:creationId xmlns:a16="http://schemas.microsoft.com/office/drawing/2014/main" id="{AF272547-FDD8-4812-949C-5AA431433E36}"/>
+              </a:ext>
+            </a:extLst>
+          </p:cNvPr>
+          <p:cNvSpPr txBox="1"/>
+          <p:nvPr/>
+        </p:nvSpPr>
+        <p:spPr>
+          <a:xfrm>
+            <a:off x="3947417" y="2302531"/>
+            <a:ext cx="512371" cy="261610"/>
+          </a:xfrm>
+          <a:prstGeom prst="rect">
+            <a:avLst/>
+          </a:prstGeom>
+          <a:noFill/>
+        </p:spPr>
+        <p:txBody>
+          <a:bodyPr wrap="square" rtlCol="0">
+            <a:spAutoFit/>
+          </a:bodyPr>
+          <a:lstStyle/>
+          <a:p>
+            <a:r>
+              <a:rPr lang="it-IT" sz="1100" dirty="0"/>
+              <a:t>8080</a:t>
+            </a:r>
+          </a:p>
+        </p:txBody>
+      </p:sp>
+      <p:sp>
+        <p:nvSpPr>
+          <p:cNvPr id="6" name="Rettangolo 5">
+            <a:extLst>
+              <a:ext uri="{FF2B5EF4-FFF2-40B4-BE49-F238E27FC236}">
+                <a16:creationId xmlns:a16="http://schemas.microsoft.com/office/drawing/2014/main" id="{3A8F22D2-6ACC-4448-ADF5-3B51A97BAC64}"/>
+              </a:ext>
+            </a:extLst>
+          </p:cNvPr>
+          <p:cNvSpPr/>
+          <p:nvPr/>
+        </p:nvSpPr>
+        <p:spPr>
+          <a:xfrm>
+            <a:off x="4016157" y="2302531"/>
+            <a:ext cx="347638" cy="219857"/>
+          </a:xfrm>
+          <a:prstGeom prst="rect">
+            <a:avLst/>
+          </a:prstGeom>
+          <a:noFill/>
+          <a:ln>
+            <a:solidFill>
+              <a:schemeClr val="accent2"/>
+            </a:solidFill>
+          </a:ln>
+        </p:spPr>
+        <p:style>
+          <a:lnRef idx="2">
+            <a:schemeClr val="accent1">
+              <a:shade val="50000"/>
+            </a:schemeClr>
+          </a:lnRef>
+          <a:fillRef idx="1">
+            <a:schemeClr val="accent1"/>
+          </a:fillRef>
+          <a:effectRef idx="0">
+            <a:schemeClr val="accent1"/>
+          </a:effectRef>
+          <a:fontRef idx="minor">
+            <a:schemeClr val="lt1"/>
+          </a:fontRef>
+        </p:style>
+        <p:txBody>
+          <a:bodyPr rtlCol="0" anchor="ctr"/>
+          <a:lstStyle/>
+          <a:p>
+            <a:pPr algn="ctr"/>
+            <a:endParaRPr lang="it-IT"/>
+          </a:p>
+        </p:txBody>
+      </p:sp>
+      <p:sp>
+        <p:nvSpPr>
+          <p:cNvPr id="35" name="Rettangolo 34">
+            <a:extLst>
+              <a:ext uri="{FF2B5EF4-FFF2-40B4-BE49-F238E27FC236}">
+                <a16:creationId xmlns:a16="http://schemas.microsoft.com/office/drawing/2014/main" id="{7CCEB72C-6750-4008-A895-569489BEA3E3}"/>
+              </a:ext>
+            </a:extLst>
+          </p:cNvPr>
+          <p:cNvSpPr/>
+          <p:nvPr/>
+        </p:nvSpPr>
+        <p:spPr>
+          <a:xfrm>
+            <a:off x="3475957" y="4006625"/>
+            <a:ext cx="1094014" cy="226212"/>
+          </a:xfrm>
+          <a:prstGeom prst="rect">
+            <a:avLst/>
+          </a:prstGeom>
+          <a:noFill/>
+          <a:ln>
+            <a:solidFill>
+              <a:schemeClr val="accent2"/>
+            </a:solidFill>
+          </a:ln>
+        </p:spPr>
+        <p:style>
+          <a:lnRef idx="2">
+            <a:schemeClr val="accent1">
+              <a:shade val="50000"/>
+            </a:schemeClr>
+          </a:lnRef>
+          <a:fillRef idx="1">
+            <a:schemeClr val="accent1"/>
+          </a:fillRef>
+          <a:effectRef idx="0">
+            <a:schemeClr val="accent1"/>
+          </a:effectRef>
+          <a:fontRef idx="minor">
+            <a:schemeClr val="lt1"/>
+          </a:fontRef>
+        </p:style>
+        <p:txBody>
+          <a:bodyPr rtlCol="0" anchor="ctr"/>
+          <a:lstStyle/>
+          <a:p>
+            <a:pPr algn="ctr"/>
+            <a:endParaRPr lang="it-IT"/>
+          </a:p>
+        </p:txBody>
+      </p:sp>
+      <p:sp>
+        <p:nvSpPr>
+          <p:cNvPr id="36" name="CasellaDiTesto 35">
+            <a:extLst>
+              <a:ext uri="{FF2B5EF4-FFF2-40B4-BE49-F238E27FC236}">
+                <a16:creationId xmlns:a16="http://schemas.microsoft.com/office/drawing/2014/main" id="{20467A3D-E9E4-4A5F-9DD3-748FA204C854}"/>
+              </a:ext>
+            </a:extLst>
+          </p:cNvPr>
+          <p:cNvSpPr txBox="1"/>
+          <p:nvPr/>
+        </p:nvSpPr>
+        <p:spPr>
+          <a:xfrm>
+            <a:off x="5587937" y="3994522"/>
+            <a:ext cx="1234633" cy="276999"/>
+          </a:xfrm>
+          <a:prstGeom prst="rect">
+            <a:avLst/>
+          </a:prstGeom>
+          <a:noFill/>
+        </p:spPr>
+        <p:txBody>
+          <a:bodyPr wrap="none" rtlCol="0">
+            <a:spAutoFit/>
+          </a:bodyPr>
+          <a:lstStyle/>
+          <a:p>
+            <a:r>
+              <a:rPr lang="it-IT" sz="1200" dirty="0"/>
+              <a:t>10.115.134.131</a:t>
+            </a:r>
+          </a:p>
+        </p:txBody>
+      </p:sp>
+      <p:sp>
+        <p:nvSpPr>
+          <p:cNvPr id="37" name="Rettangolo 36">
+            <a:extLst>
+              <a:ext uri="{FF2B5EF4-FFF2-40B4-BE49-F238E27FC236}">
+                <a16:creationId xmlns:a16="http://schemas.microsoft.com/office/drawing/2014/main" id="{EDB0E59B-645A-4DEB-BAF7-F13C605CB67C}"/>
+              </a:ext>
+            </a:extLst>
+          </p:cNvPr>
+          <p:cNvSpPr/>
+          <p:nvPr/>
+        </p:nvSpPr>
+        <p:spPr>
+          <a:xfrm>
+            <a:off x="5649601" y="4006625"/>
+            <a:ext cx="1094014" cy="226212"/>
+          </a:xfrm>
+          <a:prstGeom prst="rect">
+            <a:avLst/>
+          </a:prstGeom>
+          <a:noFill/>
+          <a:ln>
+            <a:solidFill>
+              <a:schemeClr val="accent2"/>
+            </a:solidFill>
+          </a:ln>
+        </p:spPr>
+        <p:style>
+          <a:lnRef idx="2">
+            <a:schemeClr val="accent1">
+              <a:shade val="50000"/>
+            </a:schemeClr>
+          </a:lnRef>
+          <a:fillRef idx="1">
+            <a:schemeClr val="accent1"/>
+          </a:fillRef>
+          <a:effectRef idx="0">
+            <a:schemeClr val="accent1"/>
+          </a:effectRef>
+          <a:fontRef idx="minor">
+            <a:schemeClr val="lt1"/>
+          </a:fontRef>
+        </p:style>
+        <p:txBody>
+          <a:bodyPr rtlCol="0" anchor="ctr"/>
+          <a:lstStyle/>
+          <a:p>
+            <a:pPr algn="ctr"/>
+            <a:endParaRPr lang="it-IT"/>
+          </a:p>
+        </p:txBody>
+      </p:sp>
+      <p:sp>
+        <p:nvSpPr>
+          <p:cNvPr id="7" name="Rettangolo 6">
+            <a:extLst>
+              <a:ext uri="{FF2B5EF4-FFF2-40B4-BE49-F238E27FC236}">
+                <a16:creationId xmlns:a16="http://schemas.microsoft.com/office/drawing/2014/main" id="{A5C158BE-CDBF-4B21-A757-F0545FEE91F3}"/>
+              </a:ext>
+            </a:extLst>
+          </p:cNvPr>
+          <p:cNvSpPr/>
+          <p:nvPr/>
+        </p:nvSpPr>
+        <p:spPr>
+          <a:xfrm>
+            <a:off x="4788338" y="4272519"/>
+            <a:ext cx="440871" cy="213756"/>
+          </a:xfrm>
+          <a:prstGeom prst="rect">
+            <a:avLst/>
+          </a:prstGeom>
+          <a:noFill/>
+        </p:spPr>
+        <p:style>
+          <a:lnRef idx="2">
+            <a:schemeClr val="accent1">
+              <a:shade val="50000"/>
+            </a:schemeClr>
+          </a:lnRef>
+          <a:fillRef idx="1">
+            <a:schemeClr val="accent1"/>
+          </a:fillRef>
+          <a:effectRef idx="0">
+            <a:schemeClr val="accent1"/>
+          </a:effectRef>
+          <a:fontRef idx="minor">
+            <a:schemeClr val="lt1"/>
+          </a:fontRef>
+        </p:style>
+        <p:txBody>
+          <a:bodyPr rtlCol="0" anchor="ctr"/>
+          <a:lstStyle/>
+          <a:p>
+            <a:pPr algn="ctr"/>
+            <a:endParaRPr lang="it-IT"/>
+          </a:p>
+        </p:txBody>
+      </p:sp>
+      <p:sp>
+        <p:nvSpPr>
+          <p:cNvPr id="39" name="CasellaDiTesto 38">
+            <a:extLst>
+              <a:ext uri="{FF2B5EF4-FFF2-40B4-BE49-F238E27FC236}">
+                <a16:creationId xmlns:a16="http://schemas.microsoft.com/office/drawing/2014/main" id="{4350B496-FD2B-4876-BC3A-9F2F5DE3681C}"/>
+              </a:ext>
+            </a:extLst>
+          </p:cNvPr>
+          <p:cNvSpPr txBox="1"/>
+          <p:nvPr/>
+        </p:nvSpPr>
+        <p:spPr>
+          <a:xfrm>
+            <a:off x="6951261" y="4250208"/>
+            <a:ext cx="585417" cy="276999"/>
+          </a:xfrm>
+          <a:prstGeom prst="rect">
+            <a:avLst/>
+          </a:prstGeom>
+          <a:noFill/>
+        </p:spPr>
+        <p:txBody>
+          <a:bodyPr wrap="none" rtlCol="0">
+            <a:spAutoFit/>
+          </a:bodyPr>
+          <a:lstStyle/>
+          <a:p>
+            <a:r>
+              <a:rPr lang="it-IT" sz="1200" dirty="0"/>
+              <a:t>32465</a:t>
+            </a:r>
+          </a:p>
+        </p:txBody>
+      </p:sp>
+      <p:sp>
+        <p:nvSpPr>
+          <p:cNvPr id="40" name="Rettangolo 39">
+            <a:extLst>
+              <a:ext uri="{FF2B5EF4-FFF2-40B4-BE49-F238E27FC236}">
+                <a16:creationId xmlns:a16="http://schemas.microsoft.com/office/drawing/2014/main" id="{7B0EE67B-9E70-4BCE-860C-0A74DFB47985}"/>
+              </a:ext>
+            </a:extLst>
+          </p:cNvPr>
+          <p:cNvSpPr/>
+          <p:nvPr/>
+        </p:nvSpPr>
+        <p:spPr>
+          <a:xfrm>
+            <a:off x="7007206" y="4281830"/>
+            <a:ext cx="440871" cy="213756"/>
+          </a:xfrm>
+          <a:prstGeom prst="rect">
+            <a:avLst/>
+          </a:prstGeom>
+          <a:noFill/>
+        </p:spPr>
+        <p:style>
+          <a:lnRef idx="2">
+            <a:schemeClr val="accent1">
+              <a:shade val="50000"/>
+            </a:schemeClr>
+          </a:lnRef>
+          <a:fillRef idx="1">
+            <a:schemeClr val="accent1"/>
+          </a:fillRef>
+          <a:effectRef idx="0">
+            <a:schemeClr val="accent1"/>
+          </a:effectRef>
+          <a:fontRef idx="minor">
+            <a:schemeClr val="lt1"/>
+          </a:fontRef>
+        </p:style>
+        <p:txBody>
+          <a:bodyPr rtlCol="0" anchor="ctr"/>
+          <a:lstStyle/>
+          <a:p>
+            <a:pPr algn="ctr"/>
+            <a:endParaRPr lang="it-IT"/>
+          </a:p>
+        </p:txBody>
+      </p:sp>
+      <p:sp>
+        <p:nvSpPr>
+          <p:cNvPr id="41" name="CasellaDiTesto 40">
+            <a:extLst>
+              <a:ext uri="{FF2B5EF4-FFF2-40B4-BE49-F238E27FC236}">
+                <a16:creationId xmlns:a16="http://schemas.microsoft.com/office/drawing/2014/main" id="{ACF3AC55-A49B-4DD9-8A96-D4F58D5808DF}"/>
+              </a:ext>
+            </a:extLst>
+          </p:cNvPr>
+          <p:cNvSpPr txBox="1"/>
+          <p:nvPr/>
+        </p:nvSpPr>
+        <p:spPr>
+          <a:xfrm>
+            <a:off x="3668258" y="4287837"/>
+            <a:ext cx="901209" cy="369332"/>
+          </a:xfrm>
+          <a:prstGeom prst="rect">
+            <a:avLst/>
+          </a:prstGeom>
+          <a:noFill/>
+        </p:spPr>
+        <p:txBody>
+          <a:bodyPr wrap="none" rtlCol="0">
+            <a:spAutoFit/>
+          </a:bodyPr>
+          <a:lstStyle/>
+          <a:p>
+            <a:r>
+              <a:rPr lang="it-IT" dirty="0" err="1"/>
+              <a:t>Node</a:t>
+            </a:r>
+            <a:r>
+              <a:rPr lang="it-IT" dirty="0"/>
+              <a:t> 2</a:t>
+            </a:r>
+          </a:p>
+        </p:txBody>
+      </p:sp>
+      <p:sp>
+        <p:nvSpPr>
+          <p:cNvPr id="42" name="CasellaDiTesto 41">
+            <a:extLst>
+              <a:ext uri="{FF2B5EF4-FFF2-40B4-BE49-F238E27FC236}">
+                <a16:creationId xmlns:a16="http://schemas.microsoft.com/office/drawing/2014/main" id="{F84DE41D-5B77-4C0A-AB4A-0C97F350BA7C}"/>
+              </a:ext>
+            </a:extLst>
+          </p:cNvPr>
+          <p:cNvSpPr txBox="1"/>
+          <p:nvPr/>
+        </p:nvSpPr>
+        <p:spPr>
+          <a:xfrm>
+            <a:off x="5925489" y="4272519"/>
+            <a:ext cx="901209" cy="369332"/>
+          </a:xfrm>
+          <a:prstGeom prst="rect">
+            <a:avLst/>
+          </a:prstGeom>
+          <a:noFill/>
+        </p:spPr>
+        <p:txBody>
+          <a:bodyPr wrap="none" rtlCol="0">
+            <a:spAutoFit/>
+          </a:bodyPr>
+          <a:lstStyle/>
+          <a:p>
+            <a:r>
+              <a:rPr lang="it-IT" dirty="0" err="1"/>
+              <a:t>Node</a:t>
+            </a:r>
+            <a:r>
+              <a:rPr lang="it-IT" dirty="0"/>
+              <a:t> 3</a:t>
+            </a:r>
+          </a:p>
+        </p:txBody>
+      </p:sp>
+      <p:pic>
+        <p:nvPicPr>
+          <p:cNvPr id="12292" name="Picture 4" descr="Risultati immagini per users icon">
+            <a:extLst>
+              <a:ext uri="{FF2B5EF4-FFF2-40B4-BE49-F238E27FC236}">
+                <a16:creationId xmlns:a16="http://schemas.microsoft.com/office/drawing/2014/main" id="{7639D425-8E4E-447F-891F-BDF5B4F74C75}"/>
+              </a:ext>
+            </a:extLst>
+          </p:cNvPr>
+          <p:cNvPicPr>
+            <a:picLocks noChangeAspect="1" noChangeArrowheads="1"/>
+          </p:cNvPicPr>
+          <p:nvPr/>
+        </p:nvPicPr>
+        <p:blipFill>
+          <a:blip r:embed="rId4">
+            <a:extLst>
+              <a:ext uri="{28A0092B-C50C-407E-A947-70E740481C1C}">
+                <a14:useLocalDpi xmlns:a14="http://schemas.microsoft.com/office/drawing/2010/main" val="0"/>
+              </a:ext>
+            </a:extLst>
+          </a:blip>
+          <a:srcRect/>
+          <a:stretch>
+            <a:fillRect/>
+          </a:stretch>
+        </p:blipFill>
+        <p:spPr bwMode="auto">
+          <a:xfrm>
+            <a:off x="4375361" y="5403069"/>
+            <a:ext cx="1266825" cy="1266825"/>
+          </a:xfrm>
+          <a:prstGeom prst="rect">
+            <a:avLst/>
+          </a:prstGeom>
+          <a:noFill/>
+          <a:extLst>
+            <a:ext uri="{909E8E84-426E-40DD-AFC4-6F175D3DCCD1}">
+              <a14:hiddenFill xmlns:a14="http://schemas.microsoft.com/office/drawing/2010/main">
+                <a:solidFill>
+                  <a:srgbClr val="FFFFFF"/>
+                </a:solidFill>
+              </a14:hiddenFill>
+            </a:ext>
+          </a:extLst>
+        </p:spPr>
+      </p:pic>
+      <p:cxnSp>
+        <p:nvCxnSpPr>
+          <p:cNvPr id="14" name="Connettore 2 13">
+            <a:extLst>
+              <a:ext uri="{FF2B5EF4-FFF2-40B4-BE49-F238E27FC236}">
+                <a16:creationId xmlns:a16="http://schemas.microsoft.com/office/drawing/2014/main" id="{3932260B-199D-4324-A0F5-3B2640AEE2A9}"/>
+              </a:ext>
+            </a:extLst>
+          </p:cNvPr>
+          <p:cNvCxnSpPr>
+            <a:cxnSpLocks/>
+            <a:stCxn id="40" idx="0"/>
+            <a:endCxn id="30" idx="2"/>
+          </p:cNvCxnSpPr>
+          <p:nvPr/>
+        </p:nvCxnSpPr>
+        <p:spPr>
+          <a:xfrm flipH="1" flipV="1">
+            <a:off x="4203603" y="2564141"/>
+            <a:ext cx="3024039" cy="1717689"/>
+          </a:xfrm>
+          <a:prstGeom prst="straightConnector1">
+            <a:avLst/>
+          </a:prstGeom>
+          <a:ln w="19050">
+            <a:prstDash val="dash"/>
+            <a:tailEnd type="triangle"/>
+          </a:ln>
+        </p:spPr>
+        <p:style>
+          <a:lnRef idx="1">
+            <a:schemeClr val="accent1"/>
+          </a:lnRef>
+          <a:fillRef idx="0">
+            <a:schemeClr val="accent1"/>
+          </a:fillRef>
+          <a:effectRef idx="0">
+            <a:schemeClr val="accent1"/>
+          </a:effectRef>
+          <a:fontRef idx="minor">
+            <a:schemeClr val="tx1"/>
+          </a:fontRef>
+        </p:style>
+      </p:cxnSp>
+      <p:cxnSp>
+        <p:nvCxnSpPr>
+          <p:cNvPr id="46" name="Connettore 2 45">
+            <a:extLst>
+              <a:ext uri="{FF2B5EF4-FFF2-40B4-BE49-F238E27FC236}">
+                <a16:creationId xmlns:a16="http://schemas.microsoft.com/office/drawing/2014/main" id="{3CA76A23-B5AC-4AE9-948C-9FCFCA1ACC6C}"/>
+              </a:ext>
+            </a:extLst>
+          </p:cNvPr>
+          <p:cNvCxnSpPr>
+            <a:cxnSpLocks/>
+            <a:stCxn id="7" idx="0"/>
+            <a:endCxn id="30" idx="2"/>
+          </p:cNvCxnSpPr>
+          <p:nvPr/>
+        </p:nvCxnSpPr>
+        <p:spPr>
+          <a:xfrm flipH="1" flipV="1">
+            <a:off x="4203603" y="2564141"/>
+            <a:ext cx="805171" cy="1708378"/>
+          </a:xfrm>
+          <a:prstGeom prst="straightConnector1">
+            <a:avLst/>
+          </a:prstGeom>
+          <a:ln w="19050">
+            <a:prstDash val="dash"/>
+            <a:tailEnd type="triangle"/>
+          </a:ln>
+        </p:spPr>
+        <p:style>
+          <a:lnRef idx="1">
+            <a:schemeClr val="accent1"/>
+          </a:lnRef>
+          <a:fillRef idx="0">
+            <a:schemeClr val="accent1"/>
+          </a:fillRef>
+          <a:effectRef idx="0">
+            <a:schemeClr val="accent1"/>
+          </a:effectRef>
+          <a:fontRef idx="minor">
+            <a:schemeClr val="tx1"/>
+          </a:fontRef>
+        </p:style>
+      </p:cxnSp>
+      <p:cxnSp>
+        <p:nvCxnSpPr>
+          <p:cNvPr id="49" name="Connettore 2 48">
+            <a:extLst>
+              <a:ext uri="{FF2B5EF4-FFF2-40B4-BE49-F238E27FC236}">
+                <a16:creationId xmlns:a16="http://schemas.microsoft.com/office/drawing/2014/main" id="{506CB3B6-BAFC-4943-B4E7-9E9DFE287041}"/>
+              </a:ext>
+            </a:extLst>
+          </p:cNvPr>
+          <p:cNvCxnSpPr>
+            <a:cxnSpLocks/>
+            <a:stCxn id="12292" idx="0"/>
+            <a:endCxn id="40" idx="2"/>
+          </p:cNvCxnSpPr>
+          <p:nvPr/>
+        </p:nvCxnSpPr>
+        <p:spPr>
+          <a:xfrm flipV="1">
+            <a:off x="5008774" y="4495586"/>
+            <a:ext cx="2218868" cy="907483"/>
+          </a:xfrm>
+          <a:prstGeom prst="straightConnector1">
+            <a:avLst/>
+          </a:prstGeom>
+          <a:ln w="19050">
+            <a:solidFill>
+              <a:schemeClr val="accent2"/>
+            </a:solidFill>
+            <a:prstDash val="solid"/>
+            <a:tailEnd type="triangle"/>
+          </a:ln>
+        </p:spPr>
+        <p:style>
+          <a:lnRef idx="1">
+            <a:schemeClr val="accent1"/>
+          </a:lnRef>
+          <a:fillRef idx="0">
+            <a:schemeClr val="accent1"/>
+          </a:fillRef>
+          <a:effectRef idx="0">
+            <a:schemeClr val="accent1"/>
+          </a:effectRef>
+          <a:fontRef idx="minor">
+            <a:schemeClr val="tx1"/>
+          </a:fontRef>
+        </p:style>
+      </p:cxnSp>
+      <p:cxnSp>
+        <p:nvCxnSpPr>
+          <p:cNvPr id="52" name="Connettore 2 51">
+            <a:extLst>
+              <a:ext uri="{FF2B5EF4-FFF2-40B4-BE49-F238E27FC236}">
+                <a16:creationId xmlns:a16="http://schemas.microsoft.com/office/drawing/2014/main" id="{DAC8679D-01E4-4196-AABC-C1763B1292F9}"/>
+              </a:ext>
+            </a:extLst>
+          </p:cNvPr>
+          <p:cNvCxnSpPr>
+            <a:cxnSpLocks/>
+            <a:stCxn id="12292" idx="0"/>
+            <a:endCxn id="7" idx="2"/>
+          </p:cNvCxnSpPr>
+          <p:nvPr/>
+        </p:nvCxnSpPr>
+        <p:spPr>
+          <a:xfrm flipV="1">
+            <a:off x="5008774" y="4486275"/>
+            <a:ext cx="0" cy="916794"/>
+          </a:xfrm>
+          <a:prstGeom prst="straightConnector1">
+            <a:avLst/>
+          </a:prstGeom>
+          <a:ln w="19050">
+            <a:solidFill>
+              <a:schemeClr val="accent2"/>
+            </a:solidFill>
+            <a:prstDash val="solid"/>
+            <a:tailEnd type="triangle"/>
+          </a:ln>
+        </p:spPr>
+        <p:style>
+          <a:lnRef idx="1">
+            <a:schemeClr val="accent1"/>
+          </a:lnRef>
+          <a:fillRef idx="0">
+            <a:schemeClr val="accent1"/>
+          </a:fillRef>
+          <a:effectRef idx="0">
+            <a:schemeClr val="accent1"/>
+          </a:effectRef>
+          <a:fontRef idx="minor">
+            <a:schemeClr val="tx1"/>
+          </a:fontRef>
+        </p:style>
+      </p:cxnSp>
+      <p:sp>
+        <p:nvSpPr>
+          <p:cNvPr id="57" name="CasellaDiTesto 56">
+            <a:extLst>
+              <a:ext uri="{FF2B5EF4-FFF2-40B4-BE49-F238E27FC236}">
+                <a16:creationId xmlns:a16="http://schemas.microsoft.com/office/drawing/2014/main" id="{44FC1145-D13A-4F46-A992-C445AA26BA74}"/>
+              </a:ext>
+            </a:extLst>
+          </p:cNvPr>
+          <p:cNvSpPr txBox="1"/>
+          <p:nvPr/>
+        </p:nvSpPr>
+        <p:spPr>
+          <a:xfrm>
+            <a:off x="2618493" y="4237957"/>
+            <a:ext cx="585417" cy="276999"/>
+          </a:xfrm>
+          <a:prstGeom prst="rect">
+            <a:avLst/>
+          </a:prstGeom>
+          <a:noFill/>
+        </p:spPr>
+        <p:txBody>
+          <a:bodyPr wrap="none" rtlCol="0">
+            <a:spAutoFit/>
+          </a:bodyPr>
+          <a:lstStyle/>
+          <a:p>
+            <a:r>
+              <a:rPr lang="it-IT" sz="1200" dirty="0"/>
+              <a:t>32465</a:t>
+            </a:r>
+          </a:p>
+        </p:txBody>
+      </p:sp>
+      <p:sp>
+        <p:nvSpPr>
+          <p:cNvPr id="58" name="Rettangolo 57">
+            <a:extLst>
+              <a:ext uri="{FF2B5EF4-FFF2-40B4-BE49-F238E27FC236}">
+                <a16:creationId xmlns:a16="http://schemas.microsoft.com/office/drawing/2014/main" id="{D3860248-DCC0-423D-B761-FD21D19A8C3E}"/>
+              </a:ext>
+            </a:extLst>
+          </p:cNvPr>
+          <p:cNvSpPr/>
+          <p:nvPr/>
+        </p:nvSpPr>
+        <p:spPr>
+          <a:xfrm>
+            <a:off x="1266098" y="1526379"/>
+            <a:ext cx="1845129" cy="2743200"/>
+          </a:xfrm>
+          <a:prstGeom prst="rect">
+            <a:avLst/>
+          </a:prstGeom>
+          <a:solidFill>
+            <a:schemeClr val="bg1"/>
+          </a:solidFill>
+        </p:spPr>
+        <p:style>
+          <a:lnRef idx="2">
+            <a:schemeClr val="accent1">
+              <a:shade val="50000"/>
+            </a:schemeClr>
+          </a:lnRef>
+          <a:fillRef idx="1">
+            <a:schemeClr val="accent1"/>
+          </a:fillRef>
+          <a:effectRef idx="0">
+            <a:schemeClr val="accent1"/>
+          </a:effectRef>
+          <a:fontRef idx="minor">
+            <a:schemeClr val="lt1"/>
+          </a:fontRef>
+        </p:style>
+        <p:txBody>
+          <a:bodyPr rtlCol="0" anchor="ctr"/>
+          <a:lstStyle/>
+          <a:p>
+            <a:pPr algn="ctr"/>
+            <a:endParaRPr lang="it-IT"/>
+          </a:p>
+        </p:txBody>
+      </p:sp>
+      <p:sp>
+        <p:nvSpPr>
+          <p:cNvPr id="59" name="CasellaDiTesto 58">
+            <a:extLst>
+              <a:ext uri="{FF2B5EF4-FFF2-40B4-BE49-F238E27FC236}">
+                <a16:creationId xmlns:a16="http://schemas.microsoft.com/office/drawing/2014/main" id="{C10D9C76-FC4B-4DDA-9261-877E040933C3}"/>
+              </a:ext>
+            </a:extLst>
+          </p:cNvPr>
+          <p:cNvSpPr txBox="1"/>
+          <p:nvPr/>
+        </p:nvSpPr>
+        <p:spPr>
+          <a:xfrm>
+            <a:off x="1237505" y="3992580"/>
+            <a:ext cx="1234633" cy="276999"/>
+          </a:xfrm>
+          <a:prstGeom prst="rect">
+            <a:avLst/>
+          </a:prstGeom>
+          <a:noFill/>
+        </p:spPr>
+        <p:txBody>
+          <a:bodyPr wrap="none" rtlCol="0">
+            <a:spAutoFit/>
+          </a:bodyPr>
+          <a:lstStyle/>
+          <a:p>
+            <a:r>
+              <a:rPr lang="it-IT" sz="1200" dirty="0"/>
+              <a:t>10.115.134.129</a:t>
+            </a:r>
+          </a:p>
+        </p:txBody>
+      </p:sp>
+      <p:sp>
+        <p:nvSpPr>
+          <p:cNvPr id="65" name="Rettangolo 64">
+            <a:extLst>
+              <a:ext uri="{FF2B5EF4-FFF2-40B4-BE49-F238E27FC236}">
+                <a16:creationId xmlns:a16="http://schemas.microsoft.com/office/drawing/2014/main" id="{3D6DBF33-5B17-407E-9BAF-B03CEDA620E8}"/>
+              </a:ext>
+            </a:extLst>
+          </p:cNvPr>
+          <p:cNvSpPr/>
+          <p:nvPr/>
+        </p:nvSpPr>
+        <p:spPr>
+          <a:xfrm>
+            <a:off x="1315160" y="4011745"/>
+            <a:ext cx="1094014" cy="226212"/>
+          </a:xfrm>
+          <a:prstGeom prst="rect">
+            <a:avLst/>
+          </a:prstGeom>
+          <a:noFill/>
+          <a:ln>
+            <a:solidFill>
+              <a:schemeClr val="accent2"/>
+            </a:solidFill>
+          </a:ln>
+        </p:spPr>
+        <p:style>
+          <a:lnRef idx="2">
+            <a:schemeClr val="accent1">
+              <a:shade val="50000"/>
+            </a:schemeClr>
+          </a:lnRef>
+          <a:fillRef idx="1">
+            <a:schemeClr val="accent1"/>
+          </a:fillRef>
+          <a:effectRef idx="0">
+            <a:schemeClr val="accent1"/>
+          </a:effectRef>
+          <a:fontRef idx="minor">
+            <a:schemeClr val="lt1"/>
+          </a:fontRef>
+        </p:style>
+        <p:txBody>
+          <a:bodyPr rtlCol="0" anchor="ctr"/>
+          <a:lstStyle/>
+          <a:p>
+            <a:pPr algn="ctr"/>
+            <a:endParaRPr lang="it-IT"/>
+          </a:p>
+        </p:txBody>
+      </p:sp>
+      <p:sp>
+        <p:nvSpPr>
+          <p:cNvPr id="66" name="Rettangolo 65">
+            <a:extLst>
+              <a:ext uri="{FF2B5EF4-FFF2-40B4-BE49-F238E27FC236}">
+                <a16:creationId xmlns:a16="http://schemas.microsoft.com/office/drawing/2014/main" id="{DCC1EE32-A055-4184-9929-1DCAB3D65E51}"/>
+              </a:ext>
+            </a:extLst>
+          </p:cNvPr>
+          <p:cNvSpPr/>
+          <p:nvPr/>
+        </p:nvSpPr>
+        <p:spPr>
+          <a:xfrm>
+            <a:off x="2670356" y="4269579"/>
+            <a:ext cx="440871" cy="213756"/>
+          </a:xfrm>
+          <a:prstGeom prst="rect">
+            <a:avLst/>
+          </a:prstGeom>
+          <a:noFill/>
+        </p:spPr>
+        <p:style>
+          <a:lnRef idx="2">
+            <a:schemeClr val="accent1">
+              <a:shade val="50000"/>
+            </a:schemeClr>
+          </a:lnRef>
+          <a:fillRef idx="1">
+            <a:schemeClr val="accent1"/>
+          </a:fillRef>
+          <a:effectRef idx="0">
+            <a:schemeClr val="accent1"/>
+          </a:effectRef>
+          <a:fontRef idx="minor">
+            <a:schemeClr val="lt1"/>
+          </a:fontRef>
+        </p:style>
+        <p:txBody>
+          <a:bodyPr rtlCol="0" anchor="ctr"/>
+          <a:lstStyle/>
+          <a:p>
+            <a:pPr algn="ctr"/>
+            <a:endParaRPr lang="it-IT"/>
+          </a:p>
+        </p:txBody>
+      </p:sp>
+      <p:sp>
+        <p:nvSpPr>
+          <p:cNvPr id="67" name="CasellaDiTesto 66">
+            <a:extLst>
+              <a:ext uri="{FF2B5EF4-FFF2-40B4-BE49-F238E27FC236}">
+                <a16:creationId xmlns:a16="http://schemas.microsoft.com/office/drawing/2014/main" id="{FE418E98-7248-4A7D-9079-2A7B8BC407FD}"/>
+              </a:ext>
+            </a:extLst>
+          </p:cNvPr>
+          <p:cNvSpPr txBox="1"/>
+          <p:nvPr/>
+        </p:nvSpPr>
+        <p:spPr>
+          <a:xfrm>
+            <a:off x="1550276" y="4284897"/>
+            <a:ext cx="901209" cy="369332"/>
+          </a:xfrm>
+          <a:prstGeom prst="rect">
+            <a:avLst/>
+          </a:prstGeom>
+          <a:noFill/>
+        </p:spPr>
+        <p:txBody>
+          <a:bodyPr wrap="none" rtlCol="0">
+            <a:spAutoFit/>
+          </a:bodyPr>
+          <a:lstStyle/>
+          <a:p>
+            <a:r>
+              <a:rPr lang="it-IT" dirty="0" err="1"/>
+              <a:t>Node</a:t>
+            </a:r>
+            <a:r>
+              <a:rPr lang="it-IT" dirty="0"/>
+              <a:t> 1</a:t>
+            </a:r>
+          </a:p>
+        </p:txBody>
+      </p:sp>
+      <p:cxnSp>
+        <p:nvCxnSpPr>
+          <p:cNvPr id="68" name="Connettore 2 67">
+            <a:extLst>
+              <a:ext uri="{FF2B5EF4-FFF2-40B4-BE49-F238E27FC236}">
+                <a16:creationId xmlns:a16="http://schemas.microsoft.com/office/drawing/2014/main" id="{ABBC4CF5-01D5-40C0-972B-55ABBD8BB997}"/>
+              </a:ext>
+            </a:extLst>
+          </p:cNvPr>
+          <p:cNvCxnSpPr>
+            <a:cxnSpLocks/>
+            <a:stCxn id="57" idx="0"/>
+            <a:endCxn id="6" idx="2"/>
+          </p:cNvCxnSpPr>
+          <p:nvPr/>
+        </p:nvCxnSpPr>
+        <p:spPr>
+          <a:xfrm flipV="1">
+            <a:off x="2911202" y="2522388"/>
+            <a:ext cx="1278774" cy="1715569"/>
+          </a:xfrm>
+          <a:prstGeom prst="straightConnector1">
+            <a:avLst/>
+          </a:prstGeom>
+          <a:ln w="19050">
+            <a:prstDash val="dash"/>
+            <a:tailEnd type="triangle"/>
+          </a:ln>
+        </p:spPr>
+        <p:style>
+          <a:lnRef idx="1">
+            <a:schemeClr val="accent1"/>
+          </a:lnRef>
+          <a:fillRef idx="0">
+            <a:schemeClr val="accent1"/>
+          </a:fillRef>
+          <a:effectRef idx="0">
+            <a:schemeClr val="accent1"/>
+          </a:effectRef>
+          <a:fontRef idx="minor">
+            <a:schemeClr val="tx1"/>
+          </a:fontRef>
+        </p:style>
+      </p:cxnSp>
+      <p:cxnSp>
+        <p:nvCxnSpPr>
+          <p:cNvPr id="71" name="Connettore 2 70">
+            <a:extLst>
+              <a:ext uri="{FF2B5EF4-FFF2-40B4-BE49-F238E27FC236}">
+                <a16:creationId xmlns:a16="http://schemas.microsoft.com/office/drawing/2014/main" id="{0918F15D-6D92-4CA9-9513-A64FC886FCDC}"/>
+              </a:ext>
+            </a:extLst>
+          </p:cNvPr>
+          <p:cNvCxnSpPr>
+            <a:cxnSpLocks/>
+            <a:stCxn id="12292" idx="0"/>
+            <a:endCxn id="66" idx="2"/>
+          </p:cNvCxnSpPr>
+          <p:nvPr/>
+        </p:nvCxnSpPr>
+        <p:spPr>
+          <a:xfrm flipH="1" flipV="1">
+            <a:off x="2890792" y="4483335"/>
+            <a:ext cx="2117982" cy="919734"/>
+          </a:xfrm>
+          <a:prstGeom prst="straightConnector1">
+            <a:avLst/>
+          </a:prstGeom>
+          <a:ln w="19050">
+            <a:solidFill>
+              <a:schemeClr val="accent2"/>
+            </a:solidFill>
+            <a:prstDash val="solid"/>
+            <a:tailEnd type="triangle"/>
+          </a:ln>
+        </p:spPr>
+        <p:style>
+          <a:lnRef idx="1">
+            <a:schemeClr val="accent1"/>
+          </a:lnRef>
+          <a:fillRef idx="0">
+            <a:schemeClr val="accent1"/>
+          </a:fillRef>
+          <a:effectRef idx="0">
+            <a:schemeClr val="accent1"/>
+          </a:effectRef>
+          <a:fontRef idx="minor">
+            <a:schemeClr val="tx1"/>
+          </a:fontRef>
+        </p:style>
+      </p:cxnSp>
+    </p:spTree>
+    <p:extLst>
+      <p:ext uri="{BB962C8B-B14F-4D97-AF65-F5344CB8AC3E}">
+        <p14:creationId xmlns:p14="http://schemas.microsoft.com/office/powerpoint/2010/main" val="2864086672"/>
       </p:ext>
     </p:extLst>
   </p:cSld>
@@ -10534,8 +10733,8 @@
         </p:blipFill>
         <p:spPr bwMode="auto">
           <a:xfrm>
-            <a:off x="2676088" y="1593908"/>
-            <a:ext cx="5972963" cy="3959603"/>
+            <a:off x="1670854" y="1208315"/>
+            <a:ext cx="7108825" cy="4712590"/>
           </a:xfrm>
           <a:prstGeom prst="rect">
             <a:avLst/>
@@ -13192,7 +13391,7 @@
           <p:cNvPr id="2" name="Titolo 1">
             <a:extLst>
               <a:ext uri="{FF2B5EF4-FFF2-40B4-BE49-F238E27FC236}">
-                <a16:creationId xmlns:a16="http://schemas.microsoft.com/office/drawing/2014/main" id="{390F3EB2-CCD3-4263-8C51-13A0788C3F71}"/>
+                <a16:creationId xmlns:a16="http://schemas.microsoft.com/office/drawing/2014/main" id="{6B36B062-5F89-43F0-9CF2-B5B88BB86B84}"/>
               </a:ext>
             </a:extLst>
           </p:cNvPr>
@@ -13210,17 +13409,17 @@
           <a:p>
             <a:r>
               <a:rPr lang="it-IT" dirty="0"/>
-              <a:t>Namespace</a:t>
+              <a:t>Kubernetes Architecture</a:t>
             </a:r>
           </a:p>
         </p:txBody>
       </p:sp>
       <p:pic>
         <p:nvPicPr>
-          <p:cNvPr id="2052" name="Picture 4" descr="Risultati immagini per kubernetes logo">
-            <a:extLst>
-              <a:ext uri="{FF2B5EF4-FFF2-40B4-BE49-F238E27FC236}">
-                <a16:creationId xmlns:a16="http://schemas.microsoft.com/office/drawing/2014/main" id="{2EF0C7C2-B372-4C6C-8620-3476E8ABBDF5}"/>
+          <p:cNvPr id="1026" name="Picture 2" descr="CCM Kube Arch">
+            <a:extLst>
+              <a:ext uri="{FF2B5EF4-FFF2-40B4-BE49-F238E27FC236}">
+                <a16:creationId xmlns:a16="http://schemas.microsoft.com/office/drawing/2014/main" id="{4D337FEF-DC3B-491D-BBEA-117A7B0D7BD9}"/>
               </a:ext>
             </a:extLst>
           </p:cNvPr>
@@ -13244,8 +13443,8 @@
         </p:blipFill>
         <p:spPr bwMode="auto">
           <a:xfrm>
-            <a:off x="7849959" y="379411"/>
-            <a:ext cx="3868511" cy="835659"/>
+            <a:off x="623087" y="1859530"/>
+            <a:ext cx="8650915" cy="3743098"/>
           </a:xfrm>
           <a:prstGeom prst="rect">
             <a:avLst/>
@@ -13262,181 +13461,10 @@
           </a:extLst>
         </p:spPr>
       </p:pic>
-      <p:sp>
-        <p:nvSpPr>
-          <p:cNvPr id="7" name="Segnaposto contenuto 6">
-            <a:extLst>
-              <a:ext uri="{FF2B5EF4-FFF2-40B4-BE49-F238E27FC236}">
-                <a16:creationId xmlns:a16="http://schemas.microsoft.com/office/drawing/2014/main" id="{CC9B20DA-1797-4AAC-A9FE-0AB03362EB64}"/>
-              </a:ext>
-            </a:extLst>
-          </p:cNvPr>
-          <p:cNvSpPr>
-            <a:spLocks noGrp="1"/>
-          </p:cNvSpPr>
-          <p:nvPr>
-            <p:ph idx="1"/>
-          </p:nvPr>
-        </p:nvSpPr>
-        <p:spPr>
-          <a:xfrm>
-            <a:off x="677334" y="1343025"/>
-            <a:ext cx="8596668" cy="4698337"/>
-          </a:xfrm>
-        </p:spPr>
-        <p:txBody>
-          <a:bodyPr/>
-          <a:lstStyle/>
-          <a:p>
-            <a:pPr fontAlgn="base"/>
-            <a:r>
-              <a:rPr lang="en-US" sz="2000" dirty="0"/>
-              <a:t>Namespaces are a logical cluster or environment, and are the primary method of partitioning a cluster or scoping access.</a:t>
-            </a:r>
-          </a:p>
-          <a:p>
-            <a:pPr fontAlgn="base"/>
-            <a:endParaRPr lang="en-US" dirty="0"/>
-          </a:p>
-          <a:p>
-            <a:pPr fontAlgn="base"/>
-            <a:endParaRPr lang="it-IT" dirty="0"/>
-          </a:p>
-          <a:p>
-            <a:pPr marL="0" indent="0" fontAlgn="base">
-              <a:buNone/>
-            </a:pPr>
-            <a:r>
-              <a:rPr lang="en-US" dirty="0">
-                <a:latin typeface="Consolas" panose="020B0609020204030204" pitchFamily="49" charset="0"/>
-              </a:rPr>
-              <a:t>$ </a:t>
-            </a:r>
-            <a:r>
-              <a:rPr lang="en-US" dirty="0" err="1">
-                <a:latin typeface="Consolas" panose="020B0609020204030204" pitchFamily="49" charset="0"/>
-              </a:rPr>
-              <a:t>kubectl</a:t>
-            </a:r>
-            <a:r>
-              <a:rPr lang="en-US" dirty="0">
-                <a:latin typeface="Consolas" panose="020B0609020204030204" pitchFamily="49" charset="0"/>
-              </a:rPr>
-              <a:t> get namespaces</a:t>
-            </a:r>
-          </a:p>
-          <a:p>
-            <a:pPr marL="0" indent="0" fontAlgn="base">
-              <a:buNone/>
-            </a:pPr>
-            <a:r>
-              <a:rPr lang="en-US" dirty="0">
-                <a:latin typeface="Consolas" panose="020B0609020204030204" pitchFamily="49" charset="0"/>
-              </a:rPr>
-              <a:t>NAME          STATUS    AGE</a:t>
-            </a:r>
-          </a:p>
-          <a:p>
-            <a:pPr marL="0" indent="0" fontAlgn="base">
-              <a:buNone/>
-            </a:pPr>
-            <a:r>
-              <a:rPr lang="en-US" dirty="0">
-                <a:latin typeface="Consolas" panose="020B0609020204030204" pitchFamily="49" charset="0"/>
-              </a:rPr>
-              <a:t>default       Active    1d</a:t>
-            </a:r>
-          </a:p>
-          <a:p>
-            <a:pPr marL="0" indent="0" fontAlgn="base">
-              <a:buNone/>
-            </a:pPr>
-            <a:r>
-              <a:rPr lang="en-US" dirty="0" err="1">
-                <a:latin typeface="Consolas" panose="020B0609020204030204" pitchFamily="49" charset="0"/>
-              </a:rPr>
-              <a:t>kube</a:t>
-            </a:r>
-            <a:r>
-              <a:rPr lang="en-US" dirty="0">
-                <a:latin typeface="Consolas" panose="020B0609020204030204" pitchFamily="49" charset="0"/>
-              </a:rPr>
-              <a:t>-system   Active    1d</a:t>
-            </a:r>
-          </a:p>
-          <a:p>
-            <a:pPr marL="0" indent="0" fontAlgn="base">
-              <a:buNone/>
-            </a:pPr>
-            <a:r>
-              <a:rPr lang="en-US" dirty="0" err="1">
-                <a:latin typeface="Consolas" panose="020B0609020204030204" pitchFamily="49" charset="0"/>
-              </a:rPr>
-              <a:t>kube</a:t>
-            </a:r>
-            <a:r>
-              <a:rPr lang="en-US" dirty="0">
-                <a:latin typeface="Consolas" panose="020B0609020204030204" pitchFamily="49" charset="0"/>
-              </a:rPr>
-              <a:t>-public   Active    1d</a:t>
-            </a:r>
-            <a:endParaRPr lang="it-IT" dirty="0">
-              <a:latin typeface="Consolas" panose="020B0609020204030204" pitchFamily="49" charset="0"/>
-            </a:endParaRPr>
-          </a:p>
-        </p:txBody>
-      </p:sp>
-      <p:sp>
-        <p:nvSpPr>
-          <p:cNvPr id="5" name="Rettangolo 4">
-            <a:extLst>
-              <a:ext uri="{FF2B5EF4-FFF2-40B4-BE49-F238E27FC236}">
-                <a16:creationId xmlns:a16="http://schemas.microsoft.com/office/drawing/2014/main" id="{A422E60A-606E-4548-91B7-CD050F53392F}"/>
-              </a:ext>
-            </a:extLst>
-          </p:cNvPr>
-          <p:cNvSpPr/>
-          <p:nvPr/>
-        </p:nvSpPr>
-        <p:spPr>
-          <a:xfrm>
-            <a:off x="706211" y="2808514"/>
-            <a:ext cx="3788228" cy="2049236"/>
-          </a:xfrm>
-          <a:prstGeom prst="rect">
-            <a:avLst/>
-          </a:prstGeom>
-          <a:noFill/>
-        </p:spPr>
-        <p:style>
-          <a:lnRef idx="2">
-            <a:schemeClr val="accent1">
-              <a:shade val="50000"/>
-            </a:schemeClr>
-          </a:lnRef>
-          <a:fillRef idx="1">
-            <a:schemeClr val="accent1"/>
-          </a:fillRef>
-          <a:effectRef idx="0">
-            <a:schemeClr val="accent1"/>
-          </a:effectRef>
-          <a:fontRef idx="minor">
-            <a:schemeClr val="lt1"/>
-          </a:fontRef>
-        </p:style>
-        <p:txBody>
-          <a:bodyPr rtlCol="0" anchor="ctr"/>
-          <a:lstStyle/>
-          <a:p>
-            <a:pPr algn="ctr"/>
-            <a:endParaRPr lang="it-IT"/>
-          </a:p>
-        </p:txBody>
-      </p:sp>
     </p:spTree>
     <p:extLst>
       <p:ext uri="{BB962C8B-B14F-4D97-AF65-F5344CB8AC3E}">
-        <p14:creationId xmlns:p14="http://schemas.microsoft.com/office/powerpoint/2010/main" val="820951937"/>
+        <p14:creationId xmlns:p14="http://schemas.microsoft.com/office/powerpoint/2010/main" val="147539273"/>
       </p:ext>
     </p:extLst>
   </p:cSld>
@@ -13486,7 +13514,7 @@
           <a:p>
             <a:r>
               <a:rPr lang="it-IT" dirty="0"/>
-              <a:t>Pod</a:t>
+              <a:t>Namespace</a:t>
             </a:r>
           </a:p>
         </p:txBody>
@@ -13561,94 +13589,158 @@
           </a:xfrm>
         </p:spPr>
         <p:txBody>
-          <a:bodyPr>
-            <a:normAutofit/>
-          </a:bodyPr>
+          <a:bodyPr/>
           <a:lstStyle/>
           <a:p>
             <a:pPr fontAlgn="base"/>
             <a:r>
-              <a:rPr lang="en-US" sz="2000" b="1" dirty="0"/>
-              <a:t>Atomic unit</a:t>
-            </a:r>
-            <a:r>
               <a:rPr lang="en-US" sz="2000" dirty="0"/>
-              <a:t> or smallest “</a:t>
-            </a:r>
-            <a:r>
-              <a:rPr lang="en-US" sz="2000" i="1" dirty="0"/>
-              <a:t>unit of work</a:t>
-            </a:r>
-            <a:r>
-              <a:rPr lang="en-US" sz="2000" dirty="0"/>
-              <a:t>” of Kubernetes.</a:t>
-            </a:r>
-          </a:p>
-          <a:p>
-            <a:r>
-              <a:rPr lang="en-US" sz="2000" dirty="0"/>
-              <a:t>Pods are </a:t>
-            </a:r>
-            <a:r>
-              <a:rPr lang="en-US" sz="2000" b="1" dirty="0"/>
-              <a:t>one or MORE containers</a:t>
-            </a:r>
-            <a:r>
-              <a:rPr lang="en-US" sz="2000" dirty="0"/>
-              <a:t> that share volumes, a network, and are a part of a </a:t>
-            </a:r>
-            <a:r>
-              <a:rPr lang="en-US" sz="2000" b="1" dirty="0"/>
-              <a:t>single context</a:t>
-            </a:r>
-            <a:r>
-              <a:rPr lang="en-US" sz="2000" dirty="0"/>
-              <a:t>.</a:t>
-            </a:r>
-            <a:endParaRPr lang="it-IT" sz="2000" dirty="0"/>
-          </a:p>
-        </p:txBody>
-      </p:sp>
-      <p:pic>
-        <p:nvPicPr>
-          <p:cNvPr id="9" name="Segnaposto contenuto 4">
-            <a:extLst>
-              <a:ext uri="{FF2B5EF4-FFF2-40B4-BE49-F238E27FC236}">
-                <a16:creationId xmlns:a16="http://schemas.microsoft.com/office/drawing/2014/main" id="{1618934A-2507-4F68-AEBD-DF22DCD43AF7}"/>
-              </a:ext>
-            </a:extLst>
-          </p:cNvPr>
-          <p:cNvPicPr>
-            <a:picLocks noChangeAspect="1"/>
-          </p:cNvPicPr>
+              <a:t>Namespaces are a logical cluster or environment, and are the primary method of partitioning a cluster or scoping access.</a:t>
+            </a:r>
+          </a:p>
+          <a:p>
+            <a:pPr fontAlgn="base"/>
+            <a:endParaRPr lang="en-US" dirty="0"/>
+          </a:p>
+          <a:p>
+            <a:pPr fontAlgn="base"/>
+            <a:endParaRPr lang="it-IT" dirty="0"/>
+          </a:p>
+          <a:p>
+            <a:pPr marL="0" indent="0" fontAlgn="base">
+              <a:buNone/>
+            </a:pPr>
+            <a:r>
+              <a:rPr lang="en-US" dirty="0">
+                <a:latin typeface="Consolas" panose="020B0609020204030204" pitchFamily="49" charset="0"/>
+              </a:rPr>
+              <a:t>$ </a:t>
+            </a:r>
+            <a:r>
+              <a:rPr lang="en-US" dirty="0" err="1">
+                <a:latin typeface="Consolas" panose="020B0609020204030204" pitchFamily="49" charset="0"/>
+              </a:rPr>
+              <a:t>kubectl</a:t>
+            </a:r>
+            <a:r>
+              <a:rPr lang="en-US" dirty="0">
+                <a:latin typeface="Consolas" panose="020B0609020204030204" pitchFamily="49" charset="0"/>
+              </a:rPr>
+              <a:t> get namespaces</a:t>
+            </a:r>
+          </a:p>
+          <a:p>
+            <a:pPr marL="0" indent="0" fontAlgn="base">
+              <a:buNone/>
+            </a:pPr>
+            <a:r>
+              <a:rPr lang="en-US" dirty="0">
+                <a:latin typeface="Consolas" panose="020B0609020204030204" pitchFamily="49" charset="0"/>
+              </a:rPr>
+              <a:t>NAME          STATUS    AGE</a:t>
+            </a:r>
+          </a:p>
+          <a:p>
+            <a:pPr marL="0" indent="0" fontAlgn="base">
+              <a:buNone/>
+            </a:pPr>
+            <a:r>
+              <a:rPr lang="en-US" dirty="0">
+                <a:latin typeface="Consolas" panose="020B0609020204030204" pitchFamily="49" charset="0"/>
+              </a:rPr>
+              <a:t>default       Active    1d</a:t>
+            </a:r>
+          </a:p>
+          <a:p>
+            <a:pPr marL="0" indent="0" fontAlgn="base">
+              <a:buNone/>
+            </a:pPr>
+            <a:r>
+              <a:rPr lang="en-US" dirty="0" err="1">
+                <a:latin typeface="Consolas" panose="020B0609020204030204" pitchFamily="49" charset="0"/>
+              </a:rPr>
+              <a:t>kube</a:t>
+            </a:r>
+            <a:r>
+              <a:rPr lang="en-US" dirty="0">
+                <a:latin typeface="Consolas" panose="020B0609020204030204" pitchFamily="49" charset="0"/>
+              </a:rPr>
+              <a:t>-system   Active    1d</a:t>
+            </a:r>
+          </a:p>
+          <a:p>
+            <a:pPr marL="0" indent="0" fontAlgn="base">
+              <a:buNone/>
+            </a:pPr>
+            <a:r>
+              <a:rPr lang="en-US" dirty="0" err="1">
+                <a:latin typeface="Consolas" panose="020B0609020204030204" pitchFamily="49" charset="0"/>
+              </a:rPr>
+              <a:t>kube</a:t>
+            </a:r>
+            <a:r>
+              <a:rPr lang="en-US" dirty="0">
+                <a:latin typeface="Consolas" panose="020B0609020204030204" pitchFamily="49" charset="0"/>
+              </a:rPr>
+              <a:t>-public   Active    1d</a:t>
+            </a:r>
+            <a:endParaRPr lang="it-IT" dirty="0">
+              <a:latin typeface="Consolas" panose="020B0609020204030204" pitchFamily="49" charset="0"/>
+            </a:endParaRPr>
+          </a:p>
+        </p:txBody>
+      </p:sp>
+      <p:sp>
+        <p:nvSpPr>
+          <p:cNvPr id="5" name="Rettangolo 4">
+            <a:extLst>
+              <a:ext uri="{FF2B5EF4-FFF2-40B4-BE49-F238E27FC236}">
+                <a16:creationId xmlns:a16="http://schemas.microsoft.com/office/drawing/2014/main" id="{A422E60A-606E-4548-91B7-CD050F53392F}"/>
+              </a:ext>
+            </a:extLst>
+          </p:cNvPr>
+          <p:cNvSpPr/>
           <p:nvPr/>
-        </p:nvPicPr>
-        <p:blipFill>
-          <a:blip r:embed="rId3">
-            <a:extLst>
-              <a:ext uri="{96DAC541-7B7A-43D3-8B79-37D633B846F1}">
-                <asvg:svgBlip xmlns:asvg="http://schemas.microsoft.com/office/drawing/2016/SVG/main" r:embed="rId4"/>
-              </a:ext>
-            </a:extLst>
-          </a:blip>
-          <a:stretch>
-            <a:fillRect/>
-          </a:stretch>
-        </p:blipFill>
+        </p:nvSpPr>
         <p:spPr>
           <a:xfrm>
-            <a:off x="2711496" y="2366963"/>
-            <a:ext cx="4528343" cy="3881437"/>
+            <a:off x="706211" y="2808514"/>
+            <a:ext cx="3788228" cy="2049236"/>
           </a:xfrm>
           <a:prstGeom prst="rect">
             <a:avLst/>
           </a:prstGeom>
-        </p:spPr>
-      </p:pic>
+          <a:noFill/>
+        </p:spPr>
+        <p:style>
+          <a:lnRef idx="2">
+            <a:schemeClr val="accent1">
+              <a:shade val="50000"/>
+            </a:schemeClr>
+          </a:lnRef>
+          <a:fillRef idx="1">
+            <a:schemeClr val="accent1"/>
+          </a:fillRef>
+          <a:effectRef idx="0">
+            <a:schemeClr val="accent1"/>
+          </a:effectRef>
+          <a:fontRef idx="minor">
+            <a:schemeClr val="lt1"/>
+          </a:fontRef>
+        </p:style>
+        <p:txBody>
+          <a:bodyPr rtlCol="0" anchor="ctr"/>
+          <a:lstStyle/>
+          <a:p>
+            <a:pPr algn="ctr"/>
+            <a:endParaRPr lang="it-IT"/>
+          </a:p>
+        </p:txBody>
+      </p:sp>
     </p:spTree>
     <p:extLst>
       <p:ext uri="{BB962C8B-B14F-4D97-AF65-F5344CB8AC3E}">
-        <p14:creationId xmlns:p14="http://schemas.microsoft.com/office/powerpoint/2010/main" val="1056318814"/>
+        <p14:creationId xmlns:p14="http://schemas.microsoft.com/office/powerpoint/2010/main" val="820951937"/>
       </p:ext>
     </p:extLst>
   </p:cSld>

--- a/slides/kube-demo.pptx
+++ b/slides/kube-demo.pptx
@@ -19,13 +19,18 @@
     <p:sldId id="263" r:id="rId13"/>
     <p:sldId id="265" r:id="rId14"/>
     <p:sldId id="266" r:id="rId15"/>
-    <p:sldId id="272" r:id="rId16"/>
-    <p:sldId id="269" r:id="rId17"/>
-    <p:sldId id="270" r:id="rId18"/>
-    <p:sldId id="271" r:id="rId19"/>
-    <p:sldId id="277" r:id="rId20"/>
-    <p:sldId id="267" r:id="rId21"/>
-    <p:sldId id="268" r:id="rId22"/>
+    <p:sldId id="279" r:id="rId16"/>
+    <p:sldId id="280" r:id="rId17"/>
+    <p:sldId id="278" r:id="rId18"/>
+    <p:sldId id="272" r:id="rId19"/>
+    <p:sldId id="269" r:id="rId20"/>
+    <p:sldId id="270" r:id="rId21"/>
+    <p:sldId id="271" r:id="rId22"/>
+    <p:sldId id="277" r:id="rId23"/>
+    <p:sldId id="282" r:id="rId24"/>
+    <p:sldId id="281" r:id="rId25"/>
+    <p:sldId id="267" r:id="rId26"/>
+    <p:sldId id="268" r:id="rId27"/>
   </p:sldIdLst>
   <p:sldSz cx="12192000" cy="6858000"/>
   <p:notesSz cx="6858000" cy="9144000"/>
@@ -878,7 +883,7 @@
             <a:fld id="{B61BEF0D-F0BB-DE4B-95CE-6DB70DBA9567}" type="datetimeFigureOut">
               <a:rPr lang="en-US" dirty="0"/>
               <a:pPr/>
-              <a:t>4/9/2019</a:t>
+              <a:t>4/13/2019</a:t>
             </a:fld>
             <a:endParaRPr lang="en-US" dirty="0"/>
           </a:p>
@@ -1126,7 +1131,7 @@
             <a:fld id="{B61BEF0D-F0BB-DE4B-95CE-6DB70DBA9567}" type="datetimeFigureOut">
               <a:rPr lang="en-US" dirty="0"/>
               <a:pPr/>
-              <a:t>4/9/2019</a:t>
+              <a:t>4/13/2019</a:t>
             </a:fld>
             <a:endParaRPr lang="en-US" dirty="0"/>
           </a:p>
@@ -1437,7 +1442,7 @@
             <a:fld id="{B61BEF0D-F0BB-DE4B-95CE-6DB70DBA9567}" type="datetimeFigureOut">
               <a:rPr lang="en-US" dirty="0"/>
               <a:pPr/>
-              <a:t>4/9/2019</a:t>
+              <a:t>4/13/2019</a:t>
             </a:fld>
             <a:endParaRPr lang="en-US" dirty="0"/>
           </a:p>
@@ -1767,7 +1772,7 @@
             <a:fld id="{B61BEF0D-F0BB-DE4B-95CE-6DB70DBA9567}" type="datetimeFigureOut">
               <a:rPr lang="en-US" dirty="0"/>
               <a:pPr/>
-              <a:t>4/9/2019</a:t>
+              <a:t>4/13/2019</a:t>
             </a:fld>
             <a:endParaRPr lang="en-US" dirty="0"/>
           </a:p>
@@ -2078,7 +2083,7 @@
             <a:fld id="{B61BEF0D-F0BB-DE4B-95CE-6DB70DBA9567}" type="datetimeFigureOut">
               <a:rPr lang="en-US" dirty="0"/>
               <a:pPr/>
-              <a:t>4/9/2019</a:t>
+              <a:t>4/13/2019</a:t>
             </a:fld>
             <a:endParaRPr lang="en-US" dirty="0"/>
           </a:p>
@@ -2468,7 +2473,7 @@
             <a:fld id="{B61BEF0D-F0BB-DE4B-95CE-6DB70DBA9567}" type="datetimeFigureOut">
               <a:rPr lang="en-US" dirty="0"/>
               <a:pPr/>
-              <a:t>4/9/2019</a:t>
+              <a:t>4/13/2019</a:t>
             </a:fld>
             <a:endParaRPr lang="en-US" dirty="0"/>
           </a:p>
@@ -2634,7 +2639,7 @@
           <a:p>
             <a:fld id="{55C6B4A9-1611-4792-9094-5F34BCA07E0B}" type="datetimeFigureOut">
               <a:rPr lang="en-US" dirty="0"/>
-              <a:t>4/9/2019</a:t>
+              <a:t>4/13/2019</a:t>
             </a:fld>
             <a:endParaRPr lang="en-US" dirty="0"/>
           </a:p>
@@ -2810,7 +2815,7 @@
             <a:fld id="{B61BEF0D-F0BB-DE4B-95CE-6DB70DBA9567}" type="datetimeFigureOut">
               <a:rPr lang="en-US" dirty="0"/>
               <a:pPr/>
-              <a:t>4/9/2019</a:t>
+              <a:t>4/13/2019</a:t>
             </a:fld>
             <a:endParaRPr lang="en-US" dirty="0"/>
           </a:p>
@@ -2976,7 +2981,7 @@
           <a:p>
             <a:fld id="{42A54C80-263E-416B-A8E0-580EDEADCBDC}" type="datetimeFigureOut">
               <a:rPr lang="en-US" dirty="0"/>
-              <a:t>4/9/2019</a:t>
+              <a:t>4/13/2019</a:t>
             </a:fld>
             <a:endParaRPr lang="en-US" dirty="0"/>
           </a:p>
@@ -3219,7 +3224,7 @@
             <a:fld id="{B61BEF0D-F0BB-DE4B-95CE-6DB70DBA9567}" type="datetimeFigureOut">
               <a:rPr lang="en-US" dirty="0"/>
               <a:pPr/>
-              <a:t>4/9/2019</a:t>
+              <a:t>4/13/2019</a:t>
             </a:fld>
             <a:endParaRPr lang="en-US" dirty="0"/>
           </a:p>
@@ -3447,7 +3452,7 @@
           <a:p>
             <a:fld id="{42A54C80-263E-416B-A8E0-580EDEADCBDC}" type="datetimeFigureOut">
               <a:rPr lang="en-US" dirty="0"/>
-              <a:t>4/9/2019</a:t>
+              <a:t>4/13/2019</a:t>
             </a:fld>
             <a:endParaRPr lang="en-US" dirty="0"/>
           </a:p>
@@ -3817,7 +3822,7 @@
             <a:fld id="{B61BEF0D-F0BB-DE4B-95CE-6DB70DBA9567}" type="datetimeFigureOut">
               <a:rPr lang="en-US" dirty="0"/>
               <a:pPr/>
-              <a:t>4/9/2019</a:t>
+              <a:t>4/13/2019</a:t>
             </a:fld>
             <a:endParaRPr lang="en-US" dirty="0"/>
           </a:p>
@@ -3937,7 +3942,7 @@
             <a:fld id="{B61BEF0D-F0BB-DE4B-95CE-6DB70DBA9567}" type="datetimeFigureOut">
               <a:rPr lang="en-US" dirty="0"/>
               <a:pPr/>
-              <a:t>4/9/2019</a:t>
+              <a:t>4/13/2019</a:t>
             </a:fld>
             <a:endParaRPr lang="en-US" dirty="0"/>
           </a:p>
@@ -4029,7 +4034,7 @@
             <a:fld id="{B61BEF0D-F0BB-DE4B-95CE-6DB70DBA9567}" type="datetimeFigureOut">
               <a:rPr lang="en-US" dirty="0"/>
               <a:pPr/>
-              <a:t>4/9/2019</a:t>
+              <a:t>4/13/2019</a:t>
             </a:fld>
             <a:endParaRPr lang="en-US" dirty="0"/>
           </a:p>
@@ -4280,7 +4285,7 @@
           <a:p>
             <a:fld id="{42A54C80-263E-416B-A8E0-580EDEADCBDC}" type="datetimeFigureOut">
               <a:rPr lang="en-US" dirty="0"/>
-              <a:t>4/9/2019</a:t>
+              <a:t>4/13/2019</a:t>
             </a:fld>
             <a:endParaRPr lang="en-US" dirty="0"/>
           </a:p>
@@ -4582,7 +4587,7 @@
             <a:fld id="{B61BEF0D-F0BB-DE4B-95CE-6DB70DBA9567}" type="datetimeFigureOut">
               <a:rPr lang="en-US" dirty="0"/>
               <a:pPr/>
-              <a:t>4/9/2019</a:t>
+              <a:t>4/13/2019</a:t>
             </a:fld>
             <a:endParaRPr lang="en-US" dirty="0"/>
           </a:p>
@@ -5280,7 +5285,7 @@
             <a:fld id="{B61BEF0D-F0BB-DE4B-95CE-6DB70DBA9567}" type="datetimeFigureOut">
               <a:rPr lang="en-US" dirty="0"/>
               <a:pPr/>
-              <a:t>4/9/2019</a:t>
+              <a:t>4/13/2019</a:t>
             </a:fld>
             <a:endParaRPr lang="en-US" dirty="0"/>
           </a:p>
@@ -6711,8 +6716,12 @@
           <a:lstStyle/>
           <a:p>
             <a:r>
+              <a:rPr lang="it-IT" dirty="0" err="1"/>
+              <a:t>Persistent</a:t>
+            </a:r>
+            <a:r>
               <a:rPr lang="it-IT" dirty="0"/>
-              <a:t>Service</a:t>
+              <a:t> Volume</a:t>
             </a:r>
           </a:p>
         </p:txBody>
@@ -6787,48 +6796,83 @@
           <a:p>
             <a:pPr fontAlgn="base"/>
             <a:r>
-              <a:rPr lang="en-US" sz="2000" dirty="0"/>
-              <a:t>A set of routing rules that defines how to access the Pods. </a:t>
+              <a:rPr lang="en-US" dirty="0"/>
+              <a:t>A </a:t>
+            </a:r>
+            <a:r>
+              <a:rPr lang="en-US" b="1" dirty="0" err="1"/>
+              <a:t>PersistentVolume</a:t>
+            </a:r>
+            <a:r>
+              <a:rPr lang="en-US" dirty="0"/>
+              <a:t> (PV) represents a storage resource.  </a:t>
             </a:r>
           </a:p>
           <a:p>
             <a:pPr fontAlgn="base"/>
-            <a:endParaRPr lang="en-US" sz="2000" b="1" dirty="0"/>
-          </a:p>
-          <a:p>
-            <a:pPr lvl="1" fontAlgn="base"/>
-            <a:r>
-              <a:rPr lang="it-IT" sz="1800" b="1" dirty="0" err="1"/>
-              <a:t>ClusterIP</a:t>
-            </a:r>
-            <a:r>
-              <a:rPr lang="it-IT" sz="1800" b="1" dirty="0"/>
-              <a:t> (default)</a:t>
-            </a:r>
-          </a:p>
-          <a:p>
-            <a:pPr lvl="1" fontAlgn="base"/>
-            <a:r>
-              <a:rPr lang="it-IT" sz="1800" b="1" dirty="0" err="1"/>
-              <a:t>NodePort</a:t>
-            </a:r>
-            <a:endParaRPr lang="it-IT" sz="1800" b="1" dirty="0"/>
-          </a:p>
-          <a:p>
-            <a:pPr lvl="1" fontAlgn="base"/>
-            <a:r>
-              <a:rPr lang="it-IT" sz="1800" b="1" dirty="0" err="1"/>
-              <a:t>LoadBalancer</a:t>
-            </a:r>
-            <a:endParaRPr lang="it-IT" sz="1800" b="1" dirty="0"/>
-          </a:p>
-          <a:p>
-            <a:pPr lvl="1" fontAlgn="base"/>
-            <a:r>
-              <a:rPr lang="it-IT" sz="1800" b="1" dirty="0" err="1"/>
-              <a:t>ExternalName</a:t>
-            </a:r>
-            <a:endParaRPr lang="it-IT" sz="1800" b="1" dirty="0"/>
+            <a:endParaRPr lang="en-US" dirty="0"/>
+          </a:p>
+          <a:p>
+            <a:pPr fontAlgn="base"/>
+            <a:r>
+              <a:rPr lang="en-US" dirty="0"/>
+              <a:t>PVs are a </a:t>
+            </a:r>
+            <a:r>
+              <a:rPr lang="en-US" b="1" dirty="0"/>
+              <a:t>cluster wide resource</a:t>
+            </a:r>
+            <a:r>
+              <a:rPr lang="en-US" dirty="0"/>
+              <a:t> linked to a backing storage provider: NFS, </a:t>
+            </a:r>
+            <a:r>
+              <a:rPr lang="en-US" dirty="0" err="1"/>
+              <a:t>GCEPersistentDisk</a:t>
+            </a:r>
+            <a:r>
+              <a:rPr lang="en-US" dirty="0"/>
+              <a:t>, </a:t>
+            </a:r>
+            <a:r>
+              <a:rPr lang="en-US" dirty="0" err="1"/>
+              <a:t>Ceph</a:t>
+            </a:r>
+            <a:r>
+              <a:rPr lang="en-US" dirty="0"/>
+              <a:t>, Azure Disk etc.</a:t>
+            </a:r>
+          </a:p>
+          <a:p>
+            <a:pPr fontAlgn="base"/>
+            <a:endParaRPr lang="en-US" dirty="0"/>
+          </a:p>
+          <a:p>
+            <a:pPr fontAlgn="base"/>
+            <a:r>
+              <a:rPr lang="en-US" dirty="0"/>
+              <a:t>Their lifecycle is handled independently from a pod</a:t>
+            </a:r>
+          </a:p>
+          <a:p>
+            <a:pPr fontAlgn="base"/>
+            <a:endParaRPr lang="en-US" b="1" dirty="0"/>
+          </a:p>
+          <a:p>
+            <a:pPr fontAlgn="base"/>
+            <a:r>
+              <a:rPr lang="en-US" b="1" dirty="0"/>
+              <a:t>CANNOT</a:t>
+            </a:r>
+            <a:r>
+              <a:rPr lang="en-US" dirty="0"/>
+              <a:t> be attached to a Pod directly. Relies on a  </a:t>
+            </a:r>
+            <a:r>
+              <a:rPr lang="en-US" b="1" dirty="0" err="1"/>
+              <a:t>PersistentVolumeClaim</a:t>
+            </a:r>
+            <a:endParaRPr lang="en-US" dirty="0"/>
           </a:p>
           <a:p>
             <a:pPr fontAlgn="base"/>
@@ -6888,12 +6932,24 @@
           <a:lstStyle/>
           <a:p>
             <a:r>
+              <a:rPr lang="it-IT" dirty="0" err="1"/>
+              <a:t>Persistent</a:t>
+            </a:r>
+            <a:r>
               <a:rPr lang="it-IT" dirty="0"/>
-              <a:t>Service </a:t>
+              <a:t> </a:t>
             </a:r>
             <a:r>
               <a:rPr lang="it-IT" dirty="0" err="1"/>
-              <a:t>ClusterIP</a:t>
+              <a:t>Volumes</a:t>
+            </a:r>
+            <a:r>
+              <a:rPr lang="it-IT" dirty="0"/>
+              <a:t> </a:t>
+            </a:r>
+            <a:r>
+              <a:rPr lang="it-IT" dirty="0" err="1"/>
+              <a:t>Claim</a:t>
             </a:r>
             <a:endParaRPr lang="it-IT" dirty="0"/>
           </a:p>
@@ -6962,1263 +7018,57 @@
             <p:ph idx="1"/>
           </p:nvPr>
         </p:nvSpPr>
-        <p:spPr>
-          <a:xfrm>
-            <a:off x="677334" y="1680085"/>
-            <a:ext cx="8596668" cy="3880773"/>
-          </a:xfrm>
-        </p:spPr>
-        <p:txBody>
-          <a:bodyPr>
-            <a:normAutofit/>
-          </a:bodyPr>
+        <p:spPr/>
+        <p:txBody>
+          <a:bodyPr/>
           <a:lstStyle/>
           <a:p>
             <a:pPr fontAlgn="base"/>
-            <a:r>
-              <a:rPr lang="en-US" sz="2000" b="1" dirty="0" err="1"/>
-              <a:t>ClusterIP</a:t>
-            </a:r>
-            <a:r>
-              <a:rPr lang="en-US" sz="2000" dirty="0"/>
-              <a:t> services exposes a service on a strictly cluster internal virtual IP.</a:t>
-            </a:r>
+            <a:endParaRPr lang="en-US" dirty="0"/>
           </a:p>
           <a:p>
             <a:pPr fontAlgn="base"/>
-            <a:endParaRPr lang="en-US" sz="2000" dirty="0"/>
+            <a:r>
+              <a:rPr lang="en-US" dirty="0"/>
+              <a:t>A </a:t>
+            </a:r>
+            <a:r>
+              <a:rPr lang="en-US" b="1" dirty="0" err="1"/>
+              <a:t>PersistentVolumeClaim</a:t>
+            </a:r>
+            <a:r>
+              <a:rPr lang="en-US" dirty="0"/>
+              <a:t> (PVC) is a </a:t>
+            </a:r>
+            <a:r>
+              <a:rPr lang="en-US" b="1" dirty="0" err="1"/>
+              <a:t>namespaced</a:t>
+            </a:r>
+            <a:r>
+              <a:rPr lang="en-US" dirty="0"/>
+              <a:t> request for storage.</a:t>
+            </a:r>
           </a:p>
           <a:p>
             <a:pPr fontAlgn="base"/>
-            <a:endParaRPr lang="en-US" sz="2000" dirty="0"/>
-          </a:p>
-        </p:txBody>
-      </p:sp>
-      <p:sp>
-        <p:nvSpPr>
-          <p:cNvPr id="5" name="Rettangolo 4">
-            <a:extLst>
-              <a:ext uri="{FF2B5EF4-FFF2-40B4-BE49-F238E27FC236}">
-                <a16:creationId xmlns:a16="http://schemas.microsoft.com/office/drawing/2014/main" id="{99A58080-64A7-4773-8733-68B0A735FB22}"/>
-              </a:ext>
-            </a:extLst>
-          </p:cNvPr>
-          <p:cNvSpPr/>
-          <p:nvPr/>
-        </p:nvSpPr>
-        <p:spPr>
-          <a:xfrm>
-            <a:off x="3531037" y="2958069"/>
-            <a:ext cx="1845129" cy="2743200"/>
-          </a:xfrm>
-          <a:prstGeom prst="rect">
-            <a:avLst/>
-          </a:prstGeom>
-          <a:solidFill>
-            <a:schemeClr val="bg1"/>
-          </a:solidFill>
-        </p:spPr>
-        <p:style>
-          <a:lnRef idx="2">
-            <a:schemeClr val="accent1">
-              <a:shade val="50000"/>
-            </a:schemeClr>
-          </a:lnRef>
-          <a:fillRef idx="1">
-            <a:schemeClr val="accent1"/>
-          </a:fillRef>
-          <a:effectRef idx="0">
-            <a:schemeClr val="accent1"/>
-          </a:effectRef>
-          <a:fontRef idx="minor">
-            <a:schemeClr val="lt1"/>
-          </a:fontRef>
-        </p:style>
-        <p:txBody>
-          <a:bodyPr rtlCol="0" anchor="ctr"/>
-          <a:lstStyle/>
-          <a:p>
-            <a:pPr algn="ctr"/>
-            <a:endParaRPr lang="it-IT"/>
-          </a:p>
-        </p:txBody>
-      </p:sp>
-      <p:sp>
-        <p:nvSpPr>
-          <p:cNvPr id="6" name="Rettangolo 5">
-            <a:extLst>
-              <a:ext uri="{FF2B5EF4-FFF2-40B4-BE49-F238E27FC236}">
-                <a16:creationId xmlns:a16="http://schemas.microsoft.com/office/drawing/2014/main" id="{3D908CC7-E079-485D-8DF2-769CE77E6B17}"/>
-              </a:ext>
-            </a:extLst>
-          </p:cNvPr>
-          <p:cNvSpPr/>
-          <p:nvPr/>
-        </p:nvSpPr>
-        <p:spPr>
-          <a:xfrm>
-            <a:off x="5750361" y="2965201"/>
-            <a:ext cx="1845129" cy="2743200"/>
-          </a:xfrm>
-          <a:prstGeom prst="rect">
-            <a:avLst/>
-          </a:prstGeom>
-          <a:solidFill>
-            <a:schemeClr val="bg1"/>
-          </a:solidFill>
-        </p:spPr>
-        <p:style>
-          <a:lnRef idx="2">
-            <a:schemeClr val="accent1">
-              <a:shade val="50000"/>
-            </a:schemeClr>
-          </a:lnRef>
-          <a:fillRef idx="1">
-            <a:schemeClr val="accent1"/>
-          </a:fillRef>
-          <a:effectRef idx="0">
-            <a:schemeClr val="accent1"/>
-          </a:effectRef>
-          <a:fontRef idx="minor">
-            <a:schemeClr val="lt1"/>
-          </a:fontRef>
-        </p:style>
-        <p:txBody>
-          <a:bodyPr rtlCol="0" anchor="ctr"/>
-          <a:lstStyle/>
-          <a:p>
-            <a:pPr algn="ctr"/>
-            <a:endParaRPr lang="it-IT" dirty="0"/>
-          </a:p>
-        </p:txBody>
-      </p:sp>
-      <p:sp>
-        <p:nvSpPr>
-          <p:cNvPr id="7" name="CasellaDiTesto 6">
-            <a:extLst>
-              <a:ext uri="{FF2B5EF4-FFF2-40B4-BE49-F238E27FC236}">
-                <a16:creationId xmlns:a16="http://schemas.microsoft.com/office/drawing/2014/main" id="{53B66F28-19FF-40E6-8E79-B81E16A30D58}"/>
-              </a:ext>
-            </a:extLst>
-          </p:cNvPr>
-          <p:cNvSpPr txBox="1"/>
-          <p:nvPr/>
-        </p:nvSpPr>
-        <p:spPr>
-          <a:xfrm>
-            <a:off x="4198775" y="5443206"/>
-            <a:ext cx="1234633" cy="276999"/>
-          </a:xfrm>
-          <a:prstGeom prst="rect">
-            <a:avLst/>
-          </a:prstGeom>
-          <a:noFill/>
-        </p:spPr>
-        <p:txBody>
-          <a:bodyPr wrap="none" rtlCol="0">
-            <a:spAutoFit/>
-          </a:bodyPr>
-          <a:lstStyle/>
-          <a:p>
-            <a:r>
-              <a:rPr lang="it-IT" sz="1200" dirty="0"/>
-              <a:t>10.115.134.130</a:t>
-            </a:r>
-          </a:p>
-        </p:txBody>
-      </p:sp>
-      <p:pic>
-        <p:nvPicPr>
-          <p:cNvPr id="8" name="Picture 2" descr="Risultati immagini per spring boot">
-            <a:extLst>
-              <a:ext uri="{FF2B5EF4-FFF2-40B4-BE49-F238E27FC236}">
-                <a16:creationId xmlns:a16="http://schemas.microsoft.com/office/drawing/2014/main" id="{02326D37-0351-445A-AAE9-6E46A66D711A}"/>
-              </a:ext>
-            </a:extLst>
-          </p:cNvPr>
-          <p:cNvPicPr>
-            <a:picLocks noChangeAspect="1" noChangeArrowheads="1"/>
-          </p:cNvPicPr>
-          <p:nvPr/>
-        </p:nvPicPr>
-        <p:blipFill>
-          <a:blip r:embed="rId3">
-            <a:extLst>
-              <a:ext uri="{28A0092B-C50C-407E-A947-70E740481C1C}">
-                <a14:useLocalDpi xmlns:a14="http://schemas.microsoft.com/office/drawing/2010/main" val="0"/>
-              </a:ext>
-            </a:extLst>
-          </a:blip>
-          <a:srcRect/>
-          <a:stretch>
-            <a:fillRect/>
-          </a:stretch>
-        </p:blipFill>
-        <p:spPr bwMode="auto">
-          <a:xfrm>
-            <a:off x="3630370" y="2983014"/>
-            <a:ext cx="595993" cy="595993"/>
-          </a:xfrm>
-          <a:prstGeom prst="rect">
-            <a:avLst/>
-          </a:prstGeom>
-          <a:noFill/>
-          <a:extLst>
-            <a:ext uri="{909E8E84-426E-40DD-AFC4-6F175D3DCCD1}">
-              <a14:hiddenFill xmlns:a14="http://schemas.microsoft.com/office/drawing/2010/main">
-                <a:solidFill>
-                  <a:srgbClr val="FFFFFF"/>
-                </a:solidFill>
-              </a14:hiddenFill>
-            </a:ext>
-          </a:extLst>
-        </p:spPr>
-      </p:pic>
-      <p:sp>
-        <p:nvSpPr>
-          <p:cNvPr id="9" name="Rettangolo 8">
-            <a:extLst>
-              <a:ext uri="{FF2B5EF4-FFF2-40B4-BE49-F238E27FC236}">
-                <a16:creationId xmlns:a16="http://schemas.microsoft.com/office/drawing/2014/main" id="{DF5FC335-6C55-4CDB-99B6-503FDB26C047}"/>
-              </a:ext>
-            </a:extLst>
-          </p:cNvPr>
-          <p:cNvSpPr/>
-          <p:nvPr/>
-        </p:nvSpPr>
-        <p:spPr>
-          <a:xfrm>
-            <a:off x="3596352" y="2994807"/>
-            <a:ext cx="914400" cy="740354"/>
-          </a:xfrm>
-          <a:prstGeom prst="rect">
-            <a:avLst/>
-          </a:prstGeom>
-          <a:noFill/>
-          <a:ln>
-            <a:solidFill>
-              <a:schemeClr val="accent1"/>
-            </a:solidFill>
-          </a:ln>
-        </p:spPr>
-        <p:style>
-          <a:lnRef idx="2">
-            <a:schemeClr val="accent1">
-              <a:shade val="50000"/>
-            </a:schemeClr>
-          </a:lnRef>
-          <a:fillRef idx="1">
-            <a:schemeClr val="accent1"/>
-          </a:fillRef>
-          <a:effectRef idx="0">
-            <a:schemeClr val="accent1"/>
-          </a:effectRef>
-          <a:fontRef idx="minor">
-            <a:schemeClr val="lt1"/>
-          </a:fontRef>
-        </p:style>
-        <p:txBody>
-          <a:bodyPr rtlCol="0" anchor="ctr"/>
-          <a:lstStyle/>
-          <a:p>
-            <a:pPr algn="ctr"/>
-            <a:endParaRPr lang="it-IT"/>
-          </a:p>
-        </p:txBody>
-      </p:sp>
-      <p:sp>
-        <p:nvSpPr>
-          <p:cNvPr id="10" name="CasellaDiTesto 9">
-            <a:extLst>
-              <a:ext uri="{FF2B5EF4-FFF2-40B4-BE49-F238E27FC236}">
-                <a16:creationId xmlns:a16="http://schemas.microsoft.com/office/drawing/2014/main" id="{64E1B21B-0BA9-4A18-9925-0CAD7FBB27D0}"/>
-              </a:ext>
-            </a:extLst>
-          </p:cNvPr>
-          <p:cNvSpPr txBox="1"/>
-          <p:nvPr/>
-        </p:nvSpPr>
-        <p:spPr>
-          <a:xfrm>
-            <a:off x="3531037" y="3511424"/>
-            <a:ext cx="1002197" cy="261610"/>
-          </a:xfrm>
-          <a:prstGeom prst="rect">
-            <a:avLst/>
-          </a:prstGeom>
-          <a:noFill/>
-        </p:spPr>
-        <p:txBody>
-          <a:bodyPr wrap="none" rtlCol="0">
-            <a:spAutoFit/>
-          </a:bodyPr>
-          <a:lstStyle/>
-          <a:p>
-            <a:r>
-              <a:rPr lang="it-IT" sz="1100" dirty="0"/>
-              <a:t>192.168.0.56</a:t>
-            </a:r>
-          </a:p>
-        </p:txBody>
-      </p:sp>
-      <p:sp>
-        <p:nvSpPr>
-          <p:cNvPr id="11" name="CasellaDiTesto 10">
-            <a:extLst>
-              <a:ext uri="{FF2B5EF4-FFF2-40B4-BE49-F238E27FC236}">
-                <a16:creationId xmlns:a16="http://schemas.microsoft.com/office/drawing/2014/main" id="{E2F35CB6-D228-40DF-A8ED-ADAF75E2126A}"/>
-              </a:ext>
-            </a:extLst>
-          </p:cNvPr>
-          <p:cNvSpPr txBox="1"/>
-          <p:nvPr/>
-        </p:nvSpPr>
-        <p:spPr>
-          <a:xfrm>
-            <a:off x="4094374" y="3731281"/>
-            <a:ext cx="512371" cy="261610"/>
-          </a:xfrm>
-          <a:prstGeom prst="rect">
-            <a:avLst/>
-          </a:prstGeom>
-          <a:noFill/>
-        </p:spPr>
-        <p:txBody>
-          <a:bodyPr wrap="square" rtlCol="0">
-            <a:spAutoFit/>
-          </a:bodyPr>
-          <a:lstStyle/>
-          <a:p>
-            <a:r>
-              <a:rPr lang="it-IT" sz="1100" dirty="0"/>
-              <a:t>8080</a:t>
-            </a:r>
-          </a:p>
-        </p:txBody>
-      </p:sp>
-      <p:sp>
-        <p:nvSpPr>
-          <p:cNvPr id="12" name="Rettangolo 11">
-            <a:extLst>
-              <a:ext uri="{FF2B5EF4-FFF2-40B4-BE49-F238E27FC236}">
-                <a16:creationId xmlns:a16="http://schemas.microsoft.com/office/drawing/2014/main" id="{B412216A-C046-4D8D-B680-7AE3EF78BCC0}"/>
-              </a:ext>
-            </a:extLst>
-          </p:cNvPr>
-          <p:cNvSpPr/>
-          <p:nvPr/>
-        </p:nvSpPr>
-        <p:spPr>
-          <a:xfrm>
-            <a:off x="4163114" y="3731281"/>
-            <a:ext cx="347638" cy="219857"/>
-          </a:xfrm>
-          <a:prstGeom prst="rect">
-            <a:avLst/>
-          </a:prstGeom>
-          <a:noFill/>
-          <a:ln>
-            <a:solidFill>
-              <a:schemeClr val="accent2"/>
-            </a:solidFill>
-          </a:ln>
-        </p:spPr>
-        <p:style>
-          <a:lnRef idx="2">
-            <a:schemeClr val="accent1">
-              <a:shade val="50000"/>
-            </a:schemeClr>
-          </a:lnRef>
-          <a:fillRef idx="1">
-            <a:schemeClr val="accent1"/>
-          </a:fillRef>
-          <a:effectRef idx="0">
-            <a:schemeClr val="accent1"/>
-          </a:effectRef>
-          <a:fontRef idx="minor">
-            <a:schemeClr val="lt1"/>
-          </a:fontRef>
-        </p:style>
-        <p:txBody>
-          <a:bodyPr rtlCol="0" anchor="ctr"/>
-          <a:lstStyle/>
-          <a:p>
-            <a:pPr algn="ctr"/>
-            <a:endParaRPr lang="it-IT"/>
-          </a:p>
-        </p:txBody>
-      </p:sp>
-      <p:sp>
-        <p:nvSpPr>
-          <p:cNvPr id="13" name="Rettangolo 12">
-            <a:extLst>
-              <a:ext uri="{FF2B5EF4-FFF2-40B4-BE49-F238E27FC236}">
-                <a16:creationId xmlns:a16="http://schemas.microsoft.com/office/drawing/2014/main" id="{DED0E022-3909-4835-928A-5D926765846D}"/>
-              </a:ext>
-            </a:extLst>
-          </p:cNvPr>
-          <p:cNvSpPr/>
-          <p:nvPr/>
-        </p:nvSpPr>
-        <p:spPr>
-          <a:xfrm>
-            <a:off x="4265820" y="5443207"/>
-            <a:ext cx="1094014" cy="226212"/>
-          </a:xfrm>
-          <a:prstGeom prst="rect">
-            <a:avLst/>
-          </a:prstGeom>
-          <a:noFill/>
-          <a:ln>
-            <a:solidFill>
-              <a:schemeClr val="accent2"/>
-            </a:solidFill>
-          </a:ln>
-        </p:spPr>
-        <p:style>
-          <a:lnRef idx="2">
-            <a:schemeClr val="accent1">
-              <a:shade val="50000"/>
-            </a:schemeClr>
-          </a:lnRef>
-          <a:fillRef idx="1">
-            <a:schemeClr val="accent1"/>
-          </a:fillRef>
-          <a:effectRef idx="0">
-            <a:schemeClr val="accent1"/>
-          </a:effectRef>
-          <a:fontRef idx="minor">
-            <a:schemeClr val="lt1"/>
-          </a:fontRef>
-        </p:style>
-        <p:txBody>
-          <a:bodyPr rtlCol="0" anchor="ctr"/>
-          <a:lstStyle/>
-          <a:p>
-            <a:pPr algn="ctr"/>
-            <a:endParaRPr lang="it-IT"/>
-          </a:p>
-        </p:txBody>
-      </p:sp>
-      <p:sp>
-        <p:nvSpPr>
-          <p:cNvPr id="14" name="CasellaDiTesto 13">
-            <a:extLst>
-              <a:ext uri="{FF2B5EF4-FFF2-40B4-BE49-F238E27FC236}">
-                <a16:creationId xmlns:a16="http://schemas.microsoft.com/office/drawing/2014/main" id="{AB759D24-2802-4798-B34E-936E97BD9A35}"/>
-              </a:ext>
-            </a:extLst>
-          </p:cNvPr>
-          <p:cNvSpPr txBox="1"/>
-          <p:nvPr/>
-        </p:nvSpPr>
-        <p:spPr>
-          <a:xfrm>
-            <a:off x="6412937" y="5431402"/>
-            <a:ext cx="1234633" cy="276999"/>
-          </a:xfrm>
-          <a:prstGeom prst="rect">
-            <a:avLst/>
-          </a:prstGeom>
-          <a:noFill/>
-        </p:spPr>
-        <p:txBody>
-          <a:bodyPr wrap="none" rtlCol="0">
-            <a:spAutoFit/>
-          </a:bodyPr>
-          <a:lstStyle/>
-          <a:p>
-            <a:r>
-              <a:rPr lang="it-IT" sz="1200" dirty="0"/>
-              <a:t>10.115.134.131</a:t>
-            </a:r>
-          </a:p>
-        </p:txBody>
-      </p:sp>
-      <p:sp>
-        <p:nvSpPr>
-          <p:cNvPr id="15" name="Rettangolo 14">
-            <a:extLst>
-              <a:ext uri="{FF2B5EF4-FFF2-40B4-BE49-F238E27FC236}">
-                <a16:creationId xmlns:a16="http://schemas.microsoft.com/office/drawing/2014/main" id="{54BBC1F4-794C-4DA3-94A7-CD8CDE60651D}"/>
-              </a:ext>
-            </a:extLst>
-          </p:cNvPr>
-          <p:cNvSpPr/>
-          <p:nvPr/>
-        </p:nvSpPr>
-        <p:spPr>
-          <a:xfrm>
-            <a:off x="6483247" y="5447752"/>
-            <a:ext cx="1094014" cy="226212"/>
-          </a:xfrm>
-          <a:prstGeom prst="rect">
-            <a:avLst/>
-          </a:prstGeom>
-          <a:noFill/>
-          <a:ln>
-            <a:solidFill>
-              <a:schemeClr val="accent2"/>
-            </a:solidFill>
-          </a:ln>
-        </p:spPr>
-        <p:style>
-          <a:lnRef idx="2">
-            <a:schemeClr val="accent1">
-              <a:shade val="50000"/>
-            </a:schemeClr>
-          </a:lnRef>
-          <a:fillRef idx="1">
-            <a:schemeClr val="accent1"/>
-          </a:fillRef>
-          <a:effectRef idx="0">
-            <a:schemeClr val="accent1"/>
-          </a:effectRef>
-          <a:fontRef idx="minor">
-            <a:schemeClr val="lt1"/>
-          </a:fontRef>
-        </p:style>
-        <p:txBody>
-          <a:bodyPr rtlCol="0" anchor="ctr"/>
-          <a:lstStyle/>
-          <a:p>
-            <a:pPr algn="ctr"/>
-            <a:endParaRPr lang="it-IT"/>
-          </a:p>
-        </p:txBody>
-      </p:sp>
-      <p:sp>
-        <p:nvSpPr>
-          <p:cNvPr id="16" name="CasellaDiTesto 15">
-            <a:extLst>
-              <a:ext uri="{FF2B5EF4-FFF2-40B4-BE49-F238E27FC236}">
-                <a16:creationId xmlns:a16="http://schemas.microsoft.com/office/drawing/2014/main" id="{14AE1E71-2765-4AAF-9809-675834783068}"/>
-              </a:ext>
-            </a:extLst>
-          </p:cNvPr>
-          <p:cNvSpPr txBox="1"/>
-          <p:nvPr/>
-        </p:nvSpPr>
-        <p:spPr>
-          <a:xfrm>
-            <a:off x="3815215" y="5716587"/>
-            <a:ext cx="901209" cy="369332"/>
-          </a:xfrm>
-          <a:prstGeom prst="rect">
-            <a:avLst/>
-          </a:prstGeom>
-          <a:noFill/>
-        </p:spPr>
-        <p:txBody>
-          <a:bodyPr wrap="none" rtlCol="0">
-            <a:spAutoFit/>
-          </a:bodyPr>
-          <a:lstStyle/>
-          <a:p>
-            <a:r>
-              <a:rPr lang="it-IT" dirty="0" err="1"/>
-              <a:t>Node</a:t>
-            </a:r>
-            <a:r>
-              <a:rPr lang="it-IT" dirty="0"/>
-              <a:t> 2</a:t>
-            </a:r>
-          </a:p>
-        </p:txBody>
-      </p:sp>
-      <p:sp>
-        <p:nvSpPr>
-          <p:cNvPr id="17" name="CasellaDiTesto 16">
-            <a:extLst>
-              <a:ext uri="{FF2B5EF4-FFF2-40B4-BE49-F238E27FC236}">
-                <a16:creationId xmlns:a16="http://schemas.microsoft.com/office/drawing/2014/main" id="{6CD8DCA5-8CFB-4109-B49A-2C1CFC2B4CB4}"/>
-              </a:ext>
-            </a:extLst>
-          </p:cNvPr>
-          <p:cNvSpPr txBox="1"/>
-          <p:nvPr/>
-        </p:nvSpPr>
-        <p:spPr>
-          <a:xfrm>
-            <a:off x="6072446" y="5701269"/>
-            <a:ext cx="901209" cy="369332"/>
-          </a:xfrm>
-          <a:prstGeom prst="rect">
-            <a:avLst/>
-          </a:prstGeom>
-          <a:noFill/>
-        </p:spPr>
-        <p:txBody>
-          <a:bodyPr wrap="none" rtlCol="0">
-            <a:spAutoFit/>
-          </a:bodyPr>
-          <a:lstStyle/>
-          <a:p>
-            <a:r>
-              <a:rPr lang="it-IT" dirty="0" err="1"/>
-              <a:t>Node</a:t>
-            </a:r>
-            <a:r>
-              <a:rPr lang="it-IT" dirty="0"/>
-              <a:t> 3</a:t>
-            </a:r>
-          </a:p>
-        </p:txBody>
-      </p:sp>
-      <p:sp>
-        <p:nvSpPr>
-          <p:cNvPr id="18" name="Rettangolo 17">
-            <a:extLst>
-              <a:ext uri="{FF2B5EF4-FFF2-40B4-BE49-F238E27FC236}">
-                <a16:creationId xmlns:a16="http://schemas.microsoft.com/office/drawing/2014/main" id="{7AA017AB-8891-4CBD-AD32-D3C7242A76F9}"/>
-              </a:ext>
-            </a:extLst>
-          </p:cNvPr>
-          <p:cNvSpPr/>
-          <p:nvPr/>
-        </p:nvSpPr>
-        <p:spPr>
-          <a:xfrm>
-            <a:off x="1413055" y="2955129"/>
-            <a:ext cx="1845129" cy="2743200"/>
-          </a:xfrm>
-          <a:prstGeom prst="rect">
-            <a:avLst/>
-          </a:prstGeom>
-          <a:solidFill>
-            <a:schemeClr val="bg1"/>
-          </a:solidFill>
-        </p:spPr>
-        <p:style>
-          <a:lnRef idx="2">
-            <a:schemeClr val="accent1">
-              <a:shade val="50000"/>
-            </a:schemeClr>
-          </a:lnRef>
-          <a:fillRef idx="1">
-            <a:schemeClr val="accent1"/>
-          </a:fillRef>
-          <a:effectRef idx="0">
-            <a:schemeClr val="accent1"/>
-          </a:effectRef>
-          <a:fontRef idx="minor">
-            <a:schemeClr val="lt1"/>
-          </a:fontRef>
-        </p:style>
-        <p:txBody>
-          <a:bodyPr rtlCol="0" anchor="ctr"/>
-          <a:lstStyle/>
-          <a:p>
-            <a:pPr algn="ctr"/>
-            <a:endParaRPr lang="it-IT"/>
-          </a:p>
-        </p:txBody>
-      </p:sp>
-      <p:sp>
-        <p:nvSpPr>
-          <p:cNvPr id="19" name="CasellaDiTesto 18">
-            <a:extLst>
-              <a:ext uri="{FF2B5EF4-FFF2-40B4-BE49-F238E27FC236}">
-                <a16:creationId xmlns:a16="http://schemas.microsoft.com/office/drawing/2014/main" id="{1181386A-980C-44F4-8476-9E22945C22D5}"/>
-              </a:ext>
-            </a:extLst>
-          </p:cNvPr>
-          <p:cNvSpPr txBox="1"/>
-          <p:nvPr/>
-        </p:nvSpPr>
-        <p:spPr>
-          <a:xfrm>
-            <a:off x="2080793" y="5440266"/>
-            <a:ext cx="1234633" cy="276999"/>
-          </a:xfrm>
-          <a:prstGeom prst="rect">
-            <a:avLst/>
-          </a:prstGeom>
-          <a:noFill/>
-        </p:spPr>
-        <p:txBody>
-          <a:bodyPr wrap="none" rtlCol="0">
-            <a:spAutoFit/>
-          </a:bodyPr>
-          <a:lstStyle/>
-          <a:p>
-            <a:r>
-              <a:rPr lang="it-IT" sz="1200" dirty="0"/>
-              <a:t>10.115.134.129</a:t>
-            </a:r>
-          </a:p>
-        </p:txBody>
-      </p:sp>
-      <p:sp>
-        <p:nvSpPr>
-          <p:cNvPr id="20" name="Rettangolo 19">
-            <a:extLst>
-              <a:ext uri="{FF2B5EF4-FFF2-40B4-BE49-F238E27FC236}">
-                <a16:creationId xmlns:a16="http://schemas.microsoft.com/office/drawing/2014/main" id="{589E7FB1-D296-4AA2-9911-D89CEBBA0CC3}"/>
-              </a:ext>
-            </a:extLst>
-          </p:cNvPr>
-          <p:cNvSpPr/>
-          <p:nvPr/>
-        </p:nvSpPr>
-        <p:spPr>
-          <a:xfrm>
-            <a:off x="2147838" y="5440267"/>
-            <a:ext cx="1094014" cy="226212"/>
-          </a:xfrm>
-          <a:prstGeom prst="rect">
-            <a:avLst/>
-          </a:prstGeom>
-          <a:noFill/>
-          <a:ln>
-            <a:solidFill>
-              <a:schemeClr val="accent2"/>
-            </a:solidFill>
-          </a:ln>
-        </p:spPr>
-        <p:style>
-          <a:lnRef idx="2">
-            <a:schemeClr val="accent1">
-              <a:shade val="50000"/>
-            </a:schemeClr>
-          </a:lnRef>
-          <a:fillRef idx="1">
-            <a:schemeClr val="accent1"/>
-          </a:fillRef>
-          <a:effectRef idx="0">
-            <a:schemeClr val="accent1"/>
-          </a:effectRef>
-          <a:fontRef idx="minor">
-            <a:schemeClr val="lt1"/>
-          </a:fontRef>
-        </p:style>
-        <p:txBody>
-          <a:bodyPr rtlCol="0" anchor="ctr"/>
-          <a:lstStyle/>
-          <a:p>
-            <a:pPr algn="ctr"/>
-            <a:endParaRPr lang="it-IT"/>
-          </a:p>
-        </p:txBody>
-      </p:sp>
-      <p:sp>
-        <p:nvSpPr>
-          <p:cNvPr id="21" name="CasellaDiTesto 20">
-            <a:extLst>
-              <a:ext uri="{FF2B5EF4-FFF2-40B4-BE49-F238E27FC236}">
-                <a16:creationId xmlns:a16="http://schemas.microsoft.com/office/drawing/2014/main" id="{BFA4D794-02CC-488D-9958-33428CC653EA}"/>
-              </a:ext>
-            </a:extLst>
-          </p:cNvPr>
-          <p:cNvSpPr txBox="1"/>
-          <p:nvPr/>
-        </p:nvSpPr>
-        <p:spPr>
-          <a:xfrm>
-            <a:off x="1697233" y="5713647"/>
-            <a:ext cx="901209" cy="369332"/>
-          </a:xfrm>
-          <a:prstGeom prst="rect">
-            <a:avLst/>
-          </a:prstGeom>
-          <a:noFill/>
-        </p:spPr>
-        <p:txBody>
-          <a:bodyPr wrap="none" rtlCol="0">
-            <a:spAutoFit/>
-          </a:bodyPr>
-          <a:lstStyle/>
-          <a:p>
-            <a:r>
-              <a:rPr lang="it-IT" dirty="0" err="1"/>
-              <a:t>Node</a:t>
-            </a:r>
-            <a:r>
-              <a:rPr lang="it-IT" dirty="0"/>
-              <a:t> 1</a:t>
-            </a:r>
-          </a:p>
-        </p:txBody>
-      </p:sp>
-      <p:sp>
-        <p:nvSpPr>
-          <p:cNvPr id="22" name="Rettangolo 21">
-            <a:extLst>
-              <a:ext uri="{FF2B5EF4-FFF2-40B4-BE49-F238E27FC236}">
-                <a16:creationId xmlns:a16="http://schemas.microsoft.com/office/drawing/2014/main" id="{4E13C350-07B1-4FE3-A3C0-DA7DFDD2613D}"/>
-              </a:ext>
-            </a:extLst>
-          </p:cNvPr>
-          <p:cNvSpPr/>
-          <p:nvPr/>
-        </p:nvSpPr>
-        <p:spPr>
-          <a:xfrm>
-            <a:off x="6636529" y="2994807"/>
-            <a:ext cx="914400" cy="740354"/>
-          </a:xfrm>
-          <a:prstGeom prst="rect">
-            <a:avLst/>
-          </a:prstGeom>
-          <a:noFill/>
-          <a:ln>
-            <a:solidFill>
-              <a:schemeClr val="accent1"/>
-            </a:solidFill>
-          </a:ln>
-        </p:spPr>
-        <p:style>
-          <a:lnRef idx="2">
-            <a:schemeClr val="accent1">
-              <a:shade val="50000"/>
-            </a:schemeClr>
-          </a:lnRef>
-          <a:fillRef idx="1">
-            <a:schemeClr val="accent1"/>
-          </a:fillRef>
-          <a:effectRef idx="0">
-            <a:schemeClr val="accent1"/>
-          </a:effectRef>
-          <a:fontRef idx="minor">
-            <a:schemeClr val="lt1"/>
-          </a:fontRef>
-        </p:style>
-        <p:txBody>
-          <a:bodyPr rtlCol="0" anchor="ctr"/>
-          <a:lstStyle/>
-          <a:p>
-            <a:pPr algn="ctr"/>
-            <a:endParaRPr lang="it-IT"/>
-          </a:p>
-        </p:txBody>
-      </p:sp>
-      <p:sp>
-        <p:nvSpPr>
-          <p:cNvPr id="23" name="Rettangolo 22">
-            <a:extLst>
-              <a:ext uri="{FF2B5EF4-FFF2-40B4-BE49-F238E27FC236}">
-                <a16:creationId xmlns:a16="http://schemas.microsoft.com/office/drawing/2014/main" id="{06176A9A-BF6F-4D67-8D66-084BF76CA670}"/>
-              </a:ext>
-            </a:extLst>
-          </p:cNvPr>
-          <p:cNvSpPr/>
-          <p:nvPr/>
-        </p:nvSpPr>
-        <p:spPr>
-          <a:xfrm>
-            <a:off x="7203291" y="3731281"/>
-            <a:ext cx="347638" cy="219857"/>
-          </a:xfrm>
-          <a:prstGeom prst="rect">
-            <a:avLst/>
-          </a:prstGeom>
-          <a:noFill/>
-          <a:ln>
-            <a:solidFill>
-              <a:schemeClr val="accent2"/>
-            </a:solidFill>
-          </a:ln>
-        </p:spPr>
-        <p:style>
-          <a:lnRef idx="2">
-            <a:schemeClr val="accent1">
-              <a:shade val="50000"/>
-            </a:schemeClr>
-          </a:lnRef>
-          <a:fillRef idx="1">
-            <a:schemeClr val="accent1"/>
-          </a:fillRef>
-          <a:effectRef idx="0">
-            <a:schemeClr val="accent1"/>
-          </a:effectRef>
-          <a:fontRef idx="minor">
-            <a:schemeClr val="lt1"/>
-          </a:fontRef>
-        </p:style>
-        <p:txBody>
-          <a:bodyPr rtlCol="0" anchor="ctr"/>
-          <a:lstStyle/>
-          <a:p>
-            <a:pPr algn="ctr"/>
-            <a:endParaRPr lang="it-IT"/>
-          </a:p>
-        </p:txBody>
-      </p:sp>
-      <p:sp>
-        <p:nvSpPr>
-          <p:cNvPr id="24" name="CasellaDiTesto 23">
-            <a:extLst>
-              <a:ext uri="{FF2B5EF4-FFF2-40B4-BE49-F238E27FC236}">
-                <a16:creationId xmlns:a16="http://schemas.microsoft.com/office/drawing/2014/main" id="{C49248FD-BED3-4BF2-8F04-5D9197C9E78B}"/>
-              </a:ext>
-            </a:extLst>
-          </p:cNvPr>
-          <p:cNvSpPr txBox="1"/>
-          <p:nvPr/>
-        </p:nvSpPr>
-        <p:spPr>
-          <a:xfrm>
-            <a:off x="7133239" y="3710404"/>
-            <a:ext cx="479618" cy="261610"/>
-          </a:xfrm>
-          <a:prstGeom prst="rect">
-            <a:avLst/>
-          </a:prstGeom>
-          <a:noFill/>
-        </p:spPr>
-        <p:txBody>
-          <a:bodyPr wrap="none" rtlCol="0">
-            <a:spAutoFit/>
-          </a:bodyPr>
-          <a:lstStyle/>
-          <a:p>
-            <a:r>
-              <a:rPr lang="it-IT" sz="1100" dirty="0"/>
-              <a:t>3306</a:t>
-            </a:r>
-          </a:p>
-        </p:txBody>
-      </p:sp>
-      <p:pic>
-        <p:nvPicPr>
-          <p:cNvPr id="25" name="Picture 2" descr="Risultati immagini per mysql icon">
-            <a:extLst>
-              <a:ext uri="{FF2B5EF4-FFF2-40B4-BE49-F238E27FC236}">
-                <a16:creationId xmlns:a16="http://schemas.microsoft.com/office/drawing/2014/main" id="{C4118678-27ED-48AE-9249-51755851DCA7}"/>
-              </a:ext>
-            </a:extLst>
-          </p:cNvPr>
-          <p:cNvPicPr>
-            <a:picLocks noChangeAspect="1" noChangeArrowheads="1"/>
-          </p:cNvPicPr>
-          <p:nvPr/>
-        </p:nvPicPr>
-        <p:blipFill>
-          <a:blip r:embed="rId4">
-            <a:extLst>
-              <a:ext uri="{28A0092B-C50C-407E-A947-70E740481C1C}">
-                <a14:useLocalDpi xmlns:a14="http://schemas.microsoft.com/office/drawing/2010/main" val="0"/>
-              </a:ext>
-            </a:extLst>
-          </a:blip>
-          <a:srcRect/>
-          <a:stretch>
-            <a:fillRect/>
-          </a:stretch>
-        </p:blipFill>
-        <p:spPr bwMode="auto">
-          <a:xfrm>
-            <a:off x="6741403" y="2989362"/>
-            <a:ext cx="560703" cy="560703"/>
-          </a:xfrm>
-          <a:prstGeom prst="rect">
-            <a:avLst/>
-          </a:prstGeom>
-          <a:noFill/>
-          <a:extLst>
-            <a:ext uri="{909E8E84-426E-40DD-AFC4-6F175D3DCCD1}">
-              <a14:hiddenFill xmlns:a14="http://schemas.microsoft.com/office/drawing/2010/main">
-                <a:solidFill>
-                  <a:srgbClr val="FFFFFF"/>
-                </a:solidFill>
-              </a14:hiddenFill>
-            </a:ext>
-          </a:extLst>
-        </p:spPr>
-      </p:pic>
-      <p:sp>
-        <p:nvSpPr>
-          <p:cNvPr id="26" name="Rombo 25">
-            <a:extLst>
-              <a:ext uri="{FF2B5EF4-FFF2-40B4-BE49-F238E27FC236}">
-                <a16:creationId xmlns:a16="http://schemas.microsoft.com/office/drawing/2014/main" id="{32CD862F-1C78-4C4F-9F94-163102AFAC00}"/>
-              </a:ext>
-            </a:extLst>
-          </p:cNvPr>
-          <p:cNvSpPr/>
-          <p:nvPr/>
-        </p:nvSpPr>
-        <p:spPr>
-          <a:xfrm>
-            <a:off x="4887744" y="3582246"/>
-            <a:ext cx="1374852" cy="1320800"/>
-          </a:xfrm>
-          <a:prstGeom prst="diamond">
-            <a:avLst/>
-          </a:prstGeom>
-          <a:solidFill>
-            <a:schemeClr val="bg1"/>
-          </a:solidFill>
-          <a:ln>
-            <a:solidFill>
-              <a:schemeClr val="accent4"/>
-            </a:solidFill>
-          </a:ln>
-        </p:spPr>
-        <p:style>
-          <a:lnRef idx="2">
-            <a:schemeClr val="accent1">
-              <a:shade val="50000"/>
-            </a:schemeClr>
-          </a:lnRef>
-          <a:fillRef idx="1">
-            <a:schemeClr val="accent1"/>
-          </a:fillRef>
-          <a:effectRef idx="0">
-            <a:schemeClr val="accent1"/>
-          </a:effectRef>
-          <a:fontRef idx="minor">
-            <a:schemeClr val="lt1"/>
-          </a:fontRef>
-        </p:style>
-        <p:txBody>
-          <a:bodyPr rtlCol="0" anchor="ctr"/>
-          <a:lstStyle/>
-          <a:p>
-            <a:pPr algn="ctr"/>
-            <a:endParaRPr lang="it-IT" sz="700" dirty="0">
-              <a:solidFill>
-                <a:schemeClr val="tx1"/>
-              </a:solidFill>
-            </a:endParaRPr>
-          </a:p>
-        </p:txBody>
-      </p:sp>
-      <p:sp>
-        <p:nvSpPr>
-          <p:cNvPr id="27" name="CasellaDiTesto 26">
-            <a:extLst>
-              <a:ext uri="{FF2B5EF4-FFF2-40B4-BE49-F238E27FC236}">
-                <a16:creationId xmlns:a16="http://schemas.microsoft.com/office/drawing/2014/main" id="{5BE79887-D0B3-4495-8E08-63CB1618AEE9}"/>
-              </a:ext>
-            </a:extLst>
-          </p:cNvPr>
-          <p:cNvSpPr txBox="1"/>
-          <p:nvPr/>
-        </p:nvSpPr>
-        <p:spPr>
-          <a:xfrm>
-            <a:off x="5222105" y="4021680"/>
-            <a:ext cx="679994" cy="461665"/>
-          </a:xfrm>
-          <a:prstGeom prst="rect">
-            <a:avLst/>
-          </a:prstGeom>
-          <a:noFill/>
-        </p:spPr>
-        <p:txBody>
-          <a:bodyPr wrap="none" rtlCol="0">
-            <a:spAutoFit/>
-          </a:bodyPr>
-          <a:lstStyle/>
-          <a:p>
-            <a:pPr algn="ctr"/>
-            <a:r>
-              <a:rPr lang="it-IT" sz="1200" dirty="0" err="1"/>
-              <a:t>mysql</a:t>
-            </a:r>
-            <a:endParaRPr lang="it-IT" sz="1200" dirty="0"/>
-          </a:p>
-          <a:p>
-            <a:pPr algn="ctr"/>
-            <a:r>
-              <a:rPr lang="it-IT" sz="1200" dirty="0"/>
-              <a:t>Service</a:t>
-            </a:r>
-          </a:p>
-        </p:txBody>
-      </p:sp>
-      <p:sp>
-        <p:nvSpPr>
-          <p:cNvPr id="28" name="Rettangolo 27">
-            <a:extLst>
-              <a:ext uri="{FF2B5EF4-FFF2-40B4-BE49-F238E27FC236}">
-                <a16:creationId xmlns:a16="http://schemas.microsoft.com/office/drawing/2014/main" id="{AF12F91A-6A7D-474F-A1D9-22A9BAAD26D4}"/>
-              </a:ext>
-            </a:extLst>
-          </p:cNvPr>
-          <p:cNvSpPr/>
-          <p:nvPr/>
-        </p:nvSpPr>
-        <p:spPr>
-          <a:xfrm>
-            <a:off x="4887744" y="4924880"/>
-            <a:ext cx="1525193" cy="441840"/>
-          </a:xfrm>
-          <a:prstGeom prst="rect">
-            <a:avLst/>
-          </a:prstGeom>
-          <a:solidFill>
-            <a:schemeClr val="bg1"/>
-          </a:solidFill>
-          <a:ln>
-            <a:solidFill>
-              <a:schemeClr val="accent4"/>
-            </a:solidFill>
-          </a:ln>
-        </p:spPr>
-        <p:style>
-          <a:lnRef idx="2">
-            <a:schemeClr val="accent1">
-              <a:shade val="50000"/>
-            </a:schemeClr>
-          </a:lnRef>
-          <a:fillRef idx="1">
-            <a:schemeClr val="accent1"/>
-          </a:fillRef>
-          <a:effectRef idx="0">
-            <a:schemeClr val="accent1"/>
-          </a:effectRef>
-          <a:fontRef idx="minor">
-            <a:schemeClr val="lt1"/>
-          </a:fontRef>
-        </p:style>
-        <p:txBody>
-          <a:bodyPr rtlCol="0" anchor="ctr"/>
-          <a:lstStyle/>
-          <a:p>
-            <a:pPr algn="ctr"/>
-            <a:r>
-              <a:rPr lang="it-IT" sz="1100" dirty="0">
-                <a:solidFill>
-                  <a:schemeClr val="tx1"/>
-                </a:solidFill>
-              </a:rPr>
-              <a:t>10.108.134.167:3306</a:t>
-            </a:r>
-          </a:p>
-          <a:p>
-            <a:pPr algn="ctr"/>
-            <a:r>
-              <a:rPr lang="it-IT" sz="1100" dirty="0">
-                <a:solidFill>
-                  <a:schemeClr val="tx1"/>
-                </a:solidFill>
-              </a:rPr>
-              <a:t>mysql:3306</a:t>
-            </a:r>
-          </a:p>
-        </p:txBody>
-      </p:sp>
-      <p:cxnSp>
-        <p:nvCxnSpPr>
-          <p:cNvPr id="29" name="Connettore a gomito 28">
-            <a:extLst>
-              <a:ext uri="{FF2B5EF4-FFF2-40B4-BE49-F238E27FC236}">
-                <a16:creationId xmlns:a16="http://schemas.microsoft.com/office/drawing/2014/main" id="{F7D5192B-2CF4-4743-ABEE-03D6239B02E4}"/>
-              </a:ext>
-            </a:extLst>
-          </p:cNvPr>
-          <p:cNvCxnSpPr>
-            <a:cxnSpLocks/>
-            <a:stCxn id="9" idx="3"/>
-            <a:endCxn id="28" idx="1"/>
-          </p:cNvCxnSpPr>
-          <p:nvPr/>
-        </p:nvCxnSpPr>
-        <p:spPr>
-          <a:xfrm>
-            <a:off x="4510752" y="3364984"/>
-            <a:ext cx="376992" cy="1780816"/>
-          </a:xfrm>
-          <a:prstGeom prst="bentConnector3">
-            <a:avLst>
-              <a:gd name="adj1" fmla="val 50000"/>
-            </a:avLst>
-          </a:prstGeom>
-          <a:ln>
-            <a:tailEnd type="triangle"/>
-          </a:ln>
-        </p:spPr>
-        <p:style>
-          <a:lnRef idx="2">
-            <a:schemeClr val="accent1"/>
-          </a:lnRef>
-          <a:fillRef idx="0">
-            <a:schemeClr val="accent1"/>
-          </a:fillRef>
-          <a:effectRef idx="1">
-            <a:schemeClr val="accent1"/>
-          </a:effectRef>
-          <a:fontRef idx="minor">
-            <a:schemeClr val="tx1"/>
-          </a:fontRef>
-        </p:style>
-      </p:cxnSp>
-      <p:cxnSp>
-        <p:nvCxnSpPr>
-          <p:cNvPr id="30" name="Connettore a gomito 29">
-            <a:extLst>
-              <a:ext uri="{FF2B5EF4-FFF2-40B4-BE49-F238E27FC236}">
-                <a16:creationId xmlns:a16="http://schemas.microsoft.com/office/drawing/2014/main" id="{5DF551C5-FE9F-4FD9-9B2C-53F5F3EE16A9}"/>
-              </a:ext>
-            </a:extLst>
-          </p:cNvPr>
-          <p:cNvCxnSpPr>
-            <a:cxnSpLocks/>
-            <a:stCxn id="28" idx="3"/>
-            <a:endCxn id="24" idx="2"/>
-          </p:cNvCxnSpPr>
-          <p:nvPr/>
-        </p:nvCxnSpPr>
-        <p:spPr>
-          <a:xfrm flipV="1">
-            <a:off x="6412937" y="3972014"/>
-            <a:ext cx="960111" cy="1173786"/>
-          </a:xfrm>
-          <a:prstGeom prst="bentConnector2">
-            <a:avLst/>
-          </a:prstGeom>
-          <a:ln>
-            <a:tailEnd type="triangle"/>
-          </a:ln>
-        </p:spPr>
-        <p:style>
-          <a:lnRef idx="2">
-            <a:schemeClr val="accent1"/>
-          </a:lnRef>
-          <a:fillRef idx="0">
-            <a:schemeClr val="accent1"/>
-          </a:fillRef>
-          <a:effectRef idx="1">
-            <a:schemeClr val="accent1"/>
-          </a:effectRef>
-          <a:fontRef idx="minor">
-            <a:schemeClr val="tx1"/>
-          </a:fontRef>
-        </p:style>
-      </p:cxnSp>
-      <p:sp>
-        <p:nvSpPr>
-          <p:cNvPr id="31" name="CasellaDiTesto 30">
-            <a:extLst>
-              <a:ext uri="{FF2B5EF4-FFF2-40B4-BE49-F238E27FC236}">
-                <a16:creationId xmlns:a16="http://schemas.microsoft.com/office/drawing/2014/main" id="{00D84A4C-5F2D-40C0-BF21-8526C6FED0E5}"/>
-              </a:ext>
-            </a:extLst>
-          </p:cNvPr>
-          <p:cNvSpPr txBox="1"/>
-          <p:nvPr/>
-        </p:nvSpPr>
-        <p:spPr>
-          <a:xfrm>
-            <a:off x="6579549" y="3459100"/>
-            <a:ext cx="1002197" cy="261610"/>
-          </a:xfrm>
-          <a:prstGeom prst="rect">
-            <a:avLst/>
-          </a:prstGeom>
-          <a:noFill/>
-        </p:spPr>
-        <p:txBody>
-          <a:bodyPr wrap="none" rtlCol="0">
-            <a:spAutoFit/>
-          </a:bodyPr>
-          <a:lstStyle/>
-          <a:p>
-            <a:r>
-              <a:rPr lang="it-IT" sz="1100" dirty="0"/>
-              <a:t>192.168.0.87</a:t>
+            <a:endParaRPr lang="en-US" dirty="0"/>
+          </a:p>
+          <a:p>
+            <a:pPr fontAlgn="base"/>
+            <a:endParaRPr lang="en-US" dirty="0"/>
+          </a:p>
+          <a:p>
+            <a:r>
+              <a:rPr lang="en-US" dirty="0"/>
+              <a:t>Ensures that an application’s ‘</a:t>
+            </a:r>
+            <a:r>
+              <a:rPr lang="en-US" i="1" dirty="0"/>
+              <a:t>claim</a:t>
+            </a:r>
+            <a:r>
+              <a:rPr lang="en-US" dirty="0"/>
+              <a:t>’ for storage is portable across numerous backends or providers.</a:t>
             </a:r>
           </a:p>
         </p:txBody>
@@ -8226,7 +7076,7 @@
     </p:spTree>
     <p:extLst>
       <p:ext uri="{BB962C8B-B14F-4D97-AF65-F5344CB8AC3E}">
-        <p14:creationId xmlns:p14="http://schemas.microsoft.com/office/powerpoint/2010/main" val="776424517"/>
+        <p14:creationId xmlns:p14="http://schemas.microsoft.com/office/powerpoint/2010/main" val="1528512210"/>
       </p:ext>
     </p:extLst>
   </p:cSld>
@@ -8255,6 +7105,60 @@
       </p:grpSpPr>
       <p:sp>
         <p:nvSpPr>
+          <p:cNvPr id="45" name="Rettangolo 44">
+            <a:extLst>
+              <a:ext uri="{FF2B5EF4-FFF2-40B4-BE49-F238E27FC236}">
+                <a16:creationId xmlns:a16="http://schemas.microsoft.com/office/drawing/2014/main" id="{4CDECCF7-62B1-49B4-B9E2-52272F2D6AFA}"/>
+              </a:ext>
+            </a:extLst>
+          </p:cNvPr>
+          <p:cNvSpPr/>
+          <p:nvPr/>
+        </p:nvSpPr>
+        <p:spPr>
+          <a:xfrm>
+            <a:off x="1911786" y="4746605"/>
+            <a:ext cx="6648468" cy="1476849"/>
+          </a:xfrm>
+          <a:prstGeom prst="rect">
+            <a:avLst/>
+          </a:prstGeom>
+          <a:solidFill>
+            <a:schemeClr val="bg1"/>
+          </a:solidFill>
+          <a:ln>
+            <a:solidFill>
+              <a:schemeClr val="accent2"/>
+            </a:solidFill>
+          </a:ln>
+        </p:spPr>
+        <p:style>
+          <a:lnRef idx="2">
+            <a:schemeClr val="accent1">
+              <a:shade val="50000"/>
+            </a:schemeClr>
+          </a:lnRef>
+          <a:fillRef idx="1">
+            <a:schemeClr val="accent1"/>
+          </a:fillRef>
+          <a:effectRef idx="0">
+            <a:schemeClr val="accent1"/>
+          </a:effectRef>
+          <a:fontRef idx="minor">
+            <a:schemeClr val="lt1"/>
+          </a:fontRef>
+        </p:style>
+        <p:txBody>
+          <a:bodyPr rtlCol="0" anchor="ctr"/>
+          <a:lstStyle/>
+          <a:p>
+            <a:pPr algn="ctr"/>
+            <a:endParaRPr lang="it-IT" dirty="0"/>
+          </a:p>
+        </p:txBody>
+      </p:sp>
+      <p:sp>
+        <p:nvSpPr>
           <p:cNvPr id="2" name="Titolo 1">
             <a:extLst>
               <a:ext uri="{FF2B5EF4-FFF2-40B4-BE49-F238E27FC236}">
@@ -8276,7 +7180,23 @@
           <a:p>
             <a:r>
               <a:rPr lang="it-IT" dirty="0" err="1"/>
-              <a:t>Configuration</a:t>
+              <a:t>Persistent</a:t>
+            </a:r>
+            <a:r>
+              <a:rPr lang="it-IT" dirty="0"/>
+              <a:t> </a:t>
+            </a:r>
+            <a:r>
+              <a:rPr lang="it-IT" dirty="0" err="1"/>
+              <a:t>Volumes</a:t>
+            </a:r>
+            <a:r>
+              <a:rPr lang="it-IT" dirty="0"/>
+              <a:t> </a:t>
+            </a:r>
+            <a:r>
+              <a:rPr lang="it-IT" dirty="0" err="1"/>
+              <a:t>Claim</a:t>
             </a:r>
             <a:endParaRPr lang="it-IT" dirty="0"/>
           </a:p>
@@ -8331,63 +7251,1061 @@
       </p:pic>
       <p:sp>
         <p:nvSpPr>
-          <p:cNvPr id="4" name="Segnaposto contenuto 3">
-            <a:extLst>
-              <a:ext uri="{FF2B5EF4-FFF2-40B4-BE49-F238E27FC236}">
-                <a16:creationId xmlns:a16="http://schemas.microsoft.com/office/drawing/2014/main" id="{725997EF-BA1F-48AA-9CD4-DB729382E2A8}"/>
-              </a:ext>
-            </a:extLst>
-          </p:cNvPr>
-          <p:cNvSpPr>
-            <a:spLocks noGrp="1"/>
-          </p:cNvSpPr>
-          <p:nvPr>
-            <p:ph idx="1"/>
-          </p:nvPr>
-        </p:nvSpPr>
-        <p:spPr/>
-        <p:txBody>
-          <a:bodyPr>
-            <a:normAutofit/>
+          <p:cNvPr id="9" name="Rettangolo 8">
+            <a:extLst>
+              <a:ext uri="{FF2B5EF4-FFF2-40B4-BE49-F238E27FC236}">
+                <a16:creationId xmlns:a16="http://schemas.microsoft.com/office/drawing/2014/main" id="{BB27148C-560A-4F22-A026-B4554F739D68}"/>
+              </a:ext>
+            </a:extLst>
+          </p:cNvPr>
+          <p:cNvSpPr/>
+          <p:nvPr/>
+        </p:nvSpPr>
+        <p:spPr>
+          <a:xfrm>
+            <a:off x="2231577" y="1799751"/>
+            <a:ext cx="3410750" cy="2743200"/>
+          </a:xfrm>
+          <a:prstGeom prst="rect">
+            <a:avLst/>
+          </a:prstGeom>
+          <a:solidFill>
+            <a:schemeClr val="bg1"/>
+          </a:solidFill>
+          <a:ln>
+            <a:solidFill>
+              <a:schemeClr val="accent1"/>
+            </a:solidFill>
+          </a:ln>
+        </p:spPr>
+        <p:style>
+          <a:lnRef idx="2">
+            <a:schemeClr val="accent1">
+              <a:shade val="50000"/>
+            </a:schemeClr>
+          </a:lnRef>
+          <a:fillRef idx="1">
+            <a:schemeClr val="accent1"/>
+          </a:fillRef>
+          <a:effectRef idx="0">
+            <a:schemeClr val="accent1"/>
+          </a:effectRef>
+          <a:fontRef idx="minor">
+            <a:schemeClr val="lt1"/>
+          </a:fontRef>
+        </p:style>
+        <p:txBody>
+          <a:bodyPr rtlCol="0" anchor="ctr"/>
+          <a:lstStyle/>
+          <a:p>
+            <a:pPr algn="ctr"/>
+            <a:endParaRPr lang="it-IT" dirty="0"/>
+          </a:p>
+        </p:txBody>
+      </p:sp>
+      <p:sp>
+        <p:nvSpPr>
+          <p:cNvPr id="20" name="CasellaDiTesto 19">
+            <a:extLst>
+              <a:ext uri="{FF2B5EF4-FFF2-40B4-BE49-F238E27FC236}">
+                <a16:creationId xmlns:a16="http://schemas.microsoft.com/office/drawing/2014/main" id="{46DB9C88-2456-47B4-8A7D-8691B53E48D2}"/>
+              </a:ext>
+            </a:extLst>
+          </p:cNvPr>
+          <p:cNvSpPr txBox="1"/>
+          <p:nvPr/>
+        </p:nvSpPr>
+        <p:spPr>
+          <a:xfrm>
+            <a:off x="2688777" y="1353828"/>
+            <a:ext cx="2087758" cy="369332"/>
+          </a:xfrm>
+          <a:prstGeom prst="rect">
+            <a:avLst/>
+          </a:prstGeom>
+          <a:noFill/>
+        </p:spPr>
+        <p:txBody>
+          <a:bodyPr wrap="square" rtlCol="0">
+            <a:spAutoFit/>
           </a:bodyPr>
           <a:lstStyle/>
           <a:p>
             <a:r>
-              <a:rPr lang="en-US" sz="2000" dirty="0"/>
-              <a:t>Kubernetes has an integrated pattern for decoupling configuration from application or container.</a:t>
-            </a:r>
-          </a:p>
-          <a:p>
-            <a:endParaRPr lang="en-US" sz="2000" dirty="0"/>
-          </a:p>
-          <a:p>
-            <a:endParaRPr lang="en-US" sz="2000" dirty="0"/>
-          </a:p>
-          <a:p>
-            <a:r>
-              <a:rPr lang="en-US" sz="2000" dirty="0"/>
-              <a:t>This pattern makes use of two Kubernetes components: </a:t>
-            </a:r>
-            <a:r>
-              <a:rPr lang="en-US" sz="2000" b="1" dirty="0" err="1"/>
-              <a:t>ConfigMaps</a:t>
-            </a:r>
-            <a:r>
-              <a:rPr lang="en-US" sz="2000" dirty="0"/>
-              <a:t> and </a:t>
-            </a:r>
-            <a:r>
-              <a:rPr lang="en-US" sz="2000" b="1" dirty="0"/>
-              <a:t>Secrets.</a:t>
-            </a:r>
-            <a:endParaRPr lang="en-US" sz="2000" dirty="0"/>
-          </a:p>
-        </p:txBody>
-      </p:sp>
+              <a:rPr lang="it-IT" dirty="0"/>
+              <a:t>Namespace A</a:t>
+            </a:r>
+          </a:p>
+        </p:txBody>
+      </p:sp>
+      <p:pic>
+        <p:nvPicPr>
+          <p:cNvPr id="28" name="Picture 2" descr="Risultati immagini per mysql icon">
+            <a:extLst>
+              <a:ext uri="{FF2B5EF4-FFF2-40B4-BE49-F238E27FC236}">
+                <a16:creationId xmlns:a16="http://schemas.microsoft.com/office/drawing/2014/main" id="{3934E7D3-C395-4720-B21D-1FAD7E4A1F76}"/>
+              </a:ext>
+            </a:extLst>
+          </p:cNvPr>
+          <p:cNvPicPr>
+            <a:picLocks noChangeAspect="1" noChangeArrowheads="1"/>
+          </p:cNvPicPr>
+          <p:nvPr/>
+        </p:nvPicPr>
+        <p:blipFill>
+          <a:blip r:embed="rId3">
+            <a:extLst>
+              <a:ext uri="{28A0092B-C50C-407E-A947-70E740481C1C}">
+                <a14:useLocalDpi xmlns:a14="http://schemas.microsoft.com/office/drawing/2010/main" val="0"/>
+              </a:ext>
+            </a:extLst>
+          </a:blip>
+          <a:srcRect/>
+          <a:stretch>
+            <a:fillRect/>
+          </a:stretch>
+        </p:blipFill>
+        <p:spPr bwMode="auto">
+          <a:xfrm>
+            <a:off x="2617575" y="1799751"/>
+            <a:ext cx="1030061" cy="1030061"/>
+          </a:xfrm>
+          <a:prstGeom prst="rect">
+            <a:avLst/>
+          </a:prstGeom>
+          <a:noFill/>
+          <a:extLst>
+            <a:ext uri="{909E8E84-426E-40DD-AFC4-6F175D3DCCD1}">
+              <a14:hiddenFill xmlns:a14="http://schemas.microsoft.com/office/drawing/2010/main">
+                <a:solidFill>
+                  <a:srgbClr val="FFFFFF"/>
+                </a:solidFill>
+              </a14:hiddenFill>
+            </a:ext>
+          </a:extLst>
+        </p:spPr>
+      </p:pic>
+      <p:pic>
+        <p:nvPicPr>
+          <p:cNvPr id="1028" name="Picture 4" descr="pv-128.png">
+            <a:extLst>
+              <a:ext uri="{FF2B5EF4-FFF2-40B4-BE49-F238E27FC236}">
+                <a16:creationId xmlns:a16="http://schemas.microsoft.com/office/drawing/2014/main" id="{1F929E67-E4C3-4B9F-ABC4-CE328E7F4168}"/>
+              </a:ext>
+            </a:extLst>
+          </p:cNvPr>
+          <p:cNvPicPr>
+            <a:picLocks noChangeAspect="1" noChangeArrowheads="1"/>
+          </p:cNvPicPr>
+          <p:nvPr/>
+        </p:nvPicPr>
+        <p:blipFill>
+          <a:blip r:embed="rId4">
+            <a:extLst>
+              <a:ext uri="{28A0092B-C50C-407E-A947-70E740481C1C}">
+                <a14:useLocalDpi xmlns:a14="http://schemas.microsoft.com/office/drawing/2010/main" val="0"/>
+              </a:ext>
+            </a:extLst>
+          </a:blip>
+          <a:srcRect/>
+          <a:stretch>
+            <a:fillRect/>
+          </a:stretch>
+        </p:blipFill>
+        <p:spPr bwMode="auto">
+          <a:xfrm>
+            <a:off x="2610830" y="5066651"/>
+            <a:ext cx="1040946" cy="1040946"/>
+          </a:xfrm>
+          <a:prstGeom prst="rect">
+            <a:avLst/>
+          </a:prstGeom>
+          <a:noFill/>
+          <a:extLst>
+            <a:ext uri="{909E8E84-426E-40DD-AFC4-6F175D3DCCD1}">
+              <a14:hiddenFill xmlns:a14="http://schemas.microsoft.com/office/drawing/2010/main">
+                <a:solidFill>
+                  <a:srgbClr val="FFFFFF"/>
+                </a:solidFill>
+              </a14:hiddenFill>
+            </a:ext>
+          </a:extLst>
+        </p:spPr>
+      </p:pic>
+      <p:pic>
+        <p:nvPicPr>
+          <p:cNvPr id="1030" name="Picture 6" descr="pvc-128.png">
+            <a:extLst>
+              <a:ext uri="{FF2B5EF4-FFF2-40B4-BE49-F238E27FC236}">
+                <a16:creationId xmlns:a16="http://schemas.microsoft.com/office/drawing/2014/main" id="{43AB03BA-2B0F-4653-AC95-D7F22C729B0F}"/>
+              </a:ext>
+            </a:extLst>
+          </p:cNvPr>
+          <p:cNvPicPr>
+            <a:picLocks noChangeAspect="1" noChangeArrowheads="1"/>
+          </p:cNvPicPr>
+          <p:nvPr/>
+        </p:nvPicPr>
+        <p:blipFill>
+          <a:blip r:embed="rId5">
+            <a:extLst>
+              <a:ext uri="{28A0092B-C50C-407E-A947-70E740481C1C}">
+                <a14:useLocalDpi xmlns:a14="http://schemas.microsoft.com/office/drawing/2010/main" val="0"/>
+              </a:ext>
+            </a:extLst>
+          </a:blip>
+          <a:srcRect/>
+          <a:stretch>
+            <a:fillRect/>
+          </a:stretch>
+        </p:blipFill>
+        <p:spPr bwMode="auto">
+          <a:xfrm>
+            <a:off x="2650232" y="3163661"/>
+            <a:ext cx="964746" cy="964746"/>
+          </a:xfrm>
+          <a:prstGeom prst="rect">
+            <a:avLst/>
+          </a:prstGeom>
+          <a:noFill/>
+          <a:extLst>
+            <a:ext uri="{909E8E84-426E-40DD-AFC4-6F175D3DCCD1}">
+              <a14:hiddenFill xmlns:a14="http://schemas.microsoft.com/office/drawing/2010/main">
+                <a:solidFill>
+                  <a:srgbClr val="FFFFFF"/>
+                </a:solidFill>
+              </a14:hiddenFill>
+            </a:ext>
+          </a:extLst>
+        </p:spPr>
+      </p:pic>
+      <p:cxnSp>
+        <p:nvCxnSpPr>
+          <p:cNvPr id="38" name="Connettore a gomito 37">
+            <a:extLst>
+              <a:ext uri="{FF2B5EF4-FFF2-40B4-BE49-F238E27FC236}">
+                <a16:creationId xmlns:a16="http://schemas.microsoft.com/office/drawing/2014/main" id="{6A2323E8-43EF-4A3B-8289-B31A024BCBAE}"/>
+              </a:ext>
+            </a:extLst>
+          </p:cNvPr>
+          <p:cNvCxnSpPr>
+            <a:cxnSpLocks/>
+            <a:stCxn id="1030" idx="2"/>
+            <a:endCxn id="1028" idx="0"/>
+          </p:cNvCxnSpPr>
+          <p:nvPr/>
+        </p:nvCxnSpPr>
+        <p:spPr>
+          <a:xfrm rot="5400000">
+            <a:off x="2662832" y="4596878"/>
+            <a:ext cx="938244" cy="1302"/>
+          </a:xfrm>
+          <a:prstGeom prst="bentConnector3">
+            <a:avLst>
+              <a:gd name="adj1" fmla="val 50000"/>
+            </a:avLst>
+          </a:prstGeom>
+          <a:ln>
+            <a:solidFill>
+              <a:schemeClr val="accent3"/>
+            </a:solidFill>
+            <a:tailEnd type="triangle"/>
+          </a:ln>
+        </p:spPr>
+        <p:style>
+          <a:lnRef idx="2">
+            <a:schemeClr val="accent1"/>
+          </a:lnRef>
+          <a:fillRef idx="0">
+            <a:schemeClr val="accent1"/>
+          </a:fillRef>
+          <a:effectRef idx="1">
+            <a:schemeClr val="accent1"/>
+          </a:effectRef>
+          <a:fontRef idx="minor">
+            <a:schemeClr val="tx1"/>
+          </a:fontRef>
+        </p:style>
+      </p:cxnSp>
+      <p:cxnSp>
+        <p:nvCxnSpPr>
+          <p:cNvPr id="41" name="Connettore a gomito 40">
+            <a:extLst>
+              <a:ext uri="{FF2B5EF4-FFF2-40B4-BE49-F238E27FC236}">
+                <a16:creationId xmlns:a16="http://schemas.microsoft.com/office/drawing/2014/main" id="{296CD99F-9F68-455D-8385-FE0F63156A28}"/>
+              </a:ext>
+            </a:extLst>
+          </p:cNvPr>
+          <p:cNvCxnSpPr>
+            <a:cxnSpLocks/>
+            <a:stCxn id="28" idx="2"/>
+            <a:endCxn id="1030" idx="0"/>
+          </p:cNvCxnSpPr>
+          <p:nvPr/>
+        </p:nvCxnSpPr>
+        <p:spPr>
+          <a:xfrm rot="5400000">
+            <a:off x="2965682" y="2996736"/>
+            <a:ext cx="333849" cy="1"/>
+          </a:xfrm>
+          <a:prstGeom prst="bentConnector3">
+            <a:avLst>
+              <a:gd name="adj1" fmla="val 50000"/>
+            </a:avLst>
+          </a:prstGeom>
+          <a:ln>
+            <a:solidFill>
+              <a:schemeClr val="accent3"/>
+            </a:solidFill>
+            <a:tailEnd type="triangle"/>
+          </a:ln>
+        </p:spPr>
+        <p:style>
+          <a:lnRef idx="2">
+            <a:schemeClr val="accent1"/>
+          </a:lnRef>
+          <a:fillRef idx="0">
+            <a:schemeClr val="accent1"/>
+          </a:fillRef>
+          <a:effectRef idx="1">
+            <a:schemeClr val="accent1"/>
+          </a:effectRef>
+          <a:fontRef idx="minor">
+            <a:schemeClr val="tx1"/>
+          </a:fontRef>
+        </p:style>
+      </p:cxnSp>
+      <p:sp>
+        <p:nvSpPr>
+          <p:cNvPr id="46" name="CasellaDiTesto 45">
+            <a:extLst>
+              <a:ext uri="{FF2B5EF4-FFF2-40B4-BE49-F238E27FC236}">
+                <a16:creationId xmlns:a16="http://schemas.microsoft.com/office/drawing/2014/main" id="{A5ABBDCA-E727-43AC-AF46-C4E9E8304540}"/>
+              </a:ext>
+            </a:extLst>
+          </p:cNvPr>
+          <p:cNvSpPr txBox="1"/>
+          <p:nvPr/>
+        </p:nvSpPr>
+        <p:spPr>
+          <a:xfrm>
+            <a:off x="3495056" y="6271110"/>
+            <a:ext cx="2587888" cy="369332"/>
+          </a:xfrm>
+          <a:prstGeom prst="rect">
+            <a:avLst/>
+          </a:prstGeom>
+          <a:noFill/>
+        </p:spPr>
+        <p:txBody>
+          <a:bodyPr wrap="none" rtlCol="0">
+            <a:spAutoFit/>
+          </a:bodyPr>
+          <a:lstStyle/>
+          <a:p>
+            <a:r>
+              <a:rPr lang="it-IT" dirty="0"/>
+              <a:t>Cluster Wide </a:t>
+            </a:r>
+            <a:r>
+              <a:rPr lang="it-IT" dirty="0" err="1"/>
+              <a:t>Resources</a:t>
+            </a:r>
+            <a:endParaRPr lang="it-IT" dirty="0"/>
+          </a:p>
+        </p:txBody>
+      </p:sp>
+      <p:pic>
+        <p:nvPicPr>
+          <p:cNvPr id="51" name="Picture 4" descr="pv-128.png">
+            <a:extLst>
+              <a:ext uri="{FF2B5EF4-FFF2-40B4-BE49-F238E27FC236}">
+                <a16:creationId xmlns:a16="http://schemas.microsoft.com/office/drawing/2014/main" id="{9190FD0C-8CCE-4AD4-B7E9-69CC0451E80E}"/>
+              </a:ext>
+            </a:extLst>
+          </p:cNvPr>
+          <p:cNvPicPr>
+            <a:picLocks noChangeAspect="1" noChangeArrowheads="1"/>
+          </p:cNvPicPr>
+          <p:nvPr/>
+        </p:nvPicPr>
+        <p:blipFill>
+          <a:blip r:embed="rId4">
+            <a:extLst>
+              <a:ext uri="{28A0092B-C50C-407E-A947-70E740481C1C}">
+                <a14:useLocalDpi xmlns:a14="http://schemas.microsoft.com/office/drawing/2010/main" val="0"/>
+              </a:ext>
+            </a:extLst>
+          </a:blip>
+          <a:srcRect/>
+          <a:stretch>
+            <a:fillRect/>
+          </a:stretch>
+        </p:blipFill>
+        <p:spPr bwMode="auto">
+          <a:xfrm>
+            <a:off x="5642327" y="5047987"/>
+            <a:ext cx="1040946" cy="1040946"/>
+          </a:xfrm>
+          <a:prstGeom prst="rect">
+            <a:avLst/>
+          </a:prstGeom>
+          <a:noFill/>
+          <a:extLst>
+            <a:ext uri="{909E8E84-426E-40DD-AFC4-6F175D3DCCD1}">
+              <a14:hiddenFill xmlns:a14="http://schemas.microsoft.com/office/drawing/2010/main">
+                <a:solidFill>
+                  <a:srgbClr val="FFFFFF"/>
+                </a:solidFill>
+              </a14:hiddenFill>
+            </a:ext>
+          </a:extLst>
+        </p:spPr>
+      </p:pic>
+      <p:sp>
+        <p:nvSpPr>
+          <p:cNvPr id="2056" name="CasellaDiTesto 2055">
+            <a:extLst>
+              <a:ext uri="{FF2B5EF4-FFF2-40B4-BE49-F238E27FC236}">
+                <a16:creationId xmlns:a16="http://schemas.microsoft.com/office/drawing/2014/main" id="{4BC4000E-293E-4017-8661-56BD353181D6}"/>
+              </a:ext>
+            </a:extLst>
+          </p:cNvPr>
+          <p:cNvSpPr txBox="1"/>
+          <p:nvPr/>
+        </p:nvSpPr>
+        <p:spPr>
+          <a:xfrm>
+            <a:off x="3496040" y="5727385"/>
+            <a:ext cx="712054" cy="369332"/>
+          </a:xfrm>
+          <a:prstGeom prst="rect">
+            <a:avLst/>
+          </a:prstGeom>
+          <a:noFill/>
+        </p:spPr>
+        <p:txBody>
+          <a:bodyPr wrap="none" rtlCol="0">
+            <a:spAutoFit/>
+          </a:bodyPr>
+          <a:lstStyle/>
+          <a:p>
+            <a:r>
+              <a:rPr lang="it-IT" dirty="0"/>
+              <a:t>10Gb</a:t>
+            </a:r>
+          </a:p>
+        </p:txBody>
+      </p:sp>
+      <p:sp>
+        <p:nvSpPr>
+          <p:cNvPr id="54" name="CasellaDiTesto 53">
+            <a:extLst>
+              <a:ext uri="{FF2B5EF4-FFF2-40B4-BE49-F238E27FC236}">
+                <a16:creationId xmlns:a16="http://schemas.microsoft.com/office/drawing/2014/main" id="{66D636C1-46C1-4E57-B89F-D5424EF542B8}"/>
+              </a:ext>
+            </a:extLst>
+          </p:cNvPr>
+          <p:cNvSpPr txBox="1"/>
+          <p:nvPr/>
+        </p:nvSpPr>
+        <p:spPr>
+          <a:xfrm>
+            <a:off x="3118974" y="4067087"/>
+            <a:ext cx="712054" cy="369332"/>
+          </a:xfrm>
+          <a:prstGeom prst="rect">
+            <a:avLst/>
+          </a:prstGeom>
+          <a:noFill/>
+        </p:spPr>
+        <p:txBody>
+          <a:bodyPr wrap="none" rtlCol="0">
+            <a:spAutoFit/>
+          </a:bodyPr>
+          <a:lstStyle/>
+          <a:p>
+            <a:r>
+              <a:rPr lang="it-IT" dirty="0"/>
+              <a:t>10Gb</a:t>
+            </a:r>
+          </a:p>
+        </p:txBody>
+      </p:sp>
+      <p:sp>
+        <p:nvSpPr>
+          <p:cNvPr id="55" name="Rettangolo 54">
+            <a:extLst>
+              <a:ext uri="{FF2B5EF4-FFF2-40B4-BE49-F238E27FC236}">
+                <a16:creationId xmlns:a16="http://schemas.microsoft.com/office/drawing/2014/main" id="{E7EED6E8-D5B2-46DC-80B0-B50FB7E4FC40}"/>
+              </a:ext>
+            </a:extLst>
+          </p:cNvPr>
+          <p:cNvSpPr/>
+          <p:nvPr/>
+        </p:nvSpPr>
+        <p:spPr>
+          <a:xfrm>
+            <a:off x="6401075" y="1792061"/>
+            <a:ext cx="1652993" cy="2743200"/>
+          </a:xfrm>
+          <a:prstGeom prst="rect">
+            <a:avLst/>
+          </a:prstGeom>
+          <a:solidFill>
+            <a:schemeClr val="bg1"/>
+          </a:solidFill>
+          <a:ln>
+            <a:solidFill>
+              <a:schemeClr val="accent1"/>
+            </a:solidFill>
+          </a:ln>
+        </p:spPr>
+        <p:style>
+          <a:lnRef idx="2">
+            <a:schemeClr val="accent1">
+              <a:shade val="50000"/>
+            </a:schemeClr>
+          </a:lnRef>
+          <a:fillRef idx="1">
+            <a:schemeClr val="accent1"/>
+          </a:fillRef>
+          <a:effectRef idx="0">
+            <a:schemeClr val="accent1"/>
+          </a:effectRef>
+          <a:fontRef idx="minor">
+            <a:schemeClr val="lt1"/>
+          </a:fontRef>
+        </p:style>
+        <p:txBody>
+          <a:bodyPr rtlCol="0" anchor="ctr"/>
+          <a:lstStyle/>
+          <a:p>
+            <a:pPr algn="ctr"/>
+            <a:endParaRPr lang="it-IT"/>
+          </a:p>
+        </p:txBody>
+      </p:sp>
+      <p:sp>
+        <p:nvSpPr>
+          <p:cNvPr id="56" name="CasellaDiTesto 55">
+            <a:extLst>
+              <a:ext uri="{FF2B5EF4-FFF2-40B4-BE49-F238E27FC236}">
+                <a16:creationId xmlns:a16="http://schemas.microsoft.com/office/drawing/2014/main" id="{E0A5F234-9A3C-4988-B2EE-E576E66C97DF}"/>
+              </a:ext>
+            </a:extLst>
+          </p:cNvPr>
+          <p:cNvSpPr txBox="1"/>
+          <p:nvPr/>
+        </p:nvSpPr>
+        <p:spPr>
+          <a:xfrm>
+            <a:off x="6308505" y="1351343"/>
+            <a:ext cx="1555234" cy="369332"/>
+          </a:xfrm>
+          <a:prstGeom prst="rect">
+            <a:avLst/>
+          </a:prstGeom>
+          <a:noFill/>
+        </p:spPr>
+        <p:txBody>
+          <a:bodyPr wrap="none" rtlCol="0">
+            <a:spAutoFit/>
+          </a:bodyPr>
+          <a:lstStyle/>
+          <a:p>
+            <a:r>
+              <a:rPr lang="it-IT" dirty="0"/>
+              <a:t>Namespace B</a:t>
+            </a:r>
+          </a:p>
+        </p:txBody>
+      </p:sp>
+      <p:pic>
+        <p:nvPicPr>
+          <p:cNvPr id="57" name="Picture 6" descr="pvc-128.png">
+            <a:extLst>
+              <a:ext uri="{FF2B5EF4-FFF2-40B4-BE49-F238E27FC236}">
+                <a16:creationId xmlns:a16="http://schemas.microsoft.com/office/drawing/2014/main" id="{C4610C7E-BE72-409F-8318-656C7F4E53AF}"/>
+              </a:ext>
+            </a:extLst>
+          </p:cNvPr>
+          <p:cNvPicPr>
+            <a:picLocks noChangeAspect="1" noChangeArrowheads="1"/>
+          </p:cNvPicPr>
+          <p:nvPr/>
+        </p:nvPicPr>
+        <p:blipFill>
+          <a:blip r:embed="rId5">
+            <a:extLst>
+              <a:ext uri="{28A0092B-C50C-407E-A947-70E740481C1C}">
+                <a14:useLocalDpi xmlns:a14="http://schemas.microsoft.com/office/drawing/2010/main" val="0"/>
+              </a:ext>
+            </a:extLst>
+          </a:blip>
+          <a:srcRect/>
+          <a:stretch>
+            <a:fillRect/>
+          </a:stretch>
+        </p:blipFill>
+        <p:spPr bwMode="auto">
+          <a:xfrm>
+            <a:off x="6745198" y="3161884"/>
+            <a:ext cx="964746" cy="964746"/>
+          </a:xfrm>
+          <a:prstGeom prst="rect">
+            <a:avLst/>
+          </a:prstGeom>
+          <a:noFill/>
+          <a:extLst>
+            <a:ext uri="{909E8E84-426E-40DD-AFC4-6F175D3DCCD1}">
+              <a14:hiddenFill xmlns:a14="http://schemas.microsoft.com/office/drawing/2010/main">
+                <a:solidFill>
+                  <a:srgbClr val="FFFFFF"/>
+                </a:solidFill>
+              </a14:hiddenFill>
+            </a:ext>
+          </a:extLst>
+        </p:spPr>
+      </p:pic>
+      <p:sp>
+        <p:nvSpPr>
+          <p:cNvPr id="58" name="CasellaDiTesto 57">
+            <a:extLst>
+              <a:ext uri="{FF2B5EF4-FFF2-40B4-BE49-F238E27FC236}">
+                <a16:creationId xmlns:a16="http://schemas.microsoft.com/office/drawing/2014/main" id="{8EEECF9A-4BE0-4E29-B6B0-BF3CFD4F33E6}"/>
+              </a:ext>
+            </a:extLst>
+          </p:cNvPr>
+          <p:cNvSpPr txBox="1"/>
+          <p:nvPr/>
+        </p:nvSpPr>
+        <p:spPr>
+          <a:xfrm>
+            <a:off x="6595748" y="5706639"/>
+            <a:ext cx="712054" cy="369332"/>
+          </a:xfrm>
+          <a:prstGeom prst="rect">
+            <a:avLst/>
+          </a:prstGeom>
+          <a:noFill/>
+        </p:spPr>
+        <p:txBody>
+          <a:bodyPr wrap="none" rtlCol="0">
+            <a:spAutoFit/>
+          </a:bodyPr>
+          <a:lstStyle/>
+          <a:p>
+            <a:r>
+              <a:rPr lang="it-IT" dirty="0"/>
+              <a:t>50Gb</a:t>
+            </a:r>
+          </a:p>
+        </p:txBody>
+      </p:sp>
+      <p:pic>
+        <p:nvPicPr>
+          <p:cNvPr id="59" name="Picture 6" descr="pvc-128.png">
+            <a:extLst>
+              <a:ext uri="{FF2B5EF4-FFF2-40B4-BE49-F238E27FC236}">
+                <a16:creationId xmlns:a16="http://schemas.microsoft.com/office/drawing/2014/main" id="{4DA017F6-7693-4B5C-8C1A-3439B31346FD}"/>
+              </a:ext>
+            </a:extLst>
+          </p:cNvPr>
+          <p:cNvPicPr>
+            <a:picLocks noChangeAspect="1" noChangeArrowheads="1"/>
+          </p:cNvPicPr>
+          <p:nvPr/>
+        </p:nvPicPr>
+        <p:blipFill>
+          <a:blip r:embed="rId5">
+            <a:extLst>
+              <a:ext uri="{28A0092B-C50C-407E-A947-70E740481C1C}">
+                <a14:useLocalDpi xmlns:a14="http://schemas.microsoft.com/office/drawing/2010/main" val="0"/>
+              </a:ext>
+            </a:extLst>
+          </a:blip>
+          <a:srcRect/>
+          <a:stretch>
+            <a:fillRect/>
+          </a:stretch>
+        </p:blipFill>
+        <p:spPr bwMode="auto">
+          <a:xfrm>
+            <a:off x="4285612" y="3171351"/>
+            <a:ext cx="964746" cy="964746"/>
+          </a:xfrm>
+          <a:prstGeom prst="rect">
+            <a:avLst/>
+          </a:prstGeom>
+          <a:noFill/>
+          <a:extLst>
+            <a:ext uri="{909E8E84-426E-40DD-AFC4-6F175D3DCCD1}">
+              <a14:hiddenFill xmlns:a14="http://schemas.microsoft.com/office/drawing/2010/main">
+                <a:solidFill>
+                  <a:srgbClr val="FFFFFF"/>
+                </a:solidFill>
+              </a14:hiddenFill>
+            </a:ext>
+          </a:extLst>
+        </p:spPr>
+      </p:pic>
+      <p:cxnSp>
+        <p:nvCxnSpPr>
+          <p:cNvPr id="60" name="Connettore a gomito 59">
+            <a:extLst>
+              <a:ext uri="{FF2B5EF4-FFF2-40B4-BE49-F238E27FC236}">
+                <a16:creationId xmlns:a16="http://schemas.microsoft.com/office/drawing/2014/main" id="{697A3C42-C1EE-4B9B-8412-2E0989C83460}"/>
+              </a:ext>
+            </a:extLst>
+          </p:cNvPr>
+          <p:cNvCxnSpPr>
+            <a:cxnSpLocks/>
+            <a:stCxn id="59" idx="2"/>
+            <a:endCxn id="51" idx="1"/>
+          </p:cNvCxnSpPr>
+          <p:nvPr/>
+        </p:nvCxnSpPr>
+        <p:spPr>
+          <a:xfrm rot="16200000" flipH="1">
+            <a:off x="4488975" y="4415107"/>
+            <a:ext cx="1432363" cy="874342"/>
+          </a:xfrm>
+          <a:prstGeom prst="bentConnector2">
+            <a:avLst/>
+          </a:prstGeom>
+          <a:ln>
+            <a:solidFill>
+              <a:schemeClr val="accent3"/>
+            </a:solidFill>
+            <a:tailEnd type="triangle"/>
+          </a:ln>
+        </p:spPr>
+        <p:style>
+          <a:lnRef idx="2">
+            <a:schemeClr val="accent1"/>
+          </a:lnRef>
+          <a:fillRef idx="0">
+            <a:schemeClr val="accent1"/>
+          </a:fillRef>
+          <a:effectRef idx="1">
+            <a:schemeClr val="accent1"/>
+          </a:effectRef>
+          <a:fontRef idx="minor">
+            <a:schemeClr val="tx1"/>
+          </a:fontRef>
+        </p:style>
+      </p:cxnSp>
+      <p:cxnSp>
+        <p:nvCxnSpPr>
+          <p:cNvPr id="63" name="Connettore a gomito 62">
+            <a:extLst>
+              <a:ext uri="{FF2B5EF4-FFF2-40B4-BE49-F238E27FC236}">
+                <a16:creationId xmlns:a16="http://schemas.microsoft.com/office/drawing/2014/main" id="{CA1114AD-026B-4639-9F26-5737225C50C1}"/>
+              </a:ext>
+            </a:extLst>
+          </p:cNvPr>
+          <p:cNvCxnSpPr>
+            <a:cxnSpLocks/>
+            <a:stCxn id="57" idx="2"/>
+            <a:endCxn id="51" idx="3"/>
+          </p:cNvCxnSpPr>
+          <p:nvPr/>
+        </p:nvCxnSpPr>
+        <p:spPr>
+          <a:xfrm rot="5400000">
+            <a:off x="6234507" y="4575396"/>
+            <a:ext cx="1441830" cy="544298"/>
+          </a:xfrm>
+          <a:prstGeom prst="bentConnector2">
+            <a:avLst/>
+          </a:prstGeom>
+          <a:ln>
+            <a:solidFill>
+              <a:schemeClr val="accent3"/>
+            </a:solidFill>
+            <a:tailEnd type="triangle"/>
+          </a:ln>
+        </p:spPr>
+        <p:style>
+          <a:lnRef idx="2">
+            <a:schemeClr val="accent1"/>
+          </a:lnRef>
+          <a:fillRef idx="0">
+            <a:schemeClr val="accent1"/>
+          </a:fillRef>
+          <a:effectRef idx="1">
+            <a:schemeClr val="accent1"/>
+          </a:effectRef>
+          <a:fontRef idx="minor">
+            <a:schemeClr val="tx1"/>
+          </a:fontRef>
+        </p:style>
+      </p:cxnSp>
+      <p:sp>
+        <p:nvSpPr>
+          <p:cNvPr id="68" name="CasellaDiTesto 67">
+            <a:extLst>
+              <a:ext uri="{FF2B5EF4-FFF2-40B4-BE49-F238E27FC236}">
+                <a16:creationId xmlns:a16="http://schemas.microsoft.com/office/drawing/2014/main" id="{79364341-E980-4C52-B84A-E5349E83CB3C}"/>
+              </a:ext>
+            </a:extLst>
+          </p:cNvPr>
+          <p:cNvSpPr txBox="1"/>
+          <p:nvPr/>
+        </p:nvSpPr>
+        <p:spPr>
+          <a:xfrm>
+            <a:off x="4871973" y="4065247"/>
+            <a:ext cx="712054" cy="369332"/>
+          </a:xfrm>
+          <a:prstGeom prst="rect">
+            <a:avLst/>
+          </a:prstGeom>
+          <a:noFill/>
+        </p:spPr>
+        <p:txBody>
+          <a:bodyPr wrap="none" rtlCol="0">
+            <a:spAutoFit/>
+          </a:bodyPr>
+          <a:lstStyle/>
+          <a:p>
+            <a:r>
+              <a:rPr lang="it-IT" dirty="0"/>
+              <a:t>20Gb</a:t>
+            </a:r>
+          </a:p>
+        </p:txBody>
+      </p:sp>
+      <p:sp>
+        <p:nvSpPr>
+          <p:cNvPr id="69" name="CasellaDiTesto 68">
+            <a:extLst>
+              <a:ext uri="{FF2B5EF4-FFF2-40B4-BE49-F238E27FC236}">
+                <a16:creationId xmlns:a16="http://schemas.microsoft.com/office/drawing/2014/main" id="{F4C61CE6-0DE6-470D-B1B5-532B9E5AE6DD}"/>
+              </a:ext>
+            </a:extLst>
+          </p:cNvPr>
+          <p:cNvSpPr txBox="1"/>
+          <p:nvPr/>
+        </p:nvSpPr>
+        <p:spPr>
+          <a:xfrm>
+            <a:off x="7307047" y="4055005"/>
+            <a:ext cx="712054" cy="369332"/>
+          </a:xfrm>
+          <a:prstGeom prst="rect">
+            <a:avLst/>
+          </a:prstGeom>
+          <a:noFill/>
+        </p:spPr>
+        <p:txBody>
+          <a:bodyPr wrap="none" rtlCol="0">
+            <a:spAutoFit/>
+          </a:bodyPr>
+          <a:lstStyle/>
+          <a:p>
+            <a:r>
+              <a:rPr lang="it-IT" dirty="0"/>
+              <a:t>30Gb</a:t>
+            </a:r>
+          </a:p>
+        </p:txBody>
+      </p:sp>
+      <p:pic>
+        <p:nvPicPr>
+          <p:cNvPr id="1032" name="Picture 8" descr="Risultati immagini per prometheus icon">
+            <a:extLst>
+              <a:ext uri="{FF2B5EF4-FFF2-40B4-BE49-F238E27FC236}">
+                <a16:creationId xmlns:a16="http://schemas.microsoft.com/office/drawing/2014/main" id="{7E6DCC42-6955-45B9-80D7-63B8B27F2F49}"/>
+              </a:ext>
+            </a:extLst>
+          </p:cNvPr>
+          <p:cNvPicPr>
+            <a:picLocks noChangeAspect="1" noChangeArrowheads="1"/>
+          </p:cNvPicPr>
+          <p:nvPr/>
+        </p:nvPicPr>
+        <p:blipFill>
+          <a:blip r:embed="rId6">
+            <a:extLst>
+              <a:ext uri="{28A0092B-C50C-407E-A947-70E740481C1C}">
+                <a14:useLocalDpi xmlns:a14="http://schemas.microsoft.com/office/drawing/2010/main" val="0"/>
+              </a:ext>
+            </a:extLst>
+          </a:blip>
+          <a:srcRect/>
+          <a:stretch>
+            <a:fillRect/>
+          </a:stretch>
+        </p:blipFill>
+        <p:spPr bwMode="auto">
+          <a:xfrm>
+            <a:off x="4286031" y="1859550"/>
+            <a:ext cx="964746" cy="964746"/>
+          </a:xfrm>
+          <a:prstGeom prst="rect">
+            <a:avLst/>
+          </a:prstGeom>
+          <a:noFill/>
+          <a:extLst>
+            <a:ext uri="{909E8E84-426E-40DD-AFC4-6F175D3DCCD1}">
+              <a14:hiddenFill xmlns:a14="http://schemas.microsoft.com/office/drawing/2010/main">
+                <a:solidFill>
+                  <a:srgbClr val="FFFFFF"/>
+                </a:solidFill>
+              </a14:hiddenFill>
+            </a:ext>
+          </a:extLst>
+        </p:spPr>
+      </p:pic>
+      <p:pic>
+        <p:nvPicPr>
+          <p:cNvPr id="1034" name="Picture 10" descr="Risultati immagini per kafka icon">
+            <a:extLst>
+              <a:ext uri="{FF2B5EF4-FFF2-40B4-BE49-F238E27FC236}">
+                <a16:creationId xmlns:a16="http://schemas.microsoft.com/office/drawing/2014/main" id="{2A8A3661-64DB-4E80-ADBB-CD2880F204FA}"/>
+              </a:ext>
+            </a:extLst>
+          </p:cNvPr>
+          <p:cNvPicPr>
+            <a:picLocks noChangeAspect="1" noChangeArrowheads="1"/>
+          </p:cNvPicPr>
+          <p:nvPr/>
+        </p:nvPicPr>
+        <p:blipFill>
+          <a:blip r:embed="rId7">
+            <a:extLst>
+              <a:ext uri="{28A0092B-C50C-407E-A947-70E740481C1C}">
+                <a14:useLocalDpi xmlns:a14="http://schemas.microsoft.com/office/drawing/2010/main" val="0"/>
+              </a:ext>
+            </a:extLst>
+          </a:blip>
+          <a:srcRect/>
+          <a:stretch>
+            <a:fillRect/>
+          </a:stretch>
+        </p:blipFill>
+        <p:spPr bwMode="auto">
+          <a:xfrm>
+            <a:off x="6779304" y="1844653"/>
+            <a:ext cx="898134" cy="898134"/>
+          </a:xfrm>
+          <a:prstGeom prst="rect">
+            <a:avLst/>
+          </a:prstGeom>
+          <a:noFill/>
+          <a:extLst>
+            <a:ext uri="{909E8E84-426E-40DD-AFC4-6F175D3DCCD1}">
+              <a14:hiddenFill xmlns:a14="http://schemas.microsoft.com/office/drawing/2010/main">
+                <a:solidFill>
+                  <a:srgbClr val="FFFFFF"/>
+                </a:solidFill>
+              </a14:hiddenFill>
+            </a:ext>
+          </a:extLst>
+        </p:spPr>
+      </p:pic>
+      <p:cxnSp>
+        <p:nvCxnSpPr>
+          <p:cNvPr id="73" name="Connettore a gomito 72">
+            <a:extLst>
+              <a:ext uri="{FF2B5EF4-FFF2-40B4-BE49-F238E27FC236}">
+                <a16:creationId xmlns:a16="http://schemas.microsoft.com/office/drawing/2014/main" id="{EF97C53F-01EC-463C-A0E7-D82F5C8F3111}"/>
+              </a:ext>
+            </a:extLst>
+          </p:cNvPr>
+          <p:cNvCxnSpPr>
+            <a:cxnSpLocks/>
+            <a:stCxn id="1032" idx="2"/>
+            <a:endCxn id="59" idx="0"/>
+          </p:cNvCxnSpPr>
+          <p:nvPr/>
+        </p:nvCxnSpPr>
+        <p:spPr>
+          <a:xfrm rot="5400000">
+            <a:off x="4594668" y="2997614"/>
+            <a:ext cx="347055" cy="419"/>
+          </a:xfrm>
+          <a:prstGeom prst="bentConnector3">
+            <a:avLst>
+              <a:gd name="adj1" fmla="val 50000"/>
+            </a:avLst>
+          </a:prstGeom>
+          <a:ln>
+            <a:solidFill>
+              <a:schemeClr val="accent3"/>
+            </a:solidFill>
+            <a:tailEnd type="triangle"/>
+          </a:ln>
+        </p:spPr>
+        <p:style>
+          <a:lnRef idx="2">
+            <a:schemeClr val="accent1"/>
+          </a:lnRef>
+          <a:fillRef idx="0">
+            <a:schemeClr val="accent1"/>
+          </a:fillRef>
+          <a:effectRef idx="1">
+            <a:schemeClr val="accent1"/>
+          </a:effectRef>
+          <a:fontRef idx="minor">
+            <a:schemeClr val="tx1"/>
+          </a:fontRef>
+        </p:style>
+      </p:cxnSp>
+      <p:cxnSp>
+        <p:nvCxnSpPr>
+          <p:cNvPr id="76" name="Connettore a gomito 75">
+            <a:extLst>
+              <a:ext uri="{FF2B5EF4-FFF2-40B4-BE49-F238E27FC236}">
+                <a16:creationId xmlns:a16="http://schemas.microsoft.com/office/drawing/2014/main" id="{06FA0CEE-EDA2-45DB-9B97-F67A86DA1CC6}"/>
+              </a:ext>
+            </a:extLst>
+          </p:cNvPr>
+          <p:cNvCxnSpPr>
+            <a:cxnSpLocks/>
+            <a:stCxn id="1034" idx="2"/>
+            <a:endCxn id="57" idx="0"/>
+          </p:cNvCxnSpPr>
+          <p:nvPr/>
+        </p:nvCxnSpPr>
+        <p:spPr>
+          <a:xfrm rot="5400000">
+            <a:off x="7018423" y="2951935"/>
+            <a:ext cx="419097" cy="800"/>
+          </a:xfrm>
+          <a:prstGeom prst="bentConnector3">
+            <a:avLst>
+              <a:gd name="adj1" fmla="val 50000"/>
+            </a:avLst>
+          </a:prstGeom>
+          <a:ln>
+            <a:solidFill>
+              <a:schemeClr val="accent3"/>
+            </a:solidFill>
+            <a:tailEnd type="triangle"/>
+          </a:ln>
+        </p:spPr>
+        <p:style>
+          <a:lnRef idx="2">
+            <a:schemeClr val="accent1"/>
+          </a:lnRef>
+          <a:fillRef idx="0">
+            <a:schemeClr val="accent1"/>
+          </a:fillRef>
+          <a:effectRef idx="1">
+            <a:schemeClr val="accent1"/>
+          </a:effectRef>
+          <a:fontRef idx="minor">
+            <a:schemeClr val="tx1"/>
+          </a:fontRef>
+        </p:style>
+      </p:cxnSp>
     </p:spTree>
     <p:extLst>
       <p:ext uri="{BB962C8B-B14F-4D97-AF65-F5344CB8AC3E}">
-        <p14:creationId xmlns:p14="http://schemas.microsoft.com/office/powerpoint/2010/main" val="3366480905"/>
+        <p14:creationId xmlns:p14="http://schemas.microsoft.com/office/powerpoint/2010/main" val="508587369"/>
       </p:ext>
     </p:extLst>
   </p:cSld>
@@ -8436,10 +8354,9 @@
           <a:lstStyle/>
           <a:p>
             <a:r>
-              <a:rPr lang="it-IT" dirty="0" err="1"/>
-              <a:t>ConfigMap</a:t>
-            </a:r>
-            <a:endParaRPr lang="it-IT" dirty="0"/>
+              <a:rPr lang="it-IT" dirty="0"/>
+              <a:t>Service</a:t>
+            </a:r>
           </a:p>
         </p:txBody>
       </p:sp>
@@ -8514,59 +8431,47 @@
             <a:pPr fontAlgn="base"/>
             <a:r>
               <a:rPr lang="en-US" sz="2000" dirty="0"/>
-              <a:t>Externalized data stored within </a:t>
-            </a:r>
-            <a:r>
-              <a:rPr lang="en-US" sz="2000" dirty="0" err="1"/>
-              <a:t>kubernetes</a:t>
-            </a:r>
-            <a:r>
-              <a:rPr lang="en-US" sz="2000" dirty="0"/>
-              <a:t>.</a:t>
+              <a:t>A set of routing rules that defines how to access the Pods. </a:t>
             </a:r>
           </a:p>
           <a:p>
             <a:pPr fontAlgn="base"/>
-            <a:endParaRPr lang="en-US" sz="2000" dirty="0"/>
-          </a:p>
-          <a:p>
-            <a:pPr fontAlgn="base"/>
-            <a:r>
-              <a:rPr lang="en-US" sz="2000" dirty="0"/>
-              <a:t>Can be referenced through several different means:</a:t>
-            </a:r>
+            <a:endParaRPr lang="en-US" sz="2000" b="1" dirty="0"/>
           </a:p>
           <a:p>
             <a:pPr lvl="1" fontAlgn="base"/>
             <a:r>
-              <a:rPr lang="en-US" sz="1800" dirty="0"/>
-              <a:t>environment variable</a:t>
+              <a:rPr lang="it-IT" sz="1800" b="1" dirty="0" err="1"/>
+              <a:t>ClusterIP</a:t>
+            </a:r>
+            <a:r>
+              <a:rPr lang="it-IT" sz="1800" b="1" dirty="0"/>
+              <a:t> (default)</a:t>
             </a:r>
           </a:p>
           <a:p>
             <a:pPr lvl="1" fontAlgn="base"/>
             <a:r>
-              <a:rPr lang="en-US" sz="1800" dirty="0"/>
-              <a:t>a command line argument (via env var)</a:t>
-            </a:r>
+              <a:rPr lang="it-IT" sz="1800" b="1" dirty="0" err="1"/>
+              <a:t>NodePort</a:t>
+            </a:r>
+            <a:endParaRPr lang="it-IT" sz="1800" b="1" dirty="0"/>
           </a:p>
           <a:p>
             <a:pPr lvl="1" fontAlgn="base"/>
             <a:r>
-              <a:rPr lang="en-US" sz="1800" dirty="0"/>
-              <a:t>injected as a file into a volume mount</a:t>
-            </a:r>
+              <a:rPr lang="it-IT" sz="1800" b="1" dirty="0" err="1"/>
+              <a:t>LoadBalancer</a:t>
+            </a:r>
+            <a:endParaRPr lang="it-IT" sz="1800" b="1" dirty="0"/>
           </a:p>
           <a:p>
             <a:pPr lvl="1" fontAlgn="base"/>
-            <a:endParaRPr lang="en-US" sz="1800" dirty="0"/>
-          </a:p>
-          <a:p>
-            <a:pPr fontAlgn="base"/>
-            <a:r>
-              <a:rPr lang="en-US" sz="2000" dirty="0"/>
-              <a:t>Can be created from a manifest, literals, directories, or files directly.</a:t>
-            </a:r>
+            <a:r>
+              <a:rPr lang="it-IT" sz="1800" b="1" dirty="0" err="1"/>
+              <a:t>ExternalName</a:t>
+            </a:r>
+            <a:endParaRPr lang="it-IT" sz="1800" b="1" dirty="0"/>
           </a:p>
           <a:p>
             <a:pPr fontAlgn="base"/>
@@ -8577,7 +8482,7 @@
     </p:spTree>
     <p:extLst>
       <p:ext uri="{BB962C8B-B14F-4D97-AF65-F5344CB8AC3E}">
-        <p14:creationId xmlns:p14="http://schemas.microsoft.com/office/powerpoint/2010/main" val="3250543329"/>
+        <p14:creationId xmlns:p14="http://schemas.microsoft.com/office/powerpoint/2010/main" val="431021969"/>
       </p:ext>
     </p:extLst>
   </p:cSld>
@@ -8627,8 +8532,13 @@
           <a:p>
             <a:r>
               <a:rPr lang="it-IT" dirty="0"/>
-              <a:t>Secret</a:t>
-            </a:r>
+              <a:t>Service </a:t>
+            </a:r>
+            <a:r>
+              <a:rPr lang="it-IT" dirty="0" err="1"/>
+              <a:t>ClusterIP</a:t>
+            </a:r>
+            <a:endParaRPr lang="it-IT" dirty="0"/>
           </a:p>
         </p:txBody>
       </p:sp>
@@ -8695,23 +8605,26 @@
             <p:ph idx="1"/>
           </p:nvPr>
         </p:nvSpPr>
-        <p:spPr/>
-        <p:txBody>
-          <a:bodyPr/>
+        <p:spPr>
+          <a:xfrm>
+            <a:off x="677334" y="1680085"/>
+            <a:ext cx="8596668" cy="3880773"/>
+          </a:xfrm>
+        </p:spPr>
+        <p:txBody>
+          <a:bodyPr>
+            <a:normAutofit/>
+          </a:bodyPr>
           <a:lstStyle/>
           <a:p>
             <a:pPr fontAlgn="base"/>
             <a:r>
+              <a:rPr lang="en-US" sz="2000" b="1" dirty="0" err="1"/>
+              <a:t>ClusterIP</a:t>
+            </a:r>
+            <a:r>
               <a:rPr lang="en-US" sz="2000" dirty="0"/>
-              <a:t>Functionally identical to a </a:t>
-            </a:r>
-            <a:r>
-              <a:rPr lang="en-US" sz="2000" dirty="0" err="1"/>
-              <a:t>ConfigMap</a:t>
-            </a:r>
-            <a:r>
-              <a:rPr lang="en-US" sz="2000" dirty="0"/>
-              <a:t>.</a:t>
+              <a:t> services exposes a pod on a strictly cluster internal virtual IP.</a:t>
             </a:r>
           </a:p>
           <a:p>
@@ -8720,48 +8633,894 @@
           </a:p>
           <a:p>
             <a:pPr fontAlgn="base"/>
-            <a:r>
-              <a:rPr lang="en-US" sz="2000" dirty="0"/>
-              <a:t>Stored as </a:t>
-            </a:r>
-            <a:r>
-              <a:rPr lang="en-US" sz="2000" b="1" dirty="0"/>
-              <a:t>base64 encoded content.</a:t>
-            </a:r>
             <a:endParaRPr lang="en-US" sz="2000" dirty="0"/>
           </a:p>
-          <a:p>
-            <a:pPr fontAlgn="base"/>
-            <a:endParaRPr lang="en-US" sz="2000" dirty="0"/>
-          </a:p>
-          <a:p>
-            <a:pPr fontAlgn="base"/>
-            <a:r>
-              <a:rPr lang="en-US" sz="2000" dirty="0"/>
-              <a:t>Ideal for username/passwords, certificates or other sensitive information that should not be stored in a container.</a:t>
-            </a:r>
-          </a:p>
-          <a:p>
-            <a:pPr fontAlgn="base"/>
-            <a:endParaRPr lang="en-US" sz="2000" dirty="0"/>
-          </a:p>
-          <a:p>
-            <a:pPr fontAlgn="base"/>
-            <a:r>
-              <a:rPr lang="en-US" sz="2000" dirty="0"/>
-              <a:t>Can be created from a manifest, literals, directories, or from files directly.</a:t>
-            </a:r>
-          </a:p>
-          <a:p>
-            <a:pPr fontAlgn="base"/>
-            <a:endParaRPr lang="en-US" dirty="0"/>
+        </p:txBody>
+      </p:sp>
+      <p:sp>
+        <p:nvSpPr>
+          <p:cNvPr id="5" name="Rettangolo 4">
+            <a:extLst>
+              <a:ext uri="{FF2B5EF4-FFF2-40B4-BE49-F238E27FC236}">
+                <a16:creationId xmlns:a16="http://schemas.microsoft.com/office/drawing/2014/main" id="{99A58080-64A7-4773-8733-68B0A735FB22}"/>
+              </a:ext>
+            </a:extLst>
+          </p:cNvPr>
+          <p:cNvSpPr/>
+          <p:nvPr/>
+        </p:nvSpPr>
+        <p:spPr>
+          <a:xfrm>
+            <a:off x="2917998" y="2898023"/>
+            <a:ext cx="1845129" cy="2743200"/>
+          </a:xfrm>
+          <a:prstGeom prst="rect">
+            <a:avLst/>
+          </a:prstGeom>
+          <a:solidFill>
+            <a:schemeClr val="bg1"/>
+          </a:solidFill>
+        </p:spPr>
+        <p:style>
+          <a:lnRef idx="2">
+            <a:schemeClr val="accent1">
+              <a:shade val="50000"/>
+            </a:schemeClr>
+          </a:lnRef>
+          <a:fillRef idx="1">
+            <a:schemeClr val="accent1"/>
+          </a:fillRef>
+          <a:effectRef idx="0">
+            <a:schemeClr val="accent1"/>
+          </a:effectRef>
+          <a:fontRef idx="minor">
+            <a:schemeClr val="lt1"/>
+          </a:fontRef>
+        </p:style>
+        <p:txBody>
+          <a:bodyPr rtlCol="0" anchor="ctr"/>
+          <a:lstStyle/>
+          <a:p>
+            <a:pPr algn="ctr"/>
+            <a:endParaRPr lang="it-IT"/>
+          </a:p>
+        </p:txBody>
+      </p:sp>
+      <p:sp>
+        <p:nvSpPr>
+          <p:cNvPr id="6" name="Rettangolo 5">
+            <a:extLst>
+              <a:ext uri="{FF2B5EF4-FFF2-40B4-BE49-F238E27FC236}">
+                <a16:creationId xmlns:a16="http://schemas.microsoft.com/office/drawing/2014/main" id="{3D908CC7-E079-485D-8DF2-769CE77E6B17}"/>
+              </a:ext>
+            </a:extLst>
+          </p:cNvPr>
+          <p:cNvSpPr/>
+          <p:nvPr/>
+        </p:nvSpPr>
+        <p:spPr>
+          <a:xfrm>
+            <a:off x="5137322" y="2905155"/>
+            <a:ext cx="1845129" cy="2743200"/>
+          </a:xfrm>
+          <a:prstGeom prst="rect">
+            <a:avLst/>
+          </a:prstGeom>
+          <a:solidFill>
+            <a:schemeClr val="bg1"/>
+          </a:solidFill>
+        </p:spPr>
+        <p:style>
+          <a:lnRef idx="2">
+            <a:schemeClr val="accent1">
+              <a:shade val="50000"/>
+            </a:schemeClr>
+          </a:lnRef>
+          <a:fillRef idx="1">
+            <a:schemeClr val="accent1"/>
+          </a:fillRef>
+          <a:effectRef idx="0">
+            <a:schemeClr val="accent1"/>
+          </a:effectRef>
+          <a:fontRef idx="minor">
+            <a:schemeClr val="lt1"/>
+          </a:fontRef>
+        </p:style>
+        <p:txBody>
+          <a:bodyPr rtlCol="0" anchor="ctr"/>
+          <a:lstStyle/>
+          <a:p>
+            <a:pPr algn="ctr"/>
+            <a:endParaRPr lang="it-IT" dirty="0"/>
+          </a:p>
+        </p:txBody>
+      </p:sp>
+      <p:pic>
+        <p:nvPicPr>
+          <p:cNvPr id="8" name="Picture 2" descr="Risultati immagini per spring boot">
+            <a:extLst>
+              <a:ext uri="{FF2B5EF4-FFF2-40B4-BE49-F238E27FC236}">
+                <a16:creationId xmlns:a16="http://schemas.microsoft.com/office/drawing/2014/main" id="{02326D37-0351-445A-AAE9-6E46A66D711A}"/>
+              </a:ext>
+            </a:extLst>
+          </p:cNvPr>
+          <p:cNvPicPr>
+            <a:picLocks noChangeAspect="1" noChangeArrowheads="1"/>
+          </p:cNvPicPr>
+          <p:nvPr/>
+        </p:nvPicPr>
+        <p:blipFill>
+          <a:blip r:embed="rId3">
+            <a:extLst>
+              <a:ext uri="{28A0092B-C50C-407E-A947-70E740481C1C}">
+                <a14:useLocalDpi xmlns:a14="http://schemas.microsoft.com/office/drawing/2010/main" val="0"/>
+              </a:ext>
+            </a:extLst>
+          </a:blip>
+          <a:srcRect/>
+          <a:stretch>
+            <a:fillRect/>
+          </a:stretch>
+        </p:blipFill>
+        <p:spPr bwMode="auto">
+          <a:xfrm>
+            <a:off x="3017331" y="2922968"/>
+            <a:ext cx="595993" cy="595993"/>
+          </a:xfrm>
+          <a:prstGeom prst="rect">
+            <a:avLst/>
+          </a:prstGeom>
+          <a:noFill/>
+          <a:extLst>
+            <a:ext uri="{909E8E84-426E-40DD-AFC4-6F175D3DCCD1}">
+              <a14:hiddenFill xmlns:a14="http://schemas.microsoft.com/office/drawing/2010/main">
+                <a:solidFill>
+                  <a:srgbClr val="FFFFFF"/>
+                </a:solidFill>
+              </a14:hiddenFill>
+            </a:ext>
+          </a:extLst>
+        </p:spPr>
+      </p:pic>
+      <p:sp>
+        <p:nvSpPr>
+          <p:cNvPr id="9" name="Rettangolo 8">
+            <a:extLst>
+              <a:ext uri="{FF2B5EF4-FFF2-40B4-BE49-F238E27FC236}">
+                <a16:creationId xmlns:a16="http://schemas.microsoft.com/office/drawing/2014/main" id="{DF5FC335-6C55-4CDB-99B6-503FDB26C047}"/>
+              </a:ext>
+            </a:extLst>
+          </p:cNvPr>
+          <p:cNvSpPr/>
+          <p:nvPr/>
+        </p:nvSpPr>
+        <p:spPr>
+          <a:xfrm>
+            <a:off x="2983313" y="2934761"/>
+            <a:ext cx="914400" cy="740354"/>
+          </a:xfrm>
+          <a:prstGeom prst="rect">
+            <a:avLst/>
+          </a:prstGeom>
+          <a:noFill/>
+          <a:ln>
+            <a:solidFill>
+              <a:schemeClr val="accent1"/>
+            </a:solidFill>
+          </a:ln>
+        </p:spPr>
+        <p:style>
+          <a:lnRef idx="2">
+            <a:schemeClr val="accent1">
+              <a:shade val="50000"/>
+            </a:schemeClr>
+          </a:lnRef>
+          <a:fillRef idx="1">
+            <a:schemeClr val="accent1"/>
+          </a:fillRef>
+          <a:effectRef idx="0">
+            <a:schemeClr val="accent1"/>
+          </a:effectRef>
+          <a:fontRef idx="minor">
+            <a:schemeClr val="lt1"/>
+          </a:fontRef>
+        </p:style>
+        <p:txBody>
+          <a:bodyPr rtlCol="0" anchor="ctr"/>
+          <a:lstStyle/>
+          <a:p>
+            <a:pPr algn="ctr"/>
+            <a:endParaRPr lang="it-IT"/>
+          </a:p>
+        </p:txBody>
+      </p:sp>
+      <p:sp>
+        <p:nvSpPr>
+          <p:cNvPr id="10" name="CasellaDiTesto 9">
+            <a:extLst>
+              <a:ext uri="{FF2B5EF4-FFF2-40B4-BE49-F238E27FC236}">
+                <a16:creationId xmlns:a16="http://schemas.microsoft.com/office/drawing/2014/main" id="{64E1B21B-0BA9-4A18-9925-0CAD7FBB27D0}"/>
+              </a:ext>
+            </a:extLst>
+          </p:cNvPr>
+          <p:cNvSpPr txBox="1"/>
+          <p:nvPr/>
+        </p:nvSpPr>
+        <p:spPr>
+          <a:xfrm>
+            <a:off x="2917998" y="3451378"/>
+            <a:ext cx="1002197" cy="261610"/>
+          </a:xfrm>
+          <a:prstGeom prst="rect">
+            <a:avLst/>
+          </a:prstGeom>
+          <a:noFill/>
+        </p:spPr>
+        <p:txBody>
+          <a:bodyPr wrap="none" rtlCol="0">
+            <a:spAutoFit/>
+          </a:bodyPr>
+          <a:lstStyle/>
+          <a:p>
+            <a:r>
+              <a:rPr lang="it-IT" sz="1100" dirty="0"/>
+              <a:t>192.168.0.56</a:t>
+            </a:r>
+          </a:p>
+        </p:txBody>
+      </p:sp>
+      <p:sp>
+        <p:nvSpPr>
+          <p:cNvPr id="11" name="CasellaDiTesto 10">
+            <a:extLst>
+              <a:ext uri="{FF2B5EF4-FFF2-40B4-BE49-F238E27FC236}">
+                <a16:creationId xmlns:a16="http://schemas.microsoft.com/office/drawing/2014/main" id="{E2F35CB6-D228-40DF-A8ED-ADAF75E2126A}"/>
+              </a:ext>
+            </a:extLst>
+          </p:cNvPr>
+          <p:cNvSpPr txBox="1"/>
+          <p:nvPr/>
+        </p:nvSpPr>
+        <p:spPr>
+          <a:xfrm>
+            <a:off x="3481335" y="3671235"/>
+            <a:ext cx="512371" cy="261610"/>
+          </a:xfrm>
+          <a:prstGeom prst="rect">
+            <a:avLst/>
+          </a:prstGeom>
+          <a:noFill/>
+        </p:spPr>
+        <p:txBody>
+          <a:bodyPr wrap="square" rtlCol="0">
+            <a:spAutoFit/>
+          </a:bodyPr>
+          <a:lstStyle/>
+          <a:p>
+            <a:r>
+              <a:rPr lang="it-IT" sz="1100" dirty="0"/>
+              <a:t>8080</a:t>
+            </a:r>
+          </a:p>
+        </p:txBody>
+      </p:sp>
+      <p:sp>
+        <p:nvSpPr>
+          <p:cNvPr id="12" name="Rettangolo 11">
+            <a:extLst>
+              <a:ext uri="{FF2B5EF4-FFF2-40B4-BE49-F238E27FC236}">
+                <a16:creationId xmlns:a16="http://schemas.microsoft.com/office/drawing/2014/main" id="{B412216A-C046-4D8D-B680-7AE3EF78BCC0}"/>
+              </a:ext>
+            </a:extLst>
+          </p:cNvPr>
+          <p:cNvSpPr/>
+          <p:nvPr/>
+        </p:nvSpPr>
+        <p:spPr>
+          <a:xfrm>
+            <a:off x="3550075" y="3671235"/>
+            <a:ext cx="347638" cy="219857"/>
+          </a:xfrm>
+          <a:prstGeom prst="rect">
+            <a:avLst/>
+          </a:prstGeom>
+          <a:noFill/>
+          <a:ln>
+            <a:solidFill>
+              <a:schemeClr val="accent2"/>
+            </a:solidFill>
+          </a:ln>
+        </p:spPr>
+        <p:style>
+          <a:lnRef idx="2">
+            <a:schemeClr val="accent1">
+              <a:shade val="50000"/>
+            </a:schemeClr>
+          </a:lnRef>
+          <a:fillRef idx="1">
+            <a:schemeClr val="accent1"/>
+          </a:fillRef>
+          <a:effectRef idx="0">
+            <a:schemeClr val="accent1"/>
+          </a:effectRef>
+          <a:fontRef idx="minor">
+            <a:schemeClr val="lt1"/>
+          </a:fontRef>
+        </p:style>
+        <p:txBody>
+          <a:bodyPr rtlCol="0" anchor="ctr"/>
+          <a:lstStyle/>
+          <a:p>
+            <a:pPr algn="ctr"/>
+            <a:endParaRPr lang="it-IT"/>
+          </a:p>
+        </p:txBody>
+      </p:sp>
+      <p:sp>
+        <p:nvSpPr>
+          <p:cNvPr id="16" name="CasellaDiTesto 15">
+            <a:extLst>
+              <a:ext uri="{FF2B5EF4-FFF2-40B4-BE49-F238E27FC236}">
+                <a16:creationId xmlns:a16="http://schemas.microsoft.com/office/drawing/2014/main" id="{14AE1E71-2765-4AAF-9809-675834783068}"/>
+              </a:ext>
+            </a:extLst>
+          </p:cNvPr>
+          <p:cNvSpPr txBox="1"/>
+          <p:nvPr/>
+        </p:nvSpPr>
+        <p:spPr>
+          <a:xfrm>
+            <a:off x="3202176" y="5656541"/>
+            <a:ext cx="901209" cy="369332"/>
+          </a:xfrm>
+          <a:prstGeom prst="rect">
+            <a:avLst/>
+          </a:prstGeom>
+          <a:noFill/>
+        </p:spPr>
+        <p:txBody>
+          <a:bodyPr wrap="none" rtlCol="0">
+            <a:spAutoFit/>
+          </a:bodyPr>
+          <a:lstStyle/>
+          <a:p>
+            <a:r>
+              <a:rPr lang="it-IT" dirty="0" err="1"/>
+              <a:t>Node</a:t>
+            </a:r>
+            <a:r>
+              <a:rPr lang="it-IT" dirty="0"/>
+              <a:t> 1</a:t>
+            </a:r>
+          </a:p>
+        </p:txBody>
+      </p:sp>
+      <p:sp>
+        <p:nvSpPr>
+          <p:cNvPr id="17" name="CasellaDiTesto 16">
+            <a:extLst>
+              <a:ext uri="{FF2B5EF4-FFF2-40B4-BE49-F238E27FC236}">
+                <a16:creationId xmlns:a16="http://schemas.microsoft.com/office/drawing/2014/main" id="{6CD8DCA5-8CFB-4109-B49A-2C1CFC2B4CB4}"/>
+              </a:ext>
+            </a:extLst>
+          </p:cNvPr>
+          <p:cNvSpPr txBox="1"/>
+          <p:nvPr/>
+        </p:nvSpPr>
+        <p:spPr>
+          <a:xfrm>
+            <a:off x="5459407" y="5641223"/>
+            <a:ext cx="901209" cy="369332"/>
+          </a:xfrm>
+          <a:prstGeom prst="rect">
+            <a:avLst/>
+          </a:prstGeom>
+          <a:noFill/>
+        </p:spPr>
+        <p:txBody>
+          <a:bodyPr wrap="none" rtlCol="0">
+            <a:spAutoFit/>
+          </a:bodyPr>
+          <a:lstStyle/>
+          <a:p>
+            <a:r>
+              <a:rPr lang="it-IT" dirty="0" err="1"/>
+              <a:t>Node</a:t>
+            </a:r>
+            <a:r>
+              <a:rPr lang="it-IT" dirty="0"/>
+              <a:t> 2</a:t>
+            </a:r>
+          </a:p>
+        </p:txBody>
+      </p:sp>
+      <p:sp>
+        <p:nvSpPr>
+          <p:cNvPr id="22" name="Rettangolo 21">
+            <a:extLst>
+              <a:ext uri="{FF2B5EF4-FFF2-40B4-BE49-F238E27FC236}">
+                <a16:creationId xmlns:a16="http://schemas.microsoft.com/office/drawing/2014/main" id="{4E13C350-07B1-4FE3-A3C0-DA7DFDD2613D}"/>
+              </a:ext>
+            </a:extLst>
+          </p:cNvPr>
+          <p:cNvSpPr/>
+          <p:nvPr/>
+        </p:nvSpPr>
+        <p:spPr>
+          <a:xfrm>
+            <a:off x="6023490" y="2934761"/>
+            <a:ext cx="914400" cy="740354"/>
+          </a:xfrm>
+          <a:prstGeom prst="rect">
+            <a:avLst/>
+          </a:prstGeom>
+          <a:noFill/>
+          <a:ln>
+            <a:solidFill>
+              <a:schemeClr val="accent1"/>
+            </a:solidFill>
+          </a:ln>
+        </p:spPr>
+        <p:style>
+          <a:lnRef idx="2">
+            <a:schemeClr val="accent1">
+              <a:shade val="50000"/>
+            </a:schemeClr>
+          </a:lnRef>
+          <a:fillRef idx="1">
+            <a:schemeClr val="accent1"/>
+          </a:fillRef>
+          <a:effectRef idx="0">
+            <a:schemeClr val="accent1"/>
+          </a:effectRef>
+          <a:fontRef idx="minor">
+            <a:schemeClr val="lt1"/>
+          </a:fontRef>
+        </p:style>
+        <p:txBody>
+          <a:bodyPr rtlCol="0" anchor="ctr"/>
+          <a:lstStyle/>
+          <a:p>
+            <a:pPr algn="ctr"/>
+            <a:endParaRPr lang="it-IT"/>
+          </a:p>
+        </p:txBody>
+      </p:sp>
+      <p:sp>
+        <p:nvSpPr>
+          <p:cNvPr id="23" name="Rettangolo 22">
+            <a:extLst>
+              <a:ext uri="{FF2B5EF4-FFF2-40B4-BE49-F238E27FC236}">
+                <a16:creationId xmlns:a16="http://schemas.microsoft.com/office/drawing/2014/main" id="{06176A9A-BF6F-4D67-8D66-084BF76CA670}"/>
+              </a:ext>
+            </a:extLst>
+          </p:cNvPr>
+          <p:cNvSpPr/>
+          <p:nvPr/>
+        </p:nvSpPr>
+        <p:spPr>
+          <a:xfrm>
+            <a:off x="6590252" y="3671235"/>
+            <a:ext cx="347638" cy="219857"/>
+          </a:xfrm>
+          <a:prstGeom prst="rect">
+            <a:avLst/>
+          </a:prstGeom>
+          <a:noFill/>
+          <a:ln>
+            <a:solidFill>
+              <a:schemeClr val="accent2"/>
+            </a:solidFill>
+          </a:ln>
+        </p:spPr>
+        <p:style>
+          <a:lnRef idx="2">
+            <a:schemeClr val="accent1">
+              <a:shade val="50000"/>
+            </a:schemeClr>
+          </a:lnRef>
+          <a:fillRef idx="1">
+            <a:schemeClr val="accent1"/>
+          </a:fillRef>
+          <a:effectRef idx="0">
+            <a:schemeClr val="accent1"/>
+          </a:effectRef>
+          <a:fontRef idx="minor">
+            <a:schemeClr val="lt1"/>
+          </a:fontRef>
+        </p:style>
+        <p:txBody>
+          <a:bodyPr rtlCol="0" anchor="ctr"/>
+          <a:lstStyle/>
+          <a:p>
+            <a:pPr algn="ctr"/>
+            <a:endParaRPr lang="it-IT"/>
+          </a:p>
+        </p:txBody>
+      </p:sp>
+      <p:sp>
+        <p:nvSpPr>
+          <p:cNvPr id="24" name="CasellaDiTesto 23">
+            <a:extLst>
+              <a:ext uri="{FF2B5EF4-FFF2-40B4-BE49-F238E27FC236}">
+                <a16:creationId xmlns:a16="http://schemas.microsoft.com/office/drawing/2014/main" id="{C49248FD-BED3-4BF2-8F04-5D9197C9E78B}"/>
+              </a:ext>
+            </a:extLst>
+          </p:cNvPr>
+          <p:cNvSpPr txBox="1"/>
+          <p:nvPr/>
+        </p:nvSpPr>
+        <p:spPr>
+          <a:xfrm>
+            <a:off x="6520200" y="3650358"/>
+            <a:ext cx="479618" cy="261610"/>
+          </a:xfrm>
+          <a:prstGeom prst="rect">
+            <a:avLst/>
+          </a:prstGeom>
+          <a:noFill/>
+        </p:spPr>
+        <p:txBody>
+          <a:bodyPr wrap="none" rtlCol="0">
+            <a:spAutoFit/>
+          </a:bodyPr>
+          <a:lstStyle/>
+          <a:p>
+            <a:r>
+              <a:rPr lang="it-IT" sz="1100" dirty="0"/>
+              <a:t>3306</a:t>
+            </a:r>
+          </a:p>
+        </p:txBody>
+      </p:sp>
+      <p:pic>
+        <p:nvPicPr>
+          <p:cNvPr id="25" name="Picture 2" descr="Risultati immagini per mysql icon">
+            <a:extLst>
+              <a:ext uri="{FF2B5EF4-FFF2-40B4-BE49-F238E27FC236}">
+                <a16:creationId xmlns:a16="http://schemas.microsoft.com/office/drawing/2014/main" id="{C4118678-27ED-48AE-9249-51755851DCA7}"/>
+              </a:ext>
+            </a:extLst>
+          </p:cNvPr>
+          <p:cNvPicPr>
+            <a:picLocks noChangeAspect="1" noChangeArrowheads="1"/>
+          </p:cNvPicPr>
+          <p:nvPr/>
+        </p:nvPicPr>
+        <p:blipFill>
+          <a:blip r:embed="rId4">
+            <a:extLst>
+              <a:ext uri="{28A0092B-C50C-407E-A947-70E740481C1C}">
+                <a14:useLocalDpi xmlns:a14="http://schemas.microsoft.com/office/drawing/2010/main" val="0"/>
+              </a:ext>
+            </a:extLst>
+          </a:blip>
+          <a:srcRect/>
+          <a:stretch>
+            <a:fillRect/>
+          </a:stretch>
+        </p:blipFill>
+        <p:spPr bwMode="auto">
+          <a:xfrm>
+            <a:off x="6128364" y="2929316"/>
+            <a:ext cx="560703" cy="560703"/>
+          </a:xfrm>
+          <a:prstGeom prst="rect">
+            <a:avLst/>
+          </a:prstGeom>
+          <a:noFill/>
+          <a:extLst>
+            <a:ext uri="{909E8E84-426E-40DD-AFC4-6F175D3DCCD1}">
+              <a14:hiddenFill xmlns:a14="http://schemas.microsoft.com/office/drawing/2010/main">
+                <a:solidFill>
+                  <a:srgbClr val="FFFFFF"/>
+                </a:solidFill>
+              </a14:hiddenFill>
+            </a:ext>
+          </a:extLst>
+        </p:spPr>
+      </p:pic>
+      <p:sp>
+        <p:nvSpPr>
+          <p:cNvPr id="26" name="Rombo 25">
+            <a:extLst>
+              <a:ext uri="{FF2B5EF4-FFF2-40B4-BE49-F238E27FC236}">
+                <a16:creationId xmlns:a16="http://schemas.microsoft.com/office/drawing/2014/main" id="{32CD862F-1C78-4C4F-9F94-163102AFAC00}"/>
+              </a:ext>
+            </a:extLst>
+          </p:cNvPr>
+          <p:cNvSpPr/>
+          <p:nvPr/>
+        </p:nvSpPr>
+        <p:spPr>
+          <a:xfrm>
+            <a:off x="4274705" y="3522200"/>
+            <a:ext cx="1374852" cy="1320800"/>
+          </a:xfrm>
+          <a:prstGeom prst="diamond">
+            <a:avLst/>
+          </a:prstGeom>
+          <a:solidFill>
+            <a:schemeClr val="bg1"/>
+          </a:solidFill>
+          <a:ln>
+            <a:solidFill>
+              <a:schemeClr val="accent4"/>
+            </a:solidFill>
+          </a:ln>
+        </p:spPr>
+        <p:style>
+          <a:lnRef idx="2">
+            <a:schemeClr val="accent1">
+              <a:shade val="50000"/>
+            </a:schemeClr>
+          </a:lnRef>
+          <a:fillRef idx="1">
+            <a:schemeClr val="accent1"/>
+          </a:fillRef>
+          <a:effectRef idx="0">
+            <a:schemeClr val="accent1"/>
+          </a:effectRef>
+          <a:fontRef idx="minor">
+            <a:schemeClr val="lt1"/>
+          </a:fontRef>
+        </p:style>
+        <p:txBody>
+          <a:bodyPr rtlCol="0" anchor="ctr"/>
+          <a:lstStyle/>
+          <a:p>
+            <a:pPr algn="ctr"/>
+            <a:endParaRPr lang="it-IT" sz="700" dirty="0">
+              <a:solidFill>
+                <a:schemeClr val="tx1"/>
+              </a:solidFill>
+            </a:endParaRPr>
+          </a:p>
+        </p:txBody>
+      </p:sp>
+      <p:sp>
+        <p:nvSpPr>
+          <p:cNvPr id="27" name="CasellaDiTesto 26">
+            <a:extLst>
+              <a:ext uri="{FF2B5EF4-FFF2-40B4-BE49-F238E27FC236}">
+                <a16:creationId xmlns:a16="http://schemas.microsoft.com/office/drawing/2014/main" id="{5BE79887-D0B3-4495-8E08-63CB1618AEE9}"/>
+              </a:ext>
+            </a:extLst>
+          </p:cNvPr>
+          <p:cNvSpPr txBox="1"/>
+          <p:nvPr/>
+        </p:nvSpPr>
+        <p:spPr>
+          <a:xfrm>
+            <a:off x="4609066" y="3961634"/>
+            <a:ext cx="679994" cy="461665"/>
+          </a:xfrm>
+          <a:prstGeom prst="rect">
+            <a:avLst/>
+          </a:prstGeom>
+          <a:noFill/>
+        </p:spPr>
+        <p:txBody>
+          <a:bodyPr wrap="none" rtlCol="0">
+            <a:spAutoFit/>
+          </a:bodyPr>
+          <a:lstStyle/>
+          <a:p>
+            <a:pPr algn="ctr"/>
+            <a:r>
+              <a:rPr lang="it-IT" sz="1200" dirty="0" err="1"/>
+              <a:t>mysql</a:t>
+            </a:r>
+            <a:endParaRPr lang="it-IT" sz="1200" dirty="0"/>
+          </a:p>
+          <a:p>
+            <a:pPr algn="ctr"/>
+            <a:r>
+              <a:rPr lang="it-IT" sz="1200" dirty="0"/>
+              <a:t>Service</a:t>
+            </a:r>
+          </a:p>
+        </p:txBody>
+      </p:sp>
+      <p:sp>
+        <p:nvSpPr>
+          <p:cNvPr id="28" name="Rettangolo 27">
+            <a:extLst>
+              <a:ext uri="{FF2B5EF4-FFF2-40B4-BE49-F238E27FC236}">
+                <a16:creationId xmlns:a16="http://schemas.microsoft.com/office/drawing/2014/main" id="{AF12F91A-6A7D-474F-A1D9-22A9BAAD26D4}"/>
+              </a:ext>
+            </a:extLst>
+          </p:cNvPr>
+          <p:cNvSpPr/>
+          <p:nvPr/>
+        </p:nvSpPr>
+        <p:spPr>
+          <a:xfrm>
+            <a:off x="4274705" y="4864834"/>
+            <a:ext cx="1525193" cy="441840"/>
+          </a:xfrm>
+          <a:prstGeom prst="rect">
+            <a:avLst/>
+          </a:prstGeom>
+          <a:solidFill>
+            <a:schemeClr val="bg1"/>
+          </a:solidFill>
+          <a:ln>
+            <a:solidFill>
+              <a:schemeClr val="accent4"/>
+            </a:solidFill>
+          </a:ln>
+        </p:spPr>
+        <p:style>
+          <a:lnRef idx="2">
+            <a:schemeClr val="accent1">
+              <a:shade val="50000"/>
+            </a:schemeClr>
+          </a:lnRef>
+          <a:fillRef idx="1">
+            <a:schemeClr val="accent1"/>
+          </a:fillRef>
+          <a:effectRef idx="0">
+            <a:schemeClr val="accent1"/>
+          </a:effectRef>
+          <a:fontRef idx="minor">
+            <a:schemeClr val="lt1"/>
+          </a:fontRef>
+        </p:style>
+        <p:txBody>
+          <a:bodyPr rtlCol="0" anchor="ctr"/>
+          <a:lstStyle/>
+          <a:p>
+            <a:pPr algn="ctr"/>
+            <a:r>
+              <a:rPr lang="it-IT" sz="1100" dirty="0">
+                <a:solidFill>
+                  <a:schemeClr val="tx1"/>
+                </a:solidFill>
+              </a:rPr>
+              <a:t>10.108.134.167:3306</a:t>
+            </a:r>
+          </a:p>
+          <a:p>
+            <a:pPr algn="ctr"/>
+            <a:r>
+              <a:rPr lang="it-IT" sz="1100" dirty="0">
+                <a:solidFill>
+                  <a:schemeClr val="tx1"/>
+                </a:solidFill>
+              </a:rPr>
+              <a:t>mysql:3306</a:t>
+            </a:r>
+          </a:p>
+        </p:txBody>
+      </p:sp>
+      <p:cxnSp>
+        <p:nvCxnSpPr>
+          <p:cNvPr id="29" name="Connettore a gomito 28">
+            <a:extLst>
+              <a:ext uri="{FF2B5EF4-FFF2-40B4-BE49-F238E27FC236}">
+                <a16:creationId xmlns:a16="http://schemas.microsoft.com/office/drawing/2014/main" id="{F7D5192B-2CF4-4743-ABEE-03D6239B02E4}"/>
+              </a:ext>
+            </a:extLst>
+          </p:cNvPr>
+          <p:cNvCxnSpPr>
+            <a:cxnSpLocks/>
+            <a:stCxn id="9" idx="3"/>
+            <a:endCxn id="26" idx="1"/>
+          </p:cNvCxnSpPr>
+          <p:nvPr/>
+        </p:nvCxnSpPr>
+        <p:spPr>
+          <a:xfrm>
+            <a:off x="3897713" y="3304938"/>
+            <a:ext cx="376992" cy="877662"/>
+          </a:xfrm>
+          <a:prstGeom prst="bentConnector3">
+            <a:avLst>
+              <a:gd name="adj1" fmla="val 50000"/>
+            </a:avLst>
+          </a:prstGeom>
+          <a:ln>
+            <a:tailEnd type="triangle"/>
+          </a:ln>
+        </p:spPr>
+        <p:style>
+          <a:lnRef idx="2">
+            <a:schemeClr val="accent1"/>
+          </a:lnRef>
+          <a:fillRef idx="0">
+            <a:schemeClr val="accent1"/>
+          </a:fillRef>
+          <a:effectRef idx="1">
+            <a:schemeClr val="accent1"/>
+          </a:effectRef>
+          <a:fontRef idx="minor">
+            <a:schemeClr val="tx1"/>
+          </a:fontRef>
+        </p:style>
+      </p:cxnSp>
+      <p:cxnSp>
+        <p:nvCxnSpPr>
+          <p:cNvPr id="30" name="Connettore a gomito 29">
+            <a:extLst>
+              <a:ext uri="{FF2B5EF4-FFF2-40B4-BE49-F238E27FC236}">
+                <a16:creationId xmlns:a16="http://schemas.microsoft.com/office/drawing/2014/main" id="{5DF551C5-FE9F-4FD9-9B2C-53F5F3EE16A9}"/>
+              </a:ext>
+            </a:extLst>
+          </p:cNvPr>
+          <p:cNvCxnSpPr>
+            <a:cxnSpLocks/>
+            <a:stCxn id="26" idx="3"/>
+            <a:endCxn id="24" idx="2"/>
+          </p:cNvCxnSpPr>
+          <p:nvPr/>
+        </p:nvCxnSpPr>
+        <p:spPr>
+          <a:xfrm flipV="1">
+            <a:off x="5649557" y="3911968"/>
+            <a:ext cx="1110452" cy="270632"/>
+          </a:xfrm>
+          <a:prstGeom prst="bentConnector2">
+            <a:avLst/>
+          </a:prstGeom>
+          <a:ln>
+            <a:tailEnd type="triangle"/>
+          </a:ln>
+        </p:spPr>
+        <p:style>
+          <a:lnRef idx="2">
+            <a:schemeClr val="accent1"/>
+          </a:lnRef>
+          <a:fillRef idx="0">
+            <a:schemeClr val="accent1"/>
+          </a:fillRef>
+          <a:effectRef idx="1">
+            <a:schemeClr val="accent1"/>
+          </a:effectRef>
+          <a:fontRef idx="minor">
+            <a:schemeClr val="tx1"/>
+          </a:fontRef>
+        </p:style>
+      </p:cxnSp>
+      <p:sp>
+        <p:nvSpPr>
+          <p:cNvPr id="31" name="CasellaDiTesto 30">
+            <a:extLst>
+              <a:ext uri="{FF2B5EF4-FFF2-40B4-BE49-F238E27FC236}">
+                <a16:creationId xmlns:a16="http://schemas.microsoft.com/office/drawing/2014/main" id="{00D84A4C-5F2D-40C0-BF21-8526C6FED0E5}"/>
+              </a:ext>
+            </a:extLst>
+          </p:cNvPr>
+          <p:cNvSpPr txBox="1"/>
+          <p:nvPr/>
+        </p:nvSpPr>
+        <p:spPr>
+          <a:xfrm>
+            <a:off x="5966510" y="3399054"/>
+            <a:ext cx="1002197" cy="261610"/>
+          </a:xfrm>
+          <a:prstGeom prst="rect">
+            <a:avLst/>
+          </a:prstGeom>
+          <a:noFill/>
+        </p:spPr>
+        <p:txBody>
+          <a:bodyPr wrap="none" rtlCol="0">
+            <a:spAutoFit/>
+          </a:bodyPr>
+          <a:lstStyle/>
+          <a:p>
+            <a:r>
+              <a:rPr lang="it-IT" sz="1100" dirty="0"/>
+              <a:t>192.168.0.87</a:t>
+            </a:r>
           </a:p>
         </p:txBody>
       </p:sp>
     </p:spTree>
     <p:extLst>
       <p:ext uri="{BB962C8B-B14F-4D97-AF65-F5344CB8AC3E}">
-        <p14:creationId xmlns:p14="http://schemas.microsoft.com/office/powerpoint/2010/main" val="2540725245"/>
+        <p14:creationId xmlns:p14="http://schemas.microsoft.com/office/powerpoint/2010/main" val="776424517"/>
       </p:ext>
     </p:extLst>
   </p:cSld>
@@ -8793,7 +9552,7 @@
           <p:cNvPr id="2" name="Titolo 1">
             <a:extLst>
               <a:ext uri="{FF2B5EF4-FFF2-40B4-BE49-F238E27FC236}">
-                <a16:creationId xmlns:a16="http://schemas.microsoft.com/office/drawing/2014/main" id="{23BC9074-18A7-45BD-8893-27579CE5DA19}"/>
+                <a16:creationId xmlns:a16="http://schemas.microsoft.com/office/drawing/2014/main" id="{390F3EB2-CCD3-4263-8C51-13A0788C3F71}"/>
               </a:ext>
             </a:extLst>
           </p:cNvPr>
@@ -8810,18 +9569,66 @@
           <a:lstStyle/>
           <a:p>
             <a:r>
-              <a:rPr lang="it-IT" dirty="0"/>
-              <a:t>Backup</a:t>
-            </a:r>
-          </a:p>
-        </p:txBody>
-      </p:sp>
-      <p:sp>
-        <p:nvSpPr>
-          <p:cNvPr id="3" name="Segnaposto contenuto 2">
-            <a:extLst>
-              <a:ext uri="{FF2B5EF4-FFF2-40B4-BE49-F238E27FC236}">
-                <a16:creationId xmlns:a16="http://schemas.microsoft.com/office/drawing/2014/main" id="{0B741058-154A-4912-B219-3EFCF1109346}"/>
+              <a:rPr lang="it-IT" dirty="0" err="1"/>
+              <a:t>Configuration</a:t>
+            </a:r>
+            <a:endParaRPr lang="it-IT" dirty="0"/>
+          </a:p>
+        </p:txBody>
+      </p:sp>
+      <p:pic>
+        <p:nvPicPr>
+          <p:cNvPr id="2052" name="Picture 4" descr="Risultati immagini per kubernetes logo">
+            <a:extLst>
+              <a:ext uri="{FF2B5EF4-FFF2-40B4-BE49-F238E27FC236}">
+                <a16:creationId xmlns:a16="http://schemas.microsoft.com/office/drawing/2014/main" id="{2EF0C7C2-B372-4C6C-8620-3476E8ABBDF5}"/>
+              </a:ext>
+            </a:extLst>
+          </p:cNvPr>
+          <p:cNvPicPr>
+            <a:picLocks noChangeAspect="1" noChangeArrowheads="1"/>
+          </p:cNvPicPr>
+          <p:nvPr/>
+        </p:nvPicPr>
+        <p:blipFill>
+          <a:blip r:embed="rId2">
+            <a:extLst>
+              <a:ext uri="{28A0092B-C50C-407E-A947-70E740481C1C}">
+                <a14:useLocalDpi xmlns:a14="http://schemas.microsoft.com/office/drawing/2010/main" val="0"/>
+              </a:ext>
+            </a:extLst>
+          </a:blip>
+          <a:srcRect/>
+          <a:stretch>
+            <a:fillRect/>
+          </a:stretch>
+        </p:blipFill>
+        <p:spPr bwMode="auto">
+          <a:xfrm>
+            <a:off x="7849959" y="379411"/>
+            <a:ext cx="3868511" cy="835659"/>
+          </a:xfrm>
+          <a:prstGeom prst="rect">
+            <a:avLst/>
+          </a:prstGeom>
+          <a:noFill/>
+          <a:extLst>
+            <a:ext uri="{909E8E84-426E-40DD-AFC4-6F175D3DCCD1}">
+              <a14:hiddenFill xmlns:a14="http://schemas.microsoft.com/office/drawing/2010/main">
+                <a:solidFill>
+                  <a:srgbClr val="FFFFFF"/>
+                </a:solidFill>
+              </a14:hiddenFill>
+            </a:ext>
+          </a:extLst>
+        </p:spPr>
+      </p:pic>
+      <p:sp>
+        <p:nvSpPr>
+          <p:cNvPr id="4" name="Segnaposto contenuto 3">
+            <a:extLst>
+              <a:ext uri="{FF2B5EF4-FFF2-40B4-BE49-F238E27FC236}">
+                <a16:creationId xmlns:a16="http://schemas.microsoft.com/office/drawing/2014/main" id="{725997EF-BA1F-48AA-9CD4-DB729382E2A8}"/>
               </a:ext>
             </a:extLst>
           </p:cNvPr>
@@ -8834,17 +9641,47 @@
         </p:nvSpPr>
         <p:spPr/>
         <p:txBody>
-          <a:bodyPr/>
-          <a:lstStyle/>
-          <a:p>
-            <a:endParaRPr lang="it-IT"/>
+          <a:bodyPr>
+            <a:normAutofit/>
+          </a:bodyPr>
+          <a:lstStyle/>
+          <a:p>
+            <a:r>
+              <a:rPr lang="en-US" sz="2000" dirty="0"/>
+              <a:t>Kubernetes has an integrated pattern for decoupling configuration from application or container.</a:t>
+            </a:r>
+          </a:p>
+          <a:p>
+            <a:endParaRPr lang="en-US" sz="2000" dirty="0"/>
+          </a:p>
+          <a:p>
+            <a:endParaRPr lang="en-US" sz="2000" dirty="0"/>
+          </a:p>
+          <a:p>
+            <a:r>
+              <a:rPr lang="en-US" sz="2000" dirty="0"/>
+              <a:t>This pattern makes use of two Kubernetes components: </a:t>
+            </a:r>
+            <a:r>
+              <a:rPr lang="en-US" sz="2000" b="1" dirty="0" err="1"/>
+              <a:t>ConfigMaps</a:t>
+            </a:r>
+            <a:r>
+              <a:rPr lang="en-US" sz="2000" dirty="0"/>
+              <a:t> and </a:t>
+            </a:r>
+            <a:r>
+              <a:rPr lang="en-US" sz="2000" b="1" dirty="0"/>
+              <a:t>Secrets.</a:t>
+            </a:r>
+            <a:endParaRPr lang="en-US" sz="2000" dirty="0"/>
           </a:p>
         </p:txBody>
       </p:sp>
     </p:spTree>
     <p:extLst>
       <p:ext uri="{BB962C8B-B14F-4D97-AF65-F5344CB8AC3E}">
-        <p14:creationId xmlns:p14="http://schemas.microsoft.com/office/powerpoint/2010/main" val="1039918908"/>
+        <p14:creationId xmlns:p14="http://schemas.microsoft.com/office/powerpoint/2010/main" val="3366480905"/>
       </p:ext>
     </p:extLst>
   </p:cSld>
@@ -9144,6 +9981,1596 @@
           <a:lstStyle/>
           <a:p>
             <a:r>
+              <a:rPr lang="it-IT" dirty="0" err="1"/>
+              <a:t>ConfigMap</a:t>
+            </a:r>
+            <a:endParaRPr lang="it-IT" dirty="0"/>
+          </a:p>
+        </p:txBody>
+      </p:sp>
+      <p:pic>
+        <p:nvPicPr>
+          <p:cNvPr id="2052" name="Picture 4" descr="Risultati immagini per kubernetes logo">
+            <a:extLst>
+              <a:ext uri="{FF2B5EF4-FFF2-40B4-BE49-F238E27FC236}">
+                <a16:creationId xmlns:a16="http://schemas.microsoft.com/office/drawing/2014/main" id="{2EF0C7C2-B372-4C6C-8620-3476E8ABBDF5}"/>
+              </a:ext>
+            </a:extLst>
+          </p:cNvPr>
+          <p:cNvPicPr>
+            <a:picLocks noChangeAspect="1" noChangeArrowheads="1"/>
+          </p:cNvPicPr>
+          <p:nvPr/>
+        </p:nvPicPr>
+        <p:blipFill>
+          <a:blip r:embed="rId2">
+            <a:extLst>
+              <a:ext uri="{28A0092B-C50C-407E-A947-70E740481C1C}">
+                <a14:useLocalDpi xmlns:a14="http://schemas.microsoft.com/office/drawing/2010/main" val="0"/>
+              </a:ext>
+            </a:extLst>
+          </a:blip>
+          <a:srcRect/>
+          <a:stretch>
+            <a:fillRect/>
+          </a:stretch>
+        </p:blipFill>
+        <p:spPr bwMode="auto">
+          <a:xfrm>
+            <a:off x="7849959" y="379411"/>
+            <a:ext cx="3868511" cy="835659"/>
+          </a:xfrm>
+          <a:prstGeom prst="rect">
+            <a:avLst/>
+          </a:prstGeom>
+          <a:noFill/>
+          <a:extLst>
+            <a:ext uri="{909E8E84-426E-40DD-AFC4-6F175D3DCCD1}">
+              <a14:hiddenFill xmlns:a14="http://schemas.microsoft.com/office/drawing/2010/main">
+                <a:solidFill>
+                  <a:srgbClr val="FFFFFF"/>
+                </a:solidFill>
+              </a14:hiddenFill>
+            </a:ext>
+          </a:extLst>
+        </p:spPr>
+      </p:pic>
+      <p:sp>
+        <p:nvSpPr>
+          <p:cNvPr id="4" name="Segnaposto contenuto 3">
+            <a:extLst>
+              <a:ext uri="{FF2B5EF4-FFF2-40B4-BE49-F238E27FC236}">
+                <a16:creationId xmlns:a16="http://schemas.microsoft.com/office/drawing/2014/main" id="{725997EF-BA1F-48AA-9CD4-DB729382E2A8}"/>
+              </a:ext>
+            </a:extLst>
+          </p:cNvPr>
+          <p:cNvSpPr>
+            <a:spLocks noGrp="1"/>
+          </p:cNvSpPr>
+          <p:nvPr>
+            <p:ph idx="1"/>
+          </p:nvPr>
+        </p:nvSpPr>
+        <p:spPr/>
+        <p:txBody>
+          <a:bodyPr/>
+          <a:lstStyle/>
+          <a:p>
+            <a:pPr fontAlgn="base"/>
+            <a:r>
+              <a:rPr lang="en-US" sz="2000" dirty="0"/>
+              <a:t>Externalized data stored within </a:t>
+            </a:r>
+            <a:r>
+              <a:rPr lang="en-US" sz="2000" dirty="0" err="1"/>
+              <a:t>kubernetes</a:t>
+            </a:r>
+            <a:r>
+              <a:rPr lang="en-US" sz="2000" dirty="0"/>
+              <a:t>.</a:t>
+            </a:r>
+          </a:p>
+          <a:p>
+            <a:pPr fontAlgn="base"/>
+            <a:endParaRPr lang="en-US" sz="2000" dirty="0"/>
+          </a:p>
+          <a:p>
+            <a:pPr fontAlgn="base"/>
+            <a:r>
+              <a:rPr lang="en-US" sz="2000" dirty="0"/>
+              <a:t>Can be referenced through several different means:</a:t>
+            </a:r>
+          </a:p>
+          <a:p>
+            <a:pPr lvl="1" fontAlgn="base"/>
+            <a:r>
+              <a:rPr lang="en-US" sz="1800" dirty="0"/>
+              <a:t>environment variable</a:t>
+            </a:r>
+          </a:p>
+          <a:p>
+            <a:pPr lvl="1" fontAlgn="base"/>
+            <a:r>
+              <a:rPr lang="en-US" sz="1800" dirty="0"/>
+              <a:t>a command line argument (via env var)</a:t>
+            </a:r>
+          </a:p>
+          <a:p>
+            <a:pPr lvl="1" fontAlgn="base"/>
+            <a:r>
+              <a:rPr lang="en-US" sz="1800" dirty="0"/>
+              <a:t>injected as a file into a volume mount</a:t>
+            </a:r>
+          </a:p>
+          <a:p>
+            <a:pPr lvl="1" fontAlgn="base"/>
+            <a:endParaRPr lang="en-US" sz="1800" dirty="0"/>
+          </a:p>
+          <a:p>
+            <a:pPr fontAlgn="base"/>
+            <a:r>
+              <a:rPr lang="en-US" sz="2000" dirty="0"/>
+              <a:t>Can be created from a manifest, literals, directories, or files directly.</a:t>
+            </a:r>
+          </a:p>
+          <a:p>
+            <a:pPr fontAlgn="base"/>
+            <a:endParaRPr lang="en-US" dirty="0"/>
+          </a:p>
+        </p:txBody>
+      </p:sp>
+    </p:spTree>
+    <p:extLst>
+      <p:ext uri="{BB962C8B-B14F-4D97-AF65-F5344CB8AC3E}">
+        <p14:creationId xmlns:p14="http://schemas.microsoft.com/office/powerpoint/2010/main" val="3250543329"/>
+      </p:ext>
+    </p:extLst>
+  </p:cSld>
+  <p:clrMapOvr>
+    <a:masterClrMapping/>
+  </p:clrMapOvr>
+</p:sld>
+</file>
+
+<file path=ppt/slides/slide21.xml><?xml version="1.0" encoding="utf-8"?>
+<p:sld xmlns:a="http://schemas.openxmlformats.org/drawingml/2006/main" xmlns:r="http://schemas.openxmlformats.org/officeDocument/2006/relationships" xmlns:p="http://schemas.openxmlformats.org/presentationml/2006/main">
+  <p:cSld>
+    <p:spTree>
+      <p:nvGrpSpPr>
+        <p:cNvPr id="1" name=""/>
+        <p:cNvGrpSpPr/>
+        <p:nvPr/>
+      </p:nvGrpSpPr>
+      <p:grpSpPr>
+        <a:xfrm>
+          <a:off x="0" y="0"/>
+          <a:ext cx="0" cy="0"/>
+          <a:chOff x="0" y="0"/>
+          <a:chExt cx="0" cy="0"/>
+        </a:xfrm>
+      </p:grpSpPr>
+      <p:sp>
+        <p:nvSpPr>
+          <p:cNvPr id="2" name="Titolo 1">
+            <a:extLst>
+              <a:ext uri="{FF2B5EF4-FFF2-40B4-BE49-F238E27FC236}">
+                <a16:creationId xmlns:a16="http://schemas.microsoft.com/office/drawing/2014/main" id="{390F3EB2-CCD3-4263-8C51-13A0788C3F71}"/>
+              </a:ext>
+            </a:extLst>
+          </p:cNvPr>
+          <p:cNvSpPr>
+            <a:spLocks noGrp="1"/>
+          </p:cNvSpPr>
+          <p:nvPr>
+            <p:ph type="title"/>
+          </p:nvPr>
+        </p:nvSpPr>
+        <p:spPr/>
+        <p:txBody>
+          <a:bodyPr/>
+          <a:lstStyle/>
+          <a:p>
+            <a:r>
+              <a:rPr lang="it-IT" dirty="0"/>
+              <a:t>Secret</a:t>
+            </a:r>
+          </a:p>
+        </p:txBody>
+      </p:sp>
+      <p:pic>
+        <p:nvPicPr>
+          <p:cNvPr id="2052" name="Picture 4" descr="Risultati immagini per kubernetes logo">
+            <a:extLst>
+              <a:ext uri="{FF2B5EF4-FFF2-40B4-BE49-F238E27FC236}">
+                <a16:creationId xmlns:a16="http://schemas.microsoft.com/office/drawing/2014/main" id="{2EF0C7C2-B372-4C6C-8620-3476E8ABBDF5}"/>
+              </a:ext>
+            </a:extLst>
+          </p:cNvPr>
+          <p:cNvPicPr>
+            <a:picLocks noChangeAspect="1" noChangeArrowheads="1"/>
+          </p:cNvPicPr>
+          <p:nvPr/>
+        </p:nvPicPr>
+        <p:blipFill>
+          <a:blip r:embed="rId2">
+            <a:extLst>
+              <a:ext uri="{28A0092B-C50C-407E-A947-70E740481C1C}">
+                <a14:useLocalDpi xmlns:a14="http://schemas.microsoft.com/office/drawing/2010/main" val="0"/>
+              </a:ext>
+            </a:extLst>
+          </a:blip>
+          <a:srcRect/>
+          <a:stretch>
+            <a:fillRect/>
+          </a:stretch>
+        </p:blipFill>
+        <p:spPr bwMode="auto">
+          <a:xfrm>
+            <a:off x="7849959" y="379411"/>
+            <a:ext cx="3868511" cy="835659"/>
+          </a:xfrm>
+          <a:prstGeom prst="rect">
+            <a:avLst/>
+          </a:prstGeom>
+          <a:noFill/>
+          <a:extLst>
+            <a:ext uri="{909E8E84-426E-40DD-AFC4-6F175D3DCCD1}">
+              <a14:hiddenFill xmlns:a14="http://schemas.microsoft.com/office/drawing/2010/main">
+                <a:solidFill>
+                  <a:srgbClr val="FFFFFF"/>
+                </a:solidFill>
+              </a14:hiddenFill>
+            </a:ext>
+          </a:extLst>
+        </p:spPr>
+      </p:pic>
+      <p:sp>
+        <p:nvSpPr>
+          <p:cNvPr id="4" name="Segnaposto contenuto 3">
+            <a:extLst>
+              <a:ext uri="{FF2B5EF4-FFF2-40B4-BE49-F238E27FC236}">
+                <a16:creationId xmlns:a16="http://schemas.microsoft.com/office/drawing/2014/main" id="{725997EF-BA1F-48AA-9CD4-DB729382E2A8}"/>
+              </a:ext>
+            </a:extLst>
+          </p:cNvPr>
+          <p:cNvSpPr>
+            <a:spLocks noGrp="1"/>
+          </p:cNvSpPr>
+          <p:nvPr>
+            <p:ph idx="1"/>
+          </p:nvPr>
+        </p:nvSpPr>
+        <p:spPr/>
+        <p:txBody>
+          <a:bodyPr/>
+          <a:lstStyle/>
+          <a:p>
+            <a:pPr fontAlgn="base"/>
+            <a:r>
+              <a:rPr lang="en-US" sz="2000" dirty="0"/>
+              <a:t>Functionally identical to a </a:t>
+            </a:r>
+            <a:r>
+              <a:rPr lang="en-US" sz="2000" dirty="0" err="1"/>
+              <a:t>ConfigMap</a:t>
+            </a:r>
+            <a:r>
+              <a:rPr lang="en-US" sz="2000" dirty="0"/>
+              <a:t>.</a:t>
+            </a:r>
+          </a:p>
+          <a:p>
+            <a:pPr fontAlgn="base"/>
+            <a:endParaRPr lang="en-US" sz="2000" dirty="0"/>
+          </a:p>
+          <a:p>
+            <a:pPr fontAlgn="base"/>
+            <a:r>
+              <a:rPr lang="en-US" sz="2000" dirty="0"/>
+              <a:t>Stored as </a:t>
+            </a:r>
+            <a:r>
+              <a:rPr lang="en-US" sz="2000" b="1" dirty="0"/>
+              <a:t>base64 encoded content.</a:t>
+            </a:r>
+            <a:endParaRPr lang="en-US" sz="2000" dirty="0"/>
+          </a:p>
+          <a:p>
+            <a:pPr fontAlgn="base"/>
+            <a:endParaRPr lang="en-US" sz="2000" dirty="0"/>
+          </a:p>
+          <a:p>
+            <a:pPr fontAlgn="base"/>
+            <a:r>
+              <a:rPr lang="en-US" sz="2000" dirty="0"/>
+              <a:t>Ideal for username/passwords, certificates or other sensitive information that should not be stored in a container.</a:t>
+            </a:r>
+          </a:p>
+          <a:p>
+            <a:pPr fontAlgn="base"/>
+            <a:endParaRPr lang="en-US" sz="2000" dirty="0"/>
+          </a:p>
+          <a:p>
+            <a:pPr fontAlgn="base"/>
+            <a:r>
+              <a:rPr lang="en-US" sz="2000" dirty="0"/>
+              <a:t>Can be created from a manifest, literals, directories, or from files directly.</a:t>
+            </a:r>
+          </a:p>
+          <a:p>
+            <a:pPr fontAlgn="base"/>
+            <a:endParaRPr lang="en-US" dirty="0"/>
+          </a:p>
+        </p:txBody>
+      </p:sp>
+    </p:spTree>
+    <p:extLst>
+      <p:ext uri="{BB962C8B-B14F-4D97-AF65-F5344CB8AC3E}">
+        <p14:creationId xmlns:p14="http://schemas.microsoft.com/office/powerpoint/2010/main" val="2540725245"/>
+      </p:ext>
+    </p:extLst>
+  </p:cSld>
+  <p:clrMapOvr>
+    <a:masterClrMapping/>
+  </p:clrMapOvr>
+</p:sld>
+</file>
+
+<file path=ppt/slides/slide22.xml><?xml version="1.0" encoding="utf-8"?>
+<p:sld xmlns:a="http://schemas.openxmlformats.org/drawingml/2006/main" xmlns:r="http://schemas.openxmlformats.org/officeDocument/2006/relationships" xmlns:p="http://schemas.openxmlformats.org/presentationml/2006/main">
+  <p:cSld>
+    <p:spTree>
+      <p:nvGrpSpPr>
+        <p:cNvPr id="1" name=""/>
+        <p:cNvGrpSpPr/>
+        <p:nvPr/>
+      </p:nvGrpSpPr>
+      <p:grpSpPr>
+        <a:xfrm>
+          <a:off x="0" y="0"/>
+          <a:ext cx="0" cy="0"/>
+          <a:chOff x="0" y="0"/>
+          <a:chExt cx="0" cy="0"/>
+        </a:xfrm>
+      </p:grpSpPr>
+      <p:sp>
+        <p:nvSpPr>
+          <p:cNvPr id="2" name="Titolo 1">
+            <a:extLst>
+              <a:ext uri="{FF2B5EF4-FFF2-40B4-BE49-F238E27FC236}">
+                <a16:creationId xmlns:a16="http://schemas.microsoft.com/office/drawing/2014/main" id="{23BC9074-18A7-45BD-8893-27579CE5DA19}"/>
+              </a:ext>
+            </a:extLst>
+          </p:cNvPr>
+          <p:cNvSpPr>
+            <a:spLocks noGrp="1"/>
+          </p:cNvSpPr>
+          <p:nvPr>
+            <p:ph type="title"/>
+          </p:nvPr>
+        </p:nvSpPr>
+        <p:spPr/>
+        <p:txBody>
+          <a:bodyPr/>
+          <a:lstStyle/>
+          <a:p>
+            <a:r>
+              <a:rPr lang="it-IT" dirty="0"/>
+              <a:t>Ingress</a:t>
+            </a:r>
+          </a:p>
+        </p:txBody>
+      </p:sp>
+      <p:sp>
+        <p:nvSpPr>
+          <p:cNvPr id="3" name="Segnaposto contenuto 2">
+            <a:extLst>
+              <a:ext uri="{FF2B5EF4-FFF2-40B4-BE49-F238E27FC236}">
+                <a16:creationId xmlns:a16="http://schemas.microsoft.com/office/drawing/2014/main" id="{0B741058-154A-4912-B219-3EFCF1109346}"/>
+              </a:ext>
+            </a:extLst>
+          </p:cNvPr>
+          <p:cNvSpPr>
+            <a:spLocks noGrp="1"/>
+          </p:cNvSpPr>
+          <p:nvPr>
+            <p:ph idx="1"/>
+          </p:nvPr>
+        </p:nvSpPr>
+        <p:spPr/>
+        <p:txBody>
+          <a:bodyPr/>
+          <a:lstStyle/>
+          <a:p>
+            <a:r>
+              <a:rPr lang="it-IT" dirty="0" err="1"/>
+              <a:t>Is</a:t>
+            </a:r>
+            <a:r>
+              <a:rPr lang="it-IT" dirty="0"/>
+              <a:t> a </a:t>
+            </a:r>
+            <a:r>
+              <a:rPr lang="it-IT" dirty="0" err="1"/>
+              <a:t>Load</a:t>
+            </a:r>
+            <a:r>
+              <a:rPr lang="it-IT" dirty="0"/>
+              <a:t> </a:t>
+            </a:r>
+            <a:r>
+              <a:rPr lang="it-IT" dirty="0" err="1"/>
+              <a:t>Balancer</a:t>
+            </a:r>
+            <a:r>
+              <a:rPr lang="it-IT" dirty="0"/>
+              <a:t> </a:t>
+            </a:r>
+            <a:r>
+              <a:rPr lang="en-US" dirty="0"/>
+              <a:t>placed in the context of Kubernetes</a:t>
+            </a:r>
+            <a:endParaRPr lang="it-IT" dirty="0"/>
+          </a:p>
+          <a:p>
+            <a:endParaRPr lang="it-IT" dirty="0"/>
+          </a:p>
+          <a:p>
+            <a:r>
+              <a:rPr lang="it-IT" dirty="0" err="1"/>
+              <a:t>Exposes</a:t>
+            </a:r>
+            <a:r>
+              <a:rPr lang="it-IT" dirty="0"/>
+              <a:t> a Service to </a:t>
+            </a:r>
+            <a:r>
+              <a:rPr lang="it-IT" dirty="0" err="1"/>
+              <a:t>external</a:t>
+            </a:r>
+            <a:r>
+              <a:rPr lang="it-IT" dirty="0"/>
+              <a:t> clients by </a:t>
+            </a:r>
+            <a:r>
+              <a:rPr lang="it-IT" dirty="0" err="1"/>
+              <a:t>reachable</a:t>
+            </a:r>
+            <a:r>
+              <a:rPr lang="it-IT" dirty="0"/>
+              <a:t> </a:t>
+            </a:r>
+            <a:r>
+              <a:rPr lang="it-IT" dirty="0" err="1"/>
+              <a:t>URLs</a:t>
+            </a:r>
+            <a:endParaRPr lang="it-IT" dirty="0"/>
+          </a:p>
+          <a:p>
+            <a:pPr marL="0" indent="0">
+              <a:buNone/>
+            </a:pPr>
+            <a:endParaRPr lang="it-IT" dirty="0"/>
+          </a:p>
+          <a:p>
+            <a:r>
+              <a:rPr lang="en-US" dirty="0"/>
+              <a:t>Operate at the application layer of the network stack (HTTP)</a:t>
+            </a:r>
+          </a:p>
+          <a:p>
+            <a:endParaRPr lang="en-US" dirty="0"/>
+          </a:p>
+          <a:p>
+            <a:pPr marL="0" indent="0">
+              <a:buNone/>
+            </a:pPr>
+            <a:endParaRPr lang="it-IT" dirty="0"/>
+          </a:p>
+        </p:txBody>
+      </p:sp>
+      <p:pic>
+        <p:nvPicPr>
+          <p:cNvPr id="4" name="Picture 4" descr="Risultati immagini per kubernetes logo">
+            <a:extLst>
+              <a:ext uri="{FF2B5EF4-FFF2-40B4-BE49-F238E27FC236}">
+                <a16:creationId xmlns:a16="http://schemas.microsoft.com/office/drawing/2014/main" id="{BECFC573-B38C-40D3-8739-CA915314BDC4}"/>
+              </a:ext>
+            </a:extLst>
+          </p:cNvPr>
+          <p:cNvPicPr>
+            <a:picLocks noChangeAspect="1" noChangeArrowheads="1"/>
+          </p:cNvPicPr>
+          <p:nvPr/>
+        </p:nvPicPr>
+        <p:blipFill>
+          <a:blip r:embed="rId2">
+            <a:extLst>
+              <a:ext uri="{28A0092B-C50C-407E-A947-70E740481C1C}">
+                <a14:useLocalDpi xmlns:a14="http://schemas.microsoft.com/office/drawing/2010/main" val="0"/>
+              </a:ext>
+            </a:extLst>
+          </a:blip>
+          <a:srcRect/>
+          <a:stretch>
+            <a:fillRect/>
+          </a:stretch>
+        </p:blipFill>
+        <p:spPr bwMode="auto">
+          <a:xfrm>
+            <a:off x="7849959" y="379411"/>
+            <a:ext cx="3868511" cy="835659"/>
+          </a:xfrm>
+          <a:prstGeom prst="rect">
+            <a:avLst/>
+          </a:prstGeom>
+          <a:noFill/>
+          <a:extLst>
+            <a:ext uri="{909E8E84-426E-40DD-AFC4-6F175D3DCCD1}">
+              <a14:hiddenFill xmlns:a14="http://schemas.microsoft.com/office/drawing/2010/main">
+                <a:solidFill>
+                  <a:srgbClr val="FFFFFF"/>
+                </a:solidFill>
+              </a14:hiddenFill>
+            </a:ext>
+          </a:extLst>
+        </p:spPr>
+      </p:pic>
+    </p:spTree>
+    <p:extLst>
+      <p:ext uri="{BB962C8B-B14F-4D97-AF65-F5344CB8AC3E}">
+        <p14:creationId xmlns:p14="http://schemas.microsoft.com/office/powerpoint/2010/main" val="1039918908"/>
+      </p:ext>
+    </p:extLst>
+  </p:cSld>
+  <p:clrMapOvr>
+    <a:masterClrMapping/>
+  </p:clrMapOvr>
+</p:sld>
+</file>
+
+<file path=ppt/slides/slide23.xml><?xml version="1.0" encoding="utf-8"?>
+<p:sld xmlns:a="http://schemas.openxmlformats.org/drawingml/2006/main" xmlns:r="http://schemas.openxmlformats.org/officeDocument/2006/relationships" xmlns:p="http://schemas.openxmlformats.org/presentationml/2006/main">
+  <p:cSld>
+    <p:spTree>
+      <p:nvGrpSpPr>
+        <p:cNvPr id="1" name=""/>
+        <p:cNvGrpSpPr/>
+        <p:nvPr/>
+      </p:nvGrpSpPr>
+      <p:grpSpPr>
+        <a:xfrm>
+          <a:off x="0" y="0"/>
+          <a:ext cx="0" cy="0"/>
+          <a:chOff x="0" y="0"/>
+          <a:chExt cx="0" cy="0"/>
+        </a:xfrm>
+      </p:grpSpPr>
+      <p:sp>
+        <p:nvSpPr>
+          <p:cNvPr id="2" name="Titolo 1">
+            <a:extLst>
+              <a:ext uri="{FF2B5EF4-FFF2-40B4-BE49-F238E27FC236}">
+                <a16:creationId xmlns:a16="http://schemas.microsoft.com/office/drawing/2014/main" id="{23BC9074-18A7-45BD-8893-27579CE5DA19}"/>
+              </a:ext>
+            </a:extLst>
+          </p:cNvPr>
+          <p:cNvSpPr>
+            <a:spLocks noGrp="1"/>
+          </p:cNvSpPr>
+          <p:nvPr>
+            <p:ph type="title"/>
+          </p:nvPr>
+        </p:nvSpPr>
+        <p:spPr/>
+        <p:txBody>
+          <a:bodyPr/>
+          <a:lstStyle/>
+          <a:p>
+            <a:r>
+              <a:rPr lang="it-IT" dirty="0"/>
+              <a:t>Ingress</a:t>
+            </a:r>
+          </a:p>
+        </p:txBody>
+      </p:sp>
+      <p:pic>
+        <p:nvPicPr>
+          <p:cNvPr id="2050" name="Picture 2" descr="Risultati immagini per user icon">
+            <a:extLst>
+              <a:ext uri="{FF2B5EF4-FFF2-40B4-BE49-F238E27FC236}">
+                <a16:creationId xmlns:a16="http://schemas.microsoft.com/office/drawing/2014/main" id="{EEDD7466-F0AB-445C-904B-CAB46FC16E88}"/>
+              </a:ext>
+            </a:extLst>
+          </p:cNvPr>
+          <p:cNvPicPr>
+            <a:picLocks noChangeAspect="1" noChangeArrowheads="1"/>
+          </p:cNvPicPr>
+          <p:nvPr/>
+        </p:nvPicPr>
+        <p:blipFill>
+          <a:blip r:embed="rId2">
+            <a:extLst>
+              <a:ext uri="{28A0092B-C50C-407E-A947-70E740481C1C}">
+                <a14:useLocalDpi xmlns:a14="http://schemas.microsoft.com/office/drawing/2010/main" val="0"/>
+              </a:ext>
+            </a:extLst>
+          </a:blip>
+          <a:srcRect/>
+          <a:stretch>
+            <a:fillRect/>
+          </a:stretch>
+        </p:blipFill>
+        <p:spPr bwMode="auto">
+          <a:xfrm>
+            <a:off x="677334" y="2073727"/>
+            <a:ext cx="634093" cy="634093"/>
+          </a:xfrm>
+          <a:prstGeom prst="rect">
+            <a:avLst/>
+          </a:prstGeom>
+          <a:noFill/>
+          <a:extLst>
+            <a:ext uri="{909E8E84-426E-40DD-AFC4-6F175D3DCCD1}">
+              <a14:hiddenFill xmlns:a14="http://schemas.microsoft.com/office/drawing/2010/main">
+                <a:solidFill>
+                  <a:srgbClr val="FFFFFF"/>
+                </a:solidFill>
+              </a14:hiddenFill>
+            </a:ext>
+          </a:extLst>
+        </p:spPr>
+      </p:pic>
+      <p:pic>
+        <p:nvPicPr>
+          <p:cNvPr id="7" name="Picture 2" descr="Risultati immagini per user icon">
+            <a:extLst>
+              <a:ext uri="{FF2B5EF4-FFF2-40B4-BE49-F238E27FC236}">
+                <a16:creationId xmlns:a16="http://schemas.microsoft.com/office/drawing/2014/main" id="{D359F6EF-7A16-41FC-86CA-C891CD6B9A84}"/>
+              </a:ext>
+            </a:extLst>
+          </p:cNvPr>
+          <p:cNvPicPr>
+            <a:picLocks noChangeAspect="1" noChangeArrowheads="1"/>
+          </p:cNvPicPr>
+          <p:nvPr/>
+        </p:nvPicPr>
+        <p:blipFill>
+          <a:blip r:embed="rId2">
+            <a:extLst>
+              <a:ext uri="{28A0092B-C50C-407E-A947-70E740481C1C}">
+                <a14:useLocalDpi xmlns:a14="http://schemas.microsoft.com/office/drawing/2010/main" val="0"/>
+              </a:ext>
+            </a:extLst>
+          </a:blip>
+          <a:srcRect/>
+          <a:stretch>
+            <a:fillRect/>
+          </a:stretch>
+        </p:blipFill>
+        <p:spPr bwMode="auto">
+          <a:xfrm>
+            <a:off x="677333" y="4342719"/>
+            <a:ext cx="634093" cy="634093"/>
+          </a:xfrm>
+          <a:prstGeom prst="rect">
+            <a:avLst/>
+          </a:prstGeom>
+          <a:noFill/>
+          <a:extLst>
+            <a:ext uri="{909E8E84-426E-40DD-AFC4-6F175D3DCCD1}">
+              <a14:hiddenFill xmlns:a14="http://schemas.microsoft.com/office/drawing/2010/main">
+                <a:solidFill>
+                  <a:srgbClr val="FFFFFF"/>
+                </a:solidFill>
+              </a14:hiddenFill>
+            </a:ext>
+          </a:extLst>
+        </p:spPr>
+      </p:pic>
+      <p:pic>
+        <p:nvPicPr>
+          <p:cNvPr id="2052" name="Picture 4" descr="Immagine correlata">
+            <a:extLst>
+              <a:ext uri="{FF2B5EF4-FFF2-40B4-BE49-F238E27FC236}">
+                <a16:creationId xmlns:a16="http://schemas.microsoft.com/office/drawing/2014/main" id="{F97708D4-D491-4CA8-8615-5BF453A60BFE}"/>
+              </a:ext>
+            </a:extLst>
+          </p:cNvPr>
+          <p:cNvPicPr>
+            <a:picLocks noChangeAspect="1" noChangeArrowheads="1"/>
+          </p:cNvPicPr>
+          <p:nvPr/>
+        </p:nvPicPr>
+        <p:blipFill>
+          <a:blip r:embed="rId3">
+            <a:extLst>
+              <a:ext uri="{28A0092B-C50C-407E-A947-70E740481C1C}">
+                <a14:useLocalDpi xmlns:a14="http://schemas.microsoft.com/office/drawing/2010/main" val="0"/>
+              </a:ext>
+            </a:extLst>
+          </a:blip>
+          <a:srcRect/>
+          <a:stretch>
+            <a:fillRect/>
+          </a:stretch>
+        </p:blipFill>
+        <p:spPr bwMode="auto">
+          <a:xfrm>
+            <a:off x="3535135" y="2938463"/>
+            <a:ext cx="981073" cy="981073"/>
+          </a:xfrm>
+          <a:prstGeom prst="rect">
+            <a:avLst/>
+          </a:prstGeom>
+          <a:noFill/>
+          <a:extLst>
+            <a:ext uri="{909E8E84-426E-40DD-AFC4-6F175D3DCCD1}">
+              <a14:hiddenFill xmlns:a14="http://schemas.microsoft.com/office/drawing/2010/main">
+                <a:solidFill>
+                  <a:srgbClr val="FFFFFF"/>
+                </a:solidFill>
+              </a14:hiddenFill>
+            </a:ext>
+          </a:extLst>
+        </p:spPr>
+      </p:pic>
+      <p:pic>
+        <p:nvPicPr>
+          <p:cNvPr id="2054" name="Picture 6" descr="Risultati immagini per jenkins icon">
+            <a:extLst>
+              <a:ext uri="{FF2B5EF4-FFF2-40B4-BE49-F238E27FC236}">
+                <a16:creationId xmlns:a16="http://schemas.microsoft.com/office/drawing/2014/main" id="{A8BB2DE7-16BC-4A0C-BEFA-7DFA867CBB74}"/>
+              </a:ext>
+            </a:extLst>
+          </p:cNvPr>
+          <p:cNvPicPr>
+            <a:picLocks noChangeAspect="1" noChangeArrowheads="1"/>
+          </p:cNvPicPr>
+          <p:nvPr/>
+        </p:nvPicPr>
+        <p:blipFill>
+          <a:blip r:embed="rId4">
+            <a:extLst>
+              <a:ext uri="{28A0092B-C50C-407E-A947-70E740481C1C}">
+                <a14:useLocalDpi xmlns:a14="http://schemas.microsoft.com/office/drawing/2010/main" val="0"/>
+              </a:ext>
+            </a:extLst>
+          </a:blip>
+          <a:srcRect/>
+          <a:stretch>
+            <a:fillRect/>
+          </a:stretch>
+        </p:blipFill>
+        <p:spPr bwMode="auto">
+          <a:xfrm>
+            <a:off x="8065903" y="1647938"/>
+            <a:ext cx="821734" cy="1137103"/>
+          </a:xfrm>
+          <a:prstGeom prst="rect">
+            <a:avLst/>
+          </a:prstGeom>
+          <a:noFill/>
+          <a:extLst>
+            <a:ext uri="{909E8E84-426E-40DD-AFC4-6F175D3DCCD1}">
+              <a14:hiddenFill xmlns:a14="http://schemas.microsoft.com/office/drawing/2010/main">
+                <a:solidFill>
+                  <a:srgbClr val="FFFFFF"/>
+                </a:solidFill>
+              </a14:hiddenFill>
+            </a:ext>
+          </a:extLst>
+        </p:spPr>
+      </p:pic>
+      <p:pic>
+        <p:nvPicPr>
+          <p:cNvPr id="2056" name="Picture 8" descr="Risultati immagini per gitlab icon">
+            <a:extLst>
+              <a:ext uri="{FF2B5EF4-FFF2-40B4-BE49-F238E27FC236}">
+                <a16:creationId xmlns:a16="http://schemas.microsoft.com/office/drawing/2014/main" id="{A57C560B-399F-45A3-A7FB-11136B1E970B}"/>
+              </a:ext>
+            </a:extLst>
+          </p:cNvPr>
+          <p:cNvPicPr>
+            <a:picLocks noChangeAspect="1" noChangeArrowheads="1"/>
+          </p:cNvPicPr>
+          <p:nvPr/>
+        </p:nvPicPr>
+        <p:blipFill>
+          <a:blip r:embed="rId5">
+            <a:extLst>
+              <a:ext uri="{28A0092B-C50C-407E-A947-70E740481C1C}">
+                <a14:useLocalDpi xmlns:a14="http://schemas.microsoft.com/office/drawing/2010/main" val="0"/>
+              </a:ext>
+            </a:extLst>
+          </a:blip>
+          <a:srcRect/>
+          <a:stretch>
+            <a:fillRect/>
+          </a:stretch>
+        </p:blipFill>
+        <p:spPr bwMode="auto">
+          <a:xfrm>
+            <a:off x="7895476" y="4061731"/>
+            <a:ext cx="1319551" cy="1196068"/>
+          </a:xfrm>
+          <a:prstGeom prst="rect">
+            <a:avLst/>
+          </a:prstGeom>
+          <a:noFill/>
+          <a:extLst>
+            <a:ext uri="{909E8E84-426E-40DD-AFC4-6F175D3DCCD1}">
+              <a14:hiddenFill xmlns:a14="http://schemas.microsoft.com/office/drawing/2010/main">
+                <a:solidFill>
+                  <a:srgbClr val="FFFFFF"/>
+                </a:solidFill>
+              </a14:hiddenFill>
+            </a:ext>
+          </a:extLst>
+        </p:spPr>
+      </p:pic>
+      <p:cxnSp>
+        <p:nvCxnSpPr>
+          <p:cNvPr id="8" name="Connettore 2 7">
+            <a:extLst>
+              <a:ext uri="{FF2B5EF4-FFF2-40B4-BE49-F238E27FC236}">
+                <a16:creationId xmlns:a16="http://schemas.microsoft.com/office/drawing/2014/main" id="{0C3FDF06-141F-48D6-9CCB-F9D0FCEBA104}"/>
+              </a:ext>
+            </a:extLst>
+          </p:cNvPr>
+          <p:cNvCxnSpPr>
+            <a:stCxn id="2050" idx="3"/>
+            <a:endCxn id="2052" idx="1"/>
+          </p:cNvCxnSpPr>
+          <p:nvPr/>
+        </p:nvCxnSpPr>
+        <p:spPr>
+          <a:xfrm>
+            <a:off x="1311427" y="2390774"/>
+            <a:ext cx="2223708" cy="1038226"/>
+          </a:xfrm>
+          <a:prstGeom prst="straightConnector1">
+            <a:avLst/>
+          </a:prstGeom>
+          <a:ln w="38100">
+            <a:tailEnd type="triangle"/>
+          </a:ln>
+        </p:spPr>
+        <p:style>
+          <a:lnRef idx="1">
+            <a:schemeClr val="accent1"/>
+          </a:lnRef>
+          <a:fillRef idx="0">
+            <a:schemeClr val="accent1"/>
+          </a:fillRef>
+          <a:effectRef idx="0">
+            <a:schemeClr val="accent1"/>
+          </a:effectRef>
+          <a:fontRef idx="minor">
+            <a:schemeClr val="tx1"/>
+          </a:fontRef>
+        </p:style>
+      </p:cxnSp>
+      <p:cxnSp>
+        <p:nvCxnSpPr>
+          <p:cNvPr id="13" name="Connettore 2 12">
+            <a:extLst>
+              <a:ext uri="{FF2B5EF4-FFF2-40B4-BE49-F238E27FC236}">
+                <a16:creationId xmlns:a16="http://schemas.microsoft.com/office/drawing/2014/main" id="{B6362397-BAAB-4C2D-8787-0B448ADE5DDD}"/>
+              </a:ext>
+            </a:extLst>
+          </p:cNvPr>
+          <p:cNvCxnSpPr>
+            <a:cxnSpLocks/>
+            <a:stCxn id="7" idx="3"/>
+            <a:endCxn id="2052" idx="1"/>
+          </p:cNvCxnSpPr>
+          <p:nvPr/>
+        </p:nvCxnSpPr>
+        <p:spPr>
+          <a:xfrm flipV="1">
+            <a:off x="1311426" y="3429000"/>
+            <a:ext cx="2223709" cy="1230766"/>
+          </a:xfrm>
+          <a:prstGeom prst="straightConnector1">
+            <a:avLst/>
+          </a:prstGeom>
+          <a:ln w="38100">
+            <a:solidFill>
+              <a:schemeClr val="accent3"/>
+            </a:solidFill>
+            <a:tailEnd type="triangle"/>
+          </a:ln>
+        </p:spPr>
+        <p:style>
+          <a:lnRef idx="1">
+            <a:schemeClr val="accent1"/>
+          </a:lnRef>
+          <a:fillRef idx="0">
+            <a:schemeClr val="accent1"/>
+          </a:fillRef>
+          <a:effectRef idx="0">
+            <a:schemeClr val="accent1"/>
+          </a:effectRef>
+          <a:fontRef idx="minor">
+            <a:schemeClr val="tx1"/>
+          </a:fontRef>
+        </p:style>
+      </p:cxnSp>
+      <p:cxnSp>
+        <p:nvCxnSpPr>
+          <p:cNvPr id="16" name="Connettore 2 15">
+            <a:extLst>
+              <a:ext uri="{FF2B5EF4-FFF2-40B4-BE49-F238E27FC236}">
+                <a16:creationId xmlns:a16="http://schemas.microsoft.com/office/drawing/2014/main" id="{C96362EF-3070-4CFB-947C-9CD68463B426}"/>
+              </a:ext>
+            </a:extLst>
+          </p:cNvPr>
+          <p:cNvCxnSpPr>
+            <a:cxnSpLocks/>
+            <a:stCxn id="2052" idx="3"/>
+            <a:endCxn id="27" idx="1"/>
+          </p:cNvCxnSpPr>
+          <p:nvPr/>
+        </p:nvCxnSpPr>
+        <p:spPr>
+          <a:xfrm>
+            <a:off x="4516208" y="3429000"/>
+            <a:ext cx="1337585" cy="1230765"/>
+          </a:xfrm>
+          <a:prstGeom prst="straightConnector1">
+            <a:avLst/>
+          </a:prstGeom>
+          <a:ln w="38100">
+            <a:solidFill>
+              <a:schemeClr val="accent3"/>
+            </a:solidFill>
+            <a:prstDash val="sysDash"/>
+            <a:tailEnd type="triangle"/>
+          </a:ln>
+        </p:spPr>
+        <p:style>
+          <a:lnRef idx="1">
+            <a:schemeClr val="accent1"/>
+          </a:lnRef>
+          <a:fillRef idx="0">
+            <a:schemeClr val="accent1"/>
+          </a:fillRef>
+          <a:effectRef idx="0">
+            <a:schemeClr val="accent1"/>
+          </a:effectRef>
+          <a:fontRef idx="minor">
+            <a:schemeClr val="tx1"/>
+          </a:fontRef>
+        </p:style>
+      </p:cxnSp>
+      <p:cxnSp>
+        <p:nvCxnSpPr>
+          <p:cNvPr id="19" name="Connettore 2 18">
+            <a:extLst>
+              <a:ext uri="{FF2B5EF4-FFF2-40B4-BE49-F238E27FC236}">
+                <a16:creationId xmlns:a16="http://schemas.microsoft.com/office/drawing/2014/main" id="{E72631B9-0A6F-4208-9067-ADEDBCD251DE}"/>
+              </a:ext>
+            </a:extLst>
+          </p:cNvPr>
+          <p:cNvCxnSpPr>
+            <a:cxnSpLocks/>
+            <a:stCxn id="2052" idx="3"/>
+            <a:endCxn id="21" idx="1"/>
+          </p:cNvCxnSpPr>
+          <p:nvPr/>
+        </p:nvCxnSpPr>
+        <p:spPr>
+          <a:xfrm flipV="1">
+            <a:off x="4516208" y="2216490"/>
+            <a:ext cx="1337585" cy="1212510"/>
+          </a:xfrm>
+          <a:prstGeom prst="straightConnector1">
+            <a:avLst/>
+          </a:prstGeom>
+          <a:ln w="38100">
+            <a:prstDash val="sysDash"/>
+            <a:tailEnd type="triangle"/>
+          </a:ln>
+        </p:spPr>
+        <p:style>
+          <a:lnRef idx="1">
+            <a:schemeClr val="accent1"/>
+          </a:lnRef>
+          <a:fillRef idx="0">
+            <a:schemeClr val="accent1"/>
+          </a:fillRef>
+          <a:effectRef idx="0">
+            <a:schemeClr val="accent1"/>
+          </a:effectRef>
+          <a:fontRef idx="minor">
+            <a:schemeClr val="tx1"/>
+          </a:fontRef>
+        </p:style>
+      </p:cxnSp>
+      <p:sp>
+        <p:nvSpPr>
+          <p:cNvPr id="17" name="CasellaDiTesto 16">
+            <a:extLst>
+              <a:ext uri="{FF2B5EF4-FFF2-40B4-BE49-F238E27FC236}">
+                <a16:creationId xmlns:a16="http://schemas.microsoft.com/office/drawing/2014/main" id="{F278C51C-B30C-443E-A259-009857E8E04E}"/>
+              </a:ext>
+            </a:extLst>
+          </p:cNvPr>
+          <p:cNvSpPr txBox="1"/>
+          <p:nvPr/>
+        </p:nvSpPr>
+        <p:spPr>
+          <a:xfrm rot="1507017">
+            <a:off x="1325195" y="2552636"/>
+            <a:ext cx="2403222" cy="369332"/>
+          </a:xfrm>
+          <a:prstGeom prst="rect">
+            <a:avLst/>
+          </a:prstGeom>
+          <a:noFill/>
+        </p:spPr>
+        <p:txBody>
+          <a:bodyPr wrap="none" rtlCol="0">
+            <a:spAutoFit/>
+          </a:bodyPr>
+          <a:lstStyle/>
+          <a:p>
+            <a:r>
+              <a:rPr lang="it-IT" dirty="0"/>
+              <a:t>jenkins.example.com</a:t>
+            </a:r>
+          </a:p>
+        </p:txBody>
+      </p:sp>
+      <p:sp>
+        <p:nvSpPr>
+          <p:cNvPr id="23" name="CasellaDiTesto 22">
+            <a:extLst>
+              <a:ext uri="{FF2B5EF4-FFF2-40B4-BE49-F238E27FC236}">
+                <a16:creationId xmlns:a16="http://schemas.microsoft.com/office/drawing/2014/main" id="{97B7F6A6-23B0-4ABA-AF96-F14E3B14C425}"/>
+              </a:ext>
+            </a:extLst>
+          </p:cNvPr>
+          <p:cNvSpPr txBox="1"/>
+          <p:nvPr/>
+        </p:nvSpPr>
+        <p:spPr>
+          <a:xfrm rot="19847125">
+            <a:off x="1166229" y="3734870"/>
+            <a:ext cx="2252540" cy="369332"/>
+          </a:xfrm>
+          <a:prstGeom prst="rect">
+            <a:avLst/>
+          </a:prstGeom>
+          <a:noFill/>
+        </p:spPr>
+        <p:txBody>
+          <a:bodyPr wrap="none" rtlCol="0">
+            <a:spAutoFit/>
+          </a:bodyPr>
+          <a:lstStyle/>
+          <a:p>
+            <a:r>
+              <a:rPr lang="it-IT" dirty="0"/>
+              <a:t>gitlab.example.com</a:t>
+            </a:r>
+          </a:p>
+        </p:txBody>
+      </p:sp>
+      <p:sp>
+        <p:nvSpPr>
+          <p:cNvPr id="21" name="Rettangolo 20">
+            <a:extLst>
+              <a:ext uri="{FF2B5EF4-FFF2-40B4-BE49-F238E27FC236}">
+                <a16:creationId xmlns:a16="http://schemas.microsoft.com/office/drawing/2014/main" id="{59CF4F2B-8417-47CB-B0AF-A9BD95102162}"/>
+              </a:ext>
+            </a:extLst>
+          </p:cNvPr>
+          <p:cNvSpPr/>
+          <p:nvPr/>
+        </p:nvSpPr>
+        <p:spPr>
+          <a:xfrm>
+            <a:off x="5853793" y="1759290"/>
+            <a:ext cx="1191986" cy="914400"/>
+          </a:xfrm>
+          <a:prstGeom prst="rect">
+            <a:avLst/>
+          </a:prstGeom>
+          <a:solidFill>
+            <a:schemeClr val="bg1"/>
+          </a:solidFill>
+        </p:spPr>
+        <p:style>
+          <a:lnRef idx="2">
+            <a:schemeClr val="accent1">
+              <a:shade val="50000"/>
+            </a:schemeClr>
+          </a:lnRef>
+          <a:fillRef idx="1">
+            <a:schemeClr val="accent1"/>
+          </a:fillRef>
+          <a:effectRef idx="0">
+            <a:schemeClr val="accent1"/>
+          </a:effectRef>
+          <a:fontRef idx="minor">
+            <a:schemeClr val="lt1"/>
+          </a:fontRef>
+        </p:style>
+        <p:txBody>
+          <a:bodyPr rtlCol="0" anchor="ctr"/>
+          <a:lstStyle/>
+          <a:p>
+            <a:pPr algn="ctr"/>
+            <a:r>
+              <a:rPr lang="it-IT" dirty="0">
+                <a:solidFill>
+                  <a:schemeClr val="tx1"/>
+                </a:solidFill>
+              </a:rPr>
+              <a:t>Jenkins Service</a:t>
+            </a:r>
+          </a:p>
+        </p:txBody>
+      </p:sp>
+      <p:sp>
+        <p:nvSpPr>
+          <p:cNvPr id="27" name="Rettangolo 26">
+            <a:extLst>
+              <a:ext uri="{FF2B5EF4-FFF2-40B4-BE49-F238E27FC236}">
+                <a16:creationId xmlns:a16="http://schemas.microsoft.com/office/drawing/2014/main" id="{2DABF5F4-6A57-4014-AEA2-4F2F4C73643B}"/>
+              </a:ext>
+            </a:extLst>
+          </p:cNvPr>
+          <p:cNvSpPr/>
+          <p:nvPr/>
+        </p:nvSpPr>
+        <p:spPr>
+          <a:xfrm>
+            <a:off x="5853793" y="4202565"/>
+            <a:ext cx="1191986" cy="914400"/>
+          </a:xfrm>
+          <a:prstGeom prst="rect">
+            <a:avLst/>
+          </a:prstGeom>
+          <a:solidFill>
+            <a:schemeClr val="bg1"/>
+          </a:solidFill>
+        </p:spPr>
+        <p:style>
+          <a:lnRef idx="2">
+            <a:schemeClr val="accent1">
+              <a:shade val="50000"/>
+            </a:schemeClr>
+          </a:lnRef>
+          <a:fillRef idx="1">
+            <a:schemeClr val="accent1"/>
+          </a:fillRef>
+          <a:effectRef idx="0">
+            <a:schemeClr val="accent1"/>
+          </a:effectRef>
+          <a:fontRef idx="minor">
+            <a:schemeClr val="lt1"/>
+          </a:fontRef>
+        </p:style>
+        <p:txBody>
+          <a:bodyPr rtlCol="0" anchor="ctr"/>
+          <a:lstStyle/>
+          <a:p>
+            <a:pPr algn="ctr"/>
+            <a:r>
+              <a:rPr lang="it-IT" dirty="0" err="1">
+                <a:solidFill>
+                  <a:schemeClr val="tx1"/>
+                </a:solidFill>
+              </a:rPr>
+              <a:t>Gitlab</a:t>
+            </a:r>
+            <a:r>
+              <a:rPr lang="it-IT" dirty="0">
+                <a:solidFill>
+                  <a:schemeClr val="tx1"/>
+                </a:solidFill>
+              </a:rPr>
+              <a:t> Service</a:t>
+            </a:r>
+          </a:p>
+        </p:txBody>
+      </p:sp>
+      <p:cxnSp>
+        <p:nvCxnSpPr>
+          <p:cNvPr id="31" name="Connettore 2 30">
+            <a:extLst>
+              <a:ext uri="{FF2B5EF4-FFF2-40B4-BE49-F238E27FC236}">
+                <a16:creationId xmlns:a16="http://schemas.microsoft.com/office/drawing/2014/main" id="{17BC98A6-5F41-4649-8570-28A80933C3E8}"/>
+              </a:ext>
+            </a:extLst>
+          </p:cNvPr>
+          <p:cNvCxnSpPr>
+            <a:cxnSpLocks/>
+            <a:stCxn id="21" idx="3"/>
+            <a:endCxn id="2054" idx="1"/>
+          </p:cNvCxnSpPr>
+          <p:nvPr/>
+        </p:nvCxnSpPr>
+        <p:spPr>
+          <a:xfrm>
+            <a:off x="7045779" y="2216490"/>
+            <a:ext cx="1020124" cy="0"/>
+          </a:xfrm>
+          <a:prstGeom prst="straightConnector1">
+            <a:avLst/>
+          </a:prstGeom>
+          <a:ln w="38100">
+            <a:prstDash val="sysDot"/>
+            <a:tailEnd type="triangle"/>
+          </a:ln>
+        </p:spPr>
+        <p:style>
+          <a:lnRef idx="1">
+            <a:schemeClr val="accent1"/>
+          </a:lnRef>
+          <a:fillRef idx="0">
+            <a:schemeClr val="accent1"/>
+          </a:fillRef>
+          <a:effectRef idx="0">
+            <a:schemeClr val="accent1"/>
+          </a:effectRef>
+          <a:fontRef idx="minor">
+            <a:schemeClr val="tx1"/>
+          </a:fontRef>
+        </p:style>
+      </p:cxnSp>
+      <p:cxnSp>
+        <p:nvCxnSpPr>
+          <p:cNvPr id="36" name="Connettore 2 35">
+            <a:extLst>
+              <a:ext uri="{FF2B5EF4-FFF2-40B4-BE49-F238E27FC236}">
+                <a16:creationId xmlns:a16="http://schemas.microsoft.com/office/drawing/2014/main" id="{82BAAA16-5EF4-40E1-ACC8-EC141029C271}"/>
+              </a:ext>
+            </a:extLst>
+          </p:cNvPr>
+          <p:cNvCxnSpPr>
+            <a:cxnSpLocks/>
+            <a:stCxn id="27" idx="3"/>
+            <a:endCxn id="2056" idx="1"/>
+          </p:cNvCxnSpPr>
+          <p:nvPr/>
+        </p:nvCxnSpPr>
+        <p:spPr>
+          <a:xfrm>
+            <a:off x="7045779" y="4659765"/>
+            <a:ext cx="849697" cy="0"/>
+          </a:xfrm>
+          <a:prstGeom prst="straightConnector1">
+            <a:avLst/>
+          </a:prstGeom>
+          <a:ln w="38100">
+            <a:solidFill>
+              <a:schemeClr val="accent3"/>
+            </a:solidFill>
+            <a:prstDash val="sysDot"/>
+            <a:tailEnd type="triangle"/>
+          </a:ln>
+        </p:spPr>
+        <p:style>
+          <a:lnRef idx="1">
+            <a:schemeClr val="accent1"/>
+          </a:lnRef>
+          <a:fillRef idx="0">
+            <a:schemeClr val="accent1"/>
+          </a:fillRef>
+          <a:effectRef idx="0">
+            <a:schemeClr val="accent1"/>
+          </a:effectRef>
+          <a:fontRef idx="minor">
+            <a:schemeClr val="tx1"/>
+          </a:fontRef>
+        </p:style>
+      </p:cxnSp>
+      <p:sp>
+        <p:nvSpPr>
+          <p:cNvPr id="2053" name="Rettangolo con angoli arrotondati 2052">
+            <a:extLst>
+              <a:ext uri="{FF2B5EF4-FFF2-40B4-BE49-F238E27FC236}">
+                <a16:creationId xmlns:a16="http://schemas.microsoft.com/office/drawing/2014/main" id="{66B99A0F-CD15-42B0-AA1C-482284C65CB9}"/>
+              </a:ext>
+            </a:extLst>
+          </p:cNvPr>
+          <p:cNvSpPr/>
+          <p:nvPr/>
+        </p:nvSpPr>
+        <p:spPr>
+          <a:xfrm>
+            <a:off x="3535136" y="1445259"/>
+            <a:ext cx="5968094" cy="4367712"/>
+          </a:xfrm>
+          <a:prstGeom prst="roundRect">
+            <a:avLst/>
+          </a:prstGeom>
+          <a:noFill/>
+          <a:ln>
+            <a:prstDash val="dashDot"/>
+          </a:ln>
+        </p:spPr>
+        <p:style>
+          <a:lnRef idx="2">
+            <a:schemeClr val="accent1">
+              <a:shade val="50000"/>
+            </a:schemeClr>
+          </a:lnRef>
+          <a:fillRef idx="1">
+            <a:schemeClr val="accent1"/>
+          </a:fillRef>
+          <a:effectRef idx="0">
+            <a:schemeClr val="accent1"/>
+          </a:effectRef>
+          <a:fontRef idx="minor">
+            <a:schemeClr val="lt1"/>
+          </a:fontRef>
+        </p:style>
+        <p:txBody>
+          <a:bodyPr rtlCol="0" anchor="ctr"/>
+          <a:lstStyle/>
+          <a:p>
+            <a:pPr algn="ctr"/>
+            <a:endParaRPr lang="it-IT"/>
+          </a:p>
+        </p:txBody>
+      </p:sp>
+      <p:pic>
+        <p:nvPicPr>
+          <p:cNvPr id="41" name="Picture 4" descr="Risultati immagini per kubernetes logo">
+            <a:extLst>
+              <a:ext uri="{FF2B5EF4-FFF2-40B4-BE49-F238E27FC236}">
+                <a16:creationId xmlns:a16="http://schemas.microsoft.com/office/drawing/2014/main" id="{CFC3E399-1A3F-488F-B354-59DC70E3603F}"/>
+              </a:ext>
+            </a:extLst>
+          </p:cNvPr>
+          <p:cNvPicPr>
+            <a:picLocks noChangeAspect="1" noChangeArrowheads="1"/>
+          </p:cNvPicPr>
+          <p:nvPr/>
+        </p:nvPicPr>
+        <p:blipFill>
+          <a:blip r:embed="rId6">
+            <a:extLst>
+              <a:ext uri="{28A0092B-C50C-407E-A947-70E740481C1C}">
+                <a14:useLocalDpi xmlns:a14="http://schemas.microsoft.com/office/drawing/2010/main" val="0"/>
+              </a:ext>
+            </a:extLst>
+          </a:blip>
+          <a:srcRect/>
+          <a:stretch>
+            <a:fillRect/>
+          </a:stretch>
+        </p:blipFill>
+        <p:spPr bwMode="auto">
+          <a:xfrm>
+            <a:off x="7849959" y="379411"/>
+            <a:ext cx="3868511" cy="835659"/>
+          </a:xfrm>
+          <a:prstGeom prst="rect">
+            <a:avLst/>
+          </a:prstGeom>
+          <a:noFill/>
+          <a:extLst>
+            <a:ext uri="{909E8E84-426E-40DD-AFC4-6F175D3DCCD1}">
+              <a14:hiddenFill xmlns:a14="http://schemas.microsoft.com/office/drawing/2010/main">
+                <a:solidFill>
+                  <a:srgbClr val="FFFFFF"/>
+                </a:solidFill>
+              </a14:hiddenFill>
+            </a:ext>
+          </a:extLst>
+        </p:spPr>
+      </p:pic>
+      <p:sp>
+        <p:nvSpPr>
+          <p:cNvPr id="2055" name="CasellaDiTesto 2054">
+            <a:extLst>
+              <a:ext uri="{FF2B5EF4-FFF2-40B4-BE49-F238E27FC236}">
+                <a16:creationId xmlns:a16="http://schemas.microsoft.com/office/drawing/2014/main" id="{A1E0E999-43FC-4266-8C6E-D271A99CDE1F}"/>
+              </a:ext>
+            </a:extLst>
+          </p:cNvPr>
+          <p:cNvSpPr txBox="1"/>
+          <p:nvPr/>
+        </p:nvSpPr>
+        <p:spPr>
+          <a:xfrm>
+            <a:off x="5341490" y="5821294"/>
+            <a:ext cx="2147511" cy="369332"/>
+          </a:xfrm>
+          <a:prstGeom prst="rect">
+            <a:avLst/>
+          </a:prstGeom>
+          <a:noFill/>
+        </p:spPr>
+        <p:txBody>
+          <a:bodyPr wrap="none" rtlCol="0">
+            <a:spAutoFit/>
+          </a:bodyPr>
+          <a:lstStyle/>
+          <a:p>
+            <a:r>
+              <a:rPr lang="it-IT" dirty="0"/>
+              <a:t>Kubernetes Cluster</a:t>
+            </a:r>
+          </a:p>
+        </p:txBody>
+      </p:sp>
+      <p:sp>
+        <p:nvSpPr>
+          <p:cNvPr id="43" name="CasellaDiTesto 42">
+            <a:extLst>
+              <a:ext uri="{FF2B5EF4-FFF2-40B4-BE49-F238E27FC236}">
+                <a16:creationId xmlns:a16="http://schemas.microsoft.com/office/drawing/2014/main" id="{483EB8A7-FA96-454D-8010-6A55BF0E3A5A}"/>
+              </a:ext>
+            </a:extLst>
+          </p:cNvPr>
+          <p:cNvSpPr txBox="1"/>
+          <p:nvPr/>
+        </p:nvSpPr>
+        <p:spPr>
+          <a:xfrm>
+            <a:off x="3024192" y="3991937"/>
+            <a:ext cx="2005677" cy="369332"/>
+          </a:xfrm>
+          <a:prstGeom prst="rect">
+            <a:avLst/>
+          </a:prstGeom>
+          <a:noFill/>
+        </p:spPr>
+        <p:txBody>
+          <a:bodyPr wrap="none" rtlCol="0">
+            <a:spAutoFit/>
+          </a:bodyPr>
+          <a:lstStyle/>
+          <a:p>
+            <a:r>
+              <a:rPr lang="it-IT" dirty="0"/>
+              <a:t>Ingress Controller</a:t>
+            </a:r>
+          </a:p>
+        </p:txBody>
+      </p:sp>
+    </p:spTree>
+    <p:extLst>
+      <p:ext uri="{BB962C8B-B14F-4D97-AF65-F5344CB8AC3E}">
+        <p14:creationId xmlns:p14="http://schemas.microsoft.com/office/powerpoint/2010/main" val="1822191568"/>
+      </p:ext>
+    </p:extLst>
+  </p:cSld>
+  <p:clrMapOvr>
+    <a:masterClrMapping/>
+  </p:clrMapOvr>
+</p:sld>
+</file>
+
+<file path=ppt/slides/slide24.xml><?xml version="1.0" encoding="utf-8"?>
+<p:sld xmlns:a="http://schemas.openxmlformats.org/drawingml/2006/main" xmlns:r="http://schemas.openxmlformats.org/officeDocument/2006/relationships" xmlns:p="http://schemas.openxmlformats.org/presentationml/2006/main">
+  <p:cSld>
+    <p:spTree>
+      <p:nvGrpSpPr>
+        <p:cNvPr id="1" name=""/>
+        <p:cNvGrpSpPr/>
+        <p:nvPr/>
+      </p:nvGrpSpPr>
+      <p:grpSpPr>
+        <a:xfrm>
+          <a:off x="0" y="0"/>
+          <a:ext cx="0" cy="0"/>
+          <a:chOff x="0" y="0"/>
+          <a:chExt cx="0" cy="0"/>
+        </a:xfrm>
+      </p:grpSpPr>
+      <p:sp>
+        <p:nvSpPr>
+          <p:cNvPr id="2" name="Titolo 1">
+            <a:extLst>
+              <a:ext uri="{FF2B5EF4-FFF2-40B4-BE49-F238E27FC236}">
+                <a16:creationId xmlns:a16="http://schemas.microsoft.com/office/drawing/2014/main" id="{23BC9074-18A7-45BD-8893-27579CE5DA19}"/>
+              </a:ext>
+            </a:extLst>
+          </p:cNvPr>
+          <p:cNvSpPr>
+            <a:spLocks noGrp="1"/>
+          </p:cNvSpPr>
+          <p:nvPr>
+            <p:ph type="title"/>
+          </p:nvPr>
+        </p:nvSpPr>
+        <p:spPr/>
+        <p:txBody>
+          <a:bodyPr/>
+          <a:lstStyle/>
+          <a:p>
+            <a:r>
+              <a:rPr lang="it-IT" dirty="0"/>
+              <a:t>Backup</a:t>
+            </a:r>
+          </a:p>
+        </p:txBody>
+      </p:sp>
+      <p:sp>
+        <p:nvSpPr>
+          <p:cNvPr id="3" name="Segnaposto contenuto 2">
+            <a:extLst>
+              <a:ext uri="{FF2B5EF4-FFF2-40B4-BE49-F238E27FC236}">
+                <a16:creationId xmlns:a16="http://schemas.microsoft.com/office/drawing/2014/main" id="{0B741058-154A-4912-B219-3EFCF1109346}"/>
+              </a:ext>
+            </a:extLst>
+          </p:cNvPr>
+          <p:cNvSpPr>
+            <a:spLocks noGrp="1"/>
+          </p:cNvSpPr>
+          <p:nvPr>
+            <p:ph idx="1"/>
+          </p:nvPr>
+        </p:nvSpPr>
+        <p:spPr/>
+        <p:txBody>
+          <a:bodyPr/>
+          <a:lstStyle/>
+          <a:p>
+            <a:endParaRPr lang="it-IT"/>
+          </a:p>
+        </p:txBody>
+      </p:sp>
+    </p:spTree>
+    <p:extLst>
+      <p:ext uri="{BB962C8B-B14F-4D97-AF65-F5344CB8AC3E}">
+        <p14:creationId xmlns:p14="http://schemas.microsoft.com/office/powerpoint/2010/main" val="2456765240"/>
+      </p:ext>
+    </p:extLst>
+  </p:cSld>
+  <p:clrMapOvr>
+    <a:masterClrMapping/>
+  </p:clrMapOvr>
+</p:sld>
+</file>
+
+<file path=ppt/slides/slide25.xml><?xml version="1.0" encoding="utf-8"?>
+<p:sld xmlns:a="http://schemas.openxmlformats.org/drawingml/2006/main" xmlns:r="http://schemas.openxmlformats.org/officeDocument/2006/relationships" xmlns:p="http://schemas.openxmlformats.org/presentationml/2006/main">
+  <p:cSld>
+    <p:spTree>
+      <p:nvGrpSpPr>
+        <p:cNvPr id="1" name=""/>
+        <p:cNvGrpSpPr/>
+        <p:nvPr/>
+      </p:nvGrpSpPr>
+      <p:grpSpPr>
+        <a:xfrm>
+          <a:off x="0" y="0"/>
+          <a:ext cx="0" cy="0"/>
+          <a:chOff x="0" y="0"/>
+          <a:chExt cx="0" cy="0"/>
+        </a:xfrm>
+      </p:grpSpPr>
+      <p:sp>
+        <p:nvSpPr>
+          <p:cNvPr id="2" name="Titolo 1">
+            <a:extLst>
+              <a:ext uri="{FF2B5EF4-FFF2-40B4-BE49-F238E27FC236}">
+                <a16:creationId xmlns:a16="http://schemas.microsoft.com/office/drawing/2014/main" id="{390F3EB2-CCD3-4263-8C51-13A0788C3F71}"/>
+              </a:ext>
+            </a:extLst>
+          </p:cNvPr>
+          <p:cNvSpPr>
+            <a:spLocks noGrp="1"/>
+          </p:cNvSpPr>
+          <p:nvPr>
+            <p:ph type="title"/>
+          </p:nvPr>
+        </p:nvSpPr>
+        <p:spPr/>
+        <p:txBody>
+          <a:bodyPr/>
+          <a:lstStyle/>
+          <a:p>
+            <a:r>
               <a:rPr lang="it-IT" dirty="0"/>
               <a:t>Service </a:t>
             </a:r>
@@ -9267,7 +11694,7 @@
 </p:sld>
 </file>
 
-<file path=ppt/slides/slide21.xml><?xml version="1.0" encoding="utf-8"?>
+<file path=ppt/slides/slide26.xml><?xml version="1.0" encoding="utf-8"?>
 <p:sld xmlns:a="http://schemas.openxmlformats.org/drawingml/2006/main" xmlns:r="http://schemas.openxmlformats.org/officeDocument/2006/relationships" xmlns:p="http://schemas.openxmlformats.org/presentationml/2006/main">
   <p:cSld>
     <p:spTree>
@@ -13209,11 +15636,11 @@
             </a:r>
             <a:r>
               <a:rPr lang="it-IT" dirty="0"/>
-              <a:t> </a:t>
+              <a:t> Application </a:t>
             </a:r>
             <a:r>
               <a:rPr lang="it-IT" dirty="0" err="1"/>
-              <a:t>Autoscaling</a:t>
+              <a:t>Scaling</a:t>
             </a:r>
             <a:endParaRPr lang="it-IT" dirty="0"/>
           </a:p>
@@ -13445,6 +15872,53 @@
           <a:xfrm>
             <a:off x="623087" y="1859530"/>
             <a:ext cx="8650915" cy="3743098"/>
+          </a:xfrm>
+          <a:prstGeom prst="rect">
+            <a:avLst/>
+          </a:prstGeom>
+          <a:noFill/>
+          <a:extLst>
+            <a:ext uri="{909E8E84-426E-40DD-AFC4-6F175D3DCCD1}">
+              <a14:hiddenFill xmlns:a14="http://schemas.microsoft.com/office/drawing/2010/main">
+                <a:solidFill>
+                  <a:srgbClr val="FFFFFF"/>
+                </a:solidFill>
+              </a14:hiddenFill>
+            </a:ext>
+          </a:extLst>
+        </p:spPr>
+      </p:pic>
+      <p:pic>
+        <p:nvPicPr>
+          <p:cNvPr id="4" name="Picture 4" descr="Risultati immagini per kubernetes logo">
+            <a:extLst>
+              <a:ext uri="{FF2B5EF4-FFF2-40B4-BE49-F238E27FC236}">
+                <a16:creationId xmlns:a16="http://schemas.microsoft.com/office/drawing/2014/main" id="{A8E08D4B-B952-4C8C-888E-0A96866EE884}"/>
+              </a:ext>
+            </a:extLst>
+          </p:cNvPr>
+          <p:cNvPicPr>
+            <a:picLocks noChangeAspect="1" noChangeArrowheads="1"/>
+          </p:cNvPicPr>
+          <p:nvPr/>
+        </p:nvPicPr>
+        <p:blipFill>
+          <a:blip r:embed="rId3">
+            <a:extLst>
+              <a:ext uri="{28A0092B-C50C-407E-A947-70E740481C1C}">
+                <a14:useLocalDpi xmlns:a14="http://schemas.microsoft.com/office/drawing/2010/main" val="0"/>
+              </a:ext>
+            </a:extLst>
+          </a:blip>
+          <a:srcRect/>
+          <a:stretch>
+            <a:fillRect/>
+          </a:stretch>
+        </p:blipFill>
+        <p:spPr bwMode="auto">
+          <a:xfrm>
+            <a:off x="7849959" y="379411"/>
+            <a:ext cx="3868511" cy="835659"/>
           </a:xfrm>
           <a:prstGeom prst="rect">
             <a:avLst/>
